--- a/presentations/Method5.pptx
+++ b/presentations/Method5.pptx
@@ -5,10 +5,10 @@
     <p:sldMasterId id="2147483648" r:id="rId1"/>
   </p:sldMasterIdLst>
   <p:notesMasterIdLst>
-    <p:notesMasterId r:id="rId17"/>
+    <p:notesMasterId r:id="rId18"/>
   </p:notesMasterIdLst>
   <p:handoutMasterIdLst>
-    <p:handoutMasterId r:id="rId18"/>
+    <p:handoutMasterId r:id="rId19"/>
   </p:handoutMasterIdLst>
   <p:sldIdLst>
     <p:sldId id="256" r:id="rId2"/>
@@ -18,14 +18,15 @@
     <p:sldId id="258" r:id="rId6"/>
     <p:sldId id="259" r:id="rId7"/>
     <p:sldId id="262" r:id="rId8"/>
-    <p:sldId id="263" r:id="rId9"/>
-    <p:sldId id="261" r:id="rId10"/>
-    <p:sldId id="270" r:id="rId11"/>
-    <p:sldId id="264" r:id="rId12"/>
-    <p:sldId id="265" r:id="rId13"/>
-    <p:sldId id="266" r:id="rId14"/>
-    <p:sldId id="267" r:id="rId15"/>
-    <p:sldId id="268" r:id="rId16"/>
+    <p:sldId id="271" r:id="rId9"/>
+    <p:sldId id="263" r:id="rId10"/>
+    <p:sldId id="261" r:id="rId11"/>
+    <p:sldId id="270" r:id="rId12"/>
+    <p:sldId id="264" r:id="rId13"/>
+    <p:sldId id="265" r:id="rId14"/>
+    <p:sldId id="266" r:id="rId15"/>
+    <p:sldId id="267" r:id="rId16"/>
+    <p:sldId id="268" r:id="rId17"/>
   </p:sldIdLst>
   <p:sldSz cx="9144000" cy="6858000" type="screen4x3"/>
   <p:notesSz cx="6858000" cy="9144000"/>
@@ -209,7 +210,7 @@
           <a:p>
             <a:fld id="{E8184847-EC06-4734-8E30-343A2DA340C9}" type="datetimeFigureOut">
               <a:rPr lang="en-US" smtClean="0"/>
-              <a:t>2017-01-04</a:t>
+              <a:t>2017-01-12</a:t>
             </a:fld>
             <a:endParaRPr lang="en-US"/>
           </a:p>
@@ -374,7 +375,7 @@
           <a:p>
             <a:fld id="{DC284B00-8F05-4CB2-A4E6-4A642AFA915E}" type="datetimeFigureOut">
               <a:rPr lang="en-US" smtClean="0"/>
-              <a:t>2017-01-04</a:t>
+              <a:t>2017-01-12</a:t>
             </a:fld>
             <a:endParaRPr lang="en-US"/>
           </a:p>
@@ -774,38 +775,64 @@
               <a:buNone/>
             </a:pPr>
             <a:r>
-              <a:rPr lang="en-US" dirty="0" smtClean="0"/>
-              <a:t>1. Like</a:t>
+              <a:rPr lang="en-US" b="1" dirty="0" smtClean="0"/>
+              <a:t>1. </a:t>
+            </a:r>
+            <a:r>
+              <a:rPr lang="en-US" b="1" dirty="0" smtClean="0"/>
+              <a:t>Tables -</a:t>
+            </a:r>
+            <a:r>
+              <a:rPr lang="en-US" dirty="0" smtClean="0"/>
+              <a:t> Every execution</a:t>
             </a:r>
             <a:r>
               <a:rPr lang="en-US" baseline="0" dirty="0" smtClean="0"/>
-              <a:t> any good database solution, the heavy-lifting is done with SQL statements glued together with PL/SQL.  The dynamic code is nested several levels deep.  To avoid the typical concatenation-hell, the alternative quoting mechanism and REPLACE are used.  This simple trick makes dynamic code drastically more readable.</a:t>
-            </a:r>
+              <a:t> automatically generates three tables.  The tables are given default names if none are specified.  The tables contain the data, the metadata, and the errors.</a:t>
+            </a:r>
+            <a:endParaRPr lang="en-US" dirty="0" smtClean="0"/>
           </a:p>
           <a:p>
             <a:pPr marL="0" indent="0">
               <a:buNone/>
             </a:pPr>
             <a:r>
+              <a:rPr lang="en-US" b="1" dirty="0" smtClean="0"/>
+              <a:t>2. </a:t>
+            </a:r>
+            <a:r>
+              <a:rPr lang="en-US" b="1" dirty="0" smtClean="0"/>
+              <a:t>Views -</a:t>
+            </a:r>
+            <a:r>
+              <a:rPr lang="en-US" dirty="0" smtClean="0"/>
+              <a:t> Since you may not know or remember the table names used, three</a:t>
+            </a:r>
+            <a:r>
               <a:rPr lang="en-US" baseline="0" dirty="0" smtClean="0"/>
-              <a:t>2. Database links are what ties everything together.  Database links have gotten a bad reputation.  Yes, many people make horrible mistakes with them, but when used right it makes inter-database communication incredibly simple.</a:t>
-            </a:r>
+              <a:t> views are created in your schema.  These views always reference the last run.  They are M5_RESULTS, M5_METADATA, and M5_ERRORS.</a:t>
+            </a:r>
+            <a:endParaRPr lang="en-US" dirty="0" smtClean="0"/>
           </a:p>
           <a:p>
             <a:pPr marL="0" indent="0">
               <a:buNone/>
             </a:pPr>
             <a:r>
+              <a:rPr lang="en-US" b="1" dirty="0" smtClean="0"/>
+              <a:t>3.</a:t>
+            </a:r>
+            <a:r>
+              <a:rPr lang="en-US" b="1" baseline="0" dirty="0" smtClean="0"/>
+              <a:t> </a:t>
+            </a:r>
+            <a:r>
+              <a:rPr lang="en-US" b="1" baseline="0" dirty="0" smtClean="0"/>
+              <a:t>M5_ links - </a:t>
+            </a:r>
+            <a:r>
               <a:rPr lang="en-US" baseline="0" dirty="0" smtClean="0"/>
-              <a:t>3. 99% of all Oracle SQL code parsing or code transformation  programs are fundamentally broken.  Things like statement classification and terminator removal are often handled with simple  regular expressions.  SQL and PL/SQL are insanely complicated languages, with over 2,000 keywords and 30 years of syntax history.  A proper </a:t>
-            </a:r>
-            <a:r>
-              <a:rPr lang="en-US" baseline="0" dirty="0" err="1" smtClean="0"/>
-              <a:t>lexer</a:t>
-            </a:r>
-            <a:r>
-              <a:rPr lang="en-US" baseline="0" dirty="0" smtClean="0"/>
-              <a:t> is a requirement to build a robust system that can handle any code.</a:t>
+              <a:t>Database links are automatically copied and synchronized to your schema.  This can be useful for many ad hoc tasks.  Simply use @M5_$DBNAME in queries or through DBMS_UTILTY.EXECUTE_DDL_STATEMENT.</a:t>
             </a:r>
           </a:p>
           <a:p>
@@ -813,8 +840,16 @@
               <a:buNone/>
             </a:pPr>
             <a:r>
+              <a:rPr lang="en-US" b="1" baseline="0" dirty="0" smtClean="0"/>
+              <a:t>4. </a:t>
+            </a:r>
+            <a:r>
+              <a:rPr lang="en-US" b="1" baseline="0" dirty="0" smtClean="0"/>
+              <a:t>Global Data Dictionary - </a:t>
+            </a:r>
+            <a:r>
               <a:rPr lang="en-US" baseline="0" dirty="0" smtClean="0"/>
-              <a:t>4. Scheduler and pipes work together to enable parallelism and asynchronous processing.</a:t>
+              <a:t>Every night Method5 gathers some common data into tables such as M5_DBA_TABLES, M5_USER$, M5_DBA_ROLE_PRIVS, M5_DBA_SYS_PRIVS, and M5_DBA_TAB_PRIVS.  Having this data instantly available makes some tasks much simpler, such as finding out where a user exists, or where an object is granted.</a:t>
             </a:r>
           </a:p>
           <a:p>
@@ -822,17 +857,16 @@
               <a:buNone/>
             </a:pPr>
             <a:r>
+              <a:rPr lang="en-US" b="1" baseline="0" dirty="0" smtClean="0"/>
+              <a:t>5. </a:t>
+            </a:r>
+            <a:r>
+              <a:rPr lang="en-US" b="1" baseline="0" dirty="0" smtClean="0"/>
+              <a:t>Limits - </a:t>
+            </a:r>
+            <a:r>
               <a:rPr lang="en-US" baseline="0" dirty="0" smtClean="0"/>
-              <a:t>5. Everything is configured in tables.  You don't have to worry about XML configuration files or agent parameter files.</a:t>
-            </a:r>
-          </a:p>
-          <a:p>
-            <a:pPr marL="0" indent="0">
-              <a:buNone/>
-            </a:pPr>
-            <a:r>
-              <a:rPr lang="en-US" baseline="0" dirty="0" smtClean="0"/>
-              <a:t>6. Oracle Data Cartridge is the magic (or at least cryptic) piece that allows Method5 to extend Oracle SQL.  It provides the ability to return "anything", dynamically, in a SQL context.  Running dynamic SQL in SQL is much harder than it sounds.</a:t>
+              <a:t>Method5 currently only runs SQL and PL/SQL statements.  It does not (yet) run operating system commands or SQL*Plus scripts.  It also (currently) only runs as DBA so you cannot perform tasks as SYSDBA.</a:t>
             </a:r>
             <a:endParaRPr lang="en-US" dirty="0"/>
           </a:p>
@@ -864,7 +898,7 @@
     </p:spTree>
     <p:extLst>
       <p:ext uri="{BB962C8B-B14F-4D97-AF65-F5344CB8AC3E}">
-        <p14:creationId xmlns:p14="http://schemas.microsoft.com/office/powerpoint/2010/main" val="1500454840"/>
+        <p14:creationId xmlns:p14="http://schemas.microsoft.com/office/powerpoint/2010/main" val="2408283472"/>
       </p:ext>
     </p:extLst>
   </p:cSld>
@@ -918,68 +952,69 @@
           <a:bodyPr/>
           <a:lstStyle/>
           <a:p>
-            <a:r>
-              <a:rPr lang="en-US" dirty="0" smtClean="0"/>
-              <a:t>1. Requirements - You must have a central</a:t>
+            <a:pPr marL="0" indent="0">
+              <a:buNone/>
+            </a:pPr>
+            <a:r>
+              <a:rPr lang="en-US" dirty="0" smtClean="0"/>
+              <a:t>1. Like</a:t>
             </a:r>
             <a:r>
               <a:rPr lang="en-US" baseline="0" dirty="0" smtClean="0"/>
-              <a:t> management database that can communicate with all other database.  You must have SYSDBA to install, and DBA privileges to use.  Any currently-supported platform, version, or edition will work.  (And probably some unsupported ones also.)</a:t>
-            </a:r>
-          </a:p>
-          <a:p>
-            <a:r>
-              <a:rPr lang="en-US" dirty="0" smtClean="0"/>
-              <a:t>2. Only one person needs to install and administer it.  The configuration is automatically applied to other users.</a:t>
-            </a:r>
-          </a:p>
-          <a:p>
-            <a:r>
-              <a:rPr lang="en-US" dirty="0" smtClean="0"/>
-              <a:t>3. Download the free, open source code from GitHub and follow the instructions.</a:t>
-            </a:r>
-          </a:p>
-          <a:p>
-            <a:r>
-              <a:rPr lang="en-US" dirty="0" smtClean="0"/>
-              <a:t>4. The code is 100% inside the database - there are no agents, plugins, websites, configuration files, etc.</a:t>
-            </a:r>
-          </a:p>
-          <a:p>
-            <a:r>
-              <a:rPr lang="en-US" dirty="0" smtClean="0"/>
-              <a:t>5. The</a:t>
-            </a:r>
+              <a:t> any good database solution, the heavy-lifting is done with SQL statements glued together with PL/SQL.  The dynamic code is nested several levels deep.  To avoid the typical concatenation-hell, the alternative quoting mechanism and REPLACE are used.  This simple trick makes dynamic code drastically more readable.</a:t>
+            </a:r>
+          </a:p>
+          <a:p>
+            <a:pPr marL="0" indent="0">
+              <a:buNone/>
+            </a:pPr>
             <a:r>
               <a:rPr lang="en-US" baseline="0" dirty="0" smtClean="0"/>
-              <a:t> level of effort can vary widely depending on how standardized your environment is.  1000 perfectly-standardized databases will be easier than 10 databases all with different platforms, versions, and configurations.  One of the nice side-effects of Method5 is that it really drives home how useful standardization can be.  You may want to work on one environment at a time; you don't need to get every database working in order to use this.</a:t>
-            </a:r>
-          </a:p>
-          <a:p>
+              <a:t>2. Database links are what ties everything together.  Database links have gotten a bad reputation.  Yes, many people make horrible mistakes with them, but when used right it makes inter-database communication incredibly simple.</a:t>
+            </a:r>
+          </a:p>
+          <a:p>
+            <a:pPr marL="0" indent="0">
+              <a:buNone/>
+            </a:pPr>
             <a:r>
               <a:rPr lang="en-US" baseline="0" dirty="0" smtClean="0"/>
-              <a:t>6. If you encounter any problems you can create a GitHub issue on the repository or you can email Jon Heller at either hjon@ventechsolutions.com or jon@jonheller.org.</a:t>
-            </a:r>
-          </a:p>
-          <a:p>
-            <a:endParaRPr lang="en-US" baseline="0" dirty="0" smtClean="0"/>
-          </a:p>
-          <a:p>
-            <a:r>
-              <a:rPr lang="en-US" dirty="0" smtClean="0"/>
-              <a:t>Most DBAs have everything they need to get started in about</a:t>
+              <a:t>3. 99% of all Oracle SQL code parsing or code transformation  programs are fundamentally broken.  Things like statement classification and terminator removal are often handled with simple  regular expressions.  SQL and PL/SQL are insanely complicated languages, with over 2,000 keywords and 30 years of syntax history.  A proper </a:t>
+            </a:r>
+            <a:r>
+              <a:rPr lang="en-US" baseline="0" dirty="0" err="1" smtClean="0"/>
+              <a:t>lexer</a:t>
             </a:r>
             <a:r>
               <a:rPr lang="en-US" baseline="0" dirty="0" smtClean="0"/>
-              <a:t> an hour.</a:t>
-            </a:r>
-            <a:r>
-              <a:rPr lang="en-US" dirty="0" smtClean="0"/>
-              <a:t>  You don't need to buy anything, sign up for anything, or install any operating system binaries.  The installation and</a:t>
-            </a:r>
+              <a:t> is a requirement to build a robust system that can handle any code.</a:t>
+            </a:r>
+          </a:p>
+          <a:p>
+            <a:pPr marL="0" indent="0">
+              <a:buNone/>
+            </a:pPr>
             <a:r>
               <a:rPr lang="en-US" baseline="0" dirty="0" smtClean="0"/>
-              <a:t> administration tasks aren't that different from what you do on a day-to-day basis.</a:t>
+              <a:t>4. Scheduler and pipes work together to enable parallelism and asynchronous processing.</a:t>
+            </a:r>
+          </a:p>
+          <a:p>
+            <a:pPr marL="0" indent="0">
+              <a:buNone/>
+            </a:pPr>
+            <a:r>
+              <a:rPr lang="en-US" baseline="0" dirty="0" smtClean="0"/>
+              <a:t>5. Everything is configured in tables.  You don't have to worry about XML configuration files or agent parameter files.</a:t>
+            </a:r>
+          </a:p>
+          <a:p>
+            <a:pPr marL="0" indent="0">
+              <a:buNone/>
+            </a:pPr>
+            <a:r>
+              <a:rPr lang="en-US" baseline="0" dirty="0" smtClean="0"/>
+              <a:t>6. Oracle Data Cartridge is the magic (or at least cryptic) piece that allows Method5 to extend Oracle SQL.  It provides the ability to return "anything", dynamically, in a SQL context.  Running dynamic SQL in SQL is much harder than it sounds.</a:t>
             </a:r>
             <a:endParaRPr lang="en-US" dirty="0"/>
           </a:p>
@@ -1011,7 +1046,7 @@
     </p:spTree>
     <p:extLst>
       <p:ext uri="{BB962C8B-B14F-4D97-AF65-F5344CB8AC3E}">
-        <p14:creationId xmlns:p14="http://schemas.microsoft.com/office/powerpoint/2010/main" val="489585203"/>
+        <p14:creationId xmlns:p14="http://schemas.microsoft.com/office/powerpoint/2010/main" val="1500454840"/>
       </p:ext>
     </p:extLst>
   </p:cSld>
@@ -1065,6 +1100,69 @@
           <a:bodyPr/>
           <a:lstStyle/>
           <a:p>
+            <a:r>
+              <a:rPr lang="en-US" dirty="0" smtClean="0"/>
+              <a:t>1. Requirements - You must have a central</a:t>
+            </a:r>
+            <a:r>
+              <a:rPr lang="en-US" baseline="0" dirty="0" smtClean="0"/>
+              <a:t> management database that can communicate with all other database.  You must have SYSDBA to install, and DBA privileges to use.  Any currently-supported platform, version, or edition will work.  (And probably some unsupported ones also.)</a:t>
+            </a:r>
+          </a:p>
+          <a:p>
+            <a:r>
+              <a:rPr lang="en-US" dirty="0" smtClean="0"/>
+              <a:t>2. Only one person needs to install and administer it.  The configuration is automatically applied to other users.</a:t>
+            </a:r>
+          </a:p>
+          <a:p>
+            <a:r>
+              <a:rPr lang="en-US" dirty="0" smtClean="0"/>
+              <a:t>3. Download the free, open source code from GitHub and follow the instructions.</a:t>
+            </a:r>
+          </a:p>
+          <a:p>
+            <a:r>
+              <a:rPr lang="en-US" dirty="0" smtClean="0"/>
+              <a:t>4. The code is 100% inside the database - there are no agents, plugins, websites, configuration files, etc.</a:t>
+            </a:r>
+          </a:p>
+          <a:p>
+            <a:r>
+              <a:rPr lang="en-US" dirty="0" smtClean="0"/>
+              <a:t>5. The</a:t>
+            </a:r>
+            <a:r>
+              <a:rPr lang="en-US" baseline="0" dirty="0" smtClean="0"/>
+              <a:t> level of effort can vary widely depending on how standardized your environment is.  1000 perfectly-standardized databases will be easier than 10 databases all with different platforms, versions, and configurations.  One of the nice side-effects of Method5 is that it really drives home how useful standardization can be.  You may want to work on one environment at a time; you don't need to get every database working in order to use this.</a:t>
+            </a:r>
+          </a:p>
+          <a:p>
+            <a:r>
+              <a:rPr lang="en-US" baseline="0" dirty="0" smtClean="0"/>
+              <a:t>6. If you encounter any problems you can create a GitHub issue on the repository or you can email Jon Heller at either hjon@ventechsolutions.com or jon@jonheller.org.</a:t>
+            </a:r>
+          </a:p>
+          <a:p>
+            <a:endParaRPr lang="en-US" baseline="0" dirty="0" smtClean="0"/>
+          </a:p>
+          <a:p>
+            <a:r>
+              <a:rPr lang="en-US" dirty="0" smtClean="0"/>
+              <a:t>Most DBAs have everything they need to get started in about</a:t>
+            </a:r>
+            <a:r>
+              <a:rPr lang="en-US" baseline="0" dirty="0" smtClean="0"/>
+              <a:t> an hour.</a:t>
+            </a:r>
+            <a:r>
+              <a:rPr lang="en-US" dirty="0" smtClean="0"/>
+              <a:t>  You don't need to buy anything, sign up for anything, or install any operating system binaries.  The installation and</a:t>
+            </a:r>
+            <a:r>
+              <a:rPr lang="en-US" baseline="0" dirty="0" smtClean="0"/>
+              <a:t> administration tasks aren't that different from what you do on a day-to-day basis.</a:t>
+            </a:r>
             <a:endParaRPr lang="en-US" dirty="0"/>
           </a:p>
         </p:txBody>
@@ -1086,7 +1184,7 @@
           <a:p>
             <a:fld id="{72AE7ADF-BF07-437B-AD5B-68C1A8D7189D}" type="slidenum">
               <a:rPr lang="en-US" smtClean="0"/>
-              <a:t>14</a:t>
+              <a:t>13</a:t>
             </a:fld>
             <a:endParaRPr lang="en-US"/>
           </a:p>
@@ -1095,7 +1193,7 @@
     </p:spTree>
     <p:extLst>
       <p:ext uri="{BB962C8B-B14F-4D97-AF65-F5344CB8AC3E}">
-        <p14:creationId xmlns:p14="http://schemas.microsoft.com/office/powerpoint/2010/main" val="2277858703"/>
+        <p14:creationId xmlns:p14="http://schemas.microsoft.com/office/powerpoint/2010/main" val="489585203"/>
       </p:ext>
     </p:extLst>
   </p:cSld>
@@ -1149,6 +1247,90 @@
           <a:bodyPr/>
           <a:lstStyle/>
           <a:p>
+            <a:endParaRPr lang="en-US" dirty="0"/>
+          </a:p>
+        </p:txBody>
+      </p:sp>
+      <p:sp>
+        <p:nvSpPr>
+          <p:cNvPr id="4" name="Slide Number Placeholder 3"/>
+          <p:cNvSpPr>
+            <a:spLocks noGrp="1"/>
+          </p:cNvSpPr>
+          <p:nvPr>
+            <p:ph type="sldNum" sz="quarter" idx="10"/>
+          </p:nvPr>
+        </p:nvSpPr>
+        <p:spPr/>
+        <p:txBody>
+          <a:bodyPr/>
+          <a:lstStyle/>
+          <a:p>
+            <a:fld id="{72AE7ADF-BF07-437B-AD5B-68C1A8D7189D}" type="slidenum">
+              <a:rPr lang="en-US" smtClean="0"/>
+              <a:t>15</a:t>
+            </a:fld>
+            <a:endParaRPr lang="en-US"/>
+          </a:p>
+        </p:txBody>
+      </p:sp>
+    </p:spTree>
+    <p:extLst>
+      <p:ext uri="{BB962C8B-B14F-4D97-AF65-F5344CB8AC3E}">
+        <p14:creationId xmlns:p14="http://schemas.microsoft.com/office/powerpoint/2010/main" val="2277858703"/>
+      </p:ext>
+    </p:extLst>
+  </p:cSld>
+  <p:clrMapOvr>
+    <a:masterClrMapping/>
+  </p:clrMapOvr>
+</p:notes>
+</file>
+
+<file path=ppt/notesSlides/notesSlide14.xml><?xml version="1.0" encoding="utf-8"?>
+<p:notes xmlns:a="http://schemas.openxmlformats.org/drawingml/2006/main" xmlns:r="http://schemas.openxmlformats.org/officeDocument/2006/relationships" xmlns:p="http://schemas.openxmlformats.org/presentationml/2006/main">
+  <p:cSld>
+    <p:spTree>
+      <p:nvGrpSpPr>
+        <p:cNvPr id="1" name=""/>
+        <p:cNvGrpSpPr/>
+        <p:nvPr/>
+      </p:nvGrpSpPr>
+      <p:grpSpPr>
+        <a:xfrm>
+          <a:off x="0" y="0"/>
+          <a:ext cx="0" cy="0"/>
+          <a:chOff x="0" y="0"/>
+          <a:chExt cx="0" cy="0"/>
+        </a:xfrm>
+      </p:grpSpPr>
+      <p:sp>
+        <p:nvSpPr>
+          <p:cNvPr id="2" name="Slide Image Placeholder 1"/>
+          <p:cNvSpPr>
+            <a:spLocks noGrp="1" noRot="1" noChangeAspect="1"/>
+          </p:cNvSpPr>
+          <p:nvPr>
+            <p:ph type="sldImg"/>
+          </p:nvPr>
+        </p:nvSpPr>
+        <p:spPr/>
+      </p:sp>
+      <p:sp>
+        <p:nvSpPr>
+          <p:cNvPr id="3" name="Notes Placeholder 2"/>
+          <p:cNvSpPr>
+            <a:spLocks noGrp="1"/>
+          </p:cNvSpPr>
+          <p:nvPr>
+            <p:ph type="body" idx="1"/>
+          </p:nvPr>
+        </p:nvSpPr>
+        <p:spPr/>
+        <p:txBody>
+          <a:bodyPr/>
+          <a:lstStyle/>
+          <a:p>
             <a:r>
               <a:rPr lang="en-US" dirty="0" smtClean="0"/>
               <a:t>1. Method5 isn't simply faster than the alternatives.</a:t>
@@ -1230,7 +1412,7 @@
           <a:p>
             <a:fld id="{72AE7ADF-BF07-437B-AD5B-68C1A8D7189D}" type="slidenum">
               <a:rPr lang="en-US" smtClean="0"/>
-              <a:t>15</a:t>
+              <a:t>16</a:t>
             </a:fld>
             <a:endParaRPr lang="en-US"/>
           </a:p>
@@ -1379,23 +1561,7 @@
           <a:p>
             <a:r>
               <a:rPr lang="en-US" dirty="0" smtClean="0"/>
-              <a:t>1</a:t>
-            </a:r>
-            <a:r>
-              <a:rPr lang="en-US" dirty="0" smtClean="0"/>
-              <a:t>. </a:t>
-            </a:r>
-            <a:r>
-              <a:rPr lang="en-US" dirty="0" smtClean="0"/>
-              <a:t>DBAs spend </a:t>
-            </a:r>
-            <a:r>
-              <a:rPr lang="en-US" dirty="0" smtClean="0"/>
-              <a:t>too much time fixing the same problems again and again on different databases</a:t>
-            </a:r>
-            <a:r>
-              <a:rPr lang="en-US" dirty="0" smtClean="0"/>
-              <a:t>.  When you find a rare problem they won't spend the time</a:t>
+              <a:t>1. DBAs spend too much time fixing the same problems again and again on different databases.  When you find a rare problem they won't spend the time</a:t>
             </a:r>
             <a:r>
               <a:rPr lang="en-US" baseline="0" dirty="0" smtClean="0"/>
@@ -1406,30 +1572,13 @@
           <a:p>
             <a:r>
               <a:rPr lang="en-US" dirty="0" smtClean="0"/>
-              <a:t>2. You can't </a:t>
-            </a:r>
-            <a:r>
-              <a:rPr lang="en-US" dirty="0" smtClean="0"/>
-              <a:t>perform simple tasks or answer </a:t>
-            </a:r>
-            <a:r>
-              <a:rPr lang="en-US" dirty="0" smtClean="0"/>
-              <a:t>simple questions </a:t>
-            </a:r>
-            <a:r>
-              <a:rPr lang="en-US" dirty="0" smtClean="0"/>
-              <a:t>across all your databases.</a:t>
-            </a:r>
-            <a:endParaRPr lang="en-US" dirty="0" smtClean="0"/>
-          </a:p>
-          <a:p>
-            <a:r>
-              <a:rPr lang="en-US" dirty="0" smtClean="0"/>
-              <a:t>3. You have tools to automate common, predefined tasks like cloning, installing, patching, and deployments</a:t>
-            </a:r>
-            <a:r>
-              <a:rPr lang="en-US" dirty="0" smtClean="0"/>
-              <a:t>.  But</a:t>
+              <a:t>2. You can't perform simple tasks or answer simple questions across all your databases.</a:t>
+            </a:r>
+          </a:p>
+          <a:p>
+            <a:r>
+              <a:rPr lang="en-US" dirty="0" smtClean="0"/>
+              <a:t>3. You have tools to automate common, predefined tasks like cloning, installing, patching, and deployments.  But</a:t>
             </a:r>
             <a:r>
               <a:rPr lang="en-US" baseline="0" dirty="0" smtClean="0"/>
@@ -1440,35 +1589,14 @@
           <a:p>
             <a:r>
               <a:rPr lang="en-US" dirty="0" smtClean="0"/>
-              <a:t>4. </a:t>
-            </a:r>
-            <a:r>
-              <a:rPr lang="en-US" dirty="0" smtClean="0"/>
-              <a:t>Your environment has unique challenges.  How do you automate the "other" problems that take up so much time?</a:t>
-            </a:r>
-          </a:p>
-          <a:p>
-            <a:r>
-              <a:rPr lang="en-US" dirty="0" smtClean="0"/>
-              <a:t>5</a:t>
-            </a:r>
-            <a:r>
-              <a:rPr lang="en-US" dirty="0" smtClean="0"/>
-              <a:t>. SQL, PL/SQL, and the relational model help solve many of these problems, but they are stuck inside a single </a:t>
-            </a:r>
-            <a:r>
-              <a:rPr lang="en-US" dirty="0" smtClean="0"/>
-              <a:t>database.  Why </a:t>
-            </a:r>
-            <a:r>
-              <a:rPr lang="en-US" dirty="0" smtClean="0"/>
-              <a:t>can't you treat all of your databases as a single </a:t>
-            </a:r>
-            <a:r>
-              <a:rPr lang="en-US" dirty="0" smtClean="0"/>
-              <a:t>entity?</a:t>
-            </a:r>
-            <a:endParaRPr lang="en-US" dirty="0" smtClean="0"/>
+              <a:t>4. Your environment has unique challenges.  How do you automate the "other" problems that take up so much time?</a:t>
+            </a:r>
+          </a:p>
+          <a:p>
+            <a:r>
+              <a:rPr lang="en-US" dirty="0" smtClean="0"/>
+              <a:t>5. SQL, PL/SQL, and the relational model help solve many of these problems, but they are stuck inside a single database.  Why can't you treat all of your databases as a single entity?</a:t>
+            </a:r>
           </a:p>
         </p:txBody>
       </p:sp>
@@ -1568,15 +1696,7 @@
           <a:p>
             <a:r>
               <a:rPr lang="en-US" dirty="0" smtClean="0"/>
-              <a:t>1</a:t>
-            </a:r>
-            <a:r>
-              <a:rPr lang="en-US" dirty="0" smtClean="0"/>
-              <a:t>. Existing tools and processes are not nearly good enough to transform the way you work</a:t>
-            </a:r>
-            <a:r>
-              <a:rPr lang="en-US" dirty="0" smtClean="0"/>
-              <a:t>. If you don't use these automation tools multiple times a day then they have failed to significantly help your organization.  Programs like </a:t>
+              <a:t>1. Existing tools and processes are not nearly good enough to transform the way you work. If you don't use these automation tools multiple times a day then they have failed to significantly help your organization.  Programs like </a:t>
             </a:r>
             <a:r>
               <a:rPr lang="en-US" dirty="0" err="1" smtClean="0"/>
@@ -1601,11 +1721,7 @@
           <a:p>
             <a:r>
               <a:rPr lang="en-US" dirty="0" smtClean="0"/>
-              <a:t>3. </a:t>
-            </a:r>
-            <a:r>
-              <a:rPr lang="en-US" dirty="0" smtClean="0"/>
-              <a:t>We don't need more IDEs, plugins, websites, and agents. Good DBAs and developers will not give up their favorite IDE; you'll</a:t>
+              <a:t>3. We don't need more IDEs, plugins, websites, and agents. Good DBAs and developers will not give up their favorite IDE; you'll</a:t>
             </a:r>
             <a:r>
               <a:rPr lang="en-US" baseline="0" dirty="0" smtClean="0"/>
@@ -1640,11 +1756,7 @@
           <a:p>
             <a:r>
               <a:rPr lang="en-US" dirty="0" smtClean="0"/>
-              <a:t>5. </a:t>
-            </a:r>
-            <a:r>
-              <a:rPr lang="en-US" dirty="0" smtClean="0"/>
-              <a:t>Most importantly, none of</a:t>
+              <a:t>5. Most importantly, none of</a:t>
             </a:r>
             <a:r>
               <a:rPr lang="en-US" baseline="0" dirty="0" smtClean="0"/>
@@ -1785,49 +1897,8 @@
             </a:pPr>
             <a:r>
               <a:rPr lang="en-US" dirty="0" smtClean="0"/>
-              <a:t>2.  Dynamic </a:t>
-            </a:r>
-            <a:r>
-              <a:rPr lang="en-US" dirty="0" smtClean="0"/>
-              <a:t>SQL is sometimes classified as Method 1, 2, 3, or </a:t>
-            </a:r>
-            <a:r>
-              <a:rPr lang="en-US" dirty="0" smtClean="0"/>
-              <a:t>4.  Method </a:t>
-            </a:r>
-            <a:r>
-              <a:rPr lang="en-US" dirty="0" smtClean="0"/>
-              <a:t>1 is static, and Method 4 is so dynamic that even the select list is a </a:t>
-            </a:r>
-            <a:r>
-              <a:rPr lang="en-US" dirty="0" smtClean="0"/>
-              <a:t>variable.  You need </a:t>
-            </a:r>
-            <a:r>
-              <a:rPr lang="en-US" dirty="0" smtClean="0"/>
-              <a:t>a new type of dynamic SQL, a Method 5, where even the location is a </a:t>
-            </a:r>
-            <a:r>
-              <a:rPr lang="en-US" dirty="0" smtClean="0"/>
-              <a:t>variable.  This </a:t>
-            </a:r>
-            <a:r>
-              <a:rPr lang="en-US" dirty="0" smtClean="0"/>
-              <a:t>allows </a:t>
-            </a:r>
-            <a:r>
-              <a:rPr lang="en-US" dirty="0" smtClean="0"/>
-              <a:t>you to </a:t>
-            </a:r>
-            <a:r>
-              <a:rPr lang="en-US" dirty="0" smtClean="0"/>
-              <a:t>programmatically control both what to run and where to run it</a:t>
-            </a:r>
-            <a:r>
-              <a:rPr lang="en-US" dirty="0" smtClean="0"/>
-              <a:t>. It should run anywhere SQL can run and should not require anything other than an Oracle database.</a:t>
-            </a:r>
-            <a:endParaRPr lang="en-US" dirty="0" smtClean="0"/>
+              <a:t>2.  Dynamic SQL is sometimes classified as Method 1, 2, 3, or 4.  Method 1 is static, and Method 4 is so dynamic that even the select list is a variable.  You need a new type of dynamic SQL, a Method 5, where even the location is a variable.  This allows you to programmatically control both what to run and where to run it. It should run anywhere SQL can run and should not require anything other than an Oracle database.</a:t>
+            </a:r>
           </a:p>
           <a:p>
             <a:pPr marL="0" marR="0" indent="0" algn="l" defTabSz="914400" rtl="0" eaLnBrk="1" fontAlgn="auto" latinLnBrk="0" hangingPunct="1">
@@ -1946,50 +2017,13 @@
           <a:p>
             <a:r>
               <a:rPr lang="en-US" dirty="0" smtClean="0"/>
-              <a:t>1</a:t>
-            </a:r>
-            <a:r>
-              <a:rPr lang="en-US" dirty="0" smtClean="0"/>
-              <a:t>. </a:t>
-            </a:r>
-            <a:r>
-              <a:rPr lang="en-US" dirty="0" smtClean="0"/>
-              <a:t>You've probably seen this problem </a:t>
-            </a:r>
-            <a:r>
-              <a:rPr lang="en-US" dirty="0" smtClean="0"/>
-              <a:t>solved poorly many times before, you </a:t>
-            </a:r>
-            <a:r>
-              <a:rPr lang="en-US" dirty="0" smtClean="0"/>
-              <a:t>should be </a:t>
-            </a:r>
-            <a:r>
-              <a:rPr lang="en-US" dirty="0" smtClean="0"/>
-              <a:t>skeptical</a:t>
-            </a:r>
-            <a:r>
-              <a:rPr lang="en-US" dirty="0" smtClean="0"/>
-              <a:t>.  There are a lot of horrible ways to do this.</a:t>
-            </a:r>
-            <a:endParaRPr lang="en-US" dirty="0" smtClean="0"/>
-          </a:p>
-          <a:p>
-            <a:r>
-              <a:rPr lang="en-US" dirty="0" smtClean="0"/>
-              <a:t>2. </a:t>
-            </a:r>
-            <a:r>
-              <a:rPr lang="en-US" dirty="0" smtClean="0"/>
-              <a:t>Method5 has been </a:t>
-            </a:r>
-            <a:r>
-              <a:rPr lang="en-US" dirty="0" smtClean="0"/>
-              <a:t>used in production for 2 years to help manage the largest healthcare data center in the </a:t>
-            </a:r>
-            <a:r>
-              <a:rPr lang="en-US" dirty="0" smtClean="0"/>
-              <a:t>world.</a:t>
+              <a:t>1. You've probably seen this problem solved poorly many times before, you should be skeptical.  There are a lot of horrible ways to do this.</a:t>
+            </a:r>
+          </a:p>
+          <a:p>
+            <a:r>
+              <a:rPr lang="en-US" dirty="0" smtClean="0"/>
+              <a:t>2. Method5 has been used in production for 2 years to help manage the largest healthcare data center in the world.</a:t>
             </a:r>
           </a:p>
           <a:p>
@@ -2005,42 +2039,17 @@
               <a:rPr lang="en-US" dirty="0" smtClean="0"/>
               <a:t>We frequently run it against hundreds of databases with over a petabyte of SAN.</a:t>
             </a:r>
-            <a:endParaRPr lang="en-US" dirty="0" smtClean="0"/>
-          </a:p>
-          <a:p>
-            <a:r>
-              <a:rPr lang="en-US" dirty="0" smtClean="0"/>
-              <a:t>4. </a:t>
-            </a:r>
-            <a:r>
-              <a:rPr lang="en-US" dirty="0" smtClean="0"/>
-              <a:t>It's </a:t>
-            </a:r>
-            <a:r>
-              <a:rPr lang="en-US" dirty="0" smtClean="0"/>
-              <a:t>ran over 8 </a:t>
-            </a:r>
-            <a:r>
-              <a:rPr lang="en-US" dirty="0" smtClean="0"/>
-              <a:t>million queries internally</a:t>
-            </a:r>
-            <a:r>
-              <a:rPr lang="en-US" dirty="0" smtClean="0"/>
-              <a:t>.  It contains 1800 automated tests.</a:t>
-            </a:r>
-          </a:p>
-          <a:p>
-            <a:r>
-              <a:rPr lang="en-US" dirty="0" smtClean="0"/>
-              <a:t>5. </a:t>
-            </a:r>
-            <a:r>
-              <a:rPr lang="en-US" dirty="0" smtClean="0"/>
-              <a:t>Security has always been a primary concern</a:t>
-            </a:r>
-            <a:r>
-              <a:rPr lang="en-US" dirty="0" smtClean="0"/>
-              <a:t>.  We've</a:t>
+          </a:p>
+          <a:p>
+            <a:r>
+              <a:rPr lang="en-US" dirty="0" smtClean="0"/>
+              <a:t>4. It's ran over 8 million queries internally.  It contains 1800 automated tests.</a:t>
+            </a:r>
+          </a:p>
+          <a:p>
+            <a:r>
+              <a:rPr lang="en-US" dirty="0" smtClean="0"/>
+              <a:t>5. Security has always been a primary concern.  We've</a:t>
             </a:r>
             <a:r>
               <a:rPr lang="en-US" baseline="0" dirty="0" smtClean="0"/>
@@ -2048,11 +2057,7 @@
             </a:r>
             <a:r>
               <a:rPr lang="en-US" dirty="0" smtClean="0"/>
-              <a:t>All </a:t>
-            </a:r>
-            <a:r>
-              <a:rPr lang="en-US" dirty="0" smtClean="0"/>
-              <a:t>the code is online, you can look at it yourself.</a:t>
+              <a:t>All the code is online, you can look at it yourself.</a:t>
             </a:r>
           </a:p>
           <a:p>
@@ -2145,80 +2150,51 @@
           <a:p>
             <a:r>
               <a:rPr lang="en-US" b="0" dirty="0" smtClean="0"/>
-              <a:t>Most</a:t>
+              <a:t>Method5</a:t>
             </a:r>
             <a:r>
               <a:rPr lang="en-US" b="0" baseline="0" dirty="0" smtClean="0"/>
-              <a:t> of the features of Method5 happen in the background and aren't obvious at first.</a:t>
-            </a:r>
-          </a:p>
-          <a:p>
-            <a:r>
-              <a:rPr lang="en-US" b="1" dirty="0" smtClean="0"/>
-              <a:t>1. Performance -</a:t>
-            </a:r>
-            <a:r>
-              <a:rPr lang="en-US" dirty="0" smtClean="0"/>
-              <a:t> Asynchronous processing and parallelism make Method5 more responsive and orders of magnitude faster than other tools.</a:t>
-            </a:r>
-          </a:p>
-          <a:p>
-            <a:r>
-              <a:rPr lang="en-US" b="1" dirty="0" smtClean="0"/>
-              <a:t>2. Simple interface -</a:t>
-            </a:r>
-            <a:r>
-              <a:rPr lang="en-US" dirty="0" smtClean="0"/>
-              <a:t> The PL/SQL API makes it easy to create and automate tasks. No need to learn a new GUI or IDE, Method5 seamlessly integrates with your existing tools.</a:t>
-            </a:r>
-          </a:p>
-          <a:p>
-            <a:r>
-              <a:rPr lang="en-US" b="1" dirty="0" smtClean="0"/>
-              <a:t>3.</a:t>
+              <a:t> can be run as either a function or a procedure.  Both of them let you specify </a:t>
             </a:r>
             <a:r>
               <a:rPr lang="en-US" b="1" baseline="0" dirty="0" smtClean="0"/>
-              <a:t> </a:t>
-            </a:r>
-            <a:r>
-              <a:rPr lang="en-US" b="1" dirty="0" smtClean="0"/>
-              <a:t>Relational storage -</a:t>
-            </a:r>
-            <a:r>
-              <a:rPr lang="en-US" dirty="0" smtClean="0"/>
-              <a:t> Everything about the database is stored in the database, making it easier to analyze, save, and share results.</a:t>
-            </a:r>
-          </a:p>
-          <a:p>
-            <a:r>
-              <a:rPr lang="en-US" b="1" dirty="0" smtClean="0"/>
-              <a:t>4. Easy administration -</a:t>
-            </a:r>
-            <a:r>
-              <a:rPr lang="en-US" dirty="0" smtClean="0"/>
-              <a:t> Method5 is agentless. Free and open source software only needs to be installed on one central management database. Users do not need to install custom software, manage connections, or modify configuration files. One administrator can configure Method5 and that configuration automatically applies to all users.</a:t>
-            </a:r>
-          </a:p>
-          <a:p>
-            <a:r>
-              <a:rPr lang="en-US" b="1" dirty="0" smtClean="0"/>
-              <a:t>5. Security -</a:t>
-            </a:r>
-            <a:r>
-              <a:rPr lang="en-US" dirty="0" smtClean="0"/>
-              <a:t> Method5 has been thoroughly hardened to avoid the typical security problems with multi-database tools. For example, there are no public database links or shared passwords. See the Security section in the user guide for details.</a:t>
-            </a:r>
-          </a:p>
-          <a:p>
-            <a:r>
-              <a:rPr lang="en-US" b="1" dirty="0" smtClean="0"/>
-              <a:t>6. Exception handling and metadata -</a:t>
-            </a:r>
-            <a:r>
-              <a:rPr lang="en-US" dirty="0" smtClean="0"/>
-              <a:t> Exceptions and metadata are stored in tables and do not stop other targets from processing. Hung jobs are automatically stopped based on a timeout parameter. Handling these rare problems lets you easily scale your queries to hundreds of databases.</a:t>
-            </a:r>
+              <a:t>what</a:t>
+            </a:r>
+            <a:r>
+              <a:rPr lang="en-US" b="0" baseline="0" dirty="0" smtClean="0"/>
+              <a:t> to run and </a:t>
+            </a:r>
+            <a:r>
+              <a:rPr lang="en-US" b="1" baseline="0" dirty="0" smtClean="0"/>
+              <a:t>where</a:t>
+            </a:r>
+            <a:r>
+              <a:rPr lang="en-US" b="0" baseline="0" dirty="0" smtClean="0"/>
+              <a:t> to run it.  The procedure also allows you to specify </a:t>
+            </a:r>
+            <a:r>
+              <a:rPr lang="en-US" b="1" baseline="0" dirty="0" smtClean="0"/>
+              <a:t>how</a:t>
+            </a:r>
+            <a:r>
+              <a:rPr lang="en-US" b="0" baseline="0" dirty="0" smtClean="0"/>
+              <a:t> to run it.</a:t>
+            </a:r>
+            <a:endParaRPr lang="en-US" b="0" dirty="0" smtClean="0"/>
+          </a:p>
+          <a:p>
+            <a:endParaRPr lang="en-US" b="1" dirty="0" smtClean="0"/>
+          </a:p>
+          <a:p>
+            <a:r>
+              <a:rPr lang="en-US" dirty="0" smtClean="0"/>
+              <a:t>Running as a function is simple and neat,</a:t>
+            </a:r>
+            <a:r>
+              <a:rPr lang="en-US" baseline="0" dirty="0" smtClean="0"/>
+              <a:t> but in practice advanced users will normally want to run things as a procedure.  Running as a procedure makes it asynchronous, which is good for large jobs you don't want to wait for.  It also makes it possible to schedule and chain tasks.</a:t>
+            </a:r>
+            <a:endParaRPr lang="en-US" dirty="0"/>
           </a:p>
         </p:txBody>
       </p:sp>
@@ -2248,7 +2224,7 @@
     </p:spTree>
     <p:extLst>
       <p:ext uri="{BB962C8B-B14F-4D97-AF65-F5344CB8AC3E}">
-        <p14:creationId xmlns:p14="http://schemas.microsoft.com/office/powerpoint/2010/main" val="1909579223"/>
+        <p14:creationId xmlns:p14="http://schemas.microsoft.com/office/powerpoint/2010/main" val="3520608180"/>
       </p:ext>
     </p:extLst>
   </p:cSld>
@@ -2303,62 +2279,80 @@
           <a:lstStyle/>
           <a:p>
             <a:r>
+              <a:rPr lang="en-US" b="0" dirty="0" smtClean="0"/>
+              <a:t>Most</a:t>
+            </a:r>
+            <a:r>
+              <a:rPr lang="en-US" b="0" baseline="0" dirty="0" smtClean="0"/>
+              <a:t> of the features of Method5 happen in the background and aren't obvious at first.</a:t>
+            </a:r>
+          </a:p>
+          <a:p>
+            <a:r>
               <a:rPr lang="en-US" b="1" dirty="0" smtClean="0"/>
-              <a:t>1. P_CODE (required) -</a:t>
-            </a:r>
-            <a:r>
-              <a:rPr lang="en-US" dirty="0" smtClean="0"/>
-              <a:t> Any SQL or PL/SQL statement.  The</a:t>
-            </a:r>
-            <a:r>
-              <a:rPr lang="en-US" baseline="0" dirty="0" smtClean="0"/>
-              <a:t> results can be either the query results, a SQL*Plus feedback message for DDL and DML, or DBMS_OUTPUT for PL/SQL statements.</a:t>
-            </a:r>
-            <a:endParaRPr lang="en-US" dirty="0" smtClean="0"/>
+              <a:t>1. Performance -</a:t>
+            </a:r>
+            <a:r>
+              <a:rPr lang="en-US" dirty="0" smtClean="0"/>
+              <a:t> Asynchronous processing and parallelism make Method5 more responsive and orders of magnitude faster than other tools.</a:t>
+            </a:r>
           </a:p>
           <a:p>
             <a:r>
               <a:rPr lang="en-US" b="1" dirty="0" smtClean="0"/>
-              <a:t>2. P_TARGETS (optional, defaults to all databases) -</a:t>
-            </a:r>
-            <a:r>
-              <a:rPr lang="en-US" dirty="0" smtClean="0"/>
-              <a:t> Can be either a comma-separated list (of database names, hosts, lifecycles, lines of business, or cluster names) or a query that returns target names.  The</a:t>
-            </a:r>
-            <a:r>
-              <a:rPr lang="en-US" baseline="0" dirty="0" smtClean="0"/>
-              <a:t> names can also include wild-cards.  You can configure Target Groups for commonly-used queries.</a:t>
-            </a:r>
-            <a:endParaRPr lang="en-US" dirty="0" smtClean="0"/>
+              <a:t>2. Simple interface -</a:t>
+            </a:r>
+            <a:r>
+              <a:rPr lang="en-US" dirty="0" smtClean="0"/>
+              <a:t> The PL/SQL API makes it easy to create and automate tasks. No need to learn a new GUI or IDE, Method5 seamlessly integrates with your existing tools.</a:t>
+            </a:r>
           </a:p>
           <a:p>
             <a:r>
               <a:rPr lang="en-US" b="1" dirty="0" smtClean="0"/>
-              <a:t>3. P_TABLE_NAME (optional, defaults to auto-generated name) -</a:t>
-            </a:r>
-            <a:r>
-              <a:rPr lang="en-US" dirty="0" smtClean="0"/>
-              <a:t> The base name for the results, _META, and _ERR tables.</a:t>
-            </a:r>
-          </a:p>
-          <a:p>
+              <a:t>3.</a:t>
+            </a:r>
+            <a:r>
+              <a:rPr lang="en-US" b="1" baseline="0" dirty="0" smtClean="0"/>
+              <a:t> </a:t>
+            </a:r>
             <a:r>
               <a:rPr lang="en-US" b="1" dirty="0" smtClean="0"/>
-              <a:t>4. P_TABLE_EXISTS_ACTION (optional, defaults to ERROR) -</a:t>
-            </a:r>
-            <a:r>
-              <a:rPr lang="en-US" dirty="0" smtClean="0"/>
-              <a:t> One of ERROR, APPEND, DELETE, or DROP.</a:t>
+              <a:t>Relational storage -</a:t>
+            </a:r>
+            <a:r>
+              <a:rPr lang="en-US" dirty="0" smtClean="0"/>
+              <a:t> Everything about the database is stored in the database, making it easier to analyze, save, and share results.</a:t>
             </a:r>
           </a:p>
           <a:p>
             <a:r>
               <a:rPr lang="en-US" b="1" dirty="0" smtClean="0"/>
-              <a:t>5. P_ASYNCHRONOUS (optional, defaults to TRUE) -</a:t>
-            </a:r>
-            <a:r>
-              <a:rPr lang="en-US" dirty="0" smtClean="0"/>
-              <a:t> Return right away or wait for all results.</a:t>
+              <a:t>4. Easy administration -</a:t>
+            </a:r>
+            <a:r>
+              <a:rPr lang="en-US" dirty="0" smtClean="0"/>
+              <a:t> Method5 is agentless. Free and open source software only needs to be installed on one central management database. Users do not need to install custom software, manage connections, or modify configuration files. One administrator can configure Method5 and that configuration automatically applies to all users.</a:t>
+            </a:r>
+          </a:p>
+          <a:p>
+            <a:r>
+              <a:rPr lang="en-US" b="1" dirty="0" smtClean="0"/>
+              <a:t>5. Security -</a:t>
+            </a:r>
+            <a:r>
+              <a:rPr lang="en-US" dirty="0" smtClean="0"/>
+              <a:t> Method5 has been thoroughly hardened to avoid the typical security problems with multi-database tools. For example, there are no public database links or shared passwords. See the Security section in the user guide for details.</a:t>
+            </a:r>
+          </a:p>
+          <a:p>
+            <a:r>
+              <a:rPr lang="en-US" b="1" dirty="0" smtClean="0"/>
+              <a:t>6. Exception handling and metadata -</a:t>
+            </a:r>
+            <a:r>
+              <a:rPr lang="en-US" dirty="0" smtClean="0"/>
+              <a:t> Exceptions and metadata are stored in tables and do not stop other targets from processing. Hung jobs are automatically stopped based on a timeout parameter. Handling these rare problems lets you easily scale your queries to hundreds of databases.</a:t>
             </a:r>
           </a:p>
         </p:txBody>
@@ -2389,7 +2383,7 @@
     </p:spTree>
     <p:extLst>
       <p:ext uri="{BB962C8B-B14F-4D97-AF65-F5344CB8AC3E}">
-        <p14:creationId xmlns:p14="http://schemas.microsoft.com/office/powerpoint/2010/main" val="316232668"/>
+        <p14:creationId xmlns:p14="http://schemas.microsoft.com/office/powerpoint/2010/main" val="1909579223"/>
       </p:ext>
     </p:extLst>
   </p:cSld>
@@ -2443,102 +2437,64 @@
           <a:bodyPr/>
           <a:lstStyle/>
           <a:p>
-            <a:pPr marL="0" indent="0">
-              <a:buNone/>
-            </a:pPr>
             <a:r>
               <a:rPr lang="en-US" b="1" dirty="0" smtClean="0"/>
-              <a:t>1. Procedure -</a:t>
-            </a:r>
-            <a:r>
-              <a:rPr lang="en-US" dirty="0" smtClean="0"/>
-              <a:t> Running as a function is simple and neat,</a:t>
+              <a:t>1. P_CODE (required) -</a:t>
+            </a:r>
+            <a:r>
+              <a:rPr lang="en-US" dirty="0" smtClean="0"/>
+              <a:t> Any SQL or PL/SQL statement.  The</a:t>
             </a:r>
             <a:r>
               <a:rPr lang="en-US" baseline="0" dirty="0" smtClean="0"/>
-              <a:t> but in practice advanced users will normally want to run things as a procedure.  Running as a procedure makes it asynchronous, which is good for large jobs you don't want to wait for.  It also makes it possible to schedule and chain tasks.</a:t>
+              <a:t> results can be either the query results, a SQL*Plus feedback message for DDL and DML, or DBMS_OUTPUT for PL/SQL statements.</a:t>
             </a:r>
             <a:endParaRPr lang="en-US" dirty="0" smtClean="0"/>
           </a:p>
           <a:p>
-            <a:pPr marL="0" indent="0">
-              <a:buNone/>
-            </a:pPr>
             <a:r>
               <a:rPr lang="en-US" b="1" dirty="0" smtClean="0"/>
-              <a:t>2. Tables -</a:t>
-            </a:r>
-            <a:r>
-              <a:rPr lang="en-US" dirty="0" smtClean="0"/>
-              <a:t> Every execution</a:t>
+              <a:t>2. P_TARGETS (optional, defaults to all databases) -</a:t>
+            </a:r>
+            <a:r>
+              <a:rPr lang="en-US" dirty="0" smtClean="0"/>
+              <a:t> Can be either a comma-separated list (of database names, hosts, lifecycles, lines of business, or cluster names) or a query that returns target names.  The</a:t>
             </a:r>
             <a:r>
               <a:rPr lang="en-US" baseline="0" dirty="0" smtClean="0"/>
-              <a:t> automatically generates three tables.  The tables are given default names if none are specified.  The tables contain the data, the metadata, and the errors.</a:t>
+              <a:t> names can also include wild-cards.  You can configure Target Groups for commonly-used queries.</a:t>
             </a:r>
             <a:endParaRPr lang="en-US" dirty="0" smtClean="0"/>
           </a:p>
           <a:p>
-            <a:pPr marL="0" indent="0">
-              <a:buNone/>
-            </a:pPr>
             <a:r>
               <a:rPr lang="en-US" b="1" dirty="0" smtClean="0"/>
-              <a:t>3. Views -</a:t>
-            </a:r>
-            <a:r>
-              <a:rPr lang="en-US" dirty="0" smtClean="0"/>
-              <a:t> Since you may not know or remember the table names used, three</a:t>
-            </a:r>
-            <a:r>
-              <a:rPr lang="en-US" baseline="0" dirty="0" smtClean="0"/>
-              <a:t> views are created in your schema.  These views always reference the last run.  They are M5_RESULTS, M5_METADATA, and M5_ERRORS.</a:t>
-            </a:r>
-            <a:endParaRPr lang="en-US" dirty="0" smtClean="0"/>
-          </a:p>
-          <a:p>
-            <a:pPr marL="0" indent="0">
-              <a:buNone/>
-            </a:pPr>
+              <a:t>3. P_TABLE_NAME (optional, defaults to auto-generated name) -</a:t>
+            </a:r>
+            <a:r>
+              <a:rPr lang="en-US" dirty="0" smtClean="0"/>
+              <a:t> The base name for the results, _META, and _ERR tables.</a:t>
+            </a:r>
+          </a:p>
+          <a:p>
             <a:r>
               <a:rPr lang="en-US" b="1" dirty="0" smtClean="0"/>
-              <a:t>4.</a:t>
-            </a:r>
-            <a:r>
-              <a:rPr lang="en-US" b="1" baseline="0" dirty="0" smtClean="0"/>
-              <a:t> M5_ links - </a:t>
-            </a:r>
-            <a:r>
-              <a:rPr lang="en-US" baseline="0" dirty="0" smtClean="0"/>
-              <a:t>Database links are automatically copied and synchronized to your schema.  This can be useful for many ad hoc tasks.  Simply use @M5_$DBNAME in queries or through DBMS_UTILTY.EXECUTE_DDL_STATEMENT.</a:t>
-            </a:r>
-          </a:p>
-          <a:p>
-            <a:pPr marL="0" indent="0">
-              <a:buNone/>
-            </a:pPr>
-            <a:r>
-              <a:rPr lang="en-US" b="1" baseline="0" dirty="0" smtClean="0"/>
-              <a:t>5. Global Data Dictionary - </a:t>
-            </a:r>
-            <a:r>
-              <a:rPr lang="en-US" baseline="0" dirty="0" smtClean="0"/>
-              <a:t>Every night Method5 gathers some common data into tables such as M5_DBA_TABLES, M5_USER$, M5_DBA_ROLE_PRIVS, M5_DBA_SYS_PRIVS, and M5_DBA_TAB_PRIVS.  Having this data instantly available makes some tasks much simpler, such as finding out where a user exists, or where an object is granted.</a:t>
-            </a:r>
-          </a:p>
-          <a:p>
-            <a:pPr marL="0" indent="0">
-              <a:buNone/>
-            </a:pPr>
-            <a:r>
-              <a:rPr lang="en-US" b="1" baseline="0" dirty="0" smtClean="0"/>
-              <a:t>6. Limits - </a:t>
-            </a:r>
-            <a:r>
-              <a:rPr lang="en-US" baseline="0" dirty="0" smtClean="0"/>
-              <a:t>Method5 currently only runs SQL and PL/SQL statements.  It does not (yet) run operating system commands or SQL*Plus scripts.  It also (currently) only runs as DBA so you cannot perform tasks as SYSDBA.</a:t>
-            </a:r>
-            <a:endParaRPr lang="en-US" dirty="0"/>
+              <a:t>4. P_TABLE_EXISTS_ACTION (optional, defaults to ERROR) -</a:t>
+            </a:r>
+            <a:r>
+              <a:rPr lang="en-US" dirty="0" smtClean="0"/>
+              <a:t> One of ERROR, APPEND, DELETE, or DROP.</a:t>
+            </a:r>
+          </a:p>
+          <a:p>
+            <a:r>
+              <a:rPr lang="en-US" b="1" dirty="0" smtClean="0"/>
+              <a:t>5. P_ASYNCHRONOUS (optional, defaults to TRUE) -</a:t>
+            </a:r>
+            <a:r>
+              <a:rPr lang="en-US" dirty="0" smtClean="0"/>
+              <a:t> Return right away or wait for all results.</a:t>
+            </a:r>
           </a:p>
         </p:txBody>
       </p:sp>
@@ -2568,7 +2524,7 @@
     </p:spTree>
     <p:extLst>
       <p:ext uri="{BB962C8B-B14F-4D97-AF65-F5344CB8AC3E}">
-        <p14:creationId xmlns:p14="http://schemas.microsoft.com/office/powerpoint/2010/main" val="2408283472"/>
+        <p14:creationId xmlns:p14="http://schemas.microsoft.com/office/powerpoint/2010/main" val="316232668"/>
       </p:ext>
     </p:extLst>
   </p:cSld>
@@ -2759,7 +2715,7 @@
           <a:p>
             <a:fld id="{72057647-82FE-4F7C-83B4-53587791251A}" type="datetime1">
               <a:rPr lang="en-US" smtClean="0"/>
-              <a:t>2017-01-08</a:t>
+              <a:t>2017-01-12</a:t>
             </a:fld>
             <a:endParaRPr lang="en-US"/>
           </a:p>
@@ -2929,7 +2885,7 @@
           <a:p>
             <a:fld id="{8503FF21-708F-4C59-9505-D05A3791AC31}" type="datetime1">
               <a:rPr lang="en-US" smtClean="0"/>
-              <a:t>2017-01-08</a:t>
+              <a:t>2017-01-12</a:t>
             </a:fld>
             <a:endParaRPr lang="en-US"/>
           </a:p>
@@ -3109,7 +3065,7 @@
           <a:p>
             <a:fld id="{6EFC7DE3-7050-4999-ABCB-76E0E214913C}" type="datetime1">
               <a:rPr lang="en-US" smtClean="0"/>
-              <a:t>2017-01-08</a:t>
+              <a:t>2017-01-12</a:t>
             </a:fld>
             <a:endParaRPr lang="en-US"/>
           </a:p>
@@ -3279,7 +3235,7 @@
           <a:p>
             <a:fld id="{12698F6C-3B60-45A8-AA68-1C639B61BEFF}" type="datetime1">
               <a:rPr lang="en-US" smtClean="0"/>
-              <a:t>2017-01-08</a:t>
+              <a:t>2017-01-12</a:t>
             </a:fld>
             <a:endParaRPr lang="en-US" dirty="0"/>
           </a:p>
@@ -3555,7 +3511,7 @@
           <a:p>
             <a:fld id="{E05176C0-14DF-4768-8A16-43F22EF34937}" type="datetime1">
               <a:rPr lang="en-US" smtClean="0"/>
-              <a:t>2017-01-08</a:t>
+              <a:t>2017-01-12</a:t>
             </a:fld>
             <a:endParaRPr lang="en-US"/>
           </a:p>
@@ -3843,7 +3799,7 @@
           <a:p>
             <a:fld id="{EC27D113-D56C-4484-8E60-26B1BDDD2B7D}" type="datetime1">
               <a:rPr lang="en-US" smtClean="0"/>
-              <a:t>2017-01-08</a:t>
+              <a:t>2017-01-12</a:t>
             </a:fld>
             <a:endParaRPr lang="en-US"/>
           </a:p>
@@ -4265,7 +4221,7 @@
           <a:p>
             <a:fld id="{2346BE7D-CDCE-4B6B-92C3-A6060BB37F63}" type="datetime1">
               <a:rPr lang="en-US" smtClean="0"/>
-              <a:t>2017-01-08</a:t>
+              <a:t>2017-01-12</a:t>
             </a:fld>
             <a:endParaRPr lang="en-US"/>
           </a:p>
@@ -4383,7 +4339,7 @@
           <a:p>
             <a:fld id="{016112C5-3C0F-4913-A601-B7FE4F9C1F3A}" type="datetime1">
               <a:rPr lang="en-US" smtClean="0"/>
-              <a:t>2017-01-08</a:t>
+              <a:t>2017-01-12</a:t>
             </a:fld>
             <a:endParaRPr lang="en-US"/>
           </a:p>
@@ -4478,7 +4434,7 @@
           <a:p>
             <a:fld id="{8A5D4DBD-AFC0-4CD6-8B21-21C10C0D7EF6}" type="datetime1">
               <a:rPr lang="en-US" smtClean="0"/>
-              <a:t>2017-01-08</a:t>
+              <a:t>2017-01-12</a:t>
             </a:fld>
             <a:endParaRPr lang="en-US"/>
           </a:p>
@@ -4755,7 +4711,7 @@
           <a:p>
             <a:fld id="{3514C57E-D885-4B44-9FAF-8838A1BDE694}" type="datetime1">
               <a:rPr lang="en-US" smtClean="0"/>
-              <a:t>2017-01-08</a:t>
+              <a:t>2017-01-12</a:t>
             </a:fld>
             <a:endParaRPr lang="en-US"/>
           </a:p>
@@ -5008,7 +4964,7 @@
           <a:p>
             <a:fld id="{7BEDB21A-AE09-4B41-95A5-CA952A205099}" type="datetime1">
               <a:rPr lang="en-US" smtClean="0"/>
-              <a:t>2017-01-08</a:t>
+              <a:t>2017-01-12</a:t>
             </a:fld>
             <a:endParaRPr lang="en-US"/>
           </a:p>
@@ -5221,7 +5177,7 @@
           <a:p>
             <a:fld id="{2089B313-BB57-4BA5-B615-3D449DFED662}" type="datetime1">
               <a:rPr lang="en-US" smtClean="0"/>
-              <a:t>2017-01-08</a:t>
+              <a:t>2017-01-12</a:t>
             </a:fld>
             <a:endParaRPr lang="en-US" dirty="0"/>
           </a:p>
@@ -5639,7 +5595,7 @@
           <a:p>
             <a:fld id="{2E45DCD3-F6D5-47D1-A091-AE329ABC5543}" type="datetime1">
               <a:rPr lang="en-US" smtClean="0"/>
-              <a:t>2017-01-08</a:t>
+              <a:t>2017-01-12</a:t>
             </a:fld>
             <a:endParaRPr lang="en-US" dirty="0"/>
           </a:p>
@@ -5763,7 +5719,7 @@
           <a:p>
             <a:r>
               <a:rPr lang="en-US" dirty="0" smtClean="0"/>
-              <a:t>Other Features</a:t>
+              <a:t>Parameters</a:t>
             </a:r>
             <a:endParaRPr lang="en-US" dirty="0"/>
           </a:p>
@@ -5781,9 +5737,7 @@
         </p:nvSpPr>
         <p:spPr/>
         <p:txBody>
-          <a:bodyPr>
-            <a:normAutofit/>
-          </a:bodyPr>
+          <a:bodyPr/>
           <a:lstStyle/>
           <a:p>
             <a:pPr marL="514350" indent="-514350">
@@ -5792,7 +5746,7 @@
             </a:pPr>
             <a:r>
               <a:rPr lang="en-US" dirty="0" smtClean="0"/>
-              <a:t>Procedure</a:t>
+              <a:t>P_CODE</a:t>
             </a:r>
             <a:r>
               <a:rPr lang="en-US" dirty="0" smtClean="0">
@@ -5802,7 +5756,7 @@
                   </a:schemeClr>
                 </a:solidFill>
               </a:rPr>
-              <a:t> - M5_PROC</a:t>
+              <a:t> - what to run</a:t>
             </a:r>
           </a:p>
           <a:p>
@@ -5812,7 +5766,7 @@
             </a:pPr>
             <a:r>
               <a:rPr lang="en-US" dirty="0" smtClean="0"/>
-              <a:t>Tables</a:t>
+              <a:t>P_TARGETS</a:t>
             </a:r>
             <a:r>
               <a:rPr lang="en-US" dirty="0" smtClean="0">
@@ -5822,7 +5776,7 @@
                   </a:schemeClr>
                 </a:solidFill>
               </a:rPr>
-              <a:t> - data, _META, _ERR</a:t>
+              <a:t> - where to run it</a:t>
             </a:r>
           </a:p>
           <a:p>
@@ -5832,7 +5786,7 @@
             </a:pPr>
             <a:r>
               <a:rPr lang="en-US" dirty="0" smtClean="0"/>
-              <a:t>Views</a:t>
+              <a:t>P_TABLE_NAME</a:t>
             </a:r>
             <a:r>
               <a:rPr lang="en-US" dirty="0" smtClean="0">
@@ -5842,7 +5796,7 @@
                   </a:schemeClr>
                 </a:solidFill>
               </a:rPr>
-              <a:t> - M5_RESULTS, M5_METADATA, M5_ERRORS</a:t>
+              <a:t> - where to save it</a:t>
             </a:r>
           </a:p>
           <a:p>
@@ -5852,7 +5806,7 @@
             </a:pPr>
             <a:r>
               <a:rPr lang="en-US" dirty="0" smtClean="0"/>
-              <a:t>M5_ links</a:t>
+              <a:t>P_TABLE_EXISTS_ACTION</a:t>
             </a:r>
             <a:r>
               <a:rPr lang="en-US" dirty="0" smtClean="0">
@@ -5862,7 +5816,7 @@
                   </a:schemeClr>
                 </a:solidFill>
               </a:rPr>
-              <a:t> - M5_* created in your schema</a:t>
+              <a:t> - if it already exists</a:t>
             </a:r>
           </a:p>
           <a:p>
@@ -5872,7 +5826,7 @@
             </a:pPr>
             <a:r>
               <a:rPr lang="en-US" dirty="0" smtClean="0"/>
-              <a:t>Global Data Dictionary</a:t>
+              <a:t>P_ASYCHRONOUS</a:t>
             </a:r>
             <a:r>
               <a:rPr lang="en-US" dirty="0" smtClean="0">
@@ -5882,28 +5836,15 @@
                   </a:schemeClr>
                 </a:solidFill>
               </a:rPr>
-              <a:t> - M5_DBA_* tables refreshed nightly</a:t>
-            </a:r>
-          </a:p>
-          <a:p>
-            <a:pPr marL="514350" indent="-514350">
-              <a:buFont typeface="+mj-lt"/>
-              <a:buAutoNum type="arabicPeriod"/>
-            </a:pPr>
-            <a:r>
-              <a:rPr lang="en-US" dirty="0" smtClean="0"/>
-              <a:t>Limits </a:t>
-            </a:r>
-            <a:r>
-              <a:rPr lang="en-US" dirty="0" smtClean="0">
-                <a:solidFill>
-                  <a:schemeClr val="bg1">
-                    <a:lumMod val="50000"/>
-                  </a:schemeClr>
-                </a:solidFill>
-              </a:rPr>
-              <a:t>- SQL and PL/SQL only, as DBA</a:t>
-            </a:r>
+              <a:t> - return or wait for all rows</a:t>
+            </a:r>
+            <a:endParaRPr lang="en-US" dirty="0">
+              <a:solidFill>
+                <a:schemeClr val="bg1">
+                  <a:lumMod val="50000"/>
+                </a:schemeClr>
+              </a:solidFill>
+            </a:endParaRPr>
           </a:p>
         </p:txBody>
       </p:sp>
@@ -5922,9 +5863,9 @@
           <a:bodyPr/>
           <a:lstStyle/>
           <a:p>
-            <a:fld id="{8C6FBF27-FCE1-40A4-AD2E-EA28EB5C01F0}" type="datetime1">
-              <a:rPr lang="en-US" smtClean="0"/>
-              <a:t>2017-01-08</a:t>
+            <a:fld id="{73B3F948-1743-4F2D-B9D2-20F26DEE2D32}" type="datetime1">
+              <a:rPr lang="en-US" smtClean="0"/>
+              <a:t>2017-01-12</a:t>
             </a:fld>
             <a:endParaRPr lang="en-US"/>
           </a:p>
@@ -5956,7 +5897,7 @@
     </p:spTree>
     <p:extLst>
       <p:ext uri="{BB962C8B-B14F-4D97-AF65-F5344CB8AC3E}">
-        <p14:creationId xmlns:p14="http://schemas.microsoft.com/office/powerpoint/2010/main" val="530380749"/>
+        <p14:creationId xmlns:p14="http://schemas.microsoft.com/office/powerpoint/2010/main" val="3721550950"/>
       </p:ext>
     </p:extLst>
   </p:cSld>
@@ -6007,7 +5948,7 @@
           <a:p>
             <a:r>
               <a:rPr lang="en-US" dirty="0" smtClean="0"/>
-              <a:t>Technologies</a:t>
+              <a:t>Other Features</a:t>
             </a:r>
             <a:endParaRPr lang="en-US" dirty="0"/>
           </a:p>
@@ -6036,20 +5977,28 @@
             </a:pPr>
             <a:r>
               <a:rPr lang="en-US" dirty="0" smtClean="0"/>
-              <a:t>Dynamic</a:t>
-            </a:r>
-            <a:r>
-              <a:rPr lang="en-US" dirty="0"/>
-              <a:t>, templated SQL and </a:t>
-            </a:r>
-            <a:r>
-              <a:rPr lang="en-US" dirty="0" smtClean="0"/>
-              <a:t>PL/SQL</a:t>
-            </a:r>
-            <a:br>
-              <a:rPr lang="en-US" dirty="0" smtClean="0"/>
-            </a:br>
-            <a:endParaRPr lang="en-US" dirty="0" smtClean="0"/>
+              <a:t>Tables</a:t>
+            </a:r>
+            <a:r>
+              <a:rPr lang="en-US" dirty="0" smtClean="0">
+                <a:solidFill>
+                  <a:schemeClr val="bg1">
+                    <a:lumMod val="50000"/>
+                  </a:schemeClr>
+                </a:solidFill>
+              </a:rPr>
+              <a:t> </a:t>
+            </a:r>
+            <a:r>
+              <a:rPr lang="en-US" dirty="0" smtClean="0">
+                <a:solidFill>
+                  <a:schemeClr val="bg1">
+                    <a:lumMod val="50000"/>
+                  </a:schemeClr>
+                </a:solidFill>
+              </a:rPr>
+              <a:t>- data, _META, _ERR</a:t>
+            </a:r>
           </a:p>
           <a:p>
             <a:pPr marL="514350" indent="-514350">
@@ -6057,8 +6006,18 @@
               <a:buAutoNum type="arabicPeriod"/>
             </a:pPr>
             <a:r>
-              <a:rPr lang="en-US" dirty="0"/>
-              <a:t>Database Links</a:t>
+              <a:rPr lang="en-US" dirty="0" smtClean="0"/>
+              <a:t>Views</a:t>
+            </a:r>
+            <a:r>
+              <a:rPr lang="en-US" dirty="0" smtClean="0">
+                <a:solidFill>
+                  <a:schemeClr val="bg1">
+                    <a:lumMod val="50000"/>
+                  </a:schemeClr>
+                </a:solidFill>
+              </a:rPr>
+              <a:t> - M5_RESULTS, M5_METADATA, M5_ERRORS</a:t>
             </a:r>
           </a:p>
           <a:p>
@@ -6067,14 +6026,19 @@
               <a:buAutoNum type="arabicPeriod"/>
             </a:pPr>
             <a:r>
-              <a:rPr lang="en-US" dirty="0"/>
-              <a:t>PL/SQL </a:t>
-            </a:r>
-            <a:r>
-              <a:rPr lang="en-US" dirty="0" err="1"/>
-              <a:t>Lexer</a:t>
-            </a:r>
-            <a:endParaRPr lang="en-US" dirty="0"/>
+              <a:rPr lang="en-US" dirty="0" smtClean="0"/>
+              <a:t>M5_ links</a:t>
+            </a:r>
+            <a:r>
+              <a:rPr lang="en-US" dirty="0" smtClean="0">
+                <a:solidFill>
+                  <a:schemeClr val="bg1">
+                    <a:lumMod val="50000"/>
+                  </a:schemeClr>
+                </a:solidFill>
+              </a:rPr>
+              <a:t> - M5_* created in your schema</a:t>
+            </a:r>
           </a:p>
           <a:p>
             <a:pPr marL="514350" indent="-514350">
@@ -6083,9 +6047,18 @@
             </a:pPr>
             <a:r>
               <a:rPr lang="en-US" dirty="0" smtClean="0"/>
-              <a:t>DBMS_SCHEDULER, DBMS_PIPES </a:t>
-            </a:r>
-            <a:endParaRPr lang="en-US" dirty="0"/>
+              <a:t>Global Data Dictionary</a:t>
+            </a:r>
+            <a:r>
+              <a:rPr lang="en-US" dirty="0" smtClean="0">
+                <a:solidFill>
+                  <a:schemeClr val="bg1">
+                    <a:lumMod val="50000"/>
+                  </a:schemeClr>
+                </a:solidFill>
+              </a:rPr>
+              <a:t> - M5_DBA_* tables refreshed nightly</a:t>
+            </a:r>
           </a:p>
           <a:p>
             <a:pPr marL="514350" indent="-514350">
@@ -6094,14 +6067,143 @@
             </a:pPr>
             <a:r>
               <a:rPr lang="en-US" dirty="0" smtClean="0"/>
-              <a:t>Table-driven </a:t>
-            </a:r>
-            <a:r>
-              <a:rPr lang="en-US" dirty="0"/>
-              <a:t>configuration</a:t>
-            </a:r>
-            <a:endParaRPr lang="en-US" dirty="0" smtClean="0"/>
-          </a:p>
+              <a:t>Limits </a:t>
+            </a:r>
+            <a:r>
+              <a:rPr lang="en-US" dirty="0" smtClean="0">
+                <a:solidFill>
+                  <a:schemeClr val="bg1">
+                    <a:lumMod val="50000"/>
+                  </a:schemeClr>
+                </a:solidFill>
+              </a:rPr>
+              <a:t>- SQL and PL/SQL only, as DBA</a:t>
+            </a:r>
+          </a:p>
+        </p:txBody>
+      </p:sp>
+      <p:sp>
+        <p:nvSpPr>
+          <p:cNvPr id="4" name="Date Placeholder 3"/>
+          <p:cNvSpPr>
+            <a:spLocks noGrp="1"/>
+          </p:cNvSpPr>
+          <p:nvPr>
+            <p:ph type="dt" sz="half" idx="10"/>
+          </p:nvPr>
+        </p:nvSpPr>
+        <p:spPr/>
+        <p:txBody>
+          <a:bodyPr/>
+          <a:lstStyle/>
+          <a:p>
+            <a:fld id="{8C6FBF27-FCE1-40A4-AD2E-EA28EB5C01F0}" type="datetime1">
+              <a:rPr lang="en-US" smtClean="0"/>
+              <a:t>2017-01-12</a:t>
+            </a:fld>
+            <a:endParaRPr lang="en-US"/>
+          </a:p>
+        </p:txBody>
+      </p:sp>
+      <p:sp>
+        <p:nvSpPr>
+          <p:cNvPr id="5" name="Slide Number Placeholder 4"/>
+          <p:cNvSpPr>
+            <a:spLocks noGrp="1"/>
+          </p:cNvSpPr>
+          <p:nvPr>
+            <p:ph type="sldNum" sz="quarter" idx="12"/>
+          </p:nvPr>
+        </p:nvSpPr>
+        <p:spPr/>
+        <p:txBody>
+          <a:bodyPr/>
+          <a:lstStyle/>
+          <a:p>
+            <a:fld id="{05869706-863E-4BD1-B682-3CD80F60367B}" type="slidenum">
+              <a:rPr lang="en-US" smtClean="0"/>
+              <a:t>11</a:t>
+            </a:fld>
+            <a:endParaRPr lang="en-US"/>
+          </a:p>
+        </p:txBody>
+      </p:sp>
+    </p:spTree>
+    <p:extLst>
+      <p:ext uri="{BB962C8B-B14F-4D97-AF65-F5344CB8AC3E}">
+        <p14:creationId xmlns:p14="http://schemas.microsoft.com/office/powerpoint/2010/main" val="530380749"/>
+      </p:ext>
+    </p:extLst>
+  </p:cSld>
+  <p:clrMapOvr>
+    <a:masterClrMapping/>
+  </p:clrMapOvr>
+  <p:timing>
+    <p:tnLst>
+      <p:par>
+        <p:cTn id="1" dur="indefinite" restart="never" nodeType="tmRoot"/>
+      </p:par>
+    </p:tnLst>
+  </p:timing>
+</p:sld>
+</file>
+
+<file path=ppt/slides/slide12.xml><?xml version="1.0" encoding="utf-8"?>
+<p:sld xmlns:a="http://schemas.openxmlformats.org/drawingml/2006/main" xmlns:r="http://schemas.openxmlformats.org/officeDocument/2006/relationships" xmlns:p="http://schemas.openxmlformats.org/presentationml/2006/main">
+  <p:cSld>
+    <p:spTree>
+      <p:nvGrpSpPr>
+        <p:cNvPr id="1" name=""/>
+        <p:cNvGrpSpPr/>
+        <p:nvPr/>
+      </p:nvGrpSpPr>
+      <p:grpSpPr>
+        <a:xfrm>
+          <a:off x="0" y="0"/>
+          <a:ext cx="0" cy="0"/>
+          <a:chOff x="0" y="0"/>
+          <a:chExt cx="0" cy="0"/>
+        </a:xfrm>
+      </p:grpSpPr>
+      <p:sp>
+        <p:nvSpPr>
+          <p:cNvPr id="2" name="Title 1"/>
+          <p:cNvSpPr>
+            <a:spLocks noGrp="1"/>
+          </p:cNvSpPr>
+          <p:nvPr>
+            <p:ph type="title"/>
+          </p:nvPr>
+        </p:nvSpPr>
+        <p:spPr/>
+        <p:txBody>
+          <a:bodyPr/>
+          <a:lstStyle/>
+          <a:p>
+            <a:r>
+              <a:rPr lang="en-US" dirty="0" smtClean="0"/>
+              <a:t>Technologies</a:t>
+            </a:r>
+            <a:endParaRPr lang="en-US" dirty="0"/>
+          </a:p>
+        </p:txBody>
+      </p:sp>
+      <p:sp>
+        <p:nvSpPr>
+          <p:cNvPr id="3" name="Content Placeholder 2"/>
+          <p:cNvSpPr>
+            <a:spLocks noGrp="1"/>
+          </p:cNvSpPr>
+          <p:nvPr>
+            <p:ph idx="1"/>
+          </p:nvPr>
+        </p:nvSpPr>
+        <p:spPr/>
+        <p:txBody>
+          <a:bodyPr>
+            <a:normAutofit/>
+          </a:bodyPr>
+          <a:lstStyle/>
           <a:p>
             <a:pPr marL="514350" indent="-514350">
               <a:buFont typeface="+mj-lt"/>
@@ -6109,18 +6211,82 @@
             </a:pPr>
             <a:r>
               <a:rPr lang="en-US" dirty="0" smtClean="0"/>
-              <a:t>Oracle </a:t>
-            </a:r>
-            <a:r>
-              <a:rPr lang="en-US" dirty="0" smtClean="0"/>
-              <a:t>Data </a:t>
-            </a:r>
-            <a:r>
-              <a:rPr lang="en-US" dirty="0" smtClean="0"/>
-              <a:t>Cartridge</a:t>
-            </a:r>
+              <a:t>Dynamic</a:t>
+            </a:r>
+            <a:r>
+              <a:rPr lang="en-US" dirty="0"/>
+              <a:t>, templated SQL and </a:t>
+            </a:r>
+            <a:r>
+              <a:rPr lang="en-US" dirty="0" smtClean="0"/>
+              <a:t>PL/SQL</a:t>
+            </a:r>
+            <a:br>
+              <a:rPr lang="en-US" dirty="0" smtClean="0"/>
+            </a:br>
             <a:endParaRPr lang="en-US" dirty="0" smtClean="0"/>
           </a:p>
+          <a:p>
+            <a:pPr marL="514350" indent="-514350">
+              <a:buFont typeface="+mj-lt"/>
+              <a:buAutoNum type="arabicPeriod"/>
+            </a:pPr>
+            <a:r>
+              <a:rPr lang="en-US" dirty="0"/>
+              <a:t>Database Links</a:t>
+            </a:r>
+          </a:p>
+          <a:p>
+            <a:pPr marL="514350" indent="-514350">
+              <a:buFont typeface="+mj-lt"/>
+              <a:buAutoNum type="arabicPeriod"/>
+            </a:pPr>
+            <a:r>
+              <a:rPr lang="en-US" dirty="0"/>
+              <a:t>PL/SQL </a:t>
+            </a:r>
+            <a:r>
+              <a:rPr lang="en-US" dirty="0" err="1"/>
+              <a:t>Lexer</a:t>
+            </a:r>
+            <a:endParaRPr lang="en-US" dirty="0"/>
+          </a:p>
+          <a:p>
+            <a:pPr marL="514350" indent="-514350">
+              <a:buFont typeface="+mj-lt"/>
+              <a:buAutoNum type="arabicPeriod"/>
+            </a:pPr>
+            <a:r>
+              <a:rPr lang="en-US" dirty="0" smtClean="0"/>
+              <a:t>DBMS_SCHEDULER, DBMS_PIPES </a:t>
+            </a:r>
+            <a:endParaRPr lang="en-US" dirty="0"/>
+          </a:p>
+          <a:p>
+            <a:pPr marL="514350" indent="-514350">
+              <a:buFont typeface="+mj-lt"/>
+              <a:buAutoNum type="arabicPeriod"/>
+            </a:pPr>
+            <a:r>
+              <a:rPr lang="en-US" dirty="0" smtClean="0"/>
+              <a:t>Table-driven </a:t>
+            </a:r>
+            <a:r>
+              <a:rPr lang="en-US" dirty="0"/>
+              <a:t>configuration</a:t>
+            </a:r>
+            <a:endParaRPr lang="en-US" dirty="0" smtClean="0"/>
+          </a:p>
+          <a:p>
+            <a:pPr marL="514350" indent="-514350">
+              <a:buFont typeface="+mj-lt"/>
+              <a:buAutoNum type="arabicPeriod"/>
+            </a:pPr>
+            <a:r>
+              <a:rPr lang="en-US" dirty="0" smtClean="0"/>
+              <a:t>Oracle Data Cartridge</a:t>
+            </a:r>
+          </a:p>
         </p:txBody>
       </p:sp>
       <p:sp>
@@ -6140,7 +6306,7 @@
           <a:p>
             <a:fld id="{FC4CB26D-ED02-41C0-8C14-C61605713420}" type="datetime1">
               <a:rPr lang="en-US" smtClean="0"/>
-              <a:t>2017-01-08</a:t>
+              <a:t>2017-01-12</a:t>
             </a:fld>
             <a:endParaRPr lang="en-US"/>
           </a:p>
@@ -6163,7 +6329,7 @@
           <a:p>
             <a:fld id="{05869706-863E-4BD1-B682-3CD80F60367B}" type="slidenum">
               <a:rPr lang="en-US" smtClean="0"/>
-              <a:t>11</a:t>
+              <a:t>12</a:t>
             </a:fld>
             <a:endParaRPr lang="en-US"/>
           </a:p>
@@ -6325,7 +6491,7 @@
 </p:sld>
 </file>
 
-<file path=ppt/slides/slide12.xml><?xml version="1.0" encoding="utf-8"?>
+<file path=ppt/slides/slide13.xml><?xml version="1.0" encoding="utf-8"?>
 <p:sld xmlns:a="http://schemas.openxmlformats.org/drawingml/2006/main" xmlns:r="http://schemas.openxmlformats.org/officeDocument/2006/relationships" xmlns:p="http://schemas.openxmlformats.org/presentationml/2006/main">
   <p:cSld>
     <p:spTree>
@@ -6428,11 +6594,7 @@
             </a:pPr>
             <a:r>
               <a:rPr lang="en-US" dirty="0" smtClean="0"/>
-              <a:t>How </a:t>
-            </a:r>
-            <a:r>
-              <a:rPr lang="en-US" dirty="0" smtClean="0"/>
-              <a:t>much time will it take?</a:t>
+              <a:t>How much time will it take?</a:t>
             </a:r>
           </a:p>
           <a:p>
@@ -6479,7 +6641,7 @@
           <a:p>
             <a:fld id="{8A97B252-A157-47EE-8D8D-B5B4DAA37260}" type="datetime1">
               <a:rPr lang="en-US" smtClean="0"/>
-              <a:t>2017-01-08</a:t>
+              <a:t>2017-01-12</a:t>
             </a:fld>
             <a:endParaRPr lang="en-US"/>
           </a:p>
@@ -6502,7 +6664,7 @@
           <a:p>
             <a:fld id="{05869706-863E-4BD1-B682-3CD80F60367B}" type="slidenum">
               <a:rPr lang="en-US" smtClean="0"/>
-              <a:t>12</a:t>
+              <a:t>13</a:t>
             </a:fld>
             <a:endParaRPr lang="en-US"/>
           </a:p>
@@ -6528,7 +6690,7 @@
 </p:sld>
 </file>
 
-<file path=ppt/slides/slide13.xml><?xml version="1.0" encoding="utf-8"?>
+<file path=ppt/slides/slide14.xml><?xml version="1.0" encoding="utf-8"?>
 <p:sld xmlns:a="http://schemas.openxmlformats.org/drawingml/2006/main" xmlns:r="http://schemas.openxmlformats.org/officeDocument/2006/relationships" xmlns:p="http://schemas.openxmlformats.org/presentationml/2006/main">
   <p:cSld>
     <p:spTree>
@@ -6632,7 +6794,7 @@
           <a:p>
             <a:fld id="{14CB67C7-3BA7-4C89-AD88-5C3EB0A22414}" type="datetime1">
               <a:rPr lang="en-US" smtClean="0"/>
-              <a:t>2017-01-08</a:t>
+              <a:t>2017-01-12</a:t>
             </a:fld>
             <a:endParaRPr lang="en-US" dirty="0"/>
           </a:p>
@@ -6655,7 +6817,7 @@
           <a:p>
             <a:fld id="{05869706-863E-4BD1-B682-3CD80F60367B}" type="slidenum">
               <a:rPr lang="en-US" smtClean="0"/>
-              <a:t>13</a:t>
+              <a:t>14</a:t>
             </a:fld>
             <a:endParaRPr lang="en-US"/>
           </a:p>
@@ -6845,7 +7007,7 @@
 </p:sld>
 </file>
 
-<file path=ppt/slides/slide14.xml><?xml version="1.0" encoding="utf-8"?>
+<file path=ppt/slides/slide15.xml><?xml version="1.0" encoding="utf-8"?>
 <p:sld xmlns:a="http://schemas.openxmlformats.org/drawingml/2006/main" xmlns:r="http://schemas.openxmlformats.org/officeDocument/2006/relationships" xmlns:p="http://schemas.openxmlformats.org/presentationml/2006/main">
   <p:cSld>
     <p:spTree>
@@ -6931,11 +7093,7 @@
             </a:pPr>
             <a:r>
               <a:rPr lang="en-US" dirty="0" smtClean="0"/>
-              <a:t>Email </a:t>
-            </a:r>
-            <a:r>
-              <a:rPr lang="en-US" dirty="0" smtClean="0"/>
-              <a:t>Jon Heller: </a:t>
+              <a:t>Email Jon Heller: </a:t>
             </a:r>
             <a:r>
               <a:rPr lang="en-US" dirty="0" smtClean="0">
@@ -7001,7 +7159,6 @@
               <a:rPr lang="en-US" dirty="0" smtClean="0"/>
               <a:t>Professional services available</a:t>
             </a:r>
-            <a:endParaRPr lang="en-US" dirty="0" smtClean="0"/>
           </a:p>
         </p:txBody>
       </p:sp>
@@ -7022,7 +7179,7 @@
           <a:p>
             <a:fld id="{E18E99D8-5B8F-468C-BBE7-526BD68FE572}" type="datetime1">
               <a:rPr lang="en-US" smtClean="0"/>
-              <a:t>2017-01-08</a:t>
+              <a:t>2017-01-12</a:t>
             </a:fld>
             <a:endParaRPr lang="en-US"/>
           </a:p>
@@ -7045,7 +7202,7 @@
           <a:p>
             <a:fld id="{05869706-863E-4BD1-B682-3CD80F60367B}" type="slidenum">
               <a:rPr lang="en-US" smtClean="0"/>
-              <a:t>14</a:t>
+              <a:t>15</a:t>
             </a:fld>
             <a:endParaRPr lang="en-US"/>
           </a:p>
@@ -7071,7 +7228,7 @@
 </p:sld>
 </file>
 
-<file path=ppt/slides/slide15.xml><?xml version="1.0" encoding="utf-8"?>
+<file path=ppt/slides/slide16.xml><?xml version="1.0" encoding="utf-8"?>
 <p:sld xmlns:a="http://schemas.openxmlformats.org/drawingml/2006/main" xmlns:r="http://schemas.openxmlformats.org/officeDocument/2006/relationships" xmlns:p="http://schemas.openxmlformats.org/presentationml/2006/main">
   <p:cSld>
     <p:spTree>
@@ -7107,11 +7264,7 @@
           <a:p>
             <a:r>
               <a:rPr lang="en-US" dirty="0" smtClean="0"/>
-              <a:t>Your New </a:t>
-            </a:r>
-            <a:r>
-              <a:rPr lang="en-US" dirty="0" smtClean="0"/>
-              <a:t>Mission:</a:t>
+              <a:t>Your New Mission:</a:t>
             </a:r>
             <a:br>
               <a:rPr lang="en-US" dirty="0" smtClean="0"/>
@@ -7147,7 +7300,6 @@
               <a:rPr lang="en-US" dirty="0" smtClean="0"/>
               <a:t>Not just faster</a:t>
             </a:r>
-            <a:endParaRPr lang="en-US" dirty="0" smtClean="0"/>
           </a:p>
           <a:p>
             <a:pPr marL="514350" indent="-514350">
@@ -7218,7 +7370,7 @@
           <a:p>
             <a:fld id="{4E667C21-B277-46CB-80E7-1C015420E7D1}" type="datetime1">
               <a:rPr lang="en-US" smtClean="0"/>
-              <a:t>2017-01-08</a:t>
+              <a:t>2017-01-12</a:t>
             </a:fld>
             <a:endParaRPr lang="en-US" dirty="0"/>
           </a:p>
@@ -7241,7 +7393,7 @@
           <a:p>
             <a:fld id="{05869706-863E-4BD1-B682-3CD80F60367B}" type="slidenum">
               <a:rPr lang="en-US" smtClean="0"/>
-              <a:t>15</a:t>
+              <a:t>16</a:t>
             </a:fld>
             <a:endParaRPr lang="en-US"/>
           </a:p>
@@ -7479,11 +7631,7 @@
             </a:pPr>
             <a:r>
               <a:rPr lang="en-US" dirty="0" smtClean="0"/>
-              <a:t>Complements </a:t>
-            </a:r>
-            <a:r>
-              <a:rPr lang="en-US" dirty="0" smtClean="0"/>
-              <a:t>existing automation tools</a:t>
+              <a:t>Complements existing automation tools</a:t>
             </a:r>
           </a:p>
           <a:p>
@@ -7493,13 +7641,8 @@
             </a:pPr>
             <a:r>
               <a:rPr lang="en-US" dirty="0" smtClean="0"/>
-              <a:t>Open-source, robust </a:t>
-            </a:r>
-            <a:r>
-              <a:rPr lang="en-US" dirty="0" smtClean="0"/>
-              <a:t>implementation</a:t>
-            </a:r>
-            <a:endParaRPr lang="en-US" dirty="0" smtClean="0"/>
+              <a:t>Open-source, robust implementation</a:t>
+            </a:r>
           </a:p>
           <a:p>
             <a:pPr marL="514350" indent="-514350">
@@ -7508,17 +7651,8 @@
             </a:pPr>
             <a:r>
               <a:rPr lang="en-US" dirty="0" smtClean="0"/>
-              <a:t>Find, fix, and prevent </a:t>
-            </a:r>
-            <a:r>
-              <a:rPr lang="en-US" dirty="0" smtClean="0"/>
-              <a:t>problems </a:t>
-            </a:r>
-            <a:r>
-              <a:rPr lang="en-US" dirty="0" smtClean="0"/>
-              <a:t>everywhere</a:t>
-            </a:r>
-            <a:endParaRPr lang="en-US" dirty="0" smtClean="0"/>
+              <a:t>Find, fix, and prevent problems everywhere</a:t>
+            </a:r>
           </a:p>
           <a:p>
             <a:pPr marL="514350" indent="-514350">
@@ -7546,7 +7680,7 @@
           <a:p>
             <a:fld id="{04FA3B08-0866-4F48-BECB-8AEAA49887FE}" type="datetime1">
               <a:rPr lang="en-US" smtClean="0"/>
-              <a:t>2017-01-08</a:t>
+              <a:t>2017-01-12</a:t>
             </a:fld>
             <a:endParaRPr lang="en-US"/>
           </a:p>
@@ -7658,15 +7792,7 @@
             </a:pPr>
             <a:r>
               <a:rPr lang="en-US" sz="2800" dirty="0" smtClean="0"/>
-              <a:t>Oracle </a:t>
-            </a:r>
-            <a:r>
-              <a:rPr lang="en-US" sz="2800" dirty="0" smtClean="0"/>
-              <a:t>developer or DBA for 15 </a:t>
-            </a:r>
-            <a:r>
-              <a:rPr lang="en-US" sz="2800" dirty="0" smtClean="0"/>
-              <a:t>years</a:t>
+              <a:t>Oracle developer or DBA for 15 years</a:t>
             </a:r>
           </a:p>
           <a:p>
@@ -7713,7 +7839,6 @@
               <a:rPr lang="en-US" sz="2800" dirty="0" smtClean="0"/>
               <a:t>BS and MCS in Computer Science, NCSU</a:t>
             </a:r>
-            <a:endParaRPr lang="en-US" sz="2800" dirty="0" smtClean="0"/>
           </a:p>
           <a:p>
             <a:pPr marL="514350" indent="-514350">
@@ -7722,11 +7847,7 @@
             </a:pPr>
             <a:r>
               <a:rPr lang="en-US" sz="2800" dirty="0" smtClean="0"/>
-              <a:t>Certifications: </a:t>
-            </a:r>
-            <a:r>
-              <a:rPr lang="en-US" sz="2800" dirty="0" smtClean="0"/>
-              <a:t>PL/SQL, DBA, SQL Expert, SQL Tuning</a:t>
+              <a:t>Certifications: PL/SQL, DBA, SQL Expert, SQL Tuning</a:t>
             </a:r>
           </a:p>
           <a:p>
@@ -7761,7 +7882,7 @@
           <a:p>
             <a:fld id="{E0B1ECC0-3D31-49BF-9732-FEB21E3BFE0B}" type="datetime1">
               <a:rPr lang="en-US" smtClean="0"/>
-              <a:t>2017-01-08</a:t>
+              <a:t>2017-01-12</a:t>
             </a:fld>
             <a:endParaRPr lang="en-US"/>
           </a:p>
@@ -8098,7 +8219,6 @@
               <a:rPr lang="en-US" dirty="0" smtClean="0"/>
               <a:t>Only obvious, pre-defined tasks are automated</a:t>
             </a:r>
-            <a:endParaRPr lang="en-US" dirty="0" smtClean="0"/>
           </a:p>
           <a:p>
             <a:pPr marL="514350" indent="-514350">
@@ -8117,13 +8237,8 @@
             </a:pPr>
             <a:r>
               <a:rPr lang="en-US" dirty="0" smtClean="0"/>
-              <a:t>SQL and PL/SQL are great but </a:t>
-            </a:r>
-            <a:r>
-              <a:rPr lang="en-US" dirty="0" smtClean="0"/>
-              <a:t>per-database</a:t>
-            </a:r>
-            <a:endParaRPr lang="en-US" dirty="0" smtClean="0"/>
+              <a:t>SQL and PL/SQL are great but per-database</a:t>
+            </a:r>
           </a:p>
         </p:txBody>
       </p:sp>
@@ -8144,7 +8259,7 @@
           <a:p>
             <a:fld id="{59A89C50-A88C-43DA-A017-AA6F35F0B0C8}" type="datetime1">
               <a:rPr lang="en-US" smtClean="0"/>
-              <a:t>2017-01-08</a:t>
+              <a:t>2017-01-12</a:t>
             </a:fld>
             <a:endParaRPr lang="en-US"/>
           </a:p>
@@ -8281,7 +8396,7 @@
           <a:p>
             <a:fld id="{AA1E44A8-32B0-4E5A-A6DF-07DB1E700CAE}" type="datetime1">
               <a:rPr lang="en-US" smtClean="0"/>
-              <a:t>2017-01-08</a:t>
+              <a:t>2017-01-12</a:t>
             </a:fld>
             <a:endParaRPr lang="en-US"/>
           </a:p>
@@ -8693,7 +8808,6 @@
               <a:rPr lang="en-US" dirty="0" smtClean="0"/>
               <a:t>Won't transform your processes</a:t>
             </a:r>
-            <a:endParaRPr lang="en-US" dirty="0" smtClean="0"/>
           </a:p>
           <a:p>
             <a:pPr marL="514350" indent="-514350">
@@ -8702,17 +8816,8 @@
             </a:pPr>
             <a:r>
               <a:rPr lang="en-US" dirty="0" smtClean="0"/>
-              <a:t>Slow</a:t>
-            </a:r>
-            <a:r>
-              <a:rPr lang="en-US" dirty="0" smtClean="0"/>
-              <a:t>, complex, or </a:t>
-            </a:r>
-            <a:r>
-              <a:rPr lang="en-US" dirty="0" smtClean="0"/>
-              <a:t>insecure</a:t>
-            </a:r>
-            <a:endParaRPr lang="en-US" dirty="0" smtClean="0"/>
+              <a:t>Slow, complex, or insecure</a:t>
+            </a:r>
           </a:p>
           <a:p>
             <a:pPr marL="514350" indent="-514350">
@@ -8721,13 +8826,8 @@
             </a:pPr>
             <a:r>
               <a:rPr lang="en-US" dirty="0" smtClean="0"/>
-              <a:t>IDE, plugin, website, </a:t>
-            </a:r>
-            <a:r>
-              <a:rPr lang="en-US" dirty="0" smtClean="0"/>
-              <a:t>files, agents</a:t>
-            </a:r>
-            <a:endParaRPr lang="en-US" dirty="0" smtClean="0"/>
+              <a:t>IDE, plugin, website, files, agents</a:t>
+            </a:r>
           </a:p>
           <a:p>
             <a:pPr marL="514350" indent="-514350">
@@ -8748,7 +8848,6 @@
               <a:rPr lang="en-US" dirty="0" smtClean="0"/>
               <a:t>Pre-defined tasks only</a:t>
             </a:r>
-            <a:endParaRPr lang="en-US" dirty="0" smtClean="0"/>
           </a:p>
           <a:p>
             <a:pPr marL="514350" indent="-514350">
@@ -8879,6 +8978,10 @@
               <a:rPr lang="en-US" dirty="0" smtClean="0"/>
             </a:br>
             <a:r>
+              <a:rPr lang="en-US" dirty="0" smtClean="0"/>
+              <a:t>   </a:t>
+            </a:r>
+            <a:r>
               <a:rPr lang="en-US" b="1" dirty="0" smtClean="0">
                 <a:solidFill>
                   <a:srgbClr val="00B050"/>
@@ -8922,6 +9025,13 @@
               </a:rPr>
             </a:br>
             <a:r>
+              <a:rPr lang="en-US" dirty="0" smtClean="0">
+                <a:latin typeface="Courier New" panose="02070309020205020404" pitchFamily="49" charset="0"/>
+                <a:cs typeface="Courier New" panose="02070309020205020404" pitchFamily="49" charset="0"/>
+              </a:rPr>
+              <a:t>   </a:t>
+            </a:r>
+            <a:r>
               <a:rPr lang="en-US" b="1" dirty="0" smtClean="0">
                 <a:solidFill>
                   <a:srgbClr val="00B050"/>
@@ -8936,7 +9046,14 @@
                 <a:latin typeface="Courier New" panose="02070309020205020404" pitchFamily="49" charset="0"/>
                 <a:cs typeface="Courier New" panose="02070309020205020404" pitchFamily="49" charset="0"/>
               </a:rPr>
-              <a:t> DBA_USERS</a:t>
+              <a:t> </a:t>
+            </a:r>
+            <a:r>
+              <a:rPr lang="en-US" dirty="0" smtClean="0">
+                <a:latin typeface="Courier New" panose="02070309020205020404" pitchFamily="49" charset="0"/>
+                <a:cs typeface="Courier New" panose="02070309020205020404" pitchFamily="49" charset="0"/>
+              </a:rPr>
+              <a:t>DBA_USERS</a:t>
             </a:r>
             <a:br>
               <a:rPr lang="en-US" dirty="0" smtClean="0">
@@ -8945,6 +9062,13 @@
               </a:rPr>
             </a:br>
             <a:r>
+              <a:rPr lang="en-US" dirty="0" smtClean="0">
+                <a:latin typeface="Courier New" panose="02070309020205020404" pitchFamily="49" charset="0"/>
+                <a:cs typeface="Courier New" panose="02070309020205020404" pitchFamily="49" charset="0"/>
+              </a:rPr>
+              <a:t>  </a:t>
+            </a:r>
+            <a:r>
               <a:rPr lang="en-US" b="1" dirty="0" smtClean="0">
                 <a:solidFill>
                   <a:srgbClr val="00B050"/>
@@ -8959,7 +9083,14 @@
                 <a:latin typeface="Courier New" panose="02070309020205020404" pitchFamily="49" charset="0"/>
                 <a:cs typeface="Courier New" panose="02070309020205020404" pitchFamily="49" charset="0"/>
               </a:rPr>
-              <a:t> PROFILE </a:t>
+              <a:t> </a:t>
+            </a:r>
+            <a:r>
+              <a:rPr lang="en-US" dirty="0" smtClean="0">
+                <a:latin typeface="Courier New" panose="02070309020205020404" pitchFamily="49" charset="0"/>
+                <a:cs typeface="Courier New" panose="02070309020205020404" pitchFamily="49" charset="0"/>
+              </a:rPr>
+              <a:t>PROFILE </a:t>
             </a:r>
             <a:r>
               <a:rPr lang="en-US" b="1" dirty="0" smtClean="0">
@@ -9029,26 +9160,6 @@
                 <a:latin typeface="Courier New" panose="02070309020205020404" pitchFamily="49" charset="0"/>
                 <a:cs typeface="Courier New" panose="02070309020205020404" pitchFamily="49" charset="0"/>
               </a:rPr>
-              <a:t>IN</a:t>
-            </a:r>
-            <a:r>
-              <a:rPr lang="en-US" dirty="0" smtClean="0">
-                <a:solidFill>
-                  <a:srgbClr val="FF0000"/>
-                </a:solidFill>
-                <a:latin typeface="Courier New" panose="02070309020205020404" pitchFamily="49" charset="0"/>
-                <a:cs typeface="Courier New" panose="02070309020205020404" pitchFamily="49" charset="0"/>
-              </a:rPr>
-              <a:t> </a:t>
-            </a:r>
-            <a:r>
-              <a:rPr lang="en-US" b="1" dirty="0" smtClean="0">
-                <a:solidFill>
-                  <a:srgbClr val="FF0000"/>
-                </a:solidFill>
-                <a:latin typeface="Courier New" panose="02070309020205020404" pitchFamily="49" charset="0"/>
-                <a:cs typeface="Courier New" panose="02070309020205020404" pitchFamily="49" charset="0"/>
-              </a:rPr>
               <a:t>(</a:t>
             </a:r>
             <a:r>
@@ -9108,7 +9219,7 @@
           <a:p>
             <a:fld id="{1AF7749E-7951-4D42-9C43-2FC8E80375B1}" type="datetime1">
               <a:rPr lang="en-US" smtClean="0"/>
-              <a:t>2017-01-08</a:t>
+              <a:t>2017-01-12</a:t>
             </a:fld>
             <a:endParaRPr lang="en-US"/>
           </a:p>
@@ -9230,13 +9341,8 @@
             </a:pPr>
             <a:r>
               <a:rPr lang="en-US" dirty="0" smtClean="0"/>
-              <a:t>In production since 2014 for Ventech </a:t>
-            </a:r>
-            <a:r>
-              <a:rPr lang="en-US" dirty="0" smtClean="0"/>
-              <a:t>&amp; CMS</a:t>
-            </a:r>
-            <a:endParaRPr lang="en-US" dirty="0" smtClean="0"/>
+              <a:t>In production since 2014 for Ventech &amp; CMS</a:t>
+            </a:r>
           </a:p>
           <a:p>
             <a:pPr marL="514350" indent="-514350">
@@ -9245,13 +9351,8 @@
             </a:pPr>
             <a:r>
               <a:rPr lang="en-US" dirty="0" smtClean="0"/>
-              <a:t>&gt;400 databases, &gt;1PB </a:t>
-            </a:r>
-            <a:r>
-              <a:rPr lang="en-US" dirty="0" smtClean="0"/>
-              <a:t>data</a:t>
-            </a:r>
-            <a:endParaRPr lang="en-US" dirty="0" smtClean="0"/>
+              <a:t>&gt;400 databases, &gt;1PB data</a:t>
+            </a:r>
           </a:p>
           <a:p>
             <a:pPr marL="514350" indent="-514350">
@@ -9260,15 +9361,7 @@
             </a:pPr>
             <a:r>
               <a:rPr lang="en-US" dirty="0" smtClean="0"/>
-              <a:t>&gt;8 million runs, &gt;1800 </a:t>
-            </a:r>
-            <a:r>
-              <a:rPr lang="en-US" dirty="0" smtClean="0"/>
-              <a:t>tests</a:t>
-            </a:r>
-            <a:r>
-              <a:rPr lang="en-US" dirty="0" smtClean="0"/>
-              <a:t>, open source</a:t>
+              <a:t>&gt;8 million runs, &gt;1800 tests, open source</a:t>
             </a:r>
           </a:p>
           <a:p>
@@ -9300,7 +9393,7 @@
           <a:p>
             <a:fld id="{60D7856B-577C-489D-A2A8-2F221F81FEFA}" type="datetime1">
               <a:rPr lang="en-US" smtClean="0"/>
-              <a:t>2017-01-08</a:t>
+              <a:t>2017-01-12</a:t>
             </a:fld>
             <a:endParaRPr lang="en-US"/>
           </a:p>
@@ -9460,39 +9553,41 @@
         </p:nvSpPr>
         <p:spPr/>
         <p:txBody>
-          <a:bodyPr/>
-          <a:lstStyle/>
-          <a:p>
-            <a:r>
-              <a:rPr lang="en-US" dirty="0" smtClean="0"/>
-              <a:t>Basic Features</a:t>
-            </a:r>
-            <a:endParaRPr lang="en-US" dirty="0"/>
-          </a:p>
-        </p:txBody>
-      </p:sp>
-      <p:sp>
-        <p:nvSpPr>
-          <p:cNvPr id="3" name="Content Placeholder 2"/>
-          <p:cNvSpPr>
-            <a:spLocks noGrp="1"/>
-          </p:cNvSpPr>
-          <p:nvPr>
-            <p:ph idx="1"/>
-          </p:nvPr>
-        </p:nvSpPr>
-        <p:spPr/>
-        <p:txBody>
           <a:bodyPr>
             <a:normAutofit/>
           </a:bodyPr>
           <a:lstStyle/>
           <a:p>
+            <a:r>
+              <a:rPr lang="en-US" dirty="0" smtClean="0"/>
+              <a:t>Interface - Function or Procedure</a:t>
+            </a:r>
+            <a:endParaRPr lang="en-US" dirty="0"/>
+          </a:p>
+        </p:txBody>
+      </p:sp>
+      <p:sp>
+        <p:nvSpPr>
+          <p:cNvPr id="3" name="Content Placeholder 2"/>
+          <p:cNvSpPr>
+            <a:spLocks noGrp="1"/>
+          </p:cNvSpPr>
+          <p:nvPr>
+            <p:ph idx="1"/>
+          </p:nvPr>
+        </p:nvSpPr>
+        <p:spPr/>
+        <p:txBody>
+          <a:bodyPr>
+            <a:normAutofit fontScale="85000" lnSpcReduction="20000"/>
+          </a:bodyPr>
+          <a:lstStyle/>
+          <a:p>
             <a:pPr marL="0" indent="0">
               <a:buNone/>
             </a:pPr>
             <a:r>
-              <a:rPr lang="en-US" sz="2200" b="1" dirty="0" smtClean="0">
+              <a:rPr lang="en-US" sz="2600" b="1" dirty="0">
                 <a:solidFill>
                   <a:srgbClr val="008080"/>
                 </a:solidFill>
@@ -9504,7 +9599,7 @@
               <a:t>select</a:t>
             </a:r>
             <a:r>
-              <a:rPr lang="en-US" sz="2200" b="1" dirty="0" smtClean="0">
+              <a:rPr lang="en-US" sz="2600" b="1" dirty="0">
                 <a:solidFill>
                   <a:srgbClr val="000080"/>
                 </a:solidFill>
@@ -9521,7 +9616,7 @@
               <a:buNone/>
             </a:pPr>
             <a:r>
-              <a:rPr lang="en-US" sz="2200" b="1" dirty="0" smtClean="0">
+              <a:rPr lang="en-US" sz="2600" b="1" dirty="0">
                 <a:solidFill>
                   <a:srgbClr val="008080"/>
                 </a:solidFill>
@@ -9533,7 +9628,7 @@
               <a:t>from</a:t>
             </a:r>
             <a:r>
-              <a:rPr lang="en-US" sz="2200" b="1" dirty="0" smtClean="0">
+              <a:rPr lang="en-US" sz="2600" b="1" dirty="0">
                 <a:solidFill>
                   <a:srgbClr val="000080"/>
                 </a:solidFill>
@@ -9545,7 +9640,7 @@
               <a:t> </a:t>
             </a:r>
             <a:r>
-              <a:rPr lang="en-US" sz="2200" b="1" dirty="0" smtClean="0">
+              <a:rPr lang="en-US" sz="2600" b="1" dirty="0" smtClean="0">
                 <a:solidFill>
                   <a:srgbClr val="008080"/>
                 </a:solidFill>
@@ -9557,7 +9652,7 @@
               <a:t>table</a:t>
             </a:r>
             <a:r>
-              <a:rPr lang="en-US" sz="2200" b="1" dirty="0" smtClean="0">
+              <a:rPr lang="en-US" sz="2600" b="1" dirty="0" smtClean="0">
                 <a:solidFill>
                   <a:srgbClr val="000080"/>
                 </a:solidFill>
@@ -9566,10 +9661,22 @@
                 </a:highlight>
                 <a:latin typeface="Courier New"/>
               </a:rPr>
-              <a:t>(m5(</a:t>
-            </a:r>
-            <a:r>
-              <a:rPr lang="en-US" sz="2200" b="1" dirty="0" smtClean="0">
+              <a:t>(m5</a:t>
+            </a:r>
+            <a:r>
+              <a:rPr lang="en-US" sz="2600" b="1" dirty="0">
+                <a:solidFill>
+                  <a:srgbClr val="000080"/>
+                </a:solidFill>
+                <a:highlight>
+                  <a:srgbClr val="FFFFFF"/>
+                </a:highlight>
+                <a:latin typeface="Courier New"/>
+              </a:rPr>
+              <a:t>(</a:t>
+            </a:r>
+            <a:r>
+              <a:rPr lang="en-US" sz="2600" b="1" dirty="0">
                 <a:solidFill>
                   <a:srgbClr val="0000FF"/>
                 </a:solidFill>
@@ -9581,7 +9688,7 @@
               <a:t>'select * from dual'</a:t>
             </a:r>
             <a:r>
-              <a:rPr lang="en-US" sz="2200" b="1" dirty="0" smtClean="0">
+              <a:rPr lang="en-US" sz="2600" b="1" dirty="0">
                 <a:solidFill>
                   <a:srgbClr val="000080"/>
                 </a:solidFill>
@@ -9593,7 +9700,7 @@
               <a:t>, </a:t>
             </a:r>
             <a:r>
-              <a:rPr lang="en-US" sz="2200" b="1" dirty="0" smtClean="0">
+              <a:rPr lang="en-US" sz="2600" b="1" dirty="0">
                 <a:solidFill>
                   <a:srgbClr val="0000FF"/>
                 </a:solidFill>
@@ -9605,7 +9712,7 @@
               <a:t>'</a:t>
             </a:r>
             <a:r>
-              <a:rPr lang="en-US" sz="2200" b="1" dirty="0" err="1" smtClean="0">
+              <a:rPr lang="en-US" sz="2600" b="1" dirty="0" err="1">
                 <a:solidFill>
                   <a:srgbClr val="0000FF"/>
                 </a:solidFill>
@@ -9617,7 +9724,7 @@
               <a:t>dev,qa</a:t>
             </a:r>
             <a:r>
-              <a:rPr lang="en-US" sz="2200" b="1" dirty="0" smtClean="0">
+              <a:rPr lang="en-US" sz="2600" b="1" dirty="0" smtClean="0">
                 <a:solidFill>
                   <a:srgbClr val="0000FF"/>
                 </a:solidFill>
@@ -9629,7 +9736,7 @@
               <a:t>'</a:t>
             </a:r>
             <a:r>
-              <a:rPr lang="en-US" sz="2200" b="1" dirty="0" smtClean="0">
+              <a:rPr lang="en-US" sz="2600" b="1" dirty="0" smtClean="0">
                 <a:solidFill>
                   <a:srgbClr val="000080"/>
                 </a:solidFill>
@@ -9640,145 +9747,630 @@
               </a:rPr>
               <a:t>));</a:t>
             </a:r>
-            <a:endParaRPr lang="en-US" sz="2200" b="1" dirty="0"/>
-          </a:p>
-          <a:p>
-            <a:pPr marL="514350" indent="-514350">
-              <a:buFont typeface="+mj-lt"/>
-              <a:buAutoNum type="arabicPeriod"/>
+          </a:p>
+          <a:p>
+            <a:pPr marL="0" indent="0">
+              <a:buNone/>
             </a:pPr>
-            <a:r>
-              <a:rPr lang="en-US" dirty="0" smtClean="0"/>
-              <a:t>Performance</a:t>
-            </a:r>
-            <a:r>
-              <a:rPr lang="en-US" dirty="0" smtClean="0">
-                <a:solidFill>
-                  <a:schemeClr val="bg1">
-                    <a:lumMod val="50000"/>
-                  </a:schemeClr>
-                </a:solidFill>
+            <a:endParaRPr lang="en-US" sz="2000" b="1" dirty="0" smtClean="0">
+              <a:solidFill>
+                <a:srgbClr val="000080"/>
+              </a:solidFill>
+              <a:highlight>
+                <a:srgbClr val="FFFFFF"/>
+              </a:highlight>
+              <a:latin typeface="Courier New"/>
+            </a:endParaRPr>
+          </a:p>
+          <a:p>
+            <a:pPr marL="0" indent="0">
+              <a:buNone/>
+            </a:pPr>
+            <a:r>
+              <a:rPr lang="en-US" sz="2000" b="1" dirty="0" smtClean="0">
+                <a:solidFill>
+                  <a:srgbClr val="000080"/>
+                </a:solidFill>
+                <a:highlight>
+                  <a:srgbClr val="FFFFFF"/>
+                </a:highlight>
+                <a:latin typeface="Courier New"/>
               </a:rPr>
-              <a:t> - fast, asynchronous</a:t>
-            </a:r>
-          </a:p>
-          <a:p>
-            <a:pPr marL="514350" indent="-514350">
-              <a:buFont typeface="+mj-lt"/>
-              <a:buAutoNum type="arabicPeriod"/>
+              <a:t/>
+            </a:r>
+            <a:br>
+              <a:rPr lang="en-US" sz="2000" b="1" dirty="0" smtClean="0">
+                <a:solidFill>
+                  <a:srgbClr val="000080"/>
+                </a:solidFill>
+                <a:highlight>
+                  <a:srgbClr val="FFFFFF"/>
+                </a:highlight>
+                <a:latin typeface="Courier New"/>
+              </a:rPr>
+            </a:br>
+            <a:r>
+              <a:rPr lang="en-US" sz="2600" b="1" dirty="0">
+                <a:solidFill>
+                  <a:srgbClr val="008080"/>
+                </a:solidFill>
+                <a:highlight>
+                  <a:srgbClr val="FFFFFF"/>
+                </a:highlight>
+                <a:latin typeface="Courier New"/>
+              </a:rPr>
+              <a:t>begin</a:t>
+            </a:r>
+            <a:endParaRPr lang="en-US" sz="2600" b="1" dirty="0">
+              <a:solidFill>
+                <a:srgbClr val="000080"/>
+              </a:solidFill>
+              <a:highlight>
+                <a:srgbClr val="FFFFFF"/>
+              </a:highlight>
+              <a:latin typeface="Courier New"/>
+            </a:endParaRPr>
+          </a:p>
+          <a:p>
+            <a:pPr marL="0" indent="0">
+              <a:buNone/>
             </a:pPr>
             <a:r>
-              <a:rPr lang="en-US" dirty="0" smtClean="0"/>
-              <a:t>Interface - </a:t>
-            </a:r>
-            <a:r>
-              <a:rPr lang="en-US" dirty="0" smtClean="0">
-                <a:solidFill>
-                  <a:schemeClr val="bg1">
-                    <a:lumMod val="50000"/>
-                  </a:schemeClr>
-                </a:solidFill>
+              <a:rPr lang="en-US" sz="2600" b="1" dirty="0" smtClean="0">
+                <a:solidFill>
+                  <a:srgbClr val="000080"/>
+                </a:solidFill>
+                <a:highlight>
+                  <a:srgbClr val="FFFFFF"/>
+                </a:highlight>
+                <a:latin typeface="Courier New"/>
               </a:rPr>
-              <a:t>plain SQL and PL/SQL</a:t>
-            </a:r>
-          </a:p>
-          <a:p>
-            <a:pPr marL="514350" indent="-514350">
-              <a:buFont typeface="+mj-lt"/>
-              <a:buAutoNum type="arabicPeriod"/>
+              <a:t>  m5_proc</a:t>
+            </a:r>
+            <a:r>
+              <a:rPr lang="en-US" sz="2600" b="1" dirty="0">
+                <a:solidFill>
+                  <a:srgbClr val="000080"/>
+                </a:solidFill>
+                <a:highlight>
+                  <a:srgbClr val="FFFFFF"/>
+                </a:highlight>
+                <a:latin typeface="Courier New"/>
+              </a:rPr>
+              <a:t>(</a:t>
+            </a:r>
+          </a:p>
+          <a:p>
+            <a:pPr marL="0" indent="0">
+              <a:buNone/>
             </a:pPr>
             <a:r>
-              <a:rPr lang="en-US" dirty="0" smtClean="0"/>
-              <a:t>Relational - </a:t>
-            </a:r>
-            <a:r>
-              <a:rPr lang="en-US" dirty="0" smtClean="0">
-                <a:solidFill>
-                  <a:schemeClr val="bg1">
-                    <a:lumMod val="50000"/>
-                  </a:schemeClr>
-                </a:solidFill>
+              <a:rPr lang="en-US" sz="2600" b="1" dirty="0" smtClean="0">
+                <a:solidFill>
+                  <a:srgbClr val="000080"/>
+                </a:solidFill>
+                <a:highlight>
+                  <a:srgbClr val="FFFFFF"/>
+                </a:highlight>
+                <a:latin typeface="Courier New"/>
               </a:rPr>
-              <a:t>save, share, and join</a:t>
-            </a:r>
-          </a:p>
-          <a:p>
-            <a:pPr marL="514350" indent="-514350">
-              <a:buFont typeface="+mj-lt"/>
-              <a:buAutoNum type="arabicPeriod"/>
+              <a:t>    </a:t>
+            </a:r>
+            <a:r>
+              <a:rPr lang="en-US" sz="2600" b="1" dirty="0" err="1" smtClean="0">
+                <a:solidFill>
+                  <a:srgbClr val="000080"/>
+                </a:solidFill>
+                <a:highlight>
+                  <a:srgbClr val="FFFFFF"/>
+                </a:highlight>
+                <a:latin typeface="Courier New"/>
+              </a:rPr>
+              <a:t>p_code</a:t>
+            </a:r>
+            <a:r>
+              <a:rPr lang="en-US" sz="2600" b="1" dirty="0" smtClean="0">
+                <a:solidFill>
+                  <a:srgbClr val="000080"/>
+                </a:solidFill>
+                <a:highlight>
+                  <a:srgbClr val="FFFFFF"/>
+                </a:highlight>
+                <a:latin typeface="Courier New"/>
+              </a:rPr>
+              <a:t> =&gt; </a:t>
+            </a:r>
+            <a:r>
+              <a:rPr lang="en-US" sz="2600" b="1" dirty="0" smtClean="0">
+                <a:solidFill>
+                  <a:srgbClr val="0000FF"/>
+                </a:solidFill>
+                <a:highlight>
+                  <a:srgbClr val="FFFFFF"/>
+                </a:highlight>
+                <a:latin typeface="Courier New"/>
+              </a:rPr>
+              <a:t>'select </a:t>
+            </a:r>
+            <a:r>
+              <a:rPr lang="en-US" sz="2600" b="1" dirty="0">
+                <a:solidFill>
+                  <a:srgbClr val="0000FF"/>
+                </a:solidFill>
+                <a:highlight>
+                  <a:srgbClr val="FFFFFF"/>
+                </a:highlight>
+                <a:latin typeface="Courier New"/>
+              </a:rPr>
+              <a:t>* from </a:t>
+            </a:r>
+            <a:r>
+              <a:rPr lang="en-US" sz="2600" b="1" dirty="0" smtClean="0">
+                <a:solidFill>
+                  <a:srgbClr val="0000FF"/>
+                </a:solidFill>
+                <a:highlight>
+                  <a:srgbClr val="FFFFFF"/>
+                </a:highlight>
+                <a:latin typeface="Courier New"/>
+              </a:rPr>
+              <a:t>dual'</a:t>
+            </a:r>
+            <a:r>
+              <a:rPr lang="en-US" sz="2600" b="1" dirty="0" smtClean="0">
+                <a:solidFill>
+                  <a:srgbClr val="000080"/>
+                </a:solidFill>
+                <a:highlight>
+                  <a:srgbClr val="FFFFFF"/>
+                </a:highlight>
+                <a:latin typeface="Courier New"/>
+              </a:rPr>
+              <a:t>,</a:t>
+            </a:r>
+            <a:endParaRPr lang="en-US" sz="2600" b="1" dirty="0">
+              <a:solidFill>
+                <a:srgbClr val="000080"/>
+              </a:solidFill>
+              <a:highlight>
+                <a:srgbClr val="FFFFFF"/>
+              </a:highlight>
+              <a:latin typeface="Courier New"/>
+            </a:endParaRPr>
+          </a:p>
+          <a:p>
+            <a:pPr marL="0" indent="0">
+              <a:buNone/>
             </a:pPr>
             <a:r>
-              <a:rPr lang="en-US" dirty="0" smtClean="0"/>
-              <a:t>Administration </a:t>
-            </a:r>
-            <a:r>
-              <a:rPr lang="en-US" dirty="0" smtClean="0">
-                <a:solidFill>
-                  <a:schemeClr val="bg1">
-                    <a:lumMod val="50000"/>
-                  </a:schemeClr>
-                </a:solidFill>
+              <a:rPr lang="en-US" sz="2600" b="1" dirty="0" smtClean="0">
+                <a:solidFill>
+                  <a:srgbClr val="000080"/>
+                </a:solidFill>
+                <a:highlight>
+                  <a:srgbClr val="FFFFFF"/>
+                </a:highlight>
+                <a:latin typeface="Courier New"/>
               </a:rPr>
-              <a:t>- for most users - none</a:t>
-            </a:r>
-          </a:p>
-          <a:p>
-            <a:pPr marL="514350" indent="-514350">
-              <a:buFont typeface="+mj-lt"/>
-              <a:buAutoNum type="arabicPeriod"/>
+              <a:t>    </a:t>
+            </a:r>
+            <a:r>
+              <a:rPr lang="en-US" sz="2600" b="1" dirty="0" err="1" smtClean="0">
+                <a:solidFill>
+                  <a:srgbClr val="000080"/>
+                </a:solidFill>
+                <a:highlight>
+                  <a:srgbClr val="FFFFFF"/>
+                </a:highlight>
+                <a:latin typeface="Courier New"/>
+              </a:rPr>
+              <a:t>p_targets</a:t>
+            </a:r>
+            <a:r>
+              <a:rPr lang="en-US" sz="2600" b="1" dirty="0" smtClean="0">
+                <a:solidFill>
+                  <a:srgbClr val="000080"/>
+                </a:solidFill>
+                <a:highlight>
+                  <a:srgbClr val="FFFFFF"/>
+                </a:highlight>
+                <a:latin typeface="Courier New"/>
+              </a:rPr>
+              <a:t> =&gt;  </a:t>
+            </a:r>
+            <a:r>
+              <a:rPr lang="en-US" sz="2600" b="1" dirty="0">
+                <a:solidFill>
+                  <a:srgbClr val="0000FF"/>
+                </a:solidFill>
+                <a:highlight>
+                  <a:srgbClr val="FFFFFF"/>
+                </a:highlight>
+                <a:latin typeface="Courier New"/>
+              </a:rPr>
+              <a:t>'</a:t>
+            </a:r>
+            <a:r>
+              <a:rPr lang="en-US" sz="2600" b="1" dirty="0" err="1">
+                <a:solidFill>
+                  <a:srgbClr val="0000FF"/>
+                </a:solidFill>
+                <a:highlight>
+                  <a:srgbClr val="FFFFFF"/>
+                </a:highlight>
+                <a:latin typeface="Courier New"/>
+              </a:rPr>
+              <a:t>dev,qa</a:t>
+            </a:r>
+            <a:r>
+              <a:rPr lang="en-US" sz="2600" b="1" dirty="0">
+                <a:solidFill>
+                  <a:srgbClr val="0000FF"/>
+                </a:solidFill>
+                <a:highlight>
+                  <a:srgbClr val="FFFFFF"/>
+                </a:highlight>
+                <a:latin typeface="Courier New"/>
+              </a:rPr>
+              <a:t>'</a:t>
+            </a:r>
+            <a:r>
+              <a:rPr lang="en-US" sz="2600" b="1" dirty="0">
+                <a:solidFill>
+                  <a:srgbClr val="000080"/>
+                </a:solidFill>
+                <a:highlight>
+                  <a:srgbClr val="FFFFFF"/>
+                </a:highlight>
+                <a:latin typeface="Courier New"/>
+              </a:rPr>
+              <a:t>,</a:t>
+            </a:r>
+          </a:p>
+          <a:p>
+            <a:pPr marL="0" indent="0">
+              <a:buNone/>
             </a:pPr>
             <a:r>
-              <a:rPr lang="en-US" dirty="0" smtClean="0"/>
-              <a:t>Security </a:t>
-            </a:r>
-            <a:r>
-              <a:rPr lang="en-US" dirty="0" smtClean="0">
-                <a:solidFill>
-                  <a:schemeClr val="bg1">
-                    <a:lumMod val="50000"/>
-                  </a:schemeClr>
-                </a:solidFill>
+              <a:rPr lang="en-US" sz="2600" b="1" dirty="0" smtClean="0">
+                <a:solidFill>
+                  <a:srgbClr val="000080"/>
+                </a:solidFill>
+                <a:highlight>
+                  <a:srgbClr val="FFFFFF"/>
+                </a:highlight>
+                <a:latin typeface="Courier New"/>
               </a:rPr>
-              <a:t>- nothing to worry about</a:t>
-            </a:r>
-          </a:p>
-          <a:p>
-            <a:pPr marL="514350" indent="-514350">
-              <a:buFont typeface="+mj-lt"/>
-              <a:buAutoNum type="arabicPeriod"/>
+              <a:t>    </a:t>
+            </a:r>
+            <a:r>
+              <a:rPr lang="en-US" sz="2600" b="1" dirty="0" err="1" smtClean="0">
+                <a:solidFill>
+                  <a:srgbClr val="000080"/>
+                </a:solidFill>
+                <a:highlight>
+                  <a:srgbClr val="FFFFFF"/>
+                </a:highlight>
+                <a:latin typeface="Courier New"/>
+              </a:rPr>
+              <a:t>p_table_name</a:t>
+            </a:r>
+            <a:r>
+              <a:rPr lang="en-US" sz="2600" b="1" dirty="0" smtClean="0">
+                <a:solidFill>
+                  <a:srgbClr val="000080"/>
+                </a:solidFill>
+                <a:highlight>
+                  <a:srgbClr val="FFFFFF"/>
+                </a:highlight>
+                <a:latin typeface="Courier New"/>
+              </a:rPr>
+              <a:t> =&gt; </a:t>
+            </a:r>
+            <a:r>
+              <a:rPr lang="en-US" sz="2600" b="1" dirty="0">
+                <a:solidFill>
+                  <a:srgbClr val="0000FF"/>
+                </a:solidFill>
+                <a:highlight>
+                  <a:srgbClr val="FFFFFF"/>
+                </a:highlight>
+                <a:latin typeface="Courier New"/>
+              </a:rPr>
+              <a:t>'</a:t>
+            </a:r>
+            <a:r>
+              <a:rPr lang="en-US" sz="2600" b="1" dirty="0" err="1">
+                <a:solidFill>
+                  <a:srgbClr val="0000FF"/>
+                </a:solidFill>
+                <a:highlight>
+                  <a:srgbClr val="FFFFFF"/>
+                </a:highlight>
+                <a:latin typeface="Courier New"/>
+              </a:rPr>
+              <a:t>test_data</a:t>
+            </a:r>
+            <a:r>
+              <a:rPr lang="en-US" sz="2600" b="1" dirty="0">
+                <a:solidFill>
+                  <a:srgbClr val="0000FF"/>
+                </a:solidFill>
+                <a:highlight>
+                  <a:srgbClr val="FFFFFF"/>
+                </a:highlight>
+                <a:latin typeface="Courier New"/>
+              </a:rPr>
+              <a:t>'</a:t>
+            </a:r>
+            <a:r>
+              <a:rPr lang="en-US" sz="2600" b="1" dirty="0">
+                <a:solidFill>
+                  <a:srgbClr val="000080"/>
+                </a:solidFill>
+                <a:highlight>
+                  <a:srgbClr val="FFFFFF"/>
+                </a:highlight>
+                <a:latin typeface="Courier New"/>
+              </a:rPr>
+              <a:t>,</a:t>
+            </a:r>
+          </a:p>
+          <a:p>
+            <a:pPr marL="0" indent="0">
+              <a:buNone/>
             </a:pPr>
             <a:r>
-              <a:rPr lang="en-US" dirty="0" smtClean="0"/>
-              <a:t>Exceptions and Metadata </a:t>
-            </a:r>
-            <a:r>
-              <a:rPr lang="en-US" dirty="0" smtClean="0">
-                <a:solidFill>
-                  <a:schemeClr val="bg1">
-                    <a:lumMod val="50000"/>
-                  </a:schemeClr>
-                </a:solidFill>
+              <a:rPr lang="en-US" sz="2600" b="1" dirty="0" smtClean="0">
+                <a:solidFill>
+                  <a:srgbClr val="000080"/>
+                </a:solidFill>
+                <a:highlight>
+                  <a:srgbClr val="FFFFFF"/>
+                </a:highlight>
+                <a:latin typeface="Courier New"/>
               </a:rPr>
-              <a:t>- </a:t>
-            </a:r>
-            <a:r>
-              <a:rPr lang="en-US" dirty="0" smtClean="0">
-                <a:solidFill>
-                  <a:schemeClr val="bg1">
-                    <a:lumMod val="50000"/>
-                  </a:schemeClr>
-                </a:solidFill>
+              <a:t>    </a:t>
+            </a:r>
+            <a:r>
+              <a:rPr lang="en-US" sz="2600" b="1" dirty="0" err="1" smtClean="0">
+                <a:solidFill>
+                  <a:srgbClr val="000080"/>
+                </a:solidFill>
+                <a:highlight>
+                  <a:srgbClr val="FFFFFF"/>
+                </a:highlight>
+                <a:latin typeface="Courier New"/>
               </a:rPr>
-              <a:t>handled</a:t>
-            </a:r>
-            <a:endParaRPr lang="en-US" dirty="0">
+              <a:t>p_table_exists_action</a:t>
+            </a:r>
+            <a:r>
+              <a:rPr lang="en-US" sz="2600" b="1" dirty="0" smtClean="0">
+                <a:solidFill>
+                  <a:srgbClr val="000080"/>
+                </a:solidFill>
+                <a:highlight>
+                  <a:srgbClr val="FFFFFF"/>
+                </a:highlight>
+                <a:latin typeface="Courier New"/>
+              </a:rPr>
+              <a:t> </a:t>
+            </a:r>
+            <a:r>
+              <a:rPr lang="en-US" sz="2600" b="1" dirty="0">
+                <a:solidFill>
+                  <a:srgbClr val="000080"/>
+                </a:solidFill>
+                <a:highlight>
+                  <a:srgbClr val="FFFFFF"/>
+                </a:highlight>
+                <a:latin typeface="Courier New"/>
+              </a:rPr>
+              <a:t>=&gt; </a:t>
+            </a:r>
+            <a:r>
+              <a:rPr lang="en-US" sz="2600" b="1" dirty="0">
+                <a:solidFill>
+                  <a:srgbClr val="0000FF"/>
+                </a:solidFill>
+                <a:highlight>
+                  <a:srgbClr val="FFFFFF"/>
+                </a:highlight>
+                <a:latin typeface="Courier New"/>
+              </a:rPr>
+              <a:t>'drop'</a:t>
+            </a:r>
+            <a:r>
+              <a:rPr lang="en-US" sz="2600" b="1" dirty="0">
+                <a:solidFill>
+                  <a:srgbClr val="000080"/>
+                </a:solidFill>
+                <a:highlight>
+                  <a:srgbClr val="FFFFFF"/>
+                </a:highlight>
+                <a:latin typeface="Courier New"/>
+              </a:rPr>
+              <a:t>,</a:t>
+            </a:r>
+          </a:p>
+          <a:p>
+            <a:pPr marL="0" indent="0">
+              <a:buNone/>
+            </a:pPr>
+            <a:r>
+              <a:rPr lang="en-US" sz="2600" b="1" dirty="0" smtClean="0">
+                <a:solidFill>
+                  <a:srgbClr val="000080"/>
+                </a:solidFill>
+                <a:highlight>
+                  <a:srgbClr val="FFFFFF"/>
+                </a:highlight>
+                <a:latin typeface="Courier New"/>
+              </a:rPr>
+              <a:t>    </a:t>
+            </a:r>
+            <a:r>
+              <a:rPr lang="en-US" sz="2600" b="1" dirty="0" err="1" smtClean="0">
+                <a:solidFill>
+                  <a:srgbClr val="000080"/>
+                </a:solidFill>
+                <a:highlight>
+                  <a:srgbClr val="FFFFFF"/>
+                </a:highlight>
+                <a:latin typeface="Courier New"/>
+              </a:rPr>
+              <a:t>p_asynchronous</a:t>
+            </a:r>
+            <a:r>
+              <a:rPr lang="en-US" sz="2600" b="1" dirty="0" smtClean="0">
+                <a:solidFill>
+                  <a:srgbClr val="000080"/>
+                </a:solidFill>
+                <a:highlight>
+                  <a:srgbClr val="FFFFFF"/>
+                </a:highlight>
+                <a:latin typeface="Courier New"/>
+              </a:rPr>
+              <a:t> =&gt; </a:t>
+            </a:r>
+            <a:r>
+              <a:rPr lang="en-US" sz="2600" b="1" dirty="0" smtClean="0">
+                <a:solidFill>
+                  <a:srgbClr val="008080"/>
+                </a:solidFill>
+                <a:highlight>
+                  <a:srgbClr val="FFFFFF"/>
+                </a:highlight>
+                <a:latin typeface="Courier New"/>
+              </a:rPr>
+              <a:t>true</a:t>
+            </a:r>
+            <a:endParaRPr lang="en-US" sz="2600" b="1" dirty="0" smtClean="0">
               <a:solidFill>
-                <a:schemeClr val="bg1">
-                  <a:lumMod val="50000"/>
-                </a:schemeClr>
+                <a:srgbClr val="000080"/>
               </a:solidFill>
+              <a:highlight>
+                <a:srgbClr val="FFFFFF"/>
+              </a:highlight>
+              <a:latin typeface="Courier New"/>
             </a:endParaRPr>
           </a:p>
+          <a:p>
+            <a:pPr marL="0" indent="0">
+              <a:buNone/>
+            </a:pPr>
+            <a:r>
+              <a:rPr lang="en-US" sz="2600" b="1" dirty="0" smtClean="0">
+                <a:solidFill>
+                  <a:srgbClr val="000080"/>
+                </a:solidFill>
+                <a:highlight>
+                  <a:srgbClr val="FFFFFF"/>
+                </a:highlight>
+                <a:latin typeface="Courier New"/>
+              </a:rPr>
+              <a:t>  );</a:t>
+            </a:r>
+            <a:endParaRPr lang="en-US" sz="2600" b="1" dirty="0">
+              <a:solidFill>
+                <a:srgbClr val="000080"/>
+              </a:solidFill>
+              <a:highlight>
+                <a:srgbClr val="FFFFFF"/>
+              </a:highlight>
+              <a:latin typeface="Courier New"/>
+            </a:endParaRPr>
+          </a:p>
+          <a:p>
+            <a:pPr marL="0" indent="0">
+              <a:buNone/>
+            </a:pPr>
+            <a:r>
+              <a:rPr lang="en-US" sz="2600" b="1" dirty="0" smtClean="0">
+                <a:solidFill>
+                  <a:srgbClr val="008080"/>
+                </a:solidFill>
+                <a:highlight>
+                  <a:srgbClr val="FFFFFF"/>
+                </a:highlight>
+                <a:latin typeface="Courier New"/>
+              </a:rPr>
+              <a:t>end</a:t>
+            </a:r>
+            <a:r>
+              <a:rPr lang="en-US" sz="2600" b="1" dirty="0">
+                <a:solidFill>
+                  <a:srgbClr val="000080"/>
+                </a:solidFill>
+                <a:highlight>
+                  <a:srgbClr val="FFFFFF"/>
+                </a:highlight>
+                <a:latin typeface="Courier New"/>
+              </a:rPr>
+              <a:t>;</a:t>
+            </a:r>
+          </a:p>
+          <a:p>
+            <a:pPr marL="0" indent="0">
+              <a:buNone/>
+            </a:pPr>
+            <a:r>
+              <a:rPr lang="en-US" sz="2600" b="1" dirty="0" smtClean="0">
+                <a:solidFill>
+                  <a:srgbClr val="000080"/>
+                </a:solidFill>
+                <a:highlight>
+                  <a:srgbClr val="FFFFFF"/>
+                </a:highlight>
+                <a:latin typeface="Courier New"/>
+              </a:rPr>
+              <a:t>/</a:t>
+            </a:r>
+          </a:p>
+        </p:txBody>
+      </p:sp>
+      <p:sp>
+        <p:nvSpPr>
+          <p:cNvPr id="6" name="Rectangle 5"/>
+          <p:cNvSpPr/>
+          <p:nvPr/>
+        </p:nvSpPr>
+        <p:spPr>
+          <a:xfrm>
+            <a:off x="2971800" y="2286000"/>
+            <a:ext cx="3200400" cy="377851"/>
+          </a:xfrm>
+          <a:prstGeom prst="rect">
+            <a:avLst/>
+          </a:prstGeom>
+        </p:spPr>
+        <p:style>
+          <a:lnRef idx="2">
+            <a:schemeClr val="accent1">
+              <a:shade val="50000"/>
+            </a:schemeClr>
+          </a:lnRef>
+          <a:fillRef idx="1">
+            <a:schemeClr val="accent1"/>
+          </a:fillRef>
+          <a:effectRef idx="0">
+            <a:schemeClr val="accent1"/>
+          </a:effectRef>
+          <a:fontRef idx="minor">
+            <a:schemeClr val="lt1"/>
+          </a:fontRef>
+        </p:style>
+        <p:txBody>
+          <a:bodyPr rtlCol="0" anchor="ctr"/>
+          <a:lstStyle/>
+          <a:p>
+            <a:pPr algn="ctr"/>
+            <a:r>
+              <a:rPr lang="en-US" sz="2800" dirty="0" smtClean="0"/>
+              <a:t>WHAT</a:t>
+            </a:r>
+            <a:endParaRPr lang="en-US" sz="2800" dirty="0"/>
+          </a:p>
         </p:txBody>
       </p:sp>
       <p:sp>
@@ -9796,11 +10388,11 @@
           <a:bodyPr/>
           <a:lstStyle/>
           <a:p>
-            <a:fld id="{D97E924C-66F2-4356-A8CE-66225EAB43F5}" type="datetime1">
-              <a:rPr lang="en-US" smtClean="0"/>
-              <a:t>2017-01-08</a:t>
+            <a:fld id="{12698F6C-3B60-45A8-AA68-1C639B61BEFF}" type="datetime1">
+              <a:rPr lang="en-US" smtClean="0"/>
+              <a:t>2017-01-12</a:t>
             </a:fld>
-            <a:endParaRPr lang="en-US"/>
+            <a:endParaRPr lang="en-US" dirty="0"/>
           </a:p>
         </p:txBody>
       </p:sp>
@@ -9827,10 +10419,186 @@
           </a:p>
         </p:txBody>
       </p:sp>
+      <p:sp>
+        <p:nvSpPr>
+          <p:cNvPr id="7" name="Rectangle 6"/>
+          <p:cNvSpPr/>
+          <p:nvPr/>
+        </p:nvSpPr>
+        <p:spPr>
+          <a:xfrm>
+            <a:off x="6696750" y="2286000"/>
+            <a:ext cx="1177634" cy="377851"/>
+          </a:xfrm>
+          <a:prstGeom prst="rect">
+            <a:avLst/>
+          </a:prstGeom>
+        </p:spPr>
+        <p:style>
+          <a:lnRef idx="2">
+            <a:schemeClr val="accent1">
+              <a:shade val="50000"/>
+            </a:schemeClr>
+          </a:lnRef>
+          <a:fillRef idx="1">
+            <a:schemeClr val="accent1"/>
+          </a:fillRef>
+          <a:effectRef idx="0">
+            <a:schemeClr val="accent1"/>
+          </a:effectRef>
+          <a:fontRef idx="minor">
+            <a:schemeClr val="lt1"/>
+          </a:fontRef>
+        </p:style>
+        <p:txBody>
+          <a:bodyPr lIns="0" rIns="0" rtlCol="0" anchor="ctr"/>
+          <a:lstStyle/>
+          <a:p>
+            <a:pPr algn="ctr"/>
+            <a:r>
+              <a:rPr lang="en-US" sz="2800" dirty="0" smtClean="0"/>
+              <a:t>WHERE</a:t>
+            </a:r>
+            <a:endParaRPr lang="en-US" sz="2800" dirty="0"/>
+          </a:p>
+        </p:txBody>
+      </p:sp>
+      <p:sp>
+        <p:nvSpPr>
+          <p:cNvPr id="8" name="Rectangle 7"/>
+          <p:cNvSpPr/>
+          <p:nvPr/>
+        </p:nvSpPr>
+        <p:spPr>
+          <a:xfrm>
+            <a:off x="6705600" y="3378201"/>
+            <a:ext cx="1295400" cy="304800"/>
+          </a:xfrm>
+          <a:prstGeom prst="rect">
+            <a:avLst/>
+          </a:prstGeom>
+        </p:spPr>
+        <p:style>
+          <a:lnRef idx="2">
+            <a:schemeClr val="accent1">
+              <a:shade val="50000"/>
+            </a:schemeClr>
+          </a:lnRef>
+          <a:fillRef idx="1">
+            <a:schemeClr val="accent1"/>
+          </a:fillRef>
+          <a:effectRef idx="0">
+            <a:schemeClr val="accent1"/>
+          </a:effectRef>
+          <a:fontRef idx="minor">
+            <a:schemeClr val="lt1"/>
+          </a:fontRef>
+        </p:style>
+        <p:txBody>
+          <a:bodyPr rtlCol="0" anchor="ctr"/>
+          <a:lstStyle/>
+          <a:p>
+            <a:pPr algn="ctr"/>
+            <a:r>
+              <a:rPr lang="en-US" sz="2800" dirty="0" smtClean="0"/>
+              <a:t>WHAT</a:t>
+            </a:r>
+            <a:endParaRPr lang="en-US" sz="2400" dirty="0"/>
+          </a:p>
+        </p:txBody>
+      </p:sp>
+      <p:sp>
+        <p:nvSpPr>
+          <p:cNvPr id="9" name="Rectangle 8"/>
+          <p:cNvSpPr/>
+          <p:nvPr/>
+        </p:nvSpPr>
+        <p:spPr>
+          <a:xfrm>
+            <a:off x="6705600" y="3760078"/>
+            <a:ext cx="1295400" cy="335280"/>
+          </a:xfrm>
+          <a:prstGeom prst="rect">
+            <a:avLst/>
+          </a:prstGeom>
+        </p:spPr>
+        <p:style>
+          <a:lnRef idx="2">
+            <a:schemeClr val="accent1">
+              <a:shade val="50000"/>
+            </a:schemeClr>
+          </a:lnRef>
+          <a:fillRef idx="1">
+            <a:schemeClr val="accent1"/>
+          </a:fillRef>
+          <a:effectRef idx="0">
+            <a:schemeClr val="accent1"/>
+          </a:effectRef>
+          <a:fontRef idx="minor">
+            <a:schemeClr val="lt1"/>
+          </a:fontRef>
+        </p:style>
+        <p:txBody>
+          <a:bodyPr rtlCol="0" anchor="ctr"/>
+          <a:lstStyle/>
+          <a:p>
+            <a:pPr algn="ctr"/>
+            <a:r>
+              <a:rPr lang="en-US" sz="2800" dirty="0" smtClean="0"/>
+              <a:t>WHERE</a:t>
+            </a:r>
+            <a:endParaRPr lang="en-US" sz="2800" dirty="0"/>
+          </a:p>
+        </p:txBody>
+      </p:sp>
+      <p:sp>
+        <p:nvSpPr>
+          <p:cNvPr id="10" name="Rectangle 9"/>
+          <p:cNvSpPr/>
+          <p:nvPr/>
+        </p:nvSpPr>
+        <p:spPr>
+          <a:xfrm>
+            <a:off x="6705600" y="4172436"/>
+            <a:ext cx="1295400" cy="951528"/>
+          </a:xfrm>
+          <a:prstGeom prst="rect">
+            <a:avLst/>
+          </a:prstGeom>
+        </p:spPr>
+        <p:style>
+          <a:lnRef idx="2">
+            <a:schemeClr val="accent1">
+              <a:shade val="50000"/>
+            </a:schemeClr>
+          </a:lnRef>
+          <a:fillRef idx="1">
+            <a:schemeClr val="accent1"/>
+          </a:fillRef>
+          <a:effectRef idx="0">
+            <a:schemeClr val="accent1"/>
+          </a:effectRef>
+          <a:fontRef idx="minor">
+            <a:schemeClr val="lt1"/>
+          </a:fontRef>
+        </p:style>
+        <p:txBody>
+          <a:bodyPr rtlCol="0" anchor="ctr"/>
+          <a:lstStyle/>
+          <a:p>
+            <a:pPr algn="ctr"/>
+            <a:r>
+              <a:rPr lang="en-US" sz="2800" dirty="0" smtClean="0"/>
+              <a:t>HOW</a:t>
+            </a:r>
+            <a:endParaRPr lang="en-US" sz="2800" dirty="0"/>
+          </a:p>
+        </p:txBody>
+      </p:sp>
     </p:spTree>
     <p:extLst>
       <p:ext uri="{BB962C8B-B14F-4D97-AF65-F5344CB8AC3E}">
-        <p14:creationId xmlns:p14="http://schemas.microsoft.com/office/powerpoint/2010/main" val="2488138635"/>
+        <p14:creationId xmlns:p14="http://schemas.microsoft.com/office/powerpoint/2010/main" val="2705181770"/>
       </p:ext>
     </p:extLst>
   </p:cSld>
@@ -9881,7 +10649,7 @@
           <a:p>
             <a:r>
               <a:rPr lang="en-US" dirty="0" smtClean="0"/>
-              <a:t>Parameters</a:t>
+              <a:t>Basic Features</a:t>
             </a:r>
             <a:endParaRPr lang="en-US" dirty="0"/>
           </a:p>
@@ -9899,7 +10667,9 @@
         </p:nvSpPr>
         <p:spPr/>
         <p:txBody>
-          <a:bodyPr/>
+          <a:bodyPr>
+            <a:normAutofit/>
+          </a:bodyPr>
           <a:lstStyle/>
           <a:p>
             <a:pPr marL="514350" indent="-514350">
@@ -9908,7 +10678,7 @@
             </a:pPr>
             <a:r>
               <a:rPr lang="en-US" dirty="0" smtClean="0"/>
-              <a:t>P_CODE</a:t>
+              <a:t>Performance</a:t>
             </a:r>
             <a:r>
               <a:rPr lang="en-US" dirty="0" smtClean="0">
@@ -9918,7 +10688,17 @@
                   </a:schemeClr>
                 </a:solidFill>
               </a:rPr>
-              <a:t> - what to run</a:t>
+              <a:t> </a:t>
+            </a:r>
+            <a:r>
+              <a:rPr lang="en-US" dirty="0" smtClean="0">
+                <a:solidFill>
+                  <a:schemeClr val="bg1">
+                    <a:lumMod val="50000"/>
+                  </a:schemeClr>
+                </a:solidFill>
+              </a:rPr>
+              <a:t>- fast, asynchronous</a:t>
             </a:r>
           </a:p>
           <a:p>
@@ -9928,7 +10708,7 @@
             </a:pPr>
             <a:r>
               <a:rPr lang="en-US" dirty="0" smtClean="0"/>
-              <a:t>P_TARGETS</a:t>
+              <a:t>Interface - </a:t>
             </a:r>
             <a:r>
               <a:rPr lang="en-US" dirty="0" smtClean="0">
@@ -9938,7 +10718,7 @@
                   </a:schemeClr>
                 </a:solidFill>
               </a:rPr>
-              <a:t> - where to run it</a:t>
+              <a:t>plain SQL and PL/SQL</a:t>
             </a:r>
           </a:p>
           <a:p>
@@ -9948,7 +10728,7 @@
             </a:pPr>
             <a:r>
               <a:rPr lang="en-US" dirty="0" smtClean="0"/>
-              <a:t>P_TABLE_NAME</a:t>
+              <a:t>Relational - </a:t>
             </a:r>
             <a:r>
               <a:rPr lang="en-US" dirty="0" smtClean="0">
@@ -9958,7 +10738,7 @@
                   </a:schemeClr>
                 </a:solidFill>
               </a:rPr>
-              <a:t> - where to save it</a:t>
+              <a:t>save, share, and join</a:t>
             </a:r>
           </a:p>
           <a:p>
@@ -9968,7 +10748,7 @@
             </a:pPr>
             <a:r>
               <a:rPr lang="en-US" dirty="0" smtClean="0"/>
-              <a:t>P_TABLE_EXISTS_ACTION</a:t>
+              <a:t>Administration </a:t>
             </a:r>
             <a:r>
               <a:rPr lang="en-US" dirty="0" smtClean="0">
@@ -9978,7 +10758,7 @@
                   </a:schemeClr>
                 </a:solidFill>
               </a:rPr>
-              <a:t> - if it already exists</a:t>
+              <a:t>- for most users - none</a:t>
             </a:r>
           </a:p>
           <a:p>
@@ -9988,7 +10768,7 @@
             </a:pPr>
             <a:r>
               <a:rPr lang="en-US" dirty="0" smtClean="0"/>
-              <a:t>P_ASYCHRONOUS</a:t>
+              <a:t>Security </a:t>
             </a:r>
             <a:r>
               <a:rPr lang="en-US" dirty="0" smtClean="0">
@@ -9998,7 +10778,27 @@
                   </a:schemeClr>
                 </a:solidFill>
               </a:rPr>
-              <a:t> - return or wait for all rows</a:t>
+              <a:t>- nothing to worry about</a:t>
+            </a:r>
+          </a:p>
+          <a:p>
+            <a:pPr marL="514350" indent="-514350">
+              <a:buFont typeface="+mj-lt"/>
+              <a:buAutoNum type="arabicPeriod"/>
+            </a:pPr>
+            <a:r>
+              <a:rPr lang="en-US" dirty="0" smtClean="0"/>
+              <a:t>Exceptions and Metadata </a:t>
+            </a:r>
+            <a:r>
+              <a:rPr lang="en-US" dirty="0" smtClean="0">
+                <a:solidFill>
+                  <a:schemeClr val="bg1">
+                    <a:lumMod val="50000"/>
+                  </a:schemeClr>
+                </a:solidFill>
+              </a:rPr>
+              <a:t>- handled</a:t>
             </a:r>
             <a:endParaRPr lang="en-US" dirty="0">
               <a:solidFill>
@@ -10025,9 +10825,9 @@
           <a:bodyPr/>
           <a:lstStyle/>
           <a:p>
-            <a:fld id="{73B3F948-1743-4F2D-B9D2-20F26DEE2D32}" type="datetime1">
-              <a:rPr lang="en-US" smtClean="0"/>
-              <a:t>2017-01-08</a:t>
+            <a:fld id="{D97E924C-66F2-4356-A8CE-66225EAB43F5}" type="datetime1">
+              <a:rPr lang="en-US" smtClean="0"/>
+              <a:t>2017-01-12</a:t>
             </a:fld>
             <a:endParaRPr lang="en-US"/>
           </a:p>
@@ -10059,7 +10859,7 @@
     </p:spTree>
     <p:extLst>
       <p:ext uri="{BB962C8B-B14F-4D97-AF65-F5344CB8AC3E}">
-        <p14:creationId xmlns:p14="http://schemas.microsoft.com/office/powerpoint/2010/main" val="3721550950"/>
+        <p14:creationId xmlns:p14="http://schemas.microsoft.com/office/powerpoint/2010/main" val="2488138635"/>
       </p:ext>
     </p:extLst>
   </p:cSld>

--- a/presentations/Method5.pptx
+++ b/presentations/Method5.pptx
@@ -210,7 +210,7 @@
           <a:p>
             <a:fld id="{E8184847-EC06-4734-8E30-343A2DA340C9}" type="datetimeFigureOut">
               <a:rPr lang="en-US" smtClean="0"/>
-              <a:t>2017-01-12</a:t>
+              <a:t>2017-01-16</a:t>
             </a:fld>
             <a:endParaRPr lang="en-US"/>
           </a:p>
@@ -375,7 +375,7 @@
           <a:p>
             <a:fld id="{DC284B00-8F05-4CB2-A4E6-4A642AFA915E}" type="datetimeFigureOut">
               <a:rPr lang="en-US" smtClean="0"/>
-              <a:t>2017-01-12</a:t>
+              <a:t>2017-01-16</a:t>
             </a:fld>
             <a:endParaRPr lang="en-US"/>
           </a:p>
@@ -776,11 +776,7 @@
             </a:pPr>
             <a:r>
               <a:rPr lang="en-US" b="1" dirty="0" smtClean="0"/>
-              <a:t>1. </a:t>
-            </a:r>
-            <a:r>
-              <a:rPr lang="en-US" b="1" dirty="0" smtClean="0"/>
-              <a:t>Tables -</a:t>
+              <a:t>1. Tables -</a:t>
             </a:r>
             <a:r>
               <a:rPr lang="en-US" dirty="0" smtClean="0"/>
@@ -798,11 +794,7 @@
             </a:pPr>
             <a:r>
               <a:rPr lang="en-US" b="1" dirty="0" smtClean="0"/>
-              <a:t>2. </a:t>
-            </a:r>
-            <a:r>
-              <a:rPr lang="en-US" b="1" dirty="0" smtClean="0"/>
-              <a:t>Views -</a:t>
+              <a:t>2. Views -</a:t>
             </a:r>
             <a:r>
               <a:rPr lang="en-US" dirty="0" smtClean="0"/>
@@ -824,11 +816,7 @@
             </a:r>
             <a:r>
               <a:rPr lang="en-US" b="1" baseline="0" dirty="0" smtClean="0"/>
-              <a:t> </a:t>
-            </a:r>
-            <a:r>
-              <a:rPr lang="en-US" b="1" baseline="0" dirty="0" smtClean="0"/>
-              <a:t>M5_ links - </a:t>
+              <a:t> M5_ links - </a:t>
             </a:r>
             <a:r>
               <a:rPr lang="en-US" baseline="0" dirty="0" smtClean="0"/>
@@ -841,11 +829,7 @@
             </a:pPr>
             <a:r>
               <a:rPr lang="en-US" b="1" baseline="0" dirty="0" smtClean="0"/>
-              <a:t>4. </a:t>
-            </a:r>
-            <a:r>
-              <a:rPr lang="en-US" b="1" baseline="0" dirty="0" smtClean="0"/>
-              <a:t>Global Data Dictionary - </a:t>
+              <a:t>4. Global Data Dictionary - </a:t>
             </a:r>
             <a:r>
               <a:rPr lang="en-US" baseline="0" dirty="0" smtClean="0"/>
@@ -858,7 +842,21 @@
             </a:pPr>
             <a:r>
               <a:rPr lang="en-US" b="1" baseline="0" dirty="0" smtClean="0"/>
-              <a:t>5. </a:t>
+              <a:t>5. Admin Email - </a:t>
+            </a:r>
+            <a:r>
+              <a:rPr lang="en-US" b="0" baseline="0" dirty="0" smtClean="0"/>
+              <a:t>An email is sent to the administrator every day listing issues encountered by Method5.  These problems are often a blessing in disguise.  For example, if a job never finished and had to be manually killed that implies one of your databases is unavailable.  Method5 will often catch a problem that OEM missed. </a:t>
+            </a:r>
+            <a:endParaRPr lang="en-US" b="1" baseline="0" dirty="0" smtClean="0"/>
+          </a:p>
+          <a:p>
+            <a:pPr marL="0" indent="0">
+              <a:buNone/>
+            </a:pPr>
+            <a:r>
+              <a:rPr lang="en-US" b="1" baseline="0" dirty="0" smtClean="0"/>
+              <a:t>6. </a:t>
             </a:r>
             <a:r>
               <a:rPr lang="en-US" b="1" baseline="0" dirty="0" smtClean="0"/>
@@ -2715,7 +2713,7 @@
           <a:p>
             <a:fld id="{72057647-82FE-4F7C-83B4-53587791251A}" type="datetime1">
               <a:rPr lang="en-US" smtClean="0"/>
-              <a:t>2017-01-12</a:t>
+              <a:t>2017-01-16</a:t>
             </a:fld>
             <a:endParaRPr lang="en-US"/>
           </a:p>
@@ -2885,7 +2883,7 @@
           <a:p>
             <a:fld id="{8503FF21-708F-4C59-9505-D05A3791AC31}" type="datetime1">
               <a:rPr lang="en-US" smtClean="0"/>
-              <a:t>2017-01-12</a:t>
+              <a:t>2017-01-16</a:t>
             </a:fld>
             <a:endParaRPr lang="en-US"/>
           </a:p>
@@ -3065,7 +3063,7 @@
           <a:p>
             <a:fld id="{6EFC7DE3-7050-4999-ABCB-76E0E214913C}" type="datetime1">
               <a:rPr lang="en-US" smtClean="0"/>
-              <a:t>2017-01-12</a:t>
+              <a:t>2017-01-16</a:t>
             </a:fld>
             <a:endParaRPr lang="en-US"/>
           </a:p>
@@ -3235,7 +3233,7 @@
           <a:p>
             <a:fld id="{12698F6C-3B60-45A8-AA68-1C639B61BEFF}" type="datetime1">
               <a:rPr lang="en-US" smtClean="0"/>
-              <a:t>2017-01-12</a:t>
+              <a:t>2017-01-16</a:t>
             </a:fld>
             <a:endParaRPr lang="en-US" dirty="0"/>
           </a:p>
@@ -3511,7 +3509,7 @@
           <a:p>
             <a:fld id="{E05176C0-14DF-4768-8A16-43F22EF34937}" type="datetime1">
               <a:rPr lang="en-US" smtClean="0"/>
-              <a:t>2017-01-12</a:t>
+              <a:t>2017-01-16</a:t>
             </a:fld>
             <a:endParaRPr lang="en-US"/>
           </a:p>
@@ -3799,7 +3797,7 @@
           <a:p>
             <a:fld id="{EC27D113-D56C-4484-8E60-26B1BDDD2B7D}" type="datetime1">
               <a:rPr lang="en-US" smtClean="0"/>
-              <a:t>2017-01-12</a:t>
+              <a:t>2017-01-16</a:t>
             </a:fld>
             <a:endParaRPr lang="en-US"/>
           </a:p>
@@ -4221,7 +4219,7 @@
           <a:p>
             <a:fld id="{2346BE7D-CDCE-4B6B-92C3-A6060BB37F63}" type="datetime1">
               <a:rPr lang="en-US" smtClean="0"/>
-              <a:t>2017-01-12</a:t>
+              <a:t>2017-01-16</a:t>
             </a:fld>
             <a:endParaRPr lang="en-US"/>
           </a:p>
@@ -4339,7 +4337,7 @@
           <a:p>
             <a:fld id="{016112C5-3C0F-4913-A601-B7FE4F9C1F3A}" type="datetime1">
               <a:rPr lang="en-US" smtClean="0"/>
-              <a:t>2017-01-12</a:t>
+              <a:t>2017-01-16</a:t>
             </a:fld>
             <a:endParaRPr lang="en-US"/>
           </a:p>
@@ -4434,7 +4432,7 @@
           <a:p>
             <a:fld id="{8A5D4DBD-AFC0-4CD6-8B21-21C10C0D7EF6}" type="datetime1">
               <a:rPr lang="en-US" smtClean="0"/>
-              <a:t>2017-01-12</a:t>
+              <a:t>2017-01-16</a:t>
             </a:fld>
             <a:endParaRPr lang="en-US"/>
           </a:p>
@@ -4711,7 +4709,7 @@
           <a:p>
             <a:fld id="{3514C57E-D885-4B44-9FAF-8838A1BDE694}" type="datetime1">
               <a:rPr lang="en-US" smtClean="0"/>
-              <a:t>2017-01-12</a:t>
+              <a:t>2017-01-16</a:t>
             </a:fld>
             <a:endParaRPr lang="en-US"/>
           </a:p>
@@ -4964,7 +4962,7 @@
           <a:p>
             <a:fld id="{7BEDB21A-AE09-4B41-95A5-CA952A205099}" type="datetime1">
               <a:rPr lang="en-US" smtClean="0"/>
-              <a:t>2017-01-12</a:t>
+              <a:t>2017-01-16</a:t>
             </a:fld>
             <a:endParaRPr lang="en-US"/>
           </a:p>
@@ -5177,7 +5175,7 @@
           <a:p>
             <a:fld id="{2089B313-BB57-4BA5-B615-3D449DFED662}" type="datetime1">
               <a:rPr lang="en-US" smtClean="0"/>
-              <a:t>2017-01-12</a:t>
+              <a:t>2017-01-16</a:t>
             </a:fld>
             <a:endParaRPr lang="en-US" dirty="0"/>
           </a:p>
@@ -5595,7 +5593,7 @@
           <a:p>
             <a:fld id="{2E45DCD3-F6D5-47D1-A091-AE329ABC5543}" type="datetime1">
               <a:rPr lang="en-US" smtClean="0"/>
-              <a:t>2017-01-12</a:t>
+              <a:t>2017-01-16</a:t>
             </a:fld>
             <a:endParaRPr lang="en-US" dirty="0"/>
           </a:p>
@@ -5865,7 +5863,7 @@
           <a:p>
             <a:fld id="{73B3F948-1743-4F2D-B9D2-20F26DEE2D32}" type="datetime1">
               <a:rPr lang="en-US" smtClean="0"/>
-              <a:t>2017-01-12</a:t>
+              <a:t>2017-01-16</a:t>
             </a:fld>
             <a:endParaRPr lang="en-US"/>
           </a:p>
@@ -5987,17 +5985,7 @@
                   </a:schemeClr>
                 </a:solidFill>
               </a:rPr>
-              <a:t> </a:t>
-            </a:r>
-            <a:r>
-              <a:rPr lang="en-US" dirty="0" smtClean="0">
-                <a:solidFill>
-                  <a:schemeClr val="bg1">
-                    <a:lumMod val="50000"/>
-                  </a:schemeClr>
-                </a:solidFill>
-              </a:rPr>
-              <a:t>- data, _META, _ERR</a:t>
+              <a:t> - data, _META, _ERR</a:t>
             </a:r>
           </a:p>
           <a:p>
@@ -6057,8 +6045,25 @@
                   </a:schemeClr>
                 </a:solidFill>
               </a:rPr>
-              <a:t> - M5_DBA_* tables refreshed nightly</a:t>
-            </a:r>
+              <a:t> - M5_DBA_* tables refreshed </a:t>
+            </a:r>
+            <a:r>
+              <a:rPr lang="en-US" dirty="0" smtClean="0">
+                <a:solidFill>
+                  <a:schemeClr val="bg1">
+                    <a:lumMod val="50000"/>
+                  </a:schemeClr>
+                </a:solidFill>
+              </a:rPr>
+              <a:t>nightly</a:t>
+            </a:r>
+            <a:endParaRPr lang="en-US" dirty="0" smtClean="0">
+              <a:solidFill>
+                <a:schemeClr val="bg1">
+                  <a:lumMod val="50000"/>
+                </a:schemeClr>
+              </a:solidFill>
+            </a:endParaRPr>
           </a:p>
           <a:p>
             <a:pPr marL="514350" indent="-514350">
@@ -6067,7 +6072,7 @@
             </a:pPr>
             <a:r>
               <a:rPr lang="en-US" dirty="0" smtClean="0"/>
-              <a:t>Limits </a:t>
+              <a:t>Admin Email</a:t>
             </a:r>
             <a:r>
               <a:rPr lang="en-US" dirty="0" smtClean="0">
@@ -6077,6 +6082,26 @@
                   </a:schemeClr>
                 </a:solidFill>
               </a:rPr>
+              <a:t> - Summary of daily issues</a:t>
+            </a:r>
+          </a:p>
+          <a:p>
+            <a:pPr marL="514350" indent="-514350">
+              <a:buFont typeface="+mj-lt"/>
+              <a:buAutoNum type="arabicPeriod"/>
+            </a:pPr>
+            <a:r>
+              <a:rPr lang="en-US" dirty="0" smtClean="0"/>
+              <a:t>Limits </a:t>
+            </a:r>
+            <a:r>
+              <a:rPr lang="en-US" dirty="0" smtClean="0">
+                <a:solidFill>
+                  <a:schemeClr val="bg1">
+                    <a:lumMod val="50000"/>
+                  </a:schemeClr>
+                </a:solidFill>
+              </a:rPr>
               <a:t>- SQL and PL/SQL only, as DBA</a:t>
             </a:r>
           </a:p>
@@ -6099,7 +6124,7 @@
           <a:p>
             <a:fld id="{8C6FBF27-FCE1-40A4-AD2E-EA28EB5C01F0}" type="datetime1">
               <a:rPr lang="en-US" smtClean="0"/>
-              <a:t>2017-01-12</a:t>
+              <a:t>2017-01-16</a:t>
             </a:fld>
             <a:endParaRPr lang="en-US"/>
           </a:p>
@@ -6306,7 +6331,7 @@
           <a:p>
             <a:fld id="{FC4CB26D-ED02-41C0-8C14-C61605713420}" type="datetime1">
               <a:rPr lang="en-US" smtClean="0"/>
-              <a:t>2017-01-12</a:t>
+              <a:t>2017-01-16</a:t>
             </a:fld>
             <a:endParaRPr lang="en-US"/>
           </a:p>
@@ -6641,7 +6666,7 @@
           <a:p>
             <a:fld id="{8A97B252-A157-47EE-8D8D-B5B4DAA37260}" type="datetime1">
               <a:rPr lang="en-US" smtClean="0"/>
-              <a:t>2017-01-12</a:t>
+              <a:t>2017-01-16</a:t>
             </a:fld>
             <a:endParaRPr lang="en-US"/>
           </a:p>
@@ -6794,7 +6819,7 @@
           <a:p>
             <a:fld id="{14CB67C7-3BA7-4C89-AD88-5C3EB0A22414}" type="datetime1">
               <a:rPr lang="en-US" smtClean="0"/>
-              <a:t>2017-01-12</a:t>
+              <a:t>2017-01-16</a:t>
             </a:fld>
             <a:endParaRPr lang="en-US" dirty="0"/>
           </a:p>
@@ -7179,7 +7204,7 @@
           <a:p>
             <a:fld id="{E18E99D8-5B8F-468C-BBE7-526BD68FE572}" type="datetime1">
               <a:rPr lang="en-US" smtClean="0"/>
-              <a:t>2017-01-12</a:t>
+              <a:t>2017-01-16</a:t>
             </a:fld>
             <a:endParaRPr lang="en-US"/>
           </a:p>
@@ -7370,7 +7395,7 @@
           <a:p>
             <a:fld id="{4E667C21-B277-46CB-80E7-1C015420E7D1}" type="datetime1">
               <a:rPr lang="en-US" smtClean="0"/>
-              <a:t>2017-01-12</a:t>
+              <a:t>2017-01-16</a:t>
             </a:fld>
             <a:endParaRPr lang="en-US" dirty="0"/>
           </a:p>
@@ -7472,7 +7497,7 @@
         <p:spPr/>
         <p:txBody>
           <a:bodyPr>
-            <a:normAutofit/>
+            <a:normAutofit fontScale="92500" lnSpcReduction="10000"/>
           </a:bodyPr>
           <a:lstStyle/>
           <a:p>
@@ -7650,8 +7675,25 @@
               <a:buAutoNum type="arabicPeriod"/>
             </a:pPr>
             <a:r>
-              <a:rPr lang="en-US" dirty="0" smtClean="0"/>
-              <a:t>Find, fix, and prevent problems everywhere</a:t>
+              <a:rPr lang="en-US" dirty="0" smtClean="0">
+                <a:hlinkClick r:id="rId3"/>
+              </a:rPr>
+              <a:t>https://method5.github.io</a:t>
+            </a:r>
+            <a:endParaRPr lang="en-US" dirty="0" smtClean="0"/>
+          </a:p>
+          <a:p>
+            <a:pPr marL="514350" indent="-514350">
+              <a:buFont typeface="+mj-lt"/>
+              <a:buAutoNum type="arabicPeriod"/>
+            </a:pPr>
+            <a:r>
+              <a:rPr lang="en-US" dirty="0" smtClean="0"/>
+              <a:t>Find</a:t>
+            </a:r>
+            <a:r>
+              <a:rPr lang="en-US" dirty="0" smtClean="0"/>
+              <a:t>, fix, and prevent problems everywhere</a:t>
             </a:r>
           </a:p>
           <a:p>
@@ -7680,7 +7722,7 @@
           <a:p>
             <a:fld id="{04FA3B08-0866-4F48-BECB-8AEAA49887FE}" type="datetime1">
               <a:rPr lang="en-US" smtClean="0"/>
-              <a:t>2017-01-12</a:t>
+              <a:t>2017-01-16</a:t>
             </a:fld>
             <a:endParaRPr lang="en-US"/>
           </a:p>
@@ -7882,7 +7924,7 @@
           <a:p>
             <a:fld id="{E0B1ECC0-3D31-49BF-9732-FEB21E3BFE0B}" type="datetime1">
               <a:rPr lang="en-US" smtClean="0"/>
-              <a:t>2017-01-12</a:t>
+              <a:t>2017-01-16</a:t>
             </a:fld>
             <a:endParaRPr lang="en-US"/>
           </a:p>
@@ -8259,7 +8301,7 @@
           <a:p>
             <a:fld id="{59A89C50-A88C-43DA-A017-AA6F35F0B0C8}" type="datetime1">
               <a:rPr lang="en-US" smtClean="0"/>
-              <a:t>2017-01-12</a:t>
+              <a:t>2017-01-16</a:t>
             </a:fld>
             <a:endParaRPr lang="en-US"/>
           </a:p>
@@ -8396,7 +8438,7 @@
           <a:p>
             <a:fld id="{AA1E44A8-32B0-4E5A-A6DF-07DB1E700CAE}" type="datetime1">
               <a:rPr lang="en-US" smtClean="0"/>
-              <a:t>2017-01-12</a:t>
+              <a:t>2017-01-16</a:t>
             </a:fld>
             <a:endParaRPr lang="en-US"/>
           </a:p>
@@ -9046,14 +9088,7 @@
                 <a:latin typeface="Courier New" panose="02070309020205020404" pitchFamily="49" charset="0"/>
                 <a:cs typeface="Courier New" panose="02070309020205020404" pitchFamily="49" charset="0"/>
               </a:rPr>
-              <a:t> </a:t>
-            </a:r>
-            <a:r>
-              <a:rPr lang="en-US" dirty="0" smtClean="0">
-                <a:latin typeface="Courier New" panose="02070309020205020404" pitchFamily="49" charset="0"/>
-                <a:cs typeface="Courier New" panose="02070309020205020404" pitchFamily="49" charset="0"/>
-              </a:rPr>
-              <a:t>DBA_USERS</a:t>
+              <a:t> DBA_USERS</a:t>
             </a:r>
             <a:br>
               <a:rPr lang="en-US" dirty="0" smtClean="0">
@@ -9083,14 +9118,7 @@
                 <a:latin typeface="Courier New" panose="02070309020205020404" pitchFamily="49" charset="0"/>
                 <a:cs typeface="Courier New" panose="02070309020205020404" pitchFamily="49" charset="0"/>
               </a:rPr>
-              <a:t> </a:t>
-            </a:r>
-            <a:r>
-              <a:rPr lang="en-US" dirty="0" smtClean="0">
-                <a:latin typeface="Courier New" panose="02070309020205020404" pitchFamily="49" charset="0"/>
-                <a:cs typeface="Courier New" panose="02070309020205020404" pitchFamily="49" charset="0"/>
-              </a:rPr>
-              <a:t>PROFILE </a:t>
+              <a:t> PROFILE </a:t>
             </a:r>
             <a:r>
               <a:rPr lang="en-US" b="1" dirty="0" smtClean="0">
@@ -9219,7 +9247,7 @@
           <a:p>
             <a:fld id="{1AF7749E-7951-4D42-9C43-2FC8E80375B1}" type="datetime1">
               <a:rPr lang="en-US" smtClean="0"/>
-              <a:t>2017-01-12</a:t>
+              <a:t>2017-01-16</a:t>
             </a:fld>
             <a:endParaRPr lang="en-US"/>
           </a:p>
@@ -9393,7 +9421,7 @@
           <a:p>
             <a:fld id="{60D7856B-577C-489D-A2A8-2F221F81FEFA}" type="datetime1">
               <a:rPr lang="en-US" smtClean="0"/>
-              <a:t>2017-01-12</a:t>
+              <a:t>2017-01-16</a:t>
             </a:fld>
             <a:endParaRPr lang="en-US"/>
           </a:p>
@@ -10390,7 +10418,7 @@
           <a:p>
             <a:fld id="{12698F6C-3B60-45A8-AA68-1C639B61BEFF}" type="datetime1">
               <a:rPr lang="en-US" smtClean="0"/>
-              <a:t>2017-01-12</a:t>
+              <a:t>2017-01-16</a:t>
             </a:fld>
             <a:endParaRPr lang="en-US" dirty="0"/>
           </a:p>
@@ -10688,17 +10716,7 @@
                   </a:schemeClr>
                 </a:solidFill>
               </a:rPr>
-              <a:t> </a:t>
-            </a:r>
-            <a:r>
-              <a:rPr lang="en-US" dirty="0" smtClean="0">
-                <a:solidFill>
-                  <a:schemeClr val="bg1">
-                    <a:lumMod val="50000"/>
-                  </a:schemeClr>
-                </a:solidFill>
-              </a:rPr>
-              <a:t>- fast, asynchronous</a:t>
+              <a:t> - fast, asynchronous</a:t>
             </a:r>
           </a:p>
           <a:p>
@@ -10827,7 +10845,7 @@
           <a:p>
             <a:fld id="{D97E924C-66F2-4356-A8CE-66225EAB43F5}" type="datetime1">
               <a:rPr lang="en-US" smtClean="0"/>
-              <a:t>2017-01-12</a:t>
+              <a:t>2017-01-16</a:t>
             </a:fld>
             <a:endParaRPr lang="en-US"/>
           </a:p>

--- a/presentations/Method5.pptx
+++ b/presentations/Method5.pptx
@@ -210,7 +210,7 @@
           <a:p>
             <a:fld id="{E8184847-EC06-4734-8E30-343A2DA340C9}" type="datetimeFigureOut">
               <a:rPr lang="en-US" smtClean="0"/>
-              <a:t>2017-01-16</a:t>
+              <a:t>3/21/2017</a:t>
             </a:fld>
             <a:endParaRPr lang="en-US"/>
           </a:p>
@@ -375,7 +375,7 @@
           <a:p>
             <a:fld id="{DC284B00-8F05-4CB2-A4E6-4A642AFA915E}" type="datetimeFigureOut">
               <a:rPr lang="en-US" smtClean="0"/>
-              <a:t>2017-01-16</a:t>
+              <a:t>3/21/2017</a:t>
             </a:fld>
             <a:endParaRPr lang="en-US"/>
           </a:p>
@@ -856,7 +856,21 @@
             </a:pPr>
             <a:r>
               <a:rPr lang="en-US" b="1" baseline="0" dirty="0" smtClean="0"/>
-              <a:t>6. </a:t>
+              <a:t>6. Version Star –</a:t>
+            </a:r>
+            <a:r>
+              <a:rPr lang="en-US" b="0" baseline="0" dirty="0" smtClean="0"/>
+              <a:t> Querying different versions of Oracle can be difficult because the data dictionary has different columns.  For example, most data dictionary views in 12c have the new CON_ID column.  A "select * from v$..." will return different result sets between 11g and 12c.  To get around this issue, if you replace "*" with "**", Method5 will convert the "**" into an explicit list of columns based on the lowest Oracle version.  This avoids "not enough values" or "too many values" errors, and ensures that all databases return data regardless of the version.  The results will miss some of the newer columns, such as CON_ID.</a:t>
+            </a:r>
+            <a:endParaRPr lang="en-US" b="1" baseline="0" dirty="0" smtClean="0"/>
+          </a:p>
+          <a:p>
+            <a:pPr marL="0" indent="0">
+              <a:buNone/>
+            </a:pPr>
+            <a:r>
+              <a:rPr lang="en-US" b="1" baseline="0" dirty="0" smtClean="0"/>
+              <a:t>7. </a:t>
             </a:r>
             <a:r>
               <a:rPr lang="en-US" b="1" baseline="0" dirty="0" smtClean="0"/>
@@ -1104,13 +1118,21 @@
             </a:r>
             <a:r>
               <a:rPr lang="en-US" baseline="0" dirty="0" smtClean="0"/>
-              <a:t> management database that can communicate with all other database.  You must have SYSDBA to install, and DBA privileges to use.  Any currently-supported platform, version, or edition will work.  (And probably some unsupported ones also.)</a:t>
-            </a:r>
-          </a:p>
-          <a:p>
-            <a:r>
-              <a:rPr lang="en-US" dirty="0" smtClean="0"/>
-              <a:t>2. Only one person needs to install and administer it.  The configuration is automatically applied to other users.</a:t>
+              <a:t> management database that can communicate with all other database.  You must have SYSDBA to install, and DBA privileges to use.  Any currently-supported platform, version, or edition will work.  (And probably some unsupported ones also</a:t>
+            </a:r>
+            <a:r>
+              <a:rPr lang="en-US" baseline="0" dirty="0" smtClean="0"/>
+              <a:t>.)  For testing you only need a single database - the default installation will create some fake links that simulate a multi-database environment.</a:t>
+            </a:r>
+          </a:p>
+          <a:p>
+            <a:r>
+              <a:rPr lang="en-US" dirty="0" smtClean="0"/>
+              <a:t>2</a:t>
+            </a:r>
+            <a:r>
+              <a:rPr lang="en-US" dirty="0" smtClean="0"/>
+              <a:t>. Only one person needs to install and administer it.  The configuration is automatically applied to other users.</a:t>
             </a:r>
           </a:p>
           <a:p>
@@ -1128,11 +1150,19 @@
           <a:p>
             <a:r>
               <a:rPr lang="en-US" dirty="0" smtClean="0"/>
-              <a:t>5. The</a:t>
+              <a:t>5. </a:t>
+            </a:r>
+            <a:r>
+              <a:rPr lang="en-US" dirty="0" smtClean="0"/>
+              <a:t>Getting started</a:t>
             </a:r>
             <a:r>
               <a:rPr lang="en-US" baseline="0" dirty="0" smtClean="0"/>
-              <a:t> level of effort can vary widely depending on how standardized your environment is.  1000 perfectly-standardized databases will be easier than 10 databases all with different platforms, versions, and configurations.  One of the nice side-effects of Method5 is that it really drives home how useful standardization can be.  You may want to work on one environment at a time; you don't need to get every database working in order to use this.</a:t>
+              <a:t> will take less than an hour.  The time to setup all your connections will vary depending </a:t>
+            </a:r>
+            <a:r>
+              <a:rPr lang="en-US" baseline="0" dirty="0" smtClean="0"/>
+              <a:t>on how standardized your environment is.  1000 perfectly-standardized databases will be easier than 10 databases all with different platforms, versions, and configurations.  One of the nice side-effects of Method5 is that it really drives home how useful standardization can be.  You may want to work on one environment at a time; you don't need to get every database working in order to use this.</a:t>
             </a:r>
           </a:p>
           <a:p>
@@ -2713,7 +2743,7 @@
           <a:p>
             <a:fld id="{72057647-82FE-4F7C-83B4-53587791251A}" type="datetime1">
               <a:rPr lang="en-US" smtClean="0"/>
-              <a:t>2017-01-16</a:t>
+              <a:t>3/21/2017</a:t>
             </a:fld>
             <a:endParaRPr lang="en-US"/>
           </a:p>
@@ -2883,7 +2913,7 @@
           <a:p>
             <a:fld id="{8503FF21-708F-4C59-9505-D05A3791AC31}" type="datetime1">
               <a:rPr lang="en-US" smtClean="0"/>
-              <a:t>2017-01-16</a:t>
+              <a:t>3/21/2017</a:t>
             </a:fld>
             <a:endParaRPr lang="en-US"/>
           </a:p>
@@ -3063,7 +3093,7 @@
           <a:p>
             <a:fld id="{6EFC7DE3-7050-4999-ABCB-76E0E214913C}" type="datetime1">
               <a:rPr lang="en-US" smtClean="0"/>
-              <a:t>2017-01-16</a:t>
+              <a:t>3/21/2017</a:t>
             </a:fld>
             <a:endParaRPr lang="en-US"/>
           </a:p>
@@ -3233,7 +3263,7 @@
           <a:p>
             <a:fld id="{12698F6C-3B60-45A8-AA68-1C639B61BEFF}" type="datetime1">
               <a:rPr lang="en-US" smtClean="0"/>
-              <a:t>2017-01-16</a:t>
+              <a:t>3/21/2017</a:t>
             </a:fld>
             <a:endParaRPr lang="en-US" dirty="0"/>
           </a:p>
@@ -3509,7 +3539,7 @@
           <a:p>
             <a:fld id="{E05176C0-14DF-4768-8A16-43F22EF34937}" type="datetime1">
               <a:rPr lang="en-US" smtClean="0"/>
-              <a:t>2017-01-16</a:t>
+              <a:t>3/21/2017</a:t>
             </a:fld>
             <a:endParaRPr lang="en-US"/>
           </a:p>
@@ -3797,7 +3827,7 @@
           <a:p>
             <a:fld id="{EC27D113-D56C-4484-8E60-26B1BDDD2B7D}" type="datetime1">
               <a:rPr lang="en-US" smtClean="0"/>
-              <a:t>2017-01-16</a:t>
+              <a:t>3/21/2017</a:t>
             </a:fld>
             <a:endParaRPr lang="en-US"/>
           </a:p>
@@ -4219,7 +4249,7 @@
           <a:p>
             <a:fld id="{2346BE7D-CDCE-4B6B-92C3-A6060BB37F63}" type="datetime1">
               <a:rPr lang="en-US" smtClean="0"/>
-              <a:t>2017-01-16</a:t>
+              <a:t>3/21/2017</a:t>
             </a:fld>
             <a:endParaRPr lang="en-US"/>
           </a:p>
@@ -4337,7 +4367,7 @@
           <a:p>
             <a:fld id="{016112C5-3C0F-4913-A601-B7FE4F9C1F3A}" type="datetime1">
               <a:rPr lang="en-US" smtClean="0"/>
-              <a:t>2017-01-16</a:t>
+              <a:t>3/21/2017</a:t>
             </a:fld>
             <a:endParaRPr lang="en-US"/>
           </a:p>
@@ -4432,7 +4462,7 @@
           <a:p>
             <a:fld id="{8A5D4DBD-AFC0-4CD6-8B21-21C10C0D7EF6}" type="datetime1">
               <a:rPr lang="en-US" smtClean="0"/>
-              <a:t>2017-01-16</a:t>
+              <a:t>3/21/2017</a:t>
             </a:fld>
             <a:endParaRPr lang="en-US"/>
           </a:p>
@@ -4709,7 +4739,7 @@
           <a:p>
             <a:fld id="{3514C57E-D885-4B44-9FAF-8838A1BDE694}" type="datetime1">
               <a:rPr lang="en-US" smtClean="0"/>
-              <a:t>2017-01-16</a:t>
+              <a:t>3/21/2017</a:t>
             </a:fld>
             <a:endParaRPr lang="en-US"/>
           </a:p>
@@ -4962,7 +4992,7 @@
           <a:p>
             <a:fld id="{7BEDB21A-AE09-4B41-95A5-CA952A205099}" type="datetime1">
               <a:rPr lang="en-US" smtClean="0"/>
-              <a:t>2017-01-16</a:t>
+              <a:t>3/21/2017</a:t>
             </a:fld>
             <a:endParaRPr lang="en-US"/>
           </a:p>
@@ -5175,7 +5205,7 @@
           <a:p>
             <a:fld id="{2089B313-BB57-4BA5-B615-3D449DFED662}" type="datetime1">
               <a:rPr lang="en-US" smtClean="0"/>
-              <a:t>2017-01-16</a:t>
+              <a:t>3/21/2017</a:t>
             </a:fld>
             <a:endParaRPr lang="en-US" dirty="0"/>
           </a:p>
@@ -5561,18 +5591,35 @@
             <p:ph type="subTitle" idx="1"/>
           </p:nvPr>
         </p:nvSpPr>
-        <p:spPr/>
+        <p:spPr>
+          <a:xfrm>
+            <a:off x="1371600" y="3657600"/>
+            <a:ext cx="6400800" cy="1752600"/>
+          </a:xfrm>
+        </p:spPr>
         <p:txBody>
           <a:bodyPr>
-            <a:normAutofit/>
+            <a:normAutofit fontScale="92500" lnSpcReduction="10000"/>
           </a:bodyPr>
           <a:lstStyle/>
           <a:p>
             <a:r>
               <a:rPr lang="en-US" sz="4000" dirty="0" smtClean="0"/>
-              <a:t>Parallel Remote Execution for Oracle SQL</a:t>
-            </a:r>
-            <a:endParaRPr lang="en-US" sz="4000" dirty="0"/>
+              <a:t>Parallel Remote Execution for Oracle </a:t>
+            </a:r>
+            <a:r>
+              <a:rPr lang="en-US" sz="4000" dirty="0" smtClean="0"/>
+              <a:t>SQL</a:t>
+            </a:r>
+          </a:p>
+          <a:p>
+            <a:r>
+              <a:rPr lang="en-US" sz="4000" dirty="0" smtClean="0">
+                <a:hlinkClick r:id="rId3" action="ppaction://hlinkfile"/>
+              </a:rPr>
+              <a:t>method5.github.io</a:t>
+            </a:r>
+            <a:endParaRPr lang="en-US" sz="4000" dirty="0" smtClean="0"/>
           </a:p>
         </p:txBody>
       </p:sp>
@@ -5593,7 +5640,7 @@
           <a:p>
             <a:fld id="{2E45DCD3-F6D5-47D1-A091-AE329ABC5543}" type="datetime1">
               <a:rPr lang="en-US" smtClean="0"/>
-              <a:t>2017-01-16</a:t>
+              <a:t>3/21/2017</a:t>
             </a:fld>
             <a:endParaRPr lang="en-US" dirty="0"/>
           </a:p>
@@ -5631,7 +5678,7 @@
           <p:nvPr/>
         </p:nvPicPr>
         <p:blipFill>
-          <a:blip r:embed="rId3" cstate="print">
+          <a:blip r:embed="rId4" cstate="print">
             <a:extLst>
               <a:ext uri="{28A0092B-C50C-407E-A947-70E740481C1C}">
                 <a14:useLocalDpi xmlns:a14="http://schemas.microsoft.com/office/drawing/2010/main" val="0"/>
@@ -5645,7 +5692,7 @@
         </p:blipFill>
         <p:spPr bwMode="auto">
           <a:xfrm>
-            <a:off x="457200" y="1958339"/>
+            <a:off x="457200" y="1600200"/>
             <a:ext cx="8229600" cy="1851661"/>
           </a:xfrm>
           <a:prstGeom prst="rect">
@@ -5863,7 +5910,7 @@
           <a:p>
             <a:fld id="{73B3F948-1743-4F2D-B9D2-20F26DEE2D32}" type="datetime1">
               <a:rPr lang="en-US" smtClean="0"/>
-              <a:t>2017-01-16</a:t>
+              <a:t>3/21/2017</a:t>
             </a:fld>
             <a:endParaRPr lang="en-US"/>
           </a:p>
@@ -5965,7 +6012,7 @@
         <p:spPr/>
         <p:txBody>
           <a:bodyPr>
-            <a:normAutofit/>
+            <a:normAutofit fontScale="92500" lnSpcReduction="10000"/>
           </a:bodyPr>
           <a:lstStyle/>
           <a:p>
@@ -6045,7 +6092,17 @@
                   </a:schemeClr>
                 </a:solidFill>
               </a:rPr>
-              <a:t> - M5_DBA_* tables refreshed </a:t>
+              <a:t> - M5_DBA_* tables refreshed nightly</a:t>
+            </a:r>
+          </a:p>
+          <a:p>
+            <a:pPr marL="514350" indent="-514350">
+              <a:buFont typeface="+mj-lt"/>
+              <a:buAutoNum type="arabicPeriod"/>
+            </a:pPr>
+            <a:r>
+              <a:rPr lang="en-US" dirty="0" smtClean="0"/>
+              <a:t>Admin Email</a:t>
             </a:r>
             <a:r>
               <a:rPr lang="en-US" dirty="0" smtClean="0">
@@ -6055,7 +6112,37 @@
                   </a:schemeClr>
                 </a:solidFill>
               </a:rPr>
-              <a:t>nightly</a:t>
+              <a:t> - Summary of daily </a:t>
+            </a:r>
+            <a:r>
+              <a:rPr lang="en-US" dirty="0" smtClean="0">
+                <a:solidFill>
+                  <a:schemeClr val="bg1">
+                    <a:lumMod val="50000"/>
+                  </a:schemeClr>
+                </a:solidFill>
+              </a:rPr>
+              <a:t>issues</a:t>
+            </a:r>
+          </a:p>
+          <a:p>
+            <a:pPr marL="514350" indent="-514350">
+              <a:buFont typeface="+mj-lt"/>
+              <a:buAutoNum type="arabicPeriod"/>
+            </a:pPr>
+            <a:r>
+              <a:rPr lang="en-US" dirty="0" smtClean="0"/>
+              <a:t>Version Star -</a:t>
+            </a:r>
+            <a:r>
+              <a:rPr lang="en-US" dirty="0" smtClean="0">
+                <a:solidFill>
+                  <a:schemeClr val="bg1">
+                    <a:lumMod val="50000"/>
+                  </a:schemeClr>
+                </a:solidFill>
+              </a:rPr>
+              <a:t> Use "**" for version differences</a:t>
             </a:r>
             <a:endParaRPr lang="en-US" dirty="0" smtClean="0">
               <a:solidFill>
@@ -6072,7 +6159,7 @@
             </a:pPr>
             <a:r>
               <a:rPr lang="en-US" dirty="0" smtClean="0"/>
-              <a:t>Admin Email</a:t>
+              <a:t>Limits </a:t>
             </a:r>
             <a:r>
               <a:rPr lang="en-US" dirty="0" smtClean="0">
@@ -6082,26 +6169,6 @@
                   </a:schemeClr>
                 </a:solidFill>
               </a:rPr>
-              <a:t> - Summary of daily issues</a:t>
-            </a:r>
-          </a:p>
-          <a:p>
-            <a:pPr marL="514350" indent="-514350">
-              <a:buFont typeface="+mj-lt"/>
-              <a:buAutoNum type="arabicPeriod"/>
-            </a:pPr>
-            <a:r>
-              <a:rPr lang="en-US" dirty="0" smtClean="0"/>
-              <a:t>Limits </a:t>
-            </a:r>
-            <a:r>
-              <a:rPr lang="en-US" dirty="0" smtClean="0">
-                <a:solidFill>
-                  <a:schemeClr val="bg1">
-                    <a:lumMod val="50000"/>
-                  </a:schemeClr>
-                </a:solidFill>
-              </a:rPr>
               <a:t>- SQL and PL/SQL only, as DBA</a:t>
             </a:r>
           </a:p>
@@ -6124,7 +6191,7 @@
           <a:p>
             <a:fld id="{8C6FBF27-FCE1-40A4-AD2E-EA28EB5C01F0}" type="datetime1">
               <a:rPr lang="en-US" smtClean="0"/>
-              <a:t>2017-01-16</a:t>
+              <a:t>3/21/2017</a:t>
             </a:fld>
             <a:endParaRPr lang="en-US"/>
           </a:p>
@@ -6331,7 +6398,7 @@
           <a:p>
             <a:fld id="{FC4CB26D-ED02-41C0-8C14-C61605713420}" type="datetime1">
               <a:rPr lang="en-US" smtClean="0"/>
-              <a:t>2017-01-16</a:t>
+              <a:t>3/21/2017</a:t>
             </a:fld>
             <a:endParaRPr lang="en-US"/>
           </a:p>
@@ -6643,7 +6710,19 @@
             </a:br>
             <a:r>
               <a:rPr lang="en-US" dirty="0" smtClean="0"/>
-              <a:t>A DBA can probably get started in one hour</a:t>
+              <a:t>Any </a:t>
+            </a:r>
+            <a:r>
+              <a:rPr lang="en-US" dirty="0" smtClean="0"/>
+              <a:t>DBA can </a:t>
+            </a:r>
+            <a:r>
+              <a:rPr lang="en-US" dirty="0" smtClean="0"/>
+              <a:t>try it out in less </a:t>
+            </a:r>
+            <a:r>
+              <a:rPr lang="en-US" dirty="0" smtClean="0"/>
+              <a:t>than one hour</a:t>
             </a:r>
             <a:endParaRPr lang="en-US" dirty="0"/>
           </a:p>
@@ -6666,7 +6745,7 @@
           <a:p>
             <a:fld id="{8A97B252-A157-47EE-8D8D-B5B4DAA37260}" type="datetime1">
               <a:rPr lang="en-US" smtClean="0"/>
-              <a:t>2017-01-16</a:t>
+              <a:t>3/21/2017</a:t>
             </a:fld>
             <a:endParaRPr lang="en-US"/>
           </a:p>
@@ -6819,7 +6898,7 @@
           <a:p>
             <a:fld id="{14CB67C7-3BA7-4C89-AD88-5C3EB0A22414}" type="datetime1">
               <a:rPr lang="en-US" smtClean="0"/>
-              <a:t>2017-01-16</a:t>
+              <a:t>3/21/2017</a:t>
             </a:fld>
             <a:endParaRPr lang="en-US" dirty="0"/>
           </a:p>
@@ -7204,7 +7283,7 @@
           <a:p>
             <a:fld id="{E18E99D8-5B8F-468C-BBE7-526BD68FE572}" type="datetime1">
               <a:rPr lang="en-US" smtClean="0"/>
-              <a:t>2017-01-16</a:t>
+              <a:t>3/21/2017</a:t>
             </a:fld>
             <a:endParaRPr lang="en-US"/>
           </a:p>
@@ -7395,7 +7474,7 @@
           <a:p>
             <a:fld id="{4E667C21-B277-46CB-80E7-1C015420E7D1}" type="datetime1">
               <a:rPr lang="en-US" smtClean="0"/>
-              <a:t>2017-01-16</a:t>
+              <a:t>3/21/2017</a:t>
             </a:fld>
             <a:endParaRPr lang="en-US" dirty="0"/>
           </a:p>
@@ -7675,10 +7754,20 @@
               <a:buAutoNum type="arabicPeriod"/>
             </a:pPr>
             <a:r>
+              <a:rPr lang="en-US" dirty="0" smtClean="0"/>
+              <a:t>More resources - </a:t>
+            </a:r>
+            <a:r>
               <a:rPr lang="en-US" dirty="0" smtClean="0">
                 <a:hlinkClick r:id="rId3"/>
               </a:rPr>
-              <a:t>https://method5.github.io</a:t>
+              <a:t>https</a:t>
+            </a:r>
+            <a:r>
+              <a:rPr lang="en-US" dirty="0" smtClean="0">
+                <a:hlinkClick r:id="rId3"/>
+              </a:rPr>
+              <a:t>://method5.github.io</a:t>
             </a:r>
             <a:endParaRPr lang="en-US" dirty="0" smtClean="0"/>
           </a:p>
@@ -7689,11 +7778,7 @@
             </a:pPr>
             <a:r>
               <a:rPr lang="en-US" dirty="0" smtClean="0"/>
-              <a:t>Find</a:t>
-            </a:r>
-            <a:r>
-              <a:rPr lang="en-US" dirty="0" smtClean="0"/>
-              <a:t>, fix, and prevent problems everywhere</a:t>
+              <a:t>Find, fix, and prevent problems everywhere</a:t>
             </a:r>
           </a:p>
           <a:p>
@@ -7722,7 +7807,7 @@
           <a:p>
             <a:fld id="{04FA3B08-0866-4F48-BECB-8AEAA49887FE}" type="datetime1">
               <a:rPr lang="en-US" smtClean="0"/>
-              <a:t>2017-01-16</a:t>
+              <a:t>3/21/2017</a:t>
             </a:fld>
             <a:endParaRPr lang="en-US"/>
           </a:p>
@@ -7924,7 +8009,7 @@
           <a:p>
             <a:fld id="{E0B1ECC0-3D31-49BF-9732-FEB21E3BFE0B}" type="datetime1">
               <a:rPr lang="en-US" smtClean="0"/>
-              <a:t>2017-01-16</a:t>
+              <a:t>3/21/2017</a:t>
             </a:fld>
             <a:endParaRPr lang="en-US"/>
           </a:p>
@@ -8301,7 +8386,7 @@
           <a:p>
             <a:fld id="{59A89C50-A88C-43DA-A017-AA6F35F0B0C8}" type="datetime1">
               <a:rPr lang="en-US" smtClean="0"/>
-              <a:t>2017-01-16</a:t>
+              <a:t>3/21/2017</a:t>
             </a:fld>
             <a:endParaRPr lang="en-US"/>
           </a:p>
@@ -8438,7 +8523,7 @@
           <a:p>
             <a:fld id="{AA1E44A8-32B0-4E5A-A6DF-07DB1E700CAE}" type="datetime1">
               <a:rPr lang="en-US" smtClean="0"/>
-              <a:t>2017-01-16</a:t>
+              <a:t>3/21/2017</a:t>
             </a:fld>
             <a:endParaRPr lang="en-US"/>
           </a:p>
@@ -9247,7 +9332,7 @@
           <a:p>
             <a:fld id="{1AF7749E-7951-4D42-9C43-2FC8E80375B1}" type="datetime1">
               <a:rPr lang="en-US" smtClean="0"/>
-              <a:t>2017-01-16</a:t>
+              <a:t>3/21/2017</a:t>
             </a:fld>
             <a:endParaRPr lang="en-US"/>
           </a:p>
@@ -9421,7 +9506,7 @@
           <a:p>
             <a:fld id="{60D7856B-577C-489D-A2A8-2F221F81FEFA}" type="datetime1">
               <a:rPr lang="en-US" smtClean="0"/>
-              <a:t>2017-01-16</a:t>
+              <a:t>3/21/2017</a:t>
             </a:fld>
             <a:endParaRPr lang="en-US"/>
           </a:p>
@@ -10418,7 +10503,7 @@
           <a:p>
             <a:fld id="{12698F6C-3B60-45A8-AA68-1C639B61BEFF}" type="datetime1">
               <a:rPr lang="en-US" smtClean="0"/>
-              <a:t>2017-01-16</a:t>
+              <a:t>3/21/2017</a:t>
             </a:fld>
             <a:endParaRPr lang="en-US" dirty="0"/>
           </a:p>
@@ -10845,7 +10930,7 @@
           <a:p>
             <a:fld id="{D97E924C-66F2-4356-A8CE-66225EAB43F5}" type="datetime1">
               <a:rPr lang="en-US" smtClean="0"/>
-              <a:t>2017-01-16</a:t>
+              <a:t>3/21/2017</a:t>
             </a:fld>
             <a:endParaRPr lang="en-US"/>
           </a:p>

--- a/presentations/Method5.pptx
+++ b/presentations/Method5.pptx
@@ -5615,9 +5615,9 @@
           <a:p>
             <a:r>
               <a:rPr lang="en-US" sz="4000" dirty="0" smtClean="0">
-                <a:hlinkClick r:id="rId3" action="ppaction://hlinkfile"/>
+                <a:hlinkClick r:id="rId3"/>
               </a:rPr>
-              <a:t>method5.github.io</a:t>
+              <a:t>https://method5.github.io</a:t>
             </a:r>
             <a:endParaRPr lang="en-US" sz="4000" dirty="0" smtClean="0"/>
           </a:p>

--- a/presentations/Method5.pptx
+++ b/presentations/Method5.pptx
@@ -210,7 +210,7 @@
           <a:p>
             <a:fld id="{E8184847-EC06-4734-8E30-343A2DA340C9}" type="datetimeFigureOut">
               <a:rPr lang="en-US" smtClean="0"/>
-              <a:t>3/21/2017</a:t>
+              <a:t>8/12/2017</a:t>
             </a:fld>
             <a:endParaRPr lang="en-US"/>
           </a:p>
@@ -375,7 +375,7 @@
           <a:p>
             <a:fld id="{DC284B00-8F05-4CB2-A4E6-4A642AFA915E}" type="datetimeFigureOut">
               <a:rPr lang="en-US" smtClean="0"/>
-              <a:t>3/21/2017</a:t>
+              <a:t>8/12/2017</a:t>
             </a:fld>
             <a:endParaRPr lang="en-US"/>
           </a:p>
@@ -870,11 +870,7 @@
             </a:pPr>
             <a:r>
               <a:rPr lang="en-US" b="1" baseline="0" dirty="0" smtClean="0"/>
-              <a:t>7. </a:t>
-            </a:r>
-            <a:r>
-              <a:rPr lang="en-US" b="1" baseline="0" dirty="0" smtClean="0"/>
-              <a:t>Limits - </a:t>
+              <a:t>7. Limits - </a:t>
             </a:r>
             <a:r>
               <a:rPr lang="en-US" baseline="0" dirty="0" smtClean="0"/>
@@ -1118,51 +1114,35 @@
             </a:r>
             <a:r>
               <a:rPr lang="en-US" baseline="0" dirty="0" smtClean="0"/>
-              <a:t> management database that can communicate with all other database.  You must have SYSDBA to install, and DBA privileges to use.  Any currently-supported platform, version, or edition will work.  (And probably some unsupported ones also</a:t>
+              <a:t> management database that can communicate with all other database.  You must have SYSDBA to install, and DBA privileges to use.  Any currently-supported platform, version, or edition will work.  (And probably some unsupported ones also.)  For testing you only need a single database - the default installation will create some fake links that simulate a multi-database environment.</a:t>
+            </a:r>
+          </a:p>
+          <a:p>
+            <a:r>
+              <a:rPr lang="en-US" dirty="0" smtClean="0"/>
+              <a:t>2. Only one person needs to install and administer it.  The configuration is automatically applied to other users.</a:t>
+            </a:r>
+          </a:p>
+          <a:p>
+            <a:r>
+              <a:rPr lang="en-US" dirty="0" smtClean="0"/>
+              <a:t>3. Download the free, open source code from GitHub and follow the instructions.</a:t>
+            </a:r>
+          </a:p>
+          <a:p>
+            <a:r>
+              <a:rPr lang="en-US" dirty="0" smtClean="0"/>
+              <a:t>4. The code is 100% inside the database - there are no agents, plugins, websites, configuration files, etc.</a:t>
+            </a:r>
+          </a:p>
+          <a:p>
+            <a:r>
+              <a:rPr lang="en-US" dirty="0" smtClean="0"/>
+              <a:t>5. Getting started</a:t>
             </a:r>
             <a:r>
               <a:rPr lang="en-US" baseline="0" dirty="0" smtClean="0"/>
-              <a:t>.)  For testing you only need a single database - the default installation will create some fake links that simulate a multi-database environment.</a:t>
-            </a:r>
-          </a:p>
-          <a:p>
-            <a:r>
-              <a:rPr lang="en-US" dirty="0" smtClean="0"/>
-              <a:t>2</a:t>
-            </a:r>
-            <a:r>
-              <a:rPr lang="en-US" dirty="0" smtClean="0"/>
-              <a:t>. Only one person needs to install and administer it.  The configuration is automatically applied to other users.</a:t>
-            </a:r>
-          </a:p>
-          <a:p>
-            <a:r>
-              <a:rPr lang="en-US" dirty="0" smtClean="0"/>
-              <a:t>3. Download the free, open source code from GitHub and follow the instructions.</a:t>
-            </a:r>
-          </a:p>
-          <a:p>
-            <a:r>
-              <a:rPr lang="en-US" dirty="0" smtClean="0"/>
-              <a:t>4. The code is 100% inside the database - there are no agents, plugins, websites, configuration files, etc.</a:t>
-            </a:r>
-          </a:p>
-          <a:p>
-            <a:r>
-              <a:rPr lang="en-US" dirty="0" smtClean="0"/>
-              <a:t>5. </a:t>
-            </a:r>
-            <a:r>
-              <a:rPr lang="en-US" dirty="0" smtClean="0"/>
-              <a:t>Getting started</a:t>
-            </a:r>
-            <a:r>
-              <a:rPr lang="en-US" baseline="0" dirty="0" smtClean="0"/>
-              <a:t> will take less than an hour.  The time to setup all your connections will vary depending </a:t>
-            </a:r>
-            <a:r>
-              <a:rPr lang="en-US" baseline="0" dirty="0" smtClean="0"/>
-              <a:t>on how standardized your environment is.  1000 perfectly-standardized databases will be easier than 10 databases all with different platforms, versions, and configurations.  One of the nice side-effects of Method5 is that it really drives home how useful standardization can be.  You may want to work on one environment at a time; you don't need to get every database working in order to use this.</a:t>
+              <a:t> will take less than an hour.  The time to setup all your connections will vary depending on how standardized your environment is.  1000 perfectly-standardized databases will be easier than 10 databases all with different platforms, versions, and configurations.  One of the nice side-effects of Method5 is that it really drives home how useful standardization can be.  You may want to work on one environment at a time; you don't need to get every database working in order to use this.</a:t>
             </a:r>
           </a:p>
           <a:p>
@@ -2521,8 +2501,27 @@
             </a:r>
             <a:r>
               <a:rPr lang="en-US" dirty="0" smtClean="0"/>
-              <a:t> Return right away or wait for all results.</a:t>
-            </a:r>
+              <a:t> Return right away or wait for all results</a:t>
+            </a:r>
+            <a:r>
+              <a:rPr lang="en-US" dirty="0" smtClean="0"/>
+              <a:t>.</a:t>
+            </a:r>
+          </a:p>
+          <a:p>
+            <a:r>
+              <a:rPr lang="en-US" b="1" dirty="0" smtClean="0"/>
+              <a:t>6. P_RUN_AS_SYS (optional, defaults to FALSE) -</a:t>
+            </a:r>
+            <a:r>
+              <a:rPr lang="en-US" dirty="0" smtClean="0"/>
+              <a:t> Run the command as the SYS user.  Command</a:t>
+            </a:r>
+            <a:r>
+              <a:rPr lang="en-US" baseline="0" dirty="0" smtClean="0"/>
+              <a:t>s should only run as SYS when necessary, which is probably less than 1% of the time.  This feature has extra protections that prevent other users from calling it.  Only the Method5 user from the master database can use this feature.  See the security section of the user guide for more details.  If you're still worried about it, this feature can be disabled for everyone or for specific users.</a:t>
+            </a:r>
+            <a:endParaRPr lang="en-US" dirty="0" smtClean="0"/>
           </a:p>
         </p:txBody>
       </p:sp>
@@ -2743,7 +2742,7 @@
           <a:p>
             <a:fld id="{72057647-82FE-4F7C-83B4-53587791251A}" type="datetime1">
               <a:rPr lang="en-US" smtClean="0"/>
-              <a:t>3/21/2017</a:t>
+              <a:t>8/12/2017</a:t>
             </a:fld>
             <a:endParaRPr lang="en-US"/>
           </a:p>
@@ -2913,7 +2912,7 @@
           <a:p>
             <a:fld id="{8503FF21-708F-4C59-9505-D05A3791AC31}" type="datetime1">
               <a:rPr lang="en-US" smtClean="0"/>
-              <a:t>3/21/2017</a:t>
+              <a:t>8/12/2017</a:t>
             </a:fld>
             <a:endParaRPr lang="en-US"/>
           </a:p>
@@ -3093,7 +3092,7 @@
           <a:p>
             <a:fld id="{6EFC7DE3-7050-4999-ABCB-76E0E214913C}" type="datetime1">
               <a:rPr lang="en-US" smtClean="0"/>
-              <a:t>3/21/2017</a:t>
+              <a:t>8/12/2017</a:t>
             </a:fld>
             <a:endParaRPr lang="en-US"/>
           </a:p>
@@ -3263,7 +3262,7 @@
           <a:p>
             <a:fld id="{12698F6C-3B60-45A8-AA68-1C639B61BEFF}" type="datetime1">
               <a:rPr lang="en-US" smtClean="0"/>
-              <a:t>3/21/2017</a:t>
+              <a:t>8/12/2017</a:t>
             </a:fld>
             <a:endParaRPr lang="en-US" dirty="0"/>
           </a:p>
@@ -3539,7 +3538,7 @@
           <a:p>
             <a:fld id="{E05176C0-14DF-4768-8A16-43F22EF34937}" type="datetime1">
               <a:rPr lang="en-US" smtClean="0"/>
-              <a:t>3/21/2017</a:t>
+              <a:t>8/12/2017</a:t>
             </a:fld>
             <a:endParaRPr lang="en-US"/>
           </a:p>
@@ -3827,7 +3826,7 @@
           <a:p>
             <a:fld id="{EC27D113-D56C-4484-8E60-26B1BDDD2B7D}" type="datetime1">
               <a:rPr lang="en-US" smtClean="0"/>
-              <a:t>3/21/2017</a:t>
+              <a:t>8/12/2017</a:t>
             </a:fld>
             <a:endParaRPr lang="en-US"/>
           </a:p>
@@ -4249,7 +4248,7 @@
           <a:p>
             <a:fld id="{2346BE7D-CDCE-4B6B-92C3-A6060BB37F63}" type="datetime1">
               <a:rPr lang="en-US" smtClean="0"/>
-              <a:t>3/21/2017</a:t>
+              <a:t>8/12/2017</a:t>
             </a:fld>
             <a:endParaRPr lang="en-US"/>
           </a:p>
@@ -4367,7 +4366,7 @@
           <a:p>
             <a:fld id="{016112C5-3C0F-4913-A601-B7FE4F9C1F3A}" type="datetime1">
               <a:rPr lang="en-US" smtClean="0"/>
-              <a:t>3/21/2017</a:t>
+              <a:t>8/12/2017</a:t>
             </a:fld>
             <a:endParaRPr lang="en-US"/>
           </a:p>
@@ -4462,7 +4461,7 @@
           <a:p>
             <a:fld id="{8A5D4DBD-AFC0-4CD6-8B21-21C10C0D7EF6}" type="datetime1">
               <a:rPr lang="en-US" smtClean="0"/>
-              <a:t>3/21/2017</a:t>
+              <a:t>8/12/2017</a:t>
             </a:fld>
             <a:endParaRPr lang="en-US"/>
           </a:p>
@@ -4739,7 +4738,7 @@
           <a:p>
             <a:fld id="{3514C57E-D885-4B44-9FAF-8838A1BDE694}" type="datetime1">
               <a:rPr lang="en-US" smtClean="0"/>
-              <a:t>3/21/2017</a:t>
+              <a:t>8/12/2017</a:t>
             </a:fld>
             <a:endParaRPr lang="en-US"/>
           </a:p>
@@ -4992,7 +4991,7 @@
           <a:p>
             <a:fld id="{7BEDB21A-AE09-4B41-95A5-CA952A205099}" type="datetime1">
               <a:rPr lang="en-US" smtClean="0"/>
-              <a:t>3/21/2017</a:t>
+              <a:t>8/12/2017</a:t>
             </a:fld>
             <a:endParaRPr lang="en-US"/>
           </a:p>
@@ -5205,7 +5204,7 @@
           <a:p>
             <a:fld id="{2089B313-BB57-4BA5-B615-3D449DFED662}" type="datetime1">
               <a:rPr lang="en-US" smtClean="0"/>
-              <a:t>3/21/2017</a:t>
+              <a:t>8/12/2017</a:t>
             </a:fld>
             <a:endParaRPr lang="en-US" dirty="0"/>
           </a:p>
@@ -5593,23 +5592,23 @@
         </p:nvSpPr>
         <p:spPr>
           <a:xfrm>
-            <a:off x="1371600" y="3657600"/>
-            <a:ext cx="6400800" cy="1752600"/>
+            <a:off x="1257300" y="3657600"/>
+            <a:ext cx="6629400" cy="1752600"/>
           </a:xfrm>
         </p:spPr>
         <p:txBody>
           <a:bodyPr>
-            <a:normAutofit fontScale="92500" lnSpcReduction="10000"/>
+            <a:normAutofit fontScale="92500"/>
           </a:bodyPr>
           <a:lstStyle/>
           <a:p>
             <a:r>
               <a:rPr lang="en-US" sz="4000" dirty="0" smtClean="0"/>
-              <a:t>Parallel Remote Execution for Oracle </a:t>
+              <a:t>Remote </a:t>
             </a:r>
             <a:r>
               <a:rPr lang="en-US" sz="4000" dirty="0" smtClean="0"/>
-              <a:t>SQL</a:t>
+              <a:t>Execution for Oracle SQL</a:t>
             </a:r>
           </a:p>
           <a:p>
@@ -5640,7 +5639,7 @@
           <a:p>
             <a:fld id="{2E45DCD3-F6D5-47D1-A091-AE329ABC5543}" type="datetime1">
               <a:rPr lang="en-US" smtClean="0"/>
-              <a:t>3/21/2017</a:t>
+              <a:t>8/12/2017</a:t>
             </a:fld>
             <a:endParaRPr lang="en-US" dirty="0"/>
           </a:p>
@@ -5870,11 +5869,11 @@
               <a:buAutoNum type="arabicPeriod"/>
             </a:pPr>
             <a:r>
-              <a:rPr lang="en-US" dirty="0" smtClean="0"/>
+              <a:rPr lang="en-US" dirty="0"/>
               <a:t>P_ASYCHRONOUS</a:t>
             </a:r>
             <a:r>
-              <a:rPr lang="en-US" dirty="0" smtClean="0">
+              <a:rPr lang="en-US" dirty="0">
                 <a:solidFill>
                   <a:schemeClr val="bg1">
                     <a:lumMod val="50000"/>
@@ -5883,13 +5882,47 @@
               </a:rPr>
               <a:t> - return or wait for all rows</a:t>
             </a:r>
-            <a:endParaRPr lang="en-US" dirty="0">
-              <a:solidFill>
-                <a:schemeClr val="bg1">
-                  <a:lumMod val="50000"/>
-                </a:schemeClr>
-              </a:solidFill>
-            </a:endParaRPr>
+            <a:endParaRPr lang="en-US" dirty="0" smtClean="0"/>
+          </a:p>
+          <a:p>
+            <a:pPr marL="514350" indent="-514350">
+              <a:buFont typeface="+mj-lt"/>
+              <a:buAutoNum type="arabicPeriod"/>
+            </a:pPr>
+            <a:r>
+              <a:rPr lang="en-US" dirty="0" smtClean="0"/>
+              <a:t>P_RUN_AS_SYS</a:t>
+            </a:r>
+            <a:r>
+              <a:rPr lang="en-US" dirty="0" smtClean="0">
+                <a:solidFill>
+                  <a:schemeClr val="bg1">
+                    <a:lumMod val="50000"/>
+                  </a:schemeClr>
+                </a:solidFill>
+              </a:rPr>
+              <a:t> </a:t>
+            </a:r>
+            <a:r>
+              <a:rPr lang="en-US" dirty="0" smtClean="0">
+                <a:solidFill>
+                  <a:schemeClr val="bg1">
+                    <a:lumMod val="50000"/>
+                  </a:schemeClr>
+                </a:solidFill>
+              </a:rPr>
+              <a:t>- </a:t>
+            </a:r>
+            <a:r>
+              <a:rPr lang="en-US" dirty="0" smtClean="0">
+                <a:solidFill>
+                  <a:schemeClr val="bg1">
+                    <a:lumMod val="50000"/>
+                  </a:schemeClr>
+                </a:solidFill>
+              </a:rPr>
+              <a:t>run with SYSDBA privilege</a:t>
+            </a:r>
           </a:p>
         </p:txBody>
       </p:sp>
@@ -5910,7 +5943,7 @@
           <a:p>
             <a:fld id="{73B3F948-1743-4F2D-B9D2-20F26DEE2D32}" type="datetime1">
               <a:rPr lang="en-US" smtClean="0"/>
-              <a:t>3/21/2017</a:t>
+              <a:t>8/12/2017</a:t>
             </a:fld>
             <a:endParaRPr lang="en-US"/>
           </a:p>
@@ -6112,17 +6145,7 @@
                   </a:schemeClr>
                 </a:solidFill>
               </a:rPr>
-              <a:t> - Summary of daily </a:t>
-            </a:r>
-            <a:r>
-              <a:rPr lang="en-US" dirty="0" smtClean="0">
-                <a:solidFill>
-                  <a:schemeClr val="bg1">
-                    <a:lumMod val="50000"/>
-                  </a:schemeClr>
-                </a:solidFill>
-              </a:rPr>
-              <a:t>issues</a:t>
+              <a:t> - Summary of daily issues</a:t>
             </a:r>
           </a:p>
           <a:p>
@@ -6144,13 +6167,6 @@
               </a:rPr>
               <a:t> Use "**" for version differences</a:t>
             </a:r>
-            <a:endParaRPr lang="en-US" dirty="0" smtClean="0">
-              <a:solidFill>
-                <a:schemeClr val="bg1">
-                  <a:lumMod val="50000"/>
-                </a:schemeClr>
-              </a:solidFill>
-            </a:endParaRPr>
           </a:p>
           <a:p>
             <a:pPr marL="514350" indent="-514350">
@@ -6191,7 +6207,7 @@
           <a:p>
             <a:fld id="{8C6FBF27-FCE1-40A4-AD2E-EA28EB5C01F0}" type="datetime1">
               <a:rPr lang="en-US" smtClean="0"/>
-              <a:t>3/21/2017</a:t>
+              <a:t>8/12/2017</a:t>
             </a:fld>
             <a:endParaRPr lang="en-US"/>
           </a:p>
@@ -6398,7 +6414,7 @@
           <a:p>
             <a:fld id="{FC4CB26D-ED02-41C0-8C14-C61605713420}" type="datetime1">
               <a:rPr lang="en-US" smtClean="0"/>
-              <a:t>3/21/2017</a:t>
+              <a:t>8/12/2017</a:t>
             </a:fld>
             <a:endParaRPr lang="en-US"/>
           </a:p>
@@ -6710,19 +6726,7 @@
             </a:br>
             <a:r>
               <a:rPr lang="en-US" dirty="0" smtClean="0"/>
-              <a:t>Any </a:t>
-            </a:r>
-            <a:r>
-              <a:rPr lang="en-US" dirty="0" smtClean="0"/>
-              <a:t>DBA can </a:t>
-            </a:r>
-            <a:r>
-              <a:rPr lang="en-US" dirty="0" smtClean="0"/>
-              <a:t>try it out in less </a:t>
-            </a:r>
-            <a:r>
-              <a:rPr lang="en-US" dirty="0" smtClean="0"/>
-              <a:t>than one hour</a:t>
+              <a:t>Any DBA can try it out in less than one hour</a:t>
             </a:r>
             <a:endParaRPr lang="en-US" dirty="0"/>
           </a:p>
@@ -6745,7 +6749,7 @@
           <a:p>
             <a:fld id="{8A97B252-A157-47EE-8D8D-B5B4DAA37260}" type="datetime1">
               <a:rPr lang="en-US" smtClean="0"/>
-              <a:t>3/21/2017</a:t>
+              <a:t>8/12/2017</a:t>
             </a:fld>
             <a:endParaRPr lang="en-US"/>
           </a:p>
@@ -6898,7 +6902,7 @@
           <a:p>
             <a:fld id="{14CB67C7-3BA7-4C89-AD88-5C3EB0A22414}" type="datetime1">
               <a:rPr lang="en-US" smtClean="0"/>
-              <a:t>3/21/2017</a:t>
+              <a:t>8/12/2017</a:t>
             </a:fld>
             <a:endParaRPr lang="en-US" dirty="0"/>
           </a:p>
@@ -7283,7 +7287,7 @@
           <a:p>
             <a:fld id="{E18E99D8-5B8F-468C-BBE7-526BD68FE572}" type="datetime1">
               <a:rPr lang="en-US" smtClean="0"/>
-              <a:t>3/21/2017</a:t>
+              <a:t>8/12/2017</a:t>
             </a:fld>
             <a:endParaRPr lang="en-US"/>
           </a:p>
@@ -7474,7 +7478,7 @@
           <a:p>
             <a:fld id="{4E667C21-B277-46CB-80E7-1C015420E7D1}" type="datetime1">
               <a:rPr lang="en-US" smtClean="0"/>
-              <a:t>3/21/2017</a:t>
+              <a:t>8/12/2017</a:t>
             </a:fld>
             <a:endParaRPr lang="en-US" dirty="0"/>
           </a:p>
@@ -7761,13 +7765,7 @@
               <a:rPr lang="en-US" dirty="0" smtClean="0">
                 <a:hlinkClick r:id="rId3"/>
               </a:rPr>
-              <a:t>https</a:t>
-            </a:r>
-            <a:r>
-              <a:rPr lang="en-US" dirty="0" smtClean="0">
-                <a:hlinkClick r:id="rId3"/>
-              </a:rPr>
-              <a:t>://method5.github.io</a:t>
+              <a:t>https://method5.github.io</a:t>
             </a:r>
             <a:endParaRPr lang="en-US" dirty="0" smtClean="0"/>
           </a:p>
@@ -7807,7 +7805,7 @@
           <a:p>
             <a:fld id="{04FA3B08-0866-4F48-BECB-8AEAA49887FE}" type="datetime1">
               <a:rPr lang="en-US" smtClean="0"/>
-              <a:t>3/21/2017</a:t>
+              <a:t>8/12/2017</a:t>
             </a:fld>
             <a:endParaRPr lang="en-US"/>
           </a:p>
@@ -8009,7 +8007,7 @@
           <a:p>
             <a:fld id="{E0B1ECC0-3D31-49BF-9732-FEB21E3BFE0B}" type="datetime1">
               <a:rPr lang="en-US" smtClean="0"/>
-              <a:t>3/21/2017</a:t>
+              <a:t>8/12/2017</a:t>
             </a:fld>
             <a:endParaRPr lang="en-US"/>
           </a:p>
@@ -8386,7 +8384,7 @@
           <a:p>
             <a:fld id="{59A89C50-A88C-43DA-A017-AA6F35F0B0C8}" type="datetime1">
               <a:rPr lang="en-US" smtClean="0"/>
-              <a:t>3/21/2017</a:t>
+              <a:t>8/12/2017</a:t>
             </a:fld>
             <a:endParaRPr lang="en-US"/>
           </a:p>
@@ -8523,7 +8521,7 @@
           <a:p>
             <a:fld id="{AA1E44A8-32B0-4E5A-A6DF-07DB1E700CAE}" type="datetime1">
               <a:rPr lang="en-US" smtClean="0"/>
-              <a:t>3/21/2017</a:t>
+              <a:t>8/12/2017</a:t>
             </a:fld>
             <a:endParaRPr lang="en-US"/>
           </a:p>
@@ -9332,7 +9330,7 @@
           <a:p>
             <a:fld id="{1AF7749E-7951-4D42-9C43-2FC8E80375B1}" type="datetime1">
               <a:rPr lang="en-US" smtClean="0"/>
-              <a:t>3/21/2017</a:t>
+              <a:t>8/12/2017</a:t>
             </a:fld>
             <a:endParaRPr lang="en-US"/>
           </a:p>
@@ -9506,7 +9504,7 @@
           <a:p>
             <a:fld id="{60D7856B-577C-489D-A2A8-2F221F81FEFA}" type="datetime1">
               <a:rPr lang="en-US" smtClean="0"/>
-              <a:t>3/21/2017</a:t>
+              <a:t>8/12/2017</a:t>
             </a:fld>
             <a:endParaRPr lang="en-US"/>
           </a:p>
@@ -10503,7 +10501,7 @@
           <a:p>
             <a:fld id="{12698F6C-3B60-45A8-AA68-1C639B61BEFF}" type="datetime1">
               <a:rPr lang="en-US" smtClean="0"/>
-              <a:t>3/21/2017</a:t>
+              <a:t>8/12/2017</a:t>
             </a:fld>
             <a:endParaRPr lang="en-US" dirty="0"/>
           </a:p>
@@ -10930,7 +10928,7 @@
           <a:p>
             <a:fld id="{D97E924C-66F2-4356-A8CE-66225EAB43F5}" type="datetime1">
               <a:rPr lang="en-US" smtClean="0"/>
-              <a:t>3/21/2017</a:t>
+              <a:t>8/12/2017</a:t>
             </a:fld>
             <a:endParaRPr lang="en-US"/>
           </a:p>

--- a/presentations/Method5.pptx
+++ b/presentations/Method5.pptx
@@ -210,7 +210,7 @@
           <a:p>
             <a:fld id="{E8184847-EC06-4734-8E30-343A2DA340C9}" type="datetimeFigureOut">
               <a:rPr lang="en-US" smtClean="0"/>
-              <a:t>8/12/2017</a:t>
+              <a:t>9/11/2017</a:t>
             </a:fld>
             <a:endParaRPr lang="en-US"/>
           </a:p>
@@ -375,7 +375,7 @@
           <a:p>
             <a:fld id="{DC284B00-8F05-4CB2-A4E6-4A642AFA915E}" type="datetimeFigureOut">
               <a:rPr lang="en-US" smtClean="0"/>
-              <a:t>8/12/2017</a:t>
+              <a:t>9/11/2017</a:t>
             </a:fld>
             <a:endParaRPr lang="en-US"/>
           </a:p>
@@ -1255,6 +1255,90 @@
           <a:bodyPr/>
           <a:lstStyle/>
           <a:p>
+            <a:endParaRPr lang="en-US"/>
+          </a:p>
+        </p:txBody>
+      </p:sp>
+      <p:sp>
+        <p:nvSpPr>
+          <p:cNvPr id="4" name="Slide Number Placeholder 3"/>
+          <p:cNvSpPr>
+            <a:spLocks noGrp="1"/>
+          </p:cNvSpPr>
+          <p:nvPr>
+            <p:ph type="sldNum" sz="quarter" idx="10"/>
+          </p:nvPr>
+        </p:nvSpPr>
+        <p:spPr/>
+        <p:txBody>
+          <a:bodyPr/>
+          <a:lstStyle/>
+          <a:p>
+            <a:fld id="{72AE7ADF-BF07-437B-AD5B-68C1A8D7189D}" type="slidenum">
+              <a:rPr lang="en-US" smtClean="0"/>
+              <a:t>14</a:t>
+            </a:fld>
+            <a:endParaRPr lang="en-US"/>
+          </a:p>
+        </p:txBody>
+      </p:sp>
+    </p:spTree>
+    <p:extLst>
+      <p:ext uri="{BB962C8B-B14F-4D97-AF65-F5344CB8AC3E}">
+        <p14:creationId xmlns:p14="http://schemas.microsoft.com/office/powerpoint/2010/main" val="3281300294"/>
+      </p:ext>
+    </p:extLst>
+  </p:cSld>
+  <p:clrMapOvr>
+    <a:masterClrMapping/>
+  </p:clrMapOvr>
+</p:notes>
+</file>
+
+<file path=ppt/notesSlides/notesSlide14.xml><?xml version="1.0" encoding="utf-8"?>
+<p:notes xmlns:a="http://schemas.openxmlformats.org/drawingml/2006/main" xmlns:r="http://schemas.openxmlformats.org/officeDocument/2006/relationships" xmlns:p="http://schemas.openxmlformats.org/presentationml/2006/main">
+  <p:cSld>
+    <p:spTree>
+      <p:nvGrpSpPr>
+        <p:cNvPr id="1" name=""/>
+        <p:cNvGrpSpPr/>
+        <p:nvPr/>
+      </p:nvGrpSpPr>
+      <p:grpSpPr>
+        <a:xfrm>
+          <a:off x="0" y="0"/>
+          <a:ext cx="0" cy="0"/>
+          <a:chOff x="0" y="0"/>
+          <a:chExt cx="0" cy="0"/>
+        </a:xfrm>
+      </p:grpSpPr>
+      <p:sp>
+        <p:nvSpPr>
+          <p:cNvPr id="2" name="Slide Image Placeholder 1"/>
+          <p:cNvSpPr>
+            <a:spLocks noGrp="1" noRot="1" noChangeAspect="1"/>
+          </p:cNvSpPr>
+          <p:nvPr>
+            <p:ph type="sldImg"/>
+          </p:nvPr>
+        </p:nvSpPr>
+        <p:spPr/>
+      </p:sp>
+      <p:sp>
+        <p:nvSpPr>
+          <p:cNvPr id="3" name="Notes Placeholder 2"/>
+          <p:cNvSpPr>
+            <a:spLocks noGrp="1"/>
+          </p:cNvSpPr>
+          <p:nvPr>
+            <p:ph type="body" idx="1"/>
+          </p:nvPr>
+        </p:nvSpPr>
+        <p:spPr/>
+        <p:txBody>
+          <a:bodyPr/>
+          <a:lstStyle/>
+          <a:p>
             <a:endParaRPr lang="en-US" dirty="0"/>
           </a:p>
         </p:txBody>
@@ -1295,7 +1379,7 @@
 </p:notes>
 </file>
 
-<file path=ppt/notesSlides/notesSlide14.xml><?xml version="1.0" encoding="utf-8"?>
+<file path=ppt/notesSlides/notesSlide15.xml><?xml version="1.0" encoding="utf-8"?>
 <p:notes xmlns:a="http://schemas.openxmlformats.org/drawingml/2006/main" xmlns:r="http://schemas.openxmlformats.org/officeDocument/2006/relationships" xmlns:p="http://schemas.openxmlformats.org/presentationml/2006/main">
   <p:cSld>
     <p:spTree>
@@ -2031,7 +2115,15 @@
           <a:p>
             <a:r>
               <a:rPr lang="en-US" dirty="0" smtClean="0"/>
-              <a:t>2. Method5 has been used in production for 2 years to help manage the largest healthcare data center in the world.</a:t>
+              <a:t>2. Method5 has been used in production for </a:t>
+            </a:r>
+            <a:r>
+              <a:rPr lang="en-US" dirty="0" smtClean="0"/>
+              <a:t>3 </a:t>
+            </a:r>
+            <a:r>
+              <a:rPr lang="en-US" dirty="0" smtClean="0"/>
+              <a:t>years to help manage the largest healthcare data center in the world.</a:t>
             </a:r>
           </a:p>
           <a:p>
@@ -2501,11 +2593,7 @@
             </a:r>
             <a:r>
               <a:rPr lang="en-US" dirty="0" smtClean="0"/>
-              <a:t> Return right away or wait for all results</a:t>
-            </a:r>
-            <a:r>
-              <a:rPr lang="en-US" dirty="0" smtClean="0"/>
-              <a:t>.</a:t>
+              <a:t> Return right away or wait for all results.</a:t>
             </a:r>
           </a:p>
           <a:p>
@@ -2742,7 +2830,7 @@
           <a:p>
             <a:fld id="{72057647-82FE-4F7C-83B4-53587791251A}" type="datetime1">
               <a:rPr lang="en-US" smtClean="0"/>
-              <a:t>8/12/2017</a:t>
+              <a:t>9/11/2017</a:t>
             </a:fld>
             <a:endParaRPr lang="en-US"/>
           </a:p>
@@ -2912,7 +3000,7 @@
           <a:p>
             <a:fld id="{8503FF21-708F-4C59-9505-D05A3791AC31}" type="datetime1">
               <a:rPr lang="en-US" smtClean="0"/>
-              <a:t>8/12/2017</a:t>
+              <a:t>9/11/2017</a:t>
             </a:fld>
             <a:endParaRPr lang="en-US"/>
           </a:p>
@@ -3092,7 +3180,7 @@
           <a:p>
             <a:fld id="{6EFC7DE3-7050-4999-ABCB-76E0E214913C}" type="datetime1">
               <a:rPr lang="en-US" smtClean="0"/>
-              <a:t>8/12/2017</a:t>
+              <a:t>9/11/2017</a:t>
             </a:fld>
             <a:endParaRPr lang="en-US"/>
           </a:p>
@@ -3262,7 +3350,7 @@
           <a:p>
             <a:fld id="{12698F6C-3B60-45A8-AA68-1C639B61BEFF}" type="datetime1">
               <a:rPr lang="en-US" smtClean="0"/>
-              <a:t>8/12/2017</a:t>
+              <a:t>9/11/2017</a:t>
             </a:fld>
             <a:endParaRPr lang="en-US" dirty="0"/>
           </a:p>
@@ -3538,7 +3626,7 @@
           <a:p>
             <a:fld id="{E05176C0-14DF-4768-8A16-43F22EF34937}" type="datetime1">
               <a:rPr lang="en-US" smtClean="0"/>
-              <a:t>8/12/2017</a:t>
+              <a:t>9/11/2017</a:t>
             </a:fld>
             <a:endParaRPr lang="en-US"/>
           </a:p>
@@ -3826,7 +3914,7 @@
           <a:p>
             <a:fld id="{EC27D113-D56C-4484-8E60-26B1BDDD2B7D}" type="datetime1">
               <a:rPr lang="en-US" smtClean="0"/>
-              <a:t>8/12/2017</a:t>
+              <a:t>9/11/2017</a:t>
             </a:fld>
             <a:endParaRPr lang="en-US"/>
           </a:p>
@@ -4248,7 +4336,7 @@
           <a:p>
             <a:fld id="{2346BE7D-CDCE-4B6B-92C3-A6060BB37F63}" type="datetime1">
               <a:rPr lang="en-US" smtClean="0"/>
-              <a:t>8/12/2017</a:t>
+              <a:t>9/11/2017</a:t>
             </a:fld>
             <a:endParaRPr lang="en-US"/>
           </a:p>
@@ -4366,7 +4454,7 @@
           <a:p>
             <a:fld id="{016112C5-3C0F-4913-A601-B7FE4F9C1F3A}" type="datetime1">
               <a:rPr lang="en-US" smtClean="0"/>
-              <a:t>8/12/2017</a:t>
+              <a:t>9/11/2017</a:t>
             </a:fld>
             <a:endParaRPr lang="en-US"/>
           </a:p>
@@ -4461,7 +4549,7 @@
           <a:p>
             <a:fld id="{8A5D4DBD-AFC0-4CD6-8B21-21C10C0D7EF6}" type="datetime1">
               <a:rPr lang="en-US" smtClean="0"/>
-              <a:t>8/12/2017</a:t>
+              <a:t>9/11/2017</a:t>
             </a:fld>
             <a:endParaRPr lang="en-US"/>
           </a:p>
@@ -4738,7 +4826,7 @@
           <a:p>
             <a:fld id="{3514C57E-D885-4B44-9FAF-8838A1BDE694}" type="datetime1">
               <a:rPr lang="en-US" smtClean="0"/>
-              <a:t>8/12/2017</a:t>
+              <a:t>9/11/2017</a:t>
             </a:fld>
             <a:endParaRPr lang="en-US"/>
           </a:p>
@@ -4991,7 +5079,7 @@
           <a:p>
             <a:fld id="{7BEDB21A-AE09-4B41-95A5-CA952A205099}" type="datetime1">
               <a:rPr lang="en-US" smtClean="0"/>
-              <a:t>8/12/2017</a:t>
+              <a:t>9/11/2017</a:t>
             </a:fld>
             <a:endParaRPr lang="en-US"/>
           </a:p>
@@ -5204,7 +5292,7 @@
           <a:p>
             <a:fld id="{2089B313-BB57-4BA5-B615-3D449DFED662}" type="datetime1">
               <a:rPr lang="en-US" smtClean="0"/>
-              <a:t>8/12/2017</a:t>
+              <a:t>9/11/2017</a:t>
             </a:fld>
             <a:endParaRPr lang="en-US" dirty="0"/>
           </a:p>
@@ -5604,11 +5692,7 @@
           <a:p>
             <a:r>
               <a:rPr lang="en-US" sz="4000" dirty="0" smtClean="0"/>
-              <a:t>Remote </a:t>
-            </a:r>
-            <a:r>
-              <a:rPr lang="en-US" sz="4000" dirty="0" smtClean="0"/>
-              <a:t>Execution for Oracle SQL</a:t>
+              <a:t>Remote Execution for Oracle SQL</a:t>
             </a:r>
           </a:p>
           <a:p>
@@ -5639,7 +5723,7 @@
           <a:p>
             <a:fld id="{2E45DCD3-F6D5-47D1-A091-AE329ABC5543}" type="datetime1">
               <a:rPr lang="en-US" smtClean="0"/>
-              <a:t>8/12/2017</a:t>
+              <a:t>9/11/2017</a:t>
             </a:fld>
             <a:endParaRPr lang="en-US" dirty="0"/>
           </a:p>
@@ -5901,27 +5985,7 @@
                   </a:schemeClr>
                 </a:solidFill>
               </a:rPr>
-              <a:t> </a:t>
-            </a:r>
-            <a:r>
-              <a:rPr lang="en-US" dirty="0" smtClean="0">
-                <a:solidFill>
-                  <a:schemeClr val="bg1">
-                    <a:lumMod val="50000"/>
-                  </a:schemeClr>
-                </a:solidFill>
-              </a:rPr>
-              <a:t>- </a:t>
-            </a:r>
-            <a:r>
-              <a:rPr lang="en-US" dirty="0" smtClean="0">
-                <a:solidFill>
-                  <a:schemeClr val="bg1">
-                    <a:lumMod val="50000"/>
-                  </a:schemeClr>
-                </a:solidFill>
-              </a:rPr>
-              <a:t>run with SYSDBA privilege</a:t>
+              <a:t> - run with SYSDBA privilege</a:t>
             </a:r>
           </a:p>
         </p:txBody>
@@ -5943,7 +6007,7 @@
           <a:p>
             <a:fld id="{73B3F948-1743-4F2D-B9D2-20F26DEE2D32}" type="datetime1">
               <a:rPr lang="en-US" smtClean="0"/>
-              <a:t>8/12/2017</a:t>
+              <a:t>9/11/2017</a:t>
             </a:fld>
             <a:endParaRPr lang="en-US"/>
           </a:p>
@@ -6207,7 +6271,7 @@
           <a:p>
             <a:fld id="{8C6FBF27-FCE1-40A4-AD2E-EA28EB5C01F0}" type="datetime1">
               <a:rPr lang="en-US" smtClean="0"/>
-              <a:t>8/12/2017</a:t>
+              <a:t>9/11/2017</a:t>
             </a:fld>
             <a:endParaRPr lang="en-US"/>
           </a:p>
@@ -6414,7 +6478,7 @@
           <a:p>
             <a:fld id="{FC4CB26D-ED02-41C0-8C14-C61605713420}" type="datetime1">
               <a:rPr lang="en-US" smtClean="0"/>
-              <a:t>8/12/2017</a:t>
+              <a:t>9/11/2017</a:t>
             </a:fld>
             <a:endParaRPr lang="en-US"/>
           </a:p>
@@ -6749,7 +6813,7 @@
           <a:p>
             <a:fld id="{8A97B252-A157-47EE-8D8D-B5B4DAA37260}" type="datetime1">
               <a:rPr lang="en-US" smtClean="0"/>
-              <a:t>8/12/2017</a:t>
+              <a:t>9/11/2017</a:t>
             </a:fld>
             <a:endParaRPr lang="en-US"/>
           </a:p>
@@ -6865,19 +6929,19 @@
             </a:r>
             <a:r>
               <a:rPr lang="en-US" sz="2800" dirty="0" smtClean="0">
-                <a:hlinkClick r:id="rId2"/>
+                <a:hlinkClick r:id="rId3"/>
               </a:rPr>
               <a:t>https</a:t>
             </a:r>
             <a:r>
               <a:rPr lang="en-US" sz="2800" dirty="0">
-                <a:hlinkClick r:id="rId2"/>
+                <a:hlinkClick r:id="rId3"/>
               </a:rPr>
               <a:t>://</a:t>
             </a:r>
             <a:r>
               <a:rPr lang="en-US" sz="2800" dirty="0" smtClean="0">
-                <a:hlinkClick r:id="rId2"/>
+                <a:hlinkClick r:id="rId3"/>
               </a:rPr>
               <a:t>method5.github.io/examples/</a:t>
             </a:r>
@@ -6902,7 +6966,7 @@
           <a:p>
             <a:fld id="{14CB67C7-3BA7-4C89-AD88-5C3EB0A22414}" type="datetime1">
               <a:rPr lang="en-US" smtClean="0"/>
-              <a:t>8/12/2017</a:t>
+              <a:t>9/11/2017</a:t>
             </a:fld>
             <a:endParaRPr lang="en-US" dirty="0"/>
           </a:p>
@@ -6940,7 +7004,7 @@
           <p:nvPr/>
         </p:nvPicPr>
         <p:blipFill>
-          <a:blip r:embed="rId3">
+          <a:blip r:embed="rId4">
             <a:extLst>
               <a:ext uri="{28A0092B-C50C-407E-A947-70E740481C1C}">
                 <a14:useLocalDpi xmlns:a14="http://schemas.microsoft.com/office/drawing/2010/main" val="0"/>
@@ -6981,7 +7045,7 @@
           <p:nvPr/>
         </p:nvPicPr>
         <p:blipFill>
-          <a:blip r:embed="rId4">
+          <a:blip r:embed="rId5">
             <a:extLst>
               <a:ext uri="{28A0092B-C50C-407E-A947-70E740481C1C}">
                 <a14:useLocalDpi xmlns:a14="http://schemas.microsoft.com/office/drawing/2010/main" val="0"/>
@@ -7022,7 +7086,7 @@
           <p:nvPr/>
         </p:nvPicPr>
         <p:blipFill>
-          <a:blip r:embed="rId5" cstate="print">
+          <a:blip r:embed="rId6" cstate="print">
             <a:extLst>
               <a:ext uri="{28A0092B-C50C-407E-A947-70E740481C1C}">
                 <a14:useLocalDpi xmlns:a14="http://schemas.microsoft.com/office/drawing/2010/main" val="0"/>
@@ -7063,7 +7127,7 @@
           <p:nvPr/>
         </p:nvPicPr>
         <p:blipFill>
-          <a:blip r:embed="rId6">
+          <a:blip r:embed="rId7">
             <a:extLst>
               <a:ext uri="{28A0092B-C50C-407E-A947-70E740481C1C}">
                 <a14:useLocalDpi xmlns:a14="http://schemas.microsoft.com/office/drawing/2010/main" val="0"/>
@@ -7168,7 +7232,7 @@
         <p:spPr/>
         <p:txBody>
           <a:bodyPr>
-            <a:normAutofit lnSpcReduction="10000"/>
+            <a:normAutofit/>
           </a:bodyPr>
           <a:lstStyle/>
           <a:p>
@@ -7258,16 +7322,6 @@
             </a:r>
             <a:endParaRPr lang="en-US" dirty="0" smtClean="0"/>
           </a:p>
-          <a:p>
-            <a:pPr marL="514350" indent="-514350">
-              <a:buFont typeface="+mj-lt"/>
-              <a:buAutoNum type="arabicPeriod"/>
-            </a:pPr>
-            <a:r>
-              <a:rPr lang="en-US" dirty="0" smtClean="0"/>
-              <a:t>Professional services available</a:t>
-            </a:r>
-          </a:p>
         </p:txBody>
       </p:sp>
       <p:sp>
@@ -7287,7 +7341,7 @@
           <a:p>
             <a:fld id="{E18E99D8-5B8F-468C-BBE7-526BD68FE572}" type="datetime1">
               <a:rPr lang="en-US" smtClean="0"/>
-              <a:t>8/12/2017</a:t>
+              <a:t>9/11/2017</a:t>
             </a:fld>
             <a:endParaRPr lang="en-US"/>
           </a:p>
@@ -7478,7 +7532,7 @@
           <a:p>
             <a:fld id="{4E667C21-B277-46CB-80E7-1C015420E7D1}" type="datetime1">
               <a:rPr lang="en-US" smtClean="0"/>
-              <a:t>8/12/2017</a:t>
+              <a:t>9/11/2017</a:t>
             </a:fld>
             <a:endParaRPr lang="en-US" dirty="0"/>
           </a:p>
@@ -7805,7 +7859,7 @@
           <a:p>
             <a:fld id="{04FA3B08-0866-4F48-BECB-8AEAA49887FE}" type="datetime1">
               <a:rPr lang="en-US" smtClean="0"/>
-              <a:t>8/12/2017</a:t>
+              <a:t>9/11/2017</a:t>
             </a:fld>
             <a:endParaRPr lang="en-US"/>
           </a:p>
@@ -8007,7 +8061,7 @@
           <a:p>
             <a:fld id="{E0B1ECC0-3D31-49BF-9732-FEB21E3BFE0B}" type="datetime1">
               <a:rPr lang="en-US" smtClean="0"/>
-              <a:t>8/12/2017</a:t>
+              <a:t>9/11/2017</a:t>
             </a:fld>
             <a:endParaRPr lang="en-US"/>
           </a:p>
@@ -8384,7 +8438,7 @@
           <a:p>
             <a:fld id="{59A89C50-A88C-43DA-A017-AA6F35F0B0C8}" type="datetime1">
               <a:rPr lang="en-US" smtClean="0"/>
-              <a:t>8/12/2017</a:t>
+              <a:t>9/11/2017</a:t>
             </a:fld>
             <a:endParaRPr lang="en-US"/>
           </a:p>
@@ -8521,7 +8575,7 @@
           <a:p>
             <a:fld id="{AA1E44A8-32B0-4E5A-A6DF-07DB1E700CAE}" type="datetime1">
               <a:rPr lang="en-US" smtClean="0"/>
-              <a:t>8/12/2017</a:t>
+              <a:t>9/11/2017</a:t>
             </a:fld>
             <a:endParaRPr lang="en-US"/>
           </a:p>
@@ -9330,7 +9384,7 @@
           <a:p>
             <a:fld id="{1AF7749E-7951-4D42-9C43-2FC8E80375B1}" type="datetime1">
               <a:rPr lang="en-US" smtClean="0"/>
-              <a:t>8/12/2017</a:t>
+              <a:t>9/11/2017</a:t>
             </a:fld>
             <a:endParaRPr lang="en-US"/>
           </a:p>
@@ -9452,8 +9506,17 @@
             </a:pPr>
             <a:r>
               <a:rPr lang="en-US" dirty="0" smtClean="0"/>
-              <a:t>In production since 2014 for Ventech &amp; CMS</a:t>
-            </a:r>
+              <a:t>In production since </a:t>
+            </a:r>
+            <a:r>
+              <a:rPr lang="en-US" dirty="0"/>
+              <a:t>2014 for the largest healthcare data center in the </a:t>
+            </a:r>
+            <a:r>
+              <a:rPr lang="en-US" dirty="0" smtClean="0"/>
+              <a:t>world</a:t>
+            </a:r>
+            <a:endParaRPr lang="en-US" dirty="0" smtClean="0"/>
           </a:p>
           <a:p>
             <a:pPr marL="514350" indent="-514350">
@@ -9504,7 +9567,7 @@
           <a:p>
             <a:fld id="{60D7856B-577C-489D-A2A8-2F221F81FEFA}" type="datetime1">
               <a:rPr lang="en-US" smtClean="0"/>
-              <a:t>8/12/2017</a:t>
+              <a:t>9/11/2017</a:t>
             </a:fld>
             <a:endParaRPr lang="en-US"/>
           </a:p>
@@ -9533,88 +9596,6 @@
           </a:p>
         </p:txBody>
       </p:sp>
-      <p:pic>
-        <p:nvPicPr>
-          <p:cNvPr id="1026" name="Picture 2" descr="http://ventechsolutions.us/wp-content/uploads/2016/02/ventechsolutions-logo2016_USA.png"/>
-          <p:cNvPicPr>
-            <a:picLocks noChangeAspect="1" noChangeArrowheads="1"/>
-          </p:cNvPicPr>
-          <p:nvPr/>
-        </p:nvPicPr>
-        <p:blipFill>
-          <a:blip r:embed="rId3">
-            <a:extLst>
-              <a:ext uri="{28A0092B-C50C-407E-A947-70E740481C1C}">
-                <a14:useLocalDpi xmlns:a14="http://schemas.microsoft.com/office/drawing/2010/main" val="0"/>
-              </a:ext>
-            </a:extLst>
-          </a:blip>
-          <a:srcRect/>
-          <a:stretch>
-            <a:fillRect/>
-          </a:stretch>
-        </p:blipFill>
-        <p:spPr bwMode="auto">
-          <a:xfrm>
-            <a:off x="1371600" y="4629150"/>
-            <a:ext cx="2457450" cy="1238250"/>
-          </a:xfrm>
-          <a:prstGeom prst="rect">
-            <a:avLst/>
-          </a:prstGeom>
-          <a:noFill/>
-          <a:extLst>
-            <a:ext uri="{909E8E84-426E-40DD-AFC4-6F175D3DCCD1}">
-              <a14:hiddenFill xmlns:a14="http://schemas.microsoft.com/office/drawing/2010/main">
-                <a:solidFill>
-                  <a:srgbClr val="FFFFFF"/>
-                </a:solidFill>
-              </a14:hiddenFill>
-            </a:ext>
-          </a:extLst>
-        </p:spPr>
-      </p:pic>
-      <p:pic>
-        <p:nvPicPr>
-          <p:cNvPr id="1028" name="Picture 4" descr="https://assets.cms.gov/resources/cms/images/logo/site-logo.png"/>
-          <p:cNvPicPr>
-            <a:picLocks noChangeAspect="1" noChangeArrowheads="1"/>
-          </p:cNvPicPr>
-          <p:nvPr/>
-        </p:nvPicPr>
-        <p:blipFill>
-          <a:blip r:embed="rId4">
-            <a:extLst>
-              <a:ext uri="{28A0092B-C50C-407E-A947-70E740481C1C}">
-                <a14:useLocalDpi xmlns:a14="http://schemas.microsoft.com/office/drawing/2010/main" val="0"/>
-              </a:ext>
-            </a:extLst>
-          </a:blip>
-          <a:srcRect/>
-          <a:stretch>
-            <a:fillRect/>
-          </a:stretch>
-        </p:blipFill>
-        <p:spPr bwMode="auto">
-          <a:xfrm>
-            <a:off x="4572000" y="4910137"/>
-            <a:ext cx="3267075" cy="676276"/>
-          </a:xfrm>
-          <a:prstGeom prst="rect">
-            <a:avLst/>
-          </a:prstGeom>
-          <a:noFill/>
-          <a:extLst>
-            <a:ext uri="{909E8E84-426E-40DD-AFC4-6F175D3DCCD1}">
-              <a14:hiddenFill xmlns:a14="http://schemas.microsoft.com/office/drawing/2010/main">
-                <a:solidFill>
-                  <a:srgbClr val="FFFFFF"/>
-                </a:solidFill>
-              </a14:hiddenFill>
-            </a:ext>
-          </a:extLst>
-        </p:spPr>
-      </p:pic>
     </p:spTree>
     <p:extLst>
       <p:ext uri="{BB962C8B-B14F-4D97-AF65-F5344CB8AC3E}">
@@ -10501,7 +10482,7 @@
           <a:p>
             <a:fld id="{12698F6C-3B60-45A8-AA68-1C639B61BEFF}" type="datetime1">
               <a:rPr lang="en-US" smtClean="0"/>
-              <a:t>8/12/2017</a:t>
+              <a:t>9/11/2017</a:t>
             </a:fld>
             <a:endParaRPr lang="en-US" dirty="0"/>
           </a:p>
@@ -10928,7 +10909,7 @@
           <a:p>
             <a:fld id="{D97E924C-66F2-4356-A8CE-66225EAB43F5}" type="datetime1">
               <a:rPr lang="en-US" smtClean="0"/>
-              <a:t>8/12/2017</a:t>
+              <a:t>9/11/2017</a:t>
             </a:fld>
             <a:endParaRPr lang="en-US"/>
           </a:p>

--- a/presentations/Method5.pptx
+++ b/presentations/Method5.pptx
@@ -210,7 +210,7 @@
           <a:p>
             <a:fld id="{E8184847-EC06-4734-8E30-343A2DA340C9}" type="datetimeFigureOut">
               <a:rPr lang="en-US" smtClean="0"/>
-              <a:t>9/11/2017</a:t>
+              <a:t>10/24/2017</a:t>
             </a:fld>
             <a:endParaRPr lang="en-US"/>
           </a:p>
@@ -375,7 +375,7 @@
           <a:p>
             <a:fld id="{DC284B00-8F05-4CB2-A4E6-4A642AFA915E}" type="datetimeFigureOut">
               <a:rPr lang="en-US" smtClean="0"/>
-              <a:t>9/11/2017</a:t>
+              <a:t>10/24/2017</a:t>
             </a:fld>
             <a:endParaRPr lang="en-US"/>
           </a:p>
@@ -771,112 +771,103 @@
           <a:bodyPr/>
           <a:lstStyle/>
           <a:p>
-            <a:pPr marL="0" indent="0">
-              <a:buNone/>
-            </a:pPr>
             <a:r>
               <a:rPr lang="en-US" b="1" dirty="0" smtClean="0"/>
-              <a:t>1. Tables -</a:t>
-            </a:r>
-            <a:r>
-              <a:rPr lang="en-US" dirty="0" smtClean="0"/>
-              <a:t> Every execution</a:t>
+              <a:t>1. P_CODE (required) -</a:t>
+            </a:r>
+            <a:r>
+              <a:rPr lang="en-US" dirty="0" smtClean="0"/>
+              <a:t> Any </a:t>
+            </a:r>
+            <a:r>
+              <a:rPr lang="en-US" dirty="0" smtClean="0"/>
+              <a:t>SQL statement, PL/SQL block, or Linux/Unix shell script.  The</a:t>
             </a:r>
             <a:r>
               <a:rPr lang="en-US" baseline="0" dirty="0" smtClean="0"/>
-              <a:t> automatically generates three tables.  The tables are given default names if none are specified.  The tables contain the data, the metadata, and the errors.</a:t>
+              <a:t> </a:t>
+            </a:r>
+            <a:r>
+              <a:rPr lang="en-US" baseline="0" dirty="0" smtClean="0"/>
+              <a:t>results can be either the query results, a SQL*Plus feedback message for DDL and DML, </a:t>
+            </a:r>
+            <a:r>
+              <a:rPr lang="en-US" baseline="0" dirty="0" smtClean="0"/>
+              <a:t>DBMS_OUTPUT </a:t>
+            </a:r>
+            <a:r>
+              <a:rPr lang="en-US" baseline="0" dirty="0" smtClean="0"/>
+              <a:t>for PL/SQL </a:t>
+            </a:r>
+            <a:r>
+              <a:rPr lang="en-US" baseline="0" dirty="0" smtClean="0"/>
+              <a:t>statements, or standard output and standard error for shell scripts.  (Shell scripts require</a:t>
+            </a:r>
+            <a:r>
+              <a:rPr lang="en-US" dirty="0" smtClean="0"/>
+              <a:t> an active database so Method5 cannot yet be used for activities that restart the database, like patching and upgrading.)</a:t>
             </a:r>
             <a:endParaRPr lang="en-US" dirty="0" smtClean="0"/>
           </a:p>
           <a:p>
-            <a:pPr marL="0" indent="0">
-              <a:buNone/>
-            </a:pPr>
             <a:r>
               <a:rPr lang="en-US" b="1" dirty="0" smtClean="0"/>
-              <a:t>2. Views -</a:t>
-            </a:r>
-            <a:r>
-              <a:rPr lang="en-US" dirty="0" smtClean="0"/>
-              <a:t> Since you may not know or remember the table names used, three</a:t>
+              <a:t>2. P_TARGETS (optional, defaults to all databases) -</a:t>
+            </a:r>
+            <a:r>
+              <a:rPr lang="en-US" dirty="0" smtClean="0"/>
+              <a:t> Can be either a comma-separated list (of database names, hosts, lifecycles, lines of business, or cluster names) or a query that returns target names.  The</a:t>
             </a:r>
             <a:r>
               <a:rPr lang="en-US" baseline="0" dirty="0" smtClean="0"/>
-              <a:t> views are created in your schema.  These views always reference the last run.  They are M5_RESULTS, M5_METADATA, and M5_ERRORS.</a:t>
+              <a:t> names can also include wild-cards.  You can configure Target Groups for commonly-used queries.</a:t>
             </a:r>
             <a:endParaRPr lang="en-US" dirty="0" smtClean="0"/>
           </a:p>
           <a:p>
-            <a:pPr marL="0" indent="0">
-              <a:buNone/>
-            </a:pPr>
             <a:r>
               <a:rPr lang="en-US" b="1" dirty="0" smtClean="0"/>
-              <a:t>3.</a:t>
-            </a:r>
-            <a:r>
-              <a:rPr lang="en-US" b="1" baseline="0" dirty="0" smtClean="0"/>
-              <a:t> M5_ links - </a:t>
+              <a:t>3. P_TABLE_NAME (optional, defaults to auto-generated name) -</a:t>
+            </a:r>
+            <a:r>
+              <a:rPr lang="en-US" dirty="0" smtClean="0"/>
+              <a:t> The base name for the results, _META, and _ERR tables.</a:t>
+            </a:r>
+          </a:p>
+          <a:p>
+            <a:r>
+              <a:rPr lang="en-US" b="1" dirty="0" smtClean="0"/>
+              <a:t>4. P_TABLE_EXISTS_ACTION (optional, defaults to ERROR) -</a:t>
+            </a:r>
+            <a:r>
+              <a:rPr lang="en-US" dirty="0" smtClean="0"/>
+              <a:t> One of ERROR, APPEND, DELETE, or DROP.</a:t>
+            </a:r>
+          </a:p>
+          <a:p>
+            <a:r>
+              <a:rPr lang="en-US" b="1" dirty="0" smtClean="0"/>
+              <a:t>5. P_ASYNCHRONOUS (optional, defaults to TRUE) -</a:t>
+            </a:r>
+            <a:r>
+              <a:rPr lang="en-US" dirty="0" smtClean="0"/>
+              <a:t> Return right away or wait for all results.</a:t>
+            </a:r>
+          </a:p>
+          <a:p>
+            <a:r>
+              <a:rPr lang="en-US" b="1" dirty="0" smtClean="0"/>
+              <a:t>6. P_RUN_AS_SYS (optional, defaults to FALSE) -</a:t>
+            </a:r>
+            <a:r>
+              <a:rPr lang="en-US" dirty="0" smtClean="0"/>
+              <a:t> Run the command as the SYS user.  Command</a:t>
             </a:r>
             <a:r>
               <a:rPr lang="en-US" baseline="0" dirty="0" smtClean="0"/>
-              <a:t>Database links are automatically copied and synchronized to your schema.  This can be useful for many ad hoc tasks.  Simply use @M5_$DBNAME in queries or through DBMS_UTILTY.EXECUTE_DDL_STATEMENT.</a:t>
-            </a:r>
-          </a:p>
-          <a:p>
-            <a:pPr marL="0" indent="0">
-              <a:buNone/>
-            </a:pPr>
-            <a:r>
-              <a:rPr lang="en-US" b="1" baseline="0" dirty="0" smtClean="0"/>
-              <a:t>4. Global Data Dictionary - </a:t>
-            </a:r>
-            <a:r>
-              <a:rPr lang="en-US" baseline="0" dirty="0" smtClean="0"/>
-              <a:t>Every night Method5 gathers some common data into tables such as M5_DBA_TABLES, M5_USER$, M5_DBA_ROLE_PRIVS, M5_DBA_SYS_PRIVS, and M5_DBA_TAB_PRIVS.  Having this data instantly available makes some tasks much simpler, such as finding out where a user exists, or where an object is granted.</a:t>
-            </a:r>
-          </a:p>
-          <a:p>
-            <a:pPr marL="0" indent="0">
-              <a:buNone/>
-            </a:pPr>
-            <a:r>
-              <a:rPr lang="en-US" b="1" baseline="0" dirty="0" smtClean="0"/>
-              <a:t>5. Admin Email - </a:t>
-            </a:r>
-            <a:r>
-              <a:rPr lang="en-US" b="0" baseline="0" dirty="0" smtClean="0"/>
-              <a:t>An email is sent to the administrator every day listing issues encountered by Method5.  These problems are often a blessing in disguise.  For example, if a job never finished and had to be manually killed that implies one of your databases is unavailable.  Method5 will often catch a problem that OEM missed. </a:t>
-            </a:r>
-            <a:endParaRPr lang="en-US" b="1" baseline="0" dirty="0" smtClean="0"/>
-          </a:p>
-          <a:p>
-            <a:pPr marL="0" indent="0">
-              <a:buNone/>
-            </a:pPr>
-            <a:r>
-              <a:rPr lang="en-US" b="1" baseline="0" dirty="0" smtClean="0"/>
-              <a:t>6. Version Star –</a:t>
-            </a:r>
-            <a:r>
-              <a:rPr lang="en-US" b="0" baseline="0" dirty="0" smtClean="0"/>
-              <a:t> Querying different versions of Oracle can be difficult because the data dictionary has different columns.  For example, most data dictionary views in 12c have the new CON_ID column.  A "select * from v$..." will return different result sets between 11g and 12c.  To get around this issue, if you replace "*" with "**", Method5 will convert the "**" into an explicit list of columns based on the lowest Oracle version.  This avoids "not enough values" or "too many values" errors, and ensures that all databases return data regardless of the version.  The results will miss some of the newer columns, such as CON_ID.</a:t>
-            </a:r>
-            <a:endParaRPr lang="en-US" b="1" baseline="0" dirty="0" smtClean="0"/>
-          </a:p>
-          <a:p>
-            <a:pPr marL="0" indent="0">
-              <a:buNone/>
-            </a:pPr>
-            <a:r>
-              <a:rPr lang="en-US" b="1" baseline="0" dirty="0" smtClean="0"/>
-              <a:t>7. Limits - </a:t>
-            </a:r>
-            <a:r>
-              <a:rPr lang="en-US" baseline="0" dirty="0" smtClean="0"/>
-              <a:t>Method5 currently only runs SQL and PL/SQL statements.  It does not (yet) run operating system commands or SQL*Plus scripts.  It also (currently) only runs as DBA so you cannot perform tasks as SYSDBA.</a:t>
-            </a:r>
-            <a:endParaRPr lang="en-US" dirty="0"/>
+              <a:t>s should only run as SYS when necessary, which is probably less than 1% of the time.  This feature has extra protections that prevent other users from calling it.  Only the Method5 user from the master database can use this feature.  See the security section of the user guide for more details.  If you're still worried about it, this feature can be disabled for everyone or for specific users.</a:t>
+            </a:r>
+            <a:endParaRPr lang="en-US" dirty="0" smtClean="0"/>
           </a:p>
         </p:txBody>
       </p:sp>
@@ -897,7 +888,7 @@
           <a:p>
             <a:fld id="{72AE7ADF-BF07-437B-AD5B-68C1A8D7189D}" type="slidenum">
               <a:rPr lang="en-US" smtClean="0"/>
-              <a:t>11</a:t>
+              <a:t>10</a:t>
             </a:fld>
             <a:endParaRPr lang="en-US"/>
           </a:p>
@@ -906,7 +897,7 @@
     </p:spTree>
     <p:extLst>
       <p:ext uri="{BB962C8B-B14F-4D97-AF65-F5344CB8AC3E}">
-        <p14:creationId xmlns:p14="http://schemas.microsoft.com/office/powerpoint/2010/main" val="2408283472"/>
+        <p14:creationId xmlns:p14="http://schemas.microsoft.com/office/powerpoint/2010/main" val="316232668"/>
       </p:ext>
     </p:extLst>
   </p:cSld>
@@ -964,38 +955,52 @@
               <a:buNone/>
             </a:pPr>
             <a:r>
-              <a:rPr lang="en-US" dirty="0" smtClean="0"/>
-              <a:t>1. Like</a:t>
+              <a:rPr lang="en-US" b="1" dirty="0" smtClean="0"/>
+              <a:t>1. Tables -</a:t>
+            </a:r>
+            <a:r>
+              <a:rPr lang="en-US" dirty="0" smtClean="0"/>
+              <a:t> Every execution</a:t>
             </a:r>
             <a:r>
               <a:rPr lang="en-US" baseline="0" dirty="0" smtClean="0"/>
-              <a:t> any good database solution, the heavy-lifting is done with SQL statements glued together with PL/SQL.  The dynamic code is nested several levels deep.  To avoid the typical concatenation-hell, the alternative quoting mechanism and REPLACE are used.  This simple trick makes dynamic code drastically more readable.</a:t>
-            </a:r>
+              <a:t> automatically generates three tables.  The tables are given default names if none are specified.  The tables contain the data, the metadata, and the errors.</a:t>
+            </a:r>
+            <a:endParaRPr lang="en-US" dirty="0" smtClean="0"/>
           </a:p>
           <a:p>
             <a:pPr marL="0" indent="0">
               <a:buNone/>
             </a:pPr>
             <a:r>
+              <a:rPr lang="en-US" b="1" dirty="0" smtClean="0"/>
+              <a:t>2. Views -</a:t>
+            </a:r>
+            <a:r>
+              <a:rPr lang="en-US" dirty="0" smtClean="0"/>
+              <a:t> Since you may not know or remember the table names used, three</a:t>
+            </a:r>
+            <a:r>
               <a:rPr lang="en-US" baseline="0" dirty="0" smtClean="0"/>
-              <a:t>2. Database links are what ties everything together.  Database links have gotten a bad reputation.  Yes, many people make horrible mistakes with them, but when used right it makes inter-database communication incredibly simple.</a:t>
-            </a:r>
+              <a:t> views are created in your schema.  These views always reference the last run.  They are M5_RESULTS, M5_METADATA, and M5_ERRORS.</a:t>
+            </a:r>
+            <a:endParaRPr lang="en-US" dirty="0" smtClean="0"/>
           </a:p>
           <a:p>
             <a:pPr marL="0" indent="0">
               <a:buNone/>
             </a:pPr>
             <a:r>
+              <a:rPr lang="en-US" b="1" dirty="0" smtClean="0"/>
+              <a:t>3.</a:t>
+            </a:r>
+            <a:r>
+              <a:rPr lang="en-US" b="1" baseline="0" dirty="0" smtClean="0"/>
+              <a:t> M5_ links - </a:t>
+            </a:r>
+            <a:r>
               <a:rPr lang="en-US" baseline="0" dirty="0" smtClean="0"/>
-              <a:t>3. 99% of all Oracle SQL code parsing or code transformation  programs are fundamentally broken.  Things like statement classification and terminator removal are often handled with simple  regular expressions.  SQL and PL/SQL are insanely complicated languages, with over 2,000 keywords and 30 years of syntax history.  A proper </a:t>
-            </a:r>
-            <a:r>
-              <a:rPr lang="en-US" baseline="0" dirty="0" err="1" smtClean="0"/>
-              <a:t>lexer</a:t>
-            </a:r>
-            <a:r>
-              <a:rPr lang="en-US" baseline="0" dirty="0" smtClean="0"/>
-              <a:t> is a requirement to build a robust system that can handle any code.</a:t>
+              <a:t>Database links are automatically copied and synchronized to your schema.  This can be useful for many ad hoc tasks.  Simply use @M5_$DBNAME in queries or through DBMS_UTILTY.EXECUTE_DDL_STATEMENT.</a:t>
             </a:r>
           </a:p>
           <a:p>
@@ -1003,8 +1008,12 @@
               <a:buNone/>
             </a:pPr>
             <a:r>
+              <a:rPr lang="en-US" b="1" baseline="0" dirty="0" smtClean="0"/>
+              <a:t>4. Global Data Dictionary - </a:t>
+            </a:r>
+            <a:r>
               <a:rPr lang="en-US" baseline="0" dirty="0" smtClean="0"/>
-              <a:t>4. Scheduler and pipes work together to enable parallelism and asynchronous processing.</a:t>
+              <a:t>Every night Method5 gathers some common data into tables such as M5_DBA_TABLES, M5_USER$, M5_DBA_ROLE_PRIVS, M5_DBA_SYS_PRIVS, and M5_DBA_TAB_PRIVS.  Having this data instantly available makes some tasks much simpler, such as finding out where a user exists, or where an object is granted.</a:t>
             </a:r>
           </a:p>
           <a:p>
@@ -1012,19 +1021,32 @@
               <a:buNone/>
             </a:pPr>
             <a:r>
-              <a:rPr lang="en-US" baseline="0" dirty="0" smtClean="0"/>
-              <a:t>5. Everything is configured in tables.  You don't have to worry about XML configuration files or agent parameter files.</a:t>
-            </a:r>
+              <a:rPr lang="en-US" b="1" baseline="0" dirty="0" smtClean="0"/>
+              <a:t>5. Admin Email - </a:t>
+            </a:r>
+            <a:r>
+              <a:rPr lang="en-US" b="0" baseline="0" dirty="0" smtClean="0"/>
+              <a:t>An email is sent to the administrator every day listing issues encountered by Method5.  These problems are often a blessing in disguise.  For example, if a job never finished and had to be manually killed that implies one of your databases is unavailable.  Method5 will often catch a problem that OEM missed. </a:t>
+            </a:r>
+            <a:endParaRPr lang="en-US" b="1" baseline="0" dirty="0" smtClean="0"/>
           </a:p>
           <a:p>
             <a:pPr marL="0" indent="0">
               <a:buNone/>
             </a:pPr>
             <a:r>
-              <a:rPr lang="en-US" baseline="0" dirty="0" smtClean="0"/>
-              <a:t>6. Oracle Data Cartridge is the magic (or at least cryptic) piece that allows Method5 to extend Oracle SQL.  It provides the ability to return "anything", dynamically, in a SQL context.  Running dynamic SQL in SQL is much harder than it sounds.</a:t>
-            </a:r>
-            <a:endParaRPr lang="en-US" dirty="0"/>
+              <a:rPr lang="en-US" b="1" baseline="0" dirty="0" smtClean="0"/>
+              <a:t>6. Version Star –</a:t>
+            </a:r>
+            <a:r>
+              <a:rPr lang="en-US" b="0" baseline="0" dirty="0" smtClean="0"/>
+              <a:t> Querying different versions of Oracle can be difficult because the data dictionary has different columns.  For example, most data dictionary views in 12c have the new CON_ID column.  A "select * from v$..." will return different result sets between 11g and 12c.  To get around this issue, if you replace "*" with "**", Method5 will convert the "**" into an explicit list of columns based on the lowest Oracle version.  This avoids "not enough values" or "too many values" errors, and ensures that all databases return data regardless of the version.  The results will miss some of the newer columns, such as CON_ID</a:t>
+            </a:r>
+            <a:r>
+              <a:rPr lang="en-US" b="0" baseline="0" dirty="0" smtClean="0"/>
+              <a:t>.</a:t>
+            </a:r>
+            <a:endParaRPr lang="en-US" b="1" baseline="0" dirty="0" smtClean="0"/>
           </a:p>
         </p:txBody>
       </p:sp>
@@ -1045,7 +1067,7 @@
           <a:p>
             <a:fld id="{72AE7ADF-BF07-437B-AD5B-68C1A8D7189D}" type="slidenum">
               <a:rPr lang="en-US" smtClean="0"/>
-              <a:t>12</a:t>
+              <a:t>11</a:t>
             </a:fld>
             <a:endParaRPr lang="en-US"/>
           </a:p>
@@ -1054,7 +1076,7 @@
     </p:spTree>
     <p:extLst>
       <p:ext uri="{BB962C8B-B14F-4D97-AF65-F5344CB8AC3E}">
-        <p14:creationId xmlns:p14="http://schemas.microsoft.com/office/powerpoint/2010/main" val="1500454840"/>
+        <p14:creationId xmlns:p14="http://schemas.microsoft.com/office/powerpoint/2010/main" val="2408283472"/>
       </p:ext>
     </p:extLst>
   </p:cSld>
@@ -1108,68 +1130,78 @@
           <a:bodyPr/>
           <a:lstStyle/>
           <a:p>
-            <a:r>
-              <a:rPr lang="en-US" dirty="0" smtClean="0"/>
-              <a:t>1. Requirements - You must have a central</a:t>
+            <a:pPr marL="0" indent="0">
+              <a:buNone/>
+            </a:pPr>
+            <a:r>
+              <a:rPr lang="en-US" dirty="0" smtClean="0"/>
+              <a:t>1. Like</a:t>
             </a:r>
             <a:r>
               <a:rPr lang="en-US" baseline="0" dirty="0" smtClean="0"/>
-              <a:t> management database that can communicate with all other database.  You must have SYSDBA to install, and DBA privileges to use.  Any currently-supported platform, version, or edition will work.  (And probably some unsupported ones also.)  For testing you only need a single database - the default installation will create some fake links that simulate a multi-database environment.</a:t>
-            </a:r>
-          </a:p>
-          <a:p>
-            <a:r>
-              <a:rPr lang="en-US" dirty="0" smtClean="0"/>
-              <a:t>2. Only one person needs to install and administer it.  The configuration is automatically applied to other users.</a:t>
-            </a:r>
-          </a:p>
-          <a:p>
-            <a:r>
-              <a:rPr lang="en-US" dirty="0" smtClean="0"/>
-              <a:t>3. Download the free, open source code from GitHub and follow the instructions.</a:t>
-            </a:r>
-          </a:p>
-          <a:p>
-            <a:r>
-              <a:rPr lang="en-US" dirty="0" smtClean="0"/>
-              <a:t>4. The code is 100% inside the database - there are no agents, plugins, websites, configuration files, etc.</a:t>
-            </a:r>
-          </a:p>
-          <a:p>
-            <a:r>
-              <a:rPr lang="en-US" dirty="0" smtClean="0"/>
-              <a:t>5. Getting started</a:t>
-            </a:r>
+              <a:t> any good database solution, the heavy-lifting is done with SQL statements glued together with PL/SQL.  The dynamic code is nested several levels deep.  To avoid the typical concatenation-hell, the alternative quoting mechanism and REPLACE are used.  This simple trick makes dynamic code drastically more readable.</a:t>
+            </a:r>
+          </a:p>
+          <a:p>
+            <a:pPr marL="0" indent="0">
+              <a:buNone/>
+            </a:pPr>
             <a:r>
               <a:rPr lang="en-US" baseline="0" dirty="0" smtClean="0"/>
-              <a:t> will take less than an hour.  The time to setup all your connections will vary depending on how standardized your environment is.  1000 perfectly-standardized databases will be easier than 10 databases all with different platforms, versions, and configurations.  One of the nice side-effects of Method5 is that it really drives home how useful standardization can be.  You may want to work on one environment at a time; you don't need to get every database working in order to use this.</a:t>
-            </a:r>
-          </a:p>
-          <a:p>
+              <a:t>2. Database links are what ties everything together.  Database links have gotten a bad reputation.  Yes, many people make horrible mistakes with them, but when used right it makes inter-database communication incredibly simple.</a:t>
+            </a:r>
+          </a:p>
+          <a:p>
+            <a:pPr marL="0" indent="0">
+              <a:buNone/>
+            </a:pPr>
             <a:r>
               <a:rPr lang="en-US" baseline="0" dirty="0" smtClean="0"/>
-              <a:t>6. If you encounter any problems you can create a GitHub issue on the repository or you can email Jon Heller at either hjon@ventechsolutions.com or jon@jonheller.org.</a:t>
-            </a:r>
-          </a:p>
-          <a:p>
+              <a:t>3. 99% of all Oracle SQL code parsing or code transformation  programs are fundamentally broken.  Things like statement classification and terminator removal are often handled with simple  regular expressions.  SQL and PL/SQL are insanely complicated languages, with over 2,000 keywords and 30 years of syntax history.  A proper </a:t>
+            </a:r>
+            <a:r>
+              <a:rPr lang="en-US" baseline="0" dirty="0" err="1" smtClean="0"/>
+              <a:t>lexer</a:t>
+            </a:r>
+            <a:r>
+              <a:rPr lang="en-US" baseline="0" dirty="0" smtClean="0"/>
+              <a:t> is a requirement to build a robust system that can handle any code.</a:t>
+            </a:r>
+          </a:p>
+          <a:p>
+            <a:pPr marL="0" indent="0">
+              <a:buNone/>
+            </a:pPr>
+            <a:r>
+              <a:rPr lang="en-US" baseline="0" dirty="0" smtClean="0"/>
+              <a:t>4. Scheduler and pipes work together to enable parallelism and asynchronous processing</a:t>
+            </a:r>
+            <a:r>
+              <a:rPr lang="en-US" baseline="0" dirty="0" smtClean="0"/>
+              <a:t>.</a:t>
+            </a:r>
+            <a:r>
+              <a:rPr lang="en-US" dirty="0" smtClean="0"/>
+              <a:t>  DBMS_SCHEDULER also enable the execution of shell scripts.</a:t>
+            </a:r>
             <a:endParaRPr lang="en-US" baseline="0" dirty="0" smtClean="0"/>
           </a:p>
           <a:p>
-            <a:r>
-              <a:rPr lang="en-US" dirty="0" smtClean="0"/>
-              <a:t>Most DBAs have everything they need to get started in about</a:t>
-            </a:r>
+            <a:pPr marL="0" indent="0">
+              <a:buNone/>
+            </a:pPr>
             <a:r>
               <a:rPr lang="en-US" baseline="0" dirty="0" smtClean="0"/>
-              <a:t> an hour.</a:t>
-            </a:r>
-            <a:r>
-              <a:rPr lang="en-US" dirty="0" smtClean="0"/>
-              <a:t>  You don't need to buy anything, sign up for anything, or install any operating system binaries.  The installation and</a:t>
-            </a:r>
+              <a:t>5. Everything is configured in tables.  You don't have to worry about XML configuration files or agent parameter files.</a:t>
+            </a:r>
+          </a:p>
+          <a:p>
+            <a:pPr marL="0" indent="0">
+              <a:buNone/>
+            </a:pPr>
             <a:r>
               <a:rPr lang="en-US" baseline="0" dirty="0" smtClean="0"/>
-              <a:t> administration tasks aren't that different from what you do on a day-to-day basis.</a:t>
+              <a:t>6. Oracle Data Cartridge is the magic (or at least cryptic) piece that allows Method5 to extend Oracle SQL.  It provides the ability to return "anything", dynamically, in a SQL context.  Running dynamic SQL in SQL is much harder than it sounds.</a:t>
             </a:r>
             <a:endParaRPr lang="en-US" dirty="0"/>
           </a:p>
@@ -1192,7 +1224,7 @@
           <a:p>
             <a:fld id="{72AE7ADF-BF07-437B-AD5B-68C1A8D7189D}" type="slidenum">
               <a:rPr lang="en-US" smtClean="0"/>
-              <a:t>13</a:t>
+              <a:t>12</a:t>
             </a:fld>
             <a:endParaRPr lang="en-US"/>
           </a:p>
@@ -1201,7 +1233,7 @@
     </p:spTree>
     <p:extLst>
       <p:ext uri="{BB962C8B-B14F-4D97-AF65-F5344CB8AC3E}">
-        <p14:creationId xmlns:p14="http://schemas.microsoft.com/office/powerpoint/2010/main" val="489585203"/>
+        <p14:creationId xmlns:p14="http://schemas.microsoft.com/office/powerpoint/2010/main" val="1500454840"/>
       </p:ext>
     </p:extLst>
   </p:cSld>
@@ -1255,7 +1287,70 @@
           <a:bodyPr/>
           <a:lstStyle/>
           <a:p>
-            <a:endParaRPr lang="en-US"/>
+            <a:r>
+              <a:rPr lang="en-US" dirty="0" smtClean="0"/>
+              <a:t>1. Requirements - You must have a central</a:t>
+            </a:r>
+            <a:r>
+              <a:rPr lang="en-US" baseline="0" dirty="0" smtClean="0"/>
+              <a:t> management database that can communicate with all other database.  You must have SYSDBA to install, and DBA privileges to use.  Any currently-supported platform, version, or edition will work.  (And probably some unsupported ones also.)  For testing you only need a single database - the default installation will create some fake links that simulate a multi-database environment.</a:t>
+            </a:r>
+          </a:p>
+          <a:p>
+            <a:r>
+              <a:rPr lang="en-US" dirty="0" smtClean="0"/>
+              <a:t>2. Only one person needs to install and administer it.  The configuration is automatically applied to other users.</a:t>
+            </a:r>
+          </a:p>
+          <a:p>
+            <a:r>
+              <a:rPr lang="en-US" dirty="0" smtClean="0"/>
+              <a:t>3. Download the free, open source code from GitHub and follow the instructions.</a:t>
+            </a:r>
+          </a:p>
+          <a:p>
+            <a:r>
+              <a:rPr lang="en-US" dirty="0" smtClean="0"/>
+              <a:t>4. The code is 100% inside the database - there are no agents, plugins, websites, configuration files, etc.</a:t>
+            </a:r>
+          </a:p>
+          <a:p>
+            <a:r>
+              <a:rPr lang="en-US" dirty="0" smtClean="0"/>
+              <a:t>5. Getting started</a:t>
+            </a:r>
+            <a:r>
+              <a:rPr lang="en-US" baseline="0" dirty="0" smtClean="0"/>
+              <a:t> will take less than an hour.  The time to setup all your connections will vary depending on how standardized your environment is.  1000 perfectly-standardized databases will be easier than 10 databases all with different platforms, versions, and configurations.  One of the nice side-effects of Method5 is that it really drives home how useful standardization can be.  You may want to work on one environment at a time; you don't need to get every database working in order to use this.</a:t>
+            </a:r>
+          </a:p>
+          <a:p>
+            <a:r>
+              <a:rPr lang="en-US" baseline="0" dirty="0" smtClean="0"/>
+              <a:t>6. If you encounter any problems you can create a GitHub issue on the repository or you can email Jon Heller at either hjon@ventechsolutions.com or jon@jonheller.org.</a:t>
+            </a:r>
+          </a:p>
+          <a:p>
+            <a:endParaRPr lang="en-US" baseline="0" dirty="0" smtClean="0"/>
+          </a:p>
+          <a:p>
+            <a:r>
+              <a:rPr lang="en-US" dirty="0" smtClean="0"/>
+              <a:t>Most DBAs have everything they need to get started in about</a:t>
+            </a:r>
+            <a:r>
+              <a:rPr lang="en-US" baseline="0" dirty="0" smtClean="0"/>
+              <a:t> an hour.</a:t>
+            </a:r>
+            <a:r>
+              <a:rPr lang="en-US" dirty="0" smtClean="0"/>
+              <a:t>  You don't need to buy anything, sign up for anything, or install any operating system binaries.  The installation and</a:t>
+            </a:r>
+            <a:r>
+              <a:rPr lang="en-US" baseline="0" dirty="0" smtClean="0"/>
+              <a:t> administration tasks aren't that different from what you do on a day-to-day basis.</a:t>
+            </a:r>
+            <a:endParaRPr lang="en-US" dirty="0"/>
           </a:p>
         </p:txBody>
       </p:sp>
@@ -1276,7 +1371,7 @@
           <a:p>
             <a:fld id="{72AE7ADF-BF07-437B-AD5B-68C1A8D7189D}" type="slidenum">
               <a:rPr lang="en-US" smtClean="0"/>
-              <a:t>14</a:t>
+              <a:t>13</a:t>
             </a:fld>
             <a:endParaRPr lang="en-US"/>
           </a:p>
@@ -1285,7 +1380,7 @@
     </p:spTree>
     <p:extLst>
       <p:ext uri="{BB962C8B-B14F-4D97-AF65-F5344CB8AC3E}">
-        <p14:creationId xmlns:p14="http://schemas.microsoft.com/office/powerpoint/2010/main" val="3281300294"/>
+        <p14:creationId xmlns:p14="http://schemas.microsoft.com/office/powerpoint/2010/main" val="489585203"/>
       </p:ext>
     </p:extLst>
   </p:cSld>
@@ -1339,7 +1434,7 @@
           <a:bodyPr/>
           <a:lstStyle/>
           <a:p>
-            <a:endParaRPr lang="en-US" dirty="0"/>
+            <a:endParaRPr lang="en-US"/>
           </a:p>
         </p:txBody>
       </p:sp>
@@ -1360,7 +1455,7 @@
           <a:p>
             <a:fld id="{72AE7ADF-BF07-437B-AD5B-68C1A8D7189D}" type="slidenum">
               <a:rPr lang="en-US" smtClean="0"/>
-              <a:t>15</a:t>
+              <a:t>14</a:t>
             </a:fld>
             <a:endParaRPr lang="en-US"/>
           </a:p>
@@ -1369,7 +1464,7 @@
     </p:spTree>
     <p:extLst>
       <p:ext uri="{BB962C8B-B14F-4D97-AF65-F5344CB8AC3E}">
-        <p14:creationId xmlns:p14="http://schemas.microsoft.com/office/powerpoint/2010/main" val="2277858703"/>
+        <p14:creationId xmlns:p14="http://schemas.microsoft.com/office/powerpoint/2010/main" val="3281300294"/>
       </p:ext>
     </p:extLst>
   </p:cSld>
@@ -1423,38 +1518,130 @@
           <a:bodyPr/>
           <a:lstStyle/>
           <a:p>
-            <a:r>
-              <a:rPr lang="en-US" dirty="0" smtClean="0"/>
-              <a:t>1. Method5 isn't simply faster than the alternatives.</a:t>
-            </a:r>
-            <a:r>
-              <a:rPr lang="en-US" baseline="0" dirty="0" smtClean="0"/>
-              <a:t>  It's so much faster that it can change your attitude toward solving problems.</a:t>
-            </a:r>
-            <a:endParaRPr lang="en-US" dirty="0" smtClean="0"/>
-          </a:p>
-          <a:p>
-            <a:r>
-              <a:rPr lang="en-US" dirty="0" smtClean="0"/>
-              <a:t>1. For every problem, spend a minute thinking if there's a way to find it, fix it, or prevent it on other databases.</a:t>
-            </a:r>
-          </a:p>
-          <a:p>
-            <a:r>
-              <a:rPr lang="en-US" dirty="0" smtClean="0"/>
-              <a:t>2. There's no more excuse to not check every database - it only takes one line of code.</a:t>
-            </a:r>
-          </a:p>
-          <a:p>
-            <a:r>
-              <a:rPr lang="en-US" dirty="0" smtClean="0"/>
-              <a:t>3. Start being more proactive - no more Groundhog Day administration.</a:t>
+            <a:endParaRPr lang="en-US" dirty="0"/>
+          </a:p>
+        </p:txBody>
+      </p:sp>
+      <p:sp>
+        <p:nvSpPr>
+          <p:cNvPr id="4" name="Slide Number Placeholder 3"/>
+          <p:cNvSpPr>
+            <a:spLocks noGrp="1"/>
+          </p:cNvSpPr>
+          <p:nvPr>
+            <p:ph type="sldNum" sz="quarter" idx="10"/>
+          </p:nvPr>
+        </p:nvSpPr>
+        <p:spPr/>
+        <p:txBody>
+          <a:bodyPr/>
+          <a:lstStyle/>
+          <a:p>
+            <a:fld id="{72AE7ADF-BF07-437B-AD5B-68C1A8D7189D}" type="slidenum">
+              <a:rPr lang="en-US" smtClean="0"/>
+              <a:t>15</a:t>
+            </a:fld>
+            <a:endParaRPr lang="en-US"/>
+          </a:p>
+        </p:txBody>
+      </p:sp>
+    </p:spTree>
+    <p:extLst>
+      <p:ext uri="{BB962C8B-B14F-4D97-AF65-F5344CB8AC3E}">
+        <p14:creationId xmlns:p14="http://schemas.microsoft.com/office/powerpoint/2010/main" val="2277858703"/>
+      </p:ext>
+    </p:extLst>
+  </p:cSld>
+  <p:clrMapOvr>
+    <a:masterClrMapping/>
+  </p:clrMapOvr>
+</p:notes>
+</file>
+
+<file path=ppt/notesSlides/notesSlide16.xml><?xml version="1.0" encoding="utf-8"?>
+<p:notes xmlns:a="http://schemas.openxmlformats.org/drawingml/2006/main" xmlns:r="http://schemas.openxmlformats.org/officeDocument/2006/relationships" xmlns:p="http://schemas.openxmlformats.org/presentationml/2006/main">
+  <p:cSld>
+    <p:spTree>
+      <p:nvGrpSpPr>
+        <p:cNvPr id="1" name=""/>
+        <p:cNvGrpSpPr/>
+        <p:nvPr/>
+      </p:nvGrpSpPr>
+      <p:grpSpPr>
+        <a:xfrm>
+          <a:off x="0" y="0"/>
+          <a:ext cx="0" cy="0"/>
+          <a:chOff x="0" y="0"/>
+          <a:chExt cx="0" cy="0"/>
+        </a:xfrm>
+      </p:grpSpPr>
+      <p:sp>
+        <p:nvSpPr>
+          <p:cNvPr id="2" name="Slide Image Placeholder 1"/>
+          <p:cNvSpPr>
+            <a:spLocks noGrp="1" noRot="1" noChangeAspect="1"/>
+          </p:cNvSpPr>
+          <p:nvPr>
+            <p:ph type="sldImg"/>
+          </p:nvPr>
+        </p:nvSpPr>
+        <p:spPr/>
+      </p:sp>
+      <p:sp>
+        <p:nvSpPr>
+          <p:cNvPr id="3" name="Notes Placeholder 2"/>
+          <p:cNvSpPr>
+            <a:spLocks noGrp="1"/>
+          </p:cNvSpPr>
+          <p:nvPr>
+            <p:ph type="body" idx="1"/>
+          </p:nvPr>
+        </p:nvSpPr>
+        <p:spPr/>
+        <p:txBody>
+          <a:bodyPr/>
+          <a:lstStyle/>
+          <a:p>
+            <a:r>
+              <a:rPr lang="en-US" dirty="0" smtClean="0"/>
+              <a:t>1. Method5 isn't simply faster than </a:t>
+            </a:r>
+            <a:r>
+              <a:rPr lang="en-US" dirty="0" smtClean="0"/>
+              <a:t>your existing processes.</a:t>
             </a:r>
             <a:r>
               <a:rPr lang="en-US" baseline="0" dirty="0" smtClean="0"/>
               <a:t>  </a:t>
             </a:r>
             <a:r>
+              <a:rPr lang="en-US" baseline="0" dirty="0" smtClean="0"/>
+              <a:t>It's so much faster that it can change your attitude toward solving problems.</a:t>
+            </a:r>
+            <a:endParaRPr lang="en-US" dirty="0" smtClean="0"/>
+          </a:p>
+          <a:p>
+            <a:r>
+              <a:rPr lang="en-US" dirty="0" smtClean="0"/>
+              <a:t>1. For every problem, spend a minute thinking if there's a way to find it, fix it, or prevent it on other databases.</a:t>
+            </a:r>
+          </a:p>
+          <a:p>
+            <a:r>
+              <a:rPr lang="en-US" dirty="0" smtClean="0"/>
+              <a:t>2. There's no more excuse to not check every database - it only takes one line of code.</a:t>
+            </a:r>
+          </a:p>
+          <a:p>
+            <a:r>
+              <a:rPr lang="en-US" dirty="0" smtClean="0"/>
+              <a:t>3. Start being more proactive - no more Groundhog Day administration.</a:t>
+            </a:r>
+            <a:r>
+              <a:rPr lang="en-US" baseline="0" dirty="0" smtClean="0"/>
+              <a:t>  </a:t>
+            </a:r>
+            <a:r>
               <a:rPr lang="en-US" dirty="0" smtClean="0"/>
               <a:t>Even if the problem only takes you 5 minutes to fix each time, consider how much time everyone else spends on it before it even</a:t>
             </a:r>
@@ -1475,7 +1662,15 @@
           <a:p>
             <a:r>
               <a:rPr lang="en-US" dirty="0" smtClean="0"/>
-              <a:t>4. Treat all your databases like one database.</a:t>
+              <a:t>4. Treat all your databases like one </a:t>
+            </a:r>
+            <a:r>
+              <a:rPr lang="en-US" dirty="0" smtClean="0"/>
+              <a:t>logical database</a:t>
+            </a:r>
+            <a:r>
+              <a:rPr lang="en-US" dirty="0" smtClean="0"/>
+              <a:t>.</a:t>
             </a:r>
           </a:p>
           <a:p>
@@ -1651,44 +1846,7 @@
           <a:bodyPr/>
           <a:lstStyle/>
           <a:p>
-            <a:r>
-              <a:rPr lang="en-US" dirty="0" smtClean="0"/>
-              <a:t>1. DBAs spend too much time fixing the same problems again and again on different databases.  When you find a rare problem they won't spend the time</a:t>
-            </a:r>
-            <a:r>
-              <a:rPr lang="en-US" baseline="0" dirty="0" smtClean="0"/>
-              <a:t> to check other databases, it's not worth it.</a:t>
-            </a:r>
-            <a:endParaRPr lang="en-US" dirty="0" smtClean="0"/>
-          </a:p>
-          <a:p>
-            <a:r>
-              <a:rPr lang="en-US" dirty="0" smtClean="0"/>
-              <a:t>2. You can't perform simple tasks or answer simple questions across all your databases.</a:t>
-            </a:r>
-          </a:p>
-          <a:p>
-            <a:r>
-              <a:rPr lang="en-US" dirty="0" smtClean="0"/>
-              <a:t>3. You have tools to automate common, predefined tasks like cloning, installing, patching, and deployments.  But</a:t>
-            </a:r>
-            <a:r>
-              <a:rPr lang="en-US" baseline="0" dirty="0" smtClean="0"/>
-              <a:t> why not bring automation to tuning, troubleshooting, and other ad hoc tasks?</a:t>
-            </a:r>
-            <a:endParaRPr lang="en-US" dirty="0" smtClean="0"/>
-          </a:p>
-          <a:p>
-            <a:r>
-              <a:rPr lang="en-US" dirty="0" smtClean="0"/>
-              <a:t>4. Your environment has unique challenges.  How do you automate the "other" problems that take up so much time?</a:t>
-            </a:r>
-          </a:p>
-          <a:p>
-            <a:r>
-              <a:rPr lang="en-US" dirty="0" smtClean="0"/>
-              <a:t>5. SQL, PL/SQL, and the relational model help solve many of these problems, but they are stuck inside a single database.  Why can't you treat all of your databases as a single entity?</a:t>
-            </a:r>
+            <a:endParaRPr lang="en-US"/>
           </a:p>
         </p:txBody>
       </p:sp>
@@ -1709,7 +1867,7 @@
           <a:p>
             <a:fld id="{72AE7ADF-BF07-437B-AD5B-68C1A8D7189D}" type="slidenum">
               <a:rPr lang="en-US" smtClean="0"/>
-              <a:t>4</a:t>
+              <a:t>3</a:t>
             </a:fld>
             <a:endParaRPr lang="en-US"/>
           </a:p>
@@ -1718,7 +1876,7 @@
     </p:spTree>
     <p:extLst>
       <p:ext uri="{BB962C8B-B14F-4D97-AF65-F5344CB8AC3E}">
-        <p14:creationId xmlns:p14="http://schemas.microsoft.com/office/powerpoint/2010/main" val="750641178"/>
+        <p14:creationId xmlns:p14="http://schemas.microsoft.com/office/powerpoint/2010/main" val="1281599350"/>
       </p:ext>
     </p:extLst>
   </p:cSld>
@@ -1774,95 +1932,42 @@
           <a:p>
             <a:r>
               <a:rPr lang="en-US" dirty="0" smtClean="0"/>
-              <a:t>(Not all of these criticisms apply</a:t>
+              <a:t>1. DBAs spend too much time fixing the same problems again and again on different databases.  When you find a rare problem they won't spend the time</a:t>
             </a:r>
             <a:r>
               <a:rPr lang="en-US" baseline="0" dirty="0" smtClean="0"/>
-              <a:t> to all of the listed tools.)</a:t>
+              <a:t> to check other databases, it's not worth it.</a:t>
             </a:r>
             <a:endParaRPr lang="en-US" dirty="0" smtClean="0"/>
           </a:p>
           <a:p>
+            <a:r>
+              <a:rPr lang="en-US" dirty="0" smtClean="0"/>
+              <a:t>2. You can't perform simple tasks or answer simple questions across all your databases.</a:t>
+            </a:r>
+          </a:p>
+          <a:p>
+            <a:r>
+              <a:rPr lang="en-US" dirty="0" smtClean="0"/>
+              <a:t>3. You have tools to automate common, predefined tasks like cloning, installing, patching, and deployments.  But</a:t>
+            </a:r>
+            <a:r>
+              <a:rPr lang="en-US" baseline="0" dirty="0" smtClean="0"/>
+              <a:t> why not bring automation to tuning, troubleshooting, and other ad hoc tasks?</a:t>
+            </a:r>
             <a:endParaRPr lang="en-US" dirty="0" smtClean="0"/>
           </a:p>
           <a:p>
             <a:r>
               <a:rPr lang="en-US" dirty="0" smtClean="0"/>
-              <a:t>1. Existing tools and processes are not nearly good enough to transform the way you work. If you don't use these automation tools multiple times a day then they have failed to significantly help your organization.  Programs like </a:t>
-            </a:r>
-            <a:r>
-              <a:rPr lang="en-US" dirty="0" err="1" smtClean="0"/>
-              <a:t>Ansible</a:t>
-            </a:r>
-            <a:r>
-              <a:rPr lang="en-US" dirty="0" smtClean="0"/>
-              <a:t>, Salt, and Fabric can</a:t>
-            </a:r>
-            <a:r>
-              <a:rPr lang="en-US" baseline="0" dirty="0" smtClean="0"/>
-              <a:t> radically alter the way your system administrators work.  But they can't do the same for Oracle databases.</a:t>
-            </a:r>
-            <a:endParaRPr lang="en-US" dirty="0" smtClean="0"/>
-          </a:p>
-          <a:p>
-            <a:r>
-              <a:rPr lang="en-US" dirty="0" smtClean="0"/>
-              <a:t>2. None of the existing tools are fast, easy to use, and secure.</a:t>
-            </a:r>
-          </a:p>
-          <a:p>
-            <a:r>
-              <a:rPr lang="en-US" dirty="0" smtClean="0"/>
-              <a:t>3. We don't need more IDEs, plugins, websites, and agents. Good DBAs and developers will not give up their favorite IDE; you'll</a:t>
-            </a:r>
-            <a:r>
-              <a:rPr lang="en-US" baseline="0" dirty="0" smtClean="0"/>
-              <a:t> have to pry them from our </a:t>
-            </a:r>
-            <a:r>
-              <a:rPr lang="en-US" dirty="0" smtClean="0"/>
-              <a:t>cold, dead hands.</a:t>
-            </a:r>
-          </a:p>
-          <a:p>
-            <a:r>
-              <a:rPr lang="en-US" dirty="0" smtClean="0"/>
-              <a:t>4. Most of the "enterprise"</a:t>
-            </a:r>
-            <a:r>
-              <a:rPr lang="en-US" baseline="0" dirty="0" smtClean="0"/>
-              <a:t> automation programs are expensive and closed source.</a:t>
-            </a:r>
-          </a:p>
-          <a:p>
-            <a:r>
-              <a:rPr lang="en-US" dirty="0" smtClean="0"/>
-              <a:t>5. Some programs are only designed to run a small set of pre-defined</a:t>
-            </a:r>
-            <a:r>
-              <a:rPr lang="en-US" baseline="0" dirty="0" smtClean="0"/>
-              <a:t> scripts.</a:t>
-            </a:r>
-            <a:endParaRPr lang="en-US" dirty="0" smtClean="0"/>
-          </a:p>
-          <a:p>
-            <a:r>
-              <a:rPr lang="en-US" dirty="0" smtClean="0"/>
-              <a:t>5. Most importantly, none of</a:t>
-            </a:r>
-            <a:r>
-              <a:rPr lang="en-US" baseline="0" dirty="0" smtClean="0"/>
-              <a:t> the alternatives are </a:t>
-            </a:r>
-            <a:r>
-              <a:rPr lang="en-US" b="1" baseline="0" dirty="0" smtClean="0"/>
-              <a:t>relational</a:t>
-            </a:r>
-            <a:r>
-              <a:rPr lang="en-US" baseline="0" dirty="0" smtClean="0"/>
-              <a:t>.  There's nothing wrong with Java, SSH, shell scripts, text files, XML, JSON, etc.  But those are not the native language of databases.</a:t>
-            </a:r>
-            <a:endParaRPr lang="en-US" dirty="0"/>
+              <a:t>4. Your environment has unique challenges.  How do you automate the "other" problems that take up so much time?</a:t>
+            </a:r>
+          </a:p>
+          <a:p>
+            <a:r>
+              <a:rPr lang="en-US" dirty="0" smtClean="0"/>
+              <a:t>5. SQL, PL/SQL, and the relational model help solve many of these problems, but they are stuck inside a single database.  Why can't you treat all of your databases as a single entity?</a:t>
+            </a:r>
           </a:p>
         </p:txBody>
       </p:sp>
@@ -1883,7 +1988,7 @@
           <a:p>
             <a:fld id="{72AE7ADF-BF07-437B-AD5B-68C1A8D7189D}" type="slidenum">
               <a:rPr lang="en-US" smtClean="0"/>
-              <a:t>5</a:t>
+              <a:t>4</a:t>
             </a:fld>
             <a:endParaRPr lang="en-US"/>
           </a:p>
@@ -1892,7 +1997,7 @@
     </p:spTree>
     <p:extLst>
       <p:ext uri="{BB962C8B-B14F-4D97-AF65-F5344CB8AC3E}">
-        <p14:creationId xmlns:p14="http://schemas.microsoft.com/office/powerpoint/2010/main" val="2307987260"/>
+        <p14:creationId xmlns:p14="http://schemas.microsoft.com/office/powerpoint/2010/main" val="750641178"/>
       </p:ext>
     </p:extLst>
   </p:cSld>
@@ -1946,84 +2051,97 @@
           <a:bodyPr/>
           <a:lstStyle/>
           <a:p>
-            <a:pPr marL="0" marR="0" indent="0" algn="l" defTabSz="914400" rtl="0" eaLnBrk="1" fontAlgn="auto" latinLnBrk="0" hangingPunct="1">
-              <a:lnSpc>
-                <a:spcPct val="100000"/>
-              </a:lnSpc>
-              <a:spcBef>
-                <a:spcPts val="0"/>
-              </a:spcBef>
-              <a:spcAft>
-                <a:spcPts val="0"/>
-              </a:spcAft>
-              <a:buClrTx/>
-              <a:buSzTx/>
-              <a:buFontTx/>
-              <a:buNone/>
-              <a:tabLst/>
-              <a:defRPr/>
-            </a:pPr>
+            <a:r>
+              <a:rPr lang="en-US" dirty="0" smtClean="0"/>
+              <a:t>(Not all of these criticisms apply</a:t>
+            </a:r>
             <a:r>
               <a:rPr lang="en-US" baseline="0" dirty="0" smtClean="0"/>
-              <a:t>1.  We want to access anything in one statement. We want to pretend a thousand databases are just one.</a:t>
+              <a:t> to all of the listed tools.)</a:t>
             </a:r>
             <a:endParaRPr lang="en-US" dirty="0" smtClean="0"/>
           </a:p>
           <a:p>
-            <a:pPr marL="0" marR="0" indent="0" algn="l" defTabSz="914400" rtl="0" eaLnBrk="1" fontAlgn="auto" latinLnBrk="0" hangingPunct="1">
-              <a:lnSpc>
-                <a:spcPct val="100000"/>
-              </a:lnSpc>
-              <a:spcBef>
-                <a:spcPts val="0"/>
-              </a:spcBef>
-              <a:spcAft>
-                <a:spcPts val="0"/>
-              </a:spcAft>
-              <a:buClrTx/>
-              <a:buSzTx/>
-              <a:buFontTx/>
-              <a:buNone/>
-              <a:tabLst/>
-              <a:defRPr/>
-            </a:pPr>
-            <a:r>
-              <a:rPr lang="en-US" dirty="0" smtClean="0"/>
-              <a:t>2.  Dynamic SQL is sometimes classified as Method 1, 2, 3, or 4.  Method 1 is static, and Method 4 is so dynamic that even the select list is a variable.  You need a new type of dynamic SQL, a Method 5, where even the location is a variable.  This allows you to programmatically control both what to run and where to run it. It should run anywhere SQL can run and should not require anything other than an Oracle database.</a:t>
-            </a:r>
-          </a:p>
-          <a:p>
-            <a:pPr marL="0" marR="0" indent="0" algn="l" defTabSz="914400" rtl="0" eaLnBrk="1" fontAlgn="auto" latinLnBrk="0" hangingPunct="1">
-              <a:lnSpc>
-                <a:spcPct val="100000"/>
-              </a:lnSpc>
-              <a:spcBef>
-                <a:spcPts val="0"/>
-              </a:spcBef>
-              <a:spcAft>
-                <a:spcPts val="0"/>
-              </a:spcAft>
-              <a:buClrTx/>
-              <a:buSzTx/>
-              <a:buFontTx/>
-              <a:buNone/>
-              <a:tabLst/>
-              <a:defRPr/>
-            </a:pPr>
-            <a:r>
-              <a:rPr lang="en-US" dirty="0" smtClean="0"/>
-              <a:t>3. A new syntax would be nice - something like the 12c `CONTAINERS` clause on steroids.</a:t>
-            </a:r>
-          </a:p>
-          <a:p>
-            <a:r>
-              <a:rPr lang="en-US" dirty="0" smtClean="0"/>
-              <a:t>4. We</a:t>
+            <a:endParaRPr lang="en-US" dirty="0" smtClean="0"/>
+          </a:p>
+          <a:p>
+            <a:r>
+              <a:rPr lang="en-US" dirty="0" smtClean="0"/>
+              <a:t>1. Existing tools and processes are not nearly good enough to transform the way you work. If you don't use these automation tools multiple times a day then they have failed to significantly help your organization.  Programs like </a:t>
+            </a:r>
+            <a:r>
+              <a:rPr lang="en-US" dirty="0" err="1" smtClean="0"/>
+              <a:t>Ansible</a:t>
+            </a:r>
+            <a:r>
+              <a:rPr lang="en-US" dirty="0" smtClean="0"/>
+              <a:t>, Salt, and Fabric can</a:t>
             </a:r>
             <a:r>
               <a:rPr lang="en-US" baseline="0" dirty="0" smtClean="0"/>
-              <a:t> can't change SQL syntax but with Oracle Data Cartridge we can get very close.</a:t>
-            </a:r>
+              <a:t> radically alter the way your system administrators work.  But they can't do the same for Oracle databases.</a:t>
+            </a:r>
+            <a:endParaRPr lang="en-US" dirty="0" smtClean="0"/>
+          </a:p>
+          <a:p>
+            <a:r>
+              <a:rPr lang="en-US" dirty="0" smtClean="0"/>
+              <a:t>2. None of the existing tools are fast, easy to use, and secure.</a:t>
+            </a:r>
+          </a:p>
+          <a:p>
+            <a:r>
+              <a:rPr lang="en-US" dirty="0" smtClean="0"/>
+              <a:t>3. We don't need more IDEs, plugins, websites, and agents. Good DBAs and developers will not give up their favorite IDE; you'll</a:t>
+            </a:r>
+            <a:r>
+              <a:rPr lang="en-US" baseline="0" dirty="0" smtClean="0"/>
+              <a:t> have to pry them from our </a:t>
+            </a:r>
+            <a:r>
+              <a:rPr lang="en-US" dirty="0" smtClean="0"/>
+              <a:t>cold, dead hands.</a:t>
+            </a:r>
+          </a:p>
+          <a:p>
+            <a:r>
+              <a:rPr lang="en-US" dirty="0" smtClean="0"/>
+              <a:t>4. Most of the "enterprise"</a:t>
+            </a:r>
+            <a:r>
+              <a:rPr lang="en-US" baseline="0" dirty="0" smtClean="0"/>
+              <a:t> automation programs are expensive and closed source.</a:t>
+            </a:r>
+          </a:p>
+          <a:p>
+            <a:r>
+              <a:rPr lang="en-US" dirty="0" smtClean="0"/>
+              <a:t>5. Some programs are only designed to run a small set of pre-defined</a:t>
+            </a:r>
+            <a:r>
+              <a:rPr lang="en-US" baseline="0" dirty="0" smtClean="0"/>
+              <a:t> scripts.</a:t>
+            </a:r>
+            <a:endParaRPr lang="en-US" dirty="0" smtClean="0"/>
+          </a:p>
+          <a:p>
+            <a:r>
+              <a:rPr lang="en-US" dirty="0" smtClean="0"/>
+              <a:t>5. Most importantly, none of</a:t>
+            </a:r>
+            <a:r>
+              <a:rPr lang="en-US" baseline="0" dirty="0" smtClean="0"/>
+              <a:t> the alternatives are </a:t>
+            </a:r>
+            <a:r>
+              <a:rPr lang="en-US" b="1" baseline="0" dirty="0" smtClean="0"/>
+              <a:t>relational</a:t>
+            </a:r>
+            <a:r>
+              <a:rPr lang="en-US" baseline="0" dirty="0" smtClean="0"/>
+              <a:t>.  There's nothing wrong with Java, SSH, shell scripts, text files, XML, JSON, etc.  But those are not the native language of databases.</a:t>
+            </a:r>
+            <a:endParaRPr lang="en-US" dirty="0"/>
           </a:p>
         </p:txBody>
       </p:sp>
@@ -2044,7 +2162,7 @@
           <a:p>
             <a:fld id="{72AE7ADF-BF07-437B-AD5B-68C1A8D7189D}" type="slidenum">
               <a:rPr lang="en-US" smtClean="0"/>
-              <a:t>6</a:t>
+              <a:t>5</a:t>
             </a:fld>
             <a:endParaRPr lang="en-US"/>
           </a:p>
@@ -2053,7 +2171,7 @@
     </p:spTree>
     <p:extLst>
       <p:ext uri="{BB962C8B-B14F-4D97-AF65-F5344CB8AC3E}">
-        <p14:creationId xmlns:p14="http://schemas.microsoft.com/office/powerpoint/2010/main" val="2964524942"/>
+        <p14:creationId xmlns:p14="http://schemas.microsoft.com/office/powerpoint/2010/main" val="2307987260"/>
       </p:ext>
     </p:extLst>
   </p:cSld>
@@ -2107,64 +2225,84 @@
           <a:bodyPr/>
           <a:lstStyle/>
           <a:p>
-            <a:r>
-              <a:rPr lang="en-US" dirty="0" smtClean="0"/>
-              <a:t>1. You've probably seen this problem solved poorly many times before, you should be skeptical.  There are a lot of horrible ways to do this.</a:t>
-            </a:r>
-          </a:p>
-          <a:p>
-            <a:r>
-              <a:rPr lang="en-US" dirty="0" smtClean="0"/>
-              <a:t>2. Method5 has been used in production for </a:t>
-            </a:r>
-            <a:r>
-              <a:rPr lang="en-US" dirty="0" smtClean="0"/>
-              <a:t>3 </a:t>
-            </a:r>
-            <a:r>
-              <a:rPr lang="en-US" dirty="0" smtClean="0"/>
-              <a:t>years to help manage the largest healthcare data center in the world.</a:t>
-            </a:r>
-          </a:p>
-          <a:p>
-            <a:r>
-              <a:rPr lang="en-US" dirty="0" smtClean="0"/>
-              <a:t>3.</a:t>
-            </a:r>
+            <a:pPr marL="0" marR="0" indent="0" algn="l" defTabSz="914400" rtl="0" eaLnBrk="1" fontAlgn="auto" latinLnBrk="0" hangingPunct="1">
+              <a:lnSpc>
+                <a:spcPct val="100000"/>
+              </a:lnSpc>
+              <a:spcBef>
+                <a:spcPts val="0"/>
+              </a:spcBef>
+              <a:spcAft>
+                <a:spcPts val="0"/>
+              </a:spcAft>
+              <a:buClrTx/>
+              <a:buSzTx/>
+              <a:buFontTx/>
+              <a:buNone/>
+              <a:tabLst/>
+              <a:defRPr/>
+            </a:pPr>
             <a:r>
               <a:rPr lang="en-US" baseline="0" dirty="0" smtClean="0"/>
-              <a:t> </a:t>
-            </a:r>
-            <a:r>
-              <a:rPr lang="en-US" dirty="0" smtClean="0"/>
-              <a:t>We frequently run it against hundreds of databases with over a petabyte of SAN.</a:t>
-            </a:r>
-          </a:p>
-          <a:p>
-            <a:r>
-              <a:rPr lang="en-US" dirty="0" smtClean="0"/>
-              <a:t>4. It's ran over 8 million queries internally.  It contains 1800 automated tests.</a:t>
-            </a:r>
-          </a:p>
-          <a:p>
-            <a:r>
-              <a:rPr lang="en-US" dirty="0" smtClean="0"/>
-              <a:t>5. Security has always been a primary concern.  We've</a:t>
+              <a:t>1.  We want to access anything in one statement. We want to pretend a thousand databases are just one.</a:t>
+            </a:r>
+            <a:endParaRPr lang="en-US" dirty="0" smtClean="0"/>
+          </a:p>
+          <a:p>
+            <a:pPr marL="0" marR="0" indent="0" algn="l" defTabSz="914400" rtl="0" eaLnBrk="1" fontAlgn="auto" latinLnBrk="0" hangingPunct="1">
+              <a:lnSpc>
+                <a:spcPct val="100000"/>
+              </a:lnSpc>
+              <a:spcBef>
+                <a:spcPts val="0"/>
+              </a:spcBef>
+              <a:spcAft>
+                <a:spcPts val="0"/>
+              </a:spcAft>
+              <a:buClrTx/>
+              <a:buSzTx/>
+              <a:buFontTx/>
+              <a:buNone/>
+              <a:tabLst/>
+              <a:defRPr/>
+            </a:pPr>
+            <a:r>
+              <a:rPr lang="en-US" dirty="0" smtClean="0"/>
+              <a:t>2.  Dynamic SQL is sometimes classified as Method 1, 2, 3, or 4.  Method 1 is static, and Method 4 is so dynamic that even the select list is a variable.  You need a new type of dynamic SQL, a Method 5, where even the location is a variable.  This allows you to programmatically control both what to run and where to run it. It should run anywhere SQL can run and should not require anything other than an Oracle database.</a:t>
+            </a:r>
+          </a:p>
+          <a:p>
+            <a:pPr marL="0" marR="0" indent="0" algn="l" defTabSz="914400" rtl="0" eaLnBrk="1" fontAlgn="auto" latinLnBrk="0" hangingPunct="1">
+              <a:lnSpc>
+                <a:spcPct val="100000"/>
+              </a:lnSpc>
+              <a:spcBef>
+                <a:spcPts val="0"/>
+              </a:spcBef>
+              <a:spcAft>
+                <a:spcPts val="0"/>
+              </a:spcAft>
+              <a:buClrTx/>
+              <a:buSzTx/>
+              <a:buFontTx/>
+              <a:buNone/>
+              <a:tabLst/>
+              <a:defRPr/>
+            </a:pPr>
+            <a:r>
+              <a:rPr lang="en-US" dirty="0" smtClean="0"/>
+              <a:t>3. A new syntax would be nice - something like the 12c `CONTAINERS` clause on steroids.</a:t>
+            </a:r>
+          </a:p>
+          <a:p>
+            <a:r>
+              <a:rPr lang="en-US" dirty="0" smtClean="0"/>
+              <a:t>4. We</a:t>
             </a:r>
             <a:r>
               <a:rPr lang="en-US" baseline="0" dirty="0" smtClean="0"/>
-              <a:t> learned from the mistakes of other tools.  For example, there are no shared passwords or public database links.  </a:t>
-            </a:r>
-            <a:r>
-              <a:rPr lang="en-US" dirty="0" smtClean="0"/>
-              <a:t>All the code is online, you can look at it yourself.</a:t>
-            </a:r>
-          </a:p>
-          <a:p>
-            <a:endParaRPr lang="en-US" dirty="0" smtClean="0"/>
-          </a:p>
-          <a:p>
-            <a:endParaRPr lang="en-US" dirty="0"/>
+              <a:t> can't change SQL syntax but with Oracle Data Cartridge we can get very close.</a:t>
+            </a:r>
           </a:p>
         </p:txBody>
       </p:sp>
@@ -2185,7 +2323,7 @@
           <a:p>
             <a:fld id="{72AE7ADF-BF07-437B-AD5B-68C1A8D7189D}" type="slidenum">
               <a:rPr lang="en-US" smtClean="0"/>
-              <a:t>7</a:t>
+              <a:t>6</a:t>
             </a:fld>
             <a:endParaRPr lang="en-US"/>
           </a:p>
@@ -2194,7 +2332,7 @@
     </p:spTree>
     <p:extLst>
       <p:ext uri="{BB962C8B-B14F-4D97-AF65-F5344CB8AC3E}">
-        <p14:creationId xmlns:p14="http://schemas.microsoft.com/office/powerpoint/2010/main" val="3525267537"/>
+        <p14:creationId xmlns:p14="http://schemas.microsoft.com/office/powerpoint/2010/main" val="2964524942"/>
       </p:ext>
     </p:extLst>
   </p:cSld>
@@ -2249,51 +2387,62 @@
           <a:lstStyle/>
           <a:p>
             <a:r>
-              <a:rPr lang="en-US" b="0" dirty="0" smtClean="0"/>
-              <a:t>Method5</a:t>
-            </a:r>
-            <a:r>
-              <a:rPr lang="en-US" b="0" baseline="0" dirty="0" smtClean="0"/>
-              <a:t> can be run as either a function or a procedure.  Both of them let you specify </a:t>
-            </a:r>
-            <a:r>
-              <a:rPr lang="en-US" b="1" baseline="0" dirty="0" smtClean="0"/>
-              <a:t>what</a:t>
-            </a:r>
-            <a:r>
-              <a:rPr lang="en-US" b="0" baseline="0" dirty="0" smtClean="0"/>
-              <a:t> to run and </a:t>
-            </a:r>
-            <a:r>
-              <a:rPr lang="en-US" b="1" baseline="0" dirty="0" smtClean="0"/>
-              <a:t>where</a:t>
-            </a:r>
-            <a:r>
-              <a:rPr lang="en-US" b="0" baseline="0" dirty="0" smtClean="0"/>
-              <a:t> to run it.  The procedure also allows you to specify </a:t>
-            </a:r>
-            <a:r>
-              <a:rPr lang="en-US" b="1" baseline="0" dirty="0" smtClean="0"/>
-              <a:t>how</a:t>
-            </a:r>
-            <a:r>
-              <a:rPr lang="en-US" b="0" baseline="0" dirty="0" smtClean="0"/>
-              <a:t> to run it.</a:t>
-            </a:r>
-            <a:endParaRPr lang="en-US" b="0" dirty="0" smtClean="0"/>
-          </a:p>
-          <a:p>
-            <a:endParaRPr lang="en-US" b="1" dirty="0" smtClean="0"/>
-          </a:p>
-          <a:p>
-            <a:r>
-              <a:rPr lang="en-US" dirty="0" smtClean="0"/>
-              <a:t>Running as a function is simple and neat,</a:t>
+              <a:rPr lang="en-US" dirty="0" smtClean="0"/>
+              <a:t>1. You've probably seen this problem solved poorly many times before, you should be skeptical.  There are a lot of horrible ways to do this.</a:t>
+            </a:r>
+          </a:p>
+          <a:p>
+            <a:r>
+              <a:rPr lang="en-US" dirty="0" smtClean="0"/>
+              <a:t>2. Method5 has been used in production for 3 years to help manage the largest healthcare data center in the world.</a:t>
+            </a:r>
+          </a:p>
+          <a:p>
+            <a:r>
+              <a:rPr lang="en-US" dirty="0" smtClean="0"/>
+              <a:t>3.</a:t>
             </a:r>
             <a:r>
               <a:rPr lang="en-US" baseline="0" dirty="0" smtClean="0"/>
-              <a:t> but in practice advanced users will normally want to run things as a procedure.  Running as a procedure makes it asynchronous, which is good for large jobs you don't want to wait for.  It also makes it possible to schedule and chain tasks.</a:t>
-            </a:r>
+              <a:t> </a:t>
+            </a:r>
+            <a:r>
+              <a:rPr lang="en-US" dirty="0" smtClean="0"/>
+              <a:t>We frequently run it against hundreds of databases with over a petabyte of SAN.</a:t>
+            </a:r>
+          </a:p>
+          <a:p>
+            <a:r>
+              <a:rPr lang="en-US" dirty="0" smtClean="0"/>
+              <a:t>4. It's ran over </a:t>
+            </a:r>
+            <a:r>
+              <a:rPr lang="en-US" dirty="0" smtClean="0"/>
+              <a:t>10 </a:t>
+            </a:r>
+            <a:r>
+              <a:rPr lang="en-US" dirty="0" smtClean="0"/>
+              <a:t>million queries internally.  It contains 1800 automated tests.</a:t>
+            </a:r>
+          </a:p>
+          <a:p>
+            <a:r>
+              <a:rPr lang="en-US" dirty="0" smtClean="0"/>
+              <a:t>5. Security has always been a primary concern.  We've</a:t>
+            </a:r>
+            <a:r>
+              <a:rPr lang="en-US" baseline="0" dirty="0" smtClean="0"/>
+              <a:t> learned from the mistakes of other tools.  For example, there are no shared passwords or public database links.  </a:t>
+            </a:r>
+            <a:r>
+              <a:rPr lang="en-US" dirty="0" smtClean="0"/>
+              <a:t>All the code is online, you can look at it yourself.</a:t>
+            </a:r>
+          </a:p>
+          <a:p>
+            <a:endParaRPr lang="en-US" dirty="0" smtClean="0"/>
+          </a:p>
+          <a:p>
             <a:endParaRPr lang="en-US" dirty="0"/>
           </a:p>
         </p:txBody>
@@ -2315,7 +2464,7 @@
           <a:p>
             <a:fld id="{72AE7ADF-BF07-437B-AD5B-68C1A8D7189D}" type="slidenum">
               <a:rPr lang="en-US" smtClean="0"/>
-              <a:t>8</a:t>
+              <a:t>7</a:t>
             </a:fld>
             <a:endParaRPr lang="en-US"/>
           </a:p>
@@ -2324,7 +2473,7 @@
     </p:spTree>
     <p:extLst>
       <p:ext uri="{BB962C8B-B14F-4D97-AF65-F5344CB8AC3E}">
-        <p14:creationId xmlns:p14="http://schemas.microsoft.com/office/powerpoint/2010/main" val="3520608180"/>
+        <p14:creationId xmlns:p14="http://schemas.microsoft.com/office/powerpoint/2010/main" val="3525267537"/>
       </p:ext>
     </p:extLst>
   </p:cSld>
@@ -2380,80 +2529,83 @@
           <a:p>
             <a:r>
               <a:rPr lang="en-US" b="0" dirty="0" smtClean="0"/>
-              <a:t>Most</a:t>
+              <a:t>Method5</a:t>
             </a:r>
             <a:r>
               <a:rPr lang="en-US" b="0" baseline="0" dirty="0" smtClean="0"/>
-              <a:t> of the features of Method5 happen in the background and aren't obvious at first.</a:t>
-            </a:r>
-          </a:p>
-          <a:p>
-            <a:r>
-              <a:rPr lang="en-US" b="1" dirty="0" smtClean="0"/>
-              <a:t>1. Performance -</a:t>
-            </a:r>
-            <a:r>
-              <a:rPr lang="en-US" dirty="0" smtClean="0"/>
-              <a:t> Asynchronous processing and parallelism make Method5 more responsive and orders of magnitude faster than other tools.</a:t>
-            </a:r>
-          </a:p>
-          <a:p>
-            <a:r>
-              <a:rPr lang="en-US" b="1" dirty="0" smtClean="0"/>
-              <a:t>2. Simple interface -</a:t>
-            </a:r>
-            <a:r>
-              <a:rPr lang="en-US" dirty="0" smtClean="0"/>
-              <a:t> The PL/SQL API makes it easy to create and automate tasks. No need to learn a new GUI or IDE, Method5 seamlessly integrates with your existing tools.</a:t>
-            </a:r>
-          </a:p>
-          <a:p>
-            <a:r>
-              <a:rPr lang="en-US" b="1" dirty="0" smtClean="0"/>
-              <a:t>3.</a:t>
+              <a:t> can be run as either a function or a procedure.  Both of them let you specify </a:t>
             </a:r>
             <a:r>
               <a:rPr lang="en-US" b="1" baseline="0" dirty="0" smtClean="0"/>
+              <a:t>what</a:t>
+            </a:r>
+            <a:r>
+              <a:rPr lang="en-US" b="0" baseline="0" dirty="0" smtClean="0"/>
+              <a:t> to </a:t>
+            </a:r>
+            <a:r>
+              <a:rPr lang="en-US" b="0" baseline="0" dirty="0" smtClean="0"/>
+              <a:t>run, </a:t>
+            </a:r>
+            <a:r>
+              <a:rPr lang="en-US" b="1" baseline="0" dirty="0" smtClean="0"/>
+              <a:t>where</a:t>
+            </a:r>
+            <a:r>
+              <a:rPr lang="en-US" b="0" baseline="0" dirty="0" smtClean="0"/>
               <a:t> </a:t>
             </a:r>
             <a:r>
-              <a:rPr lang="en-US" b="1" dirty="0" smtClean="0"/>
-              <a:t>Relational storage -</a:t>
-            </a:r>
-            <a:r>
-              <a:rPr lang="en-US" dirty="0" smtClean="0"/>
-              <a:t> Everything about the database is stored in the database, making it easier to analyze, save, and share results.</a:t>
-            </a:r>
-          </a:p>
-          <a:p>
-            <a:r>
-              <a:rPr lang="en-US" b="1" dirty="0" smtClean="0"/>
-              <a:t>4. Easy administration -</a:t>
-            </a:r>
-            <a:r>
-              <a:rPr lang="en-US" dirty="0" smtClean="0"/>
-              <a:t> Method5 is agentless. Free and open source software only needs to be installed on one central management database. Users do not need to install custom software, manage connections, or modify configuration files. One administrator can configure Method5 and that configuration automatically applies to all users.</a:t>
-            </a:r>
-          </a:p>
-          <a:p>
-            <a:r>
-              <a:rPr lang="en-US" b="1" dirty="0" smtClean="0"/>
-              <a:t>5. Security -</a:t>
-            </a:r>
-            <a:r>
-              <a:rPr lang="en-US" dirty="0" smtClean="0"/>
-              <a:t> Method5 has been thoroughly hardened to avoid the typical security problems with multi-database tools. For example, there are no public database links or shared passwords. See the Security section in the user guide for details.</a:t>
-            </a:r>
-          </a:p>
-          <a:p>
-            <a:r>
-              <a:rPr lang="en-US" b="1" dirty="0" smtClean="0"/>
-              <a:t>6. Exception handling and metadata -</a:t>
-            </a:r>
-            <a:r>
-              <a:rPr lang="en-US" dirty="0" smtClean="0"/>
-              <a:t> Exceptions and metadata are stored in tables and do not stop other targets from processing. Hung jobs are automatically stopped based on a timeout parameter. Handling these rare problems lets you easily scale your queries to hundreds of databases.</a:t>
-            </a:r>
+              <a:rPr lang="en-US" b="0" baseline="0" dirty="0" smtClean="0"/>
+              <a:t>to run </a:t>
+            </a:r>
+            <a:r>
+              <a:rPr lang="en-US" b="0" baseline="0" dirty="0" smtClean="0"/>
+              <a:t>it, and </a:t>
+            </a:r>
+            <a:r>
+              <a:rPr lang="en-US" b="1" baseline="0" dirty="0" smtClean="0"/>
+              <a:t>how</a:t>
+            </a:r>
+            <a:r>
+              <a:rPr lang="en-US" b="0" baseline="0" dirty="0" smtClean="0"/>
+              <a:t> to run</a:t>
+            </a:r>
+            <a:r>
+              <a:rPr lang="en-US" b="0" dirty="0" smtClean="0"/>
+              <a:t> it.</a:t>
+            </a:r>
+            <a:r>
+              <a:rPr lang="en-US" b="0" baseline="0" dirty="0" smtClean="0"/>
+              <a:t>  </a:t>
+            </a:r>
+            <a:r>
+              <a:rPr lang="en-US" b="0" baseline="0" dirty="0" smtClean="0"/>
+              <a:t>The </a:t>
+            </a:r>
+            <a:r>
+              <a:rPr lang="en-US" b="0" baseline="0" dirty="0" smtClean="0"/>
+              <a:t>function returns results immediately to the screen.  The procedure </a:t>
+            </a:r>
+            <a:r>
+              <a:rPr lang="en-US" dirty="0" smtClean="0"/>
+              <a:t>only saves the results in background tables, and it gives you more control over how the commands are run.</a:t>
+            </a:r>
+            <a:endParaRPr lang="en-US" b="0" dirty="0" smtClean="0"/>
+          </a:p>
+          <a:p>
+            <a:endParaRPr lang="en-US" b="1" dirty="0" smtClean="0"/>
+          </a:p>
+          <a:p>
+            <a:r>
+              <a:rPr lang="en-US" dirty="0" smtClean="0"/>
+              <a:t>Running as a function is simple and neat,</a:t>
+            </a:r>
+            <a:r>
+              <a:rPr lang="en-US" baseline="0" dirty="0" smtClean="0"/>
+              <a:t> but in practice advanced users will normally want to run things as a procedure.  Running as a procedure makes it asynchronous, which is good for large jobs you don't want to wait for.  It also makes it possible to schedule and chain tasks.</a:t>
+            </a:r>
+            <a:endParaRPr lang="en-US" dirty="0"/>
           </a:p>
         </p:txBody>
       </p:sp>
@@ -2474,7 +2626,7 @@
           <a:p>
             <a:fld id="{72AE7ADF-BF07-437B-AD5B-68C1A8D7189D}" type="slidenum">
               <a:rPr lang="en-US" smtClean="0"/>
-              <a:t>9</a:t>
+              <a:t>8</a:t>
             </a:fld>
             <a:endParaRPr lang="en-US"/>
           </a:p>
@@ -2483,7 +2635,7 @@
     </p:spTree>
     <p:extLst>
       <p:ext uri="{BB962C8B-B14F-4D97-AF65-F5344CB8AC3E}">
-        <p14:creationId xmlns:p14="http://schemas.microsoft.com/office/powerpoint/2010/main" val="1909579223"/>
+        <p14:creationId xmlns:p14="http://schemas.microsoft.com/office/powerpoint/2010/main" val="3520608180"/>
       </p:ext>
     </p:extLst>
   </p:cSld>
@@ -2538,78 +2690,81 @@
           <a:lstStyle/>
           <a:p>
             <a:r>
+              <a:rPr lang="en-US" b="0" dirty="0" smtClean="0"/>
+              <a:t>Most</a:t>
+            </a:r>
+            <a:r>
+              <a:rPr lang="en-US" b="0" baseline="0" dirty="0" smtClean="0"/>
+              <a:t> of the features of Method5 happen in the background and aren't obvious at first.</a:t>
+            </a:r>
+          </a:p>
+          <a:p>
+            <a:r>
               <a:rPr lang="en-US" b="1" dirty="0" smtClean="0"/>
-              <a:t>1. P_CODE (required) -</a:t>
-            </a:r>
-            <a:r>
-              <a:rPr lang="en-US" dirty="0" smtClean="0"/>
-              <a:t> Any SQL or PL/SQL statement.  The</a:t>
-            </a:r>
-            <a:r>
-              <a:rPr lang="en-US" baseline="0" dirty="0" smtClean="0"/>
-              <a:t> results can be either the query results, a SQL*Plus feedback message for DDL and DML, or DBMS_OUTPUT for PL/SQL statements.</a:t>
-            </a:r>
-            <a:endParaRPr lang="en-US" dirty="0" smtClean="0"/>
+              <a:t>1. Performance -</a:t>
+            </a:r>
+            <a:r>
+              <a:rPr lang="en-US" dirty="0" smtClean="0"/>
+              <a:t> Asynchronous processing and parallelism make Method5 more responsive and orders of magnitude faster than other tools.</a:t>
+            </a:r>
           </a:p>
           <a:p>
             <a:r>
               <a:rPr lang="en-US" b="1" dirty="0" smtClean="0"/>
-              <a:t>2. P_TARGETS (optional, defaults to all databases) -</a:t>
-            </a:r>
-            <a:r>
-              <a:rPr lang="en-US" dirty="0" smtClean="0"/>
-              <a:t> Can be either a comma-separated list (of database names, hosts, lifecycles, lines of business, or cluster names) or a query that returns target names.  The</a:t>
-            </a:r>
-            <a:r>
-              <a:rPr lang="en-US" baseline="0" dirty="0" smtClean="0"/>
-              <a:t> names can also include wild-cards.  You can configure Target Groups for commonly-used queries.</a:t>
-            </a:r>
-            <a:endParaRPr lang="en-US" dirty="0" smtClean="0"/>
+              <a:t>2. Simple interface -</a:t>
+            </a:r>
+            <a:r>
+              <a:rPr lang="en-US" dirty="0" smtClean="0"/>
+              <a:t> The PL/SQL API makes it easy to create and automate tasks. No need to learn a new GUI or IDE, Method5 seamlessly integrates with your existing tools.</a:t>
+            </a:r>
           </a:p>
           <a:p>
             <a:r>
               <a:rPr lang="en-US" b="1" dirty="0" smtClean="0"/>
-              <a:t>3. P_TABLE_NAME (optional, defaults to auto-generated name) -</a:t>
-            </a:r>
-            <a:r>
-              <a:rPr lang="en-US" dirty="0" smtClean="0"/>
-              <a:t> The base name for the results, _META, and _ERR tables.</a:t>
-            </a:r>
-          </a:p>
-          <a:p>
+              <a:t>3.</a:t>
+            </a:r>
+            <a:r>
+              <a:rPr lang="en-US" b="1" baseline="0" dirty="0" smtClean="0"/>
+              <a:t> </a:t>
+            </a:r>
             <a:r>
               <a:rPr lang="en-US" b="1" dirty="0" smtClean="0"/>
-              <a:t>4. P_TABLE_EXISTS_ACTION (optional, defaults to ERROR) -</a:t>
-            </a:r>
-            <a:r>
-              <a:rPr lang="en-US" dirty="0" smtClean="0"/>
-              <a:t> One of ERROR, APPEND, DELETE, or DROP.</a:t>
+              <a:t>Relational storage -</a:t>
+            </a:r>
+            <a:r>
+              <a:rPr lang="en-US" dirty="0" smtClean="0"/>
+              <a:t> Everything about the database is stored in the database, making it easier to analyze, save, and share results.</a:t>
             </a:r>
           </a:p>
           <a:p>
             <a:r>
               <a:rPr lang="en-US" b="1" dirty="0" smtClean="0"/>
-              <a:t>5. P_ASYNCHRONOUS (optional, defaults to TRUE) -</a:t>
-            </a:r>
-            <a:r>
-              <a:rPr lang="en-US" dirty="0" smtClean="0"/>
-              <a:t> Return right away or wait for all results.</a:t>
+              <a:t>4. Easy administration -</a:t>
+            </a:r>
+            <a:r>
+              <a:rPr lang="en-US" dirty="0" smtClean="0"/>
+              <a:t> Method5 is agentless. Free and open source software only needs to be installed on one central management database. Users do not need to install custom software, manage connections, or modify configuration files. One administrator can configure Method5 and that configuration automatically applies to all users.</a:t>
             </a:r>
           </a:p>
           <a:p>
             <a:r>
               <a:rPr lang="en-US" b="1" dirty="0" smtClean="0"/>
-              <a:t>6. P_RUN_AS_SYS (optional, defaults to FALSE) -</a:t>
-            </a:r>
-            <a:r>
-              <a:rPr lang="en-US" dirty="0" smtClean="0"/>
-              <a:t> Run the command as the SYS user.  Command</a:t>
-            </a:r>
-            <a:r>
-              <a:rPr lang="en-US" baseline="0" dirty="0" smtClean="0"/>
-              <a:t>s should only run as SYS when necessary, which is probably less than 1% of the time.  This feature has extra protections that prevent other users from calling it.  Only the Method5 user from the master database can use this feature.  See the security section of the user guide for more details.  If you're still worried about it, this feature can be disabled for everyone or for specific users.</a:t>
-            </a:r>
-            <a:endParaRPr lang="en-US" dirty="0" smtClean="0"/>
+              <a:t>5. Security -</a:t>
+            </a:r>
+            <a:r>
+              <a:rPr lang="en-US" dirty="0" smtClean="0"/>
+              <a:t> Method5 has been thoroughly hardened to avoid the typical security problems with multi-database tools. For example, there are no public database links or shared passwords. See the Security section in the user guide for details.</a:t>
+            </a:r>
+          </a:p>
+          <a:p>
+            <a:r>
+              <a:rPr lang="en-US" b="1" dirty="0" smtClean="0"/>
+              <a:t>6. Exception handling and metadata -</a:t>
+            </a:r>
+            <a:r>
+              <a:rPr lang="en-US" dirty="0" smtClean="0"/>
+              <a:t> Exceptions and metadata are stored in tables and do not stop other targets from processing. Hung jobs are automatically stopped based on a timeout parameter. Handling these rare problems lets you easily scale your queries to hundreds of databases.</a:t>
+            </a:r>
           </a:p>
         </p:txBody>
       </p:sp>
@@ -2630,7 +2785,7 @@
           <a:p>
             <a:fld id="{72AE7ADF-BF07-437B-AD5B-68C1A8D7189D}" type="slidenum">
               <a:rPr lang="en-US" smtClean="0"/>
-              <a:t>10</a:t>
+              <a:t>9</a:t>
             </a:fld>
             <a:endParaRPr lang="en-US"/>
           </a:p>
@@ -2639,7 +2794,7 @@
     </p:spTree>
     <p:extLst>
       <p:ext uri="{BB962C8B-B14F-4D97-AF65-F5344CB8AC3E}">
-        <p14:creationId xmlns:p14="http://schemas.microsoft.com/office/powerpoint/2010/main" val="316232668"/>
+        <p14:creationId xmlns:p14="http://schemas.microsoft.com/office/powerpoint/2010/main" val="1909579223"/>
       </p:ext>
     </p:extLst>
   </p:cSld>
@@ -2830,7 +2985,7 @@
           <a:p>
             <a:fld id="{72057647-82FE-4F7C-83B4-53587791251A}" type="datetime1">
               <a:rPr lang="en-US" smtClean="0"/>
-              <a:t>9/11/2017</a:t>
+              <a:t>10/24/2017</a:t>
             </a:fld>
             <a:endParaRPr lang="en-US"/>
           </a:p>
@@ -3000,7 +3155,7 @@
           <a:p>
             <a:fld id="{8503FF21-708F-4C59-9505-D05A3791AC31}" type="datetime1">
               <a:rPr lang="en-US" smtClean="0"/>
-              <a:t>9/11/2017</a:t>
+              <a:t>10/24/2017</a:t>
             </a:fld>
             <a:endParaRPr lang="en-US"/>
           </a:p>
@@ -3180,7 +3335,7 @@
           <a:p>
             <a:fld id="{6EFC7DE3-7050-4999-ABCB-76E0E214913C}" type="datetime1">
               <a:rPr lang="en-US" smtClean="0"/>
-              <a:t>9/11/2017</a:t>
+              <a:t>10/24/2017</a:t>
             </a:fld>
             <a:endParaRPr lang="en-US"/>
           </a:p>
@@ -3350,7 +3505,7 @@
           <a:p>
             <a:fld id="{12698F6C-3B60-45A8-AA68-1C639B61BEFF}" type="datetime1">
               <a:rPr lang="en-US" smtClean="0"/>
-              <a:t>9/11/2017</a:t>
+              <a:t>10/24/2017</a:t>
             </a:fld>
             <a:endParaRPr lang="en-US" dirty="0"/>
           </a:p>
@@ -3626,7 +3781,7 @@
           <a:p>
             <a:fld id="{E05176C0-14DF-4768-8A16-43F22EF34937}" type="datetime1">
               <a:rPr lang="en-US" smtClean="0"/>
-              <a:t>9/11/2017</a:t>
+              <a:t>10/24/2017</a:t>
             </a:fld>
             <a:endParaRPr lang="en-US"/>
           </a:p>
@@ -3914,7 +4069,7 @@
           <a:p>
             <a:fld id="{EC27D113-D56C-4484-8E60-26B1BDDD2B7D}" type="datetime1">
               <a:rPr lang="en-US" smtClean="0"/>
-              <a:t>9/11/2017</a:t>
+              <a:t>10/24/2017</a:t>
             </a:fld>
             <a:endParaRPr lang="en-US"/>
           </a:p>
@@ -4336,7 +4491,7 @@
           <a:p>
             <a:fld id="{2346BE7D-CDCE-4B6B-92C3-A6060BB37F63}" type="datetime1">
               <a:rPr lang="en-US" smtClean="0"/>
-              <a:t>9/11/2017</a:t>
+              <a:t>10/24/2017</a:t>
             </a:fld>
             <a:endParaRPr lang="en-US"/>
           </a:p>
@@ -4454,7 +4609,7 @@
           <a:p>
             <a:fld id="{016112C5-3C0F-4913-A601-B7FE4F9C1F3A}" type="datetime1">
               <a:rPr lang="en-US" smtClean="0"/>
-              <a:t>9/11/2017</a:t>
+              <a:t>10/24/2017</a:t>
             </a:fld>
             <a:endParaRPr lang="en-US"/>
           </a:p>
@@ -4549,7 +4704,7 @@
           <a:p>
             <a:fld id="{8A5D4DBD-AFC0-4CD6-8B21-21C10C0D7EF6}" type="datetime1">
               <a:rPr lang="en-US" smtClean="0"/>
-              <a:t>9/11/2017</a:t>
+              <a:t>10/24/2017</a:t>
             </a:fld>
             <a:endParaRPr lang="en-US"/>
           </a:p>
@@ -4826,7 +4981,7 @@
           <a:p>
             <a:fld id="{3514C57E-D885-4B44-9FAF-8838A1BDE694}" type="datetime1">
               <a:rPr lang="en-US" smtClean="0"/>
-              <a:t>9/11/2017</a:t>
+              <a:t>10/24/2017</a:t>
             </a:fld>
             <a:endParaRPr lang="en-US"/>
           </a:p>
@@ -5079,7 +5234,7 @@
           <a:p>
             <a:fld id="{7BEDB21A-AE09-4B41-95A5-CA952A205099}" type="datetime1">
               <a:rPr lang="en-US" smtClean="0"/>
-              <a:t>9/11/2017</a:t>
+              <a:t>10/24/2017</a:t>
             </a:fld>
             <a:endParaRPr lang="en-US"/>
           </a:p>
@@ -5292,7 +5447,7 @@
           <a:p>
             <a:fld id="{2089B313-BB57-4BA5-B615-3D449DFED662}" type="datetime1">
               <a:rPr lang="en-US" smtClean="0"/>
-              <a:t>9/11/2017</a:t>
+              <a:t>10/24/2017</a:t>
             </a:fld>
             <a:endParaRPr lang="en-US" dirty="0"/>
           </a:p>
@@ -5397,6 +5552,13 @@
     <p:sldLayoutId id="2147483658" r:id="rId10"/>
     <p:sldLayoutId id="2147483659" r:id="rId11"/>
   </p:sldLayoutIdLst>
+  <p:timing>
+    <p:tnLst>
+      <p:par>
+        <p:cTn id="1" dur="indefinite" restart="never" nodeType="tmRoot"/>
+      </p:par>
+    </p:tnLst>
+  </p:timing>
   <p:hf hdr="0" ftr="0"/>
   <p:txStyles>
     <p:titleStyle>
@@ -5723,7 +5885,7 @@
           <a:p>
             <a:fld id="{2E45DCD3-F6D5-47D1-A091-AE329ABC5543}" type="datetime1">
               <a:rPr lang="en-US" smtClean="0"/>
-              <a:t>9/11/2017</a:t>
+              <a:t>10/24/2017</a:t>
             </a:fld>
             <a:endParaRPr lang="en-US" dirty="0"/>
           </a:p>
@@ -6007,7 +6169,7 @@
           <a:p>
             <a:fld id="{73B3F948-1743-4F2D-B9D2-20F26DEE2D32}" type="datetime1">
               <a:rPr lang="en-US" smtClean="0"/>
-              <a:t>9/11/2017</a:t>
+              <a:t>10/24/2017</a:t>
             </a:fld>
             <a:endParaRPr lang="en-US"/>
           </a:p>
@@ -6089,7 +6251,7 @@
           <a:lstStyle/>
           <a:p>
             <a:r>
-              <a:rPr lang="en-US" dirty="0" smtClean="0"/>
+              <a:rPr lang="en-US" smtClean="0"/>
               <a:t>Other Features</a:t>
             </a:r>
             <a:endParaRPr lang="en-US" dirty="0"/>
@@ -6109,7 +6271,7 @@
         <p:spPr/>
         <p:txBody>
           <a:bodyPr>
-            <a:normAutofit fontScale="92500" lnSpcReduction="10000"/>
+            <a:normAutofit/>
           </a:bodyPr>
           <a:lstStyle/>
           <a:p>
@@ -6118,11 +6280,11 @@
               <a:buAutoNum type="arabicPeriod"/>
             </a:pPr>
             <a:r>
-              <a:rPr lang="en-US" dirty="0" smtClean="0"/>
+              <a:rPr lang="en-US" smtClean="0"/>
               <a:t>Tables</a:t>
             </a:r>
             <a:r>
-              <a:rPr lang="en-US" dirty="0" smtClean="0">
+              <a:rPr lang="en-US" smtClean="0">
                 <a:solidFill>
                   <a:schemeClr val="bg1">
                     <a:lumMod val="50000"/>
@@ -6138,11 +6300,11 @@
               <a:buAutoNum type="arabicPeriod"/>
             </a:pPr>
             <a:r>
-              <a:rPr lang="en-US" dirty="0" smtClean="0"/>
+              <a:rPr lang="en-US" smtClean="0"/>
               <a:t>Views</a:t>
             </a:r>
             <a:r>
-              <a:rPr lang="en-US" dirty="0" smtClean="0">
+              <a:rPr lang="en-US" smtClean="0">
                 <a:solidFill>
                   <a:schemeClr val="bg1">
                     <a:lumMod val="50000"/>
@@ -6158,11 +6320,11 @@
               <a:buAutoNum type="arabicPeriod"/>
             </a:pPr>
             <a:r>
-              <a:rPr lang="en-US" dirty="0" smtClean="0"/>
+              <a:rPr lang="en-US" smtClean="0"/>
               <a:t>M5_ links</a:t>
             </a:r>
             <a:r>
-              <a:rPr lang="en-US" dirty="0" smtClean="0">
+              <a:rPr lang="en-US" smtClean="0">
                 <a:solidFill>
                   <a:schemeClr val="bg1">
                     <a:lumMod val="50000"/>
@@ -6178,11 +6340,11 @@
               <a:buAutoNum type="arabicPeriod"/>
             </a:pPr>
             <a:r>
-              <a:rPr lang="en-US" dirty="0" smtClean="0"/>
+              <a:rPr lang="en-US" smtClean="0"/>
               <a:t>Global Data Dictionary</a:t>
             </a:r>
             <a:r>
-              <a:rPr lang="en-US" dirty="0" smtClean="0">
+              <a:rPr lang="en-US" smtClean="0">
                 <a:solidFill>
                   <a:schemeClr val="bg1">
                     <a:lumMod val="50000"/>
@@ -6198,11 +6360,11 @@
               <a:buAutoNum type="arabicPeriod"/>
             </a:pPr>
             <a:r>
-              <a:rPr lang="en-US" dirty="0" smtClean="0"/>
+              <a:rPr lang="en-US" smtClean="0"/>
               <a:t>Admin Email</a:t>
             </a:r>
             <a:r>
-              <a:rPr lang="en-US" dirty="0" smtClean="0">
+              <a:rPr lang="en-US" smtClean="0">
                 <a:solidFill>
                   <a:schemeClr val="bg1">
                     <a:lumMod val="50000"/>
@@ -6218,11 +6380,11 @@
               <a:buAutoNum type="arabicPeriod"/>
             </a:pPr>
             <a:r>
-              <a:rPr lang="en-US" dirty="0" smtClean="0"/>
+              <a:rPr lang="en-US" smtClean="0"/>
               <a:t>Version Star -</a:t>
             </a:r>
             <a:r>
-              <a:rPr lang="en-US" dirty="0" smtClean="0">
+              <a:rPr lang="en-US" smtClean="0">
                 <a:solidFill>
                   <a:schemeClr val="bg1">
                     <a:lumMod val="50000"/>
@@ -6231,26 +6393,13 @@
               </a:rPr>
               <a:t> Use "**" for version differences</a:t>
             </a:r>
-          </a:p>
-          <a:p>
-            <a:pPr marL="514350" indent="-514350">
-              <a:buFont typeface="+mj-lt"/>
-              <a:buAutoNum type="arabicPeriod"/>
-            </a:pPr>
-            <a:r>
-              <a:rPr lang="en-US" dirty="0" smtClean="0"/>
-              <a:t>Limits </a:t>
-            </a:r>
-            <a:r>
-              <a:rPr lang="en-US" dirty="0" smtClean="0">
-                <a:solidFill>
-                  <a:schemeClr val="bg1">
-                    <a:lumMod val="50000"/>
-                  </a:schemeClr>
-                </a:solidFill>
-              </a:rPr>
-              <a:t>- SQL and PL/SQL only, as DBA</a:t>
-            </a:r>
+            <a:endParaRPr lang="en-US" dirty="0" smtClean="0">
+              <a:solidFill>
+                <a:schemeClr val="bg1">
+                  <a:lumMod val="50000"/>
+                </a:schemeClr>
+              </a:solidFill>
+            </a:endParaRPr>
           </a:p>
         </p:txBody>
       </p:sp>
@@ -6271,7 +6420,7 @@
           <a:p>
             <a:fld id="{8C6FBF27-FCE1-40A4-AD2E-EA28EB5C01F0}" type="datetime1">
               <a:rPr lang="en-US" smtClean="0"/>
-              <a:t>9/11/2017</a:t>
+              <a:t>10/24/2017</a:t>
             </a:fld>
             <a:endParaRPr lang="en-US"/>
           </a:p>
@@ -6478,7 +6627,7 @@
           <a:p>
             <a:fld id="{FC4CB26D-ED02-41C0-8C14-C61605713420}" type="datetime1">
               <a:rPr lang="en-US" smtClean="0"/>
-              <a:t>9/11/2017</a:t>
+              <a:t>10/24/2017</a:t>
             </a:fld>
             <a:endParaRPr lang="en-US"/>
           </a:p>
@@ -6813,7 +6962,7 @@
           <a:p>
             <a:fld id="{8A97B252-A157-47EE-8D8D-B5B4DAA37260}" type="datetime1">
               <a:rPr lang="en-US" smtClean="0"/>
-              <a:t>9/11/2017</a:t>
+              <a:t>10/24/2017</a:t>
             </a:fld>
             <a:endParaRPr lang="en-US"/>
           </a:p>
@@ -6896,7 +7045,7 @@
           <a:p>
             <a:r>
               <a:rPr lang="en-US" dirty="0" smtClean="0"/>
-              <a:t>Examples - Live Demonstration</a:t>
+              <a:t>Examples</a:t>
             </a:r>
             <a:endParaRPr lang="en-US" dirty="0"/>
           </a:p>
@@ -6919,9 +7068,8 @@
           </a:bodyPr>
           <a:lstStyle/>
           <a:p>
-            <a:pPr marL="514350" indent="-514350">
-              <a:buFont typeface="+mj-lt"/>
-              <a:buAutoNum type="arabicPeriod"/>
+            <a:pPr marL="0" indent="0">
+              <a:buNone/>
             </a:pPr>
             <a:r>
               <a:rPr lang="en-US" sz="2800" dirty="0" smtClean="0"/>
@@ -6966,7 +7114,7 @@
           <a:p>
             <a:fld id="{14CB67C7-3BA7-4C89-AD88-5C3EB0A22414}" type="datetime1">
               <a:rPr lang="en-US" smtClean="0"/>
-              <a:t>9/11/2017</a:t>
+              <a:t>10/24/2017</a:t>
             </a:fld>
             <a:endParaRPr lang="en-US" dirty="0"/>
           </a:p>
@@ -7244,7 +7392,13 @@
               <a:rPr lang="en-US" dirty="0" smtClean="0">
                 <a:hlinkClick r:id="rId3"/>
               </a:rPr>
-              <a:t>http://method5.github.io</a:t>
+              <a:t>https://</a:t>
+            </a:r>
+            <a:r>
+              <a:rPr lang="en-US" dirty="0" smtClean="0">
+                <a:hlinkClick r:id="rId3"/>
+              </a:rPr>
+              <a:t>method5.github.io</a:t>
             </a:r>
             <a:endParaRPr lang="en-US" dirty="0" smtClean="0"/>
           </a:p>
@@ -7341,7 +7495,7 @@
           <a:p>
             <a:fld id="{E18E99D8-5B8F-468C-BBE7-526BD68FE572}" type="datetime1">
               <a:rPr lang="en-US" smtClean="0"/>
-              <a:t>9/11/2017</a:t>
+              <a:t>10/24/2017</a:t>
             </a:fld>
             <a:endParaRPr lang="en-US"/>
           </a:p>
@@ -7532,7 +7686,7 @@
           <a:p>
             <a:fld id="{4E667C21-B277-46CB-80E7-1C015420E7D1}" type="datetime1">
               <a:rPr lang="en-US" smtClean="0"/>
-              <a:t>9/11/2017</a:t>
+              <a:t>10/24/2017</a:t>
             </a:fld>
             <a:endParaRPr lang="en-US" dirty="0"/>
           </a:p>
@@ -7634,7 +7788,7 @@
         <p:spPr/>
         <p:txBody>
           <a:bodyPr>
-            <a:normAutofit fontScale="92500" lnSpcReduction="10000"/>
+            <a:normAutofit fontScale="92500" lnSpcReduction="20000"/>
           </a:bodyPr>
           <a:lstStyle/>
           <a:p>
@@ -7644,7 +7798,11 @@
             </a:pPr>
             <a:r>
               <a:rPr lang="en-US" dirty="0" smtClean="0"/>
-              <a:t>Parallel remote execution SQL extension</a:t>
+              <a:t>Parallel remote execution SQL </a:t>
+            </a:r>
+            <a:r>
+              <a:rPr lang="en-US" dirty="0" smtClean="0"/>
+              <a:t>extension</a:t>
             </a:r>
           </a:p>
           <a:p>
@@ -7654,6 +7812,17 @@
             </a:pPr>
             <a:r>
               <a:rPr lang="en-US" dirty="0" smtClean="0"/>
+              <a:t>Easily run SQL, PL/SQL, and shell scripts</a:t>
+            </a:r>
+            <a:endParaRPr lang="en-US" dirty="0" smtClean="0"/>
+          </a:p>
+          <a:p>
+            <a:pPr marL="514350" indent="-514350">
+              <a:buFont typeface="+mj-lt"/>
+              <a:buAutoNum type="arabicPeriod"/>
+            </a:pPr>
+            <a:r>
+              <a:rPr lang="en-US" dirty="0" smtClean="0"/>
               <a:t>Can </a:t>
             </a:r>
             <a:r>
@@ -7664,7 +7833,7 @@
               <a:rPr lang="en-US" dirty="0"/>
             </a:br>
             <a:r>
-              <a:rPr lang="en-US" sz="2600" b="1" dirty="0" smtClean="0">
+              <a:rPr lang="en-US" sz="2800" b="1" dirty="0" smtClean="0">
                 <a:solidFill>
                   <a:srgbClr val="008080"/>
                 </a:solidFill>
@@ -7676,7 +7845,7 @@
               <a:t>select</a:t>
             </a:r>
             <a:r>
-              <a:rPr lang="en-US" sz="2600" b="1" dirty="0" smtClean="0">
+              <a:rPr lang="en-US" sz="2800" b="1" dirty="0" smtClean="0">
                 <a:solidFill>
                   <a:srgbClr val="000080"/>
                 </a:solidFill>
@@ -7688,7 +7857,7 @@
               <a:t> *</a:t>
             </a:r>
             <a:br>
-              <a:rPr lang="en-US" sz="2600" b="1" dirty="0" smtClean="0">
+              <a:rPr lang="en-US" sz="2800" b="1" dirty="0" smtClean="0">
                 <a:solidFill>
                   <a:srgbClr val="000080"/>
                 </a:solidFill>
@@ -7699,7 +7868,7 @@
               </a:rPr>
             </a:br>
             <a:r>
-              <a:rPr lang="en-US" sz="2600" b="1" dirty="0" smtClean="0">
+              <a:rPr lang="en-US" sz="2800" b="1" dirty="0" smtClean="0">
                 <a:solidFill>
                   <a:srgbClr val="008080"/>
                 </a:solidFill>
@@ -7711,7 +7880,7 @@
               <a:t>from</a:t>
             </a:r>
             <a:r>
-              <a:rPr lang="en-US" sz="2600" b="1" dirty="0" smtClean="0">
+              <a:rPr lang="en-US" sz="2800" b="1" dirty="0" smtClean="0">
                 <a:solidFill>
                   <a:srgbClr val="000080"/>
                 </a:solidFill>
@@ -7723,7 +7892,7 @@
               <a:t> </a:t>
             </a:r>
             <a:r>
-              <a:rPr lang="en-US" sz="2600" b="1" dirty="0">
+              <a:rPr lang="en-US" sz="2800" b="1" dirty="0">
                 <a:solidFill>
                   <a:srgbClr val="008080"/>
                 </a:solidFill>
@@ -7735,7 +7904,7 @@
               <a:t>table</a:t>
             </a:r>
             <a:r>
-              <a:rPr lang="en-US" sz="2600" b="1" dirty="0">
+              <a:rPr lang="en-US" sz="2800" b="1" dirty="0">
                 <a:solidFill>
                   <a:srgbClr val="000080"/>
                 </a:solidFill>
@@ -7747,7 +7916,7 @@
               <a:t>(m5(</a:t>
             </a:r>
             <a:r>
-              <a:rPr lang="en-US" sz="2600" b="1" dirty="0">
+              <a:rPr lang="en-US" sz="2800" b="1" dirty="0">
                 <a:solidFill>
                   <a:srgbClr val="0000FF"/>
                 </a:solidFill>
@@ -7759,7 +7928,7 @@
               <a:t>'select * from dual'</a:t>
             </a:r>
             <a:r>
-              <a:rPr lang="en-US" sz="2600" b="1" dirty="0">
+              <a:rPr lang="en-US" sz="2800" b="1" dirty="0">
                 <a:solidFill>
                   <a:srgbClr val="000080"/>
                 </a:solidFill>
@@ -7859,7 +8028,7 @@
           <a:p>
             <a:fld id="{04FA3B08-0866-4F48-BECB-8AEAA49887FE}" type="datetime1">
               <a:rPr lang="en-US" smtClean="0"/>
-              <a:t>9/11/2017</a:t>
+              <a:t>10/24/2017</a:t>
             </a:fld>
             <a:endParaRPr lang="en-US"/>
           </a:p>
@@ -8036,7 +8205,7 @@
             </a:pPr>
             <a:r>
               <a:rPr lang="en-US" sz="2800" dirty="0" smtClean="0">
-                <a:hlinkClick r:id="rId2"/>
+                <a:hlinkClick r:id="rId3"/>
               </a:rPr>
               <a:t>hjon@ventechsolutions.com</a:t>
             </a:r>
@@ -8061,7 +8230,7 @@
           <a:p>
             <a:fld id="{E0B1ECC0-3D31-49BF-9732-FEB21E3BFE0B}" type="datetime1">
               <a:rPr lang="en-US" smtClean="0"/>
-              <a:t>9/11/2017</a:t>
+              <a:t>10/24/2017</a:t>
             </a:fld>
             <a:endParaRPr lang="en-US"/>
           </a:p>
@@ -8099,7 +8268,7 @@
           <p:nvPr/>
         </p:nvPicPr>
         <p:blipFill rotWithShape="1">
-          <a:blip r:embed="rId3">
+          <a:blip r:embed="rId4">
             <a:extLst>
               <a:ext uri="{28A0092B-C50C-407E-A947-70E740481C1C}">
                 <a14:useLocalDpi xmlns:a14="http://schemas.microsoft.com/office/drawing/2010/main" val="0"/>
@@ -8138,7 +8307,7 @@
           <p:nvPr/>
         </p:nvPicPr>
         <p:blipFill>
-          <a:blip r:embed="rId4" cstate="print">
+          <a:blip r:embed="rId5" cstate="print">
             <a:extLst>
               <a:ext uri="{28A0092B-C50C-407E-A947-70E740481C1C}">
                 <a14:useLocalDpi xmlns:a14="http://schemas.microsoft.com/office/drawing/2010/main" val="0"/>
@@ -8179,7 +8348,7 @@
           <p:nvPr/>
         </p:nvPicPr>
         <p:blipFill>
-          <a:blip r:embed="rId5" cstate="print">
+          <a:blip r:embed="rId6" cstate="print">
             <a:extLst>
               <a:ext uri="{28A0092B-C50C-407E-A947-70E740481C1C}">
                 <a14:useLocalDpi xmlns:a14="http://schemas.microsoft.com/office/drawing/2010/main" val="0"/>
@@ -8220,7 +8389,7 @@
           <p:nvPr/>
         </p:nvPicPr>
         <p:blipFill rotWithShape="1">
-          <a:blip r:embed="rId6">
+          <a:blip r:embed="rId7">
             <a:extLst>
               <a:ext uri="{28A0092B-C50C-407E-A947-70E740481C1C}">
                 <a14:useLocalDpi xmlns:a14="http://schemas.microsoft.com/office/drawing/2010/main" val="0"/>
@@ -8259,7 +8428,7 @@
           <p:nvPr/>
         </p:nvPicPr>
         <p:blipFill>
-          <a:blip r:embed="rId7">
+          <a:blip r:embed="rId8">
             <a:extLst>
               <a:ext uri="{28A0092B-C50C-407E-A947-70E740481C1C}">
                 <a14:useLocalDpi xmlns:a14="http://schemas.microsoft.com/office/drawing/2010/main" val="0"/>
@@ -8438,7 +8607,7 @@
           <a:p>
             <a:fld id="{59A89C50-A88C-43DA-A017-AA6F35F0B0C8}" type="datetime1">
               <a:rPr lang="en-US" smtClean="0"/>
-              <a:t>9/11/2017</a:t>
+              <a:t>10/24/2017</a:t>
             </a:fld>
             <a:endParaRPr lang="en-US"/>
           </a:p>
@@ -8575,7 +8744,7 @@
           <a:p>
             <a:fld id="{AA1E44A8-32B0-4E5A-A6DF-07DB1E700CAE}" type="datetime1">
               <a:rPr lang="en-US" smtClean="0"/>
-              <a:t>9/11/2017</a:t>
+              <a:t>10/24/2017</a:t>
             </a:fld>
             <a:endParaRPr lang="en-US"/>
           </a:p>
@@ -9384,7 +9553,7 @@
           <a:p>
             <a:fld id="{1AF7749E-7951-4D42-9C43-2FC8E80375B1}" type="datetime1">
               <a:rPr lang="en-US" smtClean="0"/>
-              <a:t>9/11/2017</a:t>
+              <a:t>10/24/2017</a:t>
             </a:fld>
             <a:endParaRPr lang="en-US"/>
           </a:p>
@@ -9516,7 +9685,6 @@
               <a:rPr lang="en-US" dirty="0" smtClean="0"/>
               <a:t>world</a:t>
             </a:r>
-            <a:endParaRPr lang="en-US" dirty="0" smtClean="0"/>
           </a:p>
           <a:p>
             <a:pPr marL="514350" indent="-514350">
@@ -9535,7 +9703,11 @@
             </a:pPr>
             <a:r>
               <a:rPr lang="en-US" dirty="0" smtClean="0"/>
-              <a:t>&gt;8 million runs, &gt;1800 tests, open source</a:t>
+              <a:t>&gt;10 </a:t>
+            </a:r>
+            <a:r>
+              <a:rPr lang="en-US" dirty="0" smtClean="0"/>
+              <a:t>million runs, &gt;1800 tests, open source</a:t>
             </a:r>
           </a:p>
           <a:p>
@@ -9567,7 +9739,7 @@
           <a:p>
             <a:fld id="{60D7856B-577C-489D-A2A8-2F221F81FEFA}" type="datetime1">
               <a:rPr lang="en-US" smtClean="0"/>
-              <a:t>9/11/2017</a:t>
+              <a:t>10/24/2017</a:t>
             </a:fld>
             <a:endParaRPr lang="en-US"/>
           </a:p>
@@ -9668,10 +9840,15 @@
             <p:ph idx="1"/>
           </p:nvPr>
         </p:nvSpPr>
-        <p:spPr/>
+        <p:spPr>
+          <a:xfrm>
+            <a:off x="304800" y="1600200"/>
+            <a:ext cx="8458200" cy="4525963"/>
+          </a:xfrm>
+        </p:spPr>
         <p:txBody>
           <a:bodyPr>
-            <a:normAutofit fontScale="85000" lnSpcReduction="20000"/>
+            <a:normAutofit fontScale="77500" lnSpcReduction="20000"/>
           </a:bodyPr>
           <a:lstStyle/>
           <a:p>
@@ -9679,7 +9856,7 @@
               <a:buNone/>
             </a:pPr>
             <a:r>
-              <a:rPr lang="en-US" sz="2600" b="1" dirty="0">
+              <a:rPr lang="en-US" sz="2600" b="1" dirty="0" smtClean="0">
                 <a:solidFill>
                   <a:srgbClr val="008080"/>
                 </a:solidFill>
@@ -9691,7 +9868,7 @@
               <a:t>select</a:t>
             </a:r>
             <a:r>
-              <a:rPr lang="en-US" sz="2600" b="1" dirty="0">
+              <a:rPr lang="en-US" sz="2600" b="1" dirty="0" smtClean="0">
                 <a:solidFill>
                   <a:srgbClr val="000080"/>
                 </a:solidFill>
@@ -9708,7 +9885,7 @@
               <a:buNone/>
             </a:pPr>
             <a:r>
-              <a:rPr lang="en-US" sz="2600" b="1" dirty="0">
+              <a:rPr lang="en-US" sz="2600" b="1" dirty="0" smtClean="0">
                 <a:solidFill>
                   <a:srgbClr val="008080"/>
                 </a:solidFill>
@@ -9720,7 +9897,7 @@
               <a:t>from</a:t>
             </a:r>
             <a:r>
-              <a:rPr lang="en-US" sz="2600" b="1" dirty="0">
+              <a:rPr lang="en-US" sz="2600" b="1" dirty="0" smtClean="0">
                 <a:solidFill>
                   <a:srgbClr val="000080"/>
                 </a:solidFill>
@@ -9828,6 +10005,30 @@
               <a:t>'</a:t>
             </a:r>
             <a:r>
+              <a:rPr lang="en-US" sz="2600" b="1" dirty="0">
+                <a:solidFill>
+                  <a:srgbClr val="000080"/>
+                </a:solidFill>
+                <a:highlight>
+                  <a:srgbClr val="FFFFFF"/>
+                </a:highlight>
+                <a:latin typeface="Courier New"/>
+              </a:rPr>
+              <a:t>, </a:t>
+            </a:r>
+            <a:r>
+              <a:rPr lang="en-US" sz="2600" b="1" dirty="0" smtClean="0">
+                <a:solidFill>
+                  <a:srgbClr val="0000FF"/>
+                </a:solidFill>
+                <a:highlight>
+                  <a:srgbClr val="FFFFFF"/>
+                </a:highlight>
+                <a:latin typeface="Courier New"/>
+              </a:rPr>
+              <a:t>'yes'</a:t>
+            </a:r>
+            <a:r>
               <a:rPr lang="en-US" sz="2600" b="1" dirty="0" smtClean="0">
                 <a:solidFill>
                   <a:srgbClr val="000080"/>
@@ -9839,6 +10040,15 @@
               </a:rPr>
               <a:t>));</a:t>
             </a:r>
+            <a:endParaRPr lang="en-US" sz="2600" b="1" dirty="0" smtClean="0">
+              <a:solidFill>
+                <a:srgbClr val="000080"/>
+              </a:solidFill>
+              <a:highlight>
+                <a:srgbClr val="FFFFFF"/>
+              </a:highlight>
+              <a:latin typeface="Courier New"/>
+            </a:endParaRPr>
           </a:p>
           <a:p>
             <a:pPr marL="0" indent="0">
@@ -10136,6 +10346,59 @@
               <a:t>    </a:t>
             </a:r>
             <a:r>
+              <a:rPr lang="en-US" sz="2600" b="1" dirty="0" err="1">
+                <a:solidFill>
+                  <a:srgbClr val="000080"/>
+                </a:solidFill>
+                <a:highlight>
+                  <a:srgbClr val="FFFFFF"/>
+                </a:highlight>
+                <a:latin typeface="Courier New"/>
+              </a:rPr>
+              <a:t>p_run_as_sys</a:t>
+            </a:r>
+            <a:r>
+              <a:rPr lang="en-US" sz="2600" b="1" dirty="0">
+                <a:solidFill>
+                  <a:srgbClr val="000080"/>
+                </a:solidFill>
+                <a:highlight>
+                  <a:srgbClr val="FFFFFF"/>
+                </a:highlight>
+                <a:latin typeface="Courier New"/>
+              </a:rPr>
+              <a:t> =&gt; </a:t>
+            </a:r>
+            <a:r>
+              <a:rPr lang="en-US" sz="2600" b="1" dirty="0" smtClean="0">
+                <a:solidFill>
+                  <a:srgbClr val="008080"/>
+                </a:solidFill>
+                <a:highlight>
+                  <a:srgbClr val="FFFFFF"/>
+                </a:highlight>
+                <a:latin typeface="Courier New"/>
+              </a:rPr>
+              <a:t>false</a:t>
+            </a:r>
+          </a:p>
+          <a:p>
+            <a:pPr marL="0" indent="0">
+              <a:buNone/>
+            </a:pPr>
+            <a:r>
+              <a:rPr lang="en-US" sz="2600" b="1" dirty="0" smtClean="0">
+                <a:solidFill>
+                  <a:srgbClr val="000080"/>
+                </a:solidFill>
+                <a:highlight>
+                  <a:srgbClr val="FFFFFF"/>
+                </a:highlight>
+                <a:latin typeface="Courier New"/>
+              </a:rPr>
+              <a:t>    </a:t>
+            </a:r>
+            <a:r>
               <a:rPr lang="en-US" sz="2600" b="1" dirty="0" err="1" smtClean="0">
                 <a:solidFill>
                   <a:srgbClr val="000080"/>
@@ -10299,7 +10562,19 @@
                 </a:highlight>
                 <a:latin typeface="Courier New"/>
               </a:rPr>
-              <a:t>    </a:t>
+              <a:t> </a:t>
+            </a:r>
+            <a:r>
+              <a:rPr lang="en-US" sz="2600" b="1" dirty="0" smtClean="0">
+                <a:solidFill>
+                  <a:srgbClr val="000080"/>
+                </a:solidFill>
+                <a:highlight>
+                  <a:srgbClr val="FFFFFF"/>
+                </a:highlight>
+                <a:latin typeface="Courier New"/>
+              </a:rPr>
+              <a:t>   </a:t>
             </a:r>
             <a:r>
               <a:rPr lang="en-US" sz="2600" b="1" dirty="0" err="1" smtClean="0">
@@ -10336,6 +10611,18 @@
                 <a:latin typeface="Courier New"/>
               </a:rPr>
               <a:t>true</a:t>
+            </a:r>
+            <a:r>
+              <a:rPr lang="en-US" sz="2600" b="1" dirty="0">
+                <a:solidFill>
+                  <a:srgbClr val="000080"/>
+                </a:solidFill>
+                <a:highlight>
+                  <a:srgbClr val="FFFFFF"/>
+                </a:highlight>
+                <a:latin typeface="Courier New"/>
+              </a:rPr>
+              <a:t>,</a:t>
             </a:r>
             <a:endParaRPr lang="en-US" sz="2600" b="1" dirty="0" smtClean="0">
               <a:solidFill>
@@ -10361,7 +10648,7 @@
                 </a:highlight>
                 <a:latin typeface="Courier New"/>
               </a:rPr>
-              <a:t>  );</a:t>
+              <a:t>);</a:t>
             </a:r>
             <a:endParaRPr lang="en-US" sz="2600" b="1" dirty="0">
               <a:solidFill>
@@ -10429,8 +10716,8 @@
         </p:nvSpPr>
         <p:spPr>
           <a:xfrm>
-            <a:off x="2971800" y="2286000"/>
-            <a:ext cx="3200400" cy="377851"/>
+            <a:off x="2590800" y="2286000"/>
+            <a:ext cx="2895600" cy="377851"/>
           </a:xfrm>
           <a:prstGeom prst="rect">
             <a:avLst/>
@@ -10482,7 +10769,7 @@
           <a:p>
             <a:fld id="{12698F6C-3B60-45A8-AA68-1C639B61BEFF}" type="datetime1">
               <a:rPr lang="en-US" smtClean="0"/>
-              <a:t>9/11/2017</a:t>
+              <a:t>10/24/2017</a:t>
             </a:fld>
             <a:endParaRPr lang="en-US" dirty="0"/>
           </a:p>
@@ -10519,7 +10806,7 @@
         </p:nvSpPr>
         <p:spPr>
           <a:xfrm>
-            <a:off x="6696750" y="2286000"/>
+            <a:off x="5908966" y="2286000"/>
             <a:ext cx="1177634" cy="377851"/>
           </a:xfrm>
           <a:prstGeom prst="rect">
@@ -10563,7 +10850,7 @@
         </p:nvSpPr>
         <p:spPr>
           <a:xfrm>
-            <a:off x="6705600" y="3378201"/>
+            <a:off x="6705600" y="3124200"/>
             <a:ext cx="1295400" cy="304800"/>
           </a:xfrm>
           <a:prstGeom prst="rect">
@@ -10607,7 +10894,7 @@
         </p:nvSpPr>
         <p:spPr>
           <a:xfrm>
-            <a:off x="6705600" y="3760078"/>
+            <a:off x="6705600" y="3505200"/>
             <a:ext cx="1295400" cy="335280"/>
           </a:xfrm>
           <a:prstGeom prst="rect">
@@ -10651,8 +10938,52 @@
         </p:nvSpPr>
         <p:spPr>
           <a:xfrm>
-            <a:off x="6705600" y="4172436"/>
-            <a:ext cx="1295400" cy="951528"/>
+            <a:off x="6705600" y="3925272"/>
+            <a:ext cx="1295400" cy="1103928"/>
+          </a:xfrm>
+          <a:prstGeom prst="rect">
+            <a:avLst/>
+          </a:prstGeom>
+        </p:spPr>
+        <p:style>
+          <a:lnRef idx="2">
+            <a:schemeClr val="accent1">
+              <a:shade val="50000"/>
+            </a:schemeClr>
+          </a:lnRef>
+          <a:fillRef idx="1">
+            <a:schemeClr val="accent1"/>
+          </a:fillRef>
+          <a:effectRef idx="0">
+            <a:schemeClr val="accent1"/>
+          </a:effectRef>
+          <a:fontRef idx="minor">
+            <a:schemeClr val="lt1"/>
+          </a:fontRef>
+        </p:style>
+        <p:txBody>
+          <a:bodyPr rtlCol="0" anchor="ctr"/>
+          <a:lstStyle/>
+          <a:p>
+            <a:pPr algn="ctr"/>
+            <a:r>
+              <a:rPr lang="en-US" sz="2800" dirty="0" smtClean="0"/>
+              <a:t>HOW</a:t>
+            </a:r>
+            <a:endParaRPr lang="en-US" sz="2800" dirty="0"/>
+          </a:p>
+        </p:txBody>
+      </p:sp>
+      <p:sp>
+        <p:nvSpPr>
+          <p:cNvPr id="12" name="Rectangle 11"/>
+          <p:cNvSpPr/>
+          <p:nvPr/>
+        </p:nvSpPr>
+        <p:spPr>
+          <a:xfrm>
+            <a:off x="7467600" y="2286000"/>
+            <a:ext cx="990600" cy="377851"/>
           </a:xfrm>
           <a:prstGeom prst="rect">
             <a:avLst/>
@@ -10909,7 +11240,7 @@
           <a:p>
             <a:fld id="{D97E924C-66F2-4356-A8CE-66225EAB43F5}" type="datetime1">
               <a:rPr lang="en-US" smtClean="0"/>
-              <a:t>9/11/2017</a:t>
+              <a:t>10/24/2017</a:t>
             </a:fld>
             <a:endParaRPr lang="en-US"/>
           </a:p>

--- a/presentations/Method5.pptx
+++ b/presentations/Method5.pptx
@@ -28,7 +28,7 @@
     <p:sldId id="267" r:id="rId16"/>
     <p:sldId id="268" r:id="rId17"/>
   </p:sldIdLst>
-  <p:sldSz cx="9144000" cy="6858000" type="screen4x3"/>
+  <p:sldSz cx="9144000" cy="5143500" type="screen16x9"/>
   <p:notesSz cx="6858000" cy="9144000"/>
   <p:defaultTextStyle>
     <a:defPPr>
@@ -210,7 +210,7 @@
           <a:p>
             <a:fld id="{E8184847-EC06-4734-8E30-343A2DA340C9}" type="datetimeFigureOut">
               <a:rPr lang="en-US" smtClean="0"/>
-              <a:t>10/24/2017</a:t>
+              <a:t>10/25/2017</a:t>
             </a:fld>
             <a:endParaRPr lang="en-US"/>
           </a:p>
@@ -375,7 +375,7 @@
           <a:p>
             <a:fld id="{DC284B00-8F05-4CB2-A4E6-4A642AFA915E}" type="datetimeFigureOut">
               <a:rPr lang="en-US" smtClean="0"/>
-              <a:t>10/24/2017</a:t>
+              <a:t>10/25/2017</a:t>
             </a:fld>
             <a:endParaRPr lang="en-US"/>
           </a:p>
@@ -393,8 +393,8 @@
         </p:nvSpPr>
         <p:spPr>
           <a:xfrm>
-            <a:off x="1143000" y="685800"/>
-            <a:ext cx="4572000" cy="3429000"/>
+            <a:off x="381000" y="685800"/>
+            <a:ext cx="6096000" cy="3429000"/>
           </a:xfrm>
           <a:prstGeom prst="rect">
             <a:avLst/>
@@ -670,7 +670,12 @@
             <p:ph type="sldImg"/>
           </p:nvPr>
         </p:nvSpPr>
-        <p:spPr/>
+        <p:spPr>
+          <a:xfrm>
+            <a:off x="381000" y="685800"/>
+            <a:ext cx="6096000" cy="3429000"/>
+          </a:xfrm>
+        </p:spPr>
       </p:sp>
       <p:sp>
         <p:nvSpPr>
@@ -754,7 +759,12 @@
             <p:ph type="sldImg"/>
           </p:nvPr>
         </p:nvSpPr>
-        <p:spPr/>
+        <p:spPr>
+          <a:xfrm>
+            <a:off x="381000" y="685800"/>
+            <a:ext cx="6096000" cy="3429000"/>
+          </a:xfrm>
+        </p:spPr>
       </p:sp>
       <p:sp>
         <p:nvSpPr>
@@ -777,37 +787,16 @@
             </a:r>
             <a:r>
               <a:rPr lang="en-US" dirty="0" smtClean="0"/>
-              <a:t> Any </a:t>
-            </a:r>
-            <a:r>
-              <a:rPr lang="en-US" dirty="0" smtClean="0"/>
-              <a:t>SQL statement, PL/SQL block, or Linux/Unix shell script.  The</a:t>
+              <a:t> Any SQL statement, PL/SQL block, or Linux/Unix shell script.  The</a:t>
             </a:r>
             <a:r>
               <a:rPr lang="en-US" baseline="0" dirty="0" smtClean="0"/>
-              <a:t> </a:t>
-            </a:r>
-            <a:r>
-              <a:rPr lang="en-US" baseline="0" dirty="0" smtClean="0"/>
-              <a:t>results can be either the query results, a SQL*Plus feedback message for DDL and DML, </a:t>
-            </a:r>
-            <a:r>
-              <a:rPr lang="en-US" baseline="0" dirty="0" smtClean="0"/>
-              <a:t>DBMS_OUTPUT </a:t>
-            </a:r>
-            <a:r>
-              <a:rPr lang="en-US" baseline="0" dirty="0" smtClean="0"/>
-              <a:t>for PL/SQL </a:t>
-            </a:r>
-            <a:r>
-              <a:rPr lang="en-US" baseline="0" dirty="0" smtClean="0"/>
-              <a:t>statements, or standard output and standard error for shell scripts.  (Shell scripts require</a:t>
+              <a:t> results can be either the query results, a SQL*Plus feedback message for DDL and DML, DBMS_OUTPUT for PL/SQL statements, or standard output and standard error for shell scripts.  (Shell scripts require</a:t>
             </a:r>
             <a:r>
               <a:rPr lang="en-US" dirty="0" smtClean="0"/>
               <a:t> an active database so Method5 cannot yet be used for activities that restart the database, like patching and upgrading.)</a:t>
             </a:r>
-            <a:endParaRPr lang="en-US" dirty="0" smtClean="0"/>
           </a:p>
           <a:p>
             <a:r>
@@ -934,7 +923,12 @@
             <p:ph type="sldImg"/>
           </p:nvPr>
         </p:nvSpPr>
-        <p:spPr/>
+        <p:spPr>
+          <a:xfrm>
+            <a:off x="381000" y="685800"/>
+            <a:ext cx="6096000" cy="3429000"/>
+          </a:xfrm>
+        </p:spPr>
       </p:sp>
       <p:sp>
         <p:nvSpPr>
@@ -1040,11 +1034,7 @@
             </a:r>
             <a:r>
               <a:rPr lang="en-US" b="0" baseline="0" dirty="0" smtClean="0"/>
-              <a:t> Querying different versions of Oracle can be difficult because the data dictionary has different columns.  For example, most data dictionary views in 12c have the new CON_ID column.  A "select * from v$..." will return different result sets between 11g and 12c.  To get around this issue, if you replace "*" with "**", Method5 will convert the "**" into an explicit list of columns based on the lowest Oracle version.  This avoids "not enough values" or "too many values" errors, and ensures that all databases return data regardless of the version.  The results will miss some of the newer columns, such as CON_ID</a:t>
-            </a:r>
-            <a:r>
-              <a:rPr lang="en-US" b="0" baseline="0" dirty="0" smtClean="0"/>
-              <a:t>.</a:t>
+              <a:t> Querying different versions of Oracle can be difficult because the data dictionary has different columns.  For example, most data dictionary views in 12c have the new CON_ID column.  A "select * from v$..." will return different result sets between 11g and 12c.  To get around this issue, if you replace "*" with "**", Method5 will convert the "**" into an explicit list of columns based on the lowest Oracle version.  This avoids "not enough values" or "too many values" errors, and ensures that all databases return data regardless of the version.  The results will miss some of the newer columns, such as CON_ID.</a:t>
             </a:r>
             <a:endParaRPr lang="en-US" b="1" baseline="0" dirty="0" smtClean="0"/>
           </a:p>
@@ -1113,7 +1103,12 @@
             <p:ph type="sldImg"/>
           </p:nvPr>
         </p:nvSpPr>
-        <p:spPr/>
+        <p:spPr>
+          <a:xfrm>
+            <a:off x="381000" y="685800"/>
+            <a:ext cx="6096000" cy="3429000"/>
+          </a:xfrm>
+        </p:spPr>
       </p:sp>
       <p:sp>
         <p:nvSpPr>
@@ -1174,11 +1169,7 @@
             </a:pPr>
             <a:r>
               <a:rPr lang="en-US" baseline="0" dirty="0" smtClean="0"/>
-              <a:t>4. Scheduler and pipes work together to enable parallelism and asynchronous processing</a:t>
-            </a:r>
-            <a:r>
-              <a:rPr lang="en-US" baseline="0" dirty="0" smtClean="0"/>
-              <a:t>.</a:t>
+              <a:t>4. Scheduler and pipes work together to enable parallelism and asynchronous processing.</a:t>
             </a:r>
             <a:r>
               <a:rPr lang="en-US" dirty="0" smtClean="0"/>
@@ -1270,7 +1261,12 @@
             <p:ph type="sldImg"/>
           </p:nvPr>
         </p:nvSpPr>
-        <p:spPr/>
+        <p:spPr>
+          <a:xfrm>
+            <a:off x="381000" y="685800"/>
+            <a:ext cx="6096000" cy="3429000"/>
+          </a:xfrm>
+        </p:spPr>
       </p:sp>
       <p:sp>
         <p:nvSpPr>
@@ -1417,7 +1413,12 @@
             <p:ph type="sldImg"/>
           </p:nvPr>
         </p:nvSpPr>
-        <p:spPr/>
+        <p:spPr>
+          <a:xfrm>
+            <a:off x="381000" y="685800"/>
+            <a:ext cx="6096000" cy="3429000"/>
+          </a:xfrm>
+        </p:spPr>
       </p:sp>
       <p:sp>
         <p:nvSpPr>
@@ -1501,7 +1502,12 @@
             <p:ph type="sldImg"/>
           </p:nvPr>
         </p:nvSpPr>
-        <p:spPr/>
+        <p:spPr>
+          <a:xfrm>
+            <a:off x="381000" y="685800"/>
+            <a:ext cx="6096000" cy="3429000"/>
+          </a:xfrm>
+        </p:spPr>
       </p:sp>
       <p:sp>
         <p:nvSpPr>
@@ -1585,7 +1591,12 @@
             <p:ph type="sldImg"/>
           </p:nvPr>
         </p:nvSpPr>
-        <p:spPr/>
+        <p:spPr>
+          <a:xfrm>
+            <a:off x="381000" y="685800"/>
+            <a:ext cx="6096000" cy="3429000"/>
+          </a:xfrm>
+        </p:spPr>
       </p:sp>
       <p:sp>
         <p:nvSpPr>
@@ -1604,44 +1615,36 @@
           <a:p>
             <a:r>
               <a:rPr lang="en-US" dirty="0" smtClean="0"/>
-              <a:t>1. Method5 isn't simply faster than </a:t>
-            </a:r>
-            <a:r>
-              <a:rPr lang="en-US" dirty="0" smtClean="0"/>
-              <a:t>your existing processes.</a:t>
+              <a:t>1. Method5 isn't simply faster than your existing processes.</a:t>
+            </a:r>
+            <a:r>
+              <a:rPr lang="en-US" baseline="0" dirty="0" smtClean="0"/>
+              <a:t>  It's so much faster that it can change your attitude toward solving problems.</a:t>
+            </a:r>
+            <a:endParaRPr lang="en-US" dirty="0" smtClean="0"/>
+          </a:p>
+          <a:p>
+            <a:r>
+              <a:rPr lang="en-US" dirty="0" smtClean="0"/>
+              <a:t>1. For every problem, spend a minute thinking if there's a way to find it, fix it, or prevent it on other databases.</a:t>
+            </a:r>
+          </a:p>
+          <a:p>
+            <a:r>
+              <a:rPr lang="en-US" dirty="0" smtClean="0"/>
+              <a:t>2. There's no more excuse to not check every database - it only takes one line of code.</a:t>
+            </a:r>
+          </a:p>
+          <a:p>
+            <a:r>
+              <a:rPr lang="en-US" dirty="0" smtClean="0"/>
+              <a:t>3. Start being more proactive - no more Groundhog Day administration.</a:t>
             </a:r>
             <a:r>
               <a:rPr lang="en-US" baseline="0" dirty="0" smtClean="0"/>
               <a:t>  </a:t>
             </a:r>
             <a:r>
-              <a:rPr lang="en-US" baseline="0" dirty="0" smtClean="0"/>
-              <a:t>It's so much faster that it can change your attitude toward solving problems.</a:t>
-            </a:r>
-            <a:endParaRPr lang="en-US" dirty="0" smtClean="0"/>
-          </a:p>
-          <a:p>
-            <a:r>
-              <a:rPr lang="en-US" dirty="0" smtClean="0"/>
-              <a:t>1. For every problem, spend a minute thinking if there's a way to find it, fix it, or prevent it on other databases.</a:t>
-            </a:r>
-          </a:p>
-          <a:p>
-            <a:r>
-              <a:rPr lang="en-US" dirty="0" smtClean="0"/>
-              <a:t>2. There's no more excuse to not check every database - it only takes one line of code.</a:t>
-            </a:r>
-          </a:p>
-          <a:p>
-            <a:r>
-              <a:rPr lang="en-US" dirty="0" smtClean="0"/>
-              <a:t>3. Start being more proactive - no more Groundhog Day administration.</a:t>
-            </a:r>
-            <a:r>
-              <a:rPr lang="en-US" baseline="0" dirty="0" smtClean="0"/>
-              <a:t>  </a:t>
-            </a:r>
-            <a:r>
               <a:rPr lang="en-US" dirty="0" smtClean="0"/>
               <a:t>Even if the problem only takes you 5 minutes to fix each time, consider how much time everyone else spends on it before it even</a:t>
             </a:r>
@@ -1662,15 +1665,7 @@
           <a:p>
             <a:r>
               <a:rPr lang="en-US" dirty="0" smtClean="0"/>
-              <a:t>4. Treat all your databases like one </a:t>
-            </a:r>
-            <a:r>
-              <a:rPr lang="en-US" dirty="0" smtClean="0"/>
-              <a:t>logical database</a:t>
-            </a:r>
-            <a:r>
-              <a:rPr lang="en-US" dirty="0" smtClean="0"/>
-              <a:t>.</a:t>
+              <a:t>4. Treat all your databases like one logical database.</a:t>
             </a:r>
           </a:p>
           <a:p>
@@ -1745,7 +1740,12 @@
             <p:ph type="sldImg"/>
           </p:nvPr>
         </p:nvSpPr>
-        <p:spPr/>
+        <p:spPr>
+          <a:xfrm>
+            <a:off x="381000" y="685800"/>
+            <a:ext cx="6096000" cy="3429000"/>
+          </a:xfrm>
+        </p:spPr>
       </p:sp>
       <p:sp>
         <p:nvSpPr>
@@ -1829,7 +1829,12 @@
             <p:ph type="sldImg"/>
           </p:nvPr>
         </p:nvSpPr>
-        <p:spPr/>
+        <p:spPr>
+          <a:xfrm>
+            <a:off x="381000" y="685800"/>
+            <a:ext cx="6096000" cy="3429000"/>
+          </a:xfrm>
+        </p:spPr>
       </p:sp>
       <p:sp>
         <p:nvSpPr>
@@ -1913,7 +1918,12 @@
             <p:ph type="sldImg"/>
           </p:nvPr>
         </p:nvSpPr>
-        <p:spPr/>
+        <p:spPr>
+          <a:xfrm>
+            <a:off x="381000" y="685800"/>
+            <a:ext cx="6096000" cy="3429000"/>
+          </a:xfrm>
+        </p:spPr>
       </p:sp>
       <p:sp>
         <p:nvSpPr>
@@ -2034,7 +2044,12 @@
             <p:ph type="sldImg"/>
           </p:nvPr>
         </p:nvSpPr>
-        <p:spPr/>
+        <p:spPr>
+          <a:xfrm>
+            <a:off x="381000" y="685800"/>
+            <a:ext cx="6096000" cy="3429000"/>
+          </a:xfrm>
+        </p:spPr>
       </p:sp>
       <p:sp>
         <p:nvSpPr>
@@ -2208,7 +2223,12 @@
             <p:ph type="sldImg"/>
           </p:nvPr>
         </p:nvSpPr>
-        <p:spPr/>
+        <p:spPr>
+          <a:xfrm>
+            <a:off x="381000" y="685800"/>
+            <a:ext cx="6096000" cy="3429000"/>
+          </a:xfrm>
+        </p:spPr>
       </p:sp>
       <p:sp>
         <p:nvSpPr>
@@ -2369,7 +2389,12 @@
             <p:ph type="sldImg"/>
           </p:nvPr>
         </p:nvSpPr>
-        <p:spPr/>
+        <p:spPr>
+          <a:xfrm>
+            <a:off x="381000" y="685800"/>
+            <a:ext cx="6096000" cy="3429000"/>
+          </a:xfrm>
+        </p:spPr>
       </p:sp>
       <p:sp>
         <p:nvSpPr>
@@ -2414,15 +2439,7 @@
           <a:p>
             <a:r>
               <a:rPr lang="en-US" dirty="0" smtClean="0"/>
-              <a:t>4. It's ran over </a:t>
-            </a:r>
-            <a:r>
-              <a:rPr lang="en-US" dirty="0" smtClean="0"/>
-              <a:t>10 </a:t>
-            </a:r>
-            <a:r>
-              <a:rPr lang="en-US" dirty="0" smtClean="0"/>
-              <a:t>million queries internally.  It contains 1800 automated tests.</a:t>
+              <a:t>4. It's ran over 10 million queries internally.  It contains 1800 automated tests.</a:t>
             </a:r>
           </a:p>
           <a:p>
@@ -2510,7 +2527,12 @@
             <p:ph type="sldImg"/>
           </p:nvPr>
         </p:nvSpPr>
-        <p:spPr/>
+        <p:spPr>
+          <a:xfrm>
+            <a:off x="381000" y="685800"/>
+            <a:ext cx="6096000" cy="3429000"/>
+          </a:xfrm>
+        </p:spPr>
       </p:sp>
       <p:sp>
         <p:nvSpPr>
@@ -2541,11 +2563,7 @@
             </a:r>
             <a:r>
               <a:rPr lang="en-US" b="0" baseline="0" dirty="0" smtClean="0"/>
-              <a:t> to </a:t>
-            </a:r>
-            <a:r>
-              <a:rPr lang="en-US" b="0" baseline="0" dirty="0" smtClean="0"/>
-              <a:t>run, </a:t>
+              <a:t> to run, </a:t>
             </a:r>
             <a:r>
               <a:rPr lang="en-US" b="1" baseline="0" dirty="0" smtClean="0"/>
@@ -2553,15 +2571,7 @@
             </a:r>
             <a:r>
               <a:rPr lang="en-US" b="0" baseline="0" dirty="0" smtClean="0"/>
-              <a:t> </a:t>
-            </a:r>
-            <a:r>
-              <a:rPr lang="en-US" b="0" baseline="0" dirty="0" smtClean="0"/>
-              <a:t>to run </a:t>
-            </a:r>
-            <a:r>
-              <a:rPr lang="en-US" b="0" baseline="0" dirty="0" smtClean="0"/>
-              <a:t>it, and </a:t>
+              <a:t> to run it, and </a:t>
             </a:r>
             <a:r>
               <a:rPr lang="en-US" b="1" baseline="0" dirty="0" smtClean="0"/>
@@ -2577,15 +2587,7 @@
             </a:r>
             <a:r>
               <a:rPr lang="en-US" b="0" baseline="0" dirty="0" smtClean="0"/>
-              <a:t>  </a:t>
-            </a:r>
-            <a:r>
-              <a:rPr lang="en-US" b="0" baseline="0" dirty="0" smtClean="0"/>
-              <a:t>The </a:t>
-            </a:r>
-            <a:r>
-              <a:rPr lang="en-US" b="0" baseline="0" dirty="0" smtClean="0"/>
-              <a:t>function returns results immediately to the screen.  The procedure </a:t>
+              <a:t>  The function returns results immediately to the screen.  The procedure </a:t>
             </a:r>
             <a:r>
               <a:rPr lang="en-US" dirty="0" smtClean="0"/>
@@ -2672,7 +2674,12 @@
             <p:ph type="sldImg"/>
           </p:nvPr>
         </p:nvSpPr>
-        <p:spPr/>
+        <p:spPr>
+          <a:xfrm>
+            <a:off x="381000" y="685800"/>
+            <a:ext cx="6096000" cy="3429000"/>
+          </a:xfrm>
+        </p:spPr>
       </p:sp>
       <p:sp>
         <p:nvSpPr>
@@ -2833,8 +2840,8 @@
         </p:nvSpPr>
         <p:spPr>
           <a:xfrm>
-            <a:off x="685800" y="2130425"/>
-            <a:ext cx="7772400" cy="1470025"/>
+            <a:off x="685800" y="1597820"/>
+            <a:ext cx="7772400" cy="1102519"/>
           </a:xfrm>
         </p:spPr>
         <p:txBody>
@@ -2861,8 +2868,8 @@
         </p:nvSpPr>
         <p:spPr>
           <a:xfrm>
-            <a:off x="1371600" y="3886200"/>
-            <a:ext cx="6400800" cy="1752600"/>
+            <a:off x="1371600" y="2914650"/>
+            <a:ext cx="6400800" cy="1314450"/>
           </a:xfrm>
         </p:spPr>
         <p:txBody>
@@ -2985,7 +2992,7 @@
           <a:p>
             <a:fld id="{72057647-82FE-4F7C-83B4-53587791251A}" type="datetime1">
               <a:rPr lang="en-US" smtClean="0"/>
-              <a:t>10/24/2017</a:t>
+              <a:t>10/25/2017</a:t>
             </a:fld>
             <a:endParaRPr lang="en-US"/>
           </a:p>
@@ -3155,7 +3162,7 @@
           <a:p>
             <a:fld id="{8503FF21-708F-4C59-9505-D05A3791AC31}" type="datetime1">
               <a:rPr lang="en-US" smtClean="0"/>
-              <a:t>10/24/2017</a:t>
+              <a:t>10/25/2017</a:t>
             </a:fld>
             <a:endParaRPr lang="en-US"/>
           </a:p>
@@ -3245,8 +3252,8 @@
         </p:nvSpPr>
         <p:spPr>
           <a:xfrm>
-            <a:off x="6629400" y="274638"/>
-            <a:ext cx="2057400" cy="5851525"/>
+            <a:off x="6629400" y="205980"/>
+            <a:ext cx="2057400" cy="4388644"/>
           </a:xfrm>
         </p:spPr>
         <p:txBody>
@@ -3273,8 +3280,8 @@
         </p:nvSpPr>
         <p:spPr>
           <a:xfrm>
-            <a:off x="457200" y="274638"/>
-            <a:ext cx="6019800" cy="5851525"/>
+            <a:off x="457200" y="205980"/>
+            <a:ext cx="6019800" cy="4388644"/>
           </a:xfrm>
         </p:spPr>
         <p:txBody>
@@ -3335,7 +3342,7 @@
           <a:p>
             <a:fld id="{6EFC7DE3-7050-4999-ABCB-76E0E214913C}" type="datetime1">
               <a:rPr lang="en-US" smtClean="0"/>
-              <a:t>10/24/2017</a:t>
+              <a:t>10/25/2017</a:t>
             </a:fld>
             <a:endParaRPr lang="en-US"/>
           </a:p>
@@ -3505,7 +3512,7 @@
           <a:p>
             <a:fld id="{12698F6C-3B60-45A8-AA68-1C639B61BEFF}" type="datetime1">
               <a:rPr lang="en-US" smtClean="0"/>
-              <a:t>10/24/2017</a:t>
+              <a:t>10/25/2017</a:t>
             </a:fld>
             <a:endParaRPr lang="en-US" dirty="0"/>
           </a:p>
@@ -3575,8 +3582,8 @@
         </p:blipFill>
         <p:spPr>
           <a:xfrm>
-            <a:off x="3695700" y="6324600"/>
-            <a:ext cx="1752600" cy="394335"/>
+            <a:off x="3790945" y="4705350"/>
+            <a:ext cx="1562110" cy="352496"/>
           </a:xfrm>
           <a:prstGeom prst="rect">
             <a:avLst/>
@@ -3593,6 +3600,13 @@
   <p:clrMapOvr>
     <a:masterClrMapping/>
   </p:clrMapOvr>
+  <p:timing>
+    <p:tnLst>
+      <p:par>
+        <p:cTn id="1" dur="indefinite" restart="never" nodeType="tmRoot"/>
+      </p:par>
+    </p:tnLst>
+  </p:timing>
 </p:sldLayout>
 </file>
 
@@ -3625,8 +3639,8 @@
         </p:nvSpPr>
         <p:spPr>
           <a:xfrm>
-            <a:off x="722313" y="4406900"/>
-            <a:ext cx="7772400" cy="1362075"/>
+            <a:off x="722313" y="3305176"/>
+            <a:ext cx="7772400" cy="1021556"/>
           </a:xfrm>
         </p:spPr>
         <p:txBody>
@@ -3657,8 +3671,8 @@
         </p:nvSpPr>
         <p:spPr>
           <a:xfrm>
-            <a:off x="722313" y="2906713"/>
-            <a:ext cx="7772400" cy="1500187"/>
+            <a:off x="722313" y="2180035"/>
+            <a:ext cx="7772400" cy="1125140"/>
           </a:xfrm>
         </p:spPr>
         <p:txBody>
@@ -3781,7 +3795,7 @@
           <a:p>
             <a:fld id="{E05176C0-14DF-4768-8A16-43F22EF34937}" type="datetime1">
               <a:rPr lang="en-US" smtClean="0"/>
-              <a:t>10/24/2017</a:t>
+              <a:t>10/25/2017</a:t>
             </a:fld>
             <a:endParaRPr lang="en-US"/>
           </a:p>
@@ -3894,8 +3908,8 @@
         </p:nvSpPr>
         <p:spPr>
           <a:xfrm>
-            <a:off x="457200" y="1600200"/>
-            <a:ext cx="4038600" cy="4525963"/>
+            <a:off x="457200" y="1200151"/>
+            <a:ext cx="4038600" cy="3394472"/>
           </a:xfrm>
         </p:spPr>
         <p:txBody>
@@ -3979,8 +3993,8 @@
         </p:nvSpPr>
         <p:spPr>
           <a:xfrm>
-            <a:off x="4648200" y="1600200"/>
-            <a:ext cx="4038600" cy="4525963"/>
+            <a:off x="4648200" y="1200151"/>
+            <a:ext cx="4038600" cy="3394472"/>
           </a:xfrm>
         </p:spPr>
         <p:txBody>
@@ -4069,7 +4083,7 @@
           <a:p>
             <a:fld id="{EC27D113-D56C-4484-8E60-26B1BDDD2B7D}" type="datetime1">
               <a:rPr lang="en-US" smtClean="0"/>
-              <a:t>10/24/2017</a:t>
+              <a:t>10/25/2017</a:t>
             </a:fld>
             <a:endParaRPr lang="en-US"/>
           </a:p>
@@ -4186,8 +4200,8 @@
         </p:nvSpPr>
         <p:spPr>
           <a:xfrm>
-            <a:off x="457200" y="1535113"/>
-            <a:ext cx="4040188" cy="639762"/>
+            <a:off x="457200" y="1151335"/>
+            <a:ext cx="4040188" cy="479822"/>
           </a:xfrm>
         </p:spPr>
         <p:txBody>
@@ -4251,8 +4265,8 @@
         </p:nvSpPr>
         <p:spPr>
           <a:xfrm>
-            <a:off x="457200" y="2174875"/>
-            <a:ext cx="4040188" cy="3951288"/>
+            <a:off x="457200" y="1631156"/>
+            <a:ext cx="4040188" cy="2963466"/>
           </a:xfrm>
         </p:spPr>
         <p:txBody>
@@ -4336,8 +4350,8 @@
         </p:nvSpPr>
         <p:spPr>
           <a:xfrm>
-            <a:off x="4645025" y="1535113"/>
-            <a:ext cx="4041775" cy="639762"/>
+            <a:off x="4645028" y="1151335"/>
+            <a:ext cx="4041775" cy="479822"/>
           </a:xfrm>
         </p:spPr>
         <p:txBody>
@@ -4401,8 +4415,8 @@
         </p:nvSpPr>
         <p:spPr>
           <a:xfrm>
-            <a:off x="4645025" y="2174875"/>
-            <a:ext cx="4041775" cy="3951288"/>
+            <a:off x="4645028" y="1631156"/>
+            <a:ext cx="4041775" cy="2963466"/>
           </a:xfrm>
         </p:spPr>
         <p:txBody>
@@ -4491,7 +4505,7 @@
           <a:p>
             <a:fld id="{2346BE7D-CDCE-4B6B-92C3-A6060BB37F63}" type="datetime1">
               <a:rPr lang="en-US" smtClean="0"/>
-              <a:t>10/24/2017</a:t>
+              <a:t>10/25/2017</a:t>
             </a:fld>
             <a:endParaRPr lang="en-US"/>
           </a:p>
@@ -4609,7 +4623,7 @@
           <a:p>
             <a:fld id="{016112C5-3C0F-4913-A601-B7FE4F9C1F3A}" type="datetime1">
               <a:rPr lang="en-US" smtClean="0"/>
-              <a:t>10/24/2017</a:t>
+              <a:t>10/25/2017</a:t>
             </a:fld>
             <a:endParaRPr lang="en-US"/>
           </a:p>
@@ -4704,7 +4718,7 @@
           <a:p>
             <a:fld id="{8A5D4DBD-AFC0-4CD6-8B21-21C10C0D7EF6}" type="datetime1">
               <a:rPr lang="en-US" smtClean="0"/>
-              <a:t>10/24/2017</a:t>
+              <a:t>10/25/2017</a:t>
             </a:fld>
             <a:endParaRPr lang="en-US"/>
           </a:p>
@@ -4794,8 +4808,8 @@
         </p:nvSpPr>
         <p:spPr>
           <a:xfrm>
-            <a:off x="457200" y="273050"/>
-            <a:ext cx="3008313" cy="1162050"/>
+            <a:off x="457203" y="204787"/>
+            <a:ext cx="3008313" cy="871538"/>
           </a:xfrm>
         </p:spPr>
         <p:txBody>
@@ -4826,8 +4840,8 @@
         </p:nvSpPr>
         <p:spPr>
           <a:xfrm>
-            <a:off x="3575050" y="273050"/>
-            <a:ext cx="5111750" cy="5853113"/>
+            <a:off x="3575050" y="204789"/>
+            <a:ext cx="5111750" cy="4389835"/>
           </a:xfrm>
         </p:spPr>
         <p:txBody>
@@ -4911,8 +4925,8 @@
         </p:nvSpPr>
         <p:spPr>
           <a:xfrm>
-            <a:off x="457200" y="1435100"/>
-            <a:ext cx="3008313" cy="4691063"/>
+            <a:off x="457203" y="1076327"/>
+            <a:ext cx="3008313" cy="3518297"/>
           </a:xfrm>
         </p:spPr>
         <p:txBody>
@@ -4981,7 +4995,7 @@
           <a:p>
             <a:fld id="{3514C57E-D885-4B44-9FAF-8838A1BDE694}" type="datetime1">
               <a:rPr lang="en-US" smtClean="0"/>
-              <a:t>10/24/2017</a:t>
+              <a:t>10/25/2017</a:t>
             </a:fld>
             <a:endParaRPr lang="en-US"/>
           </a:p>
@@ -5071,8 +5085,8 @@
         </p:nvSpPr>
         <p:spPr>
           <a:xfrm>
-            <a:off x="1792288" y="4800600"/>
-            <a:ext cx="5486400" cy="566738"/>
+            <a:off x="1792288" y="3600451"/>
+            <a:ext cx="5486400" cy="425054"/>
           </a:xfrm>
         </p:spPr>
         <p:txBody>
@@ -5103,8 +5117,8 @@
         </p:nvSpPr>
         <p:spPr>
           <a:xfrm>
-            <a:off x="1792288" y="612775"/>
-            <a:ext cx="5486400" cy="4114800"/>
+            <a:off x="1792288" y="459581"/>
+            <a:ext cx="5486400" cy="3086100"/>
           </a:xfrm>
         </p:spPr>
         <p:txBody>
@@ -5164,8 +5178,8 @@
         </p:nvSpPr>
         <p:spPr>
           <a:xfrm>
-            <a:off x="1792288" y="5367338"/>
-            <a:ext cx="5486400" cy="804862"/>
+            <a:off x="1792288" y="4025504"/>
+            <a:ext cx="5486400" cy="603647"/>
           </a:xfrm>
         </p:spPr>
         <p:txBody>
@@ -5234,7 +5248,7 @@
           <a:p>
             <a:fld id="{7BEDB21A-AE09-4B41-95A5-CA952A205099}" type="datetime1">
               <a:rPr lang="en-US" smtClean="0"/>
-              <a:t>10/24/2017</a:t>
+              <a:t>10/25/2017</a:t>
             </a:fld>
             <a:endParaRPr lang="en-US"/>
           </a:p>
@@ -5329,8 +5343,8 @@
         </p:nvSpPr>
         <p:spPr>
           <a:xfrm>
-            <a:off x="457200" y="274638"/>
-            <a:ext cx="8229600" cy="1143000"/>
+            <a:off x="457200" y="205979"/>
+            <a:ext cx="8229600" cy="857250"/>
           </a:xfrm>
           <a:prstGeom prst="rect">
             <a:avLst/>
@@ -5362,8 +5376,8 @@
         </p:nvSpPr>
         <p:spPr>
           <a:xfrm>
-            <a:off x="457200" y="1600200"/>
-            <a:ext cx="8229600" cy="4525963"/>
+            <a:off x="457200" y="1200151"/>
+            <a:ext cx="8229600" cy="3394472"/>
           </a:xfrm>
           <a:prstGeom prst="rect">
             <a:avLst/>
@@ -5424,8 +5438,8 @@
         </p:nvSpPr>
         <p:spPr>
           <a:xfrm>
-            <a:off x="457200" y="6356350"/>
-            <a:ext cx="2133600" cy="365125"/>
+            <a:off x="457200" y="4767264"/>
+            <a:ext cx="2133600" cy="273844"/>
           </a:xfrm>
           <a:prstGeom prst="rect">
             <a:avLst/>
@@ -5447,7 +5461,7 @@
           <a:p>
             <a:fld id="{2089B313-BB57-4BA5-B615-3D449DFED662}" type="datetime1">
               <a:rPr lang="en-US" smtClean="0"/>
-              <a:t>10/24/2017</a:t>
+              <a:t>10/25/2017</a:t>
             </a:fld>
             <a:endParaRPr lang="en-US" dirty="0"/>
           </a:p>
@@ -5465,8 +5479,8 @@
         </p:nvSpPr>
         <p:spPr>
           <a:xfrm>
-            <a:off x="2743200" y="6356350"/>
-            <a:ext cx="3657600" cy="365125"/>
+            <a:off x="2743200" y="4767264"/>
+            <a:ext cx="3657600" cy="273844"/>
           </a:xfrm>
           <a:prstGeom prst="rect">
             <a:avLst/>
@@ -5502,8 +5516,8 @@
         </p:nvSpPr>
         <p:spPr>
           <a:xfrm>
-            <a:off x="6553200" y="6356350"/>
-            <a:ext cx="2133600" cy="365125"/>
+            <a:off x="6553200" y="4767264"/>
+            <a:ext cx="2133600" cy="273844"/>
           </a:xfrm>
           <a:prstGeom prst="rect">
             <a:avLst/>
@@ -5842,13 +5856,13 @@
         </p:nvSpPr>
         <p:spPr>
           <a:xfrm>
-            <a:off x="1257300" y="3657600"/>
-            <a:ext cx="6629400" cy="1752600"/>
+            <a:off x="1257300" y="3086100"/>
+            <a:ext cx="6629400" cy="1314450"/>
           </a:xfrm>
         </p:spPr>
         <p:txBody>
           <a:bodyPr>
-            <a:normAutofit fontScale="92500"/>
+            <a:normAutofit fontScale="92500" lnSpcReduction="10000"/>
           </a:bodyPr>
           <a:lstStyle/>
           <a:p>
@@ -5885,7 +5899,7 @@
           <a:p>
             <a:fld id="{2E45DCD3-F6D5-47D1-A091-AE329ABC5543}" type="datetime1">
               <a:rPr lang="en-US" smtClean="0"/>
-              <a:t>10/24/2017</a:t>
+              <a:t>10/25/2017</a:t>
             </a:fld>
             <a:endParaRPr lang="en-US" dirty="0"/>
           </a:p>
@@ -5937,8 +5951,8 @@
         </p:blipFill>
         <p:spPr bwMode="auto">
           <a:xfrm>
-            <a:off x="457200" y="1600200"/>
-            <a:ext cx="8229600" cy="1851661"/>
+            <a:off x="304800" y="819150"/>
+            <a:ext cx="8534400" cy="1920433"/>
           </a:xfrm>
           <a:prstGeom prst="rect">
             <a:avLst/>
@@ -6027,7 +6041,9 @@
         </p:nvSpPr>
         <p:spPr/>
         <p:txBody>
-          <a:bodyPr/>
+          <a:bodyPr>
+            <a:normAutofit lnSpcReduction="10000"/>
+          </a:bodyPr>
           <a:lstStyle/>
           <a:p>
             <a:pPr marL="514350" indent="-514350">
@@ -6169,7 +6185,7 @@
           <a:p>
             <a:fld id="{73B3F948-1743-4F2D-B9D2-20F26DEE2D32}" type="datetime1">
               <a:rPr lang="en-US" smtClean="0"/>
-              <a:t>10/24/2017</a:t>
+              <a:t>10/25/2017</a:t>
             </a:fld>
             <a:endParaRPr lang="en-US"/>
           </a:p>
@@ -6271,7 +6287,7 @@
         <p:spPr/>
         <p:txBody>
           <a:bodyPr>
-            <a:normAutofit/>
+            <a:normAutofit fontScale="85000" lnSpcReduction="10000"/>
           </a:bodyPr>
           <a:lstStyle/>
           <a:p>
@@ -6420,7 +6436,7 @@
           <a:p>
             <a:fld id="{8C6FBF27-FCE1-40A4-AD2E-EA28EB5C01F0}" type="datetime1">
               <a:rPr lang="en-US" smtClean="0"/>
-              <a:t>10/24/2017</a:t>
+              <a:t>10/25/2017</a:t>
             </a:fld>
             <a:endParaRPr lang="en-US"/>
           </a:p>
@@ -6522,7 +6538,7 @@
         <p:spPr/>
         <p:txBody>
           <a:bodyPr>
-            <a:normAutofit/>
+            <a:normAutofit fontScale="92500" lnSpcReduction="20000"/>
           </a:bodyPr>
           <a:lstStyle/>
           <a:p>
@@ -6627,7 +6643,7 @@
           <a:p>
             <a:fld id="{FC4CB26D-ED02-41C0-8C14-C61605713420}" type="datetime1">
               <a:rPr lang="en-US" smtClean="0"/>
-              <a:t>10/24/2017</a:t>
+              <a:t>10/25/2017</a:t>
             </a:fld>
             <a:endParaRPr lang="en-US"/>
           </a:p>
@@ -6679,8 +6695,8 @@
         </p:blipFill>
         <p:spPr bwMode="auto">
           <a:xfrm>
-            <a:off x="762000" y="2329222"/>
-            <a:ext cx="7502525" cy="299748"/>
+            <a:off x="762003" y="1660969"/>
+            <a:ext cx="7538371" cy="301181"/>
           </a:xfrm>
           <a:prstGeom prst="rect">
             <a:avLst/>
@@ -6733,8 +6749,8 @@
         </p:blipFill>
         <p:spPr bwMode="auto">
           <a:xfrm>
-            <a:off x="5562600" y="4419600"/>
-            <a:ext cx="3169775" cy="1752600"/>
+            <a:off x="5791200" y="3105150"/>
+            <a:ext cx="2737771" cy="1513741"/>
           </a:xfrm>
           <a:prstGeom prst="rect">
             <a:avLst/>
@@ -6774,8 +6790,8 @@
         </p:blipFill>
         <p:spPr bwMode="auto">
           <a:xfrm>
-            <a:off x="5956862" y="2609850"/>
-            <a:ext cx="2381250" cy="1428750"/>
+            <a:off x="6144085" y="1885950"/>
+            <a:ext cx="2032000" cy="1219200"/>
           </a:xfrm>
           <a:prstGeom prst="rect">
             <a:avLst/>
@@ -6865,7 +6881,7 @@
         <p:spPr/>
         <p:txBody>
           <a:bodyPr>
-            <a:normAutofit fontScale="92500" lnSpcReduction="10000"/>
+            <a:normAutofit fontScale="77500" lnSpcReduction="20000"/>
           </a:bodyPr>
           <a:lstStyle/>
           <a:p>
@@ -6962,7 +6978,7 @@
           <a:p>
             <a:fld id="{8A97B252-A157-47EE-8D8D-B5B4DAA37260}" type="datetime1">
               <a:rPr lang="en-US" smtClean="0"/>
-              <a:t>10/24/2017</a:t>
+              <a:t>10/25/2017</a:t>
             </a:fld>
             <a:endParaRPr lang="en-US"/>
           </a:p>
@@ -7114,7 +7130,7 @@
           <a:p>
             <a:fld id="{14CB67C7-3BA7-4C89-AD88-5C3EB0A22414}" type="datetime1">
               <a:rPr lang="en-US" smtClean="0"/>
-              <a:t>10/24/2017</a:t>
+              <a:t>10/25/2017</a:t>
             </a:fld>
             <a:endParaRPr lang="en-US" dirty="0"/>
           </a:p>
@@ -7166,8 +7182,8 @@
         </p:blipFill>
         <p:spPr bwMode="auto">
           <a:xfrm>
-            <a:off x="3800015" y="2532936"/>
-            <a:ext cx="4826001" cy="1143000"/>
+            <a:off x="3657600" y="1809750"/>
+            <a:ext cx="4789267" cy="1134300"/>
           </a:xfrm>
           <a:prstGeom prst="rect">
             <a:avLst/>
@@ -7207,8 +7223,8 @@
         </p:blipFill>
         <p:spPr bwMode="auto">
           <a:xfrm>
-            <a:off x="457200" y="4353057"/>
-            <a:ext cx="4767261" cy="1433512"/>
+            <a:off x="457203" y="3269807"/>
+            <a:ext cx="4267197" cy="1283143"/>
           </a:xfrm>
           <a:prstGeom prst="rect">
             <a:avLst/>
@@ -7248,8 +7264,8 @@
         </p:blipFill>
         <p:spPr bwMode="auto">
           <a:xfrm>
-            <a:off x="573993" y="2170333"/>
-            <a:ext cx="3159807" cy="1868207"/>
+            <a:off x="573997" y="1627750"/>
+            <a:ext cx="3007404" cy="1778100"/>
           </a:xfrm>
           <a:prstGeom prst="rect">
             <a:avLst/>
@@ -7289,8 +7305,8 @@
         </p:blipFill>
         <p:spPr bwMode="auto">
           <a:xfrm>
-            <a:off x="5218052" y="3733799"/>
-            <a:ext cx="3316348" cy="2672029"/>
+            <a:off x="4800599" y="2971473"/>
+            <a:ext cx="3646267" cy="1657677"/>
           </a:xfrm>
           <a:prstGeom prst="rect">
             <a:avLst/>
@@ -7380,7 +7396,7 @@
         <p:spPr/>
         <p:txBody>
           <a:bodyPr>
-            <a:normAutofit/>
+            <a:normAutofit fontScale="92500" lnSpcReduction="10000"/>
           </a:bodyPr>
           <a:lstStyle/>
           <a:p>
@@ -7392,13 +7408,7 @@
               <a:rPr lang="en-US" dirty="0" smtClean="0">
                 <a:hlinkClick r:id="rId3"/>
               </a:rPr>
-              <a:t>https://</a:t>
-            </a:r>
-            <a:r>
-              <a:rPr lang="en-US" dirty="0" smtClean="0">
-                <a:hlinkClick r:id="rId3"/>
-              </a:rPr>
-              <a:t>method5.github.io</a:t>
+              <a:t>https://method5.github.io</a:t>
             </a:r>
             <a:endParaRPr lang="en-US" dirty="0" smtClean="0"/>
           </a:p>
@@ -7495,7 +7505,7 @@
           <a:p>
             <a:fld id="{E18E99D8-5B8F-468C-BBE7-526BD68FE572}" type="datetime1">
               <a:rPr lang="en-US" smtClean="0"/>
-              <a:t>10/24/2017</a:t>
+              <a:t>10/25/2017</a:t>
             </a:fld>
             <a:endParaRPr lang="en-US"/>
           </a:p>
@@ -7605,7 +7615,9 @@
         </p:nvSpPr>
         <p:spPr/>
         <p:txBody>
-          <a:bodyPr/>
+          <a:bodyPr>
+            <a:normAutofit lnSpcReduction="10000"/>
+          </a:bodyPr>
           <a:lstStyle/>
           <a:p>
             <a:pPr marL="514350" indent="-514350">
@@ -7686,7 +7698,7 @@
           <a:p>
             <a:fld id="{4E667C21-B277-46CB-80E7-1C015420E7D1}" type="datetime1">
               <a:rPr lang="en-US" smtClean="0"/>
-              <a:t>10/24/2017</a:t>
+              <a:t>10/25/2017</a:t>
             </a:fld>
             <a:endParaRPr lang="en-US" dirty="0"/>
           </a:p>
@@ -7788,7 +7800,7 @@
         <p:spPr/>
         <p:txBody>
           <a:bodyPr>
-            <a:normAutofit fontScale="92500" lnSpcReduction="20000"/>
+            <a:normAutofit fontScale="77500" lnSpcReduction="20000"/>
           </a:bodyPr>
           <a:lstStyle/>
           <a:p>
@@ -7798,11 +7810,7 @@
             </a:pPr>
             <a:r>
               <a:rPr lang="en-US" dirty="0" smtClean="0"/>
-              <a:t>Parallel remote execution SQL </a:t>
-            </a:r>
-            <a:r>
-              <a:rPr lang="en-US" dirty="0" smtClean="0"/>
-              <a:t>extension</a:t>
+              <a:t>Parallel remote execution SQL extension</a:t>
             </a:r>
           </a:p>
           <a:p>
@@ -7814,7 +7822,6 @@
               <a:rPr lang="en-US" dirty="0" smtClean="0"/>
               <a:t>Easily run SQL, PL/SQL, and shell scripts</a:t>
             </a:r>
-            <a:endParaRPr lang="en-US" dirty="0" smtClean="0"/>
           </a:p>
           <a:p>
             <a:pPr marL="514350" indent="-514350">
@@ -7823,17 +7830,17 @@
             </a:pPr>
             <a:r>
               <a:rPr lang="en-US" dirty="0" smtClean="0"/>
-              <a:t>Can </a:t>
-            </a:r>
-            <a:r>
-              <a:rPr lang="en-US" dirty="0"/>
-              <a:t>be as simple as:</a:t>
+              <a:t>Advanced features in a simple syntax:</a:t>
+            </a:r>
+            <a:r>
+              <a:rPr lang="en-US" dirty="0" smtClean="0"/>
+              <a:t/>
             </a:r>
             <a:br>
-              <a:rPr lang="en-US" dirty="0"/>
+              <a:rPr lang="en-US" dirty="0" smtClean="0"/>
             </a:br>
             <a:r>
-              <a:rPr lang="en-US" sz="2800" b="1" dirty="0" smtClean="0">
+              <a:rPr lang="en-US" sz="3100" b="1" dirty="0" smtClean="0">
                 <a:solidFill>
                   <a:srgbClr val="008080"/>
                 </a:solidFill>
@@ -7845,7 +7852,7 @@
               <a:t>select</a:t>
             </a:r>
             <a:r>
-              <a:rPr lang="en-US" sz="2800" b="1" dirty="0" smtClean="0">
+              <a:rPr lang="en-US" sz="3100" b="1" dirty="0" smtClean="0">
                 <a:solidFill>
                   <a:srgbClr val="000080"/>
                 </a:solidFill>
@@ -7857,7 +7864,7 @@
               <a:t> *</a:t>
             </a:r>
             <a:br>
-              <a:rPr lang="en-US" sz="2800" b="1" dirty="0" smtClean="0">
+              <a:rPr lang="en-US" sz="3100" b="1" dirty="0" smtClean="0">
                 <a:solidFill>
                   <a:srgbClr val="000080"/>
                 </a:solidFill>
@@ -7868,7 +7875,7 @@
               </a:rPr>
             </a:br>
             <a:r>
-              <a:rPr lang="en-US" sz="2800" b="1" dirty="0" smtClean="0">
+              <a:rPr lang="en-US" sz="3100" b="1" dirty="0" smtClean="0">
                 <a:solidFill>
                   <a:srgbClr val="008080"/>
                 </a:solidFill>
@@ -7880,7 +7887,7 @@
               <a:t>from</a:t>
             </a:r>
             <a:r>
-              <a:rPr lang="en-US" sz="2800" b="1" dirty="0" smtClean="0">
+              <a:rPr lang="en-US" sz="3100" b="1" dirty="0" smtClean="0">
                 <a:solidFill>
                   <a:srgbClr val="000080"/>
                 </a:solidFill>
@@ -7892,7 +7899,7 @@
               <a:t> </a:t>
             </a:r>
             <a:r>
-              <a:rPr lang="en-US" sz="2800" b="1" dirty="0">
+              <a:rPr lang="en-US" sz="3100" b="1" dirty="0">
                 <a:solidFill>
                   <a:srgbClr val="008080"/>
                 </a:solidFill>
@@ -7904,7 +7911,7 @@
               <a:t>table</a:t>
             </a:r>
             <a:r>
-              <a:rPr lang="en-US" sz="2800" b="1" dirty="0">
+              <a:rPr lang="en-US" sz="3100" b="1" dirty="0">
                 <a:solidFill>
                   <a:srgbClr val="000080"/>
                 </a:solidFill>
@@ -7916,7 +7923,7 @@
               <a:t>(m5(</a:t>
             </a:r>
             <a:r>
-              <a:rPr lang="en-US" sz="2800" b="1" dirty="0">
+              <a:rPr lang="en-US" sz="3100" b="1" dirty="0">
                 <a:solidFill>
                   <a:srgbClr val="0000FF"/>
                 </a:solidFill>
@@ -7928,7 +7935,7 @@
               <a:t>'select * from dual'</a:t>
             </a:r>
             <a:r>
-              <a:rPr lang="en-US" sz="2800" b="1" dirty="0">
+              <a:rPr lang="en-US" sz="3100" b="1" dirty="0">
                 <a:solidFill>
                   <a:srgbClr val="000080"/>
                 </a:solidFill>
@@ -7939,7 +7946,7 @@
               </a:rPr>
               <a:t>));</a:t>
             </a:r>
-            <a:endParaRPr lang="en-US" sz="2600" b="1" dirty="0"/>
+            <a:endParaRPr lang="en-US" b="1" dirty="0"/>
           </a:p>
           <a:p>
             <a:pPr marL="514350" indent="-514350">
@@ -7947,22 +7954,12 @@
               <a:buAutoNum type="arabicPeriod"/>
             </a:pPr>
             <a:r>
-              <a:rPr lang="en-US" dirty="0"/>
-              <a:t>Plus many advanced </a:t>
-            </a:r>
-            <a:r>
-              <a:rPr lang="en-US" dirty="0" smtClean="0"/>
-              <a:t>features</a:t>
-            </a:r>
-          </a:p>
-          <a:p>
-            <a:pPr marL="514350" indent="-514350">
-              <a:buFont typeface="+mj-lt"/>
-              <a:buAutoNum type="arabicPeriod"/>
-            </a:pPr>
-            <a:r>
-              <a:rPr lang="en-US" dirty="0" smtClean="0"/>
-              <a:t>Complements existing automation tools</a:t>
+              <a:rPr lang="en-US" dirty="0" smtClean="0"/>
+              <a:t>Complements </a:t>
+            </a:r>
+            <a:r>
+              <a:rPr lang="en-US" dirty="0" smtClean="0"/>
+              <a:t>existing automation tools</a:t>
             </a:r>
           </a:p>
           <a:p>
@@ -8028,7 +8025,7 @@
           <a:p>
             <a:fld id="{04FA3B08-0866-4F48-BECB-8AEAA49887FE}" type="datetime1">
               <a:rPr lang="en-US" smtClean="0"/>
-              <a:t>10/24/2017</a:t>
+              <a:t>10/25/2017</a:t>
             </a:fld>
             <a:endParaRPr lang="en-US"/>
           </a:p>
@@ -8127,10 +8124,15 @@
             <p:ph idx="1"/>
           </p:nvPr>
         </p:nvSpPr>
-        <p:spPr/>
+        <p:spPr>
+          <a:xfrm>
+            <a:off x="457200" y="1200151"/>
+            <a:ext cx="8229600" cy="2871981"/>
+          </a:xfrm>
+        </p:spPr>
         <p:txBody>
           <a:bodyPr>
-            <a:normAutofit/>
+            <a:normAutofit fontScale="92500" lnSpcReduction="20000"/>
           </a:bodyPr>
           <a:lstStyle/>
           <a:p>
@@ -8160,12 +8162,12 @@
               <a:buAutoNum type="arabicPeriod"/>
             </a:pPr>
             <a:r>
-              <a:rPr lang="en-US" sz="2800" dirty="0" err="1" smtClean="0"/>
-              <a:t>Stackoverflow</a:t>
-            </a:r>
-            <a:r>
               <a:rPr lang="en-US" sz="2800" dirty="0" smtClean="0"/>
-              <a:t> top user in Oracle and PL/SQL</a:t>
+              <a:t>Stack Overflow </a:t>
+            </a:r>
+            <a:r>
+              <a:rPr lang="en-US" sz="2800" dirty="0" smtClean="0"/>
+              <a:t>top user in Oracle and PL/SQL</a:t>
             </a:r>
           </a:p>
           <a:p>
@@ -8230,7 +8232,7 @@
           <a:p>
             <a:fld id="{E0B1ECC0-3D31-49BF-9732-FEB21E3BFE0B}" type="datetime1">
               <a:rPr lang="en-US" smtClean="0"/>
-              <a:t>10/24/2017</a:t>
+              <a:t>10/25/2017</a:t>
             </a:fld>
             <a:endParaRPr lang="en-US"/>
           </a:p>
@@ -8280,8 +8282,8 @@
         </p:blipFill>
         <p:spPr bwMode="auto">
           <a:xfrm>
-            <a:off x="533400" y="5472495"/>
-            <a:ext cx="1680000" cy="419328"/>
+            <a:off x="533401" y="4117017"/>
+            <a:ext cx="1670857" cy="417046"/>
           </a:xfrm>
           <a:prstGeom prst="rect">
             <a:avLst/>
@@ -8321,8 +8323,8 @@
         </p:blipFill>
         <p:spPr bwMode="auto">
           <a:xfrm>
-            <a:off x="5251407" y="5415478"/>
-            <a:ext cx="1594803" cy="519891"/>
+            <a:off x="5255515" y="4130581"/>
+            <a:ext cx="1594803" cy="389918"/>
           </a:xfrm>
           <a:prstGeom prst="rect">
             <a:avLst/>
@@ -8362,8 +8364,8 @@
         </p:blipFill>
         <p:spPr bwMode="auto">
           <a:xfrm>
-            <a:off x="4449555" y="5429508"/>
-            <a:ext cx="561460" cy="561460"/>
+            <a:off x="4432492" y="4032170"/>
+            <a:ext cx="586740" cy="586740"/>
           </a:xfrm>
           <a:prstGeom prst="rect">
             <a:avLst/>
@@ -8401,8 +8403,8 @@
         </p:blipFill>
         <p:spPr bwMode="auto">
           <a:xfrm>
-            <a:off x="2453792" y="5411668"/>
-            <a:ext cx="1755371" cy="526611"/>
+            <a:off x="2440540" y="4062193"/>
+            <a:ext cx="1755670" cy="526694"/>
           </a:xfrm>
           <a:prstGeom prst="rect">
             <a:avLst/>
@@ -8442,8 +8444,8 @@
         </p:blipFill>
         <p:spPr bwMode="auto">
           <a:xfrm>
-            <a:off x="7086600" y="5105400"/>
-            <a:ext cx="1828800" cy="1223494"/>
+            <a:off x="7086601" y="3714750"/>
+            <a:ext cx="1825943" cy="1221581"/>
           </a:xfrm>
           <a:prstGeom prst="rect">
             <a:avLst/>
@@ -8535,7 +8537,7 @@
         <p:spPr/>
         <p:txBody>
           <a:bodyPr>
-            <a:normAutofit/>
+            <a:normAutofit lnSpcReduction="10000"/>
           </a:bodyPr>
           <a:lstStyle/>
           <a:p>
@@ -8607,7 +8609,7 @@
           <a:p>
             <a:fld id="{59A89C50-A88C-43DA-A017-AA6F35F0B0C8}" type="datetime1">
               <a:rPr lang="en-US" smtClean="0"/>
-              <a:t>10/24/2017</a:t>
+              <a:t>10/25/2017</a:t>
             </a:fld>
             <a:endParaRPr lang="en-US"/>
           </a:p>
@@ -8722,8 +8724,8 @@
         </p:blipFill>
         <p:spPr>
           <a:xfrm>
-            <a:off x="6644660" y="1524000"/>
-            <a:ext cx="2122131" cy="774456"/>
+            <a:off x="6644660" y="1143000"/>
+            <a:ext cx="2122131" cy="580842"/>
           </a:xfrm>
         </p:spPr>
       </p:pic>
@@ -8744,7 +8746,7 @@
           <a:p>
             <a:fld id="{AA1E44A8-32B0-4E5A-A6DF-07DB1E700CAE}" type="datetime1">
               <a:rPr lang="en-US" smtClean="0"/>
-              <a:t>10/24/2017</a:t>
+              <a:t>10/25/2017</a:t>
             </a:fld>
             <a:endParaRPr lang="en-US"/>
           </a:p>
@@ -8796,7 +8798,7 @@
         </p:blipFill>
         <p:spPr bwMode="auto">
           <a:xfrm>
-            <a:off x="6472238" y="4600575"/>
+            <a:off x="6472238" y="3538538"/>
             <a:ext cx="971550" cy="809625"/>
           </a:xfrm>
           <a:prstGeom prst="rect">
@@ -8850,7 +8852,7 @@
         </p:blipFill>
         <p:spPr bwMode="auto">
           <a:xfrm>
-            <a:off x="7472363" y="4191000"/>
+            <a:off x="7472366" y="3143250"/>
             <a:ext cx="1362075" cy="1600200"/>
           </a:xfrm>
           <a:prstGeom prst="rect">
@@ -8904,7 +8906,7 @@
         </p:blipFill>
         <p:spPr bwMode="auto">
           <a:xfrm>
-            <a:off x="6653213" y="2438400"/>
+            <a:off x="6653213" y="1889003"/>
             <a:ext cx="2105025" cy="333375"/>
           </a:xfrm>
           <a:prstGeom prst="rect">
@@ -8958,7 +8960,7 @@
         </p:blipFill>
         <p:spPr bwMode="auto">
           <a:xfrm>
-            <a:off x="6572250" y="3276600"/>
+            <a:off x="6572250" y="2387539"/>
             <a:ext cx="2266950" cy="590550"/>
           </a:xfrm>
           <a:prstGeom prst="rect">
@@ -8999,8 +9001,8 @@
         </p:nvSpPr>
         <p:spPr>
           <a:xfrm>
-            <a:off x="457200" y="1600200"/>
-            <a:ext cx="8229600" cy="4525963"/>
+            <a:off x="457200" y="1200151"/>
+            <a:ext cx="8229600" cy="3394472"/>
           </a:xfrm>
           <a:prstGeom prst="rect">
             <a:avLst/>
@@ -9008,7 +9010,7 @@
         </p:spPr>
         <p:txBody>
           <a:bodyPr vert="horz" lIns="91440" tIns="45720" rIns="91440" bIns="45720" rtlCol="0">
-            <a:normAutofit/>
+            <a:normAutofit lnSpcReduction="10000"/>
           </a:bodyPr>
           <a:lstStyle>
             <a:lvl1pPr marL="342900" indent="-342900" algn="l" defTabSz="914400" rtl="0" eaLnBrk="1" latinLnBrk="0" hangingPunct="1">
@@ -9286,7 +9288,7 @@
         <p:spPr/>
         <p:txBody>
           <a:bodyPr>
-            <a:normAutofit/>
+            <a:normAutofit fontScale="92500" lnSpcReduction="20000"/>
           </a:bodyPr>
           <a:lstStyle/>
           <a:p>
@@ -9553,7 +9555,7 @@
           <a:p>
             <a:fld id="{1AF7749E-7951-4D42-9C43-2FC8E80375B1}" type="datetime1">
               <a:rPr lang="en-US" smtClean="0"/>
-              <a:t>10/24/2017</a:t>
+              <a:t>10/25/2017</a:t>
             </a:fld>
             <a:endParaRPr lang="en-US"/>
           </a:p>
@@ -9656,7 +9658,9 @@
         </p:nvSpPr>
         <p:spPr/>
         <p:txBody>
-          <a:bodyPr/>
+          <a:bodyPr>
+            <a:normAutofit lnSpcReduction="10000"/>
+          </a:bodyPr>
           <a:lstStyle/>
           <a:p>
             <a:pPr marL="514350" indent="-514350">
@@ -9703,11 +9707,7 @@
             </a:pPr>
             <a:r>
               <a:rPr lang="en-US" dirty="0" smtClean="0"/>
-              <a:t>&gt;10 </a:t>
-            </a:r>
-            <a:r>
-              <a:rPr lang="en-US" dirty="0" smtClean="0"/>
-              <a:t>million runs, &gt;1800 tests, open source</a:t>
+              <a:t>&gt;10 million runs, &gt;1800 tests, open source</a:t>
             </a:r>
           </a:p>
           <a:p>
@@ -9739,7 +9739,7 @@
           <a:p>
             <a:fld id="{60D7856B-577C-489D-A2A8-2F221F81FEFA}" type="datetime1">
               <a:rPr lang="en-US" smtClean="0"/>
-              <a:t>10/24/2017</a:t>
+              <a:t>10/25/2017</a:t>
             </a:fld>
             <a:endParaRPr lang="en-US"/>
           </a:p>
@@ -9842,13 +9842,13 @@
         </p:nvSpPr>
         <p:spPr>
           <a:xfrm>
-            <a:off x="304800" y="1600200"/>
-            <a:ext cx="8458200" cy="4525963"/>
+            <a:off x="304800" y="1200150"/>
+            <a:ext cx="8458200" cy="3581400"/>
           </a:xfrm>
         </p:spPr>
         <p:txBody>
           <a:bodyPr>
-            <a:normAutofit fontScale="77500" lnSpcReduction="20000"/>
+            <a:normAutofit fontScale="40000" lnSpcReduction="20000"/>
           </a:bodyPr>
           <a:lstStyle/>
           <a:p>
@@ -9856,7 +9856,7 @@
               <a:buNone/>
             </a:pPr>
             <a:r>
-              <a:rPr lang="en-US" sz="2600" b="1" dirty="0" smtClean="0">
+              <a:rPr lang="en-US" sz="5000" b="1" dirty="0" smtClean="0">
                 <a:solidFill>
                   <a:srgbClr val="008080"/>
                 </a:solidFill>
@@ -9868,7 +9868,7 @@
               <a:t>select</a:t>
             </a:r>
             <a:r>
-              <a:rPr lang="en-US" sz="2600" b="1" dirty="0" smtClean="0">
+              <a:rPr lang="en-US" sz="5000" b="1" dirty="0" smtClean="0">
                 <a:solidFill>
                   <a:srgbClr val="000080"/>
                 </a:solidFill>
@@ -9885,7 +9885,7 @@
               <a:buNone/>
             </a:pPr>
             <a:r>
-              <a:rPr lang="en-US" sz="2600" b="1" dirty="0" smtClean="0">
+              <a:rPr lang="en-US" sz="5000" b="1" dirty="0" smtClean="0">
                 <a:solidFill>
                   <a:srgbClr val="008080"/>
                 </a:solidFill>
@@ -9897,7 +9897,7 @@
               <a:t>from</a:t>
             </a:r>
             <a:r>
-              <a:rPr lang="en-US" sz="2600" b="1" dirty="0" smtClean="0">
+              <a:rPr lang="en-US" sz="5000" b="1" dirty="0" smtClean="0">
                 <a:solidFill>
                   <a:srgbClr val="000080"/>
                 </a:solidFill>
@@ -9909,7 +9909,7 @@
               <a:t> </a:t>
             </a:r>
             <a:r>
-              <a:rPr lang="en-US" sz="2600" b="1" dirty="0" smtClean="0">
+              <a:rPr lang="en-US" sz="5000" b="1" dirty="0" smtClean="0">
                 <a:solidFill>
                   <a:srgbClr val="008080"/>
                 </a:solidFill>
@@ -9921,7 +9921,7 @@
               <a:t>table</a:t>
             </a:r>
             <a:r>
-              <a:rPr lang="en-US" sz="2600" b="1" dirty="0" smtClean="0">
+              <a:rPr lang="en-US" sz="5000" b="1" dirty="0" smtClean="0">
                 <a:solidFill>
                   <a:srgbClr val="000080"/>
                 </a:solidFill>
@@ -9933,7 +9933,7 @@
               <a:t>(m5</a:t>
             </a:r>
             <a:r>
-              <a:rPr lang="en-US" sz="2600" b="1" dirty="0">
+              <a:rPr lang="en-US" sz="5000" b="1" dirty="0">
                 <a:solidFill>
                   <a:srgbClr val="000080"/>
                 </a:solidFill>
@@ -9945,7 +9945,7 @@
               <a:t>(</a:t>
             </a:r>
             <a:r>
-              <a:rPr lang="en-US" sz="2600" b="1" dirty="0">
+              <a:rPr lang="en-US" sz="5000" b="1" dirty="0">
                 <a:solidFill>
                   <a:srgbClr val="0000FF"/>
                 </a:solidFill>
@@ -9957,7 +9957,7 @@
               <a:t>'select * from dual'</a:t>
             </a:r>
             <a:r>
-              <a:rPr lang="en-US" sz="2600" b="1" dirty="0">
+              <a:rPr lang="en-US" sz="5000" b="1" dirty="0">
                 <a:solidFill>
                   <a:srgbClr val="000080"/>
                 </a:solidFill>
@@ -9969,7 +9969,7 @@
               <a:t>, </a:t>
             </a:r>
             <a:r>
-              <a:rPr lang="en-US" sz="2600" b="1" dirty="0">
+              <a:rPr lang="en-US" sz="5000" b="1" dirty="0">
                 <a:solidFill>
                   <a:srgbClr val="0000FF"/>
                 </a:solidFill>
@@ -9981,7 +9981,7 @@
               <a:t>'</a:t>
             </a:r>
             <a:r>
-              <a:rPr lang="en-US" sz="2600" b="1" dirty="0" err="1">
+              <a:rPr lang="en-US" sz="5000" b="1" dirty="0" err="1">
                 <a:solidFill>
                   <a:srgbClr val="0000FF"/>
                 </a:solidFill>
@@ -9993,7 +9993,7 @@
               <a:t>dev,qa</a:t>
             </a:r>
             <a:r>
-              <a:rPr lang="en-US" sz="2600" b="1" dirty="0" smtClean="0">
+              <a:rPr lang="en-US" sz="5000" b="1" dirty="0" smtClean="0">
                 <a:solidFill>
                   <a:srgbClr val="0000FF"/>
                 </a:solidFill>
@@ -10005,7 +10005,7 @@
               <a:t>'</a:t>
             </a:r>
             <a:r>
-              <a:rPr lang="en-US" sz="2600" b="1" dirty="0">
+              <a:rPr lang="en-US" sz="5000" b="1" dirty="0">
                 <a:solidFill>
                   <a:srgbClr val="000080"/>
                 </a:solidFill>
@@ -10017,7 +10017,7 @@
               <a:t>, </a:t>
             </a:r>
             <a:r>
-              <a:rPr lang="en-US" sz="2600" b="1" dirty="0" smtClean="0">
+              <a:rPr lang="en-US" sz="5000" b="1" dirty="0" smtClean="0">
                 <a:solidFill>
                   <a:srgbClr val="0000FF"/>
                 </a:solidFill>
@@ -10029,7 +10029,7 @@
               <a:t>'yes'</a:t>
             </a:r>
             <a:r>
-              <a:rPr lang="en-US" sz="2600" b="1" dirty="0" smtClean="0">
+              <a:rPr lang="en-US" sz="5000" b="1" dirty="0" smtClean="0">
                 <a:solidFill>
                   <a:srgbClr val="000080"/>
                 </a:solidFill>
@@ -10092,7 +10092,7 @@
               </a:rPr>
             </a:br>
             <a:r>
-              <a:rPr lang="en-US" sz="2600" b="1" dirty="0">
+              <a:rPr lang="en-US" sz="4000" b="1" dirty="0">
                 <a:solidFill>
                   <a:srgbClr val="008080"/>
                 </a:solidFill>
@@ -10103,7 +10103,7 @@
               </a:rPr>
               <a:t>begin</a:t>
             </a:r>
-            <a:endParaRPr lang="en-US" sz="2600" b="1" dirty="0">
+            <a:endParaRPr lang="en-US" sz="4000" b="1" dirty="0">
               <a:solidFill>
                 <a:srgbClr val="000080"/>
               </a:solidFill>
@@ -10118,7 +10118,7 @@
               <a:buNone/>
             </a:pPr>
             <a:r>
-              <a:rPr lang="en-US" sz="2600" b="1" dirty="0" smtClean="0">
+              <a:rPr lang="en-US" sz="4000" b="1" dirty="0" smtClean="0">
                 <a:solidFill>
                   <a:srgbClr val="000080"/>
                 </a:solidFill>
@@ -10130,7 +10130,7 @@
               <a:t>  m5_proc</a:t>
             </a:r>
             <a:r>
-              <a:rPr lang="en-US" sz="2600" b="1" dirty="0">
+              <a:rPr lang="en-US" sz="4000" b="1" dirty="0">
                 <a:solidFill>
                   <a:srgbClr val="000080"/>
                 </a:solidFill>
@@ -10147,7 +10147,7 @@
               <a:buNone/>
             </a:pPr>
             <a:r>
-              <a:rPr lang="en-US" sz="2600" b="1" dirty="0" smtClean="0">
+              <a:rPr lang="en-US" sz="4000" b="1" dirty="0" smtClean="0">
                 <a:solidFill>
                   <a:srgbClr val="000080"/>
                 </a:solidFill>
@@ -10159,7 +10159,7 @@
               <a:t>    </a:t>
             </a:r>
             <a:r>
-              <a:rPr lang="en-US" sz="2600" b="1" dirty="0" err="1" smtClean="0">
+              <a:rPr lang="en-US" sz="4000" b="1" dirty="0" err="1" smtClean="0">
                 <a:solidFill>
                   <a:srgbClr val="000080"/>
                 </a:solidFill>
@@ -10171,7 +10171,7 @@
               <a:t>p_code</a:t>
             </a:r>
             <a:r>
-              <a:rPr lang="en-US" sz="2600" b="1" dirty="0" smtClean="0">
+              <a:rPr lang="en-US" sz="4000" b="1" dirty="0" smtClean="0">
                 <a:solidFill>
                   <a:srgbClr val="000080"/>
                 </a:solidFill>
@@ -10180,22 +10180,22 @@
                 </a:highlight>
                 <a:latin typeface="Courier New"/>
               </a:rPr>
-              <a:t> =&gt; </a:t>
-            </a:r>
-            <a:r>
-              <a:rPr lang="en-US" sz="2600" b="1" dirty="0" smtClean="0">
-                <a:solidFill>
-                  <a:srgbClr val="0000FF"/>
+              <a:t> </a:t>
+            </a:r>
+            <a:r>
+              <a:rPr lang="en-US" sz="4000" b="1" dirty="0" smtClean="0">
+                <a:solidFill>
+                  <a:srgbClr val="000080"/>
                 </a:solidFill>
                 <a:highlight>
                   <a:srgbClr val="FFFFFF"/>
                 </a:highlight>
                 <a:latin typeface="Courier New"/>
               </a:rPr>
-              <a:t>'select </a:t>
-            </a:r>
-            <a:r>
-              <a:rPr lang="en-US" sz="2600" b="1" dirty="0">
+              <a:t>               =&gt; </a:t>
+            </a:r>
+            <a:r>
+              <a:rPr lang="en-US" sz="4000" b="1" dirty="0" smtClean="0">
                 <a:solidFill>
                   <a:srgbClr val="0000FF"/>
                 </a:solidFill>
@@ -10204,10 +10204,10 @@
                 </a:highlight>
                 <a:latin typeface="Courier New"/>
               </a:rPr>
-              <a:t>* from </a:t>
-            </a:r>
-            <a:r>
-              <a:rPr lang="en-US" sz="2600" b="1" dirty="0" smtClean="0">
+              <a:t>'select </a:t>
+            </a:r>
+            <a:r>
+              <a:rPr lang="en-US" sz="4000" b="1" dirty="0">
                 <a:solidFill>
                   <a:srgbClr val="0000FF"/>
                 </a:solidFill>
@@ -10216,21 +10216,33 @@
                 </a:highlight>
                 <a:latin typeface="Courier New"/>
               </a:rPr>
-              <a:t>dual'</a:t>
-            </a:r>
-            <a:r>
-              <a:rPr lang="en-US" sz="2600" b="1" dirty="0" smtClean="0">
-                <a:solidFill>
-                  <a:srgbClr val="000080"/>
+              <a:t>* from </a:t>
+            </a:r>
+            <a:r>
+              <a:rPr lang="en-US" sz="4000" b="1" dirty="0" smtClean="0">
+                <a:solidFill>
+                  <a:srgbClr val="0000FF"/>
                 </a:solidFill>
                 <a:highlight>
                   <a:srgbClr val="FFFFFF"/>
                 </a:highlight>
                 <a:latin typeface="Courier New"/>
               </a:rPr>
+              <a:t>dual'</a:t>
+            </a:r>
+            <a:r>
+              <a:rPr lang="en-US" sz="4000" b="1" dirty="0" smtClean="0">
+                <a:solidFill>
+                  <a:srgbClr val="000080"/>
+                </a:solidFill>
+                <a:highlight>
+                  <a:srgbClr val="FFFFFF"/>
+                </a:highlight>
+                <a:latin typeface="Courier New"/>
+              </a:rPr>
               <a:t>,</a:t>
             </a:r>
-            <a:endParaRPr lang="en-US" sz="2600" b="1" dirty="0">
+            <a:endParaRPr lang="en-US" sz="4000" b="1" dirty="0">
               <a:solidFill>
                 <a:srgbClr val="000080"/>
               </a:solidFill>
@@ -10245,7 +10257,7 @@
               <a:buNone/>
             </a:pPr>
             <a:r>
-              <a:rPr lang="en-US" sz="2600" b="1" dirty="0" smtClean="0">
+              <a:rPr lang="en-US" sz="4000" b="1" dirty="0" smtClean="0">
                 <a:solidFill>
                   <a:srgbClr val="000080"/>
                 </a:solidFill>
@@ -10257,7 +10269,7 @@
               <a:t>    </a:t>
             </a:r>
             <a:r>
-              <a:rPr lang="en-US" sz="2600" b="1" dirty="0" err="1" smtClean="0">
+              <a:rPr lang="en-US" sz="4000" b="1" dirty="0" err="1" smtClean="0">
                 <a:solidFill>
                   <a:srgbClr val="000080"/>
                 </a:solidFill>
@@ -10269,7 +10281,7 @@
               <a:t>p_targets</a:t>
             </a:r>
             <a:r>
-              <a:rPr lang="en-US" sz="2600" b="1" dirty="0" smtClean="0">
+              <a:rPr lang="en-US" sz="4000" b="1" dirty="0" smtClean="0">
                 <a:solidFill>
                   <a:srgbClr val="000080"/>
                 </a:solidFill>
@@ -10278,22 +10290,22 @@
                 </a:highlight>
                 <a:latin typeface="Courier New"/>
               </a:rPr>
-              <a:t> =&gt;  </a:t>
-            </a:r>
-            <a:r>
-              <a:rPr lang="en-US" sz="2600" b="1" dirty="0">
-                <a:solidFill>
-                  <a:srgbClr val="0000FF"/>
+              <a:t> </a:t>
+            </a:r>
+            <a:r>
+              <a:rPr lang="en-US" sz="4000" b="1" dirty="0" smtClean="0">
+                <a:solidFill>
+                  <a:srgbClr val="000080"/>
                 </a:solidFill>
                 <a:highlight>
                   <a:srgbClr val="FFFFFF"/>
                 </a:highlight>
                 <a:latin typeface="Courier New"/>
               </a:rPr>
-              <a:t>'</a:t>
-            </a:r>
-            <a:r>
-              <a:rPr lang="en-US" sz="2600" b="1" dirty="0" err="1">
+              <a:t>            =&gt; </a:t>
+            </a:r>
+            <a:r>
+              <a:rPr lang="en-US" sz="4000" b="1" dirty="0" smtClean="0">
                 <a:solidFill>
                   <a:srgbClr val="0000FF"/>
                 </a:solidFill>
@@ -10302,10 +10314,10 @@
                 </a:highlight>
                 <a:latin typeface="Courier New"/>
               </a:rPr>
-              <a:t>dev,qa</a:t>
-            </a:r>
-            <a:r>
-              <a:rPr lang="en-US" sz="2600" b="1" dirty="0">
+              <a:t>'</a:t>
+            </a:r>
+            <a:r>
+              <a:rPr lang="en-US" sz="4000" b="1" dirty="0" err="1" smtClean="0">
                 <a:solidFill>
                   <a:srgbClr val="0000FF"/>
                 </a:solidFill>
@@ -10314,27 +10326,22 @@
                 </a:highlight>
                 <a:latin typeface="Courier New"/>
               </a:rPr>
-              <a:t>'</a:t>
-            </a:r>
-            <a:r>
-              <a:rPr lang="en-US" sz="2600" b="1" dirty="0">
-                <a:solidFill>
-                  <a:srgbClr val="000080"/>
+              <a:t>dev,qa</a:t>
+            </a:r>
+            <a:r>
+              <a:rPr lang="en-US" sz="4000" b="1" dirty="0">
+                <a:solidFill>
+                  <a:srgbClr val="0000FF"/>
                 </a:solidFill>
                 <a:highlight>
                   <a:srgbClr val="FFFFFF"/>
                 </a:highlight>
                 <a:latin typeface="Courier New"/>
               </a:rPr>
-              <a:t>,</a:t>
-            </a:r>
-          </a:p>
-          <a:p>
-            <a:pPr marL="0" indent="0">
-              <a:buNone/>
-            </a:pPr>
-            <a:r>
-              <a:rPr lang="en-US" sz="2600" b="1" dirty="0" smtClean="0">
+              <a:t>'</a:t>
+            </a:r>
+            <a:r>
+              <a:rPr lang="en-US" sz="4000" b="1" dirty="0">
                 <a:solidFill>
                   <a:srgbClr val="000080"/>
                 </a:solidFill>
@@ -10343,10 +10350,15 @@
                 </a:highlight>
                 <a:latin typeface="Courier New"/>
               </a:rPr>
-              <a:t>    </a:t>
-            </a:r>
-            <a:r>
-              <a:rPr lang="en-US" sz="2600" b="1" dirty="0" err="1">
+              <a:t>,</a:t>
+            </a:r>
+          </a:p>
+          <a:p>
+            <a:pPr marL="0" indent="0">
+              <a:buNone/>
+            </a:pPr>
+            <a:r>
+              <a:rPr lang="en-US" sz="4000" b="1" dirty="0" smtClean="0">
                 <a:solidFill>
                   <a:srgbClr val="000080"/>
                 </a:solidFill>
@@ -10355,10 +10367,10 @@
                 </a:highlight>
                 <a:latin typeface="Courier New"/>
               </a:rPr>
-              <a:t>p_run_as_sys</a:t>
-            </a:r>
-            <a:r>
-              <a:rPr lang="en-US" sz="2600" b="1" dirty="0">
+              <a:t>    </a:t>
+            </a:r>
+            <a:r>
+              <a:rPr lang="en-US" sz="4000" b="1" dirty="0" err="1">
                 <a:solidFill>
                   <a:srgbClr val="000080"/>
                 </a:solidFill>
@@ -10367,27 +10379,22 @@
                 </a:highlight>
                 <a:latin typeface="Courier New"/>
               </a:rPr>
-              <a:t> =&gt; </a:t>
-            </a:r>
-            <a:r>
-              <a:rPr lang="en-US" sz="2600" b="1" dirty="0" smtClean="0">
-                <a:solidFill>
-                  <a:srgbClr val="008080"/>
+              <a:t>p_run_as_sys</a:t>
+            </a:r>
+            <a:r>
+              <a:rPr lang="en-US" sz="4000" b="1" dirty="0">
+                <a:solidFill>
+                  <a:srgbClr val="000080"/>
                 </a:solidFill>
                 <a:highlight>
                   <a:srgbClr val="FFFFFF"/>
                 </a:highlight>
                 <a:latin typeface="Courier New"/>
               </a:rPr>
-              <a:t>false</a:t>
-            </a:r>
-          </a:p>
-          <a:p>
-            <a:pPr marL="0" indent="0">
-              <a:buNone/>
-            </a:pPr>
-            <a:r>
-              <a:rPr lang="en-US" sz="2600" b="1" dirty="0" smtClean="0">
+              <a:t> </a:t>
+            </a:r>
+            <a:r>
+              <a:rPr lang="en-US" sz="4000" b="1" dirty="0" smtClean="0">
                 <a:solidFill>
                   <a:srgbClr val="000080"/>
                 </a:solidFill>
@@ -10396,22 +10403,27 @@
                 </a:highlight>
                 <a:latin typeface="Courier New"/>
               </a:rPr>
-              <a:t>    </a:t>
-            </a:r>
-            <a:r>
-              <a:rPr lang="en-US" sz="2600" b="1" dirty="0" err="1" smtClean="0">
-                <a:solidFill>
-                  <a:srgbClr val="000080"/>
+              <a:t>         =&gt; </a:t>
+            </a:r>
+            <a:r>
+              <a:rPr lang="en-US" sz="4000" b="1" dirty="0" smtClean="0">
+                <a:solidFill>
+                  <a:srgbClr val="008080"/>
                 </a:solidFill>
                 <a:highlight>
                   <a:srgbClr val="FFFFFF"/>
                 </a:highlight>
                 <a:latin typeface="Courier New"/>
               </a:rPr>
-              <a:t>p_table_name</a:t>
-            </a:r>
-            <a:r>
-              <a:rPr lang="en-US" sz="2600" b="1" dirty="0" smtClean="0">
+              <a:t>false</a:t>
+            </a:r>
+          </a:p>
+          <a:p>
+            <a:pPr marL="0" indent="0">
+              <a:buNone/>
+            </a:pPr>
+            <a:r>
+              <a:rPr lang="en-US" sz="4000" b="1" dirty="0" smtClean="0">
                 <a:solidFill>
                   <a:srgbClr val="000080"/>
                 </a:solidFill>
@@ -10420,87 +10432,82 @@
                 </a:highlight>
                 <a:latin typeface="Courier New"/>
               </a:rPr>
-              <a:t> =&gt; </a:t>
-            </a:r>
-            <a:r>
-              <a:rPr lang="en-US" sz="2600" b="1" dirty="0">
-                <a:solidFill>
-                  <a:srgbClr val="0000FF"/>
+              <a:t>    </a:t>
+            </a:r>
+            <a:r>
+              <a:rPr lang="en-US" sz="4000" b="1" dirty="0" err="1" smtClean="0">
+                <a:solidFill>
+                  <a:srgbClr val="000080"/>
                 </a:solidFill>
                 <a:highlight>
                   <a:srgbClr val="FFFFFF"/>
                 </a:highlight>
                 <a:latin typeface="Courier New"/>
               </a:rPr>
-              <a:t>'</a:t>
-            </a:r>
-            <a:r>
-              <a:rPr lang="en-US" sz="2600" b="1" dirty="0" err="1">
-                <a:solidFill>
-                  <a:srgbClr val="0000FF"/>
+              <a:t>p_table_name</a:t>
+            </a:r>
+            <a:r>
+              <a:rPr lang="en-US" sz="4000" b="1" dirty="0" smtClean="0">
+                <a:solidFill>
+                  <a:srgbClr val="000080"/>
                 </a:solidFill>
                 <a:highlight>
                   <a:srgbClr val="FFFFFF"/>
                 </a:highlight>
                 <a:latin typeface="Courier New"/>
               </a:rPr>
-              <a:t>test_data</a:t>
-            </a:r>
-            <a:r>
-              <a:rPr lang="en-US" sz="2600" b="1" dirty="0">
-                <a:solidFill>
-                  <a:srgbClr val="0000FF"/>
+              <a:t> </a:t>
+            </a:r>
+            <a:r>
+              <a:rPr lang="en-US" sz="4000" b="1" dirty="0" smtClean="0">
+                <a:solidFill>
+                  <a:srgbClr val="000080"/>
                 </a:solidFill>
                 <a:highlight>
                   <a:srgbClr val="FFFFFF"/>
                 </a:highlight>
                 <a:latin typeface="Courier New"/>
               </a:rPr>
-              <a:t>'</a:t>
-            </a:r>
-            <a:r>
-              <a:rPr lang="en-US" sz="2600" b="1" dirty="0">
-                <a:solidFill>
-                  <a:srgbClr val="000080"/>
+              <a:t>         =&gt; </a:t>
+            </a:r>
+            <a:r>
+              <a:rPr lang="en-US" sz="4000" b="1" dirty="0">
+                <a:solidFill>
+                  <a:srgbClr val="0000FF"/>
                 </a:solidFill>
                 <a:highlight>
                   <a:srgbClr val="FFFFFF"/>
                 </a:highlight>
                 <a:latin typeface="Courier New"/>
               </a:rPr>
-              <a:t>,</a:t>
-            </a:r>
-          </a:p>
-          <a:p>
-            <a:pPr marL="0" indent="0">
-              <a:buNone/>
-            </a:pPr>
-            <a:r>
-              <a:rPr lang="en-US" sz="2600" b="1" dirty="0" smtClean="0">
-                <a:solidFill>
-                  <a:srgbClr val="000080"/>
+              <a:t>'</a:t>
+            </a:r>
+            <a:r>
+              <a:rPr lang="en-US" sz="4000" b="1" dirty="0" err="1">
+                <a:solidFill>
+                  <a:srgbClr val="0000FF"/>
                 </a:solidFill>
                 <a:highlight>
                   <a:srgbClr val="FFFFFF"/>
                 </a:highlight>
                 <a:latin typeface="Courier New"/>
               </a:rPr>
-              <a:t>    </a:t>
-            </a:r>
-            <a:r>
-              <a:rPr lang="en-US" sz="2600" b="1" dirty="0" err="1" smtClean="0">
-                <a:solidFill>
-                  <a:srgbClr val="000080"/>
+              <a:t>test_data</a:t>
+            </a:r>
+            <a:r>
+              <a:rPr lang="en-US" sz="4000" b="1" dirty="0">
+                <a:solidFill>
+                  <a:srgbClr val="0000FF"/>
                 </a:solidFill>
                 <a:highlight>
                   <a:srgbClr val="FFFFFF"/>
                 </a:highlight>
                 <a:latin typeface="Courier New"/>
               </a:rPr>
-              <a:t>p_table_exists_action</a:t>
-            </a:r>
-            <a:r>
-              <a:rPr lang="en-US" sz="2600" b="1" dirty="0" smtClean="0">
+              <a:t>'</a:t>
+            </a:r>
+            <a:r>
+              <a:rPr lang="en-US" sz="4000" b="1" dirty="0">
                 <a:solidFill>
                   <a:srgbClr val="000080"/>
                 </a:solidFill>
@@ -10509,10 +10516,15 @@
                 </a:highlight>
                 <a:latin typeface="Courier New"/>
               </a:rPr>
-              <a:t> </a:t>
-            </a:r>
-            <a:r>
-              <a:rPr lang="en-US" sz="2600" b="1" dirty="0">
+              <a:t>,</a:t>
+            </a:r>
+          </a:p>
+          <a:p>
+            <a:pPr marL="0" indent="0">
+              <a:buNone/>
+            </a:pPr>
+            <a:r>
+              <a:rPr lang="en-US" sz="4000" b="1" dirty="0" smtClean="0">
                 <a:solidFill>
                   <a:srgbClr val="000080"/>
                 </a:solidFill>
@@ -10521,22 +10533,22 @@
                 </a:highlight>
                 <a:latin typeface="Courier New"/>
               </a:rPr>
-              <a:t>=&gt; </a:t>
-            </a:r>
-            <a:r>
-              <a:rPr lang="en-US" sz="2600" b="1" dirty="0">
-                <a:solidFill>
-                  <a:srgbClr val="0000FF"/>
+              <a:t>    </a:t>
+            </a:r>
+            <a:r>
+              <a:rPr lang="en-US" sz="4000" b="1" dirty="0" err="1" smtClean="0">
+                <a:solidFill>
+                  <a:srgbClr val="000080"/>
                 </a:solidFill>
                 <a:highlight>
                   <a:srgbClr val="FFFFFF"/>
                 </a:highlight>
                 <a:latin typeface="Courier New"/>
               </a:rPr>
-              <a:t>'drop'</a:t>
-            </a:r>
-            <a:r>
-              <a:rPr lang="en-US" sz="2600" b="1" dirty="0">
+              <a:t>p_table_exists_action</a:t>
+            </a:r>
+            <a:r>
+              <a:rPr lang="en-US" sz="4000" b="1" dirty="0" smtClean="0">
                 <a:solidFill>
                   <a:srgbClr val="000080"/>
                 </a:solidFill>
@@ -10545,15 +10557,10 @@
                 </a:highlight>
                 <a:latin typeface="Courier New"/>
               </a:rPr>
-              <a:t>,</a:t>
-            </a:r>
-          </a:p>
-          <a:p>
-            <a:pPr marL="0" indent="0">
-              <a:buNone/>
-            </a:pPr>
-            <a:r>
-              <a:rPr lang="en-US" sz="2600" b="1" dirty="0" smtClean="0">
+              <a:t> </a:t>
+            </a:r>
+            <a:r>
+              <a:rPr lang="en-US" sz="4000" b="1" dirty="0">
                 <a:solidFill>
                   <a:srgbClr val="000080"/>
                 </a:solidFill>
@@ -10562,22 +10569,22 @@
                 </a:highlight>
                 <a:latin typeface="Courier New"/>
               </a:rPr>
-              <a:t> </a:t>
-            </a:r>
-            <a:r>
-              <a:rPr lang="en-US" sz="2600" b="1" dirty="0" smtClean="0">
-                <a:solidFill>
-                  <a:srgbClr val="000080"/>
+              <a:t>=&gt; </a:t>
+            </a:r>
+            <a:r>
+              <a:rPr lang="en-US" sz="4000" b="1" dirty="0">
+                <a:solidFill>
+                  <a:srgbClr val="0000FF"/>
                 </a:solidFill>
                 <a:highlight>
                   <a:srgbClr val="FFFFFF"/>
                 </a:highlight>
                 <a:latin typeface="Courier New"/>
               </a:rPr>
-              <a:t>   </a:t>
-            </a:r>
-            <a:r>
-              <a:rPr lang="en-US" sz="2600" b="1" dirty="0" err="1" smtClean="0">
+              <a:t>'drop'</a:t>
+            </a:r>
+            <a:r>
+              <a:rPr lang="en-US" sz="4000" b="1" dirty="0">
                 <a:solidFill>
                   <a:srgbClr val="000080"/>
                 </a:solidFill>
@@ -10586,10 +10593,15 @@
                 </a:highlight>
                 <a:latin typeface="Courier New"/>
               </a:rPr>
-              <a:t>p_asynchronous</a:t>
-            </a:r>
-            <a:r>
-              <a:rPr lang="en-US" sz="2600" b="1" dirty="0" smtClean="0">
+              <a:t>,</a:t>
+            </a:r>
+          </a:p>
+          <a:p>
+            <a:pPr marL="0" indent="0">
+              <a:buNone/>
+            </a:pPr>
+            <a:r>
+              <a:rPr lang="en-US" sz="4000" b="1" dirty="0" smtClean="0">
                 <a:solidFill>
                   <a:srgbClr val="000080"/>
                 </a:solidFill>
@@ -10598,22 +10610,22 @@
                 </a:highlight>
                 <a:latin typeface="Courier New"/>
               </a:rPr>
-              <a:t> =&gt; </a:t>
-            </a:r>
-            <a:r>
-              <a:rPr lang="en-US" sz="2600" b="1" dirty="0" smtClean="0">
-                <a:solidFill>
-                  <a:srgbClr val="008080"/>
+              <a:t>    </a:t>
+            </a:r>
+            <a:r>
+              <a:rPr lang="en-US" sz="4000" b="1" dirty="0" err="1" smtClean="0">
+                <a:solidFill>
+                  <a:srgbClr val="000080"/>
                 </a:solidFill>
                 <a:highlight>
                   <a:srgbClr val="FFFFFF"/>
                 </a:highlight>
                 <a:latin typeface="Courier New"/>
               </a:rPr>
-              <a:t>true</a:t>
-            </a:r>
-            <a:r>
-              <a:rPr lang="en-US" sz="2600" b="1" dirty="0">
+              <a:t>p_asynchronous</a:t>
+            </a:r>
+            <a:r>
+              <a:rPr lang="en-US" sz="4000" b="1" dirty="0" smtClean="0">
                 <a:solidFill>
                   <a:srgbClr val="000080"/>
                 </a:solidFill>
@@ -10622,7 +10634,124 @@
                 </a:highlight>
                 <a:latin typeface="Courier New"/>
               </a:rPr>
+              <a:t> </a:t>
+            </a:r>
+            <a:r>
+              <a:rPr lang="en-US" sz="4000" b="1" dirty="0" smtClean="0">
+                <a:solidFill>
+                  <a:srgbClr val="000080"/>
+                </a:solidFill>
+                <a:highlight>
+                  <a:srgbClr val="FFFFFF"/>
+                </a:highlight>
+                <a:latin typeface="Courier New"/>
+              </a:rPr>
+              <a:t>       =&gt; </a:t>
+            </a:r>
+            <a:r>
+              <a:rPr lang="en-US" sz="4000" b="1" dirty="0" smtClean="0">
+                <a:solidFill>
+                  <a:srgbClr val="008080"/>
+                </a:solidFill>
+                <a:highlight>
+                  <a:srgbClr val="FFFFFF"/>
+                </a:highlight>
+                <a:latin typeface="Courier New"/>
+              </a:rPr>
+              <a:t>true</a:t>
+            </a:r>
+            <a:r>
+              <a:rPr lang="en-US" sz="4000" b="1" dirty="0">
+                <a:solidFill>
+                  <a:srgbClr val="000080"/>
+                </a:solidFill>
+                <a:highlight>
+                  <a:srgbClr val="FFFFFF"/>
+                </a:highlight>
+                <a:latin typeface="Courier New"/>
+              </a:rPr>
               <a:t>,</a:t>
+            </a:r>
+            <a:endParaRPr lang="en-US" sz="4000" b="1" dirty="0" smtClean="0">
+              <a:solidFill>
+                <a:srgbClr val="000080"/>
+              </a:solidFill>
+              <a:highlight>
+                <a:srgbClr val="FFFFFF"/>
+              </a:highlight>
+              <a:latin typeface="Courier New"/>
+            </a:endParaRPr>
+          </a:p>
+          <a:p>
+            <a:pPr marL="0" indent="0">
+              <a:buNone/>
+            </a:pPr>
+            <a:r>
+              <a:rPr lang="en-US" sz="4000" b="1" dirty="0" smtClean="0">
+                <a:solidFill>
+                  <a:srgbClr val="000080"/>
+                </a:solidFill>
+                <a:highlight>
+                  <a:srgbClr val="FFFFFF"/>
+                </a:highlight>
+                <a:latin typeface="Courier New"/>
+              </a:rPr>
+              <a:t>);</a:t>
+            </a:r>
+            <a:endParaRPr lang="en-US" sz="4000" b="1" dirty="0">
+              <a:solidFill>
+                <a:srgbClr val="000080"/>
+              </a:solidFill>
+              <a:highlight>
+                <a:srgbClr val="FFFFFF"/>
+              </a:highlight>
+              <a:latin typeface="Courier New"/>
+            </a:endParaRPr>
+          </a:p>
+          <a:p>
+            <a:pPr marL="0" indent="0">
+              <a:buNone/>
+            </a:pPr>
+            <a:r>
+              <a:rPr lang="en-US" sz="4000" b="1" dirty="0" smtClean="0">
+                <a:solidFill>
+                  <a:srgbClr val="008080"/>
+                </a:solidFill>
+                <a:highlight>
+                  <a:srgbClr val="FFFFFF"/>
+                </a:highlight>
+                <a:latin typeface="Courier New"/>
+              </a:rPr>
+              <a:t>end</a:t>
+            </a:r>
+            <a:r>
+              <a:rPr lang="en-US" sz="4000" b="1" dirty="0">
+                <a:solidFill>
+                  <a:srgbClr val="000080"/>
+                </a:solidFill>
+                <a:highlight>
+                  <a:srgbClr val="FFFFFF"/>
+                </a:highlight>
+                <a:latin typeface="Courier New"/>
+              </a:rPr>
+              <a:t>;</a:t>
+            </a:r>
+          </a:p>
+          <a:p>
+            <a:pPr marL="0" indent="0">
+              <a:buNone/>
+            </a:pPr>
+            <a:r>
+              <a:rPr lang="en-US" sz="4000" b="1" dirty="0" smtClean="0">
+                <a:solidFill>
+                  <a:srgbClr val="000080"/>
+                </a:solidFill>
+                <a:highlight>
+                  <a:srgbClr val="FFFFFF"/>
+                </a:highlight>
+                <a:latin typeface="Courier New"/>
+              </a:rPr>
+              <a:t>/</a:t>
             </a:r>
             <a:endParaRPr lang="en-US" sz="2600" b="1" dirty="0" smtClean="0">
               <a:solidFill>
@@ -10634,77 +10763,51 @@
               <a:latin typeface="Courier New"/>
             </a:endParaRPr>
           </a:p>
-          <a:p>
-            <a:pPr marL="0" indent="0">
-              <a:buNone/>
-            </a:pPr>
-            <a:r>
-              <a:rPr lang="en-US" sz="2600" b="1" dirty="0" smtClean="0">
-                <a:solidFill>
-                  <a:srgbClr val="000080"/>
-                </a:solidFill>
-                <a:highlight>
-                  <a:srgbClr val="FFFFFF"/>
-                </a:highlight>
-                <a:latin typeface="Courier New"/>
-              </a:rPr>
-              <a:t>);</a:t>
-            </a:r>
-            <a:endParaRPr lang="en-US" sz="2600" b="1" dirty="0">
-              <a:solidFill>
-                <a:srgbClr val="000080"/>
-              </a:solidFill>
-              <a:highlight>
-                <a:srgbClr val="FFFFFF"/>
-              </a:highlight>
-              <a:latin typeface="Courier New"/>
-            </a:endParaRPr>
-          </a:p>
-          <a:p>
-            <a:pPr marL="0" indent="0">
-              <a:buNone/>
-            </a:pPr>
-            <a:r>
-              <a:rPr lang="en-US" sz="2600" b="1" dirty="0" smtClean="0">
-                <a:solidFill>
-                  <a:srgbClr val="008080"/>
-                </a:solidFill>
-                <a:highlight>
-                  <a:srgbClr val="FFFFFF"/>
-                </a:highlight>
-                <a:latin typeface="Courier New"/>
-              </a:rPr>
-              <a:t>end</a:t>
-            </a:r>
-            <a:r>
-              <a:rPr lang="en-US" sz="2600" b="1" dirty="0">
-                <a:solidFill>
-                  <a:srgbClr val="000080"/>
-                </a:solidFill>
-                <a:highlight>
-                  <a:srgbClr val="FFFFFF"/>
-                </a:highlight>
-                <a:latin typeface="Courier New"/>
-              </a:rPr>
-              <a:t>;</a:t>
-            </a:r>
-          </a:p>
-          <a:p>
-            <a:pPr marL="0" indent="0">
-              <a:buNone/>
-            </a:pPr>
-            <a:r>
-              <a:rPr lang="en-US" sz="2600" b="1" dirty="0" smtClean="0">
-                <a:solidFill>
-                  <a:srgbClr val="000080"/>
-                </a:solidFill>
-                <a:highlight>
-                  <a:srgbClr val="FFFFFF"/>
-                </a:highlight>
-                <a:latin typeface="Courier New"/>
-              </a:rPr>
-              <a:t>/</a:t>
-            </a:r>
+        </p:txBody>
+      </p:sp>
+      <p:sp>
+        <p:nvSpPr>
+          <p:cNvPr id="4" name="Date Placeholder 3"/>
+          <p:cNvSpPr>
+            <a:spLocks noGrp="1"/>
+          </p:cNvSpPr>
+          <p:nvPr>
+            <p:ph type="dt" sz="half" idx="10"/>
+          </p:nvPr>
+        </p:nvSpPr>
+        <p:spPr/>
+        <p:txBody>
+          <a:bodyPr/>
+          <a:lstStyle/>
+          <a:p>
+            <a:fld id="{12698F6C-3B60-45A8-AA68-1C639B61BEFF}" type="datetime1">
+              <a:rPr lang="en-US" smtClean="0"/>
+              <a:t>10/25/2017</a:t>
+            </a:fld>
+            <a:endParaRPr lang="en-US" dirty="0"/>
+          </a:p>
+        </p:txBody>
+      </p:sp>
+      <p:sp>
+        <p:nvSpPr>
+          <p:cNvPr id="5" name="Slide Number Placeholder 4"/>
+          <p:cNvSpPr>
+            <a:spLocks noGrp="1"/>
+          </p:cNvSpPr>
+          <p:nvPr>
+            <p:ph type="sldNum" sz="quarter" idx="12"/>
+          </p:nvPr>
+        </p:nvSpPr>
+        <p:spPr/>
+        <p:txBody>
+          <a:bodyPr/>
+          <a:lstStyle/>
+          <a:p>
+            <a:fld id="{05869706-863E-4BD1-B682-3CD80F60367B}" type="slidenum">
+              <a:rPr lang="en-US" smtClean="0"/>
+              <a:t>8</a:t>
+            </a:fld>
+            <a:endParaRPr lang="en-US"/>
           </a:p>
         </p:txBody>
       </p:sp>
@@ -10716,8 +10819,8 @@
         </p:nvSpPr>
         <p:spPr>
           <a:xfrm>
-            <a:off x="2590800" y="2286000"/>
-            <a:ext cx="2895600" cy="377851"/>
+            <a:off x="2590800" y="1809750"/>
+            <a:ext cx="2895600" cy="283388"/>
           </a:xfrm>
           <a:prstGeom prst="rect">
             <a:avLst/>
@@ -10754,60 +10857,14 @@
       </p:sp>
       <p:sp>
         <p:nvSpPr>
-          <p:cNvPr id="4" name="Date Placeholder 3"/>
-          <p:cNvSpPr>
-            <a:spLocks noGrp="1"/>
-          </p:cNvSpPr>
-          <p:nvPr>
-            <p:ph type="dt" sz="half" idx="10"/>
-          </p:nvPr>
-        </p:nvSpPr>
-        <p:spPr/>
-        <p:txBody>
-          <a:bodyPr/>
-          <a:lstStyle/>
-          <a:p>
-            <a:fld id="{12698F6C-3B60-45A8-AA68-1C639B61BEFF}" type="datetime1">
-              <a:rPr lang="en-US" smtClean="0"/>
-              <a:t>10/24/2017</a:t>
-            </a:fld>
-            <a:endParaRPr lang="en-US" dirty="0"/>
-          </a:p>
-        </p:txBody>
-      </p:sp>
-      <p:sp>
-        <p:nvSpPr>
-          <p:cNvPr id="5" name="Slide Number Placeholder 4"/>
-          <p:cNvSpPr>
-            <a:spLocks noGrp="1"/>
-          </p:cNvSpPr>
-          <p:nvPr>
-            <p:ph type="sldNum" sz="quarter" idx="12"/>
-          </p:nvPr>
-        </p:nvSpPr>
-        <p:spPr/>
-        <p:txBody>
-          <a:bodyPr/>
-          <a:lstStyle/>
-          <a:p>
-            <a:fld id="{05869706-863E-4BD1-B682-3CD80F60367B}" type="slidenum">
-              <a:rPr lang="en-US" smtClean="0"/>
-              <a:t>8</a:t>
-            </a:fld>
-            <a:endParaRPr lang="en-US"/>
-          </a:p>
-        </p:txBody>
-      </p:sp>
-      <p:sp>
-        <p:nvSpPr>
           <p:cNvPr id="7" name="Rectangle 6"/>
           <p:cNvSpPr/>
           <p:nvPr/>
         </p:nvSpPr>
         <p:spPr>
           <a:xfrm>
-            <a:off x="5908966" y="2286000"/>
-            <a:ext cx="1177634" cy="377851"/>
+            <a:off x="5908966" y="1831162"/>
+            <a:ext cx="1177634" cy="283388"/>
           </a:xfrm>
           <a:prstGeom prst="rect">
             <a:avLst/>
@@ -10850,8 +10907,8 @@
         </p:nvSpPr>
         <p:spPr>
           <a:xfrm>
-            <a:off x="6705600" y="3124200"/>
-            <a:ext cx="1295400" cy="304800"/>
+            <a:off x="6553200" y="2514600"/>
+            <a:ext cx="1295400" cy="228600"/>
           </a:xfrm>
           <a:prstGeom prst="rect">
             <a:avLst/>
@@ -10894,8 +10951,8 @@
         </p:nvSpPr>
         <p:spPr>
           <a:xfrm>
-            <a:off x="6705600" y="3505200"/>
-            <a:ext cx="1295400" cy="335280"/>
+            <a:off x="6553200" y="2800350"/>
+            <a:ext cx="1295400" cy="251460"/>
           </a:xfrm>
           <a:prstGeom prst="rect">
             <a:avLst/>
@@ -10938,8 +10995,8 @@
         </p:nvSpPr>
         <p:spPr>
           <a:xfrm>
-            <a:off x="6705600" y="3925272"/>
-            <a:ext cx="1295400" cy="1103928"/>
+            <a:off x="6553200" y="3115404"/>
+            <a:ext cx="1295400" cy="827946"/>
           </a:xfrm>
           <a:prstGeom prst="rect">
             <a:avLst/>
@@ -10982,8 +11039,8 @@
         </p:nvSpPr>
         <p:spPr>
           <a:xfrm>
-            <a:off x="7467600" y="2286000"/>
-            <a:ext cx="990600" cy="377851"/>
+            <a:off x="7467600" y="1831162"/>
+            <a:ext cx="990600" cy="283388"/>
           </a:xfrm>
           <a:prstGeom prst="rect">
             <a:avLst/>
@@ -11091,7 +11148,7 @@
         <p:spPr/>
         <p:txBody>
           <a:bodyPr>
-            <a:normAutofit/>
+            <a:normAutofit lnSpcReduction="10000"/>
           </a:bodyPr>
           <a:lstStyle/>
           <a:p>
@@ -11240,7 +11297,7 @@
           <a:p>
             <a:fld id="{D97E924C-66F2-4356-A8CE-66225EAB43F5}" type="datetime1">
               <a:rPr lang="en-US" smtClean="0"/>
-              <a:t>10/24/2017</a:t>
+              <a:t>10/25/2017</a:t>
             </a:fld>
             <a:endParaRPr lang="en-US"/>
           </a:p>

--- a/presentations/Method5.pptx
+++ b/presentations/Method5.pptx
@@ -5,10 +5,10 @@
     <p:sldMasterId id="2147483648" r:id="rId1"/>
   </p:sldMasterIdLst>
   <p:notesMasterIdLst>
-    <p:notesMasterId r:id="rId18"/>
+    <p:notesMasterId r:id="rId23"/>
   </p:notesMasterIdLst>
   <p:handoutMasterIdLst>
-    <p:handoutMasterId r:id="rId19"/>
+    <p:handoutMasterId r:id="rId24"/>
   </p:handoutMasterIdLst>
   <p:sldIdLst>
     <p:sldId id="256" r:id="rId2"/>
@@ -22,11 +22,16 @@
     <p:sldId id="263" r:id="rId10"/>
     <p:sldId id="261" r:id="rId11"/>
     <p:sldId id="270" r:id="rId12"/>
-    <p:sldId id="264" r:id="rId13"/>
-    <p:sldId id="265" r:id="rId14"/>
-    <p:sldId id="266" r:id="rId15"/>
-    <p:sldId id="267" r:id="rId16"/>
-    <p:sldId id="268" r:id="rId17"/>
+    <p:sldId id="281" r:id="rId13"/>
+    <p:sldId id="280" r:id="rId14"/>
+    <p:sldId id="277" r:id="rId15"/>
+    <p:sldId id="276" r:id="rId16"/>
+    <p:sldId id="278" r:id="rId17"/>
+    <p:sldId id="279" r:id="rId18"/>
+    <p:sldId id="264" r:id="rId19"/>
+    <p:sldId id="265" r:id="rId20"/>
+    <p:sldId id="267" r:id="rId21"/>
+    <p:sldId id="268" r:id="rId22"/>
   </p:sldIdLst>
   <p:sldSz cx="9144000" cy="5143500" type="screen16x9"/>
   <p:notesSz cx="6858000" cy="9144000"/>
@@ -210,7 +215,7 @@
           <a:p>
             <a:fld id="{E8184847-EC06-4734-8E30-343A2DA340C9}" type="datetimeFigureOut">
               <a:rPr lang="en-US" smtClean="0"/>
-              <a:t>10/25/2017</a:t>
+              <a:t>10/28/2017</a:t>
             </a:fld>
             <a:endParaRPr lang="en-US"/>
           </a:p>
@@ -375,7 +380,7 @@
           <a:p>
             <a:fld id="{DC284B00-8F05-4CB2-A4E6-4A642AFA915E}" type="datetimeFigureOut">
               <a:rPr lang="en-US" smtClean="0"/>
-              <a:t>10/25/2017</a:t>
+              <a:t>10/28/2017</a:t>
             </a:fld>
             <a:endParaRPr lang="en-US"/>
           </a:p>
@@ -1103,12 +1108,7 @@
             <p:ph type="sldImg"/>
           </p:nvPr>
         </p:nvSpPr>
-        <p:spPr>
-          <a:xfrm>
-            <a:off x="381000" y="685800"/>
-            <a:ext cx="6096000" cy="3429000"/>
-          </a:xfrm>
-        </p:spPr>
+        <p:spPr/>
       </p:sp>
       <p:sp>
         <p:nvSpPr>
@@ -1125,74 +1125,49 @@
           <a:bodyPr/>
           <a:lstStyle/>
           <a:p>
-            <a:pPr marL="0" indent="0">
-              <a:buNone/>
-            </a:pPr>
-            <a:r>
-              <a:rPr lang="en-US" dirty="0" smtClean="0"/>
-              <a:t>1. Like</a:t>
+            <a:r>
+              <a:rPr lang="en-US" dirty="0" smtClean="0"/>
+              <a:t>This screenshot is a complete example</a:t>
             </a:r>
             <a:r>
               <a:rPr lang="en-US" baseline="0" dirty="0" smtClean="0"/>
-              <a:t> any good database solution, the heavy-lifting is done with SQL statements glued together with PL/SQL.  The dynamic code is nested several levels deep.  To avoid the typical concatenation-hell, the alternative quoting mechanism and REPLACE are used.  This simple trick makes dynamic code drastically more readable.</a:t>
-            </a:r>
-          </a:p>
-          <a:p>
-            <a:pPr marL="0" indent="0">
-              <a:buNone/>
-            </a:pPr>
+              <a:t> of a simple query that can be used to show what databases are responding.</a:t>
+            </a:r>
+          </a:p>
+          <a:p>
+            <a:endParaRPr lang="en-US" baseline="0" dirty="0" smtClean="0"/>
+          </a:p>
+          <a:p>
             <a:r>
               <a:rPr lang="en-US" baseline="0" dirty="0" smtClean="0"/>
-              <a:t>2. Database links are what ties everything together.  Database links have gotten a bad reputation.  Yes, many people make horrible mistakes with them, but when used right it makes inter-database communication incredibly simple.</a:t>
-            </a:r>
-          </a:p>
-          <a:p>
-            <a:pPr marL="0" indent="0">
-              <a:buNone/>
-            </a:pPr>
+              <a:t>1. First the simple SELECT statement is run through the asynchronous procedure M5_PROC.</a:t>
+            </a:r>
+          </a:p>
+          <a:p>
             <a:r>
               <a:rPr lang="en-US" baseline="0" dirty="0" smtClean="0"/>
-              <a:t>3. 99% of all Oracle SQL code parsing or code transformation  programs are fundamentally broken.  Things like statement classification and terminator removal are often handled with simple  regular expressions.  SQL and PL/SQL are insanely complicated languages, with over 2,000 keywords and 30 years of syntax history.  A proper </a:t>
-            </a:r>
-            <a:r>
-              <a:rPr lang="en-US" baseline="0" dirty="0" err="1" smtClean="0"/>
-              <a:t>lexer</a:t>
-            </a:r>
+              <a:t>2. Next the M5_METADATA table is queried.  Since jobs are still running in the background, IS_COMPLETE is still set to No, and the TARGETS_COMPLETED does not equal the TARGETS_EXPECTED yet.  You'll probably want to check this view a few times until all the results are in.  (Not shown on the screenshot are some other columns like TARGETS_WITH_ERRORS, NUM_ROWS, CODE, and TARGETS.)</a:t>
+            </a:r>
+          </a:p>
+          <a:p>
             <a:r>
               <a:rPr lang="en-US" baseline="0" dirty="0" smtClean="0"/>
-              <a:t> is a requirement to build a robust system that can handle any code.</a:t>
-            </a:r>
-          </a:p>
-          <a:p>
-            <a:pPr marL="0" indent="0">
-              <a:buNone/>
-            </a:pPr>
+              <a:t>3. The current results can be queried in M5_RESULTS.</a:t>
+            </a:r>
+          </a:p>
+          <a:p>
             <a:r>
               <a:rPr lang="en-US" baseline="0" dirty="0" smtClean="0"/>
-              <a:t>4. Scheduler and pipes work together to enable parallelism and asynchronous processing.</a:t>
-            </a:r>
-            <a:r>
-              <a:rPr lang="en-US" dirty="0" smtClean="0"/>
-              <a:t>  DBMS_SCHEDULER also enable the execution of shell scripts.</a:t>
-            </a:r>
+              <a:t>4. M5_ERRORS shows any errors generated while trying to run the query. With a large number of databases it's common for some of them to be unavailable due to maintenance or unexpected errors.  A few databases with errors don't stop the other databases from returning results.</a:t>
+            </a:r>
+          </a:p>
+          <a:p>
             <a:endParaRPr lang="en-US" baseline="0" dirty="0" smtClean="0"/>
           </a:p>
           <a:p>
-            <a:pPr marL="0" indent="0">
-              <a:buNone/>
-            </a:pPr>
             <a:r>
               <a:rPr lang="en-US" baseline="0" dirty="0" smtClean="0"/>
-              <a:t>5. Everything is configured in tables.  You don't have to worry about XML configuration files or agent parameter files.</a:t>
-            </a:r>
-          </a:p>
-          <a:p>
-            <a:pPr marL="0" indent="0">
-              <a:buNone/>
-            </a:pPr>
-            <a:r>
-              <a:rPr lang="en-US" baseline="0" dirty="0" smtClean="0"/>
-              <a:t>6. Oracle Data Cartridge is the magic (or at least cryptic) piece that allows Method5 to extend Oracle SQL.  It provides the ability to return "anything", dynamically, in a SQL context.  Running dynamic SQL in SQL is much harder than it sounds.</a:t>
+              <a:t>(The screenshot does not show all the columns and values because it's hard to fit them on a screen.  The example uses SQL*Plus for its simple text formatting, but in practice you will probably want to use an IDE like PL/SQL Developer, Toad, Oracle SQL Developer, etc.  The exact same code will run on any IDE.)</a:t>
             </a:r>
             <a:endParaRPr lang="en-US" dirty="0"/>
           </a:p>
@@ -1224,7 +1199,7 @@
     </p:spTree>
     <p:extLst>
       <p:ext uri="{BB962C8B-B14F-4D97-AF65-F5344CB8AC3E}">
-        <p14:creationId xmlns:p14="http://schemas.microsoft.com/office/powerpoint/2010/main" val="1500454840"/>
+        <p14:creationId xmlns:p14="http://schemas.microsoft.com/office/powerpoint/2010/main" val="158452863"/>
       </p:ext>
     </p:extLst>
   </p:cSld>
@@ -1261,12 +1236,7 @@
             <p:ph type="sldImg"/>
           </p:nvPr>
         </p:nvSpPr>
-        <p:spPr>
-          <a:xfrm>
-            <a:off x="381000" y="685800"/>
-            <a:ext cx="6096000" cy="3429000"/>
-          </a:xfrm>
-        </p:spPr>
+        <p:spPr/>
       </p:sp>
       <p:sp>
         <p:nvSpPr>
@@ -1285,66 +1255,68 @@
           <a:p>
             <a:r>
               <a:rPr lang="en-US" dirty="0" smtClean="0"/>
-              <a:t>1. Requirements - You must have a central</a:t>
+              <a:t>Each of these examples can quickly find or resolve a problem on a huge number of databases.</a:t>
+            </a:r>
+          </a:p>
+          <a:p>
+            <a:endParaRPr lang="en-US" dirty="0" smtClean="0"/>
+          </a:p>
+          <a:p>
+            <a:r>
+              <a:rPr lang="en-US" dirty="0" smtClean="0"/>
+              <a:t>1. This query</a:t>
             </a:r>
             <a:r>
               <a:rPr lang="en-US" baseline="0" dirty="0" smtClean="0"/>
-              <a:t> management database that can communicate with all other database.  You must have SYSDBA to install, and DBA privileges to use.  Any currently-supported platform, version, or edition will work.  (And probably some unsupported ones also.)  For testing you only need a single database - the default installation will create some fake links that simulate a multi-database environment.</a:t>
-            </a:r>
-          </a:p>
-          <a:p>
-            <a:r>
-              <a:rPr lang="en-US" dirty="0" smtClean="0"/>
-              <a:t>2. Only one person needs to install and administer it.  The configuration is automatically applied to other users.</a:t>
-            </a:r>
-          </a:p>
-          <a:p>
-            <a:r>
-              <a:rPr lang="en-US" dirty="0" smtClean="0"/>
-              <a:t>3. Download the free, open source code from GitHub and follow the instructions.</a:t>
-            </a:r>
-          </a:p>
-          <a:p>
-            <a:r>
-              <a:rPr lang="en-US" dirty="0" smtClean="0"/>
-              <a:t>4. The code is 100% inside the database - there are no agents, plugins, websites, configuration files, etc.</a:t>
-            </a:r>
-          </a:p>
-          <a:p>
-            <a:r>
-              <a:rPr lang="en-US" dirty="0" smtClean="0"/>
-              <a:t>5. Getting started</a:t>
-            </a:r>
+              <a:t> can help identify data files created in the wrong directory.  For example, we use ASM and have tens of thousands of data files.  Occasionally when someone forgets to use the plug sign the data file gets created on a local filesystem instead of ASM.  This query makes it easy to find those mistakes.</a:t>
+            </a:r>
+          </a:p>
+          <a:p>
             <a:r>
               <a:rPr lang="en-US" baseline="0" dirty="0" smtClean="0"/>
-              <a:t> will take less than an hour.  The time to setup all your connections will vary depending on how standardized your environment is.  1000 perfectly-standardized databases will be easier than 10 databases all with different platforms, versions, and configurations.  One of the nice side-effects of Method5 is that it really drives home how useful standardization can be.  You may want to work on one environment at a time; you don't need to get every database working in order to use this.</a:t>
-            </a:r>
-          </a:p>
-          <a:p>
+              <a:t>2. This query runs a simple Linux/Unix shell command to find the amount of space used by /</a:t>
+            </a:r>
+            <a:r>
+              <a:rPr lang="en-US" baseline="0" dirty="0" err="1" smtClean="0"/>
+              <a:t>tmp</a:t>
+            </a:r>
             <a:r>
               <a:rPr lang="en-US" baseline="0" dirty="0" smtClean="0"/>
-              <a:t>6. If you encounter any problems you can create a GitHub issue on the repository or you can email Jon Heller at either hjon@ventechsolutions.com or jon@jonheller.org.</a:t>
-            </a:r>
-          </a:p>
-          <a:p>
-            <a:endParaRPr lang="en-US" baseline="0" dirty="0" smtClean="0"/>
-          </a:p>
-          <a:p>
-            <a:r>
-              <a:rPr lang="en-US" dirty="0" smtClean="0"/>
-              <a:t>Most DBAs have everything they need to get started in about</a:t>
+              <a:t>.  Our /</a:t>
+            </a:r>
+            <a:r>
+              <a:rPr lang="en-US" baseline="0" dirty="0" err="1" smtClean="0"/>
+              <a:t>tmp</a:t>
             </a:r>
             <a:r>
               <a:rPr lang="en-US" baseline="0" dirty="0" smtClean="0"/>
-              <a:t> an hour.</a:t>
-            </a:r>
-            <a:r>
-              <a:rPr lang="en-US" dirty="0" smtClean="0"/>
-              <a:t>  You don't need to buy anything, sign up for anything, or install any operating system binaries.  The installation and</a:t>
+              <a:t> filesystem is stored in memory so if someone stores a huge file in /</a:t>
+            </a:r>
+            <a:r>
+              <a:rPr lang="en-US" baseline="0" dirty="0" err="1" smtClean="0"/>
+              <a:t>tmp</a:t>
             </a:r>
             <a:r>
               <a:rPr lang="en-US" baseline="0" dirty="0" smtClean="0"/>
-              <a:t> administration tasks aren't that different from what you do on a day-to-day basis.</a:t>
+              <a:t> it can impact performance.</a:t>
+            </a:r>
+          </a:p>
+          <a:p>
+            <a:r>
+              <a:rPr lang="en-US" baseline="0" dirty="0" smtClean="0"/>
+              <a:t>3. Contractors often forget that infrastructure DBAs don't know where their schemas are located.  Instead of asking them, "what databases are you talking about", we can very easily look up the information ourselves in the global data dictionary.  This saves us time and makes us look better.</a:t>
+            </a:r>
+          </a:p>
+          <a:p>
+            <a:r>
+              <a:rPr lang="en-US" baseline="0" dirty="0" smtClean="0"/>
+              <a:t>4. Comparing parameters across a huge number of environments is trivial with the global data dictionary.</a:t>
+            </a:r>
+          </a:p>
+          <a:p>
+            <a:r>
+              <a:rPr lang="en-US" baseline="0" dirty="0" smtClean="0"/>
+              <a:t>5. Fixing bad parameters is also trivial.</a:t>
             </a:r>
             <a:endParaRPr lang="en-US" dirty="0"/>
           </a:p>
@@ -1376,7 +1348,7 @@
     </p:spTree>
     <p:extLst>
       <p:ext uri="{BB962C8B-B14F-4D97-AF65-F5344CB8AC3E}">
-        <p14:creationId xmlns:p14="http://schemas.microsoft.com/office/powerpoint/2010/main" val="489585203"/>
+        <p14:creationId xmlns:p14="http://schemas.microsoft.com/office/powerpoint/2010/main" val="2316678567"/>
       </p:ext>
     </p:extLst>
   </p:cSld>
@@ -1413,12 +1385,7 @@
             <p:ph type="sldImg"/>
           </p:nvPr>
         </p:nvSpPr>
-        <p:spPr>
-          <a:xfrm>
-            <a:off x="381000" y="685800"/>
-            <a:ext cx="6096000" cy="3429000"/>
-          </a:xfrm>
-        </p:spPr>
+        <p:spPr/>
       </p:sp>
       <p:sp>
         <p:nvSpPr>
@@ -1435,7 +1402,45 @@
           <a:bodyPr/>
           <a:lstStyle/>
           <a:p>
-            <a:endParaRPr lang="en-US"/>
+            <a:r>
+              <a:rPr lang="en-US" dirty="0" smtClean="0"/>
+              <a:t>The</a:t>
+            </a:r>
+            <a:r>
+              <a:rPr lang="en-US" baseline="0" dirty="0" smtClean="0"/>
+              <a:t> next 4 slides are pre-built scripts that show some more complex things that can be accomplished with Method5.  When data collection is trivial we can fail fast and spend more time worrying about advanced analysis and visualization.  All these complex examples are available on the website and the GitHub repository.</a:t>
+            </a:r>
+            <a:endParaRPr lang="en-US" dirty="0" smtClean="0"/>
+          </a:p>
+          <a:p>
+            <a:endParaRPr lang="en-US" dirty="0" smtClean="0"/>
+          </a:p>
+          <a:p>
+            <a:r>
+              <a:rPr lang="en-US" dirty="0" smtClean="0"/>
+              <a:t>This example is a pre-built script</a:t>
+            </a:r>
+            <a:r>
+              <a:rPr lang="en-US" baseline="0" dirty="0" smtClean="0"/>
+              <a:t> to </a:t>
+            </a:r>
+            <a:r>
+              <a:rPr lang="en-US" dirty="0" smtClean="0"/>
+              <a:t>compare</a:t>
+            </a:r>
+            <a:r>
+              <a:rPr lang="en-US" baseline="0" dirty="0" smtClean="0"/>
+              <a:t> schemas across any number of databases, with all the detailed results in one view.  The output is a bit cryptic but once it is understood it allows rapid comparison of environments.</a:t>
+            </a:r>
+          </a:p>
+          <a:p>
+            <a:endParaRPr lang="en-US" baseline="0" dirty="0" smtClean="0"/>
+          </a:p>
+          <a:p>
+            <a:r>
+              <a:rPr lang="en-US" baseline="0" dirty="0" smtClean="0"/>
+              <a:t>All schema objects are listed in the first three columns, OWNER, OBJECT_TYPE, and OBJECT_NAME.  Each database has a separate column, and the column values are a letter like "A", "B", and "C".  Those letters map to the different DDL on the right-hand side of the spreadsheet.  Environments can be compared simply by looking at the letters.  And the full DDL is included to investigate the reason for the difference.</a:t>
+            </a:r>
           </a:p>
         </p:txBody>
       </p:sp>
@@ -1465,7 +1470,7 @@
     </p:spTree>
     <p:extLst>
       <p:ext uri="{BB962C8B-B14F-4D97-AF65-F5344CB8AC3E}">
-        <p14:creationId xmlns:p14="http://schemas.microsoft.com/office/powerpoint/2010/main" val="3281300294"/>
+        <p14:creationId xmlns:p14="http://schemas.microsoft.com/office/powerpoint/2010/main" val="2821889628"/>
       </p:ext>
     </p:extLst>
   </p:cSld>
@@ -1502,12 +1507,7 @@
             <p:ph type="sldImg"/>
           </p:nvPr>
         </p:nvSpPr>
-        <p:spPr>
-          <a:xfrm>
-            <a:off x="381000" y="685800"/>
-            <a:ext cx="6096000" cy="3429000"/>
-          </a:xfrm>
-        </p:spPr>
+        <p:spPr/>
       </p:sp>
       <p:sp>
         <p:nvSpPr>
@@ -1524,7 +1524,32 @@
           <a:bodyPr/>
           <a:lstStyle/>
           <a:p>
-            <a:endParaRPr lang="en-US" dirty="0"/>
+            <a:r>
+              <a:rPr lang="en-US" dirty="0" smtClean="0"/>
+              <a:t>This example</a:t>
+            </a:r>
+            <a:r>
+              <a:rPr lang="en-US" baseline="0" dirty="0" smtClean="0"/>
+              <a:t> shows how we solved a near-impossible performance tuning task: intermittent performance problems across 400 databases on 80 hosts.</a:t>
+            </a:r>
+          </a:p>
+          <a:p>
+            <a:endParaRPr lang="en-US" baseline="0" dirty="0" smtClean="0"/>
+          </a:p>
+          <a:p>
+            <a:r>
+              <a:rPr lang="en-US" baseline="0" dirty="0" smtClean="0"/>
+              <a:t>With Method5 this was relatively easy to solve.  First we gathered GV$ACTIVE_SESSION_HISTORY from all databases.  Aggregating the data per host, and plotting it per time, it was obvious that almost all of our systems had a spike every hour, on the hour.  After drilling down on that table we found it was AWR snapshot processing.</a:t>
+            </a:r>
+          </a:p>
+          <a:p>
+            <a:endParaRPr lang="en-US" baseline="0" dirty="0" smtClean="0"/>
+          </a:p>
+          <a:p>
+            <a:r>
+              <a:rPr lang="en-US" baseline="0" dirty="0" smtClean="0"/>
+              <a:t>Changing AWR_SNAPSHOT_TIME_OFFSET on all databases solved the problem.</a:t>
+            </a:r>
           </a:p>
         </p:txBody>
       </p:sp>
@@ -1554,7 +1579,7 @@
     </p:spTree>
     <p:extLst>
       <p:ext uri="{BB962C8B-B14F-4D97-AF65-F5344CB8AC3E}">
-        <p14:creationId xmlns:p14="http://schemas.microsoft.com/office/powerpoint/2010/main" val="2277858703"/>
+        <p14:creationId xmlns:p14="http://schemas.microsoft.com/office/powerpoint/2010/main" val="3027481416"/>
       </p:ext>
     </p:extLst>
   </p:cSld>
@@ -1591,6 +1616,296 @@
             <p:ph type="sldImg"/>
           </p:nvPr>
         </p:nvSpPr>
+        <p:spPr/>
+      </p:sp>
+      <p:sp>
+        <p:nvSpPr>
+          <p:cNvPr id="3" name="Notes Placeholder 2"/>
+          <p:cNvSpPr>
+            <a:spLocks noGrp="1"/>
+          </p:cNvSpPr>
+          <p:nvPr>
+            <p:ph type="body" idx="1"/>
+          </p:nvPr>
+        </p:nvSpPr>
+        <p:spPr/>
+        <p:txBody>
+          <a:bodyPr/>
+          <a:lstStyle/>
+          <a:p>
+            <a:r>
+              <a:rPr lang="en-US" dirty="0" smtClean="0"/>
+              <a:t>Simplistic</a:t>
+            </a:r>
+            <a:r>
+              <a:rPr lang="en-US" baseline="0" dirty="0" smtClean="0"/>
+              <a:t> alerts like "warn me when 80% of the disk is used" can waste a lot of space.  Some systems may sit at 99% for a year and see no change.  Other systems might have gone from 0% to 50% in one day, and need to be fixed ASAP.</a:t>
+            </a:r>
+          </a:p>
+          <a:p>
+            <a:endParaRPr lang="en-US" baseline="0" dirty="0" smtClean="0"/>
+          </a:p>
+          <a:p>
+            <a:r>
+              <a:rPr lang="en-US" baseline="0" dirty="0" smtClean="0"/>
+              <a:t>The solution is a forecast based on historical data.  Gathering data nightly from V$ASM_DISKGROUP is simple with Method5.  With all the data stored in one table, it's possible to create an ordinary least squares regression using the REGR_* functions.</a:t>
+            </a:r>
+          </a:p>
+          <a:p>
+            <a:endParaRPr lang="en-US" baseline="0" dirty="0" smtClean="0"/>
+          </a:p>
+          <a:p>
+            <a:r>
+              <a:rPr lang="en-US" baseline="0" dirty="0" smtClean="0"/>
+              <a:t>Using that data and forecasts, an email is sent every day.  The top servers are not the ones with the highest percent of storage.  The top servers are the ones forecasted to run out of space first.  The forecasts are generated as HTML requests to Google Charts, which returns static PNG images that can be rendered in an email client.</a:t>
+            </a:r>
+          </a:p>
+          <a:p>
+            <a:endParaRPr lang="en-US" baseline="0" dirty="0" smtClean="0"/>
+          </a:p>
+          <a:p>
+            <a:endParaRPr lang="en-US" baseline="0" dirty="0" smtClean="0"/>
+          </a:p>
+        </p:txBody>
+      </p:sp>
+      <p:sp>
+        <p:nvSpPr>
+          <p:cNvPr id="4" name="Slide Number Placeholder 3"/>
+          <p:cNvSpPr>
+            <a:spLocks noGrp="1"/>
+          </p:cNvSpPr>
+          <p:nvPr>
+            <p:ph type="sldNum" sz="quarter" idx="10"/>
+          </p:nvPr>
+        </p:nvSpPr>
+        <p:spPr/>
+        <p:txBody>
+          <a:bodyPr/>
+          <a:lstStyle/>
+          <a:p>
+            <a:fld id="{72AE7ADF-BF07-437B-AD5B-68C1A8D7189D}" type="slidenum">
+              <a:rPr lang="en-US" smtClean="0"/>
+              <a:t>16</a:t>
+            </a:fld>
+            <a:endParaRPr lang="en-US"/>
+          </a:p>
+        </p:txBody>
+      </p:sp>
+    </p:spTree>
+    <p:extLst>
+      <p:ext uri="{BB962C8B-B14F-4D97-AF65-F5344CB8AC3E}">
+        <p14:creationId xmlns:p14="http://schemas.microsoft.com/office/powerpoint/2010/main" val="2407419465"/>
+      </p:ext>
+    </p:extLst>
+  </p:cSld>
+  <p:clrMapOvr>
+    <a:masterClrMapping/>
+  </p:clrMapOvr>
+</p:notes>
+</file>
+
+<file path=ppt/notesSlides/notesSlide17.xml><?xml version="1.0" encoding="utf-8"?>
+<p:notes xmlns:a="http://schemas.openxmlformats.org/drawingml/2006/main" xmlns:r="http://schemas.openxmlformats.org/officeDocument/2006/relationships" xmlns:p="http://schemas.openxmlformats.org/presentationml/2006/main">
+  <p:cSld>
+    <p:spTree>
+      <p:nvGrpSpPr>
+        <p:cNvPr id="1" name=""/>
+        <p:cNvGrpSpPr/>
+        <p:nvPr/>
+      </p:nvGrpSpPr>
+      <p:grpSpPr>
+        <a:xfrm>
+          <a:off x="0" y="0"/>
+          <a:ext cx="0" cy="0"/>
+          <a:chOff x="0" y="0"/>
+          <a:chExt cx="0" cy="0"/>
+        </a:xfrm>
+      </p:grpSpPr>
+      <p:sp>
+        <p:nvSpPr>
+          <p:cNvPr id="2" name="Slide Image Placeholder 1"/>
+          <p:cNvSpPr>
+            <a:spLocks noGrp="1" noRot="1" noChangeAspect="1"/>
+          </p:cNvSpPr>
+          <p:nvPr>
+            <p:ph type="sldImg"/>
+          </p:nvPr>
+        </p:nvSpPr>
+        <p:spPr/>
+      </p:sp>
+      <p:sp>
+        <p:nvSpPr>
+          <p:cNvPr id="3" name="Notes Placeholder 2"/>
+          <p:cNvSpPr>
+            <a:spLocks noGrp="1"/>
+          </p:cNvSpPr>
+          <p:nvPr>
+            <p:ph type="body" idx="1"/>
+          </p:nvPr>
+        </p:nvSpPr>
+        <p:spPr/>
+        <p:txBody>
+          <a:bodyPr/>
+          <a:lstStyle/>
+          <a:p>
+            <a:r>
+              <a:rPr lang="en-US" dirty="0" smtClean="0"/>
+              <a:t>This visualization</a:t>
+            </a:r>
+            <a:r>
+              <a:rPr lang="en-US" baseline="0" dirty="0" smtClean="0"/>
+              <a:t> helps answer the question "where is all the space going?"  It's a difficult question, especially if there are hundreds of databases and thousands of schemas.</a:t>
+            </a:r>
+          </a:p>
+          <a:p>
+            <a:endParaRPr lang="en-US" baseline="0" dirty="0" smtClean="0"/>
+          </a:p>
+          <a:p>
+            <a:r>
+              <a:rPr lang="en-US" baseline="0" dirty="0" smtClean="0"/>
+              <a:t>Once again, gathering the data is trivial, just run this command in Method5:  </a:t>
+            </a:r>
+            <a:r>
+              <a:rPr lang="en-US" i="1" baseline="0" dirty="0" smtClean="0">
+                <a:solidFill>
+                  <a:schemeClr val="bg1">
+                    <a:lumMod val="50000"/>
+                  </a:schemeClr>
+                </a:solidFill>
+                <a:latin typeface="Courier" pitchFamily="49" charset="0"/>
+                <a:cs typeface="Courier New" panose="02070309020205020404" pitchFamily="49" charset="0"/>
+              </a:rPr>
+              <a:t>select owner, sum(bytes) bytes from </a:t>
+            </a:r>
+            <a:r>
+              <a:rPr lang="en-US" i="1" baseline="0" dirty="0" err="1" smtClean="0">
+                <a:solidFill>
+                  <a:schemeClr val="bg1">
+                    <a:lumMod val="50000"/>
+                  </a:schemeClr>
+                </a:solidFill>
+                <a:latin typeface="Courier" pitchFamily="49" charset="0"/>
+                <a:cs typeface="Courier New" panose="02070309020205020404" pitchFamily="49" charset="0"/>
+              </a:rPr>
+              <a:t>dba_segments</a:t>
+            </a:r>
+            <a:r>
+              <a:rPr lang="en-US" i="1" baseline="0" dirty="0" smtClean="0">
+                <a:solidFill>
+                  <a:schemeClr val="bg1">
+                    <a:lumMod val="50000"/>
+                  </a:schemeClr>
+                </a:solidFill>
+                <a:latin typeface="Courier" pitchFamily="49" charset="0"/>
+                <a:cs typeface="Courier New" panose="02070309020205020404" pitchFamily="49" charset="0"/>
+              </a:rPr>
+              <a:t> group by owner</a:t>
+            </a:r>
+            <a:endParaRPr lang="en-US" baseline="0" dirty="0" smtClean="0"/>
+          </a:p>
+          <a:p>
+            <a:endParaRPr lang="en-US" baseline="0" dirty="0" smtClean="0"/>
+          </a:p>
+          <a:p>
+            <a:r>
+              <a:rPr lang="en-US" dirty="0" smtClean="0"/>
+              <a:t>Then</a:t>
+            </a:r>
+            <a:r>
+              <a:rPr lang="en-US" baseline="0" dirty="0" smtClean="0"/>
+              <a:t> SQL and PL/SQL generate an HTML page that calls the Google Visualization </a:t>
+            </a:r>
+            <a:r>
+              <a:rPr lang="en-US" baseline="0" dirty="0" err="1" smtClean="0"/>
+              <a:t>TreeMap</a:t>
+            </a:r>
+            <a:r>
+              <a:rPr lang="en-US" baseline="0" dirty="0" smtClean="0"/>
+              <a:t>.  The </a:t>
+            </a:r>
+            <a:r>
+              <a:rPr lang="en-US" baseline="0" dirty="0" err="1" smtClean="0"/>
+              <a:t>TreeMap</a:t>
+            </a:r>
+            <a:r>
+              <a:rPr lang="en-US" baseline="0" dirty="0" smtClean="0"/>
+              <a:t> is multiple levels deep, and you can click on each rectangle to zoom in.  The grouping order is configurable, so you can create different </a:t>
+            </a:r>
+            <a:r>
+              <a:rPr lang="en-US" baseline="0" dirty="0" err="1" smtClean="0"/>
+              <a:t>TreeMaps</a:t>
+            </a:r>
+            <a:r>
+              <a:rPr lang="en-US" baseline="0" dirty="0" smtClean="0"/>
+              <a:t> with different groupings.  For example, you may want to see the largest database first, then grouped by the largest owner.  Or maybe you want to see the largest owner, then grouped by database.</a:t>
+            </a:r>
+            <a:endParaRPr lang="en-US" dirty="0"/>
+          </a:p>
+        </p:txBody>
+      </p:sp>
+      <p:sp>
+        <p:nvSpPr>
+          <p:cNvPr id="4" name="Slide Number Placeholder 3"/>
+          <p:cNvSpPr>
+            <a:spLocks noGrp="1"/>
+          </p:cNvSpPr>
+          <p:nvPr>
+            <p:ph type="sldNum" sz="quarter" idx="10"/>
+          </p:nvPr>
+        </p:nvSpPr>
+        <p:spPr/>
+        <p:txBody>
+          <a:bodyPr/>
+          <a:lstStyle/>
+          <a:p>
+            <a:fld id="{72AE7ADF-BF07-437B-AD5B-68C1A8D7189D}" type="slidenum">
+              <a:rPr lang="en-US" smtClean="0"/>
+              <a:t>17</a:t>
+            </a:fld>
+            <a:endParaRPr lang="en-US"/>
+          </a:p>
+        </p:txBody>
+      </p:sp>
+    </p:spTree>
+    <p:extLst>
+      <p:ext uri="{BB962C8B-B14F-4D97-AF65-F5344CB8AC3E}">
+        <p14:creationId xmlns:p14="http://schemas.microsoft.com/office/powerpoint/2010/main" val="1032340916"/>
+      </p:ext>
+    </p:extLst>
+  </p:cSld>
+  <p:clrMapOvr>
+    <a:masterClrMapping/>
+  </p:clrMapOvr>
+</p:notes>
+</file>
+
+<file path=ppt/notesSlides/notesSlide18.xml><?xml version="1.0" encoding="utf-8"?>
+<p:notes xmlns:a="http://schemas.openxmlformats.org/drawingml/2006/main" xmlns:r="http://schemas.openxmlformats.org/officeDocument/2006/relationships" xmlns:p="http://schemas.openxmlformats.org/presentationml/2006/main">
+  <p:cSld>
+    <p:spTree>
+      <p:nvGrpSpPr>
+        <p:cNvPr id="1" name=""/>
+        <p:cNvGrpSpPr/>
+        <p:nvPr/>
+      </p:nvGrpSpPr>
+      <p:grpSpPr>
+        <a:xfrm>
+          <a:off x="0" y="0"/>
+          <a:ext cx="0" cy="0"/>
+          <a:chOff x="0" y="0"/>
+          <a:chExt cx="0" cy="0"/>
+        </a:xfrm>
+      </p:grpSpPr>
+      <p:sp>
+        <p:nvSpPr>
+          <p:cNvPr id="2" name="Slide Image Placeholder 1"/>
+          <p:cNvSpPr>
+            <a:spLocks noGrp="1" noRot="1" noChangeAspect="1"/>
+          </p:cNvSpPr>
+          <p:nvPr>
+            <p:ph type="sldImg"/>
+          </p:nvPr>
+        </p:nvSpPr>
         <p:spPr>
           <a:xfrm>
             <a:off x="381000" y="685800"/>
@@ -1613,65 +1928,74 @@
           <a:bodyPr/>
           <a:lstStyle/>
           <a:p>
-            <a:r>
-              <a:rPr lang="en-US" dirty="0" smtClean="0"/>
-              <a:t>1. Method5 isn't simply faster than your existing processes.</a:t>
+            <a:pPr marL="0" indent="0">
+              <a:buNone/>
+            </a:pPr>
+            <a:r>
+              <a:rPr lang="en-US" dirty="0" smtClean="0"/>
+              <a:t>1. Like</a:t>
             </a:r>
             <a:r>
               <a:rPr lang="en-US" baseline="0" dirty="0" smtClean="0"/>
-              <a:t>  It's so much faster that it can change your attitude toward solving problems.</a:t>
-            </a:r>
-            <a:endParaRPr lang="en-US" dirty="0" smtClean="0"/>
-          </a:p>
-          <a:p>
-            <a:r>
-              <a:rPr lang="en-US" dirty="0" smtClean="0"/>
-              <a:t>1. For every problem, spend a minute thinking if there's a way to find it, fix it, or prevent it on other databases.</a:t>
-            </a:r>
-          </a:p>
-          <a:p>
-            <a:r>
-              <a:rPr lang="en-US" dirty="0" smtClean="0"/>
-              <a:t>2. There's no more excuse to not check every database - it only takes one line of code.</a:t>
-            </a:r>
-          </a:p>
-          <a:p>
-            <a:r>
-              <a:rPr lang="en-US" dirty="0" smtClean="0"/>
-              <a:t>3. Start being more proactive - no more Groundhog Day administration.</a:t>
-            </a:r>
+              <a:t> any good database solution, the heavy-lifting is done with SQL statements glued together with PL/SQL.  The dynamic code is nested several levels deep.  To avoid the typical concatenation-hell, the alternative quoting mechanism and REPLACE are used.  This simple trick makes dynamic code drastically more readable.</a:t>
+            </a:r>
+          </a:p>
+          <a:p>
+            <a:pPr marL="0" indent="0">
+              <a:buNone/>
+            </a:pPr>
             <a:r>
               <a:rPr lang="en-US" baseline="0" dirty="0" smtClean="0"/>
-              <a:t>  </a:t>
-            </a:r>
-            <a:r>
-              <a:rPr lang="en-US" dirty="0" smtClean="0"/>
-              <a:t>Even if the problem only takes you 5 minutes to fix each time, consider how much time everyone else spends on it before it even</a:t>
-            </a:r>
+              <a:t>2. Database links are what ties everything together.  Database links have gotten a bad reputation.  Yes, many people make horrible mistakes with them, but when used right it makes inter-database communication incredibly simple.</a:t>
+            </a:r>
+          </a:p>
+          <a:p>
+            <a:pPr marL="0" indent="0">
+              <a:buNone/>
+            </a:pPr>
             <a:r>
               <a:rPr lang="en-US" baseline="0" dirty="0" smtClean="0"/>
-              <a:t> gets reported to you</a:t>
-            </a:r>
-            <a:r>
-              <a:rPr lang="en-US" dirty="0" smtClean="0"/>
-              <a:t>.  When</a:t>
+              <a:t>3. 99% of all Oracle SQL code parsing or code transformation  programs are fundamentally broken.  Things like statement classification and terminator removal are often handled with simple  regular expressions.  SQL and PL/SQL are insanely complicated languages, with over 2,000 keywords and 30 years of syntax history.  A proper </a:t>
+            </a:r>
+            <a:r>
+              <a:rPr lang="en-US" baseline="0" dirty="0" err="1" smtClean="0"/>
+              <a:t>lexer</a:t>
             </a:r>
             <a:r>
               <a:rPr lang="en-US" baseline="0" dirty="0" smtClean="0"/>
-              <a:t> you find a problem and write a Method5 snippet for it, save that code.  After a while you can generate a preventive maintenance program that you can run periodically to fix things before they become a problem.</a:t>
-            </a:r>
-            <a:endParaRPr lang="en-US" dirty="0" smtClean="0"/>
-          </a:p>
-          <a:p>
-            <a:r>
-              <a:rPr lang="en-US" dirty="0" smtClean="0"/>
-              <a:t>4. Treat all your databases like one logical database.</a:t>
-            </a:r>
-          </a:p>
-          <a:p>
-            <a:r>
-              <a:rPr lang="en-US" dirty="0" smtClean="0"/>
-              <a:t>5. You'll be surprised how often a single query today can save your organization hours of work tomorrow.</a:t>
+              <a:t> is a requirement to build a robust system that can handle any code.</a:t>
+            </a:r>
+          </a:p>
+          <a:p>
+            <a:pPr marL="0" indent="0">
+              <a:buNone/>
+            </a:pPr>
+            <a:r>
+              <a:rPr lang="en-US" baseline="0" dirty="0" smtClean="0"/>
+              <a:t>4. Scheduler and pipes work together to enable parallelism and asynchronous processing.</a:t>
+            </a:r>
+            <a:r>
+              <a:rPr lang="en-US" dirty="0" smtClean="0"/>
+              <a:t>  DBMS_SCHEDULER also enable the execution of shell scripts.</a:t>
+            </a:r>
+            <a:endParaRPr lang="en-US" baseline="0" dirty="0" smtClean="0"/>
+          </a:p>
+          <a:p>
+            <a:pPr marL="0" indent="0">
+              <a:buNone/>
+            </a:pPr>
+            <a:r>
+              <a:rPr lang="en-US" baseline="0" dirty="0" smtClean="0"/>
+              <a:t>5. Everything is configured in tables.  You don't have to worry about XML configuration files or agent parameter files.</a:t>
+            </a:r>
+          </a:p>
+          <a:p>
+            <a:pPr marL="0" indent="0">
+              <a:buNone/>
+            </a:pPr>
+            <a:r>
+              <a:rPr lang="en-US" baseline="0" dirty="0" smtClean="0"/>
+              <a:t>6. Oracle Data Cartridge is the magic (or at least cryptic) piece that allows Method5 to extend Oracle SQL.  It provides the ability to return "anything", dynamically, in a SQL context.  Running dynamic SQL in SQL is much harder than it sounds.</a:t>
             </a:r>
             <a:endParaRPr lang="en-US" dirty="0"/>
           </a:p>
@@ -1694,7 +2018,7 @@
           <a:p>
             <a:fld id="{72AE7ADF-BF07-437B-AD5B-68C1A8D7189D}" type="slidenum">
               <a:rPr lang="en-US" smtClean="0"/>
-              <a:t>16</a:t>
+              <a:t>18</a:t>
             </a:fld>
             <a:endParaRPr lang="en-US"/>
           </a:p>
@@ -1703,7 +2027,159 @@
     </p:spTree>
     <p:extLst>
       <p:ext uri="{BB962C8B-B14F-4D97-AF65-F5344CB8AC3E}">
-        <p14:creationId xmlns:p14="http://schemas.microsoft.com/office/powerpoint/2010/main" val="1321457072"/>
+        <p14:creationId xmlns:p14="http://schemas.microsoft.com/office/powerpoint/2010/main" val="1500454840"/>
+      </p:ext>
+    </p:extLst>
+  </p:cSld>
+  <p:clrMapOvr>
+    <a:masterClrMapping/>
+  </p:clrMapOvr>
+</p:notes>
+</file>
+
+<file path=ppt/notesSlides/notesSlide19.xml><?xml version="1.0" encoding="utf-8"?>
+<p:notes xmlns:a="http://schemas.openxmlformats.org/drawingml/2006/main" xmlns:r="http://schemas.openxmlformats.org/officeDocument/2006/relationships" xmlns:p="http://schemas.openxmlformats.org/presentationml/2006/main">
+  <p:cSld>
+    <p:spTree>
+      <p:nvGrpSpPr>
+        <p:cNvPr id="1" name=""/>
+        <p:cNvGrpSpPr/>
+        <p:nvPr/>
+      </p:nvGrpSpPr>
+      <p:grpSpPr>
+        <a:xfrm>
+          <a:off x="0" y="0"/>
+          <a:ext cx="0" cy="0"/>
+          <a:chOff x="0" y="0"/>
+          <a:chExt cx="0" cy="0"/>
+        </a:xfrm>
+      </p:grpSpPr>
+      <p:sp>
+        <p:nvSpPr>
+          <p:cNvPr id="2" name="Slide Image Placeholder 1"/>
+          <p:cNvSpPr>
+            <a:spLocks noGrp="1" noRot="1" noChangeAspect="1"/>
+          </p:cNvSpPr>
+          <p:nvPr>
+            <p:ph type="sldImg"/>
+          </p:nvPr>
+        </p:nvSpPr>
+        <p:spPr>
+          <a:xfrm>
+            <a:off x="381000" y="685800"/>
+            <a:ext cx="6096000" cy="3429000"/>
+          </a:xfrm>
+        </p:spPr>
+      </p:sp>
+      <p:sp>
+        <p:nvSpPr>
+          <p:cNvPr id="3" name="Notes Placeholder 2"/>
+          <p:cNvSpPr>
+            <a:spLocks noGrp="1"/>
+          </p:cNvSpPr>
+          <p:nvPr>
+            <p:ph type="body" idx="1"/>
+          </p:nvPr>
+        </p:nvSpPr>
+        <p:spPr/>
+        <p:txBody>
+          <a:bodyPr/>
+          <a:lstStyle/>
+          <a:p>
+            <a:r>
+              <a:rPr lang="en-US" dirty="0" smtClean="0"/>
+              <a:t>1. Requirements - You must have a central</a:t>
+            </a:r>
+            <a:r>
+              <a:rPr lang="en-US" baseline="0" dirty="0" smtClean="0"/>
+              <a:t> management database that can communicate with all other database.  You must have SYSDBA to install, and DBA privileges to use.  Any currently-supported platform, version, or edition will work.  (And probably some unsupported ones also.)  For testing you only need a single database - the default installation will create some fake links that simulate a multi-database environment.</a:t>
+            </a:r>
+          </a:p>
+          <a:p>
+            <a:r>
+              <a:rPr lang="en-US" dirty="0" smtClean="0"/>
+              <a:t>2. Only one person needs to install and administer it.  The configuration is automatically applied to other users.</a:t>
+            </a:r>
+          </a:p>
+          <a:p>
+            <a:r>
+              <a:rPr lang="en-US" dirty="0" smtClean="0"/>
+              <a:t>3. Download the free, open source code from GitHub and follow the instructions.</a:t>
+            </a:r>
+          </a:p>
+          <a:p>
+            <a:r>
+              <a:rPr lang="en-US" dirty="0" smtClean="0"/>
+              <a:t>4. The code is 100% inside the database - there are no agents, plugins, websites, configuration files, etc.</a:t>
+            </a:r>
+          </a:p>
+          <a:p>
+            <a:r>
+              <a:rPr lang="en-US" dirty="0" smtClean="0"/>
+              <a:t>5. Getting started</a:t>
+            </a:r>
+            <a:r>
+              <a:rPr lang="en-US" baseline="0" dirty="0" smtClean="0"/>
+              <a:t> will take less than an hour.  The time to setup all your connections will vary depending on how standardized your environment is.  1000 perfectly-standardized databases will be easier than 10 databases all with different platforms, versions, and configurations.  One of the nice side-effects of Method5 is that it really drives home how useful standardization can be.  You may want to work on one environment at a time; you don't need to get every database working in order to use this.</a:t>
+            </a:r>
+          </a:p>
+          <a:p>
+            <a:r>
+              <a:rPr lang="en-US" baseline="0" dirty="0" smtClean="0"/>
+              <a:t>6. If you encounter any problems you can create a GitHub issue on the repository or you can email Jon Heller at either hjon@ventechsolutions.com or jon@jonheller.org.</a:t>
+            </a:r>
+          </a:p>
+          <a:p>
+            <a:endParaRPr lang="en-US" baseline="0" dirty="0" smtClean="0"/>
+          </a:p>
+          <a:p>
+            <a:r>
+              <a:rPr lang="en-US" dirty="0" smtClean="0"/>
+              <a:t>Most DBAs have everything they need to get started in about</a:t>
+            </a:r>
+            <a:r>
+              <a:rPr lang="en-US" baseline="0" dirty="0" smtClean="0"/>
+              <a:t> an hour.</a:t>
+            </a:r>
+            <a:r>
+              <a:rPr lang="en-US" dirty="0" smtClean="0"/>
+              <a:t>  You don't need to buy anything, sign up for anything, or install any operating system binaries.  The installation and</a:t>
+            </a:r>
+            <a:r>
+              <a:rPr lang="en-US" baseline="0" dirty="0" smtClean="0"/>
+              <a:t> administration tasks aren't that different from what you do on a day-to-day basis.</a:t>
+            </a:r>
+            <a:endParaRPr lang="en-US" dirty="0"/>
+          </a:p>
+        </p:txBody>
+      </p:sp>
+      <p:sp>
+        <p:nvSpPr>
+          <p:cNvPr id="4" name="Slide Number Placeholder 3"/>
+          <p:cNvSpPr>
+            <a:spLocks noGrp="1"/>
+          </p:cNvSpPr>
+          <p:nvPr>
+            <p:ph type="sldNum" sz="quarter" idx="10"/>
+          </p:nvPr>
+        </p:nvSpPr>
+        <p:spPr/>
+        <p:txBody>
+          <a:bodyPr/>
+          <a:lstStyle/>
+          <a:p>
+            <a:fld id="{72AE7ADF-BF07-437B-AD5B-68C1A8D7189D}" type="slidenum">
+              <a:rPr lang="en-US" smtClean="0"/>
+              <a:t>19</a:t>
+            </a:fld>
+            <a:endParaRPr lang="en-US"/>
+          </a:p>
+        </p:txBody>
+      </p:sp>
+    </p:spTree>
+    <p:extLst>
+      <p:ext uri="{BB962C8B-B14F-4D97-AF65-F5344CB8AC3E}">
+        <p14:creationId xmlns:p14="http://schemas.microsoft.com/office/powerpoint/2010/main" val="489585203"/>
       </p:ext>
     </p:extLst>
   </p:cSld>
@@ -1793,6 +2269,244 @@
     <p:extLst>
       <p:ext uri="{BB962C8B-B14F-4D97-AF65-F5344CB8AC3E}">
         <p14:creationId xmlns:p14="http://schemas.microsoft.com/office/powerpoint/2010/main" val="980346686"/>
+      </p:ext>
+    </p:extLst>
+  </p:cSld>
+  <p:clrMapOvr>
+    <a:masterClrMapping/>
+  </p:clrMapOvr>
+</p:notes>
+</file>
+
+<file path=ppt/notesSlides/notesSlide20.xml><?xml version="1.0" encoding="utf-8"?>
+<p:notes xmlns:a="http://schemas.openxmlformats.org/drawingml/2006/main" xmlns:r="http://schemas.openxmlformats.org/officeDocument/2006/relationships" xmlns:p="http://schemas.openxmlformats.org/presentationml/2006/main">
+  <p:cSld>
+    <p:spTree>
+      <p:nvGrpSpPr>
+        <p:cNvPr id="1" name=""/>
+        <p:cNvGrpSpPr/>
+        <p:nvPr/>
+      </p:nvGrpSpPr>
+      <p:grpSpPr>
+        <a:xfrm>
+          <a:off x="0" y="0"/>
+          <a:ext cx="0" cy="0"/>
+          <a:chOff x="0" y="0"/>
+          <a:chExt cx="0" cy="0"/>
+        </a:xfrm>
+      </p:grpSpPr>
+      <p:sp>
+        <p:nvSpPr>
+          <p:cNvPr id="2" name="Slide Image Placeholder 1"/>
+          <p:cNvSpPr>
+            <a:spLocks noGrp="1" noRot="1" noChangeAspect="1"/>
+          </p:cNvSpPr>
+          <p:nvPr>
+            <p:ph type="sldImg"/>
+          </p:nvPr>
+        </p:nvSpPr>
+        <p:spPr>
+          <a:xfrm>
+            <a:off x="381000" y="685800"/>
+            <a:ext cx="6096000" cy="3429000"/>
+          </a:xfrm>
+        </p:spPr>
+      </p:sp>
+      <p:sp>
+        <p:nvSpPr>
+          <p:cNvPr id="3" name="Notes Placeholder 2"/>
+          <p:cNvSpPr>
+            <a:spLocks noGrp="1"/>
+          </p:cNvSpPr>
+          <p:nvPr>
+            <p:ph type="body" idx="1"/>
+          </p:nvPr>
+        </p:nvSpPr>
+        <p:spPr/>
+        <p:txBody>
+          <a:bodyPr/>
+          <a:lstStyle/>
+          <a:p>
+            <a:endParaRPr lang="en-US" dirty="0"/>
+          </a:p>
+        </p:txBody>
+      </p:sp>
+      <p:sp>
+        <p:nvSpPr>
+          <p:cNvPr id="4" name="Slide Number Placeholder 3"/>
+          <p:cNvSpPr>
+            <a:spLocks noGrp="1"/>
+          </p:cNvSpPr>
+          <p:nvPr>
+            <p:ph type="sldNum" sz="quarter" idx="10"/>
+          </p:nvPr>
+        </p:nvSpPr>
+        <p:spPr/>
+        <p:txBody>
+          <a:bodyPr/>
+          <a:lstStyle/>
+          <a:p>
+            <a:fld id="{72AE7ADF-BF07-437B-AD5B-68C1A8D7189D}" type="slidenum">
+              <a:rPr lang="en-US" smtClean="0"/>
+              <a:t>20</a:t>
+            </a:fld>
+            <a:endParaRPr lang="en-US"/>
+          </a:p>
+        </p:txBody>
+      </p:sp>
+    </p:spTree>
+    <p:extLst>
+      <p:ext uri="{BB962C8B-B14F-4D97-AF65-F5344CB8AC3E}">
+        <p14:creationId xmlns:p14="http://schemas.microsoft.com/office/powerpoint/2010/main" val="2277858703"/>
+      </p:ext>
+    </p:extLst>
+  </p:cSld>
+  <p:clrMapOvr>
+    <a:masterClrMapping/>
+  </p:clrMapOvr>
+</p:notes>
+</file>
+
+<file path=ppt/notesSlides/notesSlide21.xml><?xml version="1.0" encoding="utf-8"?>
+<p:notes xmlns:a="http://schemas.openxmlformats.org/drawingml/2006/main" xmlns:r="http://schemas.openxmlformats.org/officeDocument/2006/relationships" xmlns:p="http://schemas.openxmlformats.org/presentationml/2006/main">
+  <p:cSld>
+    <p:spTree>
+      <p:nvGrpSpPr>
+        <p:cNvPr id="1" name=""/>
+        <p:cNvGrpSpPr/>
+        <p:nvPr/>
+      </p:nvGrpSpPr>
+      <p:grpSpPr>
+        <a:xfrm>
+          <a:off x="0" y="0"/>
+          <a:ext cx="0" cy="0"/>
+          <a:chOff x="0" y="0"/>
+          <a:chExt cx="0" cy="0"/>
+        </a:xfrm>
+      </p:grpSpPr>
+      <p:sp>
+        <p:nvSpPr>
+          <p:cNvPr id="2" name="Slide Image Placeholder 1"/>
+          <p:cNvSpPr>
+            <a:spLocks noGrp="1" noRot="1" noChangeAspect="1"/>
+          </p:cNvSpPr>
+          <p:nvPr>
+            <p:ph type="sldImg"/>
+          </p:nvPr>
+        </p:nvSpPr>
+        <p:spPr>
+          <a:xfrm>
+            <a:off x="381000" y="685800"/>
+            <a:ext cx="6096000" cy="3429000"/>
+          </a:xfrm>
+        </p:spPr>
+      </p:sp>
+      <p:sp>
+        <p:nvSpPr>
+          <p:cNvPr id="3" name="Notes Placeholder 2"/>
+          <p:cNvSpPr>
+            <a:spLocks noGrp="1"/>
+          </p:cNvSpPr>
+          <p:nvPr>
+            <p:ph type="body" idx="1"/>
+          </p:nvPr>
+        </p:nvSpPr>
+        <p:spPr/>
+        <p:txBody>
+          <a:bodyPr/>
+          <a:lstStyle/>
+          <a:p>
+            <a:r>
+              <a:rPr lang="en-US" dirty="0" smtClean="0"/>
+              <a:t>1. Method5 isn't simply faster than your existing processes.</a:t>
+            </a:r>
+            <a:r>
+              <a:rPr lang="en-US" baseline="0" dirty="0" smtClean="0"/>
+              <a:t>  It's so much faster that it can change your attitude toward solving problems.</a:t>
+            </a:r>
+            <a:endParaRPr lang="en-US" dirty="0" smtClean="0"/>
+          </a:p>
+          <a:p>
+            <a:r>
+              <a:rPr lang="en-US" dirty="0" smtClean="0"/>
+              <a:t>1. For every problem, spend a minute thinking if there's a way to find it, fix it, or prevent it on other databases.</a:t>
+            </a:r>
+          </a:p>
+          <a:p>
+            <a:r>
+              <a:rPr lang="en-US" dirty="0" smtClean="0"/>
+              <a:t>2. There's no more excuse to not check every database - it only takes one line of code.</a:t>
+            </a:r>
+          </a:p>
+          <a:p>
+            <a:r>
+              <a:rPr lang="en-US" dirty="0" smtClean="0"/>
+              <a:t>3. Start being more proactive - no more Groundhog Day administration.</a:t>
+            </a:r>
+            <a:r>
+              <a:rPr lang="en-US" baseline="0" dirty="0" smtClean="0"/>
+              <a:t>  </a:t>
+            </a:r>
+            <a:r>
+              <a:rPr lang="en-US" dirty="0" smtClean="0"/>
+              <a:t>Even if the problem only takes you 5 minutes to fix each time, consider how much time everyone else spends on it before it even</a:t>
+            </a:r>
+            <a:r>
+              <a:rPr lang="en-US" baseline="0" dirty="0" smtClean="0"/>
+              <a:t> gets reported to you</a:t>
+            </a:r>
+            <a:r>
+              <a:rPr lang="en-US" dirty="0" smtClean="0"/>
+              <a:t>.  When</a:t>
+            </a:r>
+            <a:r>
+              <a:rPr lang="en-US" baseline="0" dirty="0" smtClean="0"/>
+              <a:t> you find a problem and write a Method5 snippet for it, save that code.  After a while you can generate a preventive maintenance program that you can run periodically to fix things before they become a problem.</a:t>
+            </a:r>
+            <a:endParaRPr lang="en-US" dirty="0" smtClean="0"/>
+          </a:p>
+          <a:p>
+            <a:r>
+              <a:rPr lang="en-US" dirty="0" smtClean="0"/>
+              <a:t>4. Treat all your databases like one logical database.</a:t>
+            </a:r>
+          </a:p>
+          <a:p>
+            <a:r>
+              <a:rPr lang="en-US" dirty="0" smtClean="0"/>
+              <a:t>5. You'll be surprised how often a single query today can save your organization hours of work tomorrow.</a:t>
+            </a:r>
+            <a:endParaRPr lang="en-US" dirty="0"/>
+          </a:p>
+        </p:txBody>
+      </p:sp>
+      <p:sp>
+        <p:nvSpPr>
+          <p:cNvPr id="4" name="Slide Number Placeholder 3"/>
+          <p:cNvSpPr>
+            <a:spLocks noGrp="1"/>
+          </p:cNvSpPr>
+          <p:nvPr>
+            <p:ph type="sldNum" sz="quarter" idx="10"/>
+          </p:nvPr>
+        </p:nvSpPr>
+        <p:spPr/>
+        <p:txBody>
+          <a:bodyPr/>
+          <a:lstStyle/>
+          <a:p>
+            <a:fld id="{72AE7ADF-BF07-437B-AD5B-68C1A8D7189D}" type="slidenum">
+              <a:rPr lang="en-US" smtClean="0"/>
+              <a:t>21</a:t>
+            </a:fld>
+            <a:endParaRPr lang="en-US"/>
+          </a:p>
+        </p:txBody>
+      </p:sp>
+    </p:spTree>
+    <p:extLst>
+      <p:ext uri="{BB962C8B-B14F-4D97-AF65-F5344CB8AC3E}">
+        <p14:creationId xmlns:p14="http://schemas.microsoft.com/office/powerpoint/2010/main" val="1321457072"/>
       </p:ext>
     </p:extLst>
   </p:cSld>
@@ -2992,7 +3706,7 @@
           <a:p>
             <a:fld id="{72057647-82FE-4F7C-83B4-53587791251A}" type="datetime1">
               <a:rPr lang="en-US" smtClean="0"/>
-              <a:t>10/25/2017</a:t>
+              <a:t>10/28/2017</a:t>
             </a:fld>
             <a:endParaRPr lang="en-US"/>
           </a:p>
@@ -3162,7 +3876,7 @@
           <a:p>
             <a:fld id="{8503FF21-708F-4C59-9505-D05A3791AC31}" type="datetime1">
               <a:rPr lang="en-US" smtClean="0"/>
-              <a:t>10/25/2017</a:t>
+              <a:t>10/28/2017</a:t>
             </a:fld>
             <a:endParaRPr lang="en-US"/>
           </a:p>
@@ -3342,7 +4056,7 @@
           <a:p>
             <a:fld id="{6EFC7DE3-7050-4999-ABCB-76E0E214913C}" type="datetime1">
               <a:rPr lang="en-US" smtClean="0"/>
-              <a:t>10/25/2017</a:t>
+              <a:t>10/28/2017</a:t>
             </a:fld>
             <a:endParaRPr lang="en-US"/>
           </a:p>
@@ -3512,7 +4226,7 @@
           <a:p>
             <a:fld id="{12698F6C-3B60-45A8-AA68-1C639B61BEFF}" type="datetime1">
               <a:rPr lang="en-US" smtClean="0"/>
-              <a:t>10/25/2017</a:t>
+              <a:t>10/28/2017</a:t>
             </a:fld>
             <a:endParaRPr lang="en-US" dirty="0"/>
           </a:p>
@@ -3795,7 +4509,7 @@
           <a:p>
             <a:fld id="{E05176C0-14DF-4768-8A16-43F22EF34937}" type="datetime1">
               <a:rPr lang="en-US" smtClean="0"/>
-              <a:t>10/25/2017</a:t>
+              <a:t>10/28/2017</a:t>
             </a:fld>
             <a:endParaRPr lang="en-US"/>
           </a:p>
@@ -4083,7 +4797,7 @@
           <a:p>
             <a:fld id="{EC27D113-D56C-4484-8E60-26B1BDDD2B7D}" type="datetime1">
               <a:rPr lang="en-US" smtClean="0"/>
-              <a:t>10/25/2017</a:t>
+              <a:t>10/28/2017</a:t>
             </a:fld>
             <a:endParaRPr lang="en-US"/>
           </a:p>
@@ -4505,7 +5219,7 @@
           <a:p>
             <a:fld id="{2346BE7D-CDCE-4B6B-92C3-A6060BB37F63}" type="datetime1">
               <a:rPr lang="en-US" smtClean="0"/>
-              <a:t>10/25/2017</a:t>
+              <a:t>10/28/2017</a:t>
             </a:fld>
             <a:endParaRPr lang="en-US"/>
           </a:p>
@@ -4623,7 +5337,7 @@
           <a:p>
             <a:fld id="{016112C5-3C0F-4913-A601-B7FE4F9C1F3A}" type="datetime1">
               <a:rPr lang="en-US" smtClean="0"/>
-              <a:t>10/25/2017</a:t>
+              <a:t>10/28/2017</a:t>
             </a:fld>
             <a:endParaRPr lang="en-US"/>
           </a:p>
@@ -4718,7 +5432,7 @@
           <a:p>
             <a:fld id="{8A5D4DBD-AFC0-4CD6-8B21-21C10C0D7EF6}" type="datetime1">
               <a:rPr lang="en-US" smtClean="0"/>
-              <a:t>10/25/2017</a:t>
+              <a:t>10/28/2017</a:t>
             </a:fld>
             <a:endParaRPr lang="en-US"/>
           </a:p>
@@ -4995,7 +5709,7 @@
           <a:p>
             <a:fld id="{3514C57E-D885-4B44-9FAF-8838A1BDE694}" type="datetime1">
               <a:rPr lang="en-US" smtClean="0"/>
-              <a:t>10/25/2017</a:t>
+              <a:t>10/28/2017</a:t>
             </a:fld>
             <a:endParaRPr lang="en-US"/>
           </a:p>
@@ -5248,7 +5962,7 @@
           <a:p>
             <a:fld id="{7BEDB21A-AE09-4B41-95A5-CA952A205099}" type="datetime1">
               <a:rPr lang="en-US" smtClean="0"/>
-              <a:t>10/25/2017</a:t>
+              <a:t>10/28/2017</a:t>
             </a:fld>
             <a:endParaRPr lang="en-US"/>
           </a:p>
@@ -5461,7 +6175,7 @@
           <a:p>
             <a:fld id="{2089B313-BB57-4BA5-B615-3D449DFED662}" type="datetime1">
               <a:rPr lang="en-US" smtClean="0"/>
-              <a:t>10/25/2017</a:t>
+              <a:t>10/28/2017</a:t>
             </a:fld>
             <a:endParaRPr lang="en-US" dirty="0"/>
           </a:p>
@@ -5867,7 +6581,11 @@
           <a:lstStyle/>
           <a:p>
             <a:r>
-              <a:rPr lang="en-US" sz="4000" dirty="0" smtClean="0"/>
+              <a:rPr lang="en-US" sz="4000" dirty="0" smtClean="0">
+                <a:solidFill>
+                  <a:schemeClr val="tx1"/>
+                </a:solidFill>
+              </a:rPr>
               <a:t>Remote Execution for Oracle SQL</a:t>
             </a:r>
           </a:p>
@@ -5899,7 +6617,7 @@
           <a:p>
             <a:fld id="{2E45DCD3-F6D5-47D1-A091-AE329ABC5543}" type="datetime1">
               <a:rPr lang="en-US" smtClean="0"/>
-              <a:t>10/25/2017</a:t>
+              <a:t>10/28/2017</a:t>
             </a:fld>
             <a:endParaRPr lang="en-US" dirty="0"/>
           </a:p>
@@ -6185,7 +6903,7 @@
           <a:p>
             <a:fld id="{73B3F948-1743-4F2D-B9D2-20F26DEE2D32}" type="datetime1">
               <a:rPr lang="en-US" smtClean="0"/>
-              <a:t>10/25/2017</a:t>
+              <a:t>10/28/2017</a:t>
             </a:fld>
             <a:endParaRPr lang="en-US"/>
           </a:p>
@@ -6436,7 +7154,7 @@
           <a:p>
             <a:fld id="{8C6FBF27-FCE1-40A4-AD2E-EA28EB5C01F0}" type="datetime1">
               <a:rPr lang="en-US" smtClean="0"/>
-              <a:t>10/25/2017</a:t>
+              <a:t>10/28/2017</a:t>
             </a:fld>
             <a:endParaRPr lang="en-US"/>
           </a:p>
@@ -6519,6 +7237,2359 @@
           <a:p>
             <a:r>
               <a:rPr lang="en-US" dirty="0" smtClean="0"/>
+              <a:t>Simple Example</a:t>
+            </a:r>
+            <a:endParaRPr lang="en-US" dirty="0"/>
+          </a:p>
+        </p:txBody>
+      </p:sp>
+      <p:sp>
+        <p:nvSpPr>
+          <p:cNvPr id="4" name="Date Placeholder 3"/>
+          <p:cNvSpPr>
+            <a:spLocks noGrp="1"/>
+          </p:cNvSpPr>
+          <p:nvPr>
+            <p:ph type="dt" sz="half" idx="10"/>
+          </p:nvPr>
+        </p:nvSpPr>
+        <p:spPr/>
+        <p:txBody>
+          <a:bodyPr/>
+          <a:lstStyle/>
+          <a:p>
+            <a:fld id="{12698F6C-3B60-45A8-AA68-1C639B61BEFF}" type="datetime1">
+              <a:rPr lang="en-US" smtClean="0"/>
+              <a:t>10/29/2017</a:t>
+            </a:fld>
+            <a:endParaRPr lang="en-US" dirty="0"/>
+          </a:p>
+        </p:txBody>
+      </p:sp>
+      <p:sp>
+        <p:nvSpPr>
+          <p:cNvPr id="5" name="Slide Number Placeholder 4"/>
+          <p:cNvSpPr>
+            <a:spLocks noGrp="1"/>
+          </p:cNvSpPr>
+          <p:nvPr>
+            <p:ph type="sldNum" sz="quarter" idx="12"/>
+          </p:nvPr>
+        </p:nvSpPr>
+        <p:spPr/>
+        <p:txBody>
+          <a:bodyPr/>
+          <a:lstStyle/>
+          <a:p>
+            <a:fld id="{05869706-863E-4BD1-B682-3CD80F60367B}" type="slidenum">
+              <a:rPr lang="en-US" smtClean="0"/>
+              <a:t>12</a:t>
+            </a:fld>
+            <a:endParaRPr lang="en-US"/>
+          </a:p>
+        </p:txBody>
+      </p:sp>
+      <p:pic>
+        <p:nvPicPr>
+          <p:cNvPr id="2061" name="Picture 13"/>
+          <p:cNvPicPr>
+            <a:picLocks noGrp="1" noChangeAspect="1" noChangeArrowheads="1"/>
+          </p:cNvPicPr>
+          <p:nvPr>
+            <p:ph idx="1"/>
+          </p:nvPr>
+        </p:nvPicPr>
+        <p:blipFill>
+          <a:blip r:embed="rId3">
+            <a:extLst>
+              <a:ext uri="{28A0092B-C50C-407E-A947-70E740481C1C}">
+                <a14:useLocalDpi xmlns:a14="http://schemas.microsoft.com/office/drawing/2010/main" val="0"/>
+              </a:ext>
+            </a:extLst>
+          </a:blip>
+          <a:srcRect/>
+          <a:stretch>
+            <a:fillRect/>
+          </a:stretch>
+        </p:blipFill>
+        <p:spPr bwMode="auto">
+          <a:xfrm>
+            <a:off x="609600" y="971550"/>
+            <a:ext cx="7924800" cy="3702096"/>
+          </a:xfrm>
+          <a:prstGeom prst="rect">
+            <a:avLst/>
+          </a:prstGeom>
+          <a:noFill/>
+          <a:ln>
+            <a:noFill/>
+          </a:ln>
+          <a:extLst>
+            <a:ext uri="{909E8E84-426E-40DD-AFC4-6F175D3DCCD1}">
+              <a14:hiddenFill xmlns:a14="http://schemas.microsoft.com/office/drawing/2010/main">
+                <a:solidFill>
+                  <a:schemeClr val="accent1"/>
+                </a:solidFill>
+              </a14:hiddenFill>
+            </a:ext>
+            <a:ext uri="{91240B29-F687-4F45-9708-019B960494DF}">
+              <a14:hiddenLine xmlns:a14="http://schemas.microsoft.com/office/drawing/2010/main" w="9525">
+                <a:solidFill>
+                  <a:schemeClr val="tx1"/>
+                </a:solidFill>
+                <a:miter lim="800000"/>
+                <a:headEnd/>
+                <a:tailEnd/>
+              </a14:hiddenLine>
+            </a:ext>
+          </a:extLst>
+        </p:spPr>
+      </p:pic>
+    </p:spTree>
+    <p:extLst>
+      <p:ext uri="{BB962C8B-B14F-4D97-AF65-F5344CB8AC3E}">
+        <p14:creationId xmlns:p14="http://schemas.microsoft.com/office/powerpoint/2010/main" val="1089531153"/>
+      </p:ext>
+    </p:extLst>
+  </p:cSld>
+  <p:clrMapOvr>
+    <a:masterClrMapping/>
+  </p:clrMapOvr>
+  <p:timing>
+    <p:tnLst>
+      <p:par>
+        <p:cTn id="1" dur="indefinite" restart="never" nodeType="tmRoot"/>
+      </p:par>
+    </p:tnLst>
+  </p:timing>
+</p:sld>
+</file>
+
+<file path=ppt/slides/slide13.xml><?xml version="1.0" encoding="utf-8"?>
+<p:sld xmlns:a="http://schemas.openxmlformats.org/drawingml/2006/main" xmlns:r="http://schemas.openxmlformats.org/officeDocument/2006/relationships" xmlns:p="http://schemas.openxmlformats.org/presentationml/2006/main">
+  <p:cSld>
+    <p:spTree>
+      <p:nvGrpSpPr>
+        <p:cNvPr id="1" name=""/>
+        <p:cNvGrpSpPr/>
+        <p:nvPr/>
+      </p:nvGrpSpPr>
+      <p:grpSpPr>
+        <a:xfrm>
+          <a:off x="0" y="0"/>
+          <a:ext cx="0" cy="0"/>
+          <a:chOff x="0" y="0"/>
+          <a:chExt cx="0" cy="0"/>
+        </a:xfrm>
+      </p:grpSpPr>
+      <p:sp>
+        <p:nvSpPr>
+          <p:cNvPr id="2" name="Title 1"/>
+          <p:cNvSpPr>
+            <a:spLocks noGrp="1"/>
+          </p:cNvSpPr>
+          <p:nvPr>
+            <p:ph type="title"/>
+          </p:nvPr>
+        </p:nvSpPr>
+        <p:spPr/>
+        <p:txBody>
+          <a:bodyPr/>
+          <a:lstStyle/>
+          <a:p>
+            <a:r>
+              <a:rPr lang="en-US" dirty="0" smtClean="0"/>
+              <a:t>More Simple Examples</a:t>
+            </a:r>
+            <a:endParaRPr lang="en-US" dirty="0"/>
+          </a:p>
+        </p:txBody>
+      </p:sp>
+      <p:sp>
+        <p:nvSpPr>
+          <p:cNvPr id="3" name="Content Placeholder 2"/>
+          <p:cNvSpPr>
+            <a:spLocks noGrp="1"/>
+          </p:cNvSpPr>
+          <p:nvPr>
+            <p:ph idx="1"/>
+          </p:nvPr>
+        </p:nvSpPr>
+        <p:spPr>
+          <a:xfrm>
+            <a:off x="457200" y="971550"/>
+            <a:ext cx="8305800" cy="3657600"/>
+          </a:xfrm>
+        </p:spPr>
+        <p:txBody>
+          <a:bodyPr>
+            <a:noAutofit/>
+          </a:bodyPr>
+          <a:lstStyle/>
+          <a:p>
+            <a:pPr marL="0" indent="0">
+              <a:lnSpc>
+                <a:spcPct val="115000"/>
+              </a:lnSpc>
+              <a:spcBef>
+                <a:spcPts val="0"/>
+              </a:spcBef>
+              <a:buNone/>
+            </a:pPr>
+            <a:r>
+              <a:rPr lang="en-US" sz="1700" b="1" dirty="0" smtClean="0">
+                <a:highlight>
+                  <a:srgbClr val="FFFFFF"/>
+                </a:highlight>
+                <a:latin typeface="Courier New"/>
+                <a:ea typeface="Calibri"/>
+                <a:cs typeface="Times New Roman"/>
+              </a:rPr>
+              <a:t>1.</a:t>
+            </a:r>
+            <a:r>
+              <a:rPr lang="en-US" sz="1700" b="1" dirty="0" smtClean="0">
+                <a:solidFill>
+                  <a:srgbClr val="008080"/>
+                </a:solidFill>
+                <a:highlight>
+                  <a:srgbClr val="FFFFFF"/>
+                </a:highlight>
+                <a:latin typeface="Courier New"/>
+                <a:ea typeface="Calibri"/>
+                <a:cs typeface="Times New Roman"/>
+              </a:rPr>
+              <a:t> select</a:t>
+            </a:r>
+            <a:r>
+              <a:rPr lang="en-US" sz="1700" b="1" dirty="0" smtClean="0">
+                <a:solidFill>
+                  <a:srgbClr val="000080"/>
+                </a:solidFill>
+                <a:highlight>
+                  <a:srgbClr val="FFFFFF"/>
+                </a:highlight>
+                <a:latin typeface="Courier New"/>
+                <a:ea typeface="Calibri"/>
+                <a:cs typeface="Times New Roman"/>
+              </a:rPr>
+              <a:t> </a:t>
+            </a:r>
+            <a:r>
+              <a:rPr lang="en-US" sz="1700" b="1" dirty="0">
+                <a:solidFill>
+                  <a:srgbClr val="000080"/>
+                </a:solidFill>
+                <a:highlight>
+                  <a:srgbClr val="FFFFFF"/>
+                </a:highlight>
+                <a:latin typeface="Courier New"/>
+                <a:ea typeface="Calibri"/>
+                <a:cs typeface="Times New Roman"/>
+              </a:rPr>
+              <a:t>* </a:t>
+            </a:r>
+            <a:r>
+              <a:rPr lang="en-US" sz="1700" b="1" dirty="0">
+                <a:solidFill>
+                  <a:srgbClr val="008080"/>
+                </a:solidFill>
+                <a:highlight>
+                  <a:srgbClr val="FFFFFF"/>
+                </a:highlight>
+                <a:latin typeface="Courier New"/>
+                <a:ea typeface="Calibri"/>
+                <a:cs typeface="Times New Roman"/>
+              </a:rPr>
+              <a:t>from</a:t>
+            </a:r>
+            <a:r>
+              <a:rPr lang="en-US" sz="1700" b="1" dirty="0">
+                <a:solidFill>
+                  <a:srgbClr val="000080"/>
+                </a:solidFill>
+                <a:highlight>
+                  <a:srgbClr val="FFFFFF"/>
+                </a:highlight>
+                <a:latin typeface="Courier New"/>
+                <a:ea typeface="Calibri"/>
+                <a:cs typeface="Times New Roman"/>
+              </a:rPr>
+              <a:t> </a:t>
+            </a:r>
+            <a:r>
+              <a:rPr lang="en-US" sz="1700" b="1" dirty="0">
+                <a:solidFill>
+                  <a:srgbClr val="008080"/>
+                </a:solidFill>
+                <a:highlight>
+                  <a:srgbClr val="FFFFFF"/>
+                </a:highlight>
+                <a:latin typeface="Courier New"/>
+                <a:ea typeface="Calibri"/>
+                <a:cs typeface="Times New Roman"/>
+              </a:rPr>
+              <a:t>table</a:t>
+            </a:r>
+            <a:r>
+              <a:rPr lang="en-US" sz="1700" b="1" dirty="0">
+                <a:solidFill>
+                  <a:srgbClr val="000080"/>
+                </a:solidFill>
+                <a:highlight>
+                  <a:srgbClr val="FFFFFF"/>
+                </a:highlight>
+                <a:latin typeface="Courier New"/>
+                <a:ea typeface="Calibri"/>
+                <a:cs typeface="Times New Roman"/>
+              </a:rPr>
+              <a:t>(m5(</a:t>
+            </a:r>
+            <a:r>
+              <a:rPr lang="en-US" sz="1700" b="1" dirty="0">
+                <a:solidFill>
+                  <a:srgbClr val="0000FF"/>
+                </a:solidFill>
+                <a:highlight>
+                  <a:srgbClr val="FFFFFF"/>
+                </a:highlight>
+                <a:latin typeface="Courier New"/>
+                <a:ea typeface="Calibri"/>
+                <a:cs typeface="Times New Roman"/>
+              </a:rPr>
+              <a:t>'select ** from </a:t>
+            </a:r>
+            <a:r>
+              <a:rPr lang="en-US" sz="1700" b="1" dirty="0" err="1">
+                <a:solidFill>
+                  <a:srgbClr val="0000FF"/>
+                </a:solidFill>
+                <a:highlight>
+                  <a:srgbClr val="FFFFFF"/>
+                </a:highlight>
+                <a:latin typeface="Courier New"/>
+                <a:ea typeface="Calibri"/>
+                <a:cs typeface="Times New Roman"/>
+              </a:rPr>
+              <a:t>dba_data_files</a:t>
+            </a:r>
+            <a:r>
+              <a:rPr lang="en-US" sz="1700" b="1" dirty="0" smtClean="0">
+                <a:solidFill>
+                  <a:srgbClr val="0000FF"/>
+                </a:solidFill>
+                <a:highlight>
+                  <a:srgbClr val="FFFFFF"/>
+                </a:highlight>
+                <a:latin typeface="Courier New"/>
+                <a:ea typeface="Calibri"/>
+                <a:cs typeface="Times New Roman"/>
+              </a:rPr>
+              <a:t>'</a:t>
+            </a:r>
+            <a:r>
+              <a:rPr lang="en-US" sz="1700" b="1" dirty="0" smtClean="0">
+                <a:solidFill>
+                  <a:srgbClr val="000080"/>
+                </a:solidFill>
+                <a:highlight>
+                  <a:srgbClr val="FFFFFF"/>
+                </a:highlight>
+                <a:latin typeface="Courier New"/>
+                <a:ea typeface="Calibri"/>
+                <a:cs typeface="Times New Roman"/>
+              </a:rPr>
+              <a:t>));</a:t>
+            </a:r>
+            <a:endParaRPr lang="en-US" sz="1700" b="1" dirty="0">
+              <a:ea typeface="Calibri"/>
+              <a:cs typeface="Times New Roman"/>
+            </a:endParaRPr>
+          </a:p>
+          <a:p>
+            <a:pPr marL="0" lvl="0" indent="0">
+              <a:lnSpc>
+                <a:spcPct val="115000"/>
+              </a:lnSpc>
+              <a:spcBef>
+                <a:spcPts val="0"/>
+              </a:spcBef>
+              <a:buNone/>
+            </a:pPr>
+            <a:r>
+              <a:rPr lang="en-US" sz="1700" b="1" dirty="0" smtClean="0">
+                <a:highlight>
+                  <a:srgbClr val="FFFFFF"/>
+                </a:highlight>
+                <a:latin typeface="Courier New"/>
+                <a:ea typeface="Calibri"/>
+                <a:cs typeface="Times New Roman"/>
+              </a:rPr>
+              <a:t>2.</a:t>
+            </a:r>
+            <a:r>
+              <a:rPr lang="en-US" sz="1700" b="1" dirty="0" smtClean="0">
+                <a:solidFill>
+                  <a:srgbClr val="008080"/>
+                </a:solidFill>
+                <a:highlight>
+                  <a:srgbClr val="FFFFFF"/>
+                </a:highlight>
+                <a:latin typeface="Courier New"/>
+                <a:ea typeface="Calibri"/>
+                <a:cs typeface="Times New Roman"/>
+              </a:rPr>
+              <a:t> select</a:t>
+            </a:r>
+            <a:r>
+              <a:rPr lang="en-US" sz="1700" b="1" dirty="0" smtClean="0">
+                <a:solidFill>
+                  <a:srgbClr val="000080"/>
+                </a:solidFill>
+                <a:highlight>
+                  <a:srgbClr val="FFFFFF"/>
+                </a:highlight>
+                <a:latin typeface="Courier New"/>
+                <a:ea typeface="Calibri"/>
+                <a:cs typeface="Times New Roman"/>
+              </a:rPr>
+              <a:t> </a:t>
+            </a:r>
+            <a:r>
+              <a:rPr lang="en-US" sz="1700" b="1" dirty="0">
+                <a:solidFill>
+                  <a:srgbClr val="000080"/>
+                </a:solidFill>
+                <a:highlight>
+                  <a:srgbClr val="FFFFFF"/>
+                </a:highlight>
+                <a:latin typeface="Courier New"/>
+                <a:ea typeface="Calibri"/>
+                <a:cs typeface="Times New Roman"/>
+              </a:rPr>
+              <a:t>* </a:t>
+            </a:r>
+            <a:r>
+              <a:rPr lang="en-US" sz="1700" b="1" dirty="0">
+                <a:solidFill>
+                  <a:srgbClr val="008080"/>
+                </a:solidFill>
+                <a:highlight>
+                  <a:srgbClr val="FFFFFF"/>
+                </a:highlight>
+                <a:latin typeface="Courier New"/>
+                <a:ea typeface="Calibri"/>
+                <a:cs typeface="Times New Roman"/>
+              </a:rPr>
+              <a:t>from</a:t>
+            </a:r>
+            <a:r>
+              <a:rPr lang="en-US" sz="1700" b="1" dirty="0">
+                <a:solidFill>
+                  <a:srgbClr val="000080"/>
+                </a:solidFill>
+                <a:highlight>
+                  <a:srgbClr val="FFFFFF"/>
+                </a:highlight>
+                <a:latin typeface="Courier New"/>
+                <a:ea typeface="Calibri"/>
+                <a:cs typeface="Times New Roman"/>
+              </a:rPr>
+              <a:t> </a:t>
+            </a:r>
+            <a:r>
+              <a:rPr lang="en-US" sz="1700" b="1" dirty="0">
+                <a:solidFill>
+                  <a:srgbClr val="008080"/>
+                </a:solidFill>
+                <a:highlight>
+                  <a:srgbClr val="FFFFFF"/>
+                </a:highlight>
+                <a:latin typeface="Courier New"/>
+                <a:ea typeface="Calibri"/>
+                <a:cs typeface="Times New Roman"/>
+              </a:rPr>
+              <a:t>table</a:t>
+            </a:r>
+            <a:r>
+              <a:rPr lang="en-US" sz="1700" b="1" dirty="0">
+                <a:solidFill>
+                  <a:srgbClr val="000080"/>
+                </a:solidFill>
+                <a:highlight>
+                  <a:srgbClr val="FFFFFF"/>
+                </a:highlight>
+                <a:latin typeface="Courier New"/>
+                <a:ea typeface="Calibri"/>
+                <a:cs typeface="Times New Roman"/>
+              </a:rPr>
+              <a:t>(m5(</a:t>
+            </a:r>
+            <a:r>
+              <a:rPr lang="en-US" sz="1700" b="1" dirty="0">
+                <a:solidFill>
+                  <a:srgbClr val="0000FF"/>
+                </a:solidFill>
+                <a:highlight>
+                  <a:srgbClr val="FFFFFF"/>
+                </a:highlight>
+                <a:latin typeface="Courier New"/>
+                <a:ea typeface="Calibri"/>
+                <a:cs typeface="Times New Roman"/>
+              </a:rPr>
+              <a:t>'#!/bin/</a:t>
+            </a:r>
+            <a:r>
+              <a:rPr lang="en-US" sz="1700" b="1" dirty="0" err="1">
+                <a:solidFill>
+                  <a:srgbClr val="0000FF"/>
+                </a:solidFill>
+                <a:highlight>
+                  <a:srgbClr val="FFFFFF"/>
+                </a:highlight>
+                <a:latin typeface="Courier New"/>
+                <a:ea typeface="Calibri"/>
+                <a:cs typeface="Times New Roman"/>
+              </a:rPr>
+              <a:t>ksh</a:t>
+            </a:r>
+            <a:r>
+              <a:rPr lang="en-US" sz="1700" b="1" dirty="0">
+                <a:solidFill>
+                  <a:srgbClr val="0000FF"/>
+                </a:solidFill>
+                <a:highlight>
+                  <a:srgbClr val="FFFFFF"/>
+                </a:highlight>
+                <a:latin typeface="Courier New"/>
+                <a:ea typeface="Calibri"/>
+                <a:cs typeface="Times New Roman"/>
+              </a:rPr>
+              <a:t/>
+            </a:r>
+            <a:br>
+              <a:rPr lang="en-US" sz="1700" b="1" dirty="0">
+                <a:solidFill>
+                  <a:srgbClr val="0000FF"/>
+                </a:solidFill>
+                <a:highlight>
+                  <a:srgbClr val="FFFFFF"/>
+                </a:highlight>
+                <a:latin typeface="Courier New"/>
+                <a:ea typeface="Calibri"/>
+                <a:cs typeface="Times New Roman"/>
+              </a:rPr>
+            </a:br>
+            <a:r>
+              <a:rPr lang="en-US" sz="1700" b="1" dirty="0">
+                <a:solidFill>
+                  <a:srgbClr val="0000FF"/>
+                </a:solidFill>
+                <a:highlight>
+                  <a:srgbClr val="FFFFFF"/>
+                </a:highlight>
+                <a:latin typeface="Courier New"/>
+                <a:ea typeface="Calibri"/>
+                <a:cs typeface="Times New Roman"/>
+              </a:rPr>
+              <a:t>  </a:t>
+            </a:r>
+            <a:r>
+              <a:rPr lang="en-US" sz="1700" b="1" dirty="0" smtClean="0">
+                <a:solidFill>
+                  <a:srgbClr val="0000FF"/>
+                </a:solidFill>
+                <a:highlight>
+                  <a:srgbClr val="FFFFFF"/>
+                </a:highlight>
+                <a:latin typeface="Courier New"/>
+                <a:ea typeface="Calibri"/>
+                <a:cs typeface="Times New Roman"/>
+              </a:rPr>
+              <a:t>  </a:t>
+            </a:r>
+            <a:r>
+              <a:rPr lang="en-US" sz="1700" b="1" dirty="0" err="1" smtClean="0">
+                <a:solidFill>
+                  <a:srgbClr val="0000FF"/>
+                </a:solidFill>
+                <a:highlight>
+                  <a:srgbClr val="FFFFFF"/>
+                </a:highlight>
+                <a:latin typeface="Courier New"/>
+                <a:ea typeface="Calibri"/>
+                <a:cs typeface="Times New Roman"/>
+              </a:rPr>
+              <a:t>df</a:t>
+            </a:r>
+            <a:r>
+              <a:rPr lang="en-US" sz="1700" b="1" dirty="0" smtClean="0">
+                <a:solidFill>
+                  <a:srgbClr val="0000FF"/>
+                </a:solidFill>
+                <a:highlight>
+                  <a:srgbClr val="FFFFFF"/>
+                </a:highlight>
+                <a:latin typeface="Courier New"/>
+                <a:ea typeface="Calibri"/>
+                <a:cs typeface="Times New Roman"/>
+              </a:rPr>
+              <a:t> </a:t>
+            </a:r>
+            <a:r>
+              <a:rPr lang="en-US" sz="1700" b="1" dirty="0">
+                <a:solidFill>
+                  <a:srgbClr val="0000FF"/>
+                </a:solidFill>
+                <a:highlight>
+                  <a:srgbClr val="FFFFFF"/>
+                </a:highlight>
+                <a:latin typeface="Courier New"/>
+                <a:ea typeface="Calibri"/>
+                <a:cs typeface="Times New Roman"/>
+              </a:rPr>
+              <a:t>-</a:t>
+            </a:r>
+            <a:r>
+              <a:rPr lang="en-US" sz="1700" b="1" dirty="0" err="1">
+                <a:solidFill>
+                  <a:srgbClr val="0000FF"/>
+                </a:solidFill>
+                <a:highlight>
+                  <a:srgbClr val="FFFFFF"/>
+                </a:highlight>
+                <a:latin typeface="Courier New"/>
+                <a:ea typeface="Calibri"/>
+                <a:cs typeface="Times New Roman"/>
+              </a:rPr>
+              <a:t>h|grep</a:t>
+            </a:r>
+            <a:r>
+              <a:rPr lang="en-US" sz="1700" b="1" dirty="0">
+                <a:solidFill>
+                  <a:srgbClr val="0000FF"/>
+                </a:solidFill>
+                <a:highlight>
+                  <a:srgbClr val="FFFFFF"/>
+                </a:highlight>
+                <a:latin typeface="Courier New"/>
+                <a:ea typeface="Calibri"/>
+                <a:cs typeface="Times New Roman"/>
+              </a:rPr>
+              <a:t> </a:t>
+            </a:r>
+            <a:r>
+              <a:rPr lang="en-US" sz="1700" b="1" dirty="0" err="1">
+                <a:solidFill>
+                  <a:srgbClr val="0000FF"/>
+                </a:solidFill>
+                <a:highlight>
+                  <a:srgbClr val="FFFFFF"/>
+                </a:highlight>
+                <a:latin typeface="Courier New"/>
+                <a:ea typeface="Calibri"/>
+                <a:cs typeface="Times New Roman"/>
+              </a:rPr>
+              <a:t>Mounted;df</a:t>
+            </a:r>
+            <a:r>
+              <a:rPr lang="en-US" sz="1700" b="1" dirty="0">
+                <a:solidFill>
+                  <a:srgbClr val="0000FF"/>
+                </a:solidFill>
+                <a:highlight>
+                  <a:srgbClr val="FFFFFF"/>
+                </a:highlight>
+                <a:latin typeface="Courier New"/>
+                <a:ea typeface="Calibri"/>
+                <a:cs typeface="Times New Roman"/>
+              </a:rPr>
+              <a:t> -</a:t>
+            </a:r>
+            <a:r>
+              <a:rPr lang="en-US" sz="1700" b="1" dirty="0" err="1">
+                <a:solidFill>
+                  <a:srgbClr val="0000FF"/>
+                </a:solidFill>
+                <a:highlight>
+                  <a:srgbClr val="FFFFFF"/>
+                </a:highlight>
+                <a:latin typeface="Courier New"/>
+                <a:ea typeface="Calibri"/>
+                <a:cs typeface="Times New Roman"/>
+              </a:rPr>
+              <a:t>h|grep</a:t>
+            </a:r>
+            <a:r>
+              <a:rPr lang="en-US" sz="1700" b="1" dirty="0">
+                <a:solidFill>
+                  <a:srgbClr val="0000FF"/>
+                </a:solidFill>
+                <a:highlight>
+                  <a:srgbClr val="FFFFFF"/>
+                </a:highlight>
+                <a:latin typeface="Courier New"/>
+                <a:ea typeface="Calibri"/>
+                <a:cs typeface="Times New Roman"/>
+              </a:rPr>
+              <a:t> /</a:t>
+            </a:r>
+            <a:r>
+              <a:rPr lang="en-US" sz="1700" b="1" dirty="0" err="1">
+                <a:solidFill>
+                  <a:srgbClr val="0000FF"/>
+                </a:solidFill>
+                <a:highlight>
+                  <a:srgbClr val="FFFFFF"/>
+                </a:highlight>
+                <a:latin typeface="Courier New"/>
+                <a:ea typeface="Calibri"/>
+                <a:cs typeface="Times New Roman"/>
+              </a:rPr>
+              <a:t>tmp</a:t>
+            </a:r>
+            <a:r>
+              <a:rPr lang="en-US" sz="1700" b="1" dirty="0">
+                <a:solidFill>
+                  <a:srgbClr val="0000FF"/>
+                </a:solidFill>
+                <a:highlight>
+                  <a:srgbClr val="FFFFFF"/>
+                </a:highlight>
+                <a:latin typeface="Courier New"/>
+                <a:ea typeface="Calibri"/>
+                <a:cs typeface="Times New Roman"/>
+              </a:rPr>
+              <a:t>;'</a:t>
+            </a:r>
+            <a:r>
+              <a:rPr lang="en-US" sz="1700" b="1" dirty="0">
+                <a:solidFill>
+                  <a:srgbClr val="000080"/>
+                </a:solidFill>
+                <a:highlight>
+                  <a:srgbClr val="FFFFFF"/>
+                </a:highlight>
+                <a:latin typeface="Courier New"/>
+                <a:ea typeface="Calibri"/>
+                <a:cs typeface="Times New Roman"/>
+              </a:rPr>
+              <a:t>));</a:t>
+            </a:r>
+            <a:endParaRPr lang="en-US" sz="1700" b="1" dirty="0">
+              <a:solidFill>
+                <a:prstClr val="black"/>
+              </a:solidFill>
+              <a:ea typeface="Calibri"/>
+              <a:cs typeface="Times New Roman"/>
+            </a:endParaRPr>
+          </a:p>
+          <a:p>
+            <a:pPr marL="0" marR="0" indent="0">
+              <a:lnSpc>
+                <a:spcPct val="115000"/>
+              </a:lnSpc>
+              <a:spcBef>
+                <a:spcPts val="0"/>
+              </a:spcBef>
+              <a:spcAft>
+                <a:spcPts val="0"/>
+              </a:spcAft>
+              <a:buNone/>
+            </a:pPr>
+            <a:r>
+              <a:rPr lang="en-US" sz="1700" b="1" dirty="0" smtClean="0">
+                <a:highlight>
+                  <a:srgbClr val="FFFFFF"/>
+                </a:highlight>
+                <a:latin typeface="Courier New"/>
+                <a:ea typeface="Calibri"/>
+              </a:rPr>
+              <a:t>3.</a:t>
+            </a:r>
+            <a:r>
+              <a:rPr lang="en-US" sz="1700" b="1" dirty="0" smtClean="0">
+                <a:solidFill>
+                  <a:srgbClr val="008080"/>
+                </a:solidFill>
+                <a:highlight>
+                  <a:srgbClr val="FFFFFF"/>
+                </a:highlight>
+                <a:latin typeface="Courier New"/>
+                <a:ea typeface="Calibri"/>
+              </a:rPr>
+              <a:t> select</a:t>
+            </a:r>
+            <a:r>
+              <a:rPr lang="en-US" sz="1700" b="1" dirty="0" smtClean="0">
+                <a:solidFill>
+                  <a:srgbClr val="000080"/>
+                </a:solidFill>
+                <a:highlight>
+                  <a:srgbClr val="FFFFFF"/>
+                </a:highlight>
+                <a:latin typeface="Courier New"/>
+                <a:ea typeface="Calibri"/>
+              </a:rPr>
+              <a:t> </a:t>
+            </a:r>
+            <a:r>
+              <a:rPr lang="en-US" sz="1700" b="1" dirty="0">
+                <a:solidFill>
+                  <a:srgbClr val="000080"/>
+                </a:solidFill>
+                <a:highlight>
+                  <a:srgbClr val="FFFFFF"/>
+                </a:highlight>
+                <a:latin typeface="Courier New"/>
+                <a:ea typeface="Calibri"/>
+              </a:rPr>
+              <a:t>* </a:t>
+            </a:r>
+            <a:r>
+              <a:rPr lang="en-US" sz="1700" b="1" dirty="0">
+                <a:solidFill>
+                  <a:srgbClr val="008080"/>
+                </a:solidFill>
+                <a:highlight>
+                  <a:srgbClr val="FFFFFF"/>
+                </a:highlight>
+                <a:latin typeface="Courier New"/>
+                <a:ea typeface="Calibri"/>
+              </a:rPr>
+              <a:t>from</a:t>
+            </a:r>
+            <a:r>
+              <a:rPr lang="en-US" sz="1700" b="1" dirty="0">
+                <a:solidFill>
+                  <a:srgbClr val="000080"/>
+                </a:solidFill>
+                <a:highlight>
+                  <a:srgbClr val="FFFFFF"/>
+                </a:highlight>
+                <a:latin typeface="Courier New"/>
+                <a:ea typeface="Calibri"/>
+              </a:rPr>
+              <a:t> m5_dba_users </a:t>
+            </a:r>
+            <a:r>
+              <a:rPr lang="en-US" sz="1700" b="1" dirty="0">
+                <a:solidFill>
+                  <a:srgbClr val="008080"/>
+                </a:solidFill>
+                <a:highlight>
+                  <a:srgbClr val="FFFFFF"/>
+                </a:highlight>
+                <a:latin typeface="Courier New"/>
+                <a:ea typeface="Calibri"/>
+              </a:rPr>
+              <a:t>where</a:t>
+            </a:r>
+            <a:r>
+              <a:rPr lang="en-US" sz="1700" b="1" dirty="0">
+                <a:solidFill>
+                  <a:srgbClr val="000080"/>
+                </a:solidFill>
+                <a:highlight>
+                  <a:srgbClr val="FFFFFF"/>
+                </a:highlight>
+                <a:latin typeface="Courier New"/>
+                <a:ea typeface="Calibri"/>
+              </a:rPr>
+              <a:t> username = </a:t>
+            </a:r>
+            <a:r>
+              <a:rPr lang="en-US" sz="1700" b="1" dirty="0">
+                <a:solidFill>
+                  <a:srgbClr val="0000FF"/>
+                </a:solidFill>
+                <a:highlight>
+                  <a:srgbClr val="FFFFFF"/>
+                </a:highlight>
+                <a:latin typeface="Courier New"/>
+                <a:ea typeface="Calibri"/>
+              </a:rPr>
+              <a:t>'SOME_USER'</a:t>
+            </a:r>
+            <a:r>
+              <a:rPr lang="en-US" sz="1700" b="1" dirty="0">
+                <a:solidFill>
+                  <a:srgbClr val="000080"/>
+                </a:solidFill>
+                <a:highlight>
+                  <a:srgbClr val="FFFFFF"/>
+                </a:highlight>
+                <a:latin typeface="Courier New"/>
+                <a:ea typeface="Calibri"/>
+              </a:rPr>
+              <a:t>;</a:t>
+            </a:r>
+            <a:endParaRPr lang="en-US" sz="1700" b="1" dirty="0">
+              <a:solidFill>
+                <a:srgbClr val="008080"/>
+              </a:solidFill>
+              <a:highlight>
+                <a:srgbClr val="FFFFFF"/>
+              </a:highlight>
+              <a:latin typeface="Courier New"/>
+              <a:ea typeface="Calibri"/>
+              <a:cs typeface="Times New Roman"/>
+            </a:endParaRPr>
+          </a:p>
+          <a:p>
+            <a:pPr marL="0" marR="0" indent="0">
+              <a:lnSpc>
+                <a:spcPct val="115000"/>
+              </a:lnSpc>
+              <a:spcBef>
+                <a:spcPts val="0"/>
+              </a:spcBef>
+              <a:spcAft>
+                <a:spcPts val="0"/>
+              </a:spcAft>
+              <a:buNone/>
+            </a:pPr>
+            <a:r>
+              <a:rPr lang="en-US" sz="1700" b="1" dirty="0" smtClean="0">
+                <a:highlight>
+                  <a:srgbClr val="FFFFFF"/>
+                </a:highlight>
+                <a:latin typeface="Courier New"/>
+                <a:ea typeface="Calibri"/>
+                <a:cs typeface="Times New Roman"/>
+              </a:rPr>
+              <a:t>4.</a:t>
+            </a:r>
+            <a:r>
+              <a:rPr lang="en-US" sz="1700" b="1" dirty="0" smtClean="0">
+                <a:solidFill>
+                  <a:srgbClr val="008080"/>
+                </a:solidFill>
+                <a:highlight>
+                  <a:srgbClr val="FFFFFF"/>
+                </a:highlight>
+                <a:latin typeface="Courier New"/>
+                <a:ea typeface="Calibri"/>
+                <a:cs typeface="Times New Roman"/>
+              </a:rPr>
+              <a:t> select</a:t>
+            </a:r>
+            <a:r>
+              <a:rPr lang="en-US" sz="1700" b="1" dirty="0" smtClean="0">
+                <a:solidFill>
+                  <a:srgbClr val="000080"/>
+                </a:solidFill>
+                <a:highlight>
+                  <a:srgbClr val="FFFFFF"/>
+                </a:highlight>
+                <a:latin typeface="Courier New"/>
+                <a:ea typeface="Calibri"/>
+                <a:cs typeface="Times New Roman"/>
+              </a:rPr>
+              <a:t> </a:t>
+            </a:r>
+            <a:r>
+              <a:rPr lang="en-US" sz="1700" b="1" dirty="0">
+                <a:solidFill>
+                  <a:srgbClr val="000080"/>
+                </a:solidFill>
+                <a:highlight>
+                  <a:srgbClr val="FFFFFF"/>
+                </a:highlight>
+                <a:latin typeface="Courier New"/>
+                <a:ea typeface="Calibri"/>
+                <a:cs typeface="Times New Roman"/>
+              </a:rPr>
+              <a:t>* </a:t>
+            </a:r>
+            <a:r>
+              <a:rPr lang="en-US" sz="1700" b="1" dirty="0">
+                <a:solidFill>
+                  <a:srgbClr val="008080"/>
+                </a:solidFill>
+                <a:highlight>
+                  <a:srgbClr val="FFFFFF"/>
+                </a:highlight>
+                <a:latin typeface="Courier New"/>
+                <a:ea typeface="Calibri"/>
+                <a:cs typeface="Times New Roman"/>
+              </a:rPr>
+              <a:t>from</a:t>
+            </a:r>
+            <a:r>
+              <a:rPr lang="en-US" sz="1700" b="1" dirty="0">
+                <a:solidFill>
+                  <a:srgbClr val="000080"/>
+                </a:solidFill>
+                <a:highlight>
+                  <a:srgbClr val="FFFFFF"/>
+                </a:highlight>
+                <a:latin typeface="Courier New"/>
+                <a:ea typeface="Calibri"/>
+                <a:cs typeface="Times New Roman"/>
+              </a:rPr>
+              <a:t> m5_v$parameter </a:t>
+            </a:r>
+            <a:r>
+              <a:rPr lang="en-US" sz="1700" b="1" dirty="0" smtClean="0">
+                <a:solidFill>
+                  <a:srgbClr val="008080"/>
+                </a:solidFill>
+                <a:highlight>
+                  <a:srgbClr val="FFFFFF"/>
+                </a:highlight>
+                <a:latin typeface="Courier New"/>
+                <a:ea typeface="Calibri"/>
+                <a:cs typeface="Times New Roman"/>
+              </a:rPr>
+              <a:t>where</a:t>
+            </a:r>
+            <a:r>
+              <a:rPr lang="en-US" sz="1700" b="1" dirty="0" smtClean="0">
+                <a:solidFill>
+                  <a:srgbClr val="000080"/>
+                </a:solidFill>
+                <a:highlight>
+                  <a:srgbClr val="FFFFFF"/>
+                </a:highlight>
+                <a:latin typeface="Courier New"/>
+                <a:ea typeface="Calibri"/>
+                <a:cs typeface="Times New Roman"/>
+              </a:rPr>
+              <a:t> </a:t>
+            </a:r>
+            <a:r>
+              <a:rPr lang="en-US" sz="1700" b="1" dirty="0" smtClean="0">
+                <a:solidFill>
+                  <a:srgbClr val="008080"/>
+                </a:solidFill>
+                <a:highlight>
+                  <a:srgbClr val="FFFFFF"/>
+                </a:highlight>
+                <a:latin typeface="Courier New"/>
+                <a:ea typeface="Calibri"/>
+                <a:cs typeface="Times New Roman"/>
+              </a:rPr>
+              <a:t>name</a:t>
+            </a:r>
+            <a:r>
+              <a:rPr lang="en-US" sz="1700" b="1" dirty="0" smtClean="0">
+                <a:solidFill>
+                  <a:srgbClr val="000080"/>
+                </a:solidFill>
+                <a:highlight>
+                  <a:srgbClr val="FFFFFF"/>
+                </a:highlight>
+                <a:latin typeface="Courier New"/>
+                <a:ea typeface="Calibri"/>
+                <a:cs typeface="Times New Roman"/>
+              </a:rPr>
+              <a:t>=</a:t>
+            </a:r>
+            <a:r>
+              <a:rPr lang="en-US" sz="1700" b="1" dirty="0" smtClean="0">
+                <a:solidFill>
+                  <a:srgbClr val="0000FF"/>
+                </a:solidFill>
+                <a:highlight>
+                  <a:srgbClr val="FFFFFF"/>
+                </a:highlight>
+                <a:latin typeface="Courier New"/>
+                <a:ea typeface="Calibri"/>
+                <a:cs typeface="Times New Roman"/>
+              </a:rPr>
+              <a:t>'</a:t>
+            </a:r>
+            <a:r>
+              <a:rPr lang="en-US" sz="1700" b="1" dirty="0" err="1" smtClean="0">
+                <a:solidFill>
+                  <a:srgbClr val="0000FF"/>
+                </a:solidFill>
+                <a:highlight>
+                  <a:srgbClr val="FFFFFF"/>
+                </a:highlight>
+                <a:latin typeface="Courier New"/>
+                <a:ea typeface="Calibri"/>
+                <a:cs typeface="Times New Roman"/>
+              </a:rPr>
+              <a:t>ddl_lock_timeout</a:t>
+            </a:r>
+            <a:r>
+              <a:rPr lang="en-US" sz="1700" b="1" dirty="0">
+                <a:solidFill>
+                  <a:srgbClr val="0000FF"/>
+                </a:solidFill>
+                <a:highlight>
+                  <a:srgbClr val="FFFFFF"/>
+                </a:highlight>
+                <a:latin typeface="Courier New"/>
+                <a:ea typeface="Calibri"/>
+                <a:cs typeface="Times New Roman"/>
+              </a:rPr>
+              <a:t>'</a:t>
+            </a:r>
+            <a:r>
+              <a:rPr lang="en-US" sz="1700" b="1" dirty="0">
+                <a:solidFill>
+                  <a:srgbClr val="000080"/>
+                </a:solidFill>
+                <a:highlight>
+                  <a:srgbClr val="FFFFFF"/>
+                </a:highlight>
+                <a:latin typeface="Courier New"/>
+                <a:ea typeface="Calibri"/>
+                <a:cs typeface="Times New Roman"/>
+              </a:rPr>
+              <a:t>;</a:t>
+            </a:r>
+            <a:endParaRPr lang="en-US" sz="1700" b="1" dirty="0">
+              <a:highlight>
+                <a:srgbClr val="FFFFFF"/>
+              </a:highlight>
+              <a:latin typeface="Courier New"/>
+              <a:ea typeface="Calibri"/>
+              <a:cs typeface="Times New Roman"/>
+            </a:endParaRPr>
+          </a:p>
+          <a:p>
+            <a:pPr marL="0" marR="0" indent="0">
+              <a:lnSpc>
+                <a:spcPct val="115000"/>
+              </a:lnSpc>
+              <a:spcBef>
+                <a:spcPts val="0"/>
+              </a:spcBef>
+              <a:spcAft>
+                <a:spcPts val="0"/>
+              </a:spcAft>
+              <a:buNone/>
+            </a:pPr>
+            <a:r>
+              <a:rPr lang="en-US" sz="1700" b="1" dirty="0" smtClean="0">
+                <a:highlight>
+                  <a:srgbClr val="FFFFFF"/>
+                </a:highlight>
+                <a:latin typeface="Courier New"/>
+                <a:ea typeface="Calibri"/>
+                <a:cs typeface="Times New Roman"/>
+              </a:rPr>
+              <a:t>5.</a:t>
+            </a:r>
+            <a:r>
+              <a:rPr lang="en-US" sz="1700" b="1" dirty="0" smtClean="0">
+                <a:solidFill>
+                  <a:srgbClr val="008080"/>
+                </a:solidFill>
+                <a:highlight>
+                  <a:srgbClr val="FFFFFF"/>
+                </a:highlight>
+                <a:latin typeface="Courier New"/>
+                <a:ea typeface="Calibri"/>
+                <a:cs typeface="Times New Roman"/>
+              </a:rPr>
+              <a:t> begin</a:t>
+            </a:r>
+            <a:endParaRPr lang="en-US" sz="1700" b="1" dirty="0">
+              <a:ea typeface="Calibri"/>
+              <a:cs typeface="Times New Roman"/>
+            </a:endParaRPr>
+          </a:p>
+          <a:p>
+            <a:pPr marL="0" marR="0" indent="0">
+              <a:lnSpc>
+                <a:spcPct val="115000"/>
+              </a:lnSpc>
+              <a:spcBef>
+                <a:spcPts val="0"/>
+              </a:spcBef>
+              <a:spcAft>
+                <a:spcPts val="0"/>
+              </a:spcAft>
+              <a:buNone/>
+            </a:pPr>
+            <a:r>
+              <a:rPr lang="en-US" sz="1700" b="1" dirty="0">
+                <a:solidFill>
+                  <a:srgbClr val="000080"/>
+                </a:solidFill>
+                <a:highlight>
+                  <a:srgbClr val="FFFFFF"/>
+                </a:highlight>
+                <a:latin typeface="Courier New"/>
+                <a:ea typeface="Calibri"/>
+                <a:cs typeface="Times New Roman"/>
+              </a:rPr>
+              <a:t> </a:t>
+            </a:r>
+            <a:r>
+              <a:rPr lang="en-US" sz="1700" b="1" dirty="0" smtClean="0">
+                <a:solidFill>
+                  <a:srgbClr val="000080"/>
+                </a:solidFill>
+                <a:highlight>
+                  <a:srgbClr val="FFFFFF"/>
+                </a:highlight>
+                <a:latin typeface="Courier New"/>
+                <a:ea typeface="Calibri"/>
+                <a:cs typeface="Times New Roman"/>
+              </a:rPr>
+              <a:t>    m5_proc</a:t>
+            </a:r>
+            <a:r>
+              <a:rPr lang="en-US" sz="1700" b="1" dirty="0">
+                <a:solidFill>
+                  <a:srgbClr val="000080"/>
+                </a:solidFill>
+                <a:highlight>
+                  <a:srgbClr val="FFFFFF"/>
+                </a:highlight>
+                <a:latin typeface="Courier New"/>
+                <a:ea typeface="Calibri"/>
+                <a:cs typeface="Times New Roman"/>
+              </a:rPr>
+              <a:t>(</a:t>
+            </a:r>
+            <a:r>
+              <a:rPr lang="en-US" sz="1700" b="1" dirty="0">
+                <a:solidFill>
+                  <a:srgbClr val="0000FF"/>
+                </a:solidFill>
+                <a:highlight>
+                  <a:srgbClr val="FFFFFF"/>
+                </a:highlight>
+                <a:latin typeface="Courier New"/>
+                <a:ea typeface="Calibri"/>
+                <a:cs typeface="Times New Roman"/>
+              </a:rPr>
+              <a:t>'alter system set </a:t>
+            </a:r>
+            <a:r>
+              <a:rPr lang="en-US" sz="1700" b="1" dirty="0" err="1">
+                <a:solidFill>
+                  <a:srgbClr val="0000FF"/>
+                </a:solidFill>
+                <a:highlight>
+                  <a:srgbClr val="FFFFFF"/>
+                </a:highlight>
+                <a:latin typeface="Courier New"/>
+                <a:ea typeface="Calibri"/>
+                <a:cs typeface="Times New Roman"/>
+              </a:rPr>
+              <a:t>ddl_lock_timeout</a:t>
+            </a:r>
+            <a:r>
+              <a:rPr lang="en-US" sz="1700" b="1" dirty="0">
+                <a:solidFill>
+                  <a:srgbClr val="0000FF"/>
+                </a:solidFill>
+                <a:highlight>
+                  <a:srgbClr val="FFFFFF"/>
+                </a:highlight>
+                <a:latin typeface="Courier New"/>
+                <a:ea typeface="Calibri"/>
+                <a:cs typeface="Times New Roman"/>
+              </a:rPr>
+              <a:t> = 0'</a:t>
+            </a:r>
+            <a:r>
+              <a:rPr lang="en-US" sz="1700" b="1" dirty="0">
+                <a:solidFill>
+                  <a:srgbClr val="000080"/>
+                </a:solidFill>
+                <a:highlight>
+                  <a:srgbClr val="FFFFFF"/>
+                </a:highlight>
+                <a:latin typeface="Courier New"/>
+                <a:ea typeface="Calibri"/>
+                <a:cs typeface="Times New Roman"/>
+              </a:rPr>
+              <a:t>, </a:t>
+            </a:r>
+            <a:r>
+              <a:rPr lang="en-US" sz="1700" b="1" dirty="0" smtClean="0">
+                <a:solidFill>
+                  <a:srgbClr val="0000FF"/>
+                </a:solidFill>
+                <a:highlight>
+                  <a:srgbClr val="FFFFFF"/>
+                </a:highlight>
+                <a:latin typeface="Courier New"/>
+                <a:ea typeface="Calibri"/>
+                <a:cs typeface="Times New Roman"/>
+              </a:rPr>
+              <a:t>'dev'</a:t>
+            </a:r>
+            <a:r>
+              <a:rPr lang="en-US" sz="1700" b="1" dirty="0" smtClean="0">
+                <a:solidFill>
+                  <a:srgbClr val="000080"/>
+                </a:solidFill>
+                <a:highlight>
+                  <a:srgbClr val="FFFFFF"/>
+                </a:highlight>
+                <a:latin typeface="Courier New"/>
+                <a:ea typeface="Calibri"/>
+                <a:cs typeface="Times New Roman"/>
+              </a:rPr>
+              <a:t>);</a:t>
+            </a:r>
+            <a:endParaRPr lang="en-US" sz="1700" b="1" dirty="0">
+              <a:ea typeface="Calibri"/>
+              <a:cs typeface="Times New Roman"/>
+            </a:endParaRPr>
+          </a:p>
+          <a:p>
+            <a:pPr marL="0" marR="0" indent="0">
+              <a:lnSpc>
+                <a:spcPct val="115000"/>
+              </a:lnSpc>
+              <a:spcBef>
+                <a:spcPts val="0"/>
+              </a:spcBef>
+              <a:spcAft>
+                <a:spcPts val="0"/>
+              </a:spcAft>
+              <a:buNone/>
+            </a:pPr>
+            <a:r>
+              <a:rPr lang="en-US" sz="1700" b="1" dirty="0" smtClean="0">
+                <a:solidFill>
+                  <a:srgbClr val="008080"/>
+                </a:solidFill>
+                <a:highlight>
+                  <a:srgbClr val="FFFFFF"/>
+                </a:highlight>
+                <a:latin typeface="Courier New"/>
+                <a:ea typeface="Calibri"/>
+                <a:cs typeface="Times New Roman"/>
+              </a:rPr>
+              <a:t>   end</a:t>
+            </a:r>
+            <a:r>
+              <a:rPr lang="en-US" sz="1700" b="1" dirty="0">
+                <a:solidFill>
+                  <a:srgbClr val="000080"/>
+                </a:solidFill>
+                <a:highlight>
+                  <a:srgbClr val="FFFFFF"/>
+                </a:highlight>
+                <a:latin typeface="Courier New"/>
+                <a:ea typeface="Calibri"/>
+                <a:cs typeface="Times New Roman"/>
+              </a:rPr>
+              <a:t>;</a:t>
+            </a:r>
+            <a:endParaRPr lang="en-US" sz="1700" b="1" dirty="0">
+              <a:ea typeface="Calibri"/>
+              <a:cs typeface="Times New Roman"/>
+            </a:endParaRPr>
+          </a:p>
+          <a:p>
+            <a:pPr marL="0" marR="0" indent="0">
+              <a:lnSpc>
+                <a:spcPct val="115000"/>
+              </a:lnSpc>
+              <a:spcBef>
+                <a:spcPts val="0"/>
+              </a:spcBef>
+              <a:spcAft>
+                <a:spcPts val="0"/>
+              </a:spcAft>
+              <a:buNone/>
+            </a:pPr>
+            <a:r>
+              <a:rPr lang="en-US" sz="1700" b="1" dirty="0" smtClean="0">
+                <a:solidFill>
+                  <a:srgbClr val="000080"/>
+                </a:solidFill>
+                <a:highlight>
+                  <a:srgbClr val="FFFFFF"/>
+                </a:highlight>
+                <a:latin typeface="Courier New"/>
+                <a:ea typeface="Calibri"/>
+                <a:cs typeface="Times New Roman"/>
+              </a:rPr>
+              <a:t>   /</a:t>
+            </a:r>
+            <a:endParaRPr lang="en-US" sz="1700" b="1" dirty="0">
+              <a:ea typeface="Calibri"/>
+              <a:cs typeface="Times New Roman"/>
+            </a:endParaRPr>
+          </a:p>
+          <a:p>
+            <a:pPr marL="0" marR="0" indent="0">
+              <a:lnSpc>
+                <a:spcPct val="115000"/>
+              </a:lnSpc>
+              <a:spcBef>
+                <a:spcPts val="0"/>
+              </a:spcBef>
+              <a:spcAft>
+                <a:spcPts val="0"/>
+              </a:spcAft>
+              <a:buNone/>
+            </a:pPr>
+            <a:r>
+              <a:rPr lang="en-US" sz="1700" b="1" dirty="0" smtClean="0">
+                <a:solidFill>
+                  <a:srgbClr val="008080"/>
+                </a:solidFill>
+                <a:highlight>
+                  <a:srgbClr val="FFFFFF"/>
+                </a:highlight>
+                <a:latin typeface="Courier New"/>
+                <a:ea typeface="Calibri"/>
+                <a:cs typeface="Times New Roman"/>
+              </a:rPr>
+              <a:t>   select</a:t>
+            </a:r>
+            <a:r>
+              <a:rPr lang="en-US" sz="1700" b="1" dirty="0" smtClean="0">
+                <a:solidFill>
+                  <a:srgbClr val="000080"/>
+                </a:solidFill>
+                <a:highlight>
+                  <a:srgbClr val="FFFFFF"/>
+                </a:highlight>
+                <a:latin typeface="Courier New"/>
+                <a:ea typeface="Calibri"/>
+                <a:cs typeface="Times New Roman"/>
+              </a:rPr>
+              <a:t> </a:t>
+            </a:r>
+            <a:r>
+              <a:rPr lang="en-US" sz="1700" b="1" dirty="0">
+                <a:solidFill>
+                  <a:srgbClr val="000080"/>
+                </a:solidFill>
+                <a:highlight>
+                  <a:srgbClr val="FFFFFF"/>
+                </a:highlight>
+                <a:latin typeface="Courier New"/>
+                <a:ea typeface="Calibri"/>
+                <a:cs typeface="Times New Roman"/>
+              </a:rPr>
+              <a:t>* </a:t>
+            </a:r>
+            <a:r>
+              <a:rPr lang="en-US" sz="1700" b="1" dirty="0">
+                <a:solidFill>
+                  <a:srgbClr val="008080"/>
+                </a:solidFill>
+                <a:highlight>
+                  <a:srgbClr val="FFFFFF"/>
+                </a:highlight>
+                <a:latin typeface="Courier New"/>
+                <a:ea typeface="Calibri"/>
+                <a:cs typeface="Times New Roman"/>
+              </a:rPr>
+              <a:t>from</a:t>
+            </a:r>
+            <a:r>
+              <a:rPr lang="en-US" sz="1700" b="1" dirty="0">
+                <a:solidFill>
+                  <a:srgbClr val="000080"/>
+                </a:solidFill>
+                <a:highlight>
+                  <a:srgbClr val="FFFFFF"/>
+                </a:highlight>
+                <a:latin typeface="Courier New"/>
+                <a:ea typeface="Calibri"/>
+                <a:cs typeface="Times New Roman"/>
+              </a:rPr>
+              <a:t> m5_results;</a:t>
+            </a:r>
+            <a:endParaRPr lang="en-US" sz="1700" b="1" dirty="0">
+              <a:ea typeface="Calibri"/>
+              <a:cs typeface="Times New Roman"/>
+            </a:endParaRPr>
+          </a:p>
+          <a:p>
+            <a:pPr marL="0" marR="0" indent="0">
+              <a:lnSpc>
+                <a:spcPct val="115000"/>
+              </a:lnSpc>
+              <a:spcBef>
+                <a:spcPts val="0"/>
+              </a:spcBef>
+              <a:spcAft>
+                <a:spcPts val="0"/>
+              </a:spcAft>
+              <a:buNone/>
+            </a:pPr>
+            <a:r>
+              <a:rPr lang="en-US" sz="1700" b="1" dirty="0" smtClean="0">
+                <a:solidFill>
+                  <a:srgbClr val="008080"/>
+                </a:solidFill>
+                <a:highlight>
+                  <a:srgbClr val="FFFFFF"/>
+                </a:highlight>
+                <a:latin typeface="Courier New"/>
+                <a:ea typeface="Calibri"/>
+                <a:cs typeface="Times New Roman"/>
+              </a:rPr>
+              <a:t>   select</a:t>
+            </a:r>
+            <a:r>
+              <a:rPr lang="en-US" sz="1700" b="1" dirty="0" smtClean="0">
+                <a:solidFill>
+                  <a:srgbClr val="000080"/>
+                </a:solidFill>
+                <a:highlight>
+                  <a:srgbClr val="FFFFFF"/>
+                </a:highlight>
+                <a:latin typeface="Courier New"/>
+                <a:ea typeface="Calibri"/>
+                <a:cs typeface="Times New Roman"/>
+              </a:rPr>
+              <a:t> </a:t>
+            </a:r>
+            <a:r>
+              <a:rPr lang="en-US" sz="1700" b="1" dirty="0">
+                <a:solidFill>
+                  <a:srgbClr val="000080"/>
+                </a:solidFill>
+                <a:highlight>
+                  <a:srgbClr val="FFFFFF"/>
+                </a:highlight>
+                <a:latin typeface="Courier New"/>
+                <a:ea typeface="Calibri"/>
+                <a:cs typeface="Times New Roman"/>
+              </a:rPr>
+              <a:t>* </a:t>
+            </a:r>
+            <a:r>
+              <a:rPr lang="en-US" sz="1700" b="1" dirty="0">
+                <a:solidFill>
+                  <a:srgbClr val="008080"/>
+                </a:solidFill>
+                <a:highlight>
+                  <a:srgbClr val="FFFFFF"/>
+                </a:highlight>
+                <a:latin typeface="Courier New"/>
+                <a:ea typeface="Calibri"/>
+                <a:cs typeface="Times New Roman"/>
+              </a:rPr>
+              <a:t>from</a:t>
+            </a:r>
+            <a:r>
+              <a:rPr lang="en-US" sz="1700" b="1" dirty="0">
+                <a:solidFill>
+                  <a:srgbClr val="000080"/>
+                </a:solidFill>
+                <a:highlight>
+                  <a:srgbClr val="FFFFFF"/>
+                </a:highlight>
+                <a:latin typeface="Courier New"/>
+                <a:ea typeface="Calibri"/>
+                <a:cs typeface="Times New Roman"/>
+              </a:rPr>
+              <a:t> m5_metadata;</a:t>
+            </a:r>
+            <a:endParaRPr lang="en-US" sz="1700" b="1" dirty="0">
+              <a:ea typeface="Calibri"/>
+              <a:cs typeface="Times New Roman"/>
+            </a:endParaRPr>
+          </a:p>
+          <a:p>
+            <a:pPr marL="0" marR="0" indent="0">
+              <a:lnSpc>
+                <a:spcPct val="115000"/>
+              </a:lnSpc>
+              <a:spcBef>
+                <a:spcPts val="0"/>
+              </a:spcBef>
+              <a:spcAft>
+                <a:spcPts val="0"/>
+              </a:spcAft>
+              <a:buNone/>
+            </a:pPr>
+            <a:r>
+              <a:rPr lang="en-US" sz="1700" b="1" dirty="0" smtClean="0">
+                <a:solidFill>
+                  <a:srgbClr val="008080"/>
+                </a:solidFill>
+                <a:highlight>
+                  <a:srgbClr val="FFFFFF"/>
+                </a:highlight>
+                <a:latin typeface="Courier New"/>
+                <a:ea typeface="Calibri"/>
+                <a:cs typeface="Times New Roman"/>
+              </a:rPr>
+              <a:t>   select</a:t>
+            </a:r>
+            <a:r>
+              <a:rPr lang="en-US" sz="1700" b="1" dirty="0" smtClean="0">
+                <a:solidFill>
+                  <a:srgbClr val="000080"/>
+                </a:solidFill>
+                <a:highlight>
+                  <a:srgbClr val="FFFFFF"/>
+                </a:highlight>
+                <a:latin typeface="Courier New"/>
+                <a:ea typeface="Calibri"/>
+                <a:cs typeface="Times New Roman"/>
+              </a:rPr>
+              <a:t> </a:t>
+            </a:r>
+            <a:r>
+              <a:rPr lang="en-US" sz="1700" b="1" dirty="0">
+                <a:solidFill>
+                  <a:srgbClr val="000080"/>
+                </a:solidFill>
+                <a:highlight>
+                  <a:srgbClr val="FFFFFF"/>
+                </a:highlight>
+                <a:latin typeface="Courier New"/>
+                <a:ea typeface="Calibri"/>
+                <a:cs typeface="Times New Roman"/>
+              </a:rPr>
+              <a:t>* </a:t>
+            </a:r>
+            <a:r>
+              <a:rPr lang="en-US" sz="1700" b="1" dirty="0">
+                <a:solidFill>
+                  <a:srgbClr val="008080"/>
+                </a:solidFill>
+                <a:highlight>
+                  <a:srgbClr val="FFFFFF"/>
+                </a:highlight>
+                <a:latin typeface="Courier New"/>
+                <a:ea typeface="Calibri"/>
+                <a:cs typeface="Times New Roman"/>
+              </a:rPr>
+              <a:t>from</a:t>
+            </a:r>
+            <a:r>
+              <a:rPr lang="en-US" sz="1700" b="1" dirty="0">
+                <a:solidFill>
+                  <a:srgbClr val="000080"/>
+                </a:solidFill>
+                <a:highlight>
+                  <a:srgbClr val="FFFFFF"/>
+                </a:highlight>
+                <a:latin typeface="Courier New"/>
+                <a:ea typeface="Calibri"/>
+                <a:cs typeface="Times New Roman"/>
+              </a:rPr>
+              <a:t> m5_errors</a:t>
+            </a:r>
+            <a:r>
+              <a:rPr lang="en-US" sz="1700" b="1" dirty="0" smtClean="0">
+                <a:solidFill>
+                  <a:srgbClr val="000080"/>
+                </a:solidFill>
+                <a:highlight>
+                  <a:srgbClr val="FFFFFF"/>
+                </a:highlight>
+                <a:latin typeface="Courier New"/>
+                <a:ea typeface="Calibri"/>
+                <a:cs typeface="Times New Roman"/>
+              </a:rPr>
+              <a:t>;</a:t>
+            </a:r>
+            <a:endParaRPr lang="en-US" sz="1700" b="1" dirty="0">
+              <a:ea typeface="Calibri"/>
+              <a:cs typeface="Times New Roman"/>
+            </a:endParaRPr>
+          </a:p>
+        </p:txBody>
+      </p:sp>
+      <p:sp>
+        <p:nvSpPr>
+          <p:cNvPr id="4" name="Date Placeholder 3"/>
+          <p:cNvSpPr>
+            <a:spLocks noGrp="1"/>
+          </p:cNvSpPr>
+          <p:nvPr>
+            <p:ph type="dt" sz="half" idx="10"/>
+          </p:nvPr>
+        </p:nvSpPr>
+        <p:spPr/>
+        <p:txBody>
+          <a:bodyPr/>
+          <a:lstStyle/>
+          <a:p>
+            <a:fld id="{12698F6C-3B60-45A8-AA68-1C639B61BEFF}" type="datetime1">
+              <a:rPr lang="en-US" smtClean="0"/>
+              <a:t>10/28/2017</a:t>
+            </a:fld>
+            <a:endParaRPr lang="en-US" dirty="0"/>
+          </a:p>
+        </p:txBody>
+      </p:sp>
+      <p:sp>
+        <p:nvSpPr>
+          <p:cNvPr id="5" name="Slide Number Placeholder 4"/>
+          <p:cNvSpPr>
+            <a:spLocks noGrp="1"/>
+          </p:cNvSpPr>
+          <p:nvPr>
+            <p:ph type="sldNum" sz="quarter" idx="12"/>
+          </p:nvPr>
+        </p:nvSpPr>
+        <p:spPr/>
+        <p:txBody>
+          <a:bodyPr/>
+          <a:lstStyle/>
+          <a:p>
+            <a:fld id="{05869706-863E-4BD1-B682-3CD80F60367B}" type="slidenum">
+              <a:rPr lang="en-US" smtClean="0"/>
+              <a:t>13</a:t>
+            </a:fld>
+            <a:endParaRPr lang="en-US"/>
+          </a:p>
+        </p:txBody>
+      </p:sp>
+    </p:spTree>
+    <p:extLst>
+      <p:ext uri="{BB962C8B-B14F-4D97-AF65-F5344CB8AC3E}">
+        <p14:creationId xmlns:p14="http://schemas.microsoft.com/office/powerpoint/2010/main" val="4037494158"/>
+      </p:ext>
+    </p:extLst>
+  </p:cSld>
+  <p:clrMapOvr>
+    <a:masterClrMapping/>
+  </p:clrMapOvr>
+  <p:timing>
+    <p:tnLst>
+      <p:par>
+        <p:cTn id="1" dur="indefinite" restart="never" nodeType="tmRoot"/>
+      </p:par>
+    </p:tnLst>
+  </p:timing>
+</p:sld>
+</file>
+
+<file path=ppt/slides/slide14.xml><?xml version="1.0" encoding="utf-8"?>
+<p:sld xmlns:a="http://schemas.openxmlformats.org/drawingml/2006/main" xmlns:r="http://schemas.openxmlformats.org/officeDocument/2006/relationships" xmlns:p="http://schemas.openxmlformats.org/presentationml/2006/main">
+  <p:cSld>
+    <p:spTree>
+      <p:nvGrpSpPr>
+        <p:cNvPr id="1" name=""/>
+        <p:cNvGrpSpPr/>
+        <p:nvPr/>
+      </p:nvGrpSpPr>
+      <p:grpSpPr>
+        <a:xfrm>
+          <a:off x="0" y="0"/>
+          <a:ext cx="0" cy="0"/>
+          <a:chOff x="0" y="0"/>
+          <a:chExt cx="0" cy="0"/>
+        </a:xfrm>
+      </p:grpSpPr>
+      <p:sp>
+        <p:nvSpPr>
+          <p:cNvPr id="2" name="Title 1"/>
+          <p:cNvSpPr>
+            <a:spLocks noGrp="1"/>
+          </p:cNvSpPr>
+          <p:nvPr>
+            <p:ph type="title"/>
+          </p:nvPr>
+        </p:nvSpPr>
+        <p:spPr/>
+        <p:txBody>
+          <a:bodyPr>
+            <a:normAutofit fontScale="90000"/>
+          </a:bodyPr>
+          <a:lstStyle/>
+          <a:p>
+            <a:r>
+              <a:rPr lang="en-US" dirty="0" smtClean="0"/>
+              <a:t>Example: </a:t>
+            </a:r>
+            <a:r>
+              <a:rPr lang="en-US" sz="4000" dirty="0" smtClean="0"/>
+              <a:t>Compare Everything Everywhere</a:t>
+            </a:r>
+            <a:endParaRPr lang="en-US" sz="5300" dirty="0"/>
+          </a:p>
+        </p:txBody>
+      </p:sp>
+      <p:sp>
+        <p:nvSpPr>
+          <p:cNvPr id="4" name="Date Placeholder 3"/>
+          <p:cNvSpPr>
+            <a:spLocks noGrp="1"/>
+          </p:cNvSpPr>
+          <p:nvPr>
+            <p:ph type="dt" sz="half" idx="10"/>
+          </p:nvPr>
+        </p:nvSpPr>
+        <p:spPr/>
+        <p:txBody>
+          <a:bodyPr/>
+          <a:lstStyle/>
+          <a:p>
+            <a:fld id="{12698F6C-3B60-45A8-AA68-1C639B61BEFF}" type="datetime1">
+              <a:rPr lang="en-US" smtClean="0"/>
+              <a:t>10/28/2017</a:t>
+            </a:fld>
+            <a:endParaRPr lang="en-US" dirty="0"/>
+          </a:p>
+        </p:txBody>
+      </p:sp>
+      <p:sp>
+        <p:nvSpPr>
+          <p:cNvPr id="5" name="Slide Number Placeholder 4"/>
+          <p:cNvSpPr>
+            <a:spLocks noGrp="1"/>
+          </p:cNvSpPr>
+          <p:nvPr>
+            <p:ph type="sldNum" sz="quarter" idx="12"/>
+          </p:nvPr>
+        </p:nvSpPr>
+        <p:spPr/>
+        <p:txBody>
+          <a:bodyPr/>
+          <a:lstStyle/>
+          <a:p>
+            <a:fld id="{05869706-863E-4BD1-B682-3CD80F60367B}" type="slidenum">
+              <a:rPr lang="en-US" smtClean="0"/>
+              <a:t>14</a:t>
+            </a:fld>
+            <a:endParaRPr lang="en-US"/>
+          </a:p>
+        </p:txBody>
+      </p:sp>
+      <p:pic>
+        <p:nvPicPr>
+          <p:cNvPr id="6" name="Picture 2" descr="https://method5.github.io/images/example_compare_everything_everywhere.png"/>
+          <p:cNvPicPr>
+            <a:picLocks noGrp="1" noChangeAspect="1" noChangeArrowheads="1"/>
+          </p:cNvPicPr>
+          <p:nvPr>
+            <p:ph idx="1"/>
+          </p:nvPr>
+        </p:nvPicPr>
+        <p:blipFill>
+          <a:blip r:embed="rId3">
+            <a:extLst>
+              <a:ext uri="{28A0092B-C50C-407E-A947-70E740481C1C}">
+                <a14:useLocalDpi xmlns:a14="http://schemas.microsoft.com/office/drawing/2010/main" val="0"/>
+              </a:ext>
+            </a:extLst>
+          </a:blip>
+          <a:srcRect/>
+          <a:stretch>
+            <a:fillRect/>
+          </a:stretch>
+        </p:blipFill>
+        <p:spPr bwMode="auto">
+          <a:xfrm>
+            <a:off x="340299" y="1481660"/>
+            <a:ext cx="8463403" cy="2004490"/>
+          </a:xfrm>
+          <a:prstGeom prst="rect">
+            <a:avLst/>
+          </a:prstGeom>
+          <a:noFill/>
+          <a:extLst>
+            <a:ext uri="{909E8E84-426E-40DD-AFC4-6F175D3DCCD1}">
+              <a14:hiddenFill xmlns:a14="http://schemas.microsoft.com/office/drawing/2010/main">
+                <a:solidFill>
+                  <a:srgbClr val="FFFFFF"/>
+                </a:solidFill>
+              </a14:hiddenFill>
+            </a:ext>
+          </a:extLst>
+        </p:spPr>
+      </p:pic>
+    </p:spTree>
+    <p:extLst>
+      <p:ext uri="{BB962C8B-B14F-4D97-AF65-F5344CB8AC3E}">
+        <p14:creationId xmlns:p14="http://schemas.microsoft.com/office/powerpoint/2010/main" val="2960905666"/>
+      </p:ext>
+    </p:extLst>
+  </p:cSld>
+  <p:clrMapOvr>
+    <a:masterClrMapping/>
+  </p:clrMapOvr>
+  <p:timing>
+    <p:tnLst>
+      <p:par>
+        <p:cTn id="1" dur="indefinite" restart="never" nodeType="tmRoot"/>
+      </p:par>
+    </p:tnLst>
+  </p:timing>
+</p:sld>
+</file>
+
+<file path=ppt/slides/slide15.xml><?xml version="1.0" encoding="utf-8"?>
+<p:sld xmlns:a="http://schemas.openxmlformats.org/drawingml/2006/main" xmlns:r="http://schemas.openxmlformats.org/officeDocument/2006/relationships" xmlns:p="http://schemas.openxmlformats.org/presentationml/2006/main">
+  <p:cSld>
+    <p:spTree>
+      <p:nvGrpSpPr>
+        <p:cNvPr id="1" name=""/>
+        <p:cNvGrpSpPr/>
+        <p:nvPr/>
+      </p:nvGrpSpPr>
+      <p:grpSpPr>
+        <a:xfrm>
+          <a:off x="0" y="0"/>
+          <a:ext cx="0" cy="0"/>
+          <a:chOff x="0" y="0"/>
+          <a:chExt cx="0" cy="0"/>
+        </a:xfrm>
+      </p:grpSpPr>
+      <p:sp>
+        <p:nvSpPr>
+          <p:cNvPr id="2" name="Title 1"/>
+          <p:cNvSpPr>
+            <a:spLocks noGrp="1"/>
+          </p:cNvSpPr>
+          <p:nvPr>
+            <p:ph type="title"/>
+          </p:nvPr>
+        </p:nvSpPr>
+        <p:spPr/>
+        <p:txBody>
+          <a:bodyPr/>
+          <a:lstStyle/>
+          <a:p>
+            <a:r>
+              <a:rPr lang="en-US" dirty="0" smtClean="0"/>
+              <a:t>Example: Global ASH </a:t>
+            </a:r>
+            <a:endParaRPr lang="en-US" dirty="0"/>
+          </a:p>
+        </p:txBody>
+      </p:sp>
+      <p:sp>
+        <p:nvSpPr>
+          <p:cNvPr id="4" name="Date Placeholder 3"/>
+          <p:cNvSpPr>
+            <a:spLocks noGrp="1"/>
+          </p:cNvSpPr>
+          <p:nvPr>
+            <p:ph type="dt" sz="half" idx="10"/>
+          </p:nvPr>
+        </p:nvSpPr>
+        <p:spPr/>
+        <p:txBody>
+          <a:bodyPr/>
+          <a:lstStyle/>
+          <a:p>
+            <a:fld id="{12698F6C-3B60-45A8-AA68-1C639B61BEFF}" type="datetime1">
+              <a:rPr lang="en-US" smtClean="0"/>
+              <a:t>10/28/2017</a:t>
+            </a:fld>
+            <a:endParaRPr lang="en-US" dirty="0"/>
+          </a:p>
+        </p:txBody>
+      </p:sp>
+      <p:sp>
+        <p:nvSpPr>
+          <p:cNvPr id="5" name="Slide Number Placeholder 4"/>
+          <p:cNvSpPr>
+            <a:spLocks noGrp="1"/>
+          </p:cNvSpPr>
+          <p:nvPr>
+            <p:ph type="sldNum" sz="quarter" idx="12"/>
+          </p:nvPr>
+        </p:nvSpPr>
+        <p:spPr/>
+        <p:txBody>
+          <a:bodyPr/>
+          <a:lstStyle/>
+          <a:p>
+            <a:fld id="{05869706-863E-4BD1-B682-3CD80F60367B}" type="slidenum">
+              <a:rPr lang="en-US" smtClean="0"/>
+              <a:t>15</a:t>
+            </a:fld>
+            <a:endParaRPr lang="en-US"/>
+          </a:p>
+        </p:txBody>
+      </p:sp>
+      <p:pic>
+        <p:nvPicPr>
+          <p:cNvPr id="6" name="Picture 6" descr="https://method5.github.io/images/example_active_sessions.png"/>
+          <p:cNvPicPr>
+            <a:picLocks noGrp="1" noChangeAspect="1" noChangeArrowheads="1"/>
+          </p:cNvPicPr>
+          <p:nvPr>
+            <p:ph idx="1"/>
+          </p:nvPr>
+        </p:nvPicPr>
+        <p:blipFill>
+          <a:blip r:embed="rId3" cstate="print">
+            <a:extLst>
+              <a:ext uri="{28A0092B-C50C-407E-A947-70E740481C1C}">
+                <a14:useLocalDpi xmlns:a14="http://schemas.microsoft.com/office/drawing/2010/main" val="0"/>
+              </a:ext>
+            </a:extLst>
+          </a:blip>
+          <a:srcRect/>
+          <a:stretch>
+            <a:fillRect/>
+          </a:stretch>
+        </p:blipFill>
+        <p:spPr bwMode="auto">
+          <a:xfrm>
+            <a:off x="1460451" y="914876"/>
+            <a:ext cx="6223098" cy="3679350"/>
+          </a:xfrm>
+          <a:prstGeom prst="rect">
+            <a:avLst/>
+          </a:prstGeom>
+          <a:noFill/>
+          <a:extLst>
+            <a:ext uri="{909E8E84-426E-40DD-AFC4-6F175D3DCCD1}">
+              <a14:hiddenFill xmlns:a14="http://schemas.microsoft.com/office/drawing/2010/main">
+                <a:solidFill>
+                  <a:srgbClr val="FFFFFF"/>
+                </a:solidFill>
+              </a14:hiddenFill>
+            </a:ext>
+          </a:extLst>
+        </p:spPr>
+      </p:pic>
+    </p:spTree>
+    <p:extLst>
+      <p:ext uri="{BB962C8B-B14F-4D97-AF65-F5344CB8AC3E}">
+        <p14:creationId xmlns:p14="http://schemas.microsoft.com/office/powerpoint/2010/main" val="2312902454"/>
+      </p:ext>
+    </p:extLst>
+  </p:cSld>
+  <p:clrMapOvr>
+    <a:masterClrMapping/>
+  </p:clrMapOvr>
+  <p:timing>
+    <p:tnLst>
+      <p:par>
+        <p:cTn id="1" dur="indefinite" restart="never" nodeType="tmRoot"/>
+      </p:par>
+    </p:tnLst>
+  </p:timing>
+</p:sld>
+</file>
+
+<file path=ppt/slides/slide16.xml><?xml version="1.0" encoding="utf-8"?>
+<p:sld xmlns:a="http://schemas.openxmlformats.org/drawingml/2006/main" xmlns:r="http://schemas.openxmlformats.org/officeDocument/2006/relationships" xmlns:p="http://schemas.openxmlformats.org/presentationml/2006/main">
+  <p:cSld>
+    <p:spTree>
+      <p:nvGrpSpPr>
+        <p:cNvPr id="1" name=""/>
+        <p:cNvGrpSpPr/>
+        <p:nvPr/>
+      </p:nvGrpSpPr>
+      <p:grpSpPr>
+        <a:xfrm>
+          <a:off x="0" y="0"/>
+          <a:ext cx="0" cy="0"/>
+          <a:chOff x="0" y="0"/>
+          <a:chExt cx="0" cy="0"/>
+        </a:xfrm>
+      </p:grpSpPr>
+      <p:sp>
+        <p:nvSpPr>
+          <p:cNvPr id="2" name="Title 1"/>
+          <p:cNvSpPr>
+            <a:spLocks noGrp="1"/>
+          </p:cNvSpPr>
+          <p:nvPr>
+            <p:ph type="title"/>
+          </p:nvPr>
+        </p:nvSpPr>
+        <p:spPr/>
+        <p:txBody>
+          <a:bodyPr>
+            <a:normAutofit/>
+          </a:bodyPr>
+          <a:lstStyle/>
+          <a:p>
+            <a:r>
+              <a:rPr lang="en-US" dirty="0" smtClean="0"/>
+              <a:t>Example: ASM Forecast</a:t>
+            </a:r>
+            <a:endParaRPr lang="en-US" dirty="0"/>
+          </a:p>
+        </p:txBody>
+      </p:sp>
+      <p:sp>
+        <p:nvSpPr>
+          <p:cNvPr id="4" name="Date Placeholder 3"/>
+          <p:cNvSpPr>
+            <a:spLocks noGrp="1"/>
+          </p:cNvSpPr>
+          <p:nvPr>
+            <p:ph type="dt" sz="half" idx="10"/>
+          </p:nvPr>
+        </p:nvSpPr>
+        <p:spPr/>
+        <p:txBody>
+          <a:bodyPr/>
+          <a:lstStyle/>
+          <a:p>
+            <a:fld id="{12698F6C-3B60-45A8-AA68-1C639B61BEFF}" type="datetime1">
+              <a:rPr lang="en-US" smtClean="0"/>
+              <a:t>10/28/2017</a:t>
+            </a:fld>
+            <a:endParaRPr lang="en-US" dirty="0"/>
+          </a:p>
+        </p:txBody>
+      </p:sp>
+      <p:sp>
+        <p:nvSpPr>
+          <p:cNvPr id="5" name="Slide Number Placeholder 4"/>
+          <p:cNvSpPr>
+            <a:spLocks noGrp="1"/>
+          </p:cNvSpPr>
+          <p:nvPr>
+            <p:ph type="sldNum" sz="quarter" idx="12"/>
+          </p:nvPr>
+        </p:nvSpPr>
+        <p:spPr/>
+        <p:txBody>
+          <a:bodyPr/>
+          <a:lstStyle/>
+          <a:p>
+            <a:fld id="{05869706-863E-4BD1-B682-3CD80F60367B}" type="slidenum">
+              <a:rPr lang="en-US" smtClean="0"/>
+              <a:t>16</a:t>
+            </a:fld>
+            <a:endParaRPr lang="en-US"/>
+          </a:p>
+        </p:txBody>
+      </p:sp>
+      <p:pic>
+        <p:nvPicPr>
+          <p:cNvPr id="8" name="Picture 4" descr="https://method5.github.io/images/example_asm_forecast_growing_quickly.png"/>
+          <p:cNvPicPr>
+            <a:picLocks noGrp="1" noChangeAspect="1" noChangeArrowheads="1"/>
+          </p:cNvPicPr>
+          <p:nvPr>
+            <p:ph idx="1"/>
+          </p:nvPr>
+        </p:nvPicPr>
+        <p:blipFill>
+          <a:blip r:embed="rId3">
+            <a:extLst>
+              <a:ext uri="{28A0092B-C50C-407E-A947-70E740481C1C}">
+                <a14:useLocalDpi xmlns:a14="http://schemas.microsoft.com/office/drawing/2010/main" val="0"/>
+              </a:ext>
+            </a:extLst>
+          </a:blip>
+          <a:srcRect/>
+          <a:stretch>
+            <a:fillRect/>
+          </a:stretch>
+        </p:blipFill>
+        <p:spPr bwMode="auto">
+          <a:xfrm>
+            <a:off x="457200" y="1659870"/>
+            <a:ext cx="8229600" cy="2474634"/>
+          </a:xfrm>
+          <a:prstGeom prst="rect">
+            <a:avLst/>
+          </a:prstGeom>
+          <a:noFill/>
+          <a:extLst>
+            <a:ext uri="{909E8E84-426E-40DD-AFC4-6F175D3DCCD1}">
+              <a14:hiddenFill xmlns:a14="http://schemas.microsoft.com/office/drawing/2010/main">
+                <a:solidFill>
+                  <a:srgbClr val="FFFFFF"/>
+                </a:solidFill>
+              </a14:hiddenFill>
+            </a:ext>
+          </a:extLst>
+        </p:spPr>
+      </p:pic>
+    </p:spTree>
+    <p:extLst>
+      <p:ext uri="{BB962C8B-B14F-4D97-AF65-F5344CB8AC3E}">
+        <p14:creationId xmlns:p14="http://schemas.microsoft.com/office/powerpoint/2010/main" val="2873276573"/>
+      </p:ext>
+    </p:extLst>
+  </p:cSld>
+  <p:clrMapOvr>
+    <a:masterClrMapping/>
+  </p:clrMapOvr>
+</p:sld>
+</file>
+
+<file path=ppt/slides/slide17.xml><?xml version="1.0" encoding="utf-8"?>
+<p:sld xmlns:a="http://schemas.openxmlformats.org/drawingml/2006/main" xmlns:r="http://schemas.openxmlformats.org/officeDocument/2006/relationships" xmlns:p="http://schemas.openxmlformats.org/presentationml/2006/main">
+  <p:cSld>
+    <p:spTree>
+      <p:nvGrpSpPr>
+        <p:cNvPr id="1" name=""/>
+        <p:cNvGrpSpPr/>
+        <p:nvPr/>
+      </p:nvGrpSpPr>
+      <p:grpSpPr>
+        <a:xfrm>
+          <a:off x="0" y="0"/>
+          <a:ext cx="0" cy="0"/>
+          <a:chOff x="0" y="0"/>
+          <a:chExt cx="0" cy="0"/>
+        </a:xfrm>
+      </p:grpSpPr>
+      <p:sp>
+        <p:nvSpPr>
+          <p:cNvPr id="2" name="Title 1"/>
+          <p:cNvSpPr>
+            <a:spLocks noGrp="1"/>
+          </p:cNvSpPr>
+          <p:nvPr>
+            <p:ph type="title"/>
+          </p:nvPr>
+        </p:nvSpPr>
+        <p:spPr/>
+        <p:txBody>
+          <a:bodyPr/>
+          <a:lstStyle/>
+          <a:p>
+            <a:r>
+              <a:rPr lang="en-US" dirty="0" smtClean="0"/>
+              <a:t>Example: Space </a:t>
+            </a:r>
+            <a:r>
+              <a:rPr lang="en-US" dirty="0" err="1" smtClean="0"/>
+              <a:t>Treemap</a:t>
+            </a:r>
+            <a:endParaRPr lang="en-US" dirty="0"/>
+          </a:p>
+        </p:txBody>
+      </p:sp>
+      <p:sp>
+        <p:nvSpPr>
+          <p:cNvPr id="4" name="Date Placeholder 3"/>
+          <p:cNvSpPr>
+            <a:spLocks noGrp="1"/>
+          </p:cNvSpPr>
+          <p:nvPr>
+            <p:ph type="dt" sz="half" idx="10"/>
+          </p:nvPr>
+        </p:nvSpPr>
+        <p:spPr/>
+        <p:txBody>
+          <a:bodyPr/>
+          <a:lstStyle/>
+          <a:p>
+            <a:fld id="{12698F6C-3B60-45A8-AA68-1C639B61BEFF}" type="datetime1">
+              <a:rPr lang="en-US" smtClean="0"/>
+              <a:t>10/28/2017</a:t>
+            </a:fld>
+            <a:endParaRPr lang="en-US" dirty="0"/>
+          </a:p>
+        </p:txBody>
+      </p:sp>
+      <p:sp>
+        <p:nvSpPr>
+          <p:cNvPr id="5" name="Slide Number Placeholder 4"/>
+          <p:cNvSpPr>
+            <a:spLocks noGrp="1"/>
+          </p:cNvSpPr>
+          <p:nvPr>
+            <p:ph type="sldNum" sz="quarter" idx="12"/>
+          </p:nvPr>
+        </p:nvSpPr>
+        <p:spPr/>
+        <p:txBody>
+          <a:bodyPr/>
+          <a:lstStyle/>
+          <a:p>
+            <a:fld id="{05869706-863E-4BD1-B682-3CD80F60367B}" type="slidenum">
+              <a:rPr lang="en-US" smtClean="0"/>
+              <a:t>17</a:t>
+            </a:fld>
+            <a:endParaRPr lang="en-US"/>
+          </a:p>
+        </p:txBody>
+      </p:sp>
+      <p:pic>
+        <p:nvPicPr>
+          <p:cNvPr id="6" name="Picture 8" descr="https://method5.github.io/images/example_space_treemap.png"/>
+          <p:cNvPicPr>
+            <a:picLocks noGrp="1" noChangeAspect="1" noChangeArrowheads="1"/>
+          </p:cNvPicPr>
+          <p:nvPr>
+            <p:ph idx="1"/>
+          </p:nvPr>
+        </p:nvPicPr>
+        <p:blipFill>
+          <a:blip r:embed="rId3">
+            <a:extLst>
+              <a:ext uri="{28A0092B-C50C-407E-A947-70E740481C1C}">
+                <a14:useLocalDpi xmlns:a14="http://schemas.microsoft.com/office/drawing/2010/main" val="0"/>
+              </a:ext>
+            </a:extLst>
+          </a:blip>
+          <a:srcRect/>
+          <a:stretch>
+            <a:fillRect/>
+          </a:stretch>
+        </p:blipFill>
+        <p:spPr bwMode="auto">
+          <a:xfrm>
+            <a:off x="2299674" y="932535"/>
+            <a:ext cx="4544652" cy="3661691"/>
+          </a:xfrm>
+          <a:prstGeom prst="rect">
+            <a:avLst/>
+          </a:prstGeom>
+          <a:noFill/>
+          <a:extLst>
+            <a:ext uri="{909E8E84-426E-40DD-AFC4-6F175D3DCCD1}">
+              <a14:hiddenFill xmlns:a14="http://schemas.microsoft.com/office/drawing/2010/main">
+                <a:solidFill>
+                  <a:srgbClr val="FFFFFF"/>
+                </a:solidFill>
+              </a14:hiddenFill>
+            </a:ext>
+          </a:extLst>
+        </p:spPr>
+      </p:pic>
+    </p:spTree>
+    <p:extLst>
+      <p:ext uri="{BB962C8B-B14F-4D97-AF65-F5344CB8AC3E}">
+        <p14:creationId xmlns:p14="http://schemas.microsoft.com/office/powerpoint/2010/main" val="4091848825"/>
+      </p:ext>
+    </p:extLst>
+  </p:cSld>
+  <p:clrMapOvr>
+    <a:masterClrMapping/>
+  </p:clrMapOvr>
+</p:sld>
+</file>
+
+<file path=ppt/slides/slide18.xml><?xml version="1.0" encoding="utf-8"?>
+<p:sld xmlns:a="http://schemas.openxmlformats.org/drawingml/2006/main" xmlns:r="http://schemas.openxmlformats.org/officeDocument/2006/relationships" xmlns:p="http://schemas.openxmlformats.org/presentationml/2006/main">
+  <p:cSld>
+    <p:spTree>
+      <p:nvGrpSpPr>
+        <p:cNvPr id="1" name=""/>
+        <p:cNvGrpSpPr/>
+        <p:nvPr/>
+      </p:nvGrpSpPr>
+      <p:grpSpPr>
+        <a:xfrm>
+          <a:off x="0" y="0"/>
+          <a:ext cx="0" cy="0"/>
+          <a:chOff x="0" y="0"/>
+          <a:chExt cx="0" cy="0"/>
+        </a:xfrm>
+      </p:grpSpPr>
+      <p:sp>
+        <p:nvSpPr>
+          <p:cNvPr id="2" name="Title 1"/>
+          <p:cNvSpPr>
+            <a:spLocks noGrp="1"/>
+          </p:cNvSpPr>
+          <p:nvPr>
+            <p:ph type="title"/>
+          </p:nvPr>
+        </p:nvSpPr>
+        <p:spPr/>
+        <p:txBody>
+          <a:bodyPr/>
+          <a:lstStyle/>
+          <a:p>
+            <a:r>
+              <a:rPr lang="en-US" dirty="0" smtClean="0"/>
               <a:t>Technologies</a:t>
             </a:r>
             <a:endParaRPr lang="en-US" dirty="0"/>
@@ -6643,7 +9714,7 @@
           <a:p>
             <a:fld id="{FC4CB26D-ED02-41C0-8C14-C61605713420}" type="datetime1">
               <a:rPr lang="en-US" smtClean="0"/>
-              <a:t>10/25/2017</a:t>
+              <a:t>10/28/2017</a:t>
             </a:fld>
             <a:endParaRPr lang="en-US"/>
           </a:p>
@@ -6666,7 +9737,7 @@
           <a:p>
             <a:fld id="{05869706-863E-4BD1-B682-3CD80F60367B}" type="slidenum">
               <a:rPr lang="en-US" smtClean="0"/>
-              <a:t>12</a:t>
+              <a:t>18</a:t>
             </a:fld>
             <a:endParaRPr lang="en-US"/>
           </a:p>
@@ -6749,7 +9820,7 @@
         </p:blipFill>
         <p:spPr bwMode="auto">
           <a:xfrm>
-            <a:off x="5791200" y="3105150"/>
+            <a:off x="6025229" y="3105150"/>
             <a:ext cx="2737771" cy="1513741"/>
           </a:xfrm>
           <a:prstGeom prst="rect">
@@ -6790,8 +9861,8 @@
         </p:blipFill>
         <p:spPr bwMode="auto">
           <a:xfrm>
-            <a:off x="6144085" y="1885950"/>
-            <a:ext cx="2032000" cy="1219200"/>
+            <a:off x="3527886" y="1930882"/>
+            <a:ext cx="1806114" cy="1083668"/>
           </a:xfrm>
           <a:prstGeom prst="rect">
             <a:avLst/>
@@ -6828,7 +9899,7 @@
 </p:sld>
 </file>
 
-<file path=ppt/slides/slide13.xml><?xml version="1.0" encoding="utf-8"?>
+<file path=ppt/slides/slide19.xml><?xml version="1.0" encoding="utf-8"?>
 <p:sld xmlns:a="http://schemas.openxmlformats.org/drawingml/2006/main" xmlns:r="http://schemas.openxmlformats.org/officeDocument/2006/relationships" xmlns:p="http://schemas.openxmlformats.org/presentationml/2006/main">
   <p:cSld>
     <p:spTree>
@@ -6978,7 +10049,7 @@
           <a:p>
             <a:fld id="{8A97B252-A157-47EE-8D8D-B5B4DAA37260}" type="datetime1">
               <a:rPr lang="en-US" smtClean="0"/>
-              <a:t>10/25/2017</a:t>
+              <a:t>10/28/2017</a:t>
             </a:fld>
             <a:endParaRPr lang="en-US"/>
           </a:p>
@@ -7001,7 +10072,7 @@
           <a:p>
             <a:fld id="{05869706-863E-4BD1-B682-3CD80F60367B}" type="slidenum">
               <a:rPr lang="en-US" smtClean="0"/>
-              <a:t>13</a:t>
+              <a:t>19</a:t>
             </a:fld>
             <a:endParaRPr lang="en-US"/>
           </a:p>
@@ -7011,726 +10082,6 @@
     <p:extLst>
       <p:ext uri="{BB962C8B-B14F-4D97-AF65-F5344CB8AC3E}">
         <p14:creationId xmlns:p14="http://schemas.microsoft.com/office/powerpoint/2010/main" val="3621855080"/>
-      </p:ext>
-    </p:extLst>
-  </p:cSld>
-  <p:clrMapOvr>
-    <a:masterClrMapping/>
-  </p:clrMapOvr>
-  <p:timing>
-    <p:tnLst>
-      <p:par>
-        <p:cTn id="1" dur="indefinite" restart="never" nodeType="tmRoot"/>
-      </p:par>
-    </p:tnLst>
-  </p:timing>
-</p:sld>
-</file>
-
-<file path=ppt/slides/slide14.xml><?xml version="1.0" encoding="utf-8"?>
-<p:sld xmlns:a="http://schemas.openxmlformats.org/drawingml/2006/main" xmlns:r="http://schemas.openxmlformats.org/officeDocument/2006/relationships" xmlns:p="http://schemas.openxmlformats.org/presentationml/2006/main">
-  <p:cSld>
-    <p:spTree>
-      <p:nvGrpSpPr>
-        <p:cNvPr id="1" name=""/>
-        <p:cNvGrpSpPr/>
-        <p:nvPr/>
-      </p:nvGrpSpPr>
-      <p:grpSpPr>
-        <a:xfrm>
-          <a:off x="0" y="0"/>
-          <a:ext cx="0" cy="0"/>
-          <a:chOff x="0" y="0"/>
-          <a:chExt cx="0" cy="0"/>
-        </a:xfrm>
-      </p:grpSpPr>
-      <p:sp>
-        <p:nvSpPr>
-          <p:cNvPr id="2" name="Title 1"/>
-          <p:cNvSpPr>
-            <a:spLocks noGrp="1"/>
-          </p:cNvSpPr>
-          <p:nvPr>
-            <p:ph type="title"/>
-          </p:nvPr>
-        </p:nvSpPr>
-        <p:spPr/>
-        <p:txBody>
-          <a:bodyPr/>
-          <a:lstStyle/>
-          <a:p>
-            <a:r>
-              <a:rPr lang="en-US" dirty="0" smtClean="0"/>
-              <a:t>Examples</a:t>
-            </a:r>
-            <a:endParaRPr lang="en-US" dirty="0"/>
-          </a:p>
-        </p:txBody>
-      </p:sp>
-      <p:sp>
-        <p:nvSpPr>
-          <p:cNvPr id="3" name="Content Placeholder 2"/>
-          <p:cNvSpPr>
-            <a:spLocks noGrp="1"/>
-          </p:cNvSpPr>
-          <p:nvPr>
-            <p:ph idx="1"/>
-          </p:nvPr>
-        </p:nvSpPr>
-        <p:spPr/>
-        <p:txBody>
-          <a:bodyPr>
-            <a:normAutofit/>
-          </a:bodyPr>
-          <a:lstStyle/>
-          <a:p>
-            <a:pPr marL="0" indent="0">
-              <a:buNone/>
-            </a:pPr>
-            <a:r>
-              <a:rPr lang="en-US" sz="2800" dirty="0" smtClean="0"/>
-              <a:t>Scripts from: </a:t>
-            </a:r>
-            <a:r>
-              <a:rPr lang="en-US" sz="2800" dirty="0" smtClean="0">
-                <a:hlinkClick r:id="rId3"/>
-              </a:rPr>
-              <a:t>https</a:t>
-            </a:r>
-            <a:r>
-              <a:rPr lang="en-US" sz="2800" dirty="0">
-                <a:hlinkClick r:id="rId3"/>
-              </a:rPr>
-              <a:t>://</a:t>
-            </a:r>
-            <a:r>
-              <a:rPr lang="en-US" sz="2800" dirty="0" smtClean="0">
-                <a:hlinkClick r:id="rId3"/>
-              </a:rPr>
-              <a:t>method5.github.io/examples/</a:t>
-            </a:r>
-            <a:endParaRPr lang="en-US" dirty="0" smtClean="0"/>
-          </a:p>
-        </p:txBody>
-      </p:sp>
-      <p:sp>
-        <p:nvSpPr>
-          <p:cNvPr id="4" name="Date Placeholder 3"/>
-          <p:cNvSpPr>
-            <a:spLocks noGrp="1"/>
-          </p:cNvSpPr>
-          <p:nvPr>
-            <p:ph type="dt" sz="half" idx="10"/>
-          </p:nvPr>
-        </p:nvSpPr>
-        <p:spPr/>
-        <p:txBody>
-          <a:bodyPr/>
-          <a:lstStyle/>
-          <a:p>
-            <a:fld id="{14CB67C7-3BA7-4C89-AD88-5C3EB0A22414}" type="datetime1">
-              <a:rPr lang="en-US" smtClean="0"/>
-              <a:t>10/25/2017</a:t>
-            </a:fld>
-            <a:endParaRPr lang="en-US" dirty="0"/>
-          </a:p>
-        </p:txBody>
-      </p:sp>
-      <p:sp>
-        <p:nvSpPr>
-          <p:cNvPr id="5" name="Slide Number Placeholder 4"/>
-          <p:cNvSpPr>
-            <a:spLocks noGrp="1"/>
-          </p:cNvSpPr>
-          <p:nvPr>
-            <p:ph type="sldNum" sz="quarter" idx="12"/>
-          </p:nvPr>
-        </p:nvSpPr>
-        <p:spPr/>
-        <p:txBody>
-          <a:bodyPr/>
-          <a:lstStyle/>
-          <a:p>
-            <a:fld id="{05869706-863E-4BD1-B682-3CD80F60367B}" type="slidenum">
-              <a:rPr lang="en-US" smtClean="0"/>
-              <a:t>14</a:t>
-            </a:fld>
-            <a:endParaRPr lang="en-US"/>
-          </a:p>
-        </p:txBody>
-      </p:sp>
-      <p:pic>
-        <p:nvPicPr>
-          <p:cNvPr id="3074" name="Picture 2" descr="https://method5.github.io/images/example_compare_everything_everywhere.png"/>
-          <p:cNvPicPr>
-            <a:picLocks noChangeAspect="1" noChangeArrowheads="1"/>
-          </p:cNvPicPr>
-          <p:nvPr/>
-        </p:nvPicPr>
-        <p:blipFill>
-          <a:blip r:embed="rId4">
-            <a:extLst>
-              <a:ext uri="{28A0092B-C50C-407E-A947-70E740481C1C}">
-                <a14:useLocalDpi xmlns:a14="http://schemas.microsoft.com/office/drawing/2010/main" val="0"/>
-              </a:ext>
-            </a:extLst>
-          </a:blip>
-          <a:srcRect/>
-          <a:stretch>
-            <a:fillRect/>
-          </a:stretch>
-        </p:blipFill>
-        <p:spPr bwMode="auto">
-          <a:xfrm>
-            <a:off x="3657600" y="1809750"/>
-            <a:ext cx="4789267" cy="1134300"/>
-          </a:xfrm>
-          <a:prstGeom prst="rect">
-            <a:avLst/>
-          </a:prstGeom>
-          <a:noFill/>
-          <a:extLst>
-            <a:ext uri="{909E8E84-426E-40DD-AFC4-6F175D3DCCD1}">
-              <a14:hiddenFill xmlns:a14="http://schemas.microsoft.com/office/drawing/2010/main">
-                <a:solidFill>
-                  <a:srgbClr val="FFFFFF"/>
-                </a:solidFill>
-              </a14:hiddenFill>
-            </a:ext>
-          </a:extLst>
-        </p:spPr>
-      </p:pic>
-      <p:pic>
-        <p:nvPicPr>
-          <p:cNvPr id="3076" name="Picture 4" descr="https://method5.github.io/images/example_asm_forecast_growing_quickly.png"/>
-          <p:cNvPicPr>
-            <a:picLocks noChangeAspect="1" noChangeArrowheads="1"/>
-          </p:cNvPicPr>
-          <p:nvPr/>
-        </p:nvPicPr>
-        <p:blipFill>
-          <a:blip r:embed="rId5">
-            <a:extLst>
-              <a:ext uri="{28A0092B-C50C-407E-A947-70E740481C1C}">
-                <a14:useLocalDpi xmlns:a14="http://schemas.microsoft.com/office/drawing/2010/main" val="0"/>
-              </a:ext>
-            </a:extLst>
-          </a:blip>
-          <a:srcRect/>
-          <a:stretch>
-            <a:fillRect/>
-          </a:stretch>
-        </p:blipFill>
-        <p:spPr bwMode="auto">
-          <a:xfrm>
-            <a:off x="457203" y="3269807"/>
-            <a:ext cx="4267197" cy="1283143"/>
-          </a:xfrm>
-          <a:prstGeom prst="rect">
-            <a:avLst/>
-          </a:prstGeom>
-          <a:noFill/>
-          <a:extLst>
-            <a:ext uri="{909E8E84-426E-40DD-AFC4-6F175D3DCCD1}">
-              <a14:hiddenFill xmlns:a14="http://schemas.microsoft.com/office/drawing/2010/main">
-                <a:solidFill>
-                  <a:srgbClr val="FFFFFF"/>
-                </a:solidFill>
-              </a14:hiddenFill>
-            </a:ext>
-          </a:extLst>
-        </p:spPr>
-      </p:pic>
-      <p:pic>
-        <p:nvPicPr>
-          <p:cNvPr id="3078" name="Picture 6" descr="https://method5.github.io/images/example_active_sessions.png"/>
-          <p:cNvPicPr>
-            <a:picLocks noChangeAspect="1" noChangeArrowheads="1"/>
-          </p:cNvPicPr>
-          <p:nvPr/>
-        </p:nvPicPr>
-        <p:blipFill>
-          <a:blip r:embed="rId6" cstate="print">
-            <a:extLst>
-              <a:ext uri="{28A0092B-C50C-407E-A947-70E740481C1C}">
-                <a14:useLocalDpi xmlns:a14="http://schemas.microsoft.com/office/drawing/2010/main" val="0"/>
-              </a:ext>
-            </a:extLst>
-          </a:blip>
-          <a:srcRect/>
-          <a:stretch>
-            <a:fillRect/>
-          </a:stretch>
-        </p:blipFill>
-        <p:spPr bwMode="auto">
-          <a:xfrm>
-            <a:off x="573997" y="1627750"/>
-            <a:ext cx="3007404" cy="1778100"/>
-          </a:xfrm>
-          <a:prstGeom prst="rect">
-            <a:avLst/>
-          </a:prstGeom>
-          <a:noFill/>
-          <a:extLst>
-            <a:ext uri="{909E8E84-426E-40DD-AFC4-6F175D3DCCD1}">
-              <a14:hiddenFill xmlns:a14="http://schemas.microsoft.com/office/drawing/2010/main">
-                <a:solidFill>
-                  <a:srgbClr val="FFFFFF"/>
-                </a:solidFill>
-              </a14:hiddenFill>
-            </a:ext>
-          </a:extLst>
-        </p:spPr>
-      </p:pic>
-      <p:pic>
-        <p:nvPicPr>
-          <p:cNvPr id="3080" name="Picture 8" descr="https://method5.github.io/images/example_space_treemap.png"/>
-          <p:cNvPicPr>
-            <a:picLocks noChangeAspect="1" noChangeArrowheads="1"/>
-          </p:cNvPicPr>
-          <p:nvPr/>
-        </p:nvPicPr>
-        <p:blipFill>
-          <a:blip r:embed="rId7">
-            <a:extLst>
-              <a:ext uri="{28A0092B-C50C-407E-A947-70E740481C1C}">
-                <a14:useLocalDpi xmlns:a14="http://schemas.microsoft.com/office/drawing/2010/main" val="0"/>
-              </a:ext>
-            </a:extLst>
-          </a:blip>
-          <a:srcRect/>
-          <a:stretch>
-            <a:fillRect/>
-          </a:stretch>
-        </p:blipFill>
-        <p:spPr bwMode="auto">
-          <a:xfrm>
-            <a:off x="4800599" y="2971473"/>
-            <a:ext cx="3646267" cy="1657677"/>
-          </a:xfrm>
-          <a:prstGeom prst="rect">
-            <a:avLst/>
-          </a:prstGeom>
-          <a:noFill/>
-          <a:extLst>
-            <a:ext uri="{909E8E84-426E-40DD-AFC4-6F175D3DCCD1}">
-              <a14:hiddenFill xmlns:a14="http://schemas.microsoft.com/office/drawing/2010/main">
-                <a:solidFill>
-                  <a:srgbClr val="FFFFFF"/>
-                </a:solidFill>
-              </a14:hiddenFill>
-            </a:ext>
-          </a:extLst>
-        </p:spPr>
-      </p:pic>
-    </p:spTree>
-    <p:extLst>
-      <p:ext uri="{BB962C8B-B14F-4D97-AF65-F5344CB8AC3E}">
-        <p14:creationId xmlns:p14="http://schemas.microsoft.com/office/powerpoint/2010/main" val="449007230"/>
-      </p:ext>
-    </p:extLst>
-  </p:cSld>
-  <p:clrMapOvr>
-    <a:masterClrMapping/>
-  </p:clrMapOvr>
-  <p:timing>
-    <p:tnLst>
-      <p:par>
-        <p:cTn id="1" dur="indefinite" restart="never" nodeType="tmRoot"/>
-      </p:par>
-    </p:tnLst>
-  </p:timing>
-</p:sld>
-</file>
-
-<file path=ppt/slides/slide15.xml><?xml version="1.0" encoding="utf-8"?>
-<p:sld xmlns:a="http://schemas.openxmlformats.org/drawingml/2006/main" xmlns:r="http://schemas.openxmlformats.org/officeDocument/2006/relationships" xmlns:p="http://schemas.openxmlformats.org/presentationml/2006/main">
-  <p:cSld>
-    <p:spTree>
-      <p:nvGrpSpPr>
-        <p:cNvPr id="1" name=""/>
-        <p:cNvGrpSpPr/>
-        <p:nvPr/>
-      </p:nvGrpSpPr>
-      <p:grpSpPr>
-        <a:xfrm>
-          <a:off x="0" y="0"/>
-          <a:ext cx="0" cy="0"/>
-          <a:chOff x="0" y="0"/>
-          <a:chExt cx="0" cy="0"/>
-        </a:xfrm>
-      </p:grpSpPr>
-      <p:sp>
-        <p:nvSpPr>
-          <p:cNvPr id="2" name="Title 1"/>
-          <p:cNvSpPr>
-            <a:spLocks noGrp="1"/>
-          </p:cNvSpPr>
-          <p:nvPr>
-            <p:ph type="title"/>
-          </p:nvPr>
-        </p:nvSpPr>
-        <p:spPr/>
-        <p:txBody>
-          <a:bodyPr/>
-          <a:lstStyle/>
-          <a:p>
-            <a:r>
-              <a:rPr lang="en-US" dirty="0" smtClean="0"/>
-              <a:t>More Information</a:t>
-            </a:r>
-            <a:endParaRPr lang="en-US" dirty="0"/>
-          </a:p>
-        </p:txBody>
-      </p:sp>
-      <p:sp>
-        <p:nvSpPr>
-          <p:cNvPr id="3" name="Content Placeholder 2"/>
-          <p:cNvSpPr>
-            <a:spLocks noGrp="1"/>
-          </p:cNvSpPr>
-          <p:nvPr>
-            <p:ph idx="1"/>
-          </p:nvPr>
-        </p:nvSpPr>
-        <p:spPr/>
-        <p:txBody>
-          <a:bodyPr>
-            <a:normAutofit fontScale="92500" lnSpcReduction="10000"/>
-          </a:bodyPr>
-          <a:lstStyle/>
-          <a:p>
-            <a:pPr marL="514350" indent="-514350">
-              <a:buFont typeface="+mj-lt"/>
-              <a:buAutoNum type="arabicPeriod"/>
-            </a:pPr>
-            <a:r>
-              <a:rPr lang="en-US" dirty="0" smtClean="0">
-                <a:hlinkClick r:id="rId3"/>
-              </a:rPr>
-              <a:t>https://method5.github.io</a:t>
-            </a:r>
-            <a:endParaRPr lang="en-US" dirty="0" smtClean="0"/>
-          </a:p>
-          <a:p>
-            <a:pPr marL="514350" indent="-514350">
-              <a:buFont typeface="+mj-lt"/>
-              <a:buAutoNum type="arabicPeriod"/>
-            </a:pPr>
-            <a:r>
-              <a:rPr lang="en-US" dirty="0" smtClean="0"/>
-              <a:t>Download code, user guide, examples, roadmap, and more</a:t>
-            </a:r>
-          </a:p>
-          <a:p>
-            <a:pPr marL="514350" indent="-514350">
-              <a:buFont typeface="+mj-lt"/>
-              <a:buAutoNum type="arabicPeriod"/>
-            </a:pPr>
-            <a:r>
-              <a:rPr lang="en-US" dirty="0" smtClean="0"/>
-              <a:t>Email Jon Heller: </a:t>
-            </a:r>
-            <a:r>
-              <a:rPr lang="en-US" dirty="0" smtClean="0">
-                <a:hlinkClick r:id="rId4"/>
-              </a:rPr>
-              <a:t>hjon@ventechsolutions.com</a:t>
-            </a:r>
-            <a:r>
-              <a:rPr lang="en-US" dirty="0"/>
-              <a:t> </a:t>
-            </a:r>
-            <a:r>
-              <a:rPr lang="en-US" dirty="0" smtClean="0"/>
-              <a:t>or</a:t>
-            </a:r>
-            <a:br>
-              <a:rPr lang="en-US" dirty="0" smtClean="0"/>
-            </a:br>
-            <a:r>
-              <a:rPr lang="en-US" dirty="0" smtClean="0">
-                <a:hlinkClick r:id="rId5"/>
-              </a:rPr>
-              <a:t>jon@jonheller.org</a:t>
-            </a:r>
-            <a:endParaRPr lang="en-US" dirty="0" smtClean="0"/>
-          </a:p>
-          <a:p>
-            <a:pPr marL="514350" indent="-514350">
-              <a:buFont typeface="+mj-lt"/>
-              <a:buAutoNum type="arabicPeriod"/>
-            </a:pPr>
-            <a:r>
-              <a:rPr lang="en-US" dirty="0" smtClean="0"/>
-              <a:t>Create an issue on the </a:t>
-            </a:r>
-            <a:r>
-              <a:rPr lang="en-US" dirty="0"/>
-              <a:t>GitHub repository:</a:t>
-            </a:r>
-            <a:br>
-              <a:rPr lang="en-US" dirty="0"/>
-            </a:br>
-            <a:r>
-              <a:rPr lang="en-US" dirty="0">
-                <a:hlinkClick r:id="rId6"/>
-              </a:rPr>
-              <a:t>https://</a:t>
-            </a:r>
-            <a:r>
-              <a:rPr lang="en-US" dirty="0" smtClean="0">
-                <a:hlinkClick r:id="rId6"/>
-              </a:rPr>
-              <a:t>github.com/method5/method5</a:t>
-            </a:r>
-            <a:endParaRPr lang="en-US" dirty="0" smtClean="0"/>
-          </a:p>
-        </p:txBody>
-      </p:sp>
-      <p:sp>
-        <p:nvSpPr>
-          <p:cNvPr id="4" name="Date Placeholder 3"/>
-          <p:cNvSpPr>
-            <a:spLocks noGrp="1"/>
-          </p:cNvSpPr>
-          <p:nvPr>
-            <p:ph type="dt" sz="half" idx="10"/>
-          </p:nvPr>
-        </p:nvSpPr>
-        <p:spPr/>
-        <p:txBody>
-          <a:bodyPr/>
-          <a:lstStyle/>
-          <a:p>
-            <a:fld id="{E18E99D8-5B8F-468C-BBE7-526BD68FE572}" type="datetime1">
-              <a:rPr lang="en-US" smtClean="0"/>
-              <a:t>10/25/2017</a:t>
-            </a:fld>
-            <a:endParaRPr lang="en-US"/>
-          </a:p>
-        </p:txBody>
-      </p:sp>
-      <p:sp>
-        <p:nvSpPr>
-          <p:cNvPr id="5" name="Slide Number Placeholder 4"/>
-          <p:cNvSpPr>
-            <a:spLocks noGrp="1"/>
-          </p:cNvSpPr>
-          <p:nvPr>
-            <p:ph type="sldNum" sz="quarter" idx="12"/>
-          </p:nvPr>
-        </p:nvSpPr>
-        <p:spPr/>
-        <p:txBody>
-          <a:bodyPr/>
-          <a:lstStyle/>
-          <a:p>
-            <a:fld id="{05869706-863E-4BD1-B682-3CD80F60367B}" type="slidenum">
-              <a:rPr lang="en-US" smtClean="0"/>
-              <a:t>15</a:t>
-            </a:fld>
-            <a:endParaRPr lang="en-US"/>
-          </a:p>
-        </p:txBody>
-      </p:sp>
-    </p:spTree>
-    <p:extLst>
-      <p:ext uri="{BB962C8B-B14F-4D97-AF65-F5344CB8AC3E}">
-        <p14:creationId xmlns:p14="http://schemas.microsoft.com/office/powerpoint/2010/main" val="269627525"/>
-      </p:ext>
-    </p:extLst>
-  </p:cSld>
-  <p:clrMapOvr>
-    <a:masterClrMapping/>
-  </p:clrMapOvr>
-  <p:timing>
-    <p:tnLst>
-      <p:par>
-        <p:cTn id="1" dur="indefinite" restart="never" nodeType="tmRoot"/>
-      </p:par>
-    </p:tnLst>
-  </p:timing>
-</p:sld>
-</file>
-
-<file path=ppt/slides/slide16.xml><?xml version="1.0" encoding="utf-8"?>
-<p:sld xmlns:a="http://schemas.openxmlformats.org/drawingml/2006/main" xmlns:r="http://schemas.openxmlformats.org/officeDocument/2006/relationships" xmlns:p="http://schemas.openxmlformats.org/presentationml/2006/main">
-  <p:cSld>
-    <p:spTree>
-      <p:nvGrpSpPr>
-        <p:cNvPr id="1" name=""/>
-        <p:cNvGrpSpPr/>
-        <p:nvPr/>
-      </p:nvGrpSpPr>
-      <p:grpSpPr>
-        <a:xfrm>
-          <a:off x="0" y="0"/>
-          <a:ext cx="0" cy="0"/>
-          <a:chOff x="0" y="0"/>
-          <a:chExt cx="0" cy="0"/>
-        </a:xfrm>
-      </p:grpSpPr>
-      <p:sp>
-        <p:nvSpPr>
-          <p:cNvPr id="2" name="Title 1"/>
-          <p:cNvSpPr>
-            <a:spLocks noGrp="1"/>
-          </p:cNvSpPr>
-          <p:nvPr>
-            <p:ph type="title"/>
-          </p:nvPr>
-        </p:nvSpPr>
-        <p:spPr/>
-        <p:txBody>
-          <a:bodyPr>
-            <a:normAutofit fontScale="90000"/>
-          </a:bodyPr>
-          <a:lstStyle/>
-          <a:p>
-            <a:r>
-              <a:rPr lang="en-US" dirty="0" smtClean="0"/>
-              <a:t>Your New Mission:</a:t>
-            </a:r>
-            <a:br>
-              <a:rPr lang="en-US" dirty="0" smtClean="0"/>
-            </a:br>
-            <a:r>
-              <a:rPr lang="en-US" dirty="0" smtClean="0"/>
-              <a:t>Automate Everything</a:t>
-            </a:r>
-            <a:endParaRPr lang="en-US" dirty="0"/>
-          </a:p>
-        </p:txBody>
-      </p:sp>
-      <p:sp>
-        <p:nvSpPr>
-          <p:cNvPr id="3" name="Content Placeholder 2"/>
-          <p:cNvSpPr>
-            <a:spLocks noGrp="1"/>
-          </p:cNvSpPr>
-          <p:nvPr>
-            <p:ph idx="1"/>
-          </p:nvPr>
-        </p:nvSpPr>
-        <p:spPr/>
-        <p:txBody>
-          <a:bodyPr>
-            <a:normAutofit lnSpcReduction="10000"/>
-          </a:bodyPr>
-          <a:lstStyle/>
-          <a:p>
-            <a:pPr marL="514350" indent="-514350">
-              <a:buFont typeface="+mj-lt"/>
-              <a:buAutoNum type="arabicPeriod"/>
-            </a:pPr>
-            <a:r>
-              <a:rPr lang="en-US" dirty="0" smtClean="0"/>
-              <a:t>Not just faster</a:t>
-            </a:r>
-          </a:p>
-          <a:p>
-            <a:pPr marL="514350" indent="-514350">
-              <a:buFont typeface="+mj-lt"/>
-              <a:buAutoNum type="arabicPeriod"/>
-            </a:pPr>
-            <a:r>
-              <a:rPr lang="en-US" dirty="0" smtClean="0"/>
-              <a:t>Find it, fix it, and prevent it everywhere</a:t>
-            </a:r>
-          </a:p>
-          <a:p>
-            <a:pPr marL="514350" indent="-514350">
-              <a:buFont typeface="+mj-lt"/>
-              <a:buAutoNum type="arabicPeriod"/>
-            </a:pPr>
-            <a:r>
-              <a:rPr lang="en-US" dirty="0" smtClean="0"/>
-              <a:t>Always check all databases</a:t>
-            </a:r>
-          </a:p>
-          <a:p>
-            <a:pPr marL="514350" indent="-514350">
-              <a:buFont typeface="+mj-lt"/>
-              <a:buAutoNum type="arabicPeriod"/>
-            </a:pPr>
-            <a:r>
-              <a:rPr lang="en-US" dirty="0" smtClean="0"/>
-              <a:t>Be proactive (preventive maintenance)</a:t>
-            </a:r>
-          </a:p>
-          <a:p>
-            <a:pPr marL="514350" indent="-514350">
-              <a:buFont typeface="+mj-lt"/>
-              <a:buAutoNum type="arabicPeriod"/>
-            </a:pPr>
-            <a:r>
-              <a:rPr lang="en-US" dirty="0" smtClean="0"/>
-              <a:t>Treat the whole data center as one database</a:t>
-            </a:r>
-          </a:p>
-          <a:p>
-            <a:pPr marL="514350" indent="-514350">
-              <a:buFont typeface="+mj-lt"/>
-              <a:buAutoNum type="arabicPeriod"/>
-            </a:pPr>
-            <a:r>
-              <a:rPr lang="en-US" dirty="0" smtClean="0"/>
-              <a:t>Run a query today to save time tomorrow</a:t>
-            </a:r>
-          </a:p>
-        </p:txBody>
-      </p:sp>
-      <p:sp>
-        <p:nvSpPr>
-          <p:cNvPr id="4" name="Date Placeholder 3"/>
-          <p:cNvSpPr>
-            <a:spLocks noGrp="1"/>
-          </p:cNvSpPr>
-          <p:nvPr>
-            <p:ph type="dt" sz="half" idx="10"/>
-          </p:nvPr>
-        </p:nvSpPr>
-        <p:spPr/>
-        <p:txBody>
-          <a:bodyPr/>
-          <a:lstStyle/>
-          <a:p>
-            <a:fld id="{4E667C21-B277-46CB-80E7-1C015420E7D1}" type="datetime1">
-              <a:rPr lang="en-US" smtClean="0"/>
-              <a:t>10/25/2017</a:t>
-            </a:fld>
-            <a:endParaRPr lang="en-US" dirty="0"/>
-          </a:p>
-        </p:txBody>
-      </p:sp>
-      <p:sp>
-        <p:nvSpPr>
-          <p:cNvPr id="5" name="Slide Number Placeholder 4"/>
-          <p:cNvSpPr>
-            <a:spLocks noGrp="1"/>
-          </p:cNvSpPr>
-          <p:nvPr>
-            <p:ph type="sldNum" sz="quarter" idx="12"/>
-          </p:nvPr>
-        </p:nvSpPr>
-        <p:spPr/>
-        <p:txBody>
-          <a:bodyPr/>
-          <a:lstStyle/>
-          <a:p>
-            <a:fld id="{05869706-863E-4BD1-B682-3CD80F60367B}" type="slidenum">
-              <a:rPr lang="en-US" smtClean="0"/>
-              <a:t>16</a:t>
-            </a:fld>
-            <a:endParaRPr lang="en-US"/>
-          </a:p>
-        </p:txBody>
-      </p:sp>
-    </p:spTree>
-    <p:extLst>
-      <p:ext uri="{BB962C8B-B14F-4D97-AF65-F5344CB8AC3E}">
-        <p14:creationId xmlns:p14="http://schemas.microsoft.com/office/powerpoint/2010/main" val="925545148"/>
       </p:ext>
     </p:extLst>
   </p:cSld>
@@ -7832,10 +10183,6 @@
               <a:rPr lang="en-US" dirty="0" smtClean="0"/>
               <a:t>Advanced features in a simple syntax:</a:t>
             </a:r>
-            <a:r>
-              <a:rPr lang="en-US" dirty="0" smtClean="0"/>
-              <a:t/>
-            </a:r>
             <a:br>
               <a:rPr lang="en-US" dirty="0" smtClean="0"/>
             </a:br>
@@ -7955,11 +10302,7 @@
             </a:pPr>
             <a:r>
               <a:rPr lang="en-US" dirty="0" smtClean="0"/>
-              <a:t>Complements </a:t>
-            </a:r>
-            <a:r>
-              <a:rPr lang="en-US" dirty="0" smtClean="0"/>
-              <a:t>existing automation tools</a:t>
+              <a:t>Complements existing automation tools</a:t>
             </a:r>
           </a:p>
           <a:p>
@@ -8025,7 +10368,7 @@
           <a:p>
             <a:fld id="{04FA3B08-0866-4F48-BECB-8AEAA49887FE}" type="datetime1">
               <a:rPr lang="en-US" smtClean="0"/>
-              <a:t>10/25/2017</a:t>
+              <a:t>10/28/2017</a:t>
             </a:fld>
             <a:endParaRPr lang="en-US"/>
           </a:p>
@@ -8058,6 +10401,410 @@
     <p:extLst>
       <p:ext uri="{BB962C8B-B14F-4D97-AF65-F5344CB8AC3E}">
         <p14:creationId xmlns:p14="http://schemas.microsoft.com/office/powerpoint/2010/main" val="2285572796"/>
+      </p:ext>
+    </p:extLst>
+  </p:cSld>
+  <p:clrMapOvr>
+    <a:masterClrMapping/>
+  </p:clrMapOvr>
+  <p:timing>
+    <p:tnLst>
+      <p:par>
+        <p:cTn id="1" dur="indefinite" restart="never" nodeType="tmRoot"/>
+      </p:par>
+    </p:tnLst>
+  </p:timing>
+</p:sld>
+</file>
+
+<file path=ppt/slides/slide20.xml><?xml version="1.0" encoding="utf-8"?>
+<p:sld xmlns:a="http://schemas.openxmlformats.org/drawingml/2006/main" xmlns:r="http://schemas.openxmlformats.org/officeDocument/2006/relationships" xmlns:p="http://schemas.openxmlformats.org/presentationml/2006/main">
+  <p:cSld>
+    <p:spTree>
+      <p:nvGrpSpPr>
+        <p:cNvPr id="1" name=""/>
+        <p:cNvGrpSpPr/>
+        <p:nvPr/>
+      </p:nvGrpSpPr>
+      <p:grpSpPr>
+        <a:xfrm>
+          <a:off x="0" y="0"/>
+          <a:ext cx="0" cy="0"/>
+          <a:chOff x="0" y="0"/>
+          <a:chExt cx="0" cy="0"/>
+        </a:xfrm>
+      </p:grpSpPr>
+      <p:sp>
+        <p:nvSpPr>
+          <p:cNvPr id="2" name="Title 1"/>
+          <p:cNvSpPr>
+            <a:spLocks noGrp="1"/>
+          </p:cNvSpPr>
+          <p:nvPr>
+            <p:ph type="title"/>
+          </p:nvPr>
+        </p:nvSpPr>
+        <p:spPr/>
+        <p:txBody>
+          <a:bodyPr/>
+          <a:lstStyle/>
+          <a:p>
+            <a:r>
+              <a:rPr lang="en-US" dirty="0" smtClean="0"/>
+              <a:t>More Information</a:t>
+            </a:r>
+            <a:endParaRPr lang="en-US" dirty="0"/>
+          </a:p>
+        </p:txBody>
+      </p:sp>
+      <p:sp>
+        <p:nvSpPr>
+          <p:cNvPr id="3" name="Content Placeholder 2"/>
+          <p:cNvSpPr>
+            <a:spLocks noGrp="1"/>
+          </p:cNvSpPr>
+          <p:nvPr>
+            <p:ph idx="1"/>
+          </p:nvPr>
+        </p:nvSpPr>
+        <p:spPr/>
+        <p:txBody>
+          <a:bodyPr>
+            <a:normAutofit fontScale="92500" lnSpcReduction="10000"/>
+          </a:bodyPr>
+          <a:lstStyle/>
+          <a:p>
+            <a:pPr marL="514350" indent="-514350">
+              <a:buFont typeface="+mj-lt"/>
+              <a:buAutoNum type="arabicPeriod"/>
+            </a:pPr>
+            <a:r>
+              <a:rPr lang="en-US" dirty="0" smtClean="0">
+                <a:hlinkClick r:id="rId3"/>
+              </a:rPr>
+              <a:t>https://method5.github.io</a:t>
+            </a:r>
+            <a:endParaRPr lang="en-US" dirty="0" smtClean="0"/>
+          </a:p>
+          <a:p>
+            <a:pPr marL="514350" indent="-514350">
+              <a:buFont typeface="+mj-lt"/>
+              <a:buAutoNum type="arabicPeriod"/>
+            </a:pPr>
+            <a:r>
+              <a:rPr lang="en-US" dirty="0" smtClean="0"/>
+              <a:t>Download code, user guide, examples, roadmap, and more</a:t>
+            </a:r>
+          </a:p>
+          <a:p>
+            <a:pPr marL="514350" indent="-514350">
+              <a:buFont typeface="+mj-lt"/>
+              <a:buAutoNum type="arabicPeriod"/>
+            </a:pPr>
+            <a:r>
+              <a:rPr lang="en-US" dirty="0" smtClean="0"/>
+              <a:t>Email Jon Heller: </a:t>
+            </a:r>
+            <a:r>
+              <a:rPr lang="en-US" dirty="0" smtClean="0">
+                <a:hlinkClick r:id="rId4"/>
+              </a:rPr>
+              <a:t>hjon@ventechsolutions.com</a:t>
+            </a:r>
+            <a:r>
+              <a:rPr lang="en-US" dirty="0"/>
+              <a:t> </a:t>
+            </a:r>
+            <a:r>
+              <a:rPr lang="en-US" dirty="0" smtClean="0"/>
+              <a:t>or</a:t>
+            </a:r>
+            <a:br>
+              <a:rPr lang="en-US" dirty="0" smtClean="0"/>
+            </a:br>
+            <a:r>
+              <a:rPr lang="en-US" dirty="0" smtClean="0">
+                <a:hlinkClick r:id="rId5"/>
+              </a:rPr>
+              <a:t>jon@jonheller.org</a:t>
+            </a:r>
+            <a:endParaRPr lang="en-US" dirty="0" smtClean="0"/>
+          </a:p>
+          <a:p>
+            <a:pPr marL="514350" indent="-514350">
+              <a:buFont typeface="+mj-lt"/>
+              <a:buAutoNum type="arabicPeriod"/>
+            </a:pPr>
+            <a:r>
+              <a:rPr lang="en-US" dirty="0" smtClean="0"/>
+              <a:t>Create an issue on the </a:t>
+            </a:r>
+            <a:r>
+              <a:rPr lang="en-US" dirty="0"/>
+              <a:t>GitHub repository:</a:t>
+            </a:r>
+            <a:br>
+              <a:rPr lang="en-US" dirty="0"/>
+            </a:br>
+            <a:r>
+              <a:rPr lang="en-US" dirty="0">
+                <a:hlinkClick r:id="rId6"/>
+              </a:rPr>
+              <a:t>https://</a:t>
+            </a:r>
+            <a:r>
+              <a:rPr lang="en-US" dirty="0" smtClean="0">
+                <a:hlinkClick r:id="rId6"/>
+              </a:rPr>
+              <a:t>github.com/method5/method5</a:t>
+            </a:r>
+            <a:endParaRPr lang="en-US" dirty="0" smtClean="0"/>
+          </a:p>
+        </p:txBody>
+      </p:sp>
+      <p:sp>
+        <p:nvSpPr>
+          <p:cNvPr id="4" name="Date Placeholder 3"/>
+          <p:cNvSpPr>
+            <a:spLocks noGrp="1"/>
+          </p:cNvSpPr>
+          <p:nvPr>
+            <p:ph type="dt" sz="half" idx="10"/>
+          </p:nvPr>
+        </p:nvSpPr>
+        <p:spPr/>
+        <p:txBody>
+          <a:bodyPr/>
+          <a:lstStyle/>
+          <a:p>
+            <a:fld id="{E18E99D8-5B8F-468C-BBE7-526BD68FE572}" type="datetime1">
+              <a:rPr lang="en-US" smtClean="0"/>
+              <a:t>10/28/2017</a:t>
+            </a:fld>
+            <a:endParaRPr lang="en-US"/>
+          </a:p>
+        </p:txBody>
+      </p:sp>
+      <p:sp>
+        <p:nvSpPr>
+          <p:cNvPr id="5" name="Slide Number Placeholder 4"/>
+          <p:cNvSpPr>
+            <a:spLocks noGrp="1"/>
+          </p:cNvSpPr>
+          <p:nvPr>
+            <p:ph type="sldNum" sz="quarter" idx="12"/>
+          </p:nvPr>
+        </p:nvSpPr>
+        <p:spPr/>
+        <p:txBody>
+          <a:bodyPr/>
+          <a:lstStyle/>
+          <a:p>
+            <a:fld id="{05869706-863E-4BD1-B682-3CD80F60367B}" type="slidenum">
+              <a:rPr lang="en-US" smtClean="0"/>
+              <a:t>20</a:t>
+            </a:fld>
+            <a:endParaRPr lang="en-US"/>
+          </a:p>
+        </p:txBody>
+      </p:sp>
+    </p:spTree>
+    <p:extLst>
+      <p:ext uri="{BB962C8B-B14F-4D97-AF65-F5344CB8AC3E}">
+        <p14:creationId xmlns:p14="http://schemas.microsoft.com/office/powerpoint/2010/main" val="269627525"/>
+      </p:ext>
+    </p:extLst>
+  </p:cSld>
+  <p:clrMapOvr>
+    <a:masterClrMapping/>
+  </p:clrMapOvr>
+  <p:timing>
+    <p:tnLst>
+      <p:par>
+        <p:cTn id="1" dur="indefinite" restart="never" nodeType="tmRoot"/>
+      </p:par>
+    </p:tnLst>
+  </p:timing>
+</p:sld>
+</file>
+
+<file path=ppt/slides/slide21.xml><?xml version="1.0" encoding="utf-8"?>
+<p:sld xmlns:a="http://schemas.openxmlformats.org/drawingml/2006/main" xmlns:r="http://schemas.openxmlformats.org/officeDocument/2006/relationships" xmlns:p="http://schemas.openxmlformats.org/presentationml/2006/main">
+  <p:cSld>
+    <p:spTree>
+      <p:nvGrpSpPr>
+        <p:cNvPr id="1" name=""/>
+        <p:cNvGrpSpPr/>
+        <p:nvPr/>
+      </p:nvGrpSpPr>
+      <p:grpSpPr>
+        <a:xfrm>
+          <a:off x="0" y="0"/>
+          <a:ext cx="0" cy="0"/>
+          <a:chOff x="0" y="0"/>
+          <a:chExt cx="0" cy="0"/>
+        </a:xfrm>
+      </p:grpSpPr>
+      <p:sp>
+        <p:nvSpPr>
+          <p:cNvPr id="2" name="Title 1"/>
+          <p:cNvSpPr>
+            <a:spLocks noGrp="1"/>
+          </p:cNvSpPr>
+          <p:nvPr>
+            <p:ph type="title"/>
+          </p:nvPr>
+        </p:nvSpPr>
+        <p:spPr/>
+        <p:txBody>
+          <a:bodyPr>
+            <a:normAutofit fontScale="90000"/>
+          </a:bodyPr>
+          <a:lstStyle/>
+          <a:p>
+            <a:r>
+              <a:rPr lang="en-US" dirty="0" smtClean="0"/>
+              <a:t>Your New Mission:</a:t>
+            </a:r>
+            <a:br>
+              <a:rPr lang="en-US" dirty="0" smtClean="0"/>
+            </a:br>
+            <a:r>
+              <a:rPr lang="en-US" dirty="0" smtClean="0"/>
+              <a:t>Automate Everything</a:t>
+            </a:r>
+            <a:endParaRPr lang="en-US" dirty="0"/>
+          </a:p>
+        </p:txBody>
+      </p:sp>
+      <p:sp>
+        <p:nvSpPr>
+          <p:cNvPr id="3" name="Content Placeholder 2"/>
+          <p:cNvSpPr>
+            <a:spLocks noGrp="1"/>
+          </p:cNvSpPr>
+          <p:nvPr>
+            <p:ph idx="1"/>
+          </p:nvPr>
+        </p:nvSpPr>
+        <p:spPr/>
+        <p:txBody>
+          <a:bodyPr>
+            <a:normAutofit lnSpcReduction="10000"/>
+          </a:bodyPr>
+          <a:lstStyle/>
+          <a:p>
+            <a:pPr marL="514350" indent="-514350">
+              <a:buFont typeface="+mj-lt"/>
+              <a:buAutoNum type="arabicPeriod"/>
+            </a:pPr>
+            <a:r>
+              <a:rPr lang="en-US" dirty="0" smtClean="0"/>
+              <a:t>Not just faster</a:t>
+            </a:r>
+          </a:p>
+          <a:p>
+            <a:pPr marL="514350" indent="-514350">
+              <a:buFont typeface="+mj-lt"/>
+              <a:buAutoNum type="arabicPeriod"/>
+            </a:pPr>
+            <a:r>
+              <a:rPr lang="en-US" dirty="0" smtClean="0"/>
+              <a:t>Find it, fix it, and prevent it everywhere</a:t>
+            </a:r>
+          </a:p>
+          <a:p>
+            <a:pPr marL="514350" indent="-514350">
+              <a:buFont typeface="+mj-lt"/>
+              <a:buAutoNum type="arabicPeriod"/>
+            </a:pPr>
+            <a:r>
+              <a:rPr lang="en-US" dirty="0" smtClean="0"/>
+              <a:t>Always check all databases</a:t>
+            </a:r>
+          </a:p>
+          <a:p>
+            <a:pPr marL="514350" indent="-514350">
+              <a:buFont typeface="+mj-lt"/>
+              <a:buAutoNum type="arabicPeriod"/>
+            </a:pPr>
+            <a:r>
+              <a:rPr lang="en-US" dirty="0" smtClean="0"/>
+              <a:t>Be proactive (preventive maintenance)</a:t>
+            </a:r>
+          </a:p>
+          <a:p>
+            <a:pPr marL="514350" indent="-514350">
+              <a:buFont typeface="+mj-lt"/>
+              <a:buAutoNum type="arabicPeriod"/>
+            </a:pPr>
+            <a:r>
+              <a:rPr lang="en-US" dirty="0" smtClean="0"/>
+              <a:t>Treat the whole data center as one database</a:t>
+            </a:r>
+          </a:p>
+          <a:p>
+            <a:pPr marL="514350" indent="-514350">
+              <a:buFont typeface="+mj-lt"/>
+              <a:buAutoNum type="arabicPeriod"/>
+            </a:pPr>
+            <a:r>
+              <a:rPr lang="en-US" dirty="0" smtClean="0"/>
+              <a:t>Run a query today to save time tomorrow</a:t>
+            </a:r>
+          </a:p>
+        </p:txBody>
+      </p:sp>
+      <p:sp>
+        <p:nvSpPr>
+          <p:cNvPr id="4" name="Date Placeholder 3"/>
+          <p:cNvSpPr>
+            <a:spLocks noGrp="1"/>
+          </p:cNvSpPr>
+          <p:nvPr>
+            <p:ph type="dt" sz="half" idx="10"/>
+          </p:nvPr>
+        </p:nvSpPr>
+        <p:spPr/>
+        <p:txBody>
+          <a:bodyPr/>
+          <a:lstStyle/>
+          <a:p>
+            <a:fld id="{4E667C21-B277-46CB-80E7-1C015420E7D1}" type="datetime1">
+              <a:rPr lang="en-US" smtClean="0"/>
+              <a:t>10/28/2017</a:t>
+            </a:fld>
+            <a:endParaRPr lang="en-US" dirty="0"/>
+          </a:p>
+        </p:txBody>
+      </p:sp>
+      <p:sp>
+        <p:nvSpPr>
+          <p:cNvPr id="5" name="Slide Number Placeholder 4"/>
+          <p:cNvSpPr>
+            <a:spLocks noGrp="1"/>
+          </p:cNvSpPr>
+          <p:nvPr>
+            <p:ph type="sldNum" sz="quarter" idx="12"/>
+          </p:nvPr>
+        </p:nvSpPr>
+        <p:spPr/>
+        <p:txBody>
+          <a:bodyPr/>
+          <a:lstStyle/>
+          <a:p>
+            <a:fld id="{05869706-863E-4BD1-B682-3CD80F60367B}" type="slidenum">
+              <a:rPr lang="en-US" smtClean="0"/>
+              <a:t>21</a:t>
+            </a:fld>
+            <a:endParaRPr lang="en-US"/>
+          </a:p>
+        </p:txBody>
+      </p:sp>
+    </p:spTree>
+    <p:extLst>
+      <p:ext uri="{BB962C8B-B14F-4D97-AF65-F5344CB8AC3E}">
+        <p14:creationId xmlns:p14="http://schemas.microsoft.com/office/powerpoint/2010/main" val="925545148"/>
       </p:ext>
     </p:extLst>
   </p:cSld>
@@ -8163,11 +10910,7 @@
             </a:pPr>
             <a:r>
               <a:rPr lang="en-US" sz="2800" dirty="0" smtClean="0"/>
-              <a:t>Stack Overflow </a:t>
-            </a:r>
-            <a:r>
-              <a:rPr lang="en-US" sz="2800" dirty="0" smtClean="0"/>
-              <a:t>top user in Oracle and PL/SQL</a:t>
+              <a:t>Stack Overflow top user in Oracle and PL/SQL</a:t>
             </a:r>
           </a:p>
           <a:p>
@@ -8232,7 +10975,7 @@
           <a:p>
             <a:fld id="{E0B1ECC0-3D31-49BF-9732-FEB21E3BFE0B}" type="datetime1">
               <a:rPr lang="en-US" smtClean="0"/>
-              <a:t>10/25/2017</a:t>
+              <a:t>10/28/2017</a:t>
             </a:fld>
             <a:endParaRPr lang="en-US"/>
           </a:p>
@@ -8609,7 +11352,7 @@
           <a:p>
             <a:fld id="{59A89C50-A88C-43DA-A017-AA6F35F0B0C8}" type="datetime1">
               <a:rPr lang="en-US" smtClean="0"/>
-              <a:t>10/25/2017</a:t>
+              <a:t>10/28/2017</a:t>
             </a:fld>
             <a:endParaRPr lang="en-US"/>
           </a:p>
@@ -8746,7 +11489,7 @@
           <a:p>
             <a:fld id="{AA1E44A8-32B0-4E5A-A6DF-07DB1E700CAE}" type="datetime1">
               <a:rPr lang="en-US" smtClean="0"/>
-              <a:t>10/25/2017</a:t>
+              <a:t>10/28/2017</a:t>
             </a:fld>
             <a:endParaRPr lang="en-US"/>
           </a:p>
@@ -9555,7 +12298,7 @@
           <a:p>
             <a:fld id="{1AF7749E-7951-4D42-9C43-2FC8E80375B1}" type="datetime1">
               <a:rPr lang="en-US" smtClean="0"/>
-              <a:t>10/25/2017</a:t>
+              <a:t>10/28/2017</a:t>
             </a:fld>
             <a:endParaRPr lang="en-US"/>
           </a:p>
@@ -9739,7 +12482,7 @@
           <a:p>
             <a:fld id="{60D7856B-577C-489D-A2A8-2F221F81FEFA}" type="datetime1">
               <a:rPr lang="en-US" smtClean="0"/>
-              <a:t>10/25/2017</a:t>
+              <a:t>10/28/2017</a:t>
             </a:fld>
             <a:endParaRPr lang="en-US"/>
           </a:p>
@@ -9930,11 +12673,35 @@
                 </a:highlight>
                 <a:latin typeface="Courier New"/>
               </a:rPr>
-              <a:t>(m5</a:t>
+              <a:t>(m5(</a:t>
+            </a:r>
+            <a:r>
+              <a:rPr lang="en-US" sz="5000" b="1" dirty="0" smtClean="0">
+                <a:solidFill>
+                  <a:srgbClr val="0000FF"/>
+                </a:solidFill>
+                <a:highlight>
+                  <a:srgbClr val="FFFFFF"/>
+                </a:highlight>
+                <a:latin typeface="Courier New"/>
+              </a:rPr>
+              <a:t>'select </a:t>
             </a:r>
             <a:r>
               <a:rPr lang="en-US" sz="5000" b="1" dirty="0">
                 <a:solidFill>
+                  <a:srgbClr val="0000FF"/>
+                </a:solidFill>
+                <a:highlight>
+                  <a:srgbClr val="FFFFFF"/>
+                </a:highlight>
+                <a:latin typeface="Courier New"/>
+              </a:rPr>
+              <a:t>* from dual'</a:t>
+            </a:r>
+            <a:r>
+              <a:rPr lang="en-US" sz="5000" b="1" dirty="0">
+                <a:solidFill>
                   <a:srgbClr val="000080"/>
                 </a:solidFill>
                 <a:highlight>
@@ -9942,7 +12709,7 @@
                 </a:highlight>
                 <a:latin typeface="Courier New"/>
               </a:rPr>
-              <a:t>(</a:t>
+              <a:t>, </a:t>
             </a:r>
             <a:r>
               <a:rPr lang="en-US" sz="5000" b="1" dirty="0">
@@ -9954,22 +12721,10 @@
                 </a:highlight>
                 <a:latin typeface="Courier New"/>
               </a:rPr>
-              <a:t>'select * from dual'</a:t>
-            </a:r>
-            <a:r>
-              <a:rPr lang="en-US" sz="5000" b="1" dirty="0">
-                <a:solidFill>
-                  <a:srgbClr val="000080"/>
-                </a:solidFill>
-                <a:highlight>
-                  <a:srgbClr val="FFFFFF"/>
-                </a:highlight>
-                <a:latin typeface="Courier New"/>
-              </a:rPr>
-              <a:t>, </a:t>
-            </a:r>
-            <a:r>
-              <a:rPr lang="en-US" sz="5000" b="1" dirty="0">
+              <a:t>'</a:t>
+            </a:r>
+            <a:r>
+              <a:rPr lang="en-US" sz="5000" b="1" dirty="0" err="1">
                 <a:solidFill>
                   <a:srgbClr val="0000FF"/>
                 </a:solidFill>
@@ -9978,55 +12733,19 @@
                 </a:highlight>
                 <a:latin typeface="Courier New"/>
               </a:rPr>
+              <a:t>dev,qa</a:t>
+            </a:r>
+            <a:r>
+              <a:rPr lang="en-US" sz="5000" b="1" dirty="0" smtClean="0">
+                <a:solidFill>
+                  <a:srgbClr val="0000FF"/>
+                </a:solidFill>
+                <a:highlight>
+                  <a:srgbClr val="FFFFFF"/>
+                </a:highlight>
+                <a:latin typeface="Courier New"/>
+              </a:rPr>
               <a:t>'</a:t>
-            </a:r>
-            <a:r>
-              <a:rPr lang="en-US" sz="5000" b="1" dirty="0" err="1">
-                <a:solidFill>
-                  <a:srgbClr val="0000FF"/>
-                </a:solidFill>
-                <a:highlight>
-                  <a:srgbClr val="FFFFFF"/>
-                </a:highlight>
-                <a:latin typeface="Courier New"/>
-              </a:rPr>
-              <a:t>dev,qa</a:t>
-            </a:r>
-            <a:r>
-              <a:rPr lang="en-US" sz="5000" b="1" dirty="0" smtClean="0">
-                <a:solidFill>
-                  <a:srgbClr val="0000FF"/>
-                </a:solidFill>
-                <a:highlight>
-                  <a:srgbClr val="FFFFFF"/>
-                </a:highlight>
-                <a:latin typeface="Courier New"/>
-              </a:rPr>
-              <a:t>'</a:t>
-            </a:r>
-            <a:r>
-              <a:rPr lang="en-US" sz="5000" b="1" dirty="0">
-                <a:solidFill>
-                  <a:srgbClr val="000080"/>
-                </a:solidFill>
-                <a:highlight>
-                  <a:srgbClr val="FFFFFF"/>
-                </a:highlight>
-                <a:latin typeface="Courier New"/>
-              </a:rPr>
-              <a:t>, </a:t>
-            </a:r>
-            <a:r>
-              <a:rPr lang="en-US" sz="5000" b="1" dirty="0" smtClean="0">
-                <a:solidFill>
-                  <a:srgbClr val="0000FF"/>
-                </a:solidFill>
-                <a:highlight>
-                  <a:srgbClr val="FFFFFF"/>
-                </a:highlight>
-                <a:latin typeface="Courier New"/>
-              </a:rPr>
-              <a:t>'yes'</a:t>
             </a:r>
             <a:r>
               <a:rPr lang="en-US" sz="5000" b="1" dirty="0" smtClean="0">
@@ -10180,23 +12899,11 @@
                 </a:highlight>
                 <a:latin typeface="Courier New"/>
               </a:rPr>
-              <a:t> </a:t>
+              <a:t>                =&gt; </a:t>
             </a:r>
             <a:r>
               <a:rPr lang="en-US" sz="4000" b="1" dirty="0" smtClean="0">
                 <a:solidFill>
-                  <a:srgbClr val="000080"/>
-                </a:solidFill>
-                <a:highlight>
-                  <a:srgbClr val="FFFFFF"/>
-                </a:highlight>
-                <a:latin typeface="Courier New"/>
-              </a:rPr>
-              <a:t>               =&gt; </a:t>
-            </a:r>
-            <a:r>
-              <a:rPr lang="en-US" sz="4000" b="1" dirty="0" smtClean="0">
-                <a:solidFill>
                   <a:srgbClr val="0000FF"/>
                 </a:solidFill>
                 <a:highlight>
@@ -10204,31 +12911,7 @@
                 </a:highlight>
                 <a:latin typeface="Courier New"/>
               </a:rPr>
-              <a:t>'select </a:t>
-            </a:r>
-            <a:r>
-              <a:rPr lang="en-US" sz="4000" b="1" dirty="0">
-                <a:solidFill>
-                  <a:srgbClr val="0000FF"/>
-                </a:solidFill>
-                <a:highlight>
-                  <a:srgbClr val="FFFFFF"/>
-                </a:highlight>
-                <a:latin typeface="Courier New"/>
-              </a:rPr>
-              <a:t>* from </a:t>
-            </a:r>
-            <a:r>
-              <a:rPr lang="en-US" sz="4000" b="1" dirty="0" smtClean="0">
-                <a:solidFill>
-                  <a:srgbClr val="0000FF"/>
-                </a:solidFill>
-                <a:highlight>
-                  <a:srgbClr val="FFFFFF"/>
-                </a:highlight>
-                <a:latin typeface="Courier New"/>
-              </a:rPr>
-              <a:t>dual'</a:t>
+              <a:t>'begin null; end;'</a:t>
             </a:r>
             <a:r>
               <a:rPr lang="en-US" sz="4000" b="1" dirty="0" smtClean="0">
@@ -10290,19 +12973,7 @@
                 </a:highlight>
                 <a:latin typeface="Courier New"/>
               </a:rPr>
-              <a:t> </a:t>
-            </a:r>
-            <a:r>
-              <a:rPr lang="en-US" sz="4000" b="1" dirty="0" smtClean="0">
-                <a:solidFill>
-                  <a:srgbClr val="000080"/>
-                </a:solidFill>
-                <a:highlight>
-                  <a:srgbClr val="FFFFFF"/>
-                </a:highlight>
-                <a:latin typeface="Courier New"/>
-              </a:rPr>
-              <a:t>            =&gt; </a:t>
+              <a:t>             =&gt; </a:t>
             </a:r>
             <a:r>
               <a:rPr lang="en-US" sz="4000" b="1" dirty="0" smtClean="0">
@@ -10370,8 +13041,80 @@
               <a:t>    </a:t>
             </a:r>
             <a:r>
+              <a:rPr lang="en-US" sz="4000" b="1" dirty="0" err="1" smtClean="0">
+                <a:solidFill>
+                  <a:srgbClr val="000080"/>
+                </a:solidFill>
+                <a:highlight>
+                  <a:srgbClr val="FFFFFF"/>
+                </a:highlight>
+                <a:latin typeface="Courier New"/>
+              </a:rPr>
+              <a:t>p_table_name</a:t>
+            </a:r>
+            <a:r>
+              <a:rPr lang="en-US" sz="4000" b="1" dirty="0" smtClean="0">
+                <a:solidFill>
+                  <a:srgbClr val="000080"/>
+                </a:solidFill>
+                <a:highlight>
+                  <a:srgbClr val="FFFFFF"/>
+                </a:highlight>
+                <a:latin typeface="Courier New"/>
+              </a:rPr>
+              <a:t>          </a:t>
+            </a:r>
+            <a:r>
+              <a:rPr lang="en-US" sz="4000" b="1" dirty="0" smtClean="0">
+                <a:solidFill>
+                  <a:srgbClr val="000080"/>
+                </a:solidFill>
+                <a:highlight>
+                  <a:srgbClr val="FFFFFF"/>
+                </a:highlight>
+                <a:latin typeface="Courier New"/>
+              </a:rPr>
+              <a:t>=&gt; </a:t>
+            </a:r>
+            <a:r>
+              <a:rPr lang="en-US" sz="4000" b="1" dirty="0">
+                <a:solidFill>
+                  <a:srgbClr val="0000FF"/>
+                </a:solidFill>
+                <a:highlight>
+                  <a:srgbClr val="FFFFFF"/>
+                </a:highlight>
+                <a:latin typeface="Courier New"/>
+              </a:rPr>
+              <a:t>'</a:t>
+            </a:r>
+            <a:r>
               <a:rPr lang="en-US" sz="4000" b="1" dirty="0" err="1">
                 <a:solidFill>
+                  <a:srgbClr val="0000FF"/>
+                </a:solidFill>
+                <a:highlight>
+                  <a:srgbClr val="FFFFFF"/>
+                </a:highlight>
+                <a:latin typeface="Courier New"/>
+              </a:rPr>
+              <a:t>test_data</a:t>
+            </a:r>
+            <a:r>
+              <a:rPr lang="en-US" sz="4000" b="1" dirty="0">
+                <a:solidFill>
+                  <a:srgbClr val="0000FF"/>
+                </a:solidFill>
+                <a:highlight>
+                  <a:srgbClr val="FFFFFF"/>
+                </a:highlight>
+                <a:latin typeface="Courier New"/>
+              </a:rPr>
+              <a:t>'</a:t>
+            </a:r>
+            <a:r>
+              <a:rPr lang="en-US" sz="4000" b="1" dirty="0">
+                <a:solidFill>
                   <a:srgbClr val="000080"/>
                 </a:solidFill>
                 <a:highlight>
@@ -10379,43 +13122,7 @@
                 </a:highlight>
                 <a:latin typeface="Courier New"/>
               </a:rPr>
-              <a:t>p_run_as_sys</a:t>
-            </a:r>
-            <a:r>
-              <a:rPr lang="en-US" sz="4000" b="1" dirty="0">
-                <a:solidFill>
-                  <a:srgbClr val="000080"/>
-                </a:solidFill>
-                <a:highlight>
-                  <a:srgbClr val="FFFFFF"/>
-                </a:highlight>
-                <a:latin typeface="Courier New"/>
-              </a:rPr>
-              <a:t> </a:t>
-            </a:r>
-            <a:r>
-              <a:rPr lang="en-US" sz="4000" b="1" dirty="0" smtClean="0">
-                <a:solidFill>
-                  <a:srgbClr val="000080"/>
-                </a:solidFill>
-                <a:highlight>
-                  <a:srgbClr val="FFFFFF"/>
-                </a:highlight>
-                <a:latin typeface="Courier New"/>
-              </a:rPr>
-              <a:t>         =&gt; </a:t>
-            </a:r>
-            <a:r>
-              <a:rPr lang="en-US" sz="4000" b="1" dirty="0" smtClean="0">
-                <a:solidFill>
-                  <a:srgbClr val="008080"/>
-                </a:solidFill>
-                <a:highlight>
-                  <a:srgbClr val="FFFFFF"/>
-                </a:highlight>
-                <a:latin typeface="Courier New"/>
-              </a:rPr>
-              <a:t>false</a:t>
+              <a:t>,</a:t>
             </a:r>
           </a:p>
           <a:p>
@@ -10444,7 +13151,7 @@
                 </a:highlight>
                 <a:latin typeface="Courier New"/>
               </a:rPr>
-              <a:t>p_table_name</a:t>
+              <a:t>p_table_exists_action</a:t>
             </a:r>
             <a:r>
               <a:rPr lang="en-US" sz="4000" b="1" dirty="0" smtClean="0">
@@ -10459,7 +13166,7 @@
               <a:t> </a:t>
             </a:r>
             <a:r>
-              <a:rPr lang="en-US" sz="4000" b="1" dirty="0" smtClean="0">
+              <a:rPr lang="en-US" sz="4000" b="1" dirty="0">
                 <a:solidFill>
                   <a:srgbClr val="000080"/>
                 </a:solidFill>
@@ -10468,7 +13175,7 @@
                 </a:highlight>
                 <a:latin typeface="Courier New"/>
               </a:rPr>
-              <a:t>         =&gt; </a:t>
+              <a:t>=&gt; </a:t>
             </a:r>
             <a:r>
               <a:rPr lang="en-US" sz="4000" b="1" dirty="0">
@@ -10480,31 +13187,7 @@
                 </a:highlight>
                 <a:latin typeface="Courier New"/>
               </a:rPr>
-              <a:t>'</a:t>
-            </a:r>
-            <a:r>
-              <a:rPr lang="en-US" sz="4000" b="1" dirty="0" err="1">
-                <a:solidFill>
-                  <a:srgbClr val="0000FF"/>
-                </a:solidFill>
-                <a:highlight>
-                  <a:srgbClr val="FFFFFF"/>
-                </a:highlight>
-                <a:latin typeface="Courier New"/>
-              </a:rPr>
-              <a:t>test_data</a:t>
-            </a:r>
-            <a:r>
-              <a:rPr lang="en-US" sz="4000" b="1" dirty="0">
-                <a:solidFill>
-                  <a:srgbClr val="0000FF"/>
-                </a:solidFill>
-                <a:highlight>
-                  <a:srgbClr val="FFFFFF"/>
-                </a:highlight>
-                <a:latin typeface="Courier New"/>
-              </a:rPr>
-              <a:t>'</a:t>
+              <a:t>'drop'</a:t>
             </a:r>
             <a:r>
               <a:rPr lang="en-US" sz="4000" b="1" dirty="0">
@@ -10545,7 +13228,7 @@
                 </a:highlight>
                 <a:latin typeface="Courier New"/>
               </a:rPr>
-              <a:t>p_table_exists_action</a:t>
+              <a:t>p_asynchronous</a:t>
             </a:r>
             <a:r>
               <a:rPr lang="en-US" sz="4000" b="1" dirty="0" smtClean="0">
@@ -10557,96 +13240,7 @@
                 </a:highlight>
                 <a:latin typeface="Courier New"/>
               </a:rPr>
-              <a:t> </a:t>
-            </a:r>
-            <a:r>
-              <a:rPr lang="en-US" sz="4000" b="1" dirty="0">
-                <a:solidFill>
-                  <a:srgbClr val="000080"/>
-                </a:solidFill>
-                <a:highlight>
-                  <a:srgbClr val="FFFFFF"/>
-                </a:highlight>
-                <a:latin typeface="Courier New"/>
-              </a:rPr>
-              <a:t>=&gt; </a:t>
-            </a:r>
-            <a:r>
-              <a:rPr lang="en-US" sz="4000" b="1" dirty="0">
-                <a:solidFill>
-                  <a:srgbClr val="0000FF"/>
-                </a:solidFill>
-                <a:highlight>
-                  <a:srgbClr val="FFFFFF"/>
-                </a:highlight>
-                <a:latin typeface="Courier New"/>
-              </a:rPr>
-              <a:t>'drop'</a:t>
-            </a:r>
-            <a:r>
-              <a:rPr lang="en-US" sz="4000" b="1" dirty="0">
-                <a:solidFill>
-                  <a:srgbClr val="000080"/>
-                </a:solidFill>
-                <a:highlight>
-                  <a:srgbClr val="FFFFFF"/>
-                </a:highlight>
-                <a:latin typeface="Courier New"/>
-              </a:rPr>
-              <a:t>,</a:t>
-            </a:r>
-          </a:p>
-          <a:p>
-            <a:pPr marL="0" indent="0">
-              <a:buNone/>
-            </a:pPr>
-            <a:r>
-              <a:rPr lang="en-US" sz="4000" b="1" dirty="0" smtClean="0">
-                <a:solidFill>
-                  <a:srgbClr val="000080"/>
-                </a:solidFill>
-                <a:highlight>
-                  <a:srgbClr val="FFFFFF"/>
-                </a:highlight>
-                <a:latin typeface="Courier New"/>
-              </a:rPr>
-              <a:t>    </a:t>
-            </a:r>
-            <a:r>
-              <a:rPr lang="en-US" sz="4000" b="1" dirty="0" err="1" smtClean="0">
-                <a:solidFill>
-                  <a:srgbClr val="000080"/>
-                </a:solidFill>
-                <a:highlight>
-                  <a:srgbClr val="FFFFFF"/>
-                </a:highlight>
-                <a:latin typeface="Courier New"/>
-              </a:rPr>
-              <a:t>p_asynchronous</a:t>
-            </a:r>
-            <a:r>
-              <a:rPr lang="en-US" sz="4000" b="1" dirty="0" smtClean="0">
-                <a:solidFill>
-                  <a:srgbClr val="000080"/>
-                </a:solidFill>
-                <a:highlight>
-                  <a:srgbClr val="FFFFFF"/>
-                </a:highlight>
-                <a:latin typeface="Courier New"/>
-              </a:rPr>
-              <a:t> </a:t>
-            </a:r>
-            <a:r>
-              <a:rPr lang="en-US" sz="4000" b="1" dirty="0" smtClean="0">
-                <a:solidFill>
-                  <a:srgbClr val="000080"/>
-                </a:solidFill>
-                <a:highlight>
-                  <a:srgbClr val="FFFFFF"/>
-                </a:highlight>
-                <a:latin typeface="Courier New"/>
-              </a:rPr>
-              <a:t>       =&gt; </a:t>
+              <a:t>        =&gt; </a:t>
             </a:r>
             <a:r>
               <a:rPr lang="en-US" sz="4000" b="1" dirty="0" smtClean="0">
@@ -10696,6 +13290,68 @@
                 </a:highlight>
                 <a:latin typeface="Courier New"/>
               </a:rPr>
+              <a:t>    </a:t>
+            </a:r>
+            <a:r>
+              <a:rPr lang="en-US" sz="4000" b="1" dirty="0" err="1">
+                <a:solidFill>
+                  <a:srgbClr val="000080"/>
+                </a:solidFill>
+                <a:highlight>
+                  <a:srgbClr val="FFFFFF"/>
+                </a:highlight>
+                <a:latin typeface="Courier New"/>
+              </a:rPr>
+              <a:t>p_run_as_sys</a:t>
+            </a:r>
+            <a:r>
+              <a:rPr lang="en-US" sz="4000" b="1" dirty="0">
+                <a:solidFill>
+                  <a:srgbClr val="000080"/>
+                </a:solidFill>
+                <a:highlight>
+                  <a:srgbClr val="FFFFFF"/>
+                </a:highlight>
+                <a:latin typeface="Courier New"/>
+              </a:rPr>
+              <a:t>          =&gt; </a:t>
+            </a:r>
+            <a:r>
+              <a:rPr lang="en-US" sz="4000" b="1" dirty="0">
+                <a:solidFill>
+                  <a:srgbClr val="008080"/>
+                </a:solidFill>
+                <a:highlight>
+                  <a:srgbClr val="FFFFFF"/>
+                </a:highlight>
+                <a:latin typeface="Courier New"/>
+              </a:rPr>
+              <a:t>false</a:t>
+            </a:r>
+            <a:endParaRPr lang="en-US" sz="4000" b="1" dirty="0" smtClean="0">
+              <a:solidFill>
+                <a:srgbClr val="000080"/>
+              </a:solidFill>
+              <a:highlight>
+                <a:srgbClr val="FFFFFF"/>
+              </a:highlight>
+              <a:latin typeface="Courier New"/>
+            </a:endParaRPr>
+          </a:p>
+          <a:p>
+            <a:pPr marL="0" indent="0">
+              <a:buNone/>
+            </a:pPr>
+            <a:r>
+              <a:rPr lang="en-US" sz="4000" b="1" dirty="0" smtClean="0">
+                <a:solidFill>
+                  <a:srgbClr val="000080"/>
+                </a:solidFill>
+                <a:highlight>
+                  <a:srgbClr val="FFFFFF"/>
+                </a:highlight>
+                <a:latin typeface="Courier New"/>
+              </a:rPr>
               <a:t>);</a:t>
             </a:r>
             <a:endParaRPr lang="en-US" sz="4000" b="1" dirty="0">
@@ -10782,7 +13438,7 @@
           <a:p>
             <a:fld id="{12698F6C-3B60-45A8-AA68-1C639B61BEFF}" type="datetime1">
               <a:rPr lang="en-US" smtClean="0"/>
-              <a:t>10/25/2017</a:t>
+              <a:t>10/28/2017</a:t>
             </a:fld>
             <a:endParaRPr lang="en-US" dirty="0"/>
           </a:p>
@@ -10907,7 +13563,7 @@
         </p:nvSpPr>
         <p:spPr>
           <a:xfrm>
-            <a:off x="6553200" y="2514600"/>
+            <a:off x="6553200" y="2495550"/>
             <a:ext cx="1295400" cy="228600"/>
           </a:xfrm>
           <a:prstGeom prst="rect">
@@ -10951,7 +13607,7 @@
         </p:nvSpPr>
         <p:spPr>
           <a:xfrm>
-            <a:off x="6553200" y="2800350"/>
+            <a:off x="6553200" y="2767350"/>
             <a:ext cx="1295400" cy="251460"/>
           </a:xfrm>
           <a:prstGeom prst="rect">
@@ -10995,52 +13651,8 @@
         </p:nvSpPr>
         <p:spPr>
           <a:xfrm>
-            <a:off x="6553200" y="3115404"/>
+            <a:off x="6553200" y="3065004"/>
             <a:ext cx="1295400" cy="827946"/>
-          </a:xfrm>
-          <a:prstGeom prst="rect">
-            <a:avLst/>
-          </a:prstGeom>
-        </p:spPr>
-        <p:style>
-          <a:lnRef idx="2">
-            <a:schemeClr val="accent1">
-              <a:shade val="50000"/>
-            </a:schemeClr>
-          </a:lnRef>
-          <a:fillRef idx="1">
-            <a:schemeClr val="accent1"/>
-          </a:fillRef>
-          <a:effectRef idx="0">
-            <a:schemeClr val="accent1"/>
-          </a:effectRef>
-          <a:fontRef idx="minor">
-            <a:schemeClr val="lt1"/>
-          </a:fontRef>
-        </p:style>
-        <p:txBody>
-          <a:bodyPr rtlCol="0" anchor="ctr"/>
-          <a:lstStyle/>
-          <a:p>
-            <a:pPr algn="ctr"/>
-            <a:r>
-              <a:rPr lang="en-US" sz="2800" dirty="0" smtClean="0"/>
-              <a:t>HOW</a:t>
-            </a:r>
-            <a:endParaRPr lang="en-US" sz="2800" dirty="0"/>
-          </a:p>
-        </p:txBody>
-      </p:sp>
-      <p:sp>
-        <p:nvSpPr>
-          <p:cNvPr id="12" name="Rectangle 11"/>
-          <p:cNvSpPr/>
-          <p:nvPr/>
-        </p:nvSpPr>
-        <p:spPr>
-          <a:xfrm>
-            <a:off x="7467600" y="1831162"/>
-            <a:ext cx="990600" cy="283388"/>
           </a:xfrm>
           <a:prstGeom prst="rect">
             <a:avLst/>
@@ -11297,7 +13909,7 @@
           <a:p>
             <a:fld id="{D97E924C-66F2-4356-A8CE-66225EAB43F5}" type="datetime1">
               <a:rPr lang="en-US" smtClean="0"/>
-              <a:t>10/25/2017</a:t>
+              <a:t>10/28/2017</a:t>
             </a:fld>
             <a:endParaRPr lang="en-US"/>
           </a:p>

--- a/presentations/Method5.pptx
+++ b/presentations/Method5.pptx
@@ -215,7 +215,7 @@
           <a:p>
             <a:fld id="{E8184847-EC06-4734-8E30-343A2DA340C9}" type="datetimeFigureOut">
               <a:rPr lang="en-US" smtClean="0"/>
-              <a:t>10/28/2017</a:t>
+              <a:t>10/29/2017</a:t>
             </a:fld>
             <a:endParaRPr lang="en-US"/>
           </a:p>
@@ -380,7 +380,7 @@
           <a:p>
             <a:fld id="{DC284B00-8F05-4CB2-A4E6-4A642AFA915E}" type="datetimeFigureOut">
               <a:rPr lang="en-US" smtClean="0"/>
-              <a:t>10/28/2017</a:t>
+              <a:t>10/29/2017</a:t>
             </a:fld>
             <a:endParaRPr lang="en-US"/>
           </a:p>
@@ -697,7 +697,7 @@
           <a:bodyPr/>
           <a:lstStyle/>
           <a:p>
-            <a:endParaRPr lang="en-US"/>
+            <a:endParaRPr lang="en-US" dirty="0"/>
           </a:p>
         </p:txBody>
       </p:sp>
@@ -1012,7 +1012,15 @@
             </a:r>
             <a:r>
               <a:rPr lang="en-US" baseline="0" dirty="0" smtClean="0"/>
-              <a:t>Every night Method5 gathers some common data into tables such as M5_DBA_TABLES, M5_USER$, M5_DBA_ROLE_PRIVS, M5_DBA_SYS_PRIVS, and M5_DBA_TAB_PRIVS.  Having this data instantly available makes some tasks much simpler, such as finding out where a user exists, or where an object is granted.</a:t>
+              <a:t>Every night Method5 gathers some common data into tables such as M5_DBA_TABLES, </a:t>
+            </a:r>
+            <a:r>
+              <a:rPr lang="en-US" baseline="0" dirty="0" smtClean="0"/>
+              <a:t>M5_V$PARAMETER, M5_USER</a:t>
+            </a:r>
+            <a:r>
+              <a:rPr lang="en-US" baseline="0" dirty="0" smtClean="0"/>
+              <a:t>$, M5_DBA_ROLE_PRIVS, M5_DBA_SYS_PRIVS, and M5_DBA_TAB_PRIVS.  Having this data instantly available makes some tasks much simpler, such as finding out where a user exists, or where an object is granted.</a:t>
             </a:r>
           </a:p>
           <a:p>
@@ -1025,7 +1033,11 @@
             </a:r>
             <a:r>
               <a:rPr lang="en-US" b="0" baseline="0" dirty="0" smtClean="0"/>
-              <a:t>An email is sent to the administrator every day listing issues encountered by Method5.  These problems are often a blessing in disguise.  For example, if a job never finished and had to be manually killed that implies one of your databases is unavailable.  Method5 will often catch a problem that OEM missed. </a:t>
+              <a:t>An email is sent to the administrator every day listing issues encountered by Method5.  These problems are often a blessing in disguise.  For example, if a job never finished and had to be manually killed that implies one of your databases is unavailable.  Method5 will often catch a problem that OEM missed</a:t>
+            </a:r>
+            <a:r>
+              <a:rPr lang="en-US" b="0" baseline="0" dirty="0" smtClean="0"/>
+              <a:t>.</a:t>
             </a:r>
             <a:endParaRPr lang="en-US" b="1" baseline="0" dirty="0" smtClean="0"/>
           </a:p>
@@ -1146,14 +1158,35 @@
           <a:p>
             <a:r>
               <a:rPr lang="en-US" baseline="0" dirty="0" smtClean="0"/>
-              <a:t>2. Next the M5_METADATA table is queried.  Since jobs are still running in the background, IS_COMPLETE is still set to No, and the TARGETS_COMPLETED does not equal the TARGETS_EXPECTED yet.  You'll probably want to check this view a few times until all the results are in.  (Not shown on the screenshot are some other columns like TARGETS_WITH_ERRORS, NUM_ROWS, CODE, and TARGETS.)</a:t>
-            </a:r>
-          </a:p>
-          <a:p>
+              <a:t>2. Next the M5_METADATA table is queried.  Since jobs are still running in the background, IS_COMPLETE is still set to No, and the TARGETS_COMPLETED does not equal the TARGETS_EXPECTED yet.  You'll probably want to </a:t>
+            </a:r>
             <a:r>
               <a:rPr lang="en-US" baseline="0" dirty="0" smtClean="0"/>
-              <a:t>3. The current results can be queried in M5_RESULTS.</a:t>
-            </a:r>
+              <a:t>query this </a:t>
+            </a:r>
+            <a:r>
+              <a:rPr lang="en-US" baseline="0" dirty="0" smtClean="0"/>
+              <a:t>view a few times </a:t>
+            </a:r>
+            <a:r>
+              <a:rPr lang="en-US" baseline="0" dirty="0" smtClean="0"/>
+              <a:t>to watch the progress of the background jobs.  </a:t>
+            </a:r>
+            <a:r>
+              <a:rPr lang="en-US" baseline="0" dirty="0" smtClean="0"/>
+              <a:t>(Not shown on the screenshot are some other columns like TARGETS_WITH_ERRORS, NUM_ROWS, CODE, and TARGETS.)</a:t>
+            </a:r>
+          </a:p>
+          <a:p>
+            <a:r>
+              <a:rPr lang="en-US" baseline="0" dirty="0" smtClean="0"/>
+              <a:t>3. The current results can be queried in M5_RESULTS</a:t>
+            </a:r>
+            <a:r>
+              <a:rPr lang="en-US" baseline="0" dirty="0" smtClean="0"/>
+              <a:t>.  It returns the same columns as the input query, as well as a column for the DATABASE_NAME.</a:t>
+            </a:r>
+            <a:endParaRPr lang="en-US" baseline="0" dirty="0" smtClean="0"/>
           </a:p>
           <a:p>
             <a:r>
@@ -1167,9 +1200,309 @@
           <a:p>
             <a:r>
               <a:rPr lang="en-US" baseline="0" dirty="0" smtClean="0"/>
-              <a:t>(The screenshot does not show all the columns and values because it's hard to fit them on a screen.  The example uses SQL*Plus for its simple text formatting, but in practice you will probably want to use an IDE like PL/SQL Developer, Toad, Oracle SQL Developer, etc.  The exact same code will run on any IDE.)</a:t>
-            </a:r>
-            <a:endParaRPr lang="en-US" dirty="0"/>
+              <a:t>(The screenshot does not show all the columns and values because it's hard to fit them on a screen.  The example uses SQL*Plus for its simple text formatting, but in practice you will probably want to use an IDE like PL/SQL Developer, Toad, Oracle SQL Developer, etc.  The exact same code will run on any IDE</a:t>
+            </a:r>
+            <a:r>
+              <a:rPr lang="en-US" baseline="0" dirty="0" smtClean="0"/>
+              <a:t>.)</a:t>
+            </a:r>
+          </a:p>
+          <a:p>
+            <a:endParaRPr lang="en-US" baseline="0" dirty="0" smtClean="0"/>
+          </a:p>
+          <a:p>
+            <a:r>
+              <a:rPr lang="en-US" baseline="0" dirty="0" smtClean="0"/>
+              <a:t>If you want to reproduce this example yourself, here's the full code and SQL*Plus commands to format results:</a:t>
+            </a:r>
+          </a:p>
+          <a:p>
+            <a:endParaRPr lang="en-US" baseline="0" dirty="0" smtClean="0"/>
+          </a:p>
+          <a:p>
+            <a:r>
+              <a:rPr lang="en-US" sz="1000" i="1" baseline="0" dirty="0" smtClean="0">
+                <a:latin typeface="Courier New" panose="02070309020205020404" pitchFamily="49" charset="0"/>
+                <a:cs typeface="Courier New" panose="02070309020205020404" pitchFamily="49" charset="0"/>
+              </a:rPr>
+              <a:t>set </a:t>
+            </a:r>
+            <a:r>
+              <a:rPr lang="en-US" sz="1000" i="1" baseline="0" dirty="0" err="1" smtClean="0">
+                <a:latin typeface="Courier New" panose="02070309020205020404" pitchFamily="49" charset="0"/>
+                <a:cs typeface="Courier New" panose="02070309020205020404" pitchFamily="49" charset="0"/>
+              </a:rPr>
+              <a:t>sqlprompt</a:t>
+            </a:r>
+            <a:r>
+              <a:rPr lang="en-US" sz="1000" i="1" baseline="0" dirty="0" smtClean="0">
+                <a:latin typeface="Courier New" panose="02070309020205020404" pitchFamily="49" charset="0"/>
+                <a:cs typeface="Courier New" panose="02070309020205020404" pitchFamily="49" charset="0"/>
+              </a:rPr>
+              <a:t> "&gt; "</a:t>
+            </a:r>
+          </a:p>
+          <a:p>
+            <a:r>
+              <a:rPr lang="en-US" sz="1000" i="1" baseline="0" dirty="0" smtClean="0">
+                <a:latin typeface="Courier New" panose="02070309020205020404" pitchFamily="49" charset="0"/>
+                <a:cs typeface="Courier New" panose="02070309020205020404" pitchFamily="49" charset="0"/>
+              </a:rPr>
+              <a:t>column </a:t>
+            </a:r>
+            <a:r>
+              <a:rPr lang="en-US" sz="1000" i="1" baseline="0" dirty="0" err="1" smtClean="0">
+                <a:latin typeface="Courier New" panose="02070309020205020404" pitchFamily="49" charset="0"/>
+                <a:cs typeface="Courier New" panose="02070309020205020404" pitchFamily="49" charset="0"/>
+              </a:rPr>
+              <a:t>db_link_name</a:t>
+            </a:r>
+            <a:r>
+              <a:rPr lang="en-US" sz="1000" i="1" baseline="0" dirty="0" smtClean="0">
+                <a:latin typeface="Courier New" panose="02070309020205020404" pitchFamily="49" charset="0"/>
+                <a:cs typeface="Courier New" panose="02070309020205020404" pitchFamily="49" charset="0"/>
+              </a:rPr>
+              <a:t> format a12</a:t>
+            </a:r>
+          </a:p>
+          <a:p>
+            <a:r>
+              <a:rPr lang="en-US" sz="1000" i="1" baseline="0" dirty="0" smtClean="0">
+                <a:latin typeface="Courier New" panose="02070309020205020404" pitchFamily="49" charset="0"/>
+                <a:cs typeface="Courier New" panose="02070309020205020404" pitchFamily="49" charset="0"/>
+              </a:rPr>
+              <a:t>column </a:t>
+            </a:r>
+            <a:r>
+              <a:rPr lang="en-US" sz="1000" i="1" baseline="0" dirty="0" err="1" smtClean="0">
+                <a:latin typeface="Courier New" panose="02070309020205020404" pitchFamily="49" charset="0"/>
+                <a:cs typeface="Courier New" panose="02070309020205020404" pitchFamily="49" charset="0"/>
+              </a:rPr>
+              <a:t>database_name</a:t>
+            </a:r>
+            <a:r>
+              <a:rPr lang="en-US" sz="1000" i="1" baseline="0" dirty="0" smtClean="0">
+                <a:latin typeface="Courier New" panose="02070309020205020404" pitchFamily="49" charset="0"/>
+                <a:cs typeface="Courier New" panose="02070309020205020404" pitchFamily="49" charset="0"/>
+              </a:rPr>
+              <a:t> format a13</a:t>
+            </a:r>
+          </a:p>
+          <a:p>
+            <a:r>
+              <a:rPr lang="en-US" sz="1000" i="1" baseline="0" dirty="0" smtClean="0">
+                <a:latin typeface="Courier New" panose="02070309020205020404" pitchFamily="49" charset="0"/>
+                <a:cs typeface="Courier New" panose="02070309020205020404" pitchFamily="49" charset="0"/>
+              </a:rPr>
+              <a:t>column </a:t>
+            </a:r>
+            <a:r>
+              <a:rPr lang="en-US" sz="1000" i="1" baseline="0" dirty="0" err="1" smtClean="0">
+                <a:latin typeface="Courier New" panose="02070309020205020404" pitchFamily="49" charset="0"/>
+                <a:cs typeface="Courier New" panose="02070309020205020404" pitchFamily="49" charset="0"/>
+              </a:rPr>
+              <a:t>error_stack_and_backtrace</a:t>
+            </a:r>
+            <a:r>
+              <a:rPr lang="en-US" sz="1000" i="1" baseline="0" dirty="0" smtClean="0">
+                <a:latin typeface="Courier New" panose="02070309020205020404" pitchFamily="49" charset="0"/>
+                <a:cs typeface="Courier New" panose="02070309020205020404" pitchFamily="49" charset="0"/>
+              </a:rPr>
+              <a:t> format a100</a:t>
+            </a:r>
+          </a:p>
+          <a:p>
+            <a:r>
+              <a:rPr lang="en-US" sz="1000" i="1" baseline="0" dirty="0" smtClean="0">
+                <a:latin typeface="Courier New" panose="02070309020205020404" pitchFamily="49" charset="0"/>
+                <a:cs typeface="Courier New" panose="02070309020205020404" pitchFamily="49" charset="0"/>
+              </a:rPr>
+              <a:t>column username format a11</a:t>
+            </a:r>
+          </a:p>
+          <a:p>
+            <a:r>
+              <a:rPr lang="en-US" sz="1000" i="1" baseline="0" dirty="0" smtClean="0">
+                <a:latin typeface="Courier New" panose="02070309020205020404" pitchFamily="49" charset="0"/>
+                <a:cs typeface="Courier New" panose="02070309020205020404" pitchFamily="49" charset="0"/>
+              </a:rPr>
+              <a:t>column </a:t>
+            </a:r>
+            <a:r>
+              <a:rPr lang="en-US" sz="1000" i="1" baseline="0" dirty="0" err="1" smtClean="0">
+                <a:latin typeface="Courier New" panose="02070309020205020404" pitchFamily="49" charset="0"/>
+                <a:cs typeface="Courier New" panose="02070309020205020404" pitchFamily="49" charset="0"/>
+              </a:rPr>
+              <a:t>date_started</a:t>
+            </a:r>
+            <a:r>
+              <a:rPr lang="en-US" sz="1000" i="1" baseline="0" dirty="0" smtClean="0">
+                <a:latin typeface="Courier New" panose="02070309020205020404" pitchFamily="49" charset="0"/>
+                <a:cs typeface="Courier New" panose="02070309020205020404" pitchFamily="49" charset="0"/>
+              </a:rPr>
+              <a:t> format a12</a:t>
+            </a:r>
+          </a:p>
+          <a:p>
+            <a:r>
+              <a:rPr lang="en-US" sz="1000" i="1" baseline="0" dirty="0" smtClean="0">
+                <a:latin typeface="Courier New" panose="02070309020205020404" pitchFamily="49" charset="0"/>
+                <a:cs typeface="Courier New" panose="02070309020205020404" pitchFamily="49" charset="0"/>
+              </a:rPr>
+              <a:t>column </a:t>
+            </a:r>
+            <a:r>
+              <a:rPr lang="en-US" sz="1000" i="1" baseline="0" dirty="0" err="1" smtClean="0">
+                <a:latin typeface="Courier New" panose="02070309020205020404" pitchFamily="49" charset="0"/>
+                <a:cs typeface="Courier New" panose="02070309020205020404" pitchFamily="49" charset="0"/>
+              </a:rPr>
+              <a:t>date_updated</a:t>
+            </a:r>
+            <a:r>
+              <a:rPr lang="en-US" sz="1000" i="1" baseline="0" dirty="0" smtClean="0">
+                <a:latin typeface="Courier New" panose="02070309020205020404" pitchFamily="49" charset="0"/>
+                <a:cs typeface="Courier New" panose="02070309020205020404" pitchFamily="49" charset="0"/>
+              </a:rPr>
+              <a:t> format a12</a:t>
+            </a:r>
+          </a:p>
+          <a:p>
+            <a:r>
+              <a:rPr lang="en-US" sz="1000" i="1" baseline="0" dirty="0" smtClean="0">
+                <a:latin typeface="Courier New" panose="02070309020205020404" pitchFamily="49" charset="0"/>
+                <a:cs typeface="Courier New" panose="02070309020205020404" pitchFamily="49" charset="0"/>
+              </a:rPr>
+              <a:t>column </a:t>
+            </a:r>
+            <a:r>
+              <a:rPr lang="en-US" sz="1000" i="1" baseline="0" dirty="0" err="1" smtClean="0">
+                <a:latin typeface="Courier New" panose="02070309020205020404" pitchFamily="49" charset="0"/>
+                <a:cs typeface="Courier New" panose="02070309020205020404" pitchFamily="49" charset="0"/>
+              </a:rPr>
+              <a:t>is_complete</a:t>
+            </a:r>
+            <a:r>
+              <a:rPr lang="en-US" sz="1000" i="1" baseline="0" dirty="0" smtClean="0">
+                <a:latin typeface="Courier New" panose="02070309020205020404" pitchFamily="49" charset="0"/>
+                <a:cs typeface="Courier New" panose="02070309020205020404" pitchFamily="49" charset="0"/>
+              </a:rPr>
+              <a:t> format a11</a:t>
+            </a:r>
+          </a:p>
+          <a:p>
+            <a:r>
+              <a:rPr lang="en-US" sz="1000" i="1" baseline="0" dirty="0" smtClean="0">
+                <a:latin typeface="Courier New" panose="02070309020205020404" pitchFamily="49" charset="0"/>
+                <a:cs typeface="Courier New" panose="02070309020205020404" pitchFamily="49" charset="0"/>
+              </a:rPr>
+              <a:t>column dummy format a5</a:t>
+            </a:r>
+          </a:p>
+          <a:p>
+            <a:r>
+              <a:rPr lang="en-US" sz="1000" i="1" baseline="0" dirty="0" smtClean="0">
+                <a:latin typeface="Courier New" panose="02070309020205020404" pitchFamily="49" charset="0"/>
+                <a:cs typeface="Courier New" panose="02070309020205020404" pitchFamily="49" charset="0"/>
+              </a:rPr>
+              <a:t>set </a:t>
+            </a:r>
+            <a:r>
+              <a:rPr lang="en-US" sz="1000" i="1" baseline="0" dirty="0" err="1" smtClean="0">
+                <a:latin typeface="Courier New" panose="02070309020205020404" pitchFamily="49" charset="0"/>
+                <a:cs typeface="Courier New" panose="02070309020205020404" pitchFamily="49" charset="0"/>
+              </a:rPr>
+              <a:t>serveroutput</a:t>
+            </a:r>
+            <a:r>
+              <a:rPr lang="en-US" sz="1000" i="1" baseline="0" dirty="0" smtClean="0">
+                <a:latin typeface="Courier New" panose="02070309020205020404" pitchFamily="49" charset="0"/>
+                <a:cs typeface="Courier New" panose="02070309020205020404" pitchFamily="49" charset="0"/>
+              </a:rPr>
+              <a:t> off</a:t>
+            </a:r>
+          </a:p>
+          <a:p>
+            <a:endParaRPr lang="en-US" sz="1000" i="1" baseline="0" dirty="0" smtClean="0">
+              <a:latin typeface="Courier New" panose="02070309020205020404" pitchFamily="49" charset="0"/>
+              <a:cs typeface="Courier New" panose="02070309020205020404" pitchFamily="49" charset="0"/>
+            </a:endParaRPr>
+          </a:p>
+          <a:p>
+            <a:r>
+              <a:rPr lang="en-US" sz="1000" i="1" baseline="0" dirty="0" smtClean="0">
+                <a:latin typeface="Courier New" panose="02070309020205020404" pitchFamily="49" charset="0"/>
+                <a:cs typeface="Courier New" panose="02070309020205020404" pitchFamily="49" charset="0"/>
+              </a:rPr>
+              <a:t>begin</a:t>
+            </a:r>
+          </a:p>
+          <a:p>
+            <a:r>
+              <a:rPr lang="en-US" sz="1000" i="1" baseline="0" dirty="0" smtClean="0">
+                <a:latin typeface="Courier New" panose="02070309020205020404" pitchFamily="49" charset="0"/>
+                <a:cs typeface="Courier New" panose="02070309020205020404" pitchFamily="49" charset="0"/>
+              </a:rPr>
+              <a:t>  m5_proc('select * from dual');</a:t>
+            </a:r>
+          </a:p>
+          <a:p>
+            <a:r>
+              <a:rPr lang="en-US" sz="1000" i="1" baseline="0" dirty="0" smtClean="0">
+                <a:latin typeface="Courier New" panose="02070309020205020404" pitchFamily="49" charset="0"/>
+                <a:cs typeface="Courier New" panose="02070309020205020404" pitchFamily="49" charset="0"/>
+              </a:rPr>
+              <a:t>end;</a:t>
+            </a:r>
+          </a:p>
+          <a:p>
+            <a:r>
+              <a:rPr lang="en-US" sz="1000" i="1" baseline="0" dirty="0" smtClean="0">
+                <a:latin typeface="Courier New" panose="02070309020205020404" pitchFamily="49" charset="0"/>
+                <a:cs typeface="Courier New" panose="02070309020205020404" pitchFamily="49" charset="0"/>
+              </a:rPr>
+              <a:t>/</a:t>
+            </a:r>
+          </a:p>
+          <a:p>
+            <a:r>
+              <a:rPr lang="en-US" sz="1000" i="1" baseline="0" dirty="0" smtClean="0">
+                <a:latin typeface="Courier New" panose="02070309020205020404" pitchFamily="49" charset="0"/>
+                <a:cs typeface="Courier New" panose="02070309020205020404" pitchFamily="49" charset="0"/>
+              </a:rPr>
+              <a:t>select * from m5_metadata;</a:t>
+            </a:r>
+          </a:p>
+          <a:p>
+            <a:r>
+              <a:rPr lang="en-US" sz="1000" i="1" baseline="0" dirty="0" smtClean="0">
+                <a:latin typeface="Courier New" panose="02070309020205020404" pitchFamily="49" charset="0"/>
+                <a:cs typeface="Courier New" panose="02070309020205020404" pitchFamily="49" charset="0"/>
+              </a:rPr>
+              <a:t>select * from m5_results where </a:t>
+            </a:r>
+            <a:r>
+              <a:rPr lang="en-US" sz="1000" i="1" baseline="0" dirty="0" err="1" smtClean="0">
+                <a:latin typeface="Courier New" panose="02070309020205020404" pitchFamily="49" charset="0"/>
+                <a:cs typeface="Courier New" panose="02070309020205020404" pitchFamily="49" charset="0"/>
+              </a:rPr>
+              <a:t>rownum</a:t>
+            </a:r>
+            <a:r>
+              <a:rPr lang="en-US" sz="1000" i="1" baseline="0" dirty="0" smtClean="0">
+                <a:latin typeface="Courier New" panose="02070309020205020404" pitchFamily="49" charset="0"/>
+                <a:cs typeface="Courier New" panose="02070309020205020404" pitchFamily="49" charset="0"/>
+              </a:rPr>
+              <a:t> &lt;= 3;</a:t>
+            </a:r>
+          </a:p>
+          <a:p>
+            <a:r>
+              <a:rPr lang="en-US" sz="1000" i="1" baseline="0" dirty="0" smtClean="0">
+                <a:latin typeface="Courier New" panose="02070309020205020404" pitchFamily="49" charset="0"/>
+                <a:cs typeface="Courier New" panose="02070309020205020404" pitchFamily="49" charset="0"/>
+              </a:rPr>
+              <a:t>select * from m5_errors;</a:t>
+            </a:r>
           </a:p>
         </p:txBody>
       </p:sp>
@@ -1268,7 +1601,15 @@
             </a:r>
             <a:r>
               <a:rPr lang="en-US" baseline="0" dirty="0" smtClean="0"/>
-              <a:t> can help identify data files created in the wrong directory.  For example, we use ASM and have tens of thousands of data files.  Occasionally when someone forgets to use the plug sign the data file gets created on a local filesystem instead of ASM.  This query makes it easy to find those mistakes.</a:t>
+              <a:t> can help identify data files created in the wrong directory.  For example, we use ASM and have tens of thousands of data files.  Occasionally when someone forgets to use the </a:t>
+            </a:r>
+            <a:r>
+              <a:rPr lang="en-US" baseline="0" dirty="0" smtClean="0"/>
+              <a:t>plus </a:t>
+            </a:r>
+            <a:r>
+              <a:rPr lang="en-US" baseline="0" dirty="0" smtClean="0"/>
+              <a:t>sign the data file gets created on a local filesystem instead of ASM.  This query makes it easy to find those mistakes.</a:t>
             </a:r>
           </a:p>
           <a:p>
@@ -1282,7 +1623,11 @@
             </a:r>
             <a:r>
               <a:rPr lang="en-US" baseline="0" dirty="0" smtClean="0"/>
-              <a:t>.  Our /</a:t>
+              <a:t>.  </a:t>
+            </a:r>
+            <a:r>
+              <a:rPr lang="en-US" baseline="0" dirty="0" smtClean="0"/>
+              <a:t>Some /</a:t>
             </a:r>
             <a:r>
               <a:rPr lang="en-US" baseline="0" dirty="0" err="1" smtClean="0"/>
@@ -1290,7 +1635,11 @@
             </a:r>
             <a:r>
               <a:rPr lang="en-US" baseline="0" dirty="0" smtClean="0"/>
-              <a:t> filesystem is stored in memory so if someone stores a huge file in /</a:t>
+              <a:t> filesystems are </a:t>
+            </a:r>
+            <a:r>
+              <a:rPr lang="en-US" baseline="0" dirty="0" smtClean="0"/>
+              <a:t>stored in memory so if someone stores a huge file in /</a:t>
             </a:r>
             <a:r>
               <a:rPr lang="en-US" baseline="0" dirty="0" err="1" smtClean="0"/>
@@ -1304,7 +1653,15 @@
           <a:p>
             <a:r>
               <a:rPr lang="en-US" baseline="0" dirty="0" smtClean="0"/>
-              <a:t>3. Contractors often forget that infrastructure DBAs don't know where their schemas are located.  Instead of asking them, "what databases are you talking about", we can very easily look up the information ourselves in the global data dictionary.  This saves us time and makes us look better.</a:t>
+              <a:t>3. </a:t>
+            </a:r>
+            <a:r>
+              <a:rPr lang="en-US" baseline="0" dirty="0" smtClean="0"/>
+              <a:t>Users and consultants often </a:t>
+            </a:r>
+            <a:r>
+              <a:rPr lang="en-US" baseline="0" dirty="0" smtClean="0"/>
+              <a:t>forget that infrastructure DBAs don't know where their schemas are located.  Instead of asking them, "what databases are you talking about", we can very easily look up the information ourselves in the global data dictionary.  This saves us time and makes us look better.</a:t>
             </a:r>
           </a:p>
           <a:p>
@@ -1657,10 +2014,24 @@
           <a:p>
             <a:r>
               <a:rPr lang="en-US" baseline="0" dirty="0" smtClean="0"/>
-              <a:t>Using that data and forecasts, an email is sent every day.  The top servers are not the ones with the highest percent of storage.  The top servers are the ones forecasted to run out of space first.  The forecasts are generated as HTML requests to Google Charts, which returns static PNG images that can be rendered in an email client.</a:t>
-            </a:r>
-          </a:p>
-          <a:p>
+              <a:t>An email is generated using those data and forecasts.  The </a:t>
+            </a:r>
+            <a:r>
+              <a:rPr lang="en-US" baseline="0" dirty="0" smtClean="0"/>
+              <a:t>top servers are not the ones with the highest percent of storage.  The top servers are the ones forecasted to run out of space first.  The forecasts are generated as HTML </a:t>
+            </a:r>
+            <a:r>
+              <a:rPr lang="en-US" baseline="0" dirty="0" smtClean="0"/>
+              <a:t>with links to Google </a:t>
+            </a:r>
+            <a:r>
+              <a:rPr lang="en-US" baseline="0" dirty="0" smtClean="0"/>
+              <a:t>Charts, which returns static PNG images that can be rendered in an email client</a:t>
+            </a:r>
+            <a:r>
+              <a:rPr lang="en-US" baseline="0" dirty="0" smtClean="0"/>
+              <a:t>.</a:t>
+            </a:r>
             <a:endParaRPr lang="en-US" baseline="0" dirty="0" smtClean="0"/>
           </a:p>
           <a:p>
@@ -1799,7 +2170,19 @@
                 <a:latin typeface="Courier" pitchFamily="49" charset="0"/>
                 <a:cs typeface="Courier New" panose="02070309020205020404" pitchFamily="49" charset="0"/>
               </a:rPr>
-              <a:t> group by owner</a:t>
+              <a:t> group by </a:t>
+            </a:r>
+            <a:r>
+              <a:rPr lang="en-US" i="1" baseline="0" dirty="0" smtClean="0">
+                <a:solidFill>
+                  <a:schemeClr val="bg1">
+                    <a:lumMod val="50000"/>
+                  </a:schemeClr>
+                </a:solidFill>
+                <a:latin typeface="Courier" pitchFamily="49" charset="0"/>
+                <a:cs typeface="Courier New" panose="02070309020205020404" pitchFamily="49" charset="0"/>
+              </a:rPr>
+              <a:t>owner;</a:t>
             </a:r>
             <a:endParaRPr lang="en-US" baseline="0" dirty="0" smtClean="0"/>
           </a:p>
@@ -1829,7 +2212,15 @@
             </a:r>
             <a:r>
               <a:rPr lang="en-US" baseline="0" dirty="0" smtClean="0"/>
-              <a:t> is multiple levels deep, and you can click on each rectangle to zoom in.  The grouping order is configurable, so you can create different </a:t>
+              <a:t> is multiple levels deep, and you can click on each </a:t>
+            </a:r>
+            <a:r>
+              <a:rPr lang="en-US" baseline="0" dirty="0" smtClean="0"/>
+              <a:t>box to </a:t>
+            </a:r>
+            <a:r>
+              <a:rPr lang="en-US" baseline="0" dirty="0" smtClean="0"/>
+              <a:t>zoom in.  The grouping order is configurable, so you can create different </a:t>
             </a:r>
             <a:r>
               <a:rPr lang="en-US" baseline="0" dirty="0" err="1" smtClean="0"/>
@@ -1837,7 +2228,15 @@
             </a:r>
             <a:r>
               <a:rPr lang="en-US" baseline="0" dirty="0" smtClean="0"/>
-              <a:t> with different groupings.  For example, you may want to see the largest database first, then grouped by the largest owner.  Or maybe you want to see the largest owner, then grouped by database.</a:t>
+              <a:t> with different groupings.  For example, you may want to see the largest database first, then grouped by the largest owner.  Or </a:t>
+            </a:r>
+            <a:r>
+              <a:rPr lang="en-US" baseline="0" dirty="0" smtClean="0"/>
+              <a:t>you cam see </a:t>
+            </a:r>
+            <a:r>
+              <a:rPr lang="en-US" baseline="0" dirty="0" smtClean="0"/>
+              <a:t>the largest owner, then grouped by database.</a:t>
             </a:r>
             <a:endParaRPr lang="en-US" dirty="0"/>
           </a:p>
@@ -1946,7 +2345,15 @@
             </a:pPr>
             <a:r>
               <a:rPr lang="en-US" baseline="0" dirty="0" smtClean="0"/>
-              <a:t>2. Database links are what ties everything together.  Database links have gotten a bad reputation.  Yes, many people make horrible mistakes with them, but when used right it makes inter-database communication incredibly simple.</a:t>
+              <a:t>2. Database links </a:t>
+            </a:r>
+            <a:r>
+              <a:rPr lang="en-US" baseline="0" dirty="0" smtClean="0"/>
+              <a:t>tie </a:t>
+            </a:r>
+            <a:r>
+              <a:rPr lang="en-US" baseline="0" dirty="0" smtClean="0"/>
+              <a:t>everything together.  Database links have gotten a bad reputation.  Yes, many people make horrible mistakes with them, but when used right it makes inter-database communication incredibly simple.</a:t>
             </a:r>
           </a:p>
           <a:p>
@@ -1963,8 +2370,13 @@
             </a:r>
             <a:r>
               <a:rPr lang="en-US" baseline="0" dirty="0" smtClean="0"/>
-              <a:t> is a requirement to build a robust system that can handle any code.</a:t>
-            </a:r>
+              <a:t> is a requirement to build a robust system that can handle any </a:t>
+            </a:r>
+            <a:r>
+              <a:rPr lang="en-US" baseline="0" dirty="0" smtClean="0"/>
+              <a:t>code you throw at it.</a:t>
+            </a:r>
+            <a:endParaRPr lang="en-US" baseline="0" dirty="0" smtClean="0"/>
           </a:p>
           <a:p>
             <a:pPr marL="0" indent="0">
@@ -2474,7 +2886,15 @@
           <a:p>
             <a:r>
               <a:rPr lang="en-US" dirty="0" smtClean="0"/>
-              <a:t>5. You'll be surprised how often a single query today can save your organization hours of work tomorrow.</a:t>
+              <a:t>5. You'll be </a:t>
+            </a:r>
+            <a:r>
+              <a:rPr lang="en-US" dirty="0" smtClean="0"/>
+              <a:t>amazed how </a:t>
+            </a:r>
+            <a:r>
+              <a:rPr lang="en-US" dirty="0" smtClean="0"/>
+              <a:t>often a single query today can save your organization hours of work tomorrow.</a:t>
             </a:r>
             <a:endParaRPr lang="en-US" dirty="0"/>
           </a:p>
@@ -2656,7 +3076,23 @@
           <a:p>
             <a:r>
               <a:rPr lang="en-US" dirty="0" smtClean="0"/>
-              <a:t>1. DBAs spend too much time fixing the same problems again and again on different databases.  When you find a rare problem they won't spend the time</a:t>
+              <a:t>1. DBAs spend too much time fixing the same problems again and again on different databases.  When </a:t>
+            </a:r>
+            <a:r>
+              <a:rPr lang="en-US" dirty="0" smtClean="0"/>
+              <a:t>you find </a:t>
+            </a:r>
+            <a:r>
+              <a:rPr lang="en-US" dirty="0" smtClean="0"/>
+              <a:t>a rare problem </a:t>
+            </a:r>
+            <a:r>
+              <a:rPr lang="en-US" dirty="0" smtClean="0"/>
+              <a:t>you won't always spend </a:t>
+            </a:r>
+            <a:r>
+              <a:rPr lang="en-US" dirty="0" smtClean="0"/>
+              <a:t>the time</a:t>
             </a:r>
             <a:r>
               <a:rPr lang="en-US" baseline="0" dirty="0" smtClean="0"/>
@@ -2856,7 +3292,11 @@
           <a:p>
             <a:r>
               <a:rPr lang="en-US" dirty="0" smtClean="0"/>
-              <a:t>5. Most importantly, none of</a:t>
+              <a:t>6. </a:t>
+            </a:r>
+            <a:r>
+              <a:rPr lang="en-US" dirty="0" smtClean="0"/>
+              <a:t>Most importantly, none of</a:t>
             </a:r>
             <a:r>
               <a:rPr lang="en-US" baseline="0" dirty="0" smtClean="0"/>
@@ -3133,7 +3573,31 @@
           <a:p>
             <a:r>
               <a:rPr lang="en-US" dirty="0" smtClean="0"/>
-              <a:t>2. Method5 has been used in production for 3 years to help manage the largest healthcare data center in the world.</a:t>
+              <a:t>2. Method5 has been used in production </a:t>
+            </a:r>
+            <a:r>
+              <a:rPr lang="en-US" dirty="0" smtClean="0"/>
+              <a:t>since</a:t>
+            </a:r>
+            <a:r>
+              <a:rPr lang="en-US" baseline="0" dirty="0" smtClean="0"/>
+              <a:t> 2014 and helps manage one of </a:t>
+            </a:r>
+            <a:r>
+              <a:rPr lang="en-US" dirty="0" smtClean="0"/>
+              <a:t>the </a:t>
+            </a:r>
+            <a:r>
+              <a:rPr lang="en-US" dirty="0" smtClean="0"/>
+              <a:t>largest healthcare data </a:t>
+            </a:r>
+            <a:r>
+              <a:rPr lang="en-US" dirty="0" smtClean="0"/>
+              <a:t>centers </a:t>
+            </a:r>
+            <a:r>
+              <a:rPr lang="en-US" dirty="0" smtClean="0"/>
+              <a:t>in the world.</a:t>
             </a:r>
           </a:p>
           <a:p>
@@ -3153,8 +3617,17 @@
           <a:p>
             <a:r>
               <a:rPr lang="en-US" dirty="0" smtClean="0"/>
-              <a:t>4. It's ran over 10 million queries internally.  It contains 1800 automated tests.</a:t>
-            </a:r>
+              <a:t>4. It's ran over 10 million queries </a:t>
+            </a:r>
+            <a:r>
+              <a:rPr lang="en-US" dirty="0" smtClean="0"/>
+              <a:t>internally, contains over 1800 automated tests,</a:t>
+            </a:r>
+            <a:r>
+              <a:rPr lang="en-US" baseline="0" dirty="0" smtClean="0"/>
+              <a:t> and is open source.</a:t>
+            </a:r>
+            <a:endParaRPr lang="en-US" dirty="0" smtClean="0"/>
           </a:p>
           <a:p>
             <a:r>
@@ -3269,7 +3742,15 @@
             </a:r>
             <a:r>
               <a:rPr lang="en-US" b="0" baseline="0" dirty="0" smtClean="0"/>
-              <a:t> can be run as either a function or a procedure.  Both of them let you specify </a:t>
+              <a:t> can be run as either a function or a procedure.  </a:t>
+            </a:r>
+            <a:r>
+              <a:rPr lang="en-US" b="0" baseline="0" dirty="0" smtClean="0"/>
+              <a:t>They let </a:t>
+            </a:r>
+            <a:r>
+              <a:rPr lang="en-US" b="0" baseline="0" dirty="0" smtClean="0"/>
+              <a:t>you specify </a:t>
             </a:r>
             <a:r>
               <a:rPr lang="en-US" b="1" baseline="0" dirty="0" smtClean="0"/>
@@ -3285,7 +3766,15 @@
             </a:r>
             <a:r>
               <a:rPr lang="en-US" b="0" baseline="0" dirty="0" smtClean="0"/>
-              <a:t> to run it, and </a:t>
+              <a:t> to </a:t>
+            </a:r>
+            <a:r>
+              <a:rPr lang="en-US" b="0" baseline="0" dirty="0" smtClean="0"/>
+              <a:t>run, </a:t>
+            </a:r>
+            <a:r>
+              <a:rPr lang="en-US" b="0" baseline="0" dirty="0" smtClean="0"/>
+              <a:t>and </a:t>
             </a:r>
             <a:r>
               <a:rPr lang="en-US" b="1" baseline="0" dirty="0" smtClean="0"/>
@@ -3293,19 +3782,39 @@
             </a:r>
             <a:r>
               <a:rPr lang="en-US" b="0" baseline="0" dirty="0" smtClean="0"/>
-              <a:t> to run</a:t>
+              <a:t> to </a:t>
+            </a:r>
+            <a:r>
+              <a:rPr lang="en-US" b="0" baseline="0" dirty="0" smtClean="0"/>
+              <a:t>run</a:t>
             </a:r>
             <a:r>
               <a:rPr lang="en-US" b="0" dirty="0" smtClean="0"/>
-              <a:t> it.</a:t>
+              <a:t>.</a:t>
             </a:r>
             <a:r>
               <a:rPr lang="en-US" b="0" baseline="0" dirty="0" smtClean="0"/>
-              <a:t>  The function returns results immediately to the screen.  The procedure </a:t>
-            </a:r>
-            <a:r>
-              <a:rPr lang="en-US" dirty="0" smtClean="0"/>
-              <a:t>only saves the results in background tables, and it gives you more control over how the commands are run.</a:t>
+              <a:t>  </a:t>
+            </a:r>
+            <a:r>
+              <a:rPr lang="en-US" b="0" baseline="0" dirty="0" smtClean="0"/>
+              <a:t>The function returns results </a:t>
+            </a:r>
+            <a:r>
+              <a:rPr lang="en-US" b="0" baseline="0" dirty="0" smtClean="0"/>
+              <a:t>immediately.  </a:t>
+            </a:r>
+            <a:r>
+              <a:rPr lang="en-US" b="0" baseline="0" dirty="0" smtClean="0"/>
+              <a:t>The procedure </a:t>
+            </a:r>
+            <a:r>
+              <a:rPr lang="en-US" dirty="0" smtClean="0"/>
+              <a:t>saves </a:t>
+            </a:r>
+            <a:r>
+              <a:rPr lang="en-US" dirty="0" smtClean="0"/>
+              <a:t>the results in background tables, and it gives you more control over how the commands are run.</a:t>
             </a:r>
             <a:endParaRPr lang="en-US" b="0" dirty="0" smtClean="0"/>
           </a:p>
@@ -3315,11 +3824,35 @@
           <a:p>
             <a:r>
               <a:rPr lang="en-US" dirty="0" smtClean="0"/>
-              <a:t>Running as a function is simple and neat,</a:t>
+              <a:t>Running as a function </a:t>
+            </a:r>
+            <a:r>
+              <a:rPr lang="en-US" smtClean="0"/>
+              <a:t>is </a:t>
+            </a:r>
+            <a:r>
+              <a:rPr lang="en-US" smtClean="0"/>
+              <a:t>simple and neat,</a:t>
+            </a:r>
+            <a:r>
+              <a:rPr lang="en-US" baseline="0" smtClean="0"/>
+              <a:t> </a:t>
             </a:r>
             <a:r>
               <a:rPr lang="en-US" baseline="0" dirty="0" smtClean="0"/>
-              <a:t> but in practice advanced users will normally want to run things as a procedure.  Running as a procedure makes it asynchronous, which is good for large jobs you don't want to wait for.  It also makes it possible to schedule and chain tasks.</a:t>
+              <a:t>but in </a:t>
+            </a:r>
+            <a:r>
+              <a:rPr lang="en-US" baseline="0" smtClean="0"/>
+              <a:t>practice </a:t>
+            </a:r>
+            <a:r>
+              <a:rPr lang="en-US" baseline="0" smtClean="0"/>
+              <a:t>advanced users </a:t>
+            </a:r>
+            <a:r>
+              <a:rPr lang="en-US" baseline="0" dirty="0" smtClean="0"/>
+              <a:t>will normally want to run things as a procedure.  Running as a procedure makes it asynchronous, which is good for large jobs you don't want to wait for.  It also makes it possible to schedule and chain tasks.</a:t>
             </a:r>
             <a:endParaRPr lang="en-US" dirty="0"/>
           </a:p>
@@ -3706,7 +4239,7 @@
           <a:p>
             <a:fld id="{72057647-82FE-4F7C-83B4-53587791251A}" type="datetime1">
               <a:rPr lang="en-US" smtClean="0"/>
-              <a:t>10/28/2017</a:t>
+              <a:t>10/29/2017</a:t>
             </a:fld>
             <a:endParaRPr lang="en-US"/>
           </a:p>
@@ -3876,7 +4409,7 @@
           <a:p>
             <a:fld id="{8503FF21-708F-4C59-9505-D05A3791AC31}" type="datetime1">
               <a:rPr lang="en-US" smtClean="0"/>
-              <a:t>10/28/2017</a:t>
+              <a:t>10/29/2017</a:t>
             </a:fld>
             <a:endParaRPr lang="en-US"/>
           </a:p>
@@ -4056,7 +4589,7 @@
           <a:p>
             <a:fld id="{6EFC7DE3-7050-4999-ABCB-76E0E214913C}" type="datetime1">
               <a:rPr lang="en-US" smtClean="0"/>
-              <a:t>10/28/2017</a:t>
+              <a:t>10/29/2017</a:t>
             </a:fld>
             <a:endParaRPr lang="en-US"/>
           </a:p>
@@ -4226,7 +4759,7 @@
           <a:p>
             <a:fld id="{12698F6C-3B60-45A8-AA68-1C639B61BEFF}" type="datetime1">
               <a:rPr lang="en-US" smtClean="0"/>
-              <a:t>10/28/2017</a:t>
+              <a:t>10/29/2017</a:t>
             </a:fld>
             <a:endParaRPr lang="en-US" dirty="0"/>
           </a:p>
@@ -4509,7 +5042,7 @@
           <a:p>
             <a:fld id="{E05176C0-14DF-4768-8A16-43F22EF34937}" type="datetime1">
               <a:rPr lang="en-US" smtClean="0"/>
-              <a:t>10/28/2017</a:t>
+              <a:t>10/29/2017</a:t>
             </a:fld>
             <a:endParaRPr lang="en-US"/>
           </a:p>
@@ -4797,7 +5330,7 @@
           <a:p>
             <a:fld id="{EC27D113-D56C-4484-8E60-26B1BDDD2B7D}" type="datetime1">
               <a:rPr lang="en-US" smtClean="0"/>
-              <a:t>10/28/2017</a:t>
+              <a:t>10/29/2017</a:t>
             </a:fld>
             <a:endParaRPr lang="en-US"/>
           </a:p>
@@ -5219,7 +5752,7 @@
           <a:p>
             <a:fld id="{2346BE7D-CDCE-4B6B-92C3-A6060BB37F63}" type="datetime1">
               <a:rPr lang="en-US" smtClean="0"/>
-              <a:t>10/28/2017</a:t>
+              <a:t>10/29/2017</a:t>
             </a:fld>
             <a:endParaRPr lang="en-US"/>
           </a:p>
@@ -5337,7 +5870,7 @@
           <a:p>
             <a:fld id="{016112C5-3C0F-4913-A601-B7FE4F9C1F3A}" type="datetime1">
               <a:rPr lang="en-US" smtClean="0"/>
-              <a:t>10/28/2017</a:t>
+              <a:t>10/29/2017</a:t>
             </a:fld>
             <a:endParaRPr lang="en-US"/>
           </a:p>
@@ -5432,7 +5965,7 @@
           <a:p>
             <a:fld id="{8A5D4DBD-AFC0-4CD6-8B21-21C10C0D7EF6}" type="datetime1">
               <a:rPr lang="en-US" smtClean="0"/>
-              <a:t>10/28/2017</a:t>
+              <a:t>10/29/2017</a:t>
             </a:fld>
             <a:endParaRPr lang="en-US"/>
           </a:p>
@@ -5709,7 +6242,7 @@
           <a:p>
             <a:fld id="{3514C57E-D885-4B44-9FAF-8838A1BDE694}" type="datetime1">
               <a:rPr lang="en-US" smtClean="0"/>
-              <a:t>10/28/2017</a:t>
+              <a:t>10/29/2017</a:t>
             </a:fld>
             <a:endParaRPr lang="en-US"/>
           </a:p>
@@ -5962,7 +6495,7 @@
           <a:p>
             <a:fld id="{7BEDB21A-AE09-4B41-95A5-CA952A205099}" type="datetime1">
               <a:rPr lang="en-US" smtClean="0"/>
-              <a:t>10/28/2017</a:t>
+              <a:t>10/29/2017</a:t>
             </a:fld>
             <a:endParaRPr lang="en-US"/>
           </a:p>
@@ -6175,7 +6708,7 @@
           <a:p>
             <a:fld id="{2089B313-BB57-4BA5-B615-3D449DFED662}" type="datetime1">
               <a:rPr lang="en-US" smtClean="0"/>
-              <a:t>10/28/2017</a:t>
+              <a:t>10/29/2017</a:t>
             </a:fld>
             <a:endParaRPr lang="en-US" dirty="0"/>
           </a:p>
@@ -6617,7 +7150,7 @@
           <a:p>
             <a:fld id="{2E45DCD3-F6D5-47D1-A091-AE329ABC5543}" type="datetime1">
               <a:rPr lang="en-US" smtClean="0"/>
-              <a:t>10/28/2017</a:t>
+              <a:t>10/29/2017</a:t>
             </a:fld>
             <a:endParaRPr lang="en-US" dirty="0"/>
           </a:p>
@@ -6903,7 +7436,7 @@
           <a:p>
             <a:fld id="{73B3F948-1743-4F2D-B9D2-20F26DEE2D32}" type="datetime1">
               <a:rPr lang="en-US" smtClean="0"/>
-              <a:t>10/28/2017</a:t>
+              <a:t>10/29/2017</a:t>
             </a:fld>
             <a:endParaRPr lang="en-US"/>
           </a:p>
@@ -7014,11 +7547,11 @@
               <a:buAutoNum type="arabicPeriod"/>
             </a:pPr>
             <a:r>
-              <a:rPr lang="en-US" smtClean="0"/>
+              <a:rPr lang="en-US" dirty="0" smtClean="0"/>
               <a:t>Tables</a:t>
             </a:r>
             <a:r>
-              <a:rPr lang="en-US" smtClean="0">
+              <a:rPr lang="en-US" dirty="0" smtClean="0">
                 <a:solidFill>
                   <a:schemeClr val="bg1">
                     <a:lumMod val="50000"/>
@@ -7034,11 +7567,11 @@
               <a:buAutoNum type="arabicPeriod"/>
             </a:pPr>
             <a:r>
-              <a:rPr lang="en-US" smtClean="0"/>
+              <a:rPr lang="en-US" dirty="0" smtClean="0"/>
               <a:t>Views</a:t>
             </a:r>
             <a:r>
-              <a:rPr lang="en-US" smtClean="0">
+              <a:rPr lang="en-US" dirty="0" smtClean="0">
                 <a:solidFill>
                   <a:schemeClr val="bg1">
                     <a:lumMod val="50000"/>
@@ -7054,11 +7587,11 @@
               <a:buAutoNum type="arabicPeriod"/>
             </a:pPr>
             <a:r>
-              <a:rPr lang="en-US" smtClean="0"/>
+              <a:rPr lang="en-US" dirty="0" smtClean="0"/>
               <a:t>M5_ links</a:t>
             </a:r>
             <a:r>
-              <a:rPr lang="en-US" smtClean="0">
+              <a:rPr lang="en-US" dirty="0" smtClean="0">
                 <a:solidFill>
                   <a:schemeClr val="bg1">
                     <a:lumMod val="50000"/>
@@ -7074,11 +7607,11 @@
               <a:buAutoNum type="arabicPeriod"/>
             </a:pPr>
             <a:r>
-              <a:rPr lang="en-US" smtClean="0"/>
+              <a:rPr lang="en-US" dirty="0" smtClean="0"/>
               <a:t>Global Data Dictionary</a:t>
             </a:r>
             <a:r>
-              <a:rPr lang="en-US" smtClean="0">
+              <a:rPr lang="en-US" dirty="0" smtClean="0">
                 <a:solidFill>
                   <a:schemeClr val="bg1">
                     <a:lumMod val="50000"/>
@@ -7094,11 +7627,11 @@
               <a:buAutoNum type="arabicPeriod"/>
             </a:pPr>
             <a:r>
-              <a:rPr lang="en-US" smtClean="0"/>
+              <a:rPr lang="en-US" dirty="0" smtClean="0"/>
               <a:t>Admin Email</a:t>
             </a:r>
             <a:r>
-              <a:rPr lang="en-US" smtClean="0">
+              <a:rPr lang="en-US" dirty="0" smtClean="0">
                 <a:solidFill>
                   <a:schemeClr val="bg1">
                     <a:lumMod val="50000"/>
@@ -7114,26 +7647,39 @@
               <a:buAutoNum type="arabicPeriod"/>
             </a:pPr>
             <a:r>
-              <a:rPr lang="en-US" smtClean="0"/>
+              <a:rPr lang="en-US" dirty="0" smtClean="0"/>
               <a:t>Version Star -</a:t>
             </a:r>
             <a:r>
-              <a:rPr lang="en-US" smtClean="0">
+              <a:rPr lang="en-US" dirty="0" smtClean="0">
                 <a:solidFill>
                   <a:schemeClr val="bg1">
                     <a:lumMod val="50000"/>
                   </a:schemeClr>
                 </a:solidFill>
               </a:rPr>
-              <a:t> Use "**" for version differences</a:t>
-            </a:r>
-            <a:endParaRPr lang="en-US" dirty="0" smtClean="0">
-              <a:solidFill>
-                <a:schemeClr val="bg1">
-                  <a:lumMod val="50000"/>
-                </a:schemeClr>
-              </a:solidFill>
-            </a:endParaRPr>
+              <a:t> Use </a:t>
+            </a:r>
+            <a:r>
+              <a:rPr lang="en-US" dirty="0" smtClean="0">
+                <a:solidFill>
+                  <a:schemeClr val="bg1">
+                    <a:lumMod val="50000"/>
+                  </a:schemeClr>
+                </a:solidFill>
+              </a:rPr>
+              <a:t>"**" </a:t>
+            </a:r>
+            <a:r>
+              <a:rPr lang="en-US" dirty="0" smtClean="0">
+                <a:solidFill>
+                  <a:schemeClr val="bg1">
+                    <a:lumMod val="50000"/>
+                  </a:schemeClr>
+                </a:solidFill>
+              </a:rPr>
+              <a:t>for version differences</a:t>
+            </a:r>
           </a:p>
         </p:txBody>
       </p:sp>
@@ -7154,7 +7700,7 @@
           <a:p>
             <a:fld id="{8C6FBF27-FCE1-40A4-AD2E-EA28EB5C01F0}" type="datetime1">
               <a:rPr lang="en-US" smtClean="0"/>
-              <a:t>10/28/2017</a:t>
+              <a:t>10/29/2017</a:t>
             </a:fld>
             <a:endParaRPr lang="en-US"/>
           </a:p>
@@ -8913,7 +9459,7 @@
           <a:p>
             <a:fld id="{12698F6C-3B60-45A8-AA68-1C639B61BEFF}" type="datetime1">
               <a:rPr lang="en-US" smtClean="0"/>
-              <a:t>10/28/2017</a:t>
+              <a:t>10/29/2017</a:t>
             </a:fld>
             <a:endParaRPr lang="en-US" dirty="0"/>
           </a:p>
@@ -9025,7 +9571,7 @@
           <a:p>
             <a:fld id="{12698F6C-3B60-45A8-AA68-1C639B61BEFF}" type="datetime1">
               <a:rPr lang="en-US" smtClean="0"/>
-              <a:t>10/28/2017</a:t>
+              <a:t>10/29/2017</a:t>
             </a:fld>
             <a:endParaRPr lang="en-US" dirty="0"/>
           </a:p>
@@ -9174,7 +9720,7 @@
           <a:p>
             <a:fld id="{12698F6C-3B60-45A8-AA68-1C639B61BEFF}" type="datetime1">
               <a:rPr lang="en-US" smtClean="0"/>
-              <a:t>10/28/2017</a:t>
+              <a:t>10/29/2017</a:t>
             </a:fld>
             <a:endParaRPr lang="en-US" dirty="0"/>
           </a:p>
@@ -9325,7 +9871,7 @@
           <a:p>
             <a:fld id="{12698F6C-3B60-45A8-AA68-1C639B61BEFF}" type="datetime1">
               <a:rPr lang="en-US" smtClean="0"/>
-              <a:t>10/28/2017</a:t>
+              <a:t>10/29/2017</a:t>
             </a:fld>
             <a:endParaRPr lang="en-US" dirty="0"/>
           </a:p>
@@ -9471,7 +10017,7 @@
           <a:p>
             <a:fld id="{12698F6C-3B60-45A8-AA68-1C639B61BEFF}" type="datetime1">
               <a:rPr lang="en-US" smtClean="0"/>
-              <a:t>10/28/2017</a:t>
+              <a:t>10/29/2017</a:t>
             </a:fld>
             <a:endParaRPr lang="en-US" dirty="0"/>
           </a:p>
@@ -9714,7 +10260,7 @@
           <a:p>
             <a:fld id="{FC4CB26D-ED02-41C0-8C14-C61605713420}" type="datetime1">
               <a:rPr lang="en-US" smtClean="0"/>
-              <a:t>10/28/2017</a:t>
+              <a:t>10/29/2017</a:t>
             </a:fld>
             <a:endParaRPr lang="en-US"/>
           </a:p>
@@ -9982,7 +10528,11 @@
             </a:pPr>
             <a:r>
               <a:rPr lang="en-US" dirty="0" smtClean="0"/>
-              <a:t>Free download, follow install_method5.md and administer_method5.md</a:t>
+              <a:t>Download open source code, follow </a:t>
+            </a:r>
+            <a:r>
+              <a:rPr lang="en-US" dirty="0" smtClean="0"/>
+              <a:t>install_method5.md and administer_method5.md</a:t>
             </a:r>
           </a:p>
           <a:p>
@@ -10049,7 +10599,7 @@
           <a:p>
             <a:fld id="{8A97B252-A157-47EE-8D8D-B5B4DAA37260}" type="datetime1">
               <a:rPr lang="en-US" smtClean="0"/>
-              <a:t>10/28/2017</a:t>
+              <a:t>10/29/2017</a:t>
             </a:fld>
             <a:endParaRPr lang="en-US"/>
           </a:p>
@@ -10368,7 +10918,7 @@
           <a:p>
             <a:fld id="{04FA3B08-0866-4F48-BECB-8AEAA49887FE}" type="datetime1">
               <a:rPr lang="en-US" smtClean="0"/>
-              <a:t>10/28/2017</a:t>
+              <a:t>10/29/2017</a:t>
             </a:fld>
             <a:endParaRPr lang="en-US"/>
           </a:p>
@@ -10579,7 +11129,7 @@
           <a:p>
             <a:fld id="{E18E99D8-5B8F-468C-BBE7-526BD68FE572}" type="datetime1">
               <a:rPr lang="en-US" smtClean="0"/>
-              <a:t>10/28/2017</a:t>
+              <a:t>10/29/2017</a:t>
             </a:fld>
             <a:endParaRPr lang="en-US"/>
           </a:p>
@@ -10772,7 +11322,7 @@
           <a:p>
             <a:fld id="{4E667C21-B277-46CB-80E7-1C015420E7D1}" type="datetime1">
               <a:rPr lang="en-US" smtClean="0"/>
-              <a:t>10/28/2017</a:t>
+              <a:t>10/29/2017</a:t>
             </a:fld>
             <a:endParaRPr lang="en-US" dirty="0"/>
           </a:p>
@@ -10975,7 +11525,7 @@
           <a:p>
             <a:fld id="{E0B1ECC0-3D31-49BF-9732-FEB21E3BFE0B}" type="datetime1">
               <a:rPr lang="en-US" smtClean="0"/>
-              <a:t>10/28/2017</a:t>
+              <a:t>10/29/2017</a:t>
             </a:fld>
             <a:endParaRPr lang="en-US"/>
           </a:p>
@@ -11352,7 +11902,7 @@
           <a:p>
             <a:fld id="{59A89C50-A88C-43DA-A017-AA6F35F0B0C8}" type="datetime1">
               <a:rPr lang="en-US" smtClean="0"/>
-              <a:t>10/28/2017</a:t>
+              <a:t>10/29/2017</a:t>
             </a:fld>
             <a:endParaRPr lang="en-US"/>
           </a:p>
@@ -11489,7 +12039,7 @@
           <a:p>
             <a:fld id="{AA1E44A8-32B0-4E5A-A6DF-07DB1E700CAE}" type="datetime1">
               <a:rPr lang="en-US" smtClean="0"/>
-              <a:t>10/28/2017</a:t>
+              <a:t>10/29/2017</a:t>
             </a:fld>
             <a:endParaRPr lang="en-US"/>
           </a:p>
@@ -12298,7 +12848,7 @@
           <a:p>
             <a:fld id="{1AF7749E-7951-4D42-9C43-2FC8E80375B1}" type="datetime1">
               <a:rPr lang="en-US" smtClean="0"/>
-              <a:t>10/28/2017</a:t>
+              <a:t>10/29/2017</a:t>
             </a:fld>
             <a:endParaRPr lang="en-US"/>
           </a:p>
@@ -12426,7 +12976,23 @@
             </a:r>
             <a:r>
               <a:rPr lang="en-US" dirty="0"/>
-              <a:t>2014 for the largest healthcare data center in the </a:t>
+              <a:t>2014 for </a:t>
+            </a:r>
+            <a:r>
+              <a:rPr lang="en-US" dirty="0" smtClean="0"/>
+              <a:t>one of the </a:t>
+            </a:r>
+            <a:r>
+              <a:rPr lang="en-US" dirty="0"/>
+              <a:t>largest healthcare data </a:t>
+            </a:r>
+            <a:r>
+              <a:rPr lang="en-US" dirty="0" smtClean="0"/>
+              <a:t>centers </a:t>
+            </a:r>
+            <a:r>
+              <a:rPr lang="en-US" dirty="0"/>
+              <a:t>in the </a:t>
             </a:r>
             <a:r>
               <a:rPr lang="en-US" dirty="0" smtClean="0"/>
@@ -12482,7 +13048,7 @@
           <a:p>
             <a:fld id="{60D7856B-577C-489D-A2A8-2F221F81FEFA}" type="datetime1">
               <a:rPr lang="en-US" smtClean="0"/>
-              <a:t>10/28/2017</a:t>
+              <a:t>10/29/2017</a:t>
             </a:fld>
             <a:endParaRPr lang="en-US"/>
           </a:p>
@@ -12811,7 +13377,7 @@
               </a:rPr>
             </a:br>
             <a:r>
-              <a:rPr lang="en-US" sz="4000" b="1" dirty="0">
+              <a:rPr lang="en-US" sz="4000" b="1" dirty="0" smtClean="0">
                 <a:solidFill>
                   <a:srgbClr val="008080"/>
                 </a:solidFill>
@@ -13062,19 +13628,7 @@
                 </a:highlight>
                 <a:latin typeface="Courier New"/>
               </a:rPr>
-              <a:t>          </a:t>
-            </a:r>
-            <a:r>
-              <a:rPr lang="en-US" sz="4000" b="1" dirty="0" smtClean="0">
-                <a:solidFill>
-                  <a:srgbClr val="000080"/>
-                </a:solidFill>
-                <a:highlight>
-                  <a:srgbClr val="FFFFFF"/>
-                </a:highlight>
-                <a:latin typeface="Courier New"/>
-              </a:rPr>
-              <a:t>=&gt; </a:t>
+              <a:t>          =&gt; </a:t>
             </a:r>
             <a:r>
               <a:rPr lang="en-US" sz="4000" b="1" dirty="0">
@@ -13438,7 +13992,7 @@
           <a:p>
             <a:fld id="{12698F6C-3B60-45A8-AA68-1C639B61BEFF}" type="datetime1">
               <a:rPr lang="en-US" smtClean="0"/>
-              <a:t>10/28/2017</a:t>
+              <a:t>10/29/2017</a:t>
             </a:fld>
             <a:endParaRPr lang="en-US" dirty="0"/>
           </a:p>
@@ -13780,8 +14334,25 @@
                   </a:schemeClr>
                 </a:solidFill>
               </a:rPr>
-              <a:t> - fast, asynchronous</a:t>
-            </a:r>
+              <a:t> - fast, </a:t>
+            </a:r>
+            <a:r>
+              <a:rPr lang="en-US" dirty="0" smtClean="0">
+                <a:solidFill>
+                  <a:schemeClr val="bg1">
+                    <a:lumMod val="50000"/>
+                  </a:schemeClr>
+                </a:solidFill>
+              </a:rPr>
+              <a:t>parallel, asynchronous</a:t>
+            </a:r>
+            <a:endParaRPr lang="en-US" dirty="0" smtClean="0">
+              <a:solidFill>
+                <a:schemeClr val="bg1">
+                  <a:lumMod val="50000"/>
+                </a:schemeClr>
+              </a:solidFill>
+            </a:endParaRPr>
           </a:p>
           <a:p>
             <a:pPr marL="514350" indent="-514350">
@@ -13880,7 +14451,17 @@
                   </a:schemeClr>
                 </a:solidFill>
               </a:rPr>
-              <a:t>- handled</a:t>
+              <a:t>- </a:t>
+            </a:r>
+            <a:r>
+              <a:rPr lang="en-US" dirty="0" smtClean="0">
+                <a:solidFill>
+                  <a:schemeClr val="bg1">
+                    <a:lumMod val="50000"/>
+                  </a:schemeClr>
+                </a:solidFill>
+              </a:rPr>
+              <a:t>handled</a:t>
             </a:r>
             <a:endParaRPr lang="en-US" dirty="0">
               <a:solidFill>
@@ -13909,7 +14490,7 @@
           <a:p>
             <a:fld id="{D97E924C-66F2-4356-A8CE-66225EAB43F5}" type="datetime1">
               <a:rPr lang="en-US" smtClean="0"/>
-              <a:t>10/28/2017</a:t>
+              <a:t>10/29/2017</a:t>
             </a:fld>
             <a:endParaRPr lang="en-US"/>
           </a:p>

--- a/presentations/Method5.pptx
+++ b/presentations/Method5.pptx
@@ -5,10 +5,10 @@
     <p:sldMasterId id="2147483648" r:id="rId1"/>
   </p:sldMasterIdLst>
   <p:notesMasterIdLst>
-    <p:notesMasterId r:id="rId23"/>
+    <p:notesMasterId r:id="rId27"/>
   </p:notesMasterIdLst>
   <p:handoutMasterIdLst>
-    <p:handoutMasterId r:id="rId24"/>
+    <p:handoutMasterId r:id="rId28"/>
   </p:handoutMasterIdLst>
   <p:sldIdLst>
     <p:sldId id="256" r:id="rId2"/>
@@ -30,8 +30,12 @@
     <p:sldId id="279" r:id="rId18"/>
     <p:sldId id="264" r:id="rId19"/>
     <p:sldId id="265" r:id="rId20"/>
-    <p:sldId id="267" r:id="rId21"/>
-    <p:sldId id="268" r:id="rId22"/>
+    <p:sldId id="282" r:id="rId21"/>
+    <p:sldId id="284" r:id="rId22"/>
+    <p:sldId id="285" r:id="rId23"/>
+    <p:sldId id="286" r:id="rId24"/>
+    <p:sldId id="267" r:id="rId25"/>
+    <p:sldId id="268" r:id="rId26"/>
   </p:sldIdLst>
   <p:sldSz cx="9144000" cy="5143500" type="screen16x9"/>
   <p:notesSz cx="6858000" cy="9144000"/>
@@ -215,7 +219,7 @@
           <a:p>
             <a:fld id="{E8184847-EC06-4734-8E30-343A2DA340C9}" type="datetimeFigureOut">
               <a:rPr lang="en-US" smtClean="0"/>
-              <a:t>10/29/2017</a:t>
+              <a:t>2/13/2018</a:t>
             </a:fld>
             <a:endParaRPr lang="en-US"/>
           </a:p>
@@ -380,7 +384,7 @@
           <a:p>
             <a:fld id="{DC284B00-8F05-4CB2-A4E6-4A642AFA915E}" type="datetimeFigureOut">
               <a:rPr lang="en-US" smtClean="0"/>
-              <a:t>10/29/2017</a:t>
+              <a:t>2/13/2018</a:t>
             </a:fld>
             <a:endParaRPr lang="en-US"/>
           </a:p>
@@ -1012,15 +1016,7 @@
             </a:r>
             <a:r>
               <a:rPr lang="en-US" baseline="0" dirty="0" smtClean="0"/>
-              <a:t>Every night Method5 gathers some common data into tables such as M5_DBA_TABLES, </a:t>
-            </a:r>
-            <a:r>
-              <a:rPr lang="en-US" baseline="0" dirty="0" smtClean="0"/>
-              <a:t>M5_V$PARAMETER, M5_USER</a:t>
-            </a:r>
-            <a:r>
-              <a:rPr lang="en-US" baseline="0" dirty="0" smtClean="0"/>
-              <a:t>$, M5_DBA_ROLE_PRIVS, M5_DBA_SYS_PRIVS, and M5_DBA_TAB_PRIVS.  Having this data instantly available makes some tasks much simpler, such as finding out where a user exists, or where an object is granted.</a:t>
+              <a:t>Every night Method5 gathers some common data into tables such as M5_DBA_TABLES, M5_V$PARAMETER, M5_USER$, M5_DBA_ROLE_PRIVS, M5_DBA_SYS_PRIVS, and M5_DBA_TAB_PRIVS.  Having this data instantly available makes some tasks much simpler, such as finding out where a user exists, or where an object is granted.</a:t>
             </a:r>
           </a:p>
           <a:p>
@@ -1033,11 +1029,7 @@
             </a:r>
             <a:r>
               <a:rPr lang="en-US" b="0" baseline="0" dirty="0" smtClean="0"/>
-              <a:t>An email is sent to the administrator every day listing issues encountered by Method5.  These problems are often a blessing in disguise.  For example, if a job never finished and had to be manually killed that implies one of your databases is unavailable.  Method5 will often catch a problem that OEM missed</a:t>
-            </a:r>
-            <a:r>
-              <a:rPr lang="en-US" b="0" baseline="0" dirty="0" smtClean="0"/>
-              <a:t>.</a:t>
+              <a:t>An email is sent to the administrator every day listing issues encountered by Method5.  These problems are often a blessing in disguise.  For example, if a job never finished and had to be manually killed that implies one of your databases is unavailable.  Method5 will often catch a problem that OEM missed.</a:t>
             </a:r>
             <a:endParaRPr lang="en-US" b="1" baseline="0" dirty="0" smtClean="0"/>
           </a:p>
@@ -1047,11 +1039,20 @@
             </a:pPr>
             <a:r>
               <a:rPr lang="en-US" b="1" baseline="0" dirty="0" smtClean="0"/>
-              <a:t>6. Version Star –</a:t>
+              <a:t>6. Version Star -</a:t>
             </a:r>
             <a:r>
               <a:rPr lang="en-US" b="0" baseline="0" dirty="0" smtClean="0"/>
               <a:t> Querying different versions of Oracle can be difficult because the data dictionary has different columns.  For example, most data dictionary views in 12c have the new CON_ID column.  A "select * from v$..." will return different result sets between 11g and 12c.  To get around this issue, if you replace "*" with "**", Method5 will convert the "**" into an explicit list of columns based on the lowest Oracle version.  This avoids "not enough values" or "too many values" errors, and ensures that all databases return data regardless of the version.  The results will miss some of the newer columns, such as CON_ID.</a:t>
+            </a:r>
+          </a:p>
+          <a:p>
+            <a:pPr marL="0" indent="0">
+              <a:buNone/>
+            </a:pPr>
+            <a:r>
+              <a:rPr lang="en-US" b="0" baseline="0" dirty="0" smtClean="0"/>
+              <a:t>7. Examples - The /examples folder containers some simple examples as well as some complex, pre-built solutions for some common but complex problems.  For example, space forecasting, multi-database schema comparisons, parameter comparisons, etc.</a:t>
             </a:r>
             <a:endParaRPr lang="en-US" b="1" baseline="0" dirty="0" smtClean="0"/>
           </a:p>
@@ -1158,35 +1159,14 @@
           <a:p>
             <a:r>
               <a:rPr lang="en-US" baseline="0" dirty="0" smtClean="0"/>
-              <a:t>2. Next the M5_METADATA table is queried.  Since jobs are still running in the background, IS_COMPLETE is still set to No, and the TARGETS_COMPLETED does not equal the TARGETS_EXPECTED yet.  You'll probably want to </a:t>
-            </a:r>
+              <a:t>2. Next the M5_METADATA table is queried.  Since jobs are still running in the background, IS_COMPLETE is still set to No, and the TARGETS_COMPLETED does not equal the TARGETS_EXPECTED yet.  You'll probably want to query this view a few times to watch the progress of the background jobs.  (Not shown on the screenshot are some other columns like TARGETS_WITH_ERRORS, NUM_ROWS, CODE, and TARGETS.)</a:t>
+            </a:r>
+          </a:p>
+          <a:p>
             <a:r>
               <a:rPr lang="en-US" baseline="0" dirty="0" smtClean="0"/>
-              <a:t>query this </a:t>
-            </a:r>
-            <a:r>
-              <a:rPr lang="en-US" baseline="0" dirty="0" smtClean="0"/>
-              <a:t>view a few times </a:t>
-            </a:r>
-            <a:r>
-              <a:rPr lang="en-US" baseline="0" dirty="0" smtClean="0"/>
-              <a:t>to watch the progress of the background jobs.  </a:t>
-            </a:r>
-            <a:r>
-              <a:rPr lang="en-US" baseline="0" dirty="0" smtClean="0"/>
-              <a:t>(Not shown on the screenshot are some other columns like TARGETS_WITH_ERRORS, NUM_ROWS, CODE, and TARGETS.)</a:t>
-            </a:r>
-          </a:p>
-          <a:p>
-            <a:r>
-              <a:rPr lang="en-US" baseline="0" dirty="0" smtClean="0"/>
-              <a:t>3. The current results can be queried in M5_RESULTS</a:t>
-            </a:r>
-            <a:r>
-              <a:rPr lang="en-US" baseline="0" dirty="0" smtClean="0"/>
-              <a:t>.  It returns the same columns as the input query, as well as a column for the DATABASE_NAME.</a:t>
-            </a:r>
-            <a:endParaRPr lang="en-US" baseline="0" dirty="0" smtClean="0"/>
+              <a:t>3. The current results can be queried in M5_RESULTS.  It returns the same columns as the input query, as well as a column for the DATABASE_NAME.</a:t>
+            </a:r>
           </a:p>
           <a:p>
             <a:r>
@@ -1200,11 +1180,7 @@
           <a:p>
             <a:r>
               <a:rPr lang="en-US" baseline="0" dirty="0" smtClean="0"/>
-              <a:t>(The screenshot does not show all the columns and values because it's hard to fit them on a screen.  The example uses SQL*Plus for its simple text formatting, but in practice you will probably want to use an IDE like PL/SQL Developer, Toad, Oracle SQL Developer, etc.  The exact same code will run on any IDE</a:t>
-            </a:r>
-            <a:r>
-              <a:rPr lang="en-US" baseline="0" dirty="0" smtClean="0"/>
-              <a:t>.)</a:t>
+              <a:t>(The screenshot does not show all the columns and values because it's hard to fit them on a screen.  The example uses SQL*Plus for its simple text formatting, but in practice you will probably want to use an IDE like PL/SQL Developer, Toad, Oracle SQL Developer, etc.  The exact same code will run on any IDE.)</a:t>
             </a:r>
           </a:p>
           <a:p>
@@ -1601,15 +1577,7 @@
             </a:r>
             <a:r>
               <a:rPr lang="en-US" baseline="0" dirty="0" smtClean="0"/>
-              <a:t> can help identify data files created in the wrong directory.  For example, we use ASM and have tens of thousands of data files.  Occasionally when someone forgets to use the </a:t>
-            </a:r>
-            <a:r>
-              <a:rPr lang="en-US" baseline="0" dirty="0" smtClean="0"/>
-              <a:t>plus </a:t>
-            </a:r>
-            <a:r>
-              <a:rPr lang="en-US" baseline="0" dirty="0" smtClean="0"/>
-              <a:t>sign the data file gets created on a local filesystem instead of ASM.  This query makes it easy to find those mistakes.</a:t>
+              <a:t> can help identify data files created in the wrong directory.  For example, we use ASM and have tens of thousands of data files.  Occasionally when someone forgets to use the plus sign the data file gets created on a local filesystem instead of ASM.  This query makes it easy to find those mistakes.</a:t>
             </a:r>
           </a:p>
           <a:p>
@@ -1623,11 +1591,7 @@
             </a:r>
             <a:r>
               <a:rPr lang="en-US" baseline="0" dirty="0" smtClean="0"/>
-              <a:t>.  </a:t>
-            </a:r>
-            <a:r>
-              <a:rPr lang="en-US" baseline="0" dirty="0" smtClean="0"/>
-              <a:t>Some /</a:t>
+              <a:t>.  Some /</a:t>
             </a:r>
             <a:r>
               <a:rPr lang="en-US" baseline="0" dirty="0" err="1" smtClean="0"/>
@@ -1635,11 +1599,7 @@
             </a:r>
             <a:r>
               <a:rPr lang="en-US" baseline="0" dirty="0" smtClean="0"/>
-              <a:t> filesystems are </a:t>
-            </a:r>
-            <a:r>
-              <a:rPr lang="en-US" baseline="0" dirty="0" smtClean="0"/>
-              <a:t>stored in memory so if someone stores a huge file in /</a:t>
+              <a:t> filesystems are stored in memory so if someone stores a huge file in /</a:t>
             </a:r>
             <a:r>
               <a:rPr lang="en-US" baseline="0" dirty="0" err="1" smtClean="0"/>
@@ -1653,15 +1613,7 @@
           <a:p>
             <a:r>
               <a:rPr lang="en-US" baseline="0" dirty="0" smtClean="0"/>
-              <a:t>3. </a:t>
-            </a:r>
-            <a:r>
-              <a:rPr lang="en-US" baseline="0" dirty="0" smtClean="0"/>
-              <a:t>Users and consultants often </a:t>
-            </a:r>
-            <a:r>
-              <a:rPr lang="en-US" baseline="0" dirty="0" smtClean="0"/>
-              <a:t>forget that infrastructure DBAs don't know where their schemas are located.  Instead of asking them, "what databases are you talking about", we can very easily look up the information ourselves in the global data dictionary.  This saves us time and makes us look better.</a:t>
+              <a:t>3. Users and consultants often forget that infrastructure DBAs don't know where their schemas are located.  Instead of asking them, "what databases are you talking about", we can very easily look up the information ourselves in the global data dictionary.  This saves us time and makes us look better.</a:t>
             </a:r>
           </a:p>
           <a:p>
@@ -2014,25 +1966,8 @@
           <a:p>
             <a:r>
               <a:rPr lang="en-US" baseline="0" dirty="0" smtClean="0"/>
-              <a:t>An email is generated using those data and forecasts.  The </a:t>
-            </a:r>
-            <a:r>
-              <a:rPr lang="en-US" baseline="0" dirty="0" smtClean="0"/>
-              <a:t>top servers are not the ones with the highest percent of storage.  The top servers are the ones forecasted to run out of space first.  The forecasts are generated as HTML </a:t>
-            </a:r>
-            <a:r>
-              <a:rPr lang="en-US" baseline="0" dirty="0" smtClean="0"/>
-              <a:t>with links to Google </a:t>
-            </a:r>
-            <a:r>
-              <a:rPr lang="en-US" baseline="0" dirty="0" smtClean="0"/>
-              <a:t>Charts, which returns static PNG images that can be rendered in an email client</a:t>
-            </a:r>
-            <a:r>
-              <a:rPr lang="en-US" baseline="0" dirty="0" smtClean="0"/>
-              <a:t>.</a:t>
-            </a:r>
-            <a:endParaRPr lang="en-US" baseline="0" dirty="0" smtClean="0"/>
+              <a:t>An email is generated using those data and forecasts.  The top servers are not the ones with the highest percent of storage.  The top servers are the ones forecasted to run out of space first.  The forecasts are generated as HTML with links to Google Charts, which returns static PNG images that can be rendered in an email client.</a:t>
+            </a:r>
           </a:p>
           <a:p>
             <a:endParaRPr lang="en-US" baseline="0" dirty="0" smtClean="0"/>
@@ -2170,19 +2105,7 @@
                 <a:latin typeface="Courier" pitchFamily="49" charset="0"/>
                 <a:cs typeface="Courier New" panose="02070309020205020404" pitchFamily="49" charset="0"/>
               </a:rPr>
-              <a:t> group by </a:t>
-            </a:r>
-            <a:r>
-              <a:rPr lang="en-US" i="1" baseline="0" dirty="0" smtClean="0">
-                <a:solidFill>
-                  <a:schemeClr val="bg1">
-                    <a:lumMod val="50000"/>
-                  </a:schemeClr>
-                </a:solidFill>
-                <a:latin typeface="Courier" pitchFamily="49" charset="0"/>
-                <a:cs typeface="Courier New" panose="02070309020205020404" pitchFamily="49" charset="0"/>
-              </a:rPr>
-              <a:t>owner;</a:t>
+              <a:t> group by owner;</a:t>
             </a:r>
             <a:endParaRPr lang="en-US" baseline="0" dirty="0" smtClean="0"/>
           </a:p>
@@ -2212,15 +2135,7 @@
             </a:r>
             <a:r>
               <a:rPr lang="en-US" baseline="0" dirty="0" smtClean="0"/>
-              <a:t> is multiple levels deep, and you can click on each </a:t>
-            </a:r>
-            <a:r>
-              <a:rPr lang="en-US" baseline="0" dirty="0" smtClean="0"/>
-              <a:t>box to </a:t>
-            </a:r>
-            <a:r>
-              <a:rPr lang="en-US" baseline="0" dirty="0" smtClean="0"/>
-              <a:t>zoom in.  The grouping order is configurable, so you can create different </a:t>
+              <a:t> is multiple levels deep, and you can click on each box to zoom in.  The grouping order is configurable, so you can create different </a:t>
             </a:r>
             <a:r>
               <a:rPr lang="en-US" baseline="0" dirty="0" err="1" smtClean="0"/>
@@ -2228,15 +2143,7 @@
             </a:r>
             <a:r>
               <a:rPr lang="en-US" baseline="0" dirty="0" smtClean="0"/>
-              <a:t> with different groupings.  For example, you may want to see the largest database first, then grouped by the largest owner.  Or </a:t>
-            </a:r>
-            <a:r>
-              <a:rPr lang="en-US" baseline="0" dirty="0" smtClean="0"/>
-              <a:t>you cam see </a:t>
-            </a:r>
-            <a:r>
-              <a:rPr lang="en-US" baseline="0" dirty="0" smtClean="0"/>
-              <a:t>the largest owner, then grouped by database.</a:t>
+              <a:t> with different groupings.  For example, you may want to see the largest database first, then grouped by the largest owner.  Or you cam see the largest owner, then grouped by database.</a:t>
             </a:r>
             <a:endParaRPr lang="en-US" dirty="0"/>
           </a:p>
@@ -2345,15 +2252,7 @@
             </a:pPr>
             <a:r>
               <a:rPr lang="en-US" baseline="0" dirty="0" smtClean="0"/>
-              <a:t>2. Database links </a:t>
-            </a:r>
-            <a:r>
-              <a:rPr lang="en-US" baseline="0" dirty="0" smtClean="0"/>
-              <a:t>tie </a:t>
-            </a:r>
-            <a:r>
-              <a:rPr lang="en-US" baseline="0" dirty="0" smtClean="0"/>
-              <a:t>everything together.  Database links have gotten a bad reputation.  Yes, many people make horrible mistakes with them, but when used right it makes inter-database communication incredibly simple.</a:t>
+              <a:t>2. Database links tie everything together.  Database links have gotten a bad reputation.  Yes, many people make horrible mistakes with them, but when used right it makes inter-database communication incredibly simple.</a:t>
             </a:r>
           </a:p>
           <a:p>
@@ -2370,13 +2269,8 @@
             </a:r>
             <a:r>
               <a:rPr lang="en-US" baseline="0" dirty="0" smtClean="0"/>
-              <a:t> is a requirement to build a robust system that can handle any </a:t>
-            </a:r>
-            <a:r>
-              <a:rPr lang="en-US" baseline="0" dirty="0" smtClean="0"/>
-              <a:t>code you throw at it.</a:t>
-            </a:r>
-            <a:endParaRPr lang="en-US" baseline="0" dirty="0" smtClean="0"/>
+              <a:t> is a requirement to build a robust system that can handle any code you throw at it.</a:t>
+            </a:r>
           </a:p>
           <a:p>
             <a:pPr marL="0" indent="0">
@@ -2717,12 +2611,7 @@
             <p:ph type="sldImg"/>
           </p:nvPr>
         </p:nvSpPr>
-        <p:spPr>
-          <a:xfrm>
-            <a:off x="381000" y="685800"/>
-            <a:ext cx="6096000" cy="3429000"/>
-          </a:xfrm>
-        </p:spPr>
+        <p:spPr/>
       </p:sp>
       <p:sp>
         <p:nvSpPr>
@@ -2739,6 +2628,100 @@
           <a:bodyPr/>
           <a:lstStyle/>
           <a:p>
+            <a:r>
+              <a:rPr lang="en-US" dirty="0" smtClean="0"/>
+              <a:t>Remote execution is a powerful tool that must be properly secured. </a:t>
+            </a:r>
+            <a:r>
+              <a:rPr lang="en-US" baseline="0" dirty="0" smtClean="0"/>
+              <a:t> Method5 has been carefully hardened to avoid security issues.</a:t>
+            </a:r>
+          </a:p>
+          <a:p>
+            <a:pPr marL="0" indent="0">
+              <a:buNone/>
+            </a:pPr>
+            <a:r>
+              <a:rPr lang="en-US" b="1" baseline="0" dirty="0" smtClean="0"/>
+              <a:t>1. No stupid mistakes.</a:t>
+            </a:r>
+            <a:r>
+              <a:rPr lang="en-US" baseline="0" dirty="0" smtClean="0"/>
+              <a:t>  There are no public database links.  That should go without saying but it's unfortunately all too common for homemade scripts to use that insecure feature.  Method5 only uses password hashes and never displays or stores any passwords.  Nobody will ever know the Method5 password.  Even if someone happens to break into a system, steal the password hash, and decrypt it on a supercomputer, it still won't work.  Method5 accounts are protected by a schema trigger that does not allow users to directly connect to it.</a:t>
+            </a:r>
+          </a:p>
+          <a:p>
+            <a:pPr marL="0" indent="0">
+              <a:buNone/>
+            </a:pPr>
+            <a:r>
+              <a:rPr lang="en-US" b="1" dirty="0" smtClean="0"/>
+              <a:t>2. Auditing.</a:t>
+            </a:r>
+            <a:r>
+              <a:rPr lang="en-US" baseline="0" dirty="0" smtClean="0"/>
+              <a:t>  </a:t>
+            </a:r>
+            <a:r>
+              <a:rPr lang="en-US" dirty="0" smtClean="0"/>
+              <a:t>All commands</a:t>
+            </a:r>
+            <a:r>
+              <a:rPr lang="en-US" baseline="0" dirty="0" smtClean="0"/>
+              <a:t> are audited, both in M5_AUDIT and in the database audit trail.  You can always tell who ran what, when.</a:t>
+            </a:r>
+          </a:p>
+          <a:p>
+            <a:pPr marL="0" indent="0">
+              <a:buNone/>
+            </a:pPr>
+            <a:r>
+              <a:rPr lang="en-US" b="1" baseline="0" dirty="0" smtClean="0"/>
+              <a:t>3. Multi-step authentication.</a:t>
+            </a:r>
+            <a:r>
+              <a:rPr lang="en-US" baseline="0" dirty="0" smtClean="0"/>
+              <a:t>  By default users can only access Method5 from an expected operating system username.  This provides at least multi-step authentication, and it may provide multi-factor authentication if your operating system authentication requires a token.  (This feature can be disabled.)</a:t>
+            </a:r>
+          </a:p>
+          <a:p>
+            <a:pPr marL="0" indent="0">
+              <a:buNone/>
+            </a:pPr>
+            <a:r>
+              <a:rPr lang="en-US" b="1" baseline="0" dirty="0" smtClean="0"/>
+              <a:t>4. Intrusion detection.</a:t>
+            </a:r>
+            <a:r>
+              <a:rPr lang="en-US" baseline="0" dirty="0" smtClean="0"/>
+              <a:t>  An email is sent to the administrator whenever someone tries to access M5 or M5_PROC with the correct authorization, or whenever someone changes one of the critical configuration tables.  This will hopefully alert you if someone is trying to break into Method5.</a:t>
+            </a:r>
+          </a:p>
+          <a:p>
+            <a:pPr marL="0" indent="0">
+              <a:buNone/>
+            </a:pPr>
+            <a:r>
+              <a:rPr lang="en-US" b="1" baseline="0" dirty="0" smtClean="0"/>
+              <a:t>5. Shell script and SYS.</a:t>
+            </a:r>
+            <a:r>
+              <a:rPr lang="en-US" baseline="0" dirty="0" smtClean="0"/>
+              <a:t>  The shell script and SYS commands are extra powerful and have extra protection.  Even if somebody breaks into a DBA account on a remote database they will not be able to use those features.  The code for those features is stored in the SYS schema, and requires a properly encrypted command sent from the master database.</a:t>
+            </a:r>
+          </a:p>
+          <a:p>
+            <a:pPr marL="0" indent="0">
+              <a:buNone/>
+            </a:pPr>
+            <a:r>
+              <a:rPr lang="en-US" b="1" baseline="0" dirty="0" smtClean="0"/>
+              <a:t>6. Open source.</a:t>
+            </a:r>
+            <a:r>
+              <a:rPr lang="en-US" baseline="0" dirty="0" smtClean="0"/>
+              <a:t>  Most commercial programs rely on security through obscurity, as if hackers can't easily unwrap or decompile code and find obvious mistakes.  With open source code everyone can easily review code, find bugs, and report them.</a:t>
+            </a:r>
             <a:endParaRPr lang="en-US" dirty="0"/>
           </a:p>
         </p:txBody>
@@ -2769,7 +2752,7 @@
     </p:spTree>
     <p:extLst>
       <p:ext uri="{BB962C8B-B14F-4D97-AF65-F5344CB8AC3E}">
-        <p14:creationId xmlns:p14="http://schemas.microsoft.com/office/powerpoint/2010/main" val="2277858703"/>
+        <p14:creationId xmlns:p14="http://schemas.microsoft.com/office/powerpoint/2010/main" val="562226385"/>
       </p:ext>
     </p:extLst>
   </p:cSld>
@@ -2806,6 +2789,658 @@
             <p:ph type="sldImg"/>
           </p:nvPr>
         </p:nvSpPr>
+        <p:spPr/>
+      </p:sp>
+      <p:sp>
+        <p:nvSpPr>
+          <p:cNvPr id="3" name="Notes Placeholder 2"/>
+          <p:cNvSpPr>
+            <a:spLocks noGrp="1"/>
+          </p:cNvSpPr>
+          <p:nvPr>
+            <p:ph type="body" idx="1"/>
+          </p:nvPr>
+        </p:nvSpPr>
+        <p:spPr/>
+        <p:txBody>
+          <a:bodyPr/>
+          <a:lstStyle/>
+          <a:p>
+            <a:r>
+              <a:rPr lang="en-US" dirty="0" smtClean="0"/>
+              <a:t>Remote execution adds some</a:t>
+            </a:r>
+            <a:r>
+              <a:rPr lang="en-US" baseline="0" dirty="0" smtClean="0"/>
+              <a:t> complexity to privileges.  But that doesn't mean they can't be controlled.  Below are some highlights but you may also want to see security.md for details.</a:t>
+            </a:r>
+          </a:p>
+          <a:p>
+            <a:endParaRPr lang="en-US" baseline="0" dirty="0" smtClean="0"/>
+          </a:p>
+          <a:p>
+            <a:r>
+              <a:rPr lang="en-US" baseline="0" dirty="0" smtClean="0"/>
+              <a:t>This table visualizes the 4 different types of privileges you need to consider.  You have to think about the METHOD5 schema as well as user schemas, on the master database as well as the remote databases.</a:t>
+            </a:r>
+          </a:p>
+          <a:p>
+            <a:endParaRPr lang="en-US" baseline="0" dirty="0" smtClean="0"/>
+          </a:p>
+          <a:p>
+            <a:endParaRPr lang="en-US" baseline="0" dirty="0" smtClean="0"/>
+          </a:p>
+          <a:p>
+            <a:pPr marL="0" indent="0">
+              <a:buNone/>
+            </a:pPr>
+            <a:r>
+              <a:rPr lang="en-US" b="1" baseline="0" dirty="0" smtClean="0"/>
+              <a:t>1.</a:t>
+            </a:r>
+            <a:r>
+              <a:rPr lang="en-US" baseline="0" dirty="0" smtClean="0"/>
+              <a:t> METHOD5 schema on the master database, requires the highest privileges.  The program needs to run and schedule jobs for other users, which means it effectively needs DBA access.  There's a little room for configuration here but not much.</a:t>
+            </a:r>
+          </a:p>
+          <a:p>
+            <a:pPr marL="0" indent="0">
+              <a:buNone/>
+            </a:pPr>
+            <a:r>
+              <a:rPr lang="en-US" b="1" baseline="0" dirty="0" smtClean="0"/>
+              <a:t>2.</a:t>
+            </a:r>
+            <a:r>
+              <a:rPr lang="en-US" baseline="0" dirty="0" smtClean="0"/>
+              <a:t> METHOD5 schema on remote databases, also requires some potentially high privileges.  You can theoretically shrink those privileges, but that significantly decreases the usefulness of Method5 and disables the user sandbox feature.  This could be useful if, for example, you would only want to allow read-only access.</a:t>
+            </a:r>
+          </a:p>
+          <a:p>
+            <a:pPr marL="0" indent="0">
+              <a:buNone/>
+            </a:pPr>
+            <a:r>
+              <a:rPr lang="en-US" b="1" baseline="0" dirty="0" smtClean="0"/>
+              <a:t>3.</a:t>
+            </a:r>
+            <a:r>
+              <a:rPr lang="en-US" baseline="0" dirty="0" smtClean="0"/>
+              <a:t> User schema on master database, you don't have to worry about.  The privilege requirements are very small - basically just a user that can connect and create some objects on their own schema.</a:t>
+            </a:r>
+          </a:p>
+          <a:p>
+            <a:pPr marL="0" indent="0">
+              <a:buNone/>
+            </a:pPr>
+            <a:r>
+              <a:rPr lang="en-US" b="1" baseline="0" dirty="0" smtClean="0"/>
+              <a:t>4.</a:t>
+            </a:r>
+            <a:r>
+              <a:rPr lang="en-US" baseline="0" dirty="0" smtClean="0"/>
+              <a:t> User schema on remote database, is the most important privilege. It is completely configurable.  You can create a user with almost no privileges (that can only use public objects), up to allowing DBA.  For non-DBA users, a temporary sandbox schema is created for each execution.  That schema is only granted the exact privileges specified.  Since it's an isolated Oracle user there's no way for them to break out of their jail.  (Unless your databases already have security holes, like important tables granted to public.)</a:t>
+            </a:r>
+            <a:endParaRPr lang="en-US" dirty="0" smtClean="0"/>
+          </a:p>
+        </p:txBody>
+      </p:sp>
+      <p:sp>
+        <p:nvSpPr>
+          <p:cNvPr id="4" name="Slide Number Placeholder 3"/>
+          <p:cNvSpPr>
+            <a:spLocks noGrp="1"/>
+          </p:cNvSpPr>
+          <p:nvPr>
+            <p:ph type="sldNum" sz="quarter" idx="10"/>
+          </p:nvPr>
+        </p:nvSpPr>
+        <p:spPr/>
+        <p:txBody>
+          <a:bodyPr/>
+          <a:lstStyle/>
+          <a:p>
+            <a:fld id="{72AE7ADF-BF07-437B-AD5B-68C1A8D7189D}" type="slidenum">
+              <a:rPr lang="en-US" smtClean="0"/>
+              <a:t>21</a:t>
+            </a:fld>
+            <a:endParaRPr lang="en-US"/>
+          </a:p>
+        </p:txBody>
+      </p:sp>
+    </p:spTree>
+    <p:extLst>
+      <p:ext uri="{BB962C8B-B14F-4D97-AF65-F5344CB8AC3E}">
+        <p14:creationId xmlns:p14="http://schemas.microsoft.com/office/powerpoint/2010/main" val="608725396"/>
+      </p:ext>
+    </p:extLst>
+  </p:cSld>
+  <p:clrMapOvr>
+    <a:masterClrMapping/>
+  </p:clrMapOvr>
+</p:notes>
+</file>
+
+<file path=ppt/notesSlides/notesSlide22.xml><?xml version="1.0" encoding="utf-8"?>
+<p:notes xmlns:a="http://schemas.openxmlformats.org/drawingml/2006/main" xmlns:r="http://schemas.openxmlformats.org/officeDocument/2006/relationships" xmlns:p="http://schemas.openxmlformats.org/presentationml/2006/main">
+  <p:cSld>
+    <p:spTree>
+      <p:nvGrpSpPr>
+        <p:cNvPr id="1" name=""/>
+        <p:cNvGrpSpPr/>
+        <p:nvPr/>
+      </p:nvGrpSpPr>
+      <p:grpSpPr>
+        <a:xfrm>
+          <a:off x="0" y="0"/>
+          <a:ext cx="0" cy="0"/>
+          <a:chOff x="0" y="0"/>
+          <a:chExt cx="0" cy="0"/>
+        </a:xfrm>
+      </p:grpSpPr>
+      <p:sp>
+        <p:nvSpPr>
+          <p:cNvPr id="2" name="Slide Image Placeholder 1"/>
+          <p:cNvSpPr>
+            <a:spLocks noGrp="1" noRot="1" noChangeAspect="1"/>
+          </p:cNvSpPr>
+          <p:nvPr>
+            <p:ph type="sldImg"/>
+          </p:nvPr>
+        </p:nvSpPr>
+        <p:spPr/>
+      </p:sp>
+      <p:sp>
+        <p:nvSpPr>
+          <p:cNvPr id="3" name="Notes Placeholder 2"/>
+          <p:cNvSpPr>
+            <a:spLocks noGrp="1"/>
+          </p:cNvSpPr>
+          <p:nvPr>
+            <p:ph type="body" idx="1"/>
+          </p:nvPr>
+        </p:nvSpPr>
+        <p:spPr/>
+        <p:txBody>
+          <a:bodyPr/>
+          <a:lstStyle/>
+          <a:p>
+            <a:r>
+              <a:rPr lang="en-US" dirty="0" smtClean="0"/>
+              <a:t>Below are the full comments</a:t>
+            </a:r>
+            <a:r>
+              <a:rPr lang="en-US" baseline="0" dirty="0" smtClean="0"/>
+              <a:t> for the tables and columns:</a:t>
+            </a:r>
+            <a:endParaRPr lang="en-US" dirty="0" smtClean="0"/>
+          </a:p>
+          <a:p>
+            <a:endParaRPr lang="en-US" dirty="0" smtClean="0"/>
+          </a:p>
+          <a:p>
+            <a:r>
+              <a:rPr lang="en-US" sz="1200" kern="1200" dirty="0" smtClean="0">
+                <a:solidFill>
+                  <a:schemeClr val="tx1"/>
+                </a:solidFill>
+                <a:effectLst/>
+                <a:latin typeface="+mn-lt"/>
+                <a:ea typeface="+mn-ea"/>
+                <a:cs typeface="+mn-cs"/>
+              </a:rPr>
+              <a:t>**METHOD5.M5_USER** is mostly used for authentication and authorization.</a:t>
+            </a:r>
+            <a:br>
+              <a:rPr lang="en-US" sz="1200" kern="1200" dirty="0" smtClean="0">
+                <a:solidFill>
+                  <a:schemeClr val="tx1"/>
+                </a:solidFill>
+                <a:effectLst/>
+                <a:latin typeface="+mn-lt"/>
+                <a:ea typeface="+mn-ea"/>
+                <a:cs typeface="+mn-cs"/>
+              </a:rPr>
+            </a:br>
+            <a:r>
+              <a:rPr lang="en-US" sz="1200" kern="1200" dirty="0" smtClean="0">
+                <a:solidFill>
+                  <a:schemeClr val="tx1"/>
+                </a:solidFill>
+                <a:effectLst/>
+                <a:latin typeface="+mn-lt"/>
+                <a:ea typeface="+mn-ea"/>
+                <a:cs typeface="+mn-cs"/>
+              </a:rPr>
+              <a:t>  * ORACLE_USERNAME: Individual Oracle account used to access Method5.  Do not use a shared account.</a:t>
+            </a:r>
+            <a:br>
+              <a:rPr lang="en-US" sz="1200" kern="1200" dirty="0" smtClean="0">
+                <a:solidFill>
+                  <a:schemeClr val="tx1"/>
+                </a:solidFill>
+                <a:effectLst/>
+                <a:latin typeface="+mn-lt"/>
+                <a:ea typeface="+mn-ea"/>
+                <a:cs typeface="+mn-cs"/>
+              </a:rPr>
+            </a:br>
+            <a:r>
+              <a:rPr lang="en-US" sz="1200" kern="1200" dirty="0" smtClean="0">
+                <a:solidFill>
+                  <a:schemeClr val="tx1"/>
+                </a:solidFill>
+                <a:effectLst/>
+                <a:latin typeface="+mn-lt"/>
+                <a:ea typeface="+mn-ea"/>
+                <a:cs typeface="+mn-cs"/>
+              </a:rPr>
+              <a:t>  * OS_USERNAME: Individual operating system account used to access Method5.  Depending on your system and network configuration enforcing this username may also ensure two factor authentication.  Do not use a shared account.</a:t>
+            </a:r>
+            <a:br>
+              <a:rPr lang="en-US" sz="1200" kern="1200" dirty="0" smtClean="0">
+                <a:solidFill>
+                  <a:schemeClr val="tx1"/>
+                </a:solidFill>
+                <a:effectLst/>
+                <a:latin typeface="+mn-lt"/>
+                <a:ea typeface="+mn-ea"/>
+                <a:cs typeface="+mn-cs"/>
+              </a:rPr>
+            </a:br>
+            <a:r>
+              <a:rPr lang="en-US" sz="1200" kern="1200" dirty="0" smtClean="0">
+                <a:solidFill>
+                  <a:schemeClr val="tx1"/>
+                </a:solidFill>
+                <a:effectLst/>
+                <a:latin typeface="+mn-lt"/>
+                <a:ea typeface="+mn-ea"/>
+                <a:cs typeface="+mn-cs"/>
+              </a:rPr>
+              <a:t>  * EMAIL_ADDRESS: Only necessary for administrators so they can be notified when configuration tables are changed.</a:t>
+            </a:r>
+            <a:br>
+              <a:rPr lang="en-US" sz="1200" kern="1200" dirty="0" smtClean="0">
+                <a:solidFill>
+                  <a:schemeClr val="tx1"/>
+                </a:solidFill>
+                <a:effectLst/>
+                <a:latin typeface="+mn-lt"/>
+                <a:ea typeface="+mn-ea"/>
+                <a:cs typeface="+mn-cs"/>
+              </a:rPr>
+            </a:br>
+            <a:r>
+              <a:rPr lang="en-US" sz="1200" kern="1200" dirty="0" smtClean="0">
+                <a:solidFill>
+                  <a:schemeClr val="tx1"/>
+                </a:solidFill>
+                <a:effectLst/>
+                <a:latin typeface="+mn-lt"/>
+                <a:ea typeface="+mn-ea"/>
+                <a:cs typeface="+mn-cs"/>
+              </a:rPr>
+              <a:t>  * IS_M5_ADMIN: Can this user change Method5 configuration tables.  This user will also receive emails about configuration problems and changes.  Either Yes or No.</a:t>
+            </a:r>
+            <a:br>
+              <a:rPr lang="en-US" sz="1200" kern="1200" dirty="0" smtClean="0">
+                <a:solidFill>
+                  <a:schemeClr val="tx1"/>
+                </a:solidFill>
+                <a:effectLst/>
+                <a:latin typeface="+mn-lt"/>
+                <a:ea typeface="+mn-ea"/>
+                <a:cs typeface="+mn-cs"/>
+              </a:rPr>
+            </a:br>
+            <a:r>
+              <a:rPr lang="en-US" sz="1200" kern="1200" dirty="0" smtClean="0">
+                <a:solidFill>
+                  <a:schemeClr val="tx1"/>
+                </a:solidFill>
+                <a:effectLst/>
+                <a:latin typeface="+mn-lt"/>
+                <a:ea typeface="+mn-ea"/>
+                <a:cs typeface="+mn-cs"/>
+              </a:rPr>
+              <a:t>  * DEFAULT_TARGETS: Use this target list if none is specified.  Leave NULL to use the global default set in M5_CONFIG.</a:t>
+            </a:r>
+            <a:br>
+              <a:rPr lang="en-US" sz="1200" kern="1200" dirty="0" smtClean="0">
+                <a:solidFill>
+                  <a:schemeClr val="tx1"/>
+                </a:solidFill>
+                <a:effectLst/>
+                <a:latin typeface="+mn-lt"/>
+                <a:ea typeface="+mn-ea"/>
+                <a:cs typeface="+mn-cs"/>
+              </a:rPr>
+            </a:br>
+            <a:r>
+              <a:rPr lang="en-US" sz="1200" kern="1200" dirty="0" smtClean="0">
+                <a:solidFill>
+                  <a:schemeClr val="tx1"/>
+                </a:solidFill>
+                <a:effectLst/>
+                <a:latin typeface="+mn-lt"/>
+                <a:ea typeface="+mn-ea"/>
+                <a:cs typeface="+mn-cs"/>
+              </a:rPr>
+              <a:t>  * CAN_USE_SQL_FOR_TARGETS: Can use a SELECT SQL statement for choosing targets.  Target SELECT statements are run as Method5 so only grant this to trusted users.  Either Yes or No.</a:t>
+            </a:r>
+            <a:br>
+              <a:rPr lang="en-US" sz="1200" kern="1200" dirty="0" smtClean="0">
+                <a:solidFill>
+                  <a:schemeClr val="tx1"/>
+                </a:solidFill>
+                <a:effectLst/>
+                <a:latin typeface="+mn-lt"/>
+                <a:ea typeface="+mn-ea"/>
+                <a:cs typeface="+mn-cs"/>
+              </a:rPr>
+            </a:br>
+            <a:r>
+              <a:rPr lang="en-US" sz="1200" kern="1200" dirty="0" smtClean="0">
+                <a:solidFill>
+                  <a:schemeClr val="tx1"/>
+                </a:solidFill>
+                <a:effectLst/>
+                <a:latin typeface="+mn-lt"/>
+                <a:ea typeface="+mn-ea"/>
+                <a:cs typeface="+mn-cs"/>
+              </a:rPr>
+              <a:t>  * CAN_DROP_TAB_IN_OTHER_SCHEMA: Can set P_TABLE_NAME to be in a different schema.  That may sound innocent but it also implies the user can drop or delete data from other schemas on the management database.  Only give this to users you trust on the management database.  Either Yes or No.</a:t>
+            </a:r>
+            <a:endParaRPr lang="en-US" dirty="0" smtClean="0"/>
+          </a:p>
+          <a:p>
+            <a:endParaRPr lang="en-US" dirty="0" smtClean="0"/>
+          </a:p>
+          <a:p>
+            <a:r>
+              <a:rPr lang="en-US" dirty="0" smtClean="0"/>
+              <a:t>**METHOD5.M5_ROLE** allows complete control over the targets and features available to each user.  The column comments explain how to use each setting:</a:t>
+            </a:r>
+          </a:p>
+          <a:p>
+            <a:r>
+              <a:rPr lang="en-US" dirty="0" smtClean="0"/>
+              <a:t>  * ROLE_NAME: Name of the role.</a:t>
+            </a:r>
+          </a:p>
+          <a:p>
+            <a:r>
+              <a:rPr lang="en-US" dirty="0" smtClean="0"/>
+              <a:t>  * TARGET_STRING: String that describes available targets.  Works the same way as the parameter P_TARGETS.  Use % to mean everything.</a:t>
+            </a:r>
+          </a:p>
+          <a:p>
+            <a:r>
+              <a:rPr lang="en-US" dirty="0" smtClean="0"/>
+              <a:t>  * CAN_RUN_AS_SYS: Can run commands as SYS.  Either Yes or No.</a:t>
+            </a:r>
+          </a:p>
+          <a:p>
+            <a:r>
+              <a:rPr lang="en-US" dirty="0" smtClean="0"/>
+              <a:t>  * CAN_RUN_SHELL_SCRIPT: Can run shell scripts on the host.  Either Yes or No.</a:t>
+            </a:r>
+          </a:p>
+          <a:p>
+            <a:r>
+              <a:rPr lang="en-US" dirty="0" smtClean="0"/>
+              <a:t>  * INSTALL_LINKS_IN_SCHEMA: Are private links installed in the user schemas.  Either Yes or NO.</a:t>
+            </a:r>
+          </a:p>
+          <a:p>
+            <a:r>
+              <a:rPr lang="en-US" dirty="0" smtClean="0"/>
+              <a:t>  * RUN_AS_M5_OR_SANDBOX: Run as the user Method5 (with all privileges) or as a temporary sandbox users with precisely controlled privileges.  Either M5 or SANDBOX.</a:t>
+            </a:r>
+          </a:p>
+          <a:p>
+            <a:r>
+              <a:rPr lang="en-US" dirty="0" smtClean="0"/>
+              <a:t>  * SANDBOX_DEFAULT_TS: The permanent tablespace for the sandbox user.  Only used if RUN_AS_M5_OR_SANDBOX is set to SANDBOX.  If NULL or the tablespace is not found the default permanent tablespace is used.</a:t>
+            </a:r>
+          </a:p>
+          <a:p>
+            <a:r>
+              <a:rPr lang="en-US" dirty="0" smtClean="0"/>
+              <a:t>  * SANDBOX_TEMPORARY_TS: The temporary tablespace for the sandbox user.  Only used if RUN_AS_M5_OR_SANDBOX is set to SANDBOX.  If NULL or the tablespace is not found the default temporary tablespace is used.</a:t>
+            </a:r>
+          </a:p>
+          <a:p>
+            <a:r>
+              <a:rPr lang="en-US" dirty="0" smtClean="0"/>
+              <a:t>  * SANDBOX_QUOTA: The quota on the permanent tablespace for the </a:t>
+            </a:r>
+            <a:r>
+              <a:rPr lang="en-US" dirty="0" err="1" smtClean="0"/>
+              <a:t>sanbox</a:t>
+            </a:r>
+            <a:r>
+              <a:rPr lang="en-US" dirty="0" smtClean="0"/>
+              <a:t> user.  Only used if RUN_AS_M5_OR_SANDBOX is set to SANDBOX.  This string can be a SIZE_CLAUSE.  For example, the values can be 10G, 9999999, 5M, etc.  If NULL then UNLIMITED will be used.</a:t>
+            </a:r>
+          </a:p>
+          <a:p>
+            <a:r>
+              <a:rPr lang="en-US" dirty="0" smtClean="0"/>
+              <a:t>  * SANDBOX_PROFILE: The profile used for the sandbox user.  Only used if RUN_AS_M5_OR_SANDBOX is set to SANDBOX.  If NULL or the profile is not found the DEFAULT profile is used.</a:t>
+            </a:r>
+          </a:p>
+          <a:p>
+            <a:endParaRPr lang="en-US" dirty="0" smtClean="0"/>
+          </a:p>
+          <a:p>
+            <a:r>
+              <a:rPr lang="en-US" dirty="0" smtClean="0"/>
+              <a:t>**METHOD5.M5_USER_ROLE** grants a M5_ROLE to an M5_USER.</a:t>
+            </a:r>
+          </a:p>
+          <a:p>
+            <a:r>
+              <a:rPr lang="en-US" dirty="0" smtClean="0"/>
+              <a:t>  * ORACLE_USERNAME: Oracle username from METHOD5.M5_USER.ORACLE_USERNAME.</a:t>
+            </a:r>
+          </a:p>
+          <a:p>
+            <a:r>
+              <a:rPr lang="en-US" dirty="0" smtClean="0"/>
+              <a:t>  * ROLE_NAME: Role name from METHOD5.ROLE.ROLE_NAME.</a:t>
+            </a:r>
+          </a:p>
+          <a:p>
+            <a:endParaRPr lang="en-US" dirty="0" smtClean="0"/>
+          </a:p>
+          <a:p>
+            <a:r>
+              <a:rPr lang="en-US" dirty="0" smtClean="0"/>
+              <a:t>**METHOD5.M5_ROLE_PRIV** grants privileges to an M5_ROLE.</a:t>
+            </a:r>
+          </a:p>
+          <a:p>
+            <a:r>
+              <a:rPr lang="en-US" dirty="0" smtClean="0"/>
+              <a:t>  * ROLE_NAME: Role name from METHOD5.ROLE.ROLE_NAME.</a:t>
+            </a:r>
+          </a:p>
+          <a:p>
+            <a:r>
+              <a:rPr lang="en-US" dirty="0" smtClean="0"/>
+              <a:t>  * PRIVILEGE: An Oracle system privilege, object privilege, or role.  This string will be placed in the middle of:  grant &lt;privilege&gt; to m5_temp_sandbox_XYZ;  For example: </a:t>
+            </a:r>
+            <a:r>
+              <a:rPr lang="en-US" dirty="0" err="1" smtClean="0"/>
+              <a:t>select_catalog_role</a:t>
+            </a:r>
+            <a:r>
+              <a:rPr lang="en-US" dirty="0" smtClean="0"/>
+              <a:t>, select any table, delete any table.</a:t>
+            </a:r>
+          </a:p>
+          <a:p>
+            <a:endParaRPr lang="en-US" dirty="0"/>
+          </a:p>
+        </p:txBody>
+      </p:sp>
+      <p:sp>
+        <p:nvSpPr>
+          <p:cNvPr id="4" name="Slide Number Placeholder 3"/>
+          <p:cNvSpPr>
+            <a:spLocks noGrp="1"/>
+          </p:cNvSpPr>
+          <p:nvPr>
+            <p:ph type="sldNum" sz="quarter" idx="10"/>
+          </p:nvPr>
+        </p:nvSpPr>
+        <p:spPr/>
+        <p:txBody>
+          <a:bodyPr/>
+          <a:lstStyle/>
+          <a:p>
+            <a:fld id="{72AE7ADF-BF07-437B-AD5B-68C1A8D7189D}" type="slidenum">
+              <a:rPr lang="en-US" smtClean="0"/>
+              <a:t>22</a:t>
+            </a:fld>
+            <a:endParaRPr lang="en-US"/>
+          </a:p>
+        </p:txBody>
+      </p:sp>
+    </p:spTree>
+    <p:extLst>
+      <p:ext uri="{BB962C8B-B14F-4D97-AF65-F5344CB8AC3E}">
+        <p14:creationId xmlns:p14="http://schemas.microsoft.com/office/powerpoint/2010/main" val="1027261027"/>
+      </p:ext>
+    </p:extLst>
+  </p:cSld>
+  <p:clrMapOvr>
+    <a:masterClrMapping/>
+  </p:clrMapOvr>
+</p:notes>
+</file>
+
+<file path=ppt/notesSlides/notesSlide23.xml><?xml version="1.0" encoding="utf-8"?>
+<p:notes xmlns:a="http://schemas.openxmlformats.org/drawingml/2006/main" xmlns:r="http://schemas.openxmlformats.org/officeDocument/2006/relationships" xmlns:p="http://schemas.openxmlformats.org/presentationml/2006/main">
+  <p:cSld>
+    <p:spTree>
+      <p:nvGrpSpPr>
+        <p:cNvPr id="1" name=""/>
+        <p:cNvGrpSpPr/>
+        <p:nvPr/>
+      </p:nvGrpSpPr>
+      <p:grpSpPr>
+        <a:xfrm>
+          <a:off x="0" y="0"/>
+          <a:ext cx="0" cy="0"/>
+          <a:chOff x="0" y="0"/>
+          <a:chExt cx="0" cy="0"/>
+        </a:xfrm>
+      </p:grpSpPr>
+      <p:sp>
+        <p:nvSpPr>
+          <p:cNvPr id="2" name="Slide Image Placeholder 1"/>
+          <p:cNvSpPr>
+            <a:spLocks noGrp="1" noRot="1" noChangeAspect="1"/>
+          </p:cNvSpPr>
+          <p:nvPr>
+            <p:ph type="sldImg"/>
+          </p:nvPr>
+        </p:nvSpPr>
+        <p:spPr/>
+      </p:sp>
+      <p:sp>
+        <p:nvSpPr>
+          <p:cNvPr id="3" name="Notes Placeholder 2"/>
+          <p:cNvSpPr>
+            <a:spLocks noGrp="1"/>
+          </p:cNvSpPr>
+          <p:nvPr>
+            <p:ph type="body" idx="1"/>
+          </p:nvPr>
+        </p:nvSpPr>
+        <p:spPr/>
+        <p:txBody>
+          <a:bodyPr/>
+          <a:lstStyle/>
+          <a:p>
+            <a:r>
+              <a:rPr lang="en-US" dirty="0" smtClean="0"/>
+              <a:t>With Method5 it becomes almost trivial to harmonize</a:t>
+            </a:r>
+            <a:r>
+              <a:rPr lang="en-US" baseline="0" dirty="0" smtClean="0"/>
+              <a:t> common security settings.  These simple snippets can save hours of data gathering, enabling you to compare settings that you would never otherwise bother to compare.</a:t>
+            </a:r>
+            <a:endParaRPr lang="en-US" dirty="0"/>
+          </a:p>
+        </p:txBody>
+      </p:sp>
+      <p:sp>
+        <p:nvSpPr>
+          <p:cNvPr id="4" name="Slide Number Placeholder 3"/>
+          <p:cNvSpPr>
+            <a:spLocks noGrp="1"/>
+          </p:cNvSpPr>
+          <p:nvPr>
+            <p:ph type="sldNum" sz="quarter" idx="10"/>
+          </p:nvPr>
+        </p:nvSpPr>
+        <p:spPr/>
+        <p:txBody>
+          <a:bodyPr/>
+          <a:lstStyle/>
+          <a:p>
+            <a:fld id="{72AE7ADF-BF07-437B-AD5B-68C1A8D7189D}" type="slidenum">
+              <a:rPr lang="en-US" smtClean="0"/>
+              <a:t>23</a:t>
+            </a:fld>
+            <a:endParaRPr lang="en-US"/>
+          </a:p>
+        </p:txBody>
+      </p:sp>
+    </p:spTree>
+    <p:extLst>
+      <p:ext uri="{BB962C8B-B14F-4D97-AF65-F5344CB8AC3E}">
+        <p14:creationId xmlns:p14="http://schemas.microsoft.com/office/powerpoint/2010/main" val="1090440651"/>
+      </p:ext>
+    </p:extLst>
+  </p:cSld>
+  <p:clrMapOvr>
+    <a:masterClrMapping/>
+  </p:clrMapOvr>
+</p:notes>
+</file>
+
+<file path=ppt/notesSlides/notesSlide24.xml><?xml version="1.0" encoding="utf-8"?>
+<p:notes xmlns:a="http://schemas.openxmlformats.org/drawingml/2006/main" xmlns:r="http://schemas.openxmlformats.org/officeDocument/2006/relationships" xmlns:p="http://schemas.openxmlformats.org/presentationml/2006/main">
+  <p:cSld>
+    <p:spTree>
+      <p:nvGrpSpPr>
+        <p:cNvPr id="1" name=""/>
+        <p:cNvGrpSpPr/>
+        <p:nvPr/>
+      </p:nvGrpSpPr>
+      <p:grpSpPr>
+        <a:xfrm>
+          <a:off x="0" y="0"/>
+          <a:ext cx="0" cy="0"/>
+          <a:chOff x="0" y="0"/>
+          <a:chExt cx="0" cy="0"/>
+        </a:xfrm>
+      </p:grpSpPr>
+      <p:sp>
+        <p:nvSpPr>
+          <p:cNvPr id="2" name="Slide Image Placeholder 1"/>
+          <p:cNvSpPr>
+            <a:spLocks noGrp="1" noRot="1" noChangeAspect="1"/>
+          </p:cNvSpPr>
+          <p:nvPr>
+            <p:ph type="sldImg"/>
+          </p:nvPr>
+        </p:nvSpPr>
         <p:spPr>
           <a:xfrm>
             <a:off x="381000" y="685800"/>
@@ -2830,6 +3465,103 @@
           <a:p>
             <a:r>
               <a:rPr lang="en-US" dirty="0" smtClean="0"/>
+              <a:t>Please feel free to contact me with any questions</a:t>
+            </a:r>
+            <a:r>
+              <a:rPr lang="en-US" baseline="0" dirty="0" smtClean="0"/>
+              <a:t> or comments.  If something is broken or wrong, use shame-driven-development: create a GitHub issue and embarrass me until I fix it.</a:t>
+            </a:r>
+            <a:endParaRPr lang="en-US" dirty="0"/>
+          </a:p>
+        </p:txBody>
+      </p:sp>
+      <p:sp>
+        <p:nvSpPr>
+          <p:cNvPr id="4" name="Slide Number Placeholder 3"/>
+          <p:cNvSpPr>
+            <a:spLocks noGrp="1"/>
+          </p:cNvSpPr>
+          <p:nvPr>
+            <p:ph type="sldNum" sz="quarter" idx="10"/>
+          </p:nvPr>
+        </p:nvSpPr>
+        <p:spPr/>
+        <p:txBody>
+          <a:bodyPr/>
+          <a:lstStyle/>
+          <a:p>
+            <a:fld id="{72AE7ADF-BF07-437B-AD5B-68C1A8D7189D}" type="slidenum">
+              <a:rPr lang="en-US" smtClean="0"/>
+              <a:t>24</a:t>
+            </a:fld>
+            <a:endParaRPr lang="en-US"/>
+          </a:p>
+        </p:txBody>
+      </p:sp>
+    </p:spTree>
+    <p:extLst>
+      <p:ext uri="{BB962C8B-B14F-4D97-AF65-F5344CB8AC3E}">
+        <p14:creationId xmlns:p14="http://schemas.microsoft.com/office/powerpoint/2010/main" val="2277858703"/>
+      </p:ext>
+    </p:extLst>
+  </p:cSld>
+  <p:clrMapOvr>
+    <a:masterClrMapping/>
+  </p:clrMapOvr>
+</p:notes>
+</file>
+
+<file path=ppt/notesSlides/notesSlide25.xml><?xml version="1.0" encoding="utf-8"?>
+<p:notes xmlns:a="http://schemas.openxmlformats.org/drawingml/2006/main" xmlns:r="http://schemas.openxmlformats.org/officeDocument/2006/relationships" xmlns:p="http://schemas.openxmlformats.org/presentationml/2006/main">
+  <p:cSld>
+    <p:spTree>
+      <p:nvGrpSpPr>
+        <p:cNvPr id="1" name=""/>
+        <p:cNvGrpSpPr/>
+        <p:nvPr/>
+      </p:nvGrpSpPr>
+      <p:grpSpPr>
+        <a:xfrm>
+          <a:off x="0" y="0"/>
+          <a:ext cx="0" cy="0"/>
+          <a:chOff x="0" y="0"/>
+          <a:chExt cx="0" cy="0"/>
+        </a:xfrm>
+      </p:grpSpPr>
+      <p:sp>
+        <p:nvSpPr>
+          <p:cNvPr id="2" name="Slide Image Placeholder 1"/>
+          <p:cNvSpPr>
+            <a:spLocks noGrp="1" noRot="1" noChangeAspect="1"/>
+          </p:cNvSpPr>
+          <p:nvPr>
+            <p:ph type="sldImg"/>
+          </p:nvPr>
+        </p:nvSpPr>
+        <p:spPr>
+          <a:xfrm>
+            <a:off x="381000" y="685800"/>
+            <a:ext cx="6096000" cy="3429000"/>
+          </a:xfrm>
+        </p:spPr>
+      </p:sp>
+      <p:sp>
+        <p:nvSpPr>
+          <p:cNvPr id="3" name="Notes Placeholder 2"/>
+          <p:cNvSpPr>
+            <a:spLocks noGrp="1"/>
+          </p:cNvSpPr>
+          <p:nvPr>
+            <p:ph type="body" idx="1"/>
+          </p:nvPr>
+        </p:nvSpPr>
+        <p:spPr/>
+        <p:txBody>
+          <a:bodyPr/>
+          <a:lstStyle/>
+          <a:p>
+            <a:r>
+              <a:rPr lang="en-US" dirty="0" smtClean="0"/>
               <a:t>1. Method5 isn't simply faster than your existing processes.</a:t>
             </a:r>
             <a:r>
@@ -2886,15 +3618,7 @@
           <a:p>
             <a:r>
               <a:rPr lang="en-US" dirty="0" smtClean="0"/>
-              <a:t>5. You'll be </a:t>
-            </a:r>
-            <a:r>
-              <a:rPr lang="en-US" dirty="0" smtClean="0"/>
-              <a:t>amazed how </a:t>
-            </a:r>
-            <a:r>
-              <a:rPr lang="en-US" dirty="0" smtClean="0"/>
-              <a:t>often a single query today can save your organization hours of work tomorrow.</a:t>
+              <a:t>5. You'll be amazed how often a single query today can save your organization hours of work tomorrow.</a:t>
             </a:r>
             <a:endParaRPr lang="en-US" dirty="0"/>
           </a:p>
@@ -2917,7 +3641,7 @@
           <a:p>
             <a:fld id="{72AE7ADF-BF07-437B-AD5B-68C1A8D7189D}" type="slidenum">
               <a:rPr lang="en-US" smtClean="0"/>
-              <a:t>21</a:t>
+              <a:t>25</a:t>
             </a:fld>
             <a:endParaRPr lang="en-US"/>
           </a:p>
@@ -3076,23 +3800,7 @@
           <a:p>
             <a:r>
               <a:rPr lang="en-US" dirty="0" smtClean="0"/>
-              <a:t>1. DBAs spend too much time fixing the same problems again and again on different databases.  When </a:t>
-            </a:r>
-            <a:r>
-              <a:rPr lang="en-US" dirty="0" smtClean="0"/>
-              <a:t>you find </a:t>
-            </a:r>
-            <a:r>
-              <a:rPr lang="en-US" dirty="0" smtClean="0"/>
-              <a:t>a rare problem </a:t>
-            </a:r>
-            <a:r>
-              <a:rPr lang="en-US" dirty="0" smtClean="0"/>
-              <a:t>you won't always spend </a:t>
-            </a:r>
-            <a:r>
-              <a:rPr lang="en-US" dirty="0" smtClean="0"/>
-              <a:t>the time</a:t>
+              <a:t>1. DBAs spend too much time fixing the same problems again and again on different databases.  When you find a rare problem you won't always spend the time</a:t>
             </a:r>
             <a:r>
               <a:rPr lang="en-US" baseline="0" dirty="0" smtClean="0"/>
@@ -3292,11 +4000,7 @@
           <a:p>
             <a:r>
               <a:rPr lang="en-US" dirty="0" smtClean="0"/>
-              <a:t>6. </a:t>
-            </a:r>
-            <a:r>
-              <a:rPr lang="en-US" dirty="0" smtClean="0"/>
-              <a:t>Most importantly, none of</a:t>
+              <a:t>6. Most importantly, none of</a:t>
             </a:r>
             <a:r>
               <a:rPr lang="en-US" baseline="0" dirty="0" smtClean="0"/>
@@ -3573,11 +4277,7 @@
           <a:p>
             <a:r>
               <a:rPr lang="en-US" dirty="0" smtClean="0"/>
-              <a:t>2. Method5 has been used in production </a:t>
-            </a:r>
-            <a:r>
-              <a:rPr lang="en-US" dirty="0" smtClean="0"/>
-              <a:t>since</a:t>
+              <a:t>2. Method5 has been used in production since</a:t>
             </a:r>
             <a:r>
               <a:rPr lang="en-US" baseline="0" dirty="0" smtClean="0"/>
@@ -3585,19 +4285,7 @@
             </a:r>
             <a:r>
               <a:rPr lang="en-US" dirty="0" smtClean="0"/>
-              <a:t>the </a:t>
-            </a:r>
-            <a:r>
-              <a:rPr lang="en-US" dirty="0" smtClean="0"/>
-              <a:t>largest healthcare data </a:t>
-            </a:r>
-            <a:r>
-              <a:rPr lang="en-US" dirty="0" smtClean="0"/>
-              <a:t>centers </a:t>
-            </a:r>
-            <a:r>
-              <a:rPr lang="en-US" dirty="0" smtClean="0"/>
-              <a:t>in the world.</a:t>
+              <a:t>the largest healthcare data centers in the world.</a:t>
             </a:r>
           </a:p>
           <a:p>
@@ -3617,11 +4305,7 @@
           <a:p>
             <a:r>
               <a:rPr lang="en-US" dirty="0" smtClean="0"/>
-              <a:t>4. It's ran over 10 million queries </a:t>
-            </a:r>
-            <a:r>
-              <a:rPr lang="en-US" dirty="0" smtClean="0"/>
-              <a:t>internally, contains over 1800 automated tests,</a:t>
+              <a:t>4. It's ran over 10 million queries internally, contains over 1800 automated tests,</a:t>
             </a:r>
             <a:r>
               <a:rPr lang="en-US" baseline="0" dirty="0" smtClean="0"/>
@@ -3742,15 +4426,7 @@
             </a:r>
             <a:r>
               <a:rPr lang="en-US" b="0" baseline="0" dirty="0" smtClean="0"/>
-              <a:t> can be run as either a function or a procedure.  </a:t>
-            </a:r>
-            <a:r>
-              <a:rPr lang="en-US" b="0" baseline="0" dirty="0" smtClean="0"/>
-              <a:t>They let </a:t>
-            </a:r>
-            <a:r>
-              <a:rPr lang="en-US" b="0" baseline="0" dirty="0" smtClean="0"/>
-              <a:t>you specify </a:t>
+              <a:t> can be run as either a function or a procedure.  They let you specify </a:t>
             </a:r>
             <a:r>
               <a:rPr lang="en-US" b="1" baseline="0" dirty="0" smtClean="0"/>
@@ -3766,15 +4442,7 @@
             </a:r>
             <a:r>
               <a:rPr lang="en-US" b="0" baseline="0" dirty="0" smtClean="0"/>
-              <a:t> to </a:t>
-            </a:r>
-            <a:r>
-              <a:rPr lang="en-US" b="0" baseline="0" dirty="0" smtClean="0"/>
-              <a:t>run, </a:t>
-            </a:r>
-            <a:r>
-              <a:rPr lang="en-US" b="0" baseline="0" dirty="0" smtClean="0"/>
-              <a:t>and </a:t>
+              <a:t> to run, and </a:t>
             </a:r>
             <a:r>
               <a:rPr lang="en-US" b="1" baseline="0" dirty="0" smtClean="0"/>
@@ -3782,11 +4450,7 @@
             </a:r>
             <a:r>
               <a:rPr lang="en-US" b="0" baseline="0" dirty="0" smtClean="0"/>
-              <a:t> to </a:t>
-            </a:r>
-            <a:r>
-              <a:rPr lang="en-US" b="0" baseline="0" dirty="0" smtClean="0"/>
-              <a:t>run</a:t>
+              <a:t> to run</a:t>
             </a:r>
             <a:r>
               <a:rPr lang="en-US" b="0" dirty="0" smtClean="0"/>
@@ -3794,27 +4458,11 @@
             </a:r>
             <a:r>
               <a:rPr lang="en-US" b="0" baseline="0" dirty="0" smtClean="0"/>
-              <a:t>  </a:t>
-            </a:r>
-            <a:r>
-              <a:rPr lang="en-US" b="0" baseline="0" dirty="0" smtClean="0"/>
-              <a:t>The function returns results </a:t>
-            </a:r>
-            <a:r>
-              <a:rPr lang="en-US" b="0" baseline="0" dirty="0" smtClean="0"/>
-              <a:t>immediately.  </a:t>
-            </a:r>
-            <a:r>
-              <a:rPr lang="en-US" b="0" baseline="0" dirty="0" smtClean="0"/>
-              <a:t>The procedure </a:t>
-            </a:r>
-            <a:r>
-              <a:rPr lang="en-US" dirty="0" smtClean="0"/>
-              <a:t>saves </a:t>
-            </a:r>
-            <a:r>
-              <a:rPr lang="en-US" dirty="0" smtClean="0"/>
-              <a:t>the results in background tables, and it gives you more control over how the commands are run.</a:t>
+              <a:t>  The function returns results immediately.  The procedure </a:t>
+            </a:r>
+            <a:r>
+              <a:rPr lang="en-US" dirty="0" smtClean="0"/>
+              <a:t>saves the results in background tables, and it gives you more control over how the commands are run.</a:t>
             </a:r>
             <a:endParaRPr lang="en-US" b="0" dirty="0" smtClean="0"/>
           </a:p>
@@ -3828,11 +4476,7 @@
             </a:r>
             <a:r>
               <a:rPr lang="en-US" smtClean="0"/>
-              <a:t>is </a:t>
-            </a:r>
-            <a:r>
-              <a:rPr lang="en-US" smtClean="0"/>
-              <a:t>simple and neat,</a:t>
+              <a:t>is simple and neat,</a:t>
             </a:r>
             <a:r>
               <a:rPr lang="en-US" baseline="0" smtClean="0"/>
@@ -3844,11 +4488,7 @@
             </a:r>
             <a:r>
               <a:rPr lang="en-US" baseline="0" smtClean="0"/>
-              <a:t>practice </a:t>
-            </a:r>
-            <a:r>
-              <a:rPr lang="en-US" baseline="0" smtClean="0"/>
-              <a:t>advanced users </a:t>
+              <a:t>practice advanced users </a:t>
             </a:r>
             <a:r>
               <a:rPr lang="en-US" baseline="0" dirty="0" smtClean="0"/>
@@ -4237,10 +4877,10 @@
           <a:bodyPr/>
           <a:lstStyle/>
           <a:p>
-            <a:fld id="{72057647-82FE-4F7C-83B4-53587791251A}" type="datetime1">
+            <a:r>
               <a:rPr lang="en-US" smtClean="0"/>
-              <a:t>10/29/2017</a:t>
-            </a:fld>
+              <a:t>2018-03-15</a:t>
+            </a:r>
             <a:endParaRPr lang="en-US"/>
           </a:p>
         </p:txBody>
@@ -4297,6 +4937,13 @@
   <p:clrMapOvr>
     <a:masterClrMapping/>
   </p:clrMapOvr>
+  <p:timing>
+    <p:tnLst>
+      <p:par>
+        <p:cTn id="1" dur="indefinite" restart="never" nodeType="tmRoot"/>
+      </p:par>
+    </p:tnLst>
+  </p:timing>
 </p:sldLayout>
 </file>
 
@@ -4407,10 +5054,10 @@
           <a:bodyPr/>
           <a:lstStyle/>
           <a:p>
-            <a:fld id="{8503FF21-708F-4C59-9505-D05A3791AC31}" type="datetime1">
+            <a:r>
               <a:rPr lang="en-US" smtClean="0"/>
-              <a:t>10/29/2017</a:t>
-            </a:fld>
+              <a:t>2018-03-15</a:t>
+            </a:r>
             <a:endParaRPr lang="en-US"/>
           </a:p>
         </p:txBody>
@@ -4587,10 +5234,10 @@
           <a:bodyPr/>
           <a:lstStyle/>
           <a:p>
-            <a:fld id="{6EFC7DE3-7050-4999-ABCB-76E0E214913C}" type="datetime1">
+            <a:r>
               <a:rPr lang="en-US" smtClean="0"/>
-              <a:t>10/29/2017</a:t>
-            </a:fld>
+              <a:t>2018-03-15</a:t>
+            </a:r>
             <a:endParaRPr lang="en-US"/>
           </a:p>
         </p:txBody>
@@ -4757,10 +5404,10 @@
           <a:bodyPr/>
           <a:lstStyle/>
           <a:p>
-            <a:fld id="{12698F6C-3B60-45A8-AA68-1C639B61BEFF}" type="datetime1">
+            <a:r>
               <a:rPr lang="en-US" smtClean="0"/>
-              <a:t>10/29/2017</a:t>
-            </a:fld>
+              <a:t>2018-03-15</a:t>
+            </a:r>
             <a:endParaRPr lang="en-US" dirty="0"/>
           </a:p>
         </p:txBody>
@@ -5040,10 +5687,10 @@
           <a:bodyPr/>
           <a:lstStyle/>
           <a:p>
-            <a:fld id="{E05176C0-14DF-4768-8A16-43F22EF34937}" type="datetime1">
+            <a:r>
               <a:rPr lang="en-US" smtClean="0"/>
-              <a:t>10/29/2017</a:t>
-            </a:fld>
+              <a:t>2018-03-15</a:t>
+            </a:r>
             <a:endParaRPr lang="en-US"/>
           </a:p>
         </p:txBody>
@@ -5100,6 +5747,13 @@
   <p:clrMapOvr>
     <a:masterClrMapping/>
   </p:clrMapOvr>
+  <p:timing>
+    <p:tnLst>
+      <p:par>
+        <p:cTn id="1" dur="indefinite" restart="never" nodeType="tmRoot"/>
+      </p:par>
+    </p:tnLst>
+  </p:timing>
 </p:sldLayout>
 </file>
 
@@ -5328,10 +5982,10 @@
           <a:bodyPr/>
           <a:lstStyle/>
           <a:p>
-            <a:fld id="{EC27D113-D56C-4484-8E60-26B1BDDD2B7D}" type="datetime1">
+            <a:r>
               <a:rPr lang="en-US" smtClean="0"/>
-              <a:t>10/29/2017</a:t>
-            </a:fld>
+              <a:t>2018-03-15</a:t>
+            </a:r>
             <a:endParaRPr lang="en-US"/>
           </a:p>
         </p:txBody>
@@ -5388,6 +6042,13 @@
   <p:clrMapOvr>
     <a:masterClrMapping/>
   </p:clrMapOvr>
+  <p:timing>
+    <p:tnLst>
+      <p:par>
+        <p:cTn id="1" dur="indefinite" restart="never" nodeType="tmRoot"/>
+      </p:par>
+    </p:tnLst>
+  </p:timing>
 </p:sldLayout>
 </file>
 
@@ -5750,10 +6411,10 @@
           <a:bodyPr/>
           <a:lstStyle/>
           <a:p>
-            <a:fld id="{2346BE7D-CDCE-4B6B-92C3-A6060BB37F63}" type="datetime1">
+            <a:r>
               <a:rPr lang="en-US" smtClean="0"/>
-              <a:t>10/29/2017</a:t>
-            </a:fld>
+              <a:t>2018-03-15</a:t>
+            </a:r>
             <a:endParaRPr lang="en-US"/>
           </a:p>
         </p:txBody>
@@ -5810,6 +6471,13 @@
   <p:clrMapOvr>
     <a:masterClrMapping/>
   </p:clrMapOvr>
+  <p:timing>
+    <p:tnLst>
+      <p:par>
+        <p:cTn id="1" dur="indefinite" restart="never" nodeType="tmRoot"/>
+      </p:par>
+    </p:tnLst>
+  </p:timing>
 </p:sldLayout>
 </file>
 
@@ -5868,10 +6536,10 @@
           <a:bodyPr/>
           <a:lstStyle/>
           <a:p>
-            <a:fld id="{016112C5-3C0F-4913-A601-B7FE4F9C1F3A}" type="datetime1">
+            <a:r>
               <a:rPr lang="en-US" smtClean="0"/>
-              <a:t>10/29/2017</a:t>
-            </a:fld>
+              <a:t>2018-03-15</a:t>
+            </a:r>
             <a:endParaRPr lang="en-US"/>
           </a:p>
         </p:txBody>
@@ -5928,6 +6596,13 @@
   <p:clrMapOvr>
     <a:masterClrMapping/>
   </p:clrMapOvr>
+  <p:timing>
+    <p:tnLst>
+      <p:par>
+        <p:cTn id="1" dur="indefinite" restart="never" nodeType="tmRoot"/>
+      </p:par>
+    </p:tnLst>
+  </p:timing>
 </p:sldLayout>
 </file>
 
@@ -5963,10 +6638,10 @@
           <a:bodyPr/>
           <a:lstStyle/>
           <a:p>
-            <a:fld id="{8A5D4DBD-AFC0-4CD6-8B21-21C10C0D7EF6}" type="datetime1">
+            <a:r>
               <a:rPr lang="en-US" smtClean="0"/>
-              <a:t>10/29/2017</a:t>
-            </a:fld>
+              <a:t>2018-03-15</a:t>
+            </a:r>
             <a:endParaRPr lang="en-US"/>
           </a:p>
         </p:txBody>
@@ -6240,10 +6915,10 @@
           <a:bodyPr/>
           <a:lstStyle/>
           <a:p>
-            <a:fld id="{3514C57E-D885-4B44-9FAF-8838A1BDE694}" type="datetime1">
+            <a:r>
               <a:rPr lang="en-US" smtClean="0"/>
-              <a:t>10/29/2017</a:t>
-            </a:fld>
+              <a:t>2018-03-15</a:t>
+            </a:r>
             <a:endParaRPr lang="en-US"/>
           </a:p>
         </p:txBody>
@@ -6493,10 +7168,10 @@
           <a:bodyPr/>
           <a:lstStyle/>
           <a:p>
-            <a:fld id="{7BEDB21A-AE09-4B41-95A5-CA952A205099}" type="datetime1">
+            <a:r>
               <a:rPr lang="en-US" smtClean="0"/>
-              <a:t>10/29/2017</a:t>
-            </a:fld>
+              <a:t>2018-03-15</a:t>
+            </a:r>
             <a:endParaRPr lang="en-US"/>
           </a:p>
         </p:txBody>
@@ -6706,10 +7381,10 @@
             </a:lvl1pPr>
           </a:lstStyle>
           <a:p>
-            <a:fld id="{2089B313-BB57-4BA5-B615-3D449DFED662}" type="datetime1">
+            <a:r>
               <a:rPr lang="en-US" smtClean="0"/>
-              <a:t>10/29/2017</a:t>
-            </a:fld>
+              <a:t>2018-03-15</a:t>
+            </a:r>
             <a:endParaRPr lang="en-US" dirty="0"/>
           </a:p>
         </p:txBody>
@@ -7148,10 +7823,10 @@
           <a:bodyPr/>
           <a:lstStyle/>
           <a:p>
-            <a:fld id="{2E45DCD3-F6D5-47D1-A091-AE329ABC5543}" type="datetime1">
+            <a:r>
               <a:rPr lang="en-US" smtClean="0"/>
-              <a:t>10/29/2017</a:t>
-            </a:fld>
+              <a:t>2018-03-15</a:t>
+            </a:r>
             <a:endParaRPr lang="en-US" dirty="0"/>
           </a:p>
         </p:txBody>
@@ -7434,10 +8109,10 @@
           <a:bodyPr/>
           <a:lstStyle/>
           <a:p>
-            <a:fld id="{73B3F948-1743-4F2D-B9D2-20F26DEE2D32}" type="datetime1">
+            <a:r>
               <a:rPr lang="en-US" smtClean="0"/>
-              <a:t>10/29/2017</a:t>
-            </a:fld>
+              <a:t>2018-03-15</a:t>
+            </a:r>
             <a:endParaRPr lang="en-US"/>
           </a:p>
         </p:txBody>
@@ -7538,7 +8213,7 @@
         <p:spPr/>
         <p:txBody>
           <a:bodyPr>
-            <a:normAutofit fontScale="85000" lnSpcReduction="10000"/>
+            <a:normAutofit fontScale="85000" lnSpcReduction="20000"/>
           </a:bodyPr>
           <a:lstStyle/>
           <a:p>
@@ -7618,7 +8293,7 @@
                   </a:schemeClr>
                 </a:solidFill>
               </a:rPr>
-              <a:t> - M5_DBA_* tables refreshed nightly</a:t>
+              <a:t> - Common tables refreshed nightly (M5_DBA_USERS, M5_V$PARAMETER, etc.)</a:t>
             </a:r>
           </a:p>
           <a:p>
@@ -7658,7 +8333,24 @@
                   </a:schemeClr>
                 </a:solidFill>
               </a:rPr>
-              <a:t> Use </a:t>
+              <a:t> Use "**" for version differences</a:t>
+            </a:r>
+          </a:p>
+          <a:p>
+            <a:pPr marL="514350" indent="-514350">
+              <a:buFont typeface="+mj-lt"/>
+              <a:buAutoNum type="arabicPeriod"/>
+            </a:pPr>
+            <a:r>
+              <a:rPr lang="en-US" dirty="0" smtClean="0">
+                <a:solidFill>
+                  <a:schemeClr val="tx1">
+                    <a:lumMod val="95000"/>
+                    <a:lumOff val="5000"/>
+                  </a:schemeClr>
+                </a:solidFill>
+              </a:rPr>
+              <a:t>Examples -</a:t>
             </a:r>
             <a:r>
               <a:rPr lang="en-US" dirty="0" smtClean="0">
@@ -7668,17 +8360,7 @@
                   </a:schemeClr>
                 </a:solidFill>
               </a:rPr>
-              <a:t>"**" </a:t>
-            </a:r>
-            <a:r>
-              <a:rPr lang="en-US" dirty="0" smtClean="0">
-                <a:solidFill>
-                  <a:schemeClr val="bg1">
-                    <a:lumMod val="50000"/>
-                  </a:schemeClr>
-                </a:solidFill>
-              </a:rPr>
-              <a:t>for version differences</a:t>
+              <a:t> Many pre-built, complex examples</a:t>
             </a:r>
           </a:p>
         </p:txBody>
@@ -7698,10 +8380,10 @@
           <a:bodyPr/>
           <a:lstStyle/>
           <a:p>
-            <a:fld id="{8C6FBF27-FCE1-40A4-AD2E-EA28EB5C01F0}" type="datetime1">
+            <a:r>
               <a:rPr lang="en-US" smtClean="0"/>
-              <a:t>10/29/2017</a:t>
-            </a:fld>
+              <a:t>2018-03-15</a:t>
+            </a:r>
             <a:endParaRPr lang="en-US"/>
           </a:p>
         </p:txBody>
@@ -7804,10 +8486,10 @@
           <a:bodyPr/>
           <a:lstStyle/>
           <a:p>
-            <a:fld id="{12698F6C-3B60-45A8-AA68-1C639B61BEFF}" type="datetime1">
+            <a:r>
               <a:rPr lang="en-US" smtClean="0"/>
-              <a:t>10/29/2017</a:t>
-            </a:fld>
+              <a:t>2018-03-15</a:t>
+            </a:r>
             <a:endParaRPr lang="en-US" dirty="0"/>
           </a:p>
         </p:txBody>
@@ -9457,10 +10139,10 @@
           <a:bodyPr/>
           <a:lstStyle/>
           <a:p>
-            <a:fld id="{12698F6C-3B60-45A8-AA68-1C639B61BEFF}" type="datetime1">
+            <a:r>
               <a:rPr lang="en-US" smtClean="0"/>
-              <a:t>10/29/2017</a:t>
-            </a:fld>
+              <a:t>2018-03-15</a:t>
+            </a:r>
             <a:endParaRPr lang="en-US" dirty="0"/>
           </a:p>
         </p:txBody>
@@ -9569,10 +10251,10 @@
           <a:bodyPr/>
           <a:lstStyle/>
           <a:p>
-            <a:fld id="{12698F6C-3B60-45A8-AA68-1C639B61BEFF}" type="datetime1">
+            <a:r>
               <a:rPr lang="en-US" smtClean="0"/>
-              <a:t>10/29/2017</a:t>
-            </a:fld>
+              <a:t>2018-03-15</a:t>
+            </a:r>
             <a:endParaRPr lang="en-US" dirty="0"/>
           </a:p>
         </p:txBody>
@@ -9718,10 +10400,10 @@
           <a:bodyPr/>
           <a:lstStyle/>
           <a:p>
-            <a:fld id="{12698F6C-3B60-45A8-AA68-1C639B61BEFF}" type="datetime1">
+            <a:r>
               <a:rPr lang="en-US" smtClean="0"/>
-              <a:t>10/29/2017</a:t>
-            </a:fld>
+              <a:t>2018-03-15</a:t>
+            </a:r>
             <a:endParaRPr lang="en-US" dirty="0"/>
           </a:p>
         </p:txBody>
@@ -9869,10 +10551,10 @@
           <a:bodyPr/>
           <a:lstStyle/>
           <a:p>
-            <a:fld id="{12698F6C-3B60-45A8-AA68-1C639B61BEFF}" type="datetime1">
+            <a:r>
               <a:rPr lang="en-US" smtClean="0"/>
-              <a:t>10/29/2017</a:t>
-            </a:fld>
+              <a:t>2018-03-15</a:t>
+            </a:r>
             <a:endParaRPr lang="en-US" dirty="0"/>
           </a:p>
         </p:txBody>
@@ -9953,6 +10635,13 @@
   <p:clrMapOvr>
     <a:masterClrMapping/>
   </p:clrMapOvr>
+  <p:timing>
+    <p:tnLst>
+      <p:par>
+        <p:cTn id="1" dur="indefinite" restart="never" nodeType="tmRoot"/>
+      </p:par>
+    </p:tnLst>
+  </p:timing>
 </p:sld>
 </file>
 
@@ -10015,10 +10704,10 @@
           <a:bodyPr/>
           <a:lstStyle/>
           <a:p>
-            <a:fld id="{12698F6C-3B60-45A8-AA68-1C639B61BEFF}" type="datetime1">
+            <a:r>
               <a:rPr lang="en-US" smtClean="0"/>
-              <a:t>10/29/2017</a:t>
-            </a:fld>
+              <a:t>2018-03-15</a:t>
+            </a:r>
             <a:endParaRPr lang="en-US" dirty="0"/>
           </a:p>
         </p:txBody>
@@ -10099,6 +10788,13 @@
   <p:clrMapOvr>
     <a:masterClrMapping/>
   </p:clrMapOvr>
+  <p:timing>
+    <p:tnLst>
+      <p:par>
+        <p:cTn id="1" dur="indefinite" restart="never" nodeType="tmRoot"/>
+      </p:par>
+    </p:tnLst>
+  </p:timing>
 </p:sld>
 </file>
 
@@ -10258,10 +10954,10 @@
           <a:bodyPr/>
           <a:lstStyle/>
           <a:p>
-            <a:fld id="{FC4CB26D-ED02-41C0-8C14-C61605713420}" type="datetime1">
+            <a:r>
               <a:rPr lang="en-US" smtClean="0"/>
-              <a:t>10/29/2017</a:t>
-            </a:fld>
+              <a:t>2018-03-15</a:t>
+            </a:r>
             <a:endParaRPr lang="en-US"/>
           </a:p>
         </p:txBody>
@@ -10528,11 +11224,7 @@
             </a:pPr>
             <a:r>
               <a:rPr lang="en-US" dirty="0" smtClean="0"/>
-              <a:t>Download open source code, follow </a:t>
-            </a:r>
-            <a:r>
-              <a:rPr lang="en-US" dirty="0" smtClean="0"/>
-              <a:t>install_method5.md and administer_method5.md</a:t>
+              <a:t>Download open source code, follow install_method5.md and administer_method5.md</a:t>
             </a:r>
           </a:p>
           <a:p>
@@ -10597,10 +11289,10 @@
           <a:bodyPr/>
           <a:lstStyle/>
           <a:p>
-            <a:fld id="{8A97B252-A157-47EE-8D8D-B5B4DAA37260}" type="datetime1">
+            <a:r>
               <a:rPr lang="en-US" smtClean="0"/>
-              <a:t>10/29/2017</a:t>
-            </a:fld>
+              <a:t>2018-03-15</a:t>
+            </a:r>
             <a:endParaRPr lang="en-US"/>
           </a:p>
         </p:txBody>
@@ -10862,7 +11554,7 @@
             </a:pPr>
             <a:r>
               <a:rPr lang="en-US" dirty="0" smtClean="0"/>
-              <a:t>Open-source, robust implementation</a:t>
+              <a:t>Open-source, secure, robust implementation</a:t>
             </a:r>
           </a:p>
           <a:p>
@@ -10916,11 +11608,11 @@
           <a:bodyPr/>
           <a:lstStyle/>
           <a:p>
-            <a:fld id="{04FA3B08-0866-4F48-BECB-8AEAA49887FE}" type="datetime1">
+            <a:r>
               <a:rPr lang="en-US" smtClean="0"/>
-              <a:t>10/29/2017</a:t>
-            </a:fld>
-            <a:endParaRPr lang="en-US"/>
+              <a:t>2018-03-15</a:t>
+            </a:r>
+            <a:endParaRPr lang="en-US" dirty="0"/>
           </a:p>
         </p:txBody>
       </p:sp>
@@ -11001,7 +11693,11 @@
           <a:p>
             <a:r>
               <a:rPr lang="en-US" dirty="0" smtClean="0"/>
-              <a:t>More Information</a:t>
+              <a:t>Why </a:t>
+            </a:r>
+            <a:r>
+              <a:rPr lang="en-US" dirty="0" smtClean="0"/>
+              <a:t>Method5 is Safe</a:t>
             </a:r>
             <a:endParaRPr lang="en-US" dirty="0"/>
           </a:p>
@@ -11020,95 +11716,177 @@
         <p:spPr/>
         <p:txBody>
           <a:bodyPr>
-            <a:normAutofit fontScale="92500" lnSpcReduction="10000"/>
+            <a:normAutofit fontScale="85000" lnSpcReduction="20000"/>
           </a:bodyPr>
           <a:lstStyle/>
           <a:p>
-            <a:pPr marL="514350" indent="-514350">
-              <a:buFont typeface="+mj-lt"/>
-              <a:buAutoNum type="arabicPeriod"/>
+            <a:pPr marL="0" indent="0">
+              <a:buNone/>
             </a:pPr>
             <a:r>
-              <a:rPr lang="en-US" dirty="0" smtClean="0">
-                <a:hlinkClick r:id="rId3"/>
-              </a:rPr>
-              <a:t>https://method5.github.io</a:t>
-            </a:r>
-            <a:endParaRPr lang="en-US" dirty="0" smtClean="0"/>
-          </a:p>
-          <a:p>
-            <a:pPr marL="514350" indent="-514350">
-              <a:buFont typeface="+mj-lt"/>
-              <a:buAutoNum type="arabicPeriod"/>
+              <a:rPr lang="en-US" strike="sngStrike" dirty="0" smtClean="0"/>
+              <a:t>1. Public </a:t>
+            </a:r>
+            <a:r>
+              <a:rPr lang="en-US" strike="sngStrike" dirty="0"/>
+              <a:t>database links</a:t>
+            </a:r>
+            <a:r>
+              <a:rPr lang="en-US" dirty="0"/>
+              <a:t>, </a:t>
+            </a:r>
+            <a:r>
+              <a:rPr lang="en-US" strike="sngStrike" dirty="0"/>
+              <a:t>password sharing</a:t>
+            </a:r>
+            <a:r>
+              <a:rPr lang="en-US" dirty="0"/>
+              <a:t>, </a:t>
+            </a:r>
+            <a:r>
+              <a:rPr lang="en-US" strike="sngStrike" dirty="0"/>
+              <a:t>direct </a:t>
+            </a:r>
+            <a:r>
+              <a:rPr lang="en-US" strike="sngStrike" dirty="0" smtClean="0"/>
+              <a:t>logons</a:t>
+            </a:r>
+            <a:endParaRPr lang="en-US" strike="sngStrike" dirty="0"/>
+          </a:p>
+          <a:p>
+            <a:pPr marL="0" indent="0">
+              <a:buNone/>
             </a:pPr>
             <a:r>
               <a:rPr lang="en-US" dirty="0" smtClean="0"/>
-              <a:t>Download code, user guide, examples, roadmap, and more</a:t>
-            </a:r>
-          </a:p>
-          <a:p>
-            <a:pPr marL="514350" indent="-514350">
-              <a:buFont typeface="+mj-lt"/>
-              <a:buAutoNum type="arabicPeriod"/>
+              <a:t>2. Auditing </a:t>
+            </a:r>
+            <a:r>
+              <a:rPr lang="en-US" dirty="0"/>
+              <a:t>- </a:t>
+            </a:r>
+            <a:r>
+              <a:rPr lang="en-US" dirty="0">
+                <a:solidFill>
+                  <a:schemeClr val="bg1">
+                    <a:lumMod val="50000"/>
+                  </a:schemeClr>
+                </a:solidFill>
+              </a:rPr>
+              <a:t>M5_AUDIT and database audit trail</a:t>
+            </a:r>
+          </a:p>
+          <a:p>
+            <a:pPr marL="0" indent="0">
+              <a:buNone/>
             </a:pPr>
             <a:r>
               <a:rPr lang="en-US" dirty="0" smtClean="0"/>
-              <a:t>Email Jon Heller: </a:t>
-            </a:r>
-            <a:r>
-              <a:rPr lang="en-US" dirty="0" smtClean="0">
-                <a:hlinkClick r:id="rId4"/>
-              </a:rPr>
-              <a:t>hjon@ventechsolutions.com</a:t>
+              <a:t>3. Multi-Step </a:t>
             </a:r>
             <a:r>
               <a:rPr lang="en-US" dirty="0"/>
-              <a:t> </a:t>
-            </a:r>
-            <a:r>
-              <a:rPr lang="en-US" dirty="0" smtClean="0"/>
-              <a:t>or</a:t>
-            </a:r>
-            <a:br>
-              <a:rPr lang="en-US" dirty="0" smtClean="0"/>
-            </a:br>
-            <a:r>
-              <a:rPr lang="en-US" dirty="0" smtClean="0">
-                <a:hlinkClick r:id="rId5"/>
-              </a:rPr>
-              <a:t>jon@jonheller.org</a:t>
-            </a:r>
-            <a:endParaRPr lang="en-US" dirty="0" smtClean="0"/>
-          </a:p>
-          <a:p>
-            <a:pPr marL="514350" indent="-514350">
-              <a:buFont typeface="+mj-lt"/>
-              <a:buAutoNum type="arabicPeriod"/>
+              <a:t>Authentication - </a:t>
+            </a:r>
+            <a:r>
+              <a:rPr lang="en-US" dirty="0">
+                <a:solidFill>
+                  <a:schemeClr val="bg1">
+                    <a:lumMod val="50000"/>
+                  </a:schemeClr>
+                </a:solidFill>
+              </a:rPr>
+              <a:t>Oracle and OS username</a:t>
+            </a:r>
+          </a:p>
+          <a:p>
+            <a:pPr marL="0" indent="0">
+              <a:buNone/>
             </a:pPr>
             <a:r>
               <a:rPr lang="en-US" dirty="0" smtClean="0"/>
-              <a:t>Create an issue on the </a:t>
+              <a:t>4. Intrusion </a:t>
             </a:r>
             <a:r>
               <a:rPr lang="en-US" dirty="0"/>
-              <a:t>GitHub repository:</a:t>
-            </a:r>
-            <a:br>
+              <a:t>Detection - </a:t>
+            </a:r>
+            <a:r>
+              <a:rPr lang="en-US" dirty="0">
+                <a:solidFill>
+                  <a:schemeClr val="bg1">
+                    <a:lumMod val="50000"/>
+                  </a:schemeClr>
+                </a:solidFill>
+              </a:rPr>
+              <a:t>Invalid access or </a:t>
+            </a:r>
+            <a:r>
+              <a:rPr lang="en-US" dirty="0" err="1">
+                <a:solidFill>
+                  <a:schemeClr val="bg1">
+                    <a:lumMod val="50000"/>
+                  </a:schemeClr>
+                </a:solidFill>
+              </a:rPr>
+              <a:t>config</a:t>
+            </a:r>
+            <a:r>
+              <a:rPr lang="en-US" dirty="0">
+                <a:solidFill>
+                  <a:schemeClr val="bg1">
+                    <a:lumMod val="50000"/>
+                  </a:schemeClr>
+                </a:solidFill>
+              </a:rPr>
+              <a:t> changes email admin</a:t>
+            </a:r>
+          </a:p>
+          <a:p>
+            <a:pPr marL="0" indent="0">
+              <a:buNone/>
+            </a:pPr>
+            <a:r>
+              <a:rPr lang="en-US" dirty="0" smtClean="0"/>
+              <a:t>5. Shell </a:t>
+            </a:r>
+            <a:r>
               <a:rPr lang="en-US" dirty="0"/>
-            </a:br>
+              <a:t>Script and SYS - </a:t>
+            </a:r>
             <a:r>
               <a:rPr lang="en-US" dirty="0">
-                <a:hlinkClick r:id="rId6"/>
-              </a:rPr>
-              <a:t>https://</a:t>
-            </a:r>
-            <a:r>
-              <a:rPr lang="en-US" dirty="0" smtClean="0">
-                <a:hlinkClick r:id="rId6"/>
-              </a:rPr>
-              <a:t>github.com/method5/method5</a:t>
-            </a:r>
-            <a:endParaRPr lang="en-US" dirty="0" smtClean="0"/>
+                <a:solidFill>
+                  <a:schemeClr val="bg1">
+                    <a:lumMod val="50000"/>
+                  </a:schemeClr>
+                </a:solidFill>
+              </a:rPr>
+              <a:t>Commands from master are encrypted, remote DBA cannot break into it</a:t>
+            </a:r>
+          </a:p>
+          <a:p>
+            <a:pPr marL="0" indent="0">
+              <a:buNone/>
+            </a:pPr>
+            <a:r>
+              <a:rPr lang="en-US" dirty="0" smtClean="0"/>
+              <a:t>6. Open </a:t>
+            </a:r>
+            <a:r>
+              <a:rPr lang="en-US" dirty="0"/>
+              <a:t>Source - </a:t>
+            </a:r>
+            <a:r>
+              <a:rPr lang="en-US" dirty="0">
+                <a:solidFill>
+                  <a:schemeClr val="bg1">
+                    <a:lumMod val="50000"/>
+                  </a:schemeClr>
+                </a:solidFill>
+              </a:rPr>
+              <a:t>Not just security through obscurity</a:t>
+            </a:r>
           </a:p>
         </p:txBody>
       </p:sp>
@@ -11127,11 +11905,11 @@
           <a:bodyPr/>
           <a:lstStyle/>
           <a:p>
-            <a:fld id="{E18E99D8-5B8F-468C-BBE7-526BD68FE572}" type="datetime1">
+            <a:r>
               <a:rPr lang="en-US" smtClean="0"/>
-              <a:t>10/29/2017</a:t>
-            </a:fld>
-            <a:endParaRPr lang="en-US"/>
+              <a:t>2018-03-15</a:t>
+            </a:r>
+            <a:endParaRPr lang="en-US" dirty="0"/>
           </a:p>
         </p:txBody>
       </p:sp>
@@ -11161,7 +11939,7 @@
     </p:spTree>
     <p:extLst>
       <p:ext uri="{BB962C8B-B14F-4D97-AF65-F5344CB8AC3E}">
-        <p14:creationId xmlns:p14="http://schemas.microsoft.com/office/powerpoint/2010/main" val="269627525"/>
+        <p14:creationId xmlns:p14="http://schemas.microsoft.com/office/powerpoint/2010/main" val="1210488992"/>
       </p:ext>
     </p:extLst>
   </p:cSld>
@@ -11207,21 +11985,124 @@
         </p:nvSpPr>
         <p:spPr/>
         <p:txBody>
+          <a:bodyPr/>
+          <a:lstStyle/>
+          <a:p>
+            <a:r>
+              <a:rPr lang="en-US" dirty="0" smtClean="0"/>
+              <a:t>Minimum Privileges</a:t>
+            </a:r>
+            <a:endParaRPr lang="en-US" dirty="0"/>
+          </a:p>
+        </p:txBody>
+      </p:sp>
+      <p:sp>
+        <p:nvSpPr>
+          <p:cNvPr id="3" name="Content Placeholder 2"/>
+          <p:cNvSpPr>
+            <a:spLocks noGrp="1"/>
+          </p:cNvSpPr>
+          <p:nvPr>
+            <p:ph idx="1"/>
+          </p:nvPr>
+        </p:nvSpPr>
+        <p:spPr/>
+        <p:txBody>
           <a:bodyPr>
-            <a:normAutofit fontScale="90000"/>
+            <a:noAutofit/>
           </a:bodyPr>
           <a:lstStyle/>
           <a:p>
-            <a:r>
-              <a:rPr lang="en-US" dirty="0" smtClean="0"/>
-              <a:t>Your New Mission:</a:t>
+            <a:endParaRPr lang="en-US" sz="2000" dirty="0">
+              <a:latin typeface="Courier New" panose="02070309020205020404" pitchFamily="49" charset="0"/>
+              <a:cs typeface="Courier New" panose="02070309020205020404" pitchFamily="49" charset="0"/>
+            </a:endParaRPr>
+          </a:p>
+          <a:p>
+            <a:endParaRPr lang="en-US" sz="2000" dirty="0" smtClean="0">
+              <a:latin typeface="Courier New" panose="02070309020205020404" pitchFamily="49" charset="0"/>
+              <a:cs typeface="Courier New" panose="02070309020205020404" pitchFamily="49" charset="0"/>
+            </a:endParaRPr>
+          </a:p>
+          <a:p>
+            <a:endParaRPr lang="en-US" sz="2000" dirty="0">
+              <a:latin typeface="Courier New" panose="02070309020205020404" pitchFamily="49" charset="0"/>
+              <a:cs typeface="Courier New" panose="02070309020205020404" pitchFamily="49" charset="0"/>
+            </a:endParaRPr>
+          </a:p>
+          <a:p>
+            <a:endParaRPr lang="en-US" sz="2000" dirty="0" smtClean="0">
+              <a:latin typeface="Courier New" panose="02070309020205020404" pitchFamily="49" charset="0"/>
+              <a:cs typeface="Courier New" panose="02070309020205020404" pitchFamily="49" charset="0"/>
+            </a:endParaRPr>
+          </a:p>
+          <a:p>
+            <a:pPr marL="0" indent="0">
+              <a:buNone/>
+            </a:pPr>
+            <a:r>
+              <a:rPr lang="en-US" sz="2700" dirty="0" smtClean="0">
+                <a:cs typeface="Courier New" panose="02070309020205020404" pitchFamily="49" charset="0"/>
+              </a:rPr>
+              <a:t>1 - Only slightly configurable (strongly not recommended)</a:t>
             </a:r>
             <a:br>
-              <a:rPr lang="en-US" dirty="0" smtClean="0"/>
+              <a:rPr lang="en-US" sz="2700" dirty="0" smtClean="0">
+                <a:cs typeface="Courier New" panose="02070309020205020404" pitchFamily="49" charset="0"/>
+              </a:rPr>
             </a:br>
             <a:r>
-              <a:rPr lang="en-US" dirty="0" smtClean="0"/>
-              <a:t>Automate Everything</a:t>
+              <a:rPr lang="en-US" sz="2700" dirty="0" smtClean="0">
+                <a:cs typeface="Courier New" panose="02070309020205020404" pitchFamily="49" charset="0"/>
+              </a:rPr>
+              <a:t>2 - Only slightly configurable (not recommended)</a:t>
+            </a:r>
+            <a:br>
+              <a:rPr lang="en-US" sz="2700" dirty="0" smtClean="0">
+                <a:cs typeface="Courier New" panose="02070309020205020404" pitchFamily="49" charset="0"/>
+              </a:rPr>
+            </a:br>
+            <a:r>
+              <a:rPr lang="en-US" sz="2700" dirty="0" smtClean="0">
+                <a:cs typeface="Courier New" panose="02070309020205020404" pitchFamily="49" charset="0"/>
+              </a:rPr>
+              <a:t>3 - No need to worry about</a:t>
+            </a:r>
+            <a:br>
+              <a:rPr lang="en-US" sz="2700" dirty="0" smtClean="0">
+                <a:cs typeface="Courier New" panose="02070309020205020404" pitchFamily="49" charset="0"/>
+              </a:rPr>
+            </a:br>
+            <a:r>
+              <a:rPr lang="en-US" sz="2700" dirty="0" smtClean="0">
+                <a:cs typeface="Courier New" panose="02070309020205020404" pitchFamily="49" charset="0"/>
+              </a:rPr>
+              <a:t>4 - Highly configurable</a:t>
+            </a:r>
+            <a:endParaRPr lang="en-US" sz="2700" dirty="0">
+              <a:cs typeface="Courier New" panose="02070309020205020404" pitchFamily="49" charset="0"/>
+            </a:endParaRPr>
+          </a:p>
+        </p:txBody>
+      </p:sp>
+      <p:sp>
+        <p:nvSpPr>
+          <p:cNvPr id="4" name="Date Placeholder 3"/>
+          <p:cNvSpPr>
+            <a:spLocks noGrp="1"/>
+          </p:cNvSpPr>
+          <p:nvPr>
+            <p:ph type="dt" sz="half" idx="10"/>
+          </p:nvPr>
+        </p:nvSpPr>
+        <p:spPr/>
+        <p:txBody>
+          <a:bodyPr/>
+          <a:lstStyle/>
+          <a:p>
+            <a:r>
+              <a:rPr lang="en-US" smtClean="0"/>
+              <a:t>2018-03-15</a:t>
             </a:r>
             <a:endParaRPr lang="en-US" dirty="0"/>
           </a:p>
@@ -11229,6 +12110,636 @@
       </p:sp>
       <p:sp>
         <p:nvSpPr>
+          <p:cNvPr id="5" name="Slide Number Placeholder 4"/>
+          <p:cNvSpPr>
+            <a:spLocks noGrp="1"/>
+          </p:cNvSpPr>
+          <p:nvPr>
+            <p:ph type="sldNum" sz="quarter" idx="12"/>
+          </p:nvPr>
+        </p:nvSpPr>
+        <p:spPr/>
+        <p:txBody>
+          <a:bodyPr/>
+          <a:lstStyle/>
+          <a:p>
+            <a:fld id="{05869706-863E-4BD1-B682-3CD80F60367B}" type="slidenum">
+              <a:rPr lang="en-US" smtClean="0"/>
+              <a:t>21</a:t>
+            </a:fld>
+            <a:endParaRPr lang="en-US"/>
+          </a:p>
+        </p:txBody>
+      </p:sp>
+      <p:graphicFrame>
+        <p:nvGraphicFramePr>
+          <p:cNvPr id="7" name="Table 6"/>
+          <p:cNvGraphicFramePr>
+            <a:graphicFrameLocks noGrp="1"/>
+          </p:cNvGraphicFramePr>
+          <p:nvPr>
+            <p:extLst>
+              <p:ext uri="{D42A27DB-BD31-4B8C-83A1-F6EECF244321}">
+                <p14:modId xmlns:p14="http://schemas.microsoft.com/office/powerpoint/2010/main" val="1505822581"/>
+              </p:ext>
+            </p:extLst>
+          </p:nvPr>
+        </p:nvGraphicFramePr>
+        <p:xfrm>
+          <a:off x="304800" y="971550"/>
+          <a:ext cx="6934200" cy="1682496"/>
+        </p:xfrm>
+        <a:graphic>
+          <a:graphicData uri="http://schemas.openxmlformats.org/drawingml/2006/table">
+            <a:tbl>
+              <a:tblPr firstRow="1" firstCol="1" bandRow="1"/>
+              <a:tblGrid>
+                <a:gridCol w="1757082"/>
+                <a:gridCol w="3451412"/>
+                <a:gridCol w="1725706"/>
+              </a:tblGrid>
+              <a:tr h="304800">
+                <a:tc>
+                  <a:txBody>
+                    <a:bodyPr/>
+                    <a:lstStyle/>
+                    <a:p>
+                      <a:pPr marL="0" marR="0">
+                        <a:lnSpc>
+                          <a:spcPct val="115000"/>
+                        </a:lnSpc>
+                        <a:spcBef>
+                          <a:spcPts val="0"/>
+                        </a:spcBef>
+                        <a:spcAft>
+                          <a:spcPts val="0"/>
+                        </a:spcAft>
+                      </a:pPr>
+                      <a:r>
+                        <a:rPr lang="en-US" sz="3200" dirty="0">
+                          <a:effectLst/>
+                          <a:latin typeface="+mj-lt"/>
+                          <a:ea typeface="Calibri"/>
+                          <a:cs typeface="Times New Roman"/>
+                        </a:rPr>
+                        <a:t> </a:t>
+                      </a:r>
+                    </a:p>
+                  </a:txBody>
+                  <a:tcPr marL="68580" marR="68580" marT="0" marB="0">
+                    <a:lnL>
+                      <a:noFill/>
+                    </a:lnL>
+                    <a:lnR>
+                      <a:noFill/>
+                    </a:lnR>
+                    <a:lnT>
+                      <a:noFill/>
+                    </a:lnT>
+                    <a:lnB>
+                      <a:noFill/>
+                    </a:lnB>
+                  </a:tcPr>
+                </a:tc>
+                <a:tc>
+                  <a:txBody>
+                    <a:bodyPr/>
+                    <a:lstStyle/>
+                    <a:p>
+                      <a:pPr marL="0" marR="0" algn="ctr">
+                        <a:lnSpc>
+                          <a:spcPct val="115000"/>
+                        </a:lnSpc>
+                        <a:spcBef>
+                          <a:spcPts val="0"/>
+                        </a:spcBef>
+                        <a:spcAft>
+                          <a:spcPts val="0"/>
+                        </a:spcAft>
+                      </a:pPr>
+                      <a:r>
+                        <a:rPr lang="en-US" sz="3200" dirty="0">
+                          <a:effectLst/>
+                          <a:latin typeface="+mj-lt"/>
+                          <a:ea typeface="Calibri"/>
+                          <a:cs typeface="Times New Roman"/>
+                        </a:rPr>
+                        <a:t>Method5</a:t>
+                      </a:r>
+                    </a:p>
+                  </a:txBody>
+                  <a:tcPr marL="68580" marR="68580" marT="0" marB="0">
+                    <a:lnL>
+                      <a:noFill/>
+                    </a:lnL>
+                    <a:lnR>
+                      <a:noFill/>
+                    </a:lnR>
+                    <a:lnT>
+                      <a:noFill/>
+                    </a:lnT>
+                    <a:lnB w="12700" cap="flat" cmpd="sng" algn="ctr">
+                      <a:solidFill>
+                        <a:srgbClr val="000000"/>
+                      </a:solidFill>
+                      <a:prstDash val="solid"/>
+                      <a:round/>
+                      <a:headEnd type="none" w="med" len="med"/>
+                      <a:tailEnd type="none" w="med" len="med"/>
+                    </a:lnB>
+                  </a:tcPr>
+                </a:tc>
+                <a:tc>
+                  <a:txBody>
+                    <a:bodyPr/>
+                    <a:lstStyle/>
+                    <a:p>
+                      <a:pPr marL="0" marR="0" algn="ctr">
+                        <a:lnSpc>
+                          <a:spcPct val="115000"/>
+                        </a:lnSpc>
+                        <a:spcBef>
+                          <a:spcPts val="0"/>
+                        </a:spcBef>
+                        <a:spcAft>
+                          <a:spcPts val="0"/>
+                        </a:spcAft>
+                      </a:pPr>
+                      <a:r>
+                        <a:rPr lang="en-US" sz="3200" dirty="0">
+                          <a:effectLst/>
+                          <a:latin typeface="+mj-lt"/>
+                          <a:ea typeface="Calibri"/>
+                          <a:cs typeface="Times New Roman"/>
+                        </a:rPr>
+                        <a:t>User</a:t>
+                      </a:r>
+                    </a:p>
+                  </a:txBody>
+                  <a:tcPr marL="68580" marR="68580" marT="0" marB="0">
+                    <a:lnL>
+                      <a:noFill/>
+                    </a:lnL>
+                    <a:lnR>
+                      <a:noFill/>
+                    </a:lnR>
+                    <a:lnT>
+                      <a:noFill/>
+                    </a:lnT>
+                    <a:lnB w="12700" cap="flat" cmpd="sng" algn="ctr">
+                      <a:solidFill>
+                        <a:srgbClr val="000000"/>
+                      </a:solidFill>
+                      <a:prstDash val="solid"/>
+                      <a:round/>
+                      <a:headEnd type="none" w="med" len="med"/>
+                      <a:tailEnd type="none" w="med" len="med"/>
+                    </a:lnB>
+                  </a:tcPr>
+                </a:tc>
+              </a:tr>
+              <a:tr h="304800">
+                <a:tc>
+                  <a:txBody>
+                    <a:bodyPr/>
+                    <a:lstStyle/>
+                    <a:p>
+                      <a:pPr marL="0" marR="0" algn="r">
+                        <a:lnSpc>
+                          <a:spcPct val="115000"/>
+                        </a:lnSpc>
+                        <a:spcBef>
+                          <a:spcPts val="0"/>
+                        </a:spcBef>
+                        <a:spcAft>
+                          <a:spcPts val="0"/>
+                        </a:spcAft>
+                      </a:pPr>
+                      <a:r>
+                        <a:rPr lang="en-US" sz="3200" dirty="0">
+                          <a:effectLst/>
+                          <a:latin typeface="+mj-lt"/>
+                          <a:ea typeface="Calibri"/>
+                          <a:cs typeface="Times New Roman"/>
+                        </a:rPr>
+                        <a:t>Master</a:t>
+                      </a:r>
+                    </a:p>
+                  </a:txBody>
+                  <a:tcPr marL="68580" marR="68580" marT="0" marB="0">
+                    <a:lnL>
+                      <a:noFill/>
+                    </a:lnL>
+                    <a:lnR w="12700" cap="flat" cmpd="sng" algn="ctr">
+                      <a:solidFill>
+                        <a:srgbClr val="000000"/>
+                      </a:solidFill>
+                      <a:prstDash val="solid"/>
+                      <a:round/>
+                      <a:headEnd type="none" w="med" len="med"/>
+                      <a:tailEnd type="none" w="med" len="med"/>
+                    </a:lnR>
+                    <a:lnT>
+                      <a:noFill/>
+                    </a:lnT>
+                    <a:lnB>
+                      <a:noFill/>
+                    </a:lnB>
+                  </a:tcPr>
+                </a:tc>
+                <a:tc>
+                  <a:txBody>
+                    <a:bodyPr/>
+                    <a:lstStyle/>
+                    <a:p>
+                      <a:pPr marL="0" marR="0">
+                        <a:lnSpc>
+                          <a:spcPct val="115000"/>
+                        </a:lnSpc>
+                        <a:spcBef>
+                          <a:spcPts val="0"/>
+                        </a:spcBef>
+                        <a:spcAft>
+                          <a:spcPts val="0"/>
+                        </a:spcAft>
+                      </a:pPr>
+                      <a:r>
+                        <a:rPr lang="en-US" sz="3200" dirty="0">
+                          <a:effectLst/>
+                          <a:latin typeface="+mj-lt"/>
+                          <a:ea typeface="Calibri"/>
+                          <a:cs typeface="Times New Roman"/>
+                        </a:rPr>
+                        <a:t>1) High</a:t>
+                      </a:r>
+                    </a:p>
+                  </a:txBody>
+                  <a:tcPr marL="68580" marR="68580" marT="0" marB="0">
+                    <a:lnL w="12700" cap="flat" cmpd="sng" algn="ctr">
+                      <a:solidFill>
+                        <a:srgbClr val="000000"/>
+                      </a:solidFill>
+                      <a:prstDash val="solid"/>
+                      <a:round/>
+                      <a:headEnd type="none" w="med" len="med"/>
+                      <a:tailEnd type="none" w="med" len="med"/>
+                    </a:lnL>
+                    <a:lnR w="12700" cap="flat" cmpd="sng" algn="ctr">
+                      <a:solidFill>
+                        <a:srgbClr val="000000"/>
+                      </a:solidFill>
+                      <a:prstDash val="solid"/>
+                      <a:round/>
+                      <a:headEnd type="none" w="med" len="med"/>
+                      <a:tailEnd type="none" w="med" len="med"/>
+                    </a:lnR>
+                    <a:lnT w="12700" cap="flat" cmpd="sng" algn="ctr">
+                      <a:solidFill>
+                        <a:srgbClr val="000000"/>
+                      </a:solidFill>
+                      <a:prstDash val="solid"/>
+                      <a:round/>
+                      <a:headEnd type="none" w="med" len="med"/>
+                      <a:tailEnd type="none" w="med" len="med"/>
+                    </a:lnT>
+                    <a:lnB w="12700" cap="flat" cmpd="sng" algn="ctr">
+                      <a:solidFill>
+                        <a:srgbClr val="000000"/>
+                      </a:solidFill>
+                      <a:prstDash val="solid"/>
+                      <a:round/>
+                      <a:headEnd type="none" w="med" len="med"/>
+                      <a:tailEnd type="none" w="med" len="med"/>
+                    </a:lnB>
+                    <a:solidFill>
+                      <a:srgbClr val="FF0000"/>
+                    </a:solidFill>
+                  </a:tcPr>
+                </a:tc>
+                <a:tc>
+                  <a:txBody>
+                    <a:bodyPr/>
+                    <a:lstStyle/>
+                    <a:p>
+                      <a:pPr marL="0" marR="0">
+                        <a:lnSpc>
+                          <a:spcPct val="115000"/>
+                        </a:lnSpc>
+                        <a:spcBef>
+                          <a:spcPts val="0"/>
+                        </a:spcBef>
+                        <a:spcAft>
+                          <a:spcPts val="0"/>
+                        </a:spcAft>
+                      </a:pPr>
+                      <a:r>
+                        <a:rPr lang="en-US" sz="3200">
+                          <a:effectLst/>
+                          <a:latin typeface="+mj-lt"/>
+                          <a:ea typeface="Calibri"/>
+                          <a:cs typeface="Times New Roman"/>
+                        </a:rPr>
+                        <a:t>3) Low</a:t>
+                      </a:r>
+                    </a:p>
+                  </a:txBody>
+                  <a:tcPr marL="68580" marR="68580" marT="0" marB="0">
+                    <a:lnL w="12700" cap="flat" cmpd="sng" algn="ctr">
+                      <a:solidFill>
+                        <a:srgbClr val="000000"/>
+                      </a:solidFill>
+                      <a:prstDash val="solid"/>
+                      <a:round/>
+                      <a:headEnd type="none" w="med" len="med"/>
+                      <a:tailEnd type="none" w="med" len="med"/>
+                    </a:lnL>
+                    <a:lnR w="12700" cap="flat" cmpd="sng" algn="ctr">
+                      <a:solidFill>
+                        <a:srgbClr val="000000"/>
+                      </a:solidFill>
+                      <a:prstDash val="solid"/>
+                      <a:round/>
+                      <a:headEnd type="none" w="med" len="med"/>
+                      <a:tailEnd type="none" w="med" len="med"/>
+                    </a:lnR>
+                    <a:lnT w="12700" cap="flat" cmpd="sng" algn="ctr">
+                      <a:solidFill>
+                        <a:srgbClr val="000000"/>
+                      </a:solidFill>
+                      <a:prstDash val="solid"/>
+                      <a:round/>
+                      <a:headEnd type="none" w="med" len="med"/>
+                      <a:tailEnd type="none" w="med" len="med"/>
+                    </a:lnT>
+                    <a:lnB w="12700" cap="flat" cmpd="sng" algn="ctr">
+                      <a:solidFill>
+                        <a:srgbClr val="000000"/>
+                      </a:solidFill>
+                      <a:prstDash val="solid"/>
+                      <a:round/>
+                      <a:headEnd type="none" w="med" len="med"/>
+                      <a:tailEnd type="none" w="med" len="med"/>
+                    </a:lnB>
+                    <a:solidFill>
+                      <a:srgbClr val="00B050"/>
+                    </a:solidFill>
+                  </a:tcPr>
+                </a:tc>
+              </a:tr>
+              <a:tr h="304800">
+                <a:tc>
+                  <a:txBody>
+                    <a:bodyPr/>
+                    <a:lstStyle/>
+                    <a:p>
+                      <a:pPr marL="0" marR="0" algn="r">
+                        <a:lnSpc>
+                          <a:spcPct val="115000"/>
+                        </a:lnSpc>
+                        <a:spcBef>
+                          <a:spcPts val="0"/>
+                        </a:spcBef>
+                        <a:spcAft>
+                          <a:spcPts val="0"/>
+                        </a:spcAft>
+                      </a:pPr>
+                      <a:r>
+                        <a:rPr lang="en-US" sz="3200" dirty="0">
+                          <a:effectLst/>
+                          <a:latin typeface="+mj-lt"/>
+                          <a:ea typeface="Calibri"/>
+                          <a:cs typeface="Times New Roman"/>
+                        </a:rPr>
+                        <a:t>Remote</a:t>
+                      </a:r>
+                    </a:p>
+                  </a:txBody>
+                  <a:tcPr marL="68580" marR="68580" marT="0" marB="0">
+                    <a:lnL>
+                      <a:noFill/>
+                    </a:lnL>
+                    <a:lnR w="12700" cap="flat" cmpd="sng" algn="ctr">
+                      <a:solidFill>
+                        <a:srgbClr val="000000"/>
+                      </a:solidFill>
+                      <a:prstDash val="solid"/>
+                      <a:round/>
+                      <a:headEnd type="none" w="med" len="med"/>
+                      <a:tailEnd type="none" w="med" len="med"/>
+                    </a:lnR>
+                    <a:lnT>
+                      <a:noFill/>
+                    </a:lnT>
+                    <a:lnB>
+                      <a:noFill/>
+                    </a:lnB>
+                  </a:tcPr>
+                </a:tc>
+                <a:tc>
+                  <a:txBody>
+                    <a:bodyPr/>
+                    <a:lstStyle/>
+                    <a:p>
+                      <a:pPr marL="0" marR="0">
+                        <a:lnSpc>
+                          <a:spcPct val="115000"/>
+                        </a:lnSpc>
+                        <a:spcBef>
+                          <a:spcPts val="0"/>
+                        </a:spcBef>
+                        <a:spcAft>
+                          <a:spcPts val="0"/>
+                        </a:spcAft>
+                      </a:pPr>
+                      <a:r>
+                        <a:rPr lang="en-US" sz="3200" dirty="0">
+                          <a:effectLst/>
+                          <a:latin typeface="+mj-lt"/>
+                          <a:ea typeface="Calibri"/>
+                          <a:cs typeface="Times New Roman"/>
+                        </a:rPr>
+                        <a:t>2) Medium to High</a:t>
+                      </a:r>
+                    </a:p>
+                  </a:txBody>
+                  <a:tcPr marL="68580" marR="68580" marT="0" marB="0">
+                    <a:lnL w="12700" cap="flat" cmpd="sng" algn="ctr">
+                      <a:solidFill>
+                        <a:srgbClr val="000000"/>
+                      </a:solidFill>
+                      <a:prstDash val="solid"/>
+                      <a:round/>
+                      <a:headEnd type="none" w="med" len="med"/>
+                      <a:tailEnd type="none" w="med" len="med"/>
+                    </a:lnL>
+                    <a:lnR w="12700" cap="flat" cmpd="sng" algn="ctr">
+                      <a:solidFill>
+                        <a:srgbClr val="000000"/>
+                      </a:solidFill>
+                      <a:prstDash val="solid"/>
+                      <a:round/>
+                      <a:headEnd type="none" w="med" len="med"/>
+                      <a:tailEnd type="none" w="med" len="med"/>
+                    </a:lnR>
+                    <a:lnT w="12700" cap="flat" cmpd="sng" algn="ctr">
+                      <a:solidFill>
+                        <a:srgbClr val="000000"/>
+                      </a:solidFill>
+                      <a:prstDash val="solid"/>
+                      <a:round/>
+                      <a:headEnd type="none" w="med" len="med"/>
+                      <a:tailEnd type="none" w="med" len="med"/>
+                    </a:lnT>
+                    <a:lnB w="12700" cap="flat" cmpd="sng" algn="ctr">
+                      <a:solidFill>
+                        <a:srgbClr val="000000"/>
+                      </a:solidFill>
+                      <a:prstDash val="solid"/>
+                      <a:round/>
+                      <a:headEnd type="none" w="med" len="med"/>
+                      <a:tailEnd type="none" w="med" len="med"/>
+                    </a:lnB>
+                    <a:solidFill>
+                      <a:srgbClr val="FFFF00"/>
+                    </a:solidFill>
+                  </a:tcPr>
+                </a:tc>
+                <a:tc>
+                  <a:txBody>
+                    <a:bodyPr/>
+                    <a:lstStyle/>
+                    <a:p>
+                      <a:pPr marL="0" marR="0">
+                        <a:lnSpc>
+                          <a:spcPct val="115000"/>
+                        </a:lnSpc>
+                        <a:spcBef>
+                          <a:spcPts val="0"/>
+                        </a:spcBef>
+                        <a:spcAft>
+                          <a:spcPts val="0"/>
+                        </a:spcAft>
+                      </a:pPr>
+                      <a:r>
+                        <a:rPr lang="en-US" sz="3200" dirty="0">
+                          <a:effectLst/>
+                          <a:latin typeface="+mj-lt"/>
+                          <a:ea typeface="Calibri"/>
+                          <a:cs typeface="Times New Roman"/>
+                        </a:rPr>
+                        <a:t>4) None</a:t>
+                      </a:r>
+                    </a:p>
+                  </a:txBody>
+                  <a:tcPr marL="68580" marR="68580" marT="0" marB="0">
+                    <a:lnL w="12700" cap="flat" cmpd="sng" algn="ctr">
+                      <a:solidFill>
+                        <a:srgbClr val="000000"/>
+                      </a:solidFill>
+                      <a:prstDash val="solid"/>
+                      <a:round/>
+                      <a:headEnd type="none" w="med" len="med"/>
+                      <a:tailEnd type="none" w="med" len="med"/>
+                    </a:lnL>
+                    <a:lnR w="12700" cap="flat" cmpd="sng" algn="ctr">
+                      <a:solidFill>
+                        <a:srgbClr val="000000"/>
+                      </a:solidFill>
+                      <a:prstDash val="solid"/>
+                      <a:round/>
+                      <a:headEnd type="none" w="med" len="med"/>
+                      <a:tailEnd type="none" w="med" len="med"/>
+                    </a:lnR>
+                    <a:lnT w="12700" cap="flat" cmpd="sng" algn="ctr">
+                      <a:solidFill>
+                        <a:srgbClr val="000000"/>
+                      </a:solidFill>
+                      <a:prstDash val="solid"/>
+                      <a:round/>
+                      <a:headEnd type="none" w="med" len="med"/>
+                      <a:tailEnd type="none" w="med" len="med"/>
+                    </a:lnT>
+                    <a:lnB w="12700" cap="flat" cmpd="sng" algn="ctr">
+                      <a:solidFill>
+                        <a:srgbClr val="000000"/>
+                      </a:solidFill>
+                      <a:prstDash val="solid"/>
+                      <a:round/>
+                      <a:headEnd type="none" w="med" len="med"/>
+                      <a:tailEnd type="none" w="med" len="med"/>
+                    </a:lnB>
+                    <a:solidFill>
+                      <a:srgbClr val="00B050"/>
+                    </a:solidFill>
+                  </a:tcPr>
+                </a:tc>
+              </a:tr>
+            </a:tbl>
+          </a:graphicData>
+        </a:graphic>
+      </p:graphicFrame>
+    </p:spTree>
+    <p:extLst>
+      <p:ext uri="{BB962C8B-B14F-4D97-AF65-F5344CB8AC3E}">
+        <p14:creationId xmlns:p14="http://schemas.microsoft.com/office/powerpoint/2010/main" val="2641750593"/>
+      </p:ext>
+    </p:extLst>
+  </p:cSld>
+  <p:clrMapOvr>
+    <a:masterClrMapping/>
+  </p:clrMapOvr>
+  <p:timing>
+    <p:tnLst>
+      <p:par>
+        <p:cTn id="1" dur="indefinite" restart="never" nodeType="tmRoot"/>
+      </p:par>
+    </p:tnLst>
+  </p:timing>
+</p:sld>
+</file>
+
+<file path=ppt/slides/slide22.xml><?xml version="1.0" encoding="utf-8"?>
+<p:sld xmlns:a="http://schemas.openxmlformats.org/drawingml/2006/main" xmlns:r="http://schemas.openxmlformats.org/officeDocument/2006/relationships" xmlns:p="http://schemas.openxmlformats.org/presentationml/2006/main">
+  <p:cSld>
+    <p:spTree>
+      <p:nvGrpSpPr>
+        <p:cNvPr id="1" name=""/>
+        <p:cNvGrpSpPr/>
+        <p:nvPr/>
+      </p:nvGrpSpPr>
+      <p:grpSpPr>
+        <a:xfrm>
+          <a:off x="0" y="0"/>
+          <a:ext cx="0" cy="0"/>
+          <a:chOff x="0" y="0"/>
+          <a:chExt cx="0" cy="0"/>
+        </a:xfrm>
+      </p:grpSpPr>
+      <p:sp>
+        <p:nvSpPr>
+          <p:cNvPr id="2" name="Title 1"/>
+          <p:cNvSpPr>
+            <a:spLocks noGrp="1"/>
+          </p:cNvSpPr>
+          <p:nvPr>
+            <p:ph type="title"/>
+          </p:nvPr>
+        </p:nvSpPr>
+        <p:spPr/>
+        <p:txBody>
+          <a:bodyPr/>
+          <a:lstStyle/>
+          <a:p>
+            <a:r>
+              <a:rPr lang="en-US" dirty="0" smtClean="0"/>
+              <a:t>User Configuration</a:t>
+            </a:r>
+            <a:endParaRPr lang="en-US" dirty="0"/>
+          </a:p>
+        </p:txBody>
+      </p:sp>
+      <p:sp>
+        <p:nvSpPr>
           <p:cNvPr id="3" name="Content Placeholder 2"/>
           <p:cNvSpPr>
             <a:spLocks noGrp="1"/>
@@ -11239,8 +12750,1400 @@
         </p:nvSpPr>
         <p:spPr/>
         <p:txBody>
+          <a:bodyPr/>
+          <a:lstStyle/>
+          <a:p>
+            <a:pPr marL="0" indent="0">
+              <a:buNone/>
+            </a:pPr>
+            <a:r>
+              <a:rPr lang="en-US" dirty="0" smtClean="0"/>
+              <a:t>1. M5_USER - </a:t>
+            </a:r>
+            <a:r>
+              <a:rPr lang="en-US" dirty="0" smtClean="0">
+                <a:solidFill>
+                  <a:schemeClr val="bg1">
+                    <a:lumMod val="50000"/>
+                  </a:schemeClr>
+                </a:solidFill>
+              </a:rPr>
+              <a:t>username (oracle and OS), email, is admin, default targets</a:t>
+            </a:r>
+          </a:p>
+          <a:p>
+            <a:pPr marL="0" indent="0">
+              <a:buNone/>
+            </a:pPr>
+            <a:r>
+              <a:rPr lang="en-US" dirty="0" smtClean="0"/>
+              <a:t>2. M5_ROLE - </a:t>
+            </a:r>
+            <a:r>
+              <a:rPr lang="en-US" dirty="0" smtClean="0">
+                <a:solidFill>
+                  <a:schemeClr val="bg1">
+                    <a:lumMod val="50000"/>
+                  </a:schemeClr>
+                </a:solidFill>
+              </a:rPr>
+              <a:t>name, targets, sys, shell, links, sandbox</a:t>
+            </a:r>
+          </a:p>
+          <a:p>
+            <a:pPr marL="0" indent="0">
+              <a:buNone/>
+            </a:pPr>
+            <a:r>
+              <a:rPr lang="en-US" dirty="0" smtClean="0"/>
+              <a:t>3. M5_USER_ROLE - </a:t>
+            </a:r>
+            <a:r>
+              <a:rPr lang="en-US" dirty="0" smtClean="0">
+                <a:solidFill>
+                  <a:schemeClr val="bg1">
+                    <a:lumMod val="50000"/>
+                  </a:schemeClr>
+                </a:solidFill>
+              </a:rPr>
+              <a:t>username, role</a:t>
+            </a:r>
+          </a:p>
+          <a:p>
+            <a:pPr marL="0" indent="0">
+              <a:buNone/>
+            </a:pPr>
+            <a:r>
+              <a:rPr lang="en-US" dirty="0" smtClean="0"/>
+              <a:t>4. M5_USER_PRIV - </a:t>
+            </a:r>
+            <a:r>
+              <a:rPr lang="en-US" dirty="0" smtClean="0">
+                <a:solidFill>
+                  <a:schemeClr val="bg1">
+                    <a:lumMod val="50000"/>
+                  </a:schemeClr>
+                </a:solidFill>
+              </a:rPr>
+              <a:t>role, privilege</a:t>
+            </a:r>
+            <a:endParaRPr lang="en-US" dirty="0">
+              <a:solidFill>
+                <a:schemeClr val="bg1">
+                  <a:lumMod val="50000"/>
+                </a:schemeClr>
+              </a:solidFill>
+            </a:endParaRPr>
+          </a:p>
+        </p:txBody>
+      </p:sp>
+      <p:sp>
+        <p:nvSpPr>
+          <p:cNvPr id="4" name="Date Placeholder 3"/>
+          <p:cNvSpPr>
+            <a:spLocks noGrp="1"/>
+          </p:cNvSpPr>
+          <p:nvPr>
+            <p:ph type="dt" sz="half" idx="10"/>
+          </p:nvPr>
+        </p:nvSpPr>
+        <p:spPr/>
+        <p:txBody>
+          <a:bodyPr/>
+          <a:lstStyle/>
+          <a:p>
+            <a:r>
+              <a:rPr lang="en-US" smtClean="0"/>
+              <a:t>2018-03-15</a:t>
+            </a:r>
+            <a:endParaRPr lang="en-US" dirty="0"/>
+          </a:p>
+        </p:txBody>
+      </p:sp>
+      <p:sp>
+        <p:nvSpPr>
+          <p:cNvPr id="5" name="Slide Number Placeholder 4"/>
+          <p:cNvSpPr>
+            <a:spLocks noGrp="1"/>
+          </p:cNvSpPr>
+          <p:nvPr>
+            <p:ph type="sldNum" sz="quarter" idx="12"/>
+          </p:nvPr>
+        </p:nvSpPr>
+        <p:spPr/>
+        <p:txBody>
+          <a:bodyPr/>
+          <a:lstStyle/>
+          <a:p>
+            <a:fld id="{05869706-863E-4BD1-B682-3CD80F60367B}" type="slidenum">
+              <a:rPr lang="en-US" smtClean="0"/>
+              <a:t>22</a:t>
+            </a:fld>
+            <a:endParaRPr lang="en-US"/>
+          </a:p>
+        </p:txBody>
+      </p:sp>
+    </p:spTree>
+    <p:extLst>
+      <p:ext uri="{BB962C8B-B14F-4D97-AF65-F5344CB8AC3E}">
+        <p14:creationId xmlns:p14="http://schemas.microsoft.com/office/powerpoint/2010/main" val="2729368625"/>
+      </p:ext>
+    </p:extLst>
+  </p:cSld>
+  <p:clrMapOvr>
+    <a:masterClrMapping/>
+  </p:clrMapOvr>
+  <p:timing>
+    <p:tnLst>
+      <p:par>
+        <p:cTn id="1" dur="indefinite" restart="never" nodeType="tmRoot"/>
+      </p:par>
+    </p:tnLst>
+  </p:timing>
+</p:sld>
+</file>
+
+<file path=ppt/slides/slide23.xml><?xml version="1.0" encoding="utf-8"?>
+<p:sld xmlns:a="http://schemas.openxmlformats.org/drawingml/2006/main" xmlns:r="http://schemas.openxmlformats.org/officeDocument/2006/relationships" xmlns:p="http://schemas.openxmlformats.org/presentationml/2006/main">
+  <p:cSld>
+    <p:spTree>
+      <p:nvGrpSpPr>
+        <p:cNvPr id="1" name=""/>
+        <p:cNvGrpSpPr/>
+        <p:nvPr/>
+      </p:nvGrpSpPr>
+      <p:grpSpPr>
+        <a:xfrm>
+          <a:off x="0" y="0"/>
+          <a:ext cx="0" cy="0"/>
+          <a:chOff x="0" y="0"/>
+          <a:chExt cx="0" cy="0"/>
+        </a:xfrm>
+      </p:grpSpPr>
+      <p:sp>
+        <p:nvSpPr>
+          <p:cNvPr id="2" name="Title 1"/>
+          <p:cNvSpPr>
+            <a:spLocks noGrp="1"/>
+          </p:cNvSpPr>
+          <p:nvPr>
+            <p:ph type="title"/>
+          </p:nvPr>
+        </p:nvSpPr>
+        <p:spPr/>
+        <p:txBody>
+          <a:bodyPr/>
+          <a:lstStyle/>
+          <a:p>
+            <a:r>
+              <a:rPr lang="en-US" dirty="0" smtClean="0"/>
+              <a:t>Security Query Examples</a:t>
+            </a:r>
+            <a:endParaRPr lang="en-US" dirty="0"/>
+          </a:p>
+        </p:txBody>
+      </p:sp>
+      <p:sp>
+        <p:nvSpPr>
+          <p:cNvPr id="3" name="Content Placeholder 2"/>
+          <p:cNvSpPr>
+            <a:spLocks noGrp="1"/>
+          </p:cNvSpPr>
+          <p:nvPr>
+            <p:ph idx="1"/>
+          </p:nvPr>
+        </p:nvSpPr>
+        <p:spPr/>
+        <p:txBody>
           <a:bodyPr>
-            <a:normAutofit lnSpcReduction="10000"/>
+            <a:normAutofit fontScale="85000" lnSpcReduction="10000"/>
+          </a:bodyPr>
+          <a:lstStyle/>
+          <a:p>
+            <a:pPr marL="0" indent="0">
+              <a:buNone/>
+            </a:pPr>
+            <a:r>
+              <a:rPr lang="en-US" sz="2600" dirty="0" smtClean="0">
+                <a:highlight>
+                  <a:srgbClr val="FFFFFF"/>
+                </a:highlight>
+              </a:rPr>
+              <a:t>1.</a:t>
+            </a:r>
+            <a:r>
+              <a:rPr lang="en-US" sz="2000" dirty="0" smtClean="0">
+                <a:highlight>
+                  <a:srgbClr val="FFFFFF"/>
+                </a:highlight>
+              </a:rPr>
+              <a:t> </a:t>
+            </a:r>
+            <a:r>
+              <a:rPr lang="en-US" sz="2000" b="1" dirty="0" smtClean="0">
+                <a:solidFill>
+                  <a:srgbClr val="000080"/>
+                </a:solidFill>
+                <a:highlight>
+                  <a:srgbClr val="FFFFFF"/>
+                </a:highlight>
+                <a:latin typeface="Lucida Console" panose="020B0609040504020204" pitchFamily="49" charset="0"/>
+              </a:rPr>
+              <a:t>m5_proc</a:t>
+            </a:r>
+            <a:r>
+              <a:rPr lang="en-US" sz="2000" b="1" dirty="0">
+                <a:solidFill>
+                  <a:srgbClr val="000080"/>
+                </a:solidFill>
+                <a:highlight>
+                  <a:srgbClr val="FFFFFF"/>
+                </a:highlight>
+                <a:latin typeface="Lucida Console" panose="020B0609040504020204" pitchFamily="49" charset="0"/>
+              </a:rPr>
+              <a:t>(</a:t>
+            </a:r>
+            <a:r>
+              <a:rPr lang="en-US" sz="2000" b="1" dirty="0">
+                <a:solidFill>
+                  <a:srgbClr val="0000FF"/>
+                </a:solidFill>
+                <a:highlight>
+                  <a:srgbClr val="FFFFFF"/>
+                </a:highlight>
+                <a:latin typeface="Lucida Console" panose="020B0609040504020204" pitchFamily="49" charset="0"/>
+              </a:rPr>
+              <a:t>'#!/bin/</a:t>
+            </a:r>
+            <a:r>
+              <a:rPr lang="en-US" sz="2000" b="1" dirty="0" err="1">
+                <a:solidFill>
+                  <a:srgbClr val="0000FF"/>
+                </a:solidFill>
+                <a:highlight>
+                  <a:srgbClr val="FFFFFF"/>
+                </a:highlight>
+                <a:latin typeface="Lucida Console" panose="020B0609040504020204" pitchFamily="49" charset="0"/>
+              </a:rPr>
+              <a:t>ksh</a:t>
+            </a:r>
+            <a:r>
+              <a:rPr lang="en-US" sz="2000" b="1" dirty="0">
+                <a:solidFill>
+                  <a:srgbClr val="0000FF"/>
+                </a:solidFill>
+                <a:highlight>
+                  <a:srgbClr val="FFFFFF"/>
+                </a:highlight>
+                <a:latin typeface="Lucida Console" panose="020B0609040504020204" pitchFamily="49" charset="0"/>
+              </a:rPr>
+              <a:t>'</a:t>
+            </a:r>
+            <a:r>
+              <a:rPr lang="en-US" sz="2000" b="1" dirty="0">
+                <a:solidFill>
+                  <a:srgbClr val="000080"/>
+                </a:solidFill>
+                <a:highlight>
+                  <a:srgbClr val="FFFFFF"/>
+                </a:highlight>
+                <a:latin typeface="Lucida Console" panose="020B0609040504020204" pitchFamily="49" charset="0"/>
+              </a:rPr>
+              <a:t>||</a:t>
+            </a:r>
+            <a:r>
+              <a:rPr lang="en-US" sz="2000" b="1" dirty="0" err="1">
+                <a:solidFill>
+                  <a:srgbClr val="008080"/>
+                </a:solidFill>
+                <a:highlight>
+                  <a:srgbClr val="FFFFFF"/>
+                </a:highlight>
+                <a:latin typeface="Lucida Console" panose="020B0609040504020204" pitchFamily="49" charset="0"/>
+              </a:rPr>
+              <a:t>chr</a:t>
+            </a:r>
+            <a:r>
+              <a:rPr lang="en-US" sz="2000" b="1" dirty="0">
+                <a:solidFill>
+                  <a:srgbClr val="000080"/>
+                </a:solidFill>
+                <a:highlight>
+                  <a:srgbClr val="FFFFFF"/>
+                </a:highlight>
+                <a:latin typeface="Lucida Console" panose="020B0609040504020204" pitchFamily="49" charset="0"/>
+              </a:rPr>
+              <a:t>(</a:t>
+            </a:r>
+            <a:r>
+              <a:rPr lang="en-US" sz="2000" b="1" dirty="0">
+                <a:solidFill>
+                  <a:srgbClr val="0000FF"/>
+                </a:solidFill>
+                <a:highlight>
+                  <a:srgbClr val="FFFFFF"/>
+                </a:highlight>
+                <a:latin typeface="Lucida Console" panose="020B0609040504020204" pitchFamily="49" charset="0"/>
+              </a:rPr>
+              <a:t>10</a:t>
+            </a:r>
+            <a:r>
+              <a:rPr lang="en-US" sz="2000" b="1" dirty="0">
+                <a:solidFill>
+                  <a:srgbClr val="000080"/>
+                </a:solidFill>
+                <a:highlight>
+                  <a:srgbClr val="FFFFFF"/>
+                </a:highlight>
+                <a:latin typeface="Lucida Console" panose="020B0609040504020204" pitchFamily="49" charset="0"/>
+              </a:rPr>
+              <a:t>)||</a:t>
+            </a:r>
+            <a:r>
+              <a:rPr lang="en-US" sz="2000" b="1" dirty="0">
+                <a:solidFill>
+                  <a:srgbClr val="0000FF"/>
+                </a:solidFill>
+                <a:highlight>
+                  <a:srgbClr val="FFFFFF"/>
+                </a:highlight>
+                <a:latin typeface="Lucida Console" panose="020B0609040504020204" pitchFamily="49" charset="0"/>
+              </a:rPr>
+              <a:t>'</a:t>
+            </a:r>
+            <a:r>
+              <a:rPr lang="en-US" sz="2000" b="1" dirty="0" err="1">
+                <a:solidFill>
+                  <a:srgbClr val="0000FF"/>
+                </a:solidFill>
+                <a:highlight>
+                  <a:srgbClr val="FFFFFF"/>
+                </a:highlight>
+                <a:latin typeface="Lucida Console" panose="020B0609040504020204" pitchFamily="49" charset="0"/>
+              </a:rPr>
+              <a:t>crontab</a:t>
+            </a:r>
+            <a:r>
+              <a:rPr lang="en-US" sz="2000" b="1" dirty="0">
+                <a:solidFill>
+                  <a:srgbClr val="0000FF"/>
+                </a:solidFill>
+                <a:highlight>
+                  <a:srgbClr val="FFFFFF"/>
+                </a:highlight>
+                <a:latin typeface="Lucida Console" panose="020B0609040504020204" pitchFamily="49" charset="0"/>
+              </a:rPr>
+              <a:t> -l'</a:t>
+            </a:r>
+            <a:r>
+              <a:rPr lang="en-US" sz="2000" b="1" dirty="0">
+                <a:solidFill>
+                  <a:srgbClr val="000080"/>
+                </a:solidFill>
+                <a:highlight>
+                  <a:srgbClr val="FFFFFF"/>
+                </a:highlight>
+                <a:latin typeface="Lucida Console" panose="020B0609040504020204" pitchFamily="49" charset="0"/>
+              </a:rPr>
+              <a:t>, </a:t>
+            </a:r>
+            <a:r>
+              <a:rPr lang="en-US" sz="2000" b="1" dirty="0">
+                <a:solidFill>
+                  <a:srgbClr val="0000FF"/>
+                </a:solidFill>
+                <a:highlight>
+                  <a:srgbClr val="FFFFFF"/>
+                </a:highlight>
+                <a:latin typeface="Lucida Console" panose="020B0609040504020204" pitchFamily="49" charset="0"/>
+              </a:rPr>
+              <a:t>'%'</a:t>
+            </a:r>
+            <a:r>
+              <a:rPr lang="en-US" sz="2000" b="1" dirty="0">
+                <a:solidFill>
+                  <a:srgbClr val="000080"/>
+                </a:solidFill>
+                <a:highlight>
+                  <a:srgbClr val="FFFFFF"/>
+                </a:highlight>
+                <a:latin typeface="Lucida Console" panose="020B0609040504020204" pitchFamily="49" charset="0"/>
+              </a:rPr>
+              <a:t>);</a:t>
+            </a:r>
+            <a:endParaRPr lang="en-US" sz="2000" b="1" dirty="0" smtClean="0">
+              <a:latin typeface="Lucida Console" panose="020B0609040504020204" pitchFamily="49" charset="0"/>
+            </a:endParaRPr>
+          </a:p>
+          <a:p>
+            <a:pPr marL="0" indent="0">
+              <a:buNone/>
+            </a:pPr>
+            <a:r>
+              <a:rPr lang="en-US" sz="2600" dirty="0" smtClean="0"/>
+              <a:t>2.</a:t>
+            </a:r>
+            <a:r>
+              <a:rPr lang="en-US" sz="2000" dirty="0" smtClean="0"/>
+              <a:t> </a:t>
+            </a:r>
+            <a:r>
+              <a:rPr lang="en-US" sz="2000" b="1" dirty="0" smtClean="0">
+                <a:solidFill>
+                  <a:srgbClr val="000080"/>
+                </a:solidFill>
+                <a:highlight>
+                  <a:srgbClr val="FFFFFF"/>
+                </a:highlight>
+                <a:latin typeface="Lucida Console" panose="020B0609040504020204" pitchFamily="49" charset="0"/>
+              </a:rPr>
+              <a:t>m5_proc</a:t>
+            </a:r>
+            <a:r>
+              <a:rPr lang="en-US" sz="2000" b="1" dirty="0">
+                <a:solidFill>
+                  <a:srgbClr val="000080"/>
+                </a:solidFill>
+                <a:highlight>
+                  <a:srgbClr val="FFFFFF"/>
+                </a:highlight>
+                <a:latin typeface="Lucida Console" panose="020B0609040504020204" pitchFamily="49" charset="0"/>
+              </a:rPr>
+              <a:t>(</a:t>
+            </a:r>
+            <a:r>
+              <a:rPr lang="en-US" sz="2000" b="1" dirty="0">
+                <a:solidFill>
+                  <a:srgbClr val="0000FF"/>
+                </a:solidFill>
+                <a:highlight>
+                  <a:srgbClr val="FFFFFF"/>
+                </a:highlight>
+                <a:latin typeface="Lucida Console" panose="020B0609040504020204" pitchFamily="49" charset="0"/>
+              </a:rPr>
+              <a:t>'#!/</a:t>
+            </a:r>
+            <a:r>
+              <a:rPr lang="en-US" sz="2000" b="1" dirty="0" smtClean="0">
+                <a:solidFill>
+                  <a:srgbClr val="0000FF"/>
+                </a:solidFill>
+                <a:highlight>
+                  <a:srgbClr val="FFFFFF"/>
+                </a:highlight>
+                <a:latin typeface="Lucida Console" panose="020B0609040504020204" pitchFamily="49" charset="0"/>
+              </a:rPr>
+              <a:t>bin/</a:t>
+            </a:r>
+            <a:r>
+              <a:rPr lang="en-US" sz="2000" b="1" dirty="0" err="1" smtClean="0">
+                <a:solidFill>
+                  <a:srgbClr val="0000FF"/>
+                </a:solidFill>
+                <a:highlight>
+                  <a:srgbClr val="FFFFFF"/>
+                </a:highlight>
+                <a:latin typeface="Lucida Console" panose="020B0609040504020204" pitchFamily="49" charset="0"/>
+              </a:rPr>
+              <a:t>ksh</a:t>
+            </a:r>
+            <a:r>
+              <a:rPr lang="en-US" sz="2000" b="1" dirty="0" smtClean="0">
+                <a:solidFill>
+                  <a:srgbClr val="0000FF"/>
+                </a:solidFill>
+                <a:highlight>
+                  <a:srgbClr val="FFFFFF"/>
+                </a:highlight>
+                <a:latin typeface="Lucida Console" panose="020B0609040504020204" pitchFamily="49" charset="0"/>
+              </a:rPr>
+              <a:t/>
+            </a:r>
+            <a:br>
+              <a:rPr lang="en-US" sz="2000" b="1" dirty="0" smtClean="0">
+                <a:solidFill>
+                  <a:srgbClr val="0000FF"/>
+                </a:solidFill>
+                <a:highlight>
+                  <a:srgbClr val="FFFFFF"/>
+                </a:highlight>
+                <a:latin typeface="Lucida Console" panose="020B0609040504020204" pitchFamily="49" charset="0"/>
+              </a:rPr>
+            </a:br>
+            <a:r>
+              <a:rPr lang="en-US" sz="2000" b="1" dirty="0" smtClean="0">
+                <a:solidFill>
+                  <a:srgbClr val="0000FF"/>
+                </a:solidFill>
+                <a:highlight>
+                  <a:srgbClr val="FFFFFF"/>
+                </a:highlight>
+                <a:latin typeface="Lucida Console" panose="020B0609040504020204" pitchFamily="49" charset="0"/>
+              </a:rPr>
+              <a:t>. </a:t>
+            </a:r>
+            <a:r>
+              <a:rPr lang="en-US" sz="2000" b="1" dirty="0">
+                <a:solidFill>
+                  <a:srgbClr val="0000FF"/>
+                </a:solidFill>
+                <a:highlight>
+                  <a:srgbClr val="FFFFFF"/>
+                </a:highlight>
+                <a:latin typeface="Lucida Console" panose="020B0609040504020204" pitchFamily="49" charset="0"/>
+              </a:rPr>
+              <a:t>/</a:t>
+            </a:r>
+            <a:r>
+              <a:rPr lang="en-US" sz="2000" b="1" dirty="0" smtClean="0">
+                <a:solidFill>
+                  <a:srgbClr val="0000FF"/>
+                </a:solidFill>
+                <a:highlight>
+                  <a:srgbClr val="FFFFFF"/>
+                </a:highlight>
+                <a:latin typeface="Lucida Console" panose="020B0609040504020204" pitchFamily="49" charset="0"/>
+              </a:rPr>
+              <a:t>export/home/oracle/set_localASM.sh</a:t>
+            </a:r>
+            <a:br>
+              <a:rPr lang="en-US" sz="2000" b="1" dirty="0" smtClean="0">
+                <a:solidFill>
+                  <a:srgbClr val="0000FF"/>
+                </a:solidFill>
+                <a:highlight>
+                  <a:srgbClr val="FFFFFF"/>
+                </a:highlight>
+                <a:latin typeface="Lucida Console" panose="020B0609040504020204" pitchFamily="49" charset="0"/>
+              </a:rPr>
+            </a:br>
+            <a:r>
+              <a:rPr lang="en-US" sz="2000" b="1" dirty="0" smtClean="0">
+                <a:solidFill>
+                  <a:srgbClr val="0000FF"/>
+                </a:solidFill>
+                <a:highlight>
+                  <a:srgbClr val="FFFFFF"/>
+                </a:highlight>
+                <a:latin typeface="Lucida Console" panose="020B0609040504020204" pitchFamily="49" charset="0"/>
+              </a:rPr>
+              <a:t>cat </a:t>
+            </a:r>
+            <a:r>
+              <a:rPr lang="en-US" sz="2000" b="1" dirty="0">
+                <a:solidFill>
+                  <a:srgbClr val="0000FF"/>
+                </a:solidFill>
+                <a:highlight>
+                  <a:srgbClr val="FFFFFF"/>
+                </a:highlight>
+                <a:latin typeface="Lucida Console" panose="020B0609040504020204" pitchFamily="49" charset="0"/>
+              </a:rPr>
+              <a:t>$ORACLE_HOME/network/admin/</a:t>
+            </a:r>
+            <a:r>
+              <a:rPr lang="en-US" sz="2000" b="1" dirty="0" err="1">
+                <a:solidFill>
+                  <a:srgbClr val="0000FF"/>
+                </a:solidFill>
+                <a:highlight>
+                  <a:srgbClr val="FFFFFF"/>
+                </a:highlight>
+                <a:latin typeface="Lucida Console" panose="020B0609040504020204" pitchFamily="49" charset="0"/>
+              </a:rPr>
+              <a:t>sqlnet.ora</a:t>
+            </a:r>
+            <a:r>
+              <a:rPr lang="en-US" sz="2000" b="1" dirty="0">
+                <a:solidFill>
+                  <a:srgbClr val="0000FF"/>
+                </a:solidFill>
+                <a:highlight>
+                  <a:srgbClr val="FFFFFF"/>
+                </a:highlight>
+                <a:latin typeface="Lucida Console" panose="020B0609040504020204" pitchFamily="49" charset="0"/>
+              </a:rPr>
+              <a:t>'</a:t>
+            </a:r>
+            <a:r>
+              <a:rPr lang="en-US" sz="2000" b="1" dirty="0">
+                <a:solidFill>
+                  <a:srgbClr val="000080"/>
+                </a:solidFill>
+                <a:highlight>
+                  <a:srgbClr val="FFFFFF"/>
+                </a:highlight>
+                <a:latin typeface="Lucida Console" panose="020B0609040504020204" pitchFamily="49" charset="0"/>
+              </a:rPr>
+              <a:t>, </a:t>
+            </a:r>
+            <a:r>
+              <a:rPr lang="en-US" sz="2000" b="1" dirty="0" smtClean="0">
+                <a:solidFill>
+                  <a:srgbClr val="0000FF"/>
+                </a:solidFill>
+                <a:highlight>
+                  <a:srgbClr val="FFFFFF"/>
+                </a:highlight>
+                <a:latin typeface="Lucida Console" panose="020B0609040504020204" pitchFamily="49" charset="0"/>
+              </a:rPr>
+              <a:t>'%'</a:t>
+            </a:r>
+            <a:r>
+              <a:rPr lang="en-US" sz="2000" b="1" dirty="0" smtClean="0">
+                <a:solidFill>
+                  <a:srgbClr val="000080"/>
+                </a:solidFill>
+                <a:highlight>
+                  <a:srgbClr val="FFFFFF"/>
+                </a:highlight>
+                <a:latin typeface="Lucida Console" panose="020B0609040504020204" pitchFamily="49" charset="0"/>
+              </a:rPr>
+              <a:t>);</a:t>
+            </a:r>
+          </a:p>
+          <a:p>
+            <a:pPr marL="0" indent="0">
+              <a:buNone/>
+            </a:pPr>
+            <a:r>
+              <a:rPr lang="en-US" sz="2600" dirty="0" smtClean="0"/>
+              <a:t>3.</a:t>
+            </a:r>
+            <a:r>
+              <a:rPr lang="en-US" dirty="0" smtClean="0"/>
+              <a:t> </a:t>
+            </a:r>
+            <a:r>
+              <a:rPr lang="en-US" sz="2200" b="1" dirty="0">
+                <a:solidFill>
+                  <a:srgbClr val="000080"/>
+                </a:solidFill>
+                <a:highlight>
+                  <a:srgbClr val="FFFFFF"/>
+                </a:highlight>
+                <a:latin typeface="Lucida Console" panose="020B0609040504020204" pitchFamily="49" charset="0"/>
+              </a:rPr>
+              <a:t>m5_proc(</a:t>
+            </a:r>
+            <a:r>
+              <a:rPr lang="en-US" sz="2200" b="1" dirty="0">
+                <a:solidFill>
+                  <a:srgbClr val="0000FF"/>
+                </a:solidFill>
+                <a:highlight>
+                  <a:srgbClr val="FFFFFF"/>
+                </a:highlight>
+                <a:latin typeface="Lucida Console" panose="020B0609040504020204" pitchFamily="49" charset="0"/>
+              </a:rPr>
+              <a:t>'select ** from </a:t>
+            </a:r>
+            <a:r>
+              <a:rPr lang="en-US" sz="2200" b="1" dirty="0" err="1">
+                <a:solidFill>
+                  <a:srgbClr val="0000FF"/>
+                </a:solidFill>
+                <a:highlight>
+                  <a:srgbClr val="FFFFFF"/>
+                </a:highlight>
+                <a:latin typeface="Lucida Console" panose="020B0609040504020204" pitchFamily="49" charset="0"/>
+              </a:rPr>
+              <a:t>dba_profiles</a:t>
+            </a:r>
+            <a:r>
+              <a:rPr lang="en-US" sz="2200" b="1" dirty="0">
+                <a:solidFill>
+                  <a:srgbClr val="0000FF"/>
+                </a:solidFill>
+                <a:highlight>
+                  <a:srgbClr val="FFFFFF"/>
+                </a:highlight>
+                <a:latin typeface="Lucida Console" panose="020B0609040504020204" pitchFamily="49" charset="0"/>
+              </a:rPr>
+              <a:t>'</a:t>
+            </a:r>
+            <a:r>
+              <a:rPr lang="en-US" sz="2200" b="1" dirty="0">
+                <a:solidFill>
+                  <a:srgbClr val="000080"/>
+                </a:solidFill>
+                <a:highlight>
+                  <a:srgbClr val="FFFFFF"/>
+                </a:highlight>
+                <a:latin typeface="Lucida Console" panose="020B0609040504020204" pitchFamily="49" charset="0"/>
+              </a:rPr>
+              <a:t>, </a:t>
+            </a:r>
+            <a:r>
+              <a:rPr lang="en-US" sz="2200" b="1" dirty="0" smtClean="0">
+                <a:solidFill>
+                  <a:srgbClr val="000080"/>
+                </a:solidFill>
+                <a:highlight>
+                  <a:srgbClr val="FFFFFF"/>
+                </a:highlight>
+                <a:latin typeface="Lucida Console" panose="020B0609040504020204" pitchFamily="49" charset="0"/>
+              </a:rPr>
+              <a:t>%</a:t>
+            </a:r>
+            <a:r>
+              <a:rPr lang="en-US" sz="2200" b="1" dirty="0" smtClean="0">
+                <a:solidFill>
+                  <a:srgbClr val="0000FF"/>
+                </a:solidFill>
+                <a:highlight>
+                  <a:srgbClr val="FFFFFF"/>
+                </a:highlight>
+                <a:latin typeface="Lucida Console" panose="020B0609040504020204" pitchFamily="49" charset="0"/>
+              </a:rPr>
+              <a:t>'</a:t>
+            </a:r>
+            <a:r>
+              <a:rPr lang="en-US" sz="2200" b="1" dirty="0" smtClean="0">
+                <a:solidFill>
+                  <a:srgbClr val="000080"/>
+                </a:solidFill>
+                <a:highlight>
+                  <a:srgbClr val="FFFFFF"/>
+                </a:highlight>
+                <a:latin typeface="Lucida Console" panose="020B0609040504020204" pitchFamily="49" charset="0"/>
+              </a:rPr>
+              <a:t>);</a:t>
+            </a:r>
+            <a:endParaRPr lang="en-US" b="1" dirty="0" smtClean="0">
+              <a:latin typeface="Lucida Console" panose="020B0609040504020204" pitchFamily="49" charset="0"/>
+            </a:endParaRPr>
+          </a:p>
+          <a:p>
+            <a:pPr marL="0" indent="0">
+              <a:buNone/>
+            </a:pPr>
+            <a:r>
+              <a:rPr lang="en-US" sz="2600" dirty="0" smtClean="0"/>
+              <a:t>4. </a:t>
+            </a:r>
+            <a:r>
+              <a:rPr lang="en-US" sz="2000" b="1" dirty="0" smtClean="0">
+                <a:solidFill>
+                  <a:srgbClr val="000080"/>
+                </a:solidFill>
+                <a:highlight>
+                  <a:srgbClr val="FFFFFF"/>
+                </a:highlight>
+                <a:latin typeface="Lucida Console" panose="020B0609040504020204" pitchFamily="49" charset="0"/>
+              </a:rPr>
+              <a:t>m5_proc</a:t>
+            </a:r>
+            <a:r>
+              <a:rPr lang="en-US" sz="2000" b="1" dirty="0">
+                <a:solidFill>
+                  <a:srgbClr val="000080"/>
+                </a:solidFill>
+                <a:highlight>
+                  <a:srgbClr val="FFFFFF"/>
+                </a:highlight>
+                <a:latin typeface="Lucida Console" panose="020B0609040504020204" pitchFamily="49" charset="0"/>
+              </a:rPr>
+              <a:t>(</a:t>
+            </a:r>
+            <a:r>
+              <a:rPr lang="en-US" sz="2000" b="1" dirty="0">
+                <a:solidFill>
+                  <a:srgbClr val="0000FF"/>
+                </a:solidFill>
+                <a:highlight>
+                  <a:srgbClr val="FFFFFF"/>
+                </a:highlight>
+                <a:latin typeface="Lucida Console" panose="020B0609040504020204" pitchFamily="49" charset="0"/>
+              </a:rPr>
+              <a:t>'select ** from </a:t>
+            </a:r>
+            <a:r>
+              <a:rPr lang="en-US" sz="2000" b="1" dirty="0" err="1">
+                <a:solidFill>
+                  <a:srgbClr val="0000FF"/>
+                </a:solidFill>
+                <a:highlight>
+                  <a:srgbClr val="FFFFFF"/>
+                </a:highlight>
+                <a:latin typeface="Lucida Console" panose="020B0609040504020204" pitchFamily="49" charset="0"/>
+              </a:rPr>
+              <a:t>dba_audit_trail</a:t>
+            </a:r>
+            <a:r>
+              <a:rPr lang="en-US" sz="2000" b="1" dirty="0">
+                <a:solidFill>
+                  <a:srgbClr val="0000FF"/>
+                </a:solidFill>
+                <a:highlight>
+                  <a:srgbClr val="FFFFFF"/>
+                </a:highlight>
+                <a:latin typeface="Lucida Console" panose="020B0609040504020204" pitchFamily="49" charset="0"/>
+              </a:rPr>
+              <a:t> </a:t>
+            </a:r>
+            <a:r>
+              <a:rPr lang="en-US" sz="2000" b="1" dirty="0" smtClean="0">
+                <a:solidFill>
+                  <a:srgbClr val="0000FF"/>
+                </a:solidFill>
+                <a:highlight>
+                  <a:srgbClr val="FFFFFF"/>
+                </a:highlight>
+                <a:latin typeface="Lucida Console" panose="020B0609040504020204" pitchFamily="49" charset="0"/>
+              </a:rPr>
+              <a:t>where </a:t>
+            </a:r>
+            <a:r>
+              <a:rPr lang="en-US" sz="2000" b="1" dirty="0" err="1" smtClean="0">
+                <a:solidFill>
+                  <a:srgbClr val="0000FF"/>
+                </a:solidFill>
+                <a:highlight>
+                  <a:srgbClr val="FFFFFF"/>
+                </a:highlight>
+                <a:latin typeface="Lucida Console" panose="020B0609040504020204" pitchFamily="49" charset="0"/>
+              </a:rPr>
+              <a:t>returncode</a:t>
+            </a:r>
+            <a:r>
+              <a:rPr lang="en-US" sz="2000" b="1" dirty="0" smtClean="0">
+                <a:solidFill>
+                  <a:srgbClr val="0000FF"/>
+                </a:solidFill>
+                <a:highlight>
+                  <a:srgbClr val="FFFFFF"/>
+                </a:highlight>
+                <a:latin typeface="Lucida Console" panose="020B0609040504020204" pitchFamily="49" charset="0"/>
+              </a:rPr>
+              <a:t> </a:t>
+            </a:r>
+            <a:r>
+              <a:rPr lang="en-US" sz="2000" b="1" dirty="0">
+                <a:solidFill>
+                  <a:srgbClr val="0000FF"/>
+                </a:solidFill>
+                <a:highlight>
+                  <a:srgbClr val="FFFFFF"/>
+                </a:highlight>
+                <a:latin typeface="Lucida Console" panose="020B0609040504020204" pitchFamily="49" charset="0"/>
+              </a:rPr>
+              <a:t>in (1017,2800)'</a:t>
+            </a:r>
+            <a:r>
+              <a:rPr lang="en-US" sz="2000" b="1" dirty="0">
+                <a:solidFill>
+                  <a:srgbClr val="000080"/>
+                </a:solidFill>
+                <a:highlight>
+                  <a:srgbClr val="FFFFFF"/>
+                </a:highlight>
+                <a:latin typeface="Lucida Console" panose="020B0609040504020204" pitchFamily="49" charset="0"/>
+              </a:rPr>
+              <a:t>, </a:t>
+            </a:r>
+            <a:r>
+              <a:rPr lang="en-US" sz="2000" b="1" dirty="0" smtClean="0">
+                <a:solidFill>
+                  <a:srgbClr val="0000FF"/>
+                </a:solidFill>
+                <a:highlight>
+                  <a:srgbClr val="FFFFFF"/>
+                </a:highlight>
+                <a:latin typeface="Lucida Console" panose="020B0609040504020204" pitchFamily="49" charset="0"/>
+              </a:rPr>
+              <a:t>%'</a:t>
+            </a:r>
+            <a:r>
+              <a:rPr lang="en-US" sz="2000" b="1" dirty="0" smtClean="0">
+                <a:solidFill>
+                  <a:srgbClr val="000080"/>
+                </a:solidFill>
+                <a:highlight>
+                  <a:srgbClr val="FFFFFF"/>
+                </a:highlight>
+                <a:latin typeface="Lucida Console" panose="020B0609040504020204" pitchFamily="49" charset="0"/>
+              </a:rPr>
+              <a:t>);</a:t>
+            </a:r>
+            <a:endParaRPr lang="en-US" sz="2000" b="1" dirty="0" smtClean="0">
+              <a:latin typeface="Lucida Console" panose="020B0609040504020204" pitchFamily="49" charset="0"/>
+            </a:endParaRPr>
+          </a:p>
+          <a:p>
+            <a:pPr marL="0" indent="0">
+              <a:buNone/>
+            </a:pPr>
+            <a:r>
+              <a:rPr lang="en-US" sz="2600" dirty="0" smtClean="0"/>
+              <a:t>5.</a:t>
+            </a:r>
+            <a:r>
+              <a:rPr lang="en-US" sz="2800" dirty="0" smtClean="0"/>
+              <a:t> </a:t>
+            </a:r>
+            <a:r>
+              <a:rPr lang="en-US" sz="2000" b="1" dirty="0">
+                <a:solidFill>
+                  <a:srgbClr val="008080"/>
+                </a:solidFill>
+                <a:highlight>
+                  <a:srgbClr val="FFFFFF"/>
+                </a:highlight>
+                <a:latin typeface="Lucida Console" panose="020B0609040504020204" pitchFamily="49" charset="0"/>
+              </a:rPr>
+              <a:t>select</a:t>
+            </a:r>
+            <a:r>
+              <a:rPr lang="en-US" sz="2000" b="1" dirty="0">
+                <a:solidFill>
+                  <a:srgbClr val="000080"/>
+                </a:solidFill>
+                <a:highlight>
+                  <a:srgbClr val="FFFFFF"/>
+                </a:highlight>
+                <a:latin typeface="Lucida Console" panose="020B0609040504020204" pitchFamily="49" charset="0"/>
+              </a:rPr>
+              <a:t> </a:t>
+            </a:r>
+            <a:r>
+              <a:rPr lang="en-US" sz="2000" b="1" dirty="0" err="1">
+                <a:solidFill>
+                  <a:srgbClr val="000080"/>
+                </a:solidFill>
+                <a:highlight>
+                  <a:srgbClr val="FFFFFF"/>
+                </a:highlight>
+                <a:latin typeface="Lucida Console" panose="020B0609040504020204" pitchFamily="49" charset="0"/>
+              </a:rPr>
+              <a:t>database_name</a:t>
+            </a:r>
+            <a:r>
+              <a:rPr lang="en-US" sz="2000" b="1" dirty="0">
+                <a:solidFill>
+                  <a:srgbClr val="000080"/>
+                </a:solidFill>
+                <a:highlight>
+                  <a:srgbClr val="FFFFFF"/>
+                </a:highlight>
+                <a:latin typeface="Lucida Console" panose="020B0609040504020204" pitchFamily="49" charset="0"/>
+              </a:rPr>
+              <a:t>, </a:t>
+            </a:r>
+            <a:r>
+              <a:rPr lang="en-US" sz="2000" b="1" dirty="0">
+                <a:solidFill>
+                  <a:srgbClr val="008080"/>
+                </a:solidFill>
+                <a:highlight>
+                  <a:srgbClr val="FFFFFF"/>
+                </a:highlight>
+                <a:latin typeface="Lucida Console" panose="020B0609040504020204" pitchFamily="49" charset="0"/>
+              </a:rPr>
+              <a:t>value</a:t>
+            </a:r>
+            <a:r>
+              <a:rPr lang="en-US" sz="2000" b="1" dirty="0">
+                <a:solidFill>
+                  <a:srgbClr val="000080"/>
+                </a:solidFill>
+                <a:highlight>
+                  <a:srgbClr val="FFFFFF"/>
+                </a:highlight>
+                <a:latin typeface="Lucida Console" panose="020B0609040504020204" pitchFamily="49" charset="0"/>
+              </a:rPr>
+              <a:t> </a:t>
+            </a:r>
+            <a:r>
+              <a:rPr lang="en-US" sz="2000" b="1" dirty="0">
+                <a:solidFill>
+                  <a:srgbClr val="008080"/>
+                </a:solidFill>
+                <a:highlight>
+                  <a:srgbClr val="FFFFFF"/>
+                </a:highlight>
+                <a:latin typeface="Lucida Console" panose="020B0609040504020204" pitchFamily="49" charset="0"/>
+              </a:rPr>
+              <a:t>from</a:t>
+            </a:r>
+            <a:r>
+              <a:rPr lang="en-US" sz="2000" b="1" dirty="0">
+                <a:solidFill>
+                  <a:srgbClr val="000080"/>
+                </a:solidFill>
+                <a:highlight>
+                  <a:srgbClr val="FFFFFF"/>
+                </a:highlight>
+                <a:latin typeface="Lucida Console" panose="020B0609040504020204" pitchFamily="49" charset="0"/>
+              </a:rPr>
+              <a:t> m5_v$parameter </a:t>
+            </a:r>
+            <a:r>
+              <a:rPr lang="en-US" sz="2000" b="1" dirty="0">
+                <a:solidFill>
+                  <a:srgbClr val="008080"/>
+                </a:solidFill>
+                <a:highlight>
+                  <a:srgbClr val="FFFFFF"/>
+                </a:highlight>
+                <a:latin typeface="Lucida Console" panose="020B0609040504020204" pitchFamily="49" charset="0"/>
+              </a:rPr>
+              <a:t>where</a:t>
+            </a:r>
+            <a:r>
+              <a:rPr lang="en-US" sz="2000" b="1" dirty="0">
+                <a:solidFill>
+                  <a:srgbClr val="000080"/>
+                </a:solidFill>
+                <a:highlight>
+                  <a:srgbClr val="FFFFFF"/>
+                </a:highlight>
+                <a:latin typeface="Lucida Console" panose="020B0609040504020204" pitchFamily="49" charset="0"/>
+              </a:rPr>
+              <a:t> </a:t>
+            </a:r>
+            <a:r>
+              <a:rPr lang="en-US" sz="2000" b="1" dirty="0">
+                <a:solidFill>
+                  <a:srgbClr val="008080"/>
+                </a:solidFill>
+                <a:highlight>
+                  <a:srgbClr val="FFFFFF"/>
+                </a:highlight>
+                <a:latin typeface="Lucida Console" panose="020B0609040504020204" pitchFamily="49" charset="0"/>
+              </a:rPr>
+              <a:t>name</a:t>
+            </a:r>
+            <a:r>
+              <a:rPr lang="en-US" sz="2000" b="1" dirty="0">
+                <a:solidFill>
+                  <a:srgbClr val="000080"/>
+                </a:solidFill>
+                <a:highlight>
+                  <a:srgbClr val="FFFFFF"/>
+                </a:highlight>
+                <a:latin typeface="Lucida Console" panose="020B0609040504020204" pitchFamily="49" charset="0"/>
+              </a:rPr>
+              <a:t> = </a:t>
+            </a:r>
+            <a:r>
+              <a:rPr lang="en-US" sz="2000" b="1" dirty="0">
+                <a:solidFill>
+                  <a:srgbClr val="0000FF"/>
+                </a:solidFill>
+                <a:highlight>
+                  <a:srgbClr val="FFFFFF"/>
+                </a:highlight>
+                <a:latin typeface="Lucida Console" panose="020B0609040504020204" pitchFamily="49" charset="0"/>
+              </a:rPr>
+              <a:t>'</a:t>
+            </a:r>
+            <a:r>
+              <a:rPr lang="en-US" sz="2000" b="1" dirty="0" err="1">
+                <a:solidFill>
+                  <a:srgbClr val="0000FF"/>
+                </a:solidFill>
+                <a:highlight>
+                  <a:srgbClr val="FFFFFF"/>
+                </a:highlight>
+                <a:latin typeface="Lucida Console" panose="020B0609040504020204" pitchFamily="49" charset="0"/>
+              </a:rPr>
+              <a:t>sec_case_sensitive_logon</a:t>
+            </a:r>
+            <a:r>
+              <a:rPr lang="en-US" sz="2000" b="1" dirty="0">
+                <a:solidFill>
+                  <a:srgbClr val="0000FF"/>
+                </a:solidFill>
+                <a:highlight>
+                  <a:srgbClr val="FFFFFF"/>
+                </a:highlight>
+                <a:latin typeface="Lucida Console" panose="020B0609040504020204" pitchFamily="49" charset="0"/>
+              </a:rPr>
+              <a:t>'</a:t>
+            </a:r>
+            <a:r>
+              <a:rPr lang="en-US" sz="2000" b="1" dirty="0">
+                <a:solidFill>
+                  <a:srgbClr val="000080"/>
+                </a:solidFill>
+                <a:highlight>
+                  <a:srgbClr val="FFFFFF"/>
+                </a:highlight>
+                <a:latin typeface="Lucida Console" panose="020B0609040504020204" pitchFamily="49" charset="0"/>
+              </a:rPr>
+              <a:t>;</a:t>
+            </a:r>
+            <a:endParaRPr lang="en-US" sz="2000" b="1" dirty="0">
+              <a:latin typeface="Lucida Console" panose="020B0609040504020204" pitchFamily="49" charset="0"/>
+            </a:endParaRPr>
+          </a:p>
+          <a:p>
+            <a:pPr marL="0" indent="0">
+              <a:buNone/>
+            </a:pPr>
+            <a:r>
+              <a:rPr lang="en-US" sz="2600" dirty="0" smtClean="0"/>
+              <a:t>6. </a:t>
+            </a:r>
+            <a:r>
+              <a:rPr lang="en-US" sz="2000" b="1" dirty="0">
+                <a:solidFill>
+                  <a:srgbClr val="008080"/>
+                </a:solidFill>
+                <a:highlight>
+                  <a:srgbClr val="FFFFFF"/>
+                </a:highlight>
+                <a:latin typeface="Lucida Console" panose="020B0609040504020204" pitchFamily="49" charset="0"/>
+              </a:rPr>
+              <a:t>select</a:t>
+            </a:r>
+            <a:r>
+              <a:rPr lang="en-US" sz="2000" b="1" dirty="0">
+                <a:solidFill>
+                  <a:srgbClr val="000080"/>
+                </a:solidFill>
+                <a:highlight>
+                  <a:srgbClr val="FFFFFF"/>
+                </a:highlight>
+                <a:latin typeface="Lucida Console" panose="020B0609040504020204" pitchFamily="49" charset="0"/>
+              </a:rPr>
+              <a:t> * </a:t>
+            </a:r>
+            <a:r>
+              <a:rPr lang="en-US" sz="2000" b="1" dirty="0">
+                <a:solidFill>
+                  <a:srgbClr val="008080"/>
+                </a:solidFill>
+                <a:highlight>
+                  <a:srgbClr val="FFFFFF"/>
+                </a:highlight>
+                <a:latin typeface="Lucida Console" panose="020B0609040504020204" pitchFamily="49" charset="0"/>
+              </a:rPr>
+              <a:t>from</a:t>
+            </a:r>
+            <a:r>
+              <a:rPr lang="en-US" sz="2000" b="1" dirty="0">
+                <a:solidFill>
+                  <a:srgbClr val="000080"/>
+                </a:solidFill>
+                <a:highlight>
+                  <a:srgbClr val="FFFFFF"/>
+                </a:highlight>
+                <a:latin typeface="Lucida Console" panose="020B0609040504020204" pitchFamily="49" charset="0"/>
+              </a:rPr>
+              <a:t> m5_dba_role_privs </a:t>
+            </a:r>
+            <a:r>
+              <a:rPr lang="en-US" sz="2000" b="1" dirty="0">
+                <a:solidFill>
+                  <a:srgbClr val="008080"/>
+                </a:solidFill>
+                <a:highlight>
+                  <a:srgbClr val="FFFFFF"/>
+                </a:highlight>
+                <a:latin typeface="Lucida Console" panose="020B0609040504020204" pitchFamily="49" charset="0"/>
+              </a:rPr>
+              <a:t>where</a:t>
+            </a:r>
+            <a:r>
+              <a:rPr lang="en-US" sz="2000" b="1" dirty="0">
+                <a:solidFill>
+                  <a:srgbClr val="000080"/>
+                </a:solidFill>
+                <a:highlight>
+                  <a:srgbClr val="FFFFFF"/>
+                </a:highlight>
+                <a:latin typeface="Lucida Console" panose="020B0609040504020204" pitchFamily="49" charset="0"/>
+              </a:rPr>
+              <a:t> </a:t>
+            </a:r>
+            <a:r>
+              <a:rPr lang="en-US" sz="2000" b="1" dirty="0" err="1">
+                <a:solidFill>
+                  <a:srgbClr val="000080"/>
+                </a:solidFill>
+                <a:highlight>
+                  <a:srgbClr val="FFFFFF"/>
+                </a:highlight>
+                <a:latin typeface="Lucida Console" panose="020B0609040504020204" pitchFamily="49" charset="0"/>
+              </a:rPr>
+              <a:t>granted_role</a:t>
+            </a:r>
+            <a:r>
+              <a:rPr lang="en-US" sz="2000" b="1" dirty="0">
+                <a:solidFill>
+                  <a:srgbClr val="000080"/>
+                </a:solidFill>
+                <a:highlight>
+                  <a:srgbClr val="FFFFFF"/>
+                </a:highlight>
+                <a:latin typeface="Lucida Console" panose="020B0609040504020204" pitchFamily="49" charset="0"/>
+              </a:rPr>
+              <a:t> = </a:t>
+            </a:r>
+            <a:r>
+              <a:rPr lang="en-US" sz="2000" b="1" dirty="0">
+                <a:solidFill>
+                  <a:srgbClr val="0000FF"/>
+                </a:solidFill>
+                <a:highlight>
+                  <a:srgbClr val="FFFFFF"/>
+                </a:highlight>
+                <a:latin typeface="Lucida Console" panose="020B0609040504020204" pitchFamily="49" charset="0"/>
+              </a:rPr>
+              <a:t>'DBA</a:t>
+            </a:r>
+            <a:r>
+              <a:rPr lang="en-US" sz="2000" b="1" dirty="0" smtClean="0">
+                <a:solidFill>
+                  <a:srgbClr val="0000FF"/>
+                </a:solidFill>
+                <a:highlight>
+                  <a:srgbClr val="FFFFFF"/>
+                </a:highlight>
+                <a:latin typeface="Lucida Console" panose="020B0609040504020204" pitchFamily="49" charset="0"/>
+              </a:rPr>
+              <a:t>'</a:t>
+            </a:r>
+            <a:r>
+              <a:rPr lang="en-US" sz="2000" b="1" dirty="0" smtClean="0">
+                <a:solidFill>
+                  <a:srgbClr val="000080"/>
+                </a:solidFill>
+                <a:highlight>
+                  <a:srgbClr val="FFFFFF"/>
+                </a:highlight>
+                <a:latin typeface="Lucida Console" panose="020B0609040504020204" pitchFamily="49" charset="0"/>
+              </a:rPr>
+              <a:t>;</a:t>
+            </a:r>
+            <a:endParaRPr lang="en-US" sz="2000" b="1" dirty="0">
+              <a:latin typeface="Lucida Console" panose="020B0609040504020204" pitchFamily="49" charset="0"/>
+            </a:endParaRPr>
+          </a:p>
+        </p:txBody>
+      </p:sp>
+      <p:sp>
+        <p:nvSpPr>
+          <p:cNvPr id="4" name="Date Placeholder 3"/>
+          <p:cNvSpPr>
+            <a:spLocks noGrp="1"/>
+          </p:cNvSpPr>
+          <p:nvPr>
+            <p:ph type="dt" sz="half" idx="10"/>
+          </p:nvPr>
+        </p:nvSpPr>
+        <p:spPr/>
+        <p:txBody>
+          <a:bodyPr/>
+          <a:lstStyle/>
+          <a:p>
+            <a:r>
+              <a:rPr lang="en-US" smtClean="0"/>
+              <a:t>2018-03-15</a:t>
+            </a:r>
+            <a:endParaRPr lang="en-US" dirty="0"/>
+          </a:p>
+        </p:txBody>
+      </p:sp>
+      <p:sp>
+        <p:nvSpPr>
+          <p:cNvPr id="5" name="Slide Number Placeholder 4"/>
+          <p:cNvSpPr>
+            <a:spLocks noGrp="1"/>
+          </p:cNvSpPr>
+          <p:nvPr>
+            <p:ph type="sldNum" sz="quarter" idx="12"/>
+          </p:nvPr>
+        </p:nvSpPr>
+        <p:spPr/>
+        <p:txBody>
+          <a:bodyPr/>
+          <a:lstStyle/>
+          <a:p>
+            <a:fld id="{05869706-863E-4BD1-B682-3CD80F60367B}" type="slidenum">
+              <a:rPr lang="en-US" smtClean="0"/>
+              <a:t>23</a:t>
+            </a:fld>
+            <a:endParaRPr lang="en-US"/>
+          </a:p>
+        </p:txBody>
+      </p:sp>
+    </p:spTree>
+    <p:extLst>
+      <p:ext uri="{BB962C8B-B14F-4D97-AF65-F5344CB8AC3E}">
+        <p14:creationId xmlns:p14="http://schemas.microsoft.com/office/powerpoint/2010/main" val="2022272858"/>
+      </p:ext>
+    </p:extLst>
+  </p:cSld>
+  <p:clrMapOvr>
+    <a:masterClrMapping/>
+  </p:clrMapOvr>
+  <p:timing>
+    <p:tnLst>
+      <p:par>
+        <p:cTn id="1" dur="indefinite" restart="never" nodeType="tmRoot"/>
+      </p:par>
+    </p:tnLst>
+  </p:timing>
+</p:sld>
+</file>
+
+<file path=ppt/slides/slide24.xml><?xml version="1.0" encoding="utf-8"?>
+<p:sld xmlns:a="http://schemas.openxmlformats.org/drawingml/2006/main" xmlns:r="http://schemas.openxmlformats.org/officeDocument/2006/relationships" xmlns:p="http://schemas.openxmlformats.org/presentationml/2006/main">
+  <p:cSld>
+    <p:spTree>
+      <p:nvGrpSpPr>
+        <p:cNvPr id="1" name=""/>
+        <p:cNvGrpSpPr/>
+        <p:nvPr/>
+      </p:nvGrpSpPr>
+      <p:grpSpPr>
+        <a:xfrm>
+          <a:off x="0" y="0"/>
+          <a:ext cx="0" cy="0"/>
+          <a:chOff x="0" y="0"/>
+          <a:chExt cx="0" cy="0"/>
+        </a:xfrm>
+      </p:grpSpPr>
+      <p:sp>
+        <p:nvSpPr>
+          <p:cNvPr id="2" name="Title 1"/>
+          <p:cNvSpPr>
+            <a:spLocks noGrp="1"/>
+          </p:cNvSpPr>
+          <p:nvPr>
+            <p:ph type="title"/>
+          </p:nvPr>
+        </p:nvSpPr>
+        <p:spPr/>
+        <p:txBody>
+          <a:bodyPr/>
+          <a:lstStyle/>
+          <a:p>
+            <a:r>
+              <a:rPr lang="en-US" dirty="0" smtClean="0"/>
+              <a:t>More Information</a:t>
+            </a:r>
+            <a:endParaRPr lang="en-US" dirty="0"/>
+          </a:p>
+        </p:txBody>
+      </p:sp>
+      <p:sp>
+        <p:nvSpPr>
+          <p:cNvPr id="3" name="Content Placeholder 2"/>
+          <p:cNvSpPr>
+            <a:spLocks noGrp="1"/>
+          </p:cNvSpPr>
+          <p:nvPr>
+            <p:ph idx="1"/>
+          </p:nvPr>
+        </p:nvSpPr>
+        <p:spPr/>
+        <p:txBody>
+          <a:bodyPr>
+            <a:normAutofit fontScale="92500" lnSpcReduction="20000"/>
           </a:bodyPr>
           <a:lstStyle/>
           <a:p>
@@ -11249,9 +14152,12 @@
               <a:buAutoNum type="arabicPeriod"/>
             </a:pPr>
             <a:r>
-              <a:rPr lang="en-US" dirty="0" smtClean="0"/>
-              <a:t>Not just faster</a:t>
-            </a:r>
+              <a:rPr lang="en-US" dirty="0" smtClean="0">
+                <a:hlinkClick r:id="rId3"/>
+              </a:rPr>
+              <a:t>https://method5.github.io</a:t>
+            </a:r>
+            <a:endParaRPr lang="en-US" dirty="0" smtClean="0"/>
           </a:p>
           <a:p>
             <a:pPr marL="514350" indent="-514350">
@@ -11260,7 +14166,7 @@
             </a:pPr>
             <a:r>
               <a:rPr lang="en-US" dirty="0" smtClean="0"/>
-              <a:t>Find it, fix it, and prevent it everywhere</a:t>
+              <a:t>Download code, user guide, examples, roadmap, presentation, and more</a:t>
             </a:r>
           </a:p>
           <a:p>
@@ -11270,8 +14176,39 @@
             </a:pPr>
             <a:r>
               <a:rPr lang="en-US" dirty="0" smtClean="0"/>
-              <a:t>Always check all databases</a:t>
-            </a:r>
+              <a:t>Email </a:t>
+            </a:r>
+            <a:r>
+              <a:rPr lang="en-US" dirty="0" smtClean="0"/>
+              <a:t>the creator:</a:t>
+            </a:r>
+            <a:r>
+              <a:rPr lang="en-US" dirty="0" smtClean="0"/>
+              <a:t/>
+            </a:r>
+            <a:br>
+              <a:rPr lang="en-US" dirty="0" smtClean="0"/>
+            </a:br>
+            <a:r>
+              <a:rPr lang="en-US" dirty="0" smtClean="0">
+                <a:hlinkClick r:id="rId4"/>
+              </a:rPr>
+              <a:t>jon@jonheller.org</a:t>
+            </a:r>
+            <a:r>
+              <a:rPr lang="en-US" dirty="0" smtClean="0"/>
+              <a:t> or</a:t>
+            </a:r>
+            <a:br>
+              <a:rPr lang="en-US" dirty="0" smtClean="0"/>
+            </a:br>
+            <a:r>
+              <a:rPr lang="en-US" dirty="0" smtClean="0">
+                <a:hlinkClick r:id="rId5"/>
+              </a:rPr>
+              <a:t>jon.heller@ventechsolutions.com</a:t>
+            </a:r>
+            <a:endParaRPr lang="en-US" dirty="0" smtClean="0"/>
           </a:p>
           <a:p>
             <a:pPr marL="514350" indent="-514350">
@@ -11280,9 +14217,162 @@
             </a:pPr>
             <a:r>
               <a:rPr lang="en-US" dirty="0" smtClean="0"/>
-              <a:t>Be proactive (preventive maintenance)</a:t>
-            </a:r>
-          </a:p>
+              <a:t>Create an issue on the </a:t>
+            </a:r>
+            <a:r>
+              <a:rPr lang="en-US" dirty="0"/>
+              <a:t>GitHub repository:</a:t>
+            </a:r>
+            <a:br>
+              <a:rPr lang="en-US" dirty="0"/>
+            </a:br>
+            <a:r>
+              <a:rPr lang="en-US" dirty="0">
+                <a:hlinkClick r:id="rId6"/>
+              </a:rPr>
+              <a:t>https://</a:t>
+            </a:r>
+            <a:r>
+              <a:rPr lang="en-US" dirty="0" smtClean="0">
+                <a:hlinkClick r:id="rId6"/>
+              </a:rPr>
+              <a:t>github.com/method5/method5</a:t>
+            </a:r>
+            <a:endParaRPr lang="en-US" dirty="0" smtClean="0"/>
+          </a:p>
+        </p:txBody>
+      </p:sp>
+      <p:sp>
+        <p:nvSpPr>
+          <p:cNvPr id="4" name="Date Placeholder 3"/>
+          <p:cNvSpPr>
+            <a:spLocks noGrp="1"/>
+          </p:cNvSpPr>
+          <p:nvPr>
+            <p:ph type="dt" sz="half" idx="10"/>
+          </p:nvPr>
+        </p:nvSpPr>
+        <p:spPr/>
+        <p:txBody>
+          <a:bodyPr/>
+          <a:lstStyle/>
+          <a:p>
+            <a:r>
+              <a:rPr lang="en-US" smtClean="0"/>
+              <a:t>2018-03-15</a:t>
+            </a:r>
+            <a:endParaRPr lang="en-US"/>
+          </a:p>
+        </p:txBody>
+      </p:sp>
+      <p:sp>
+        <p:nvSpPr>
+          <p:cNvPr id="5" name="Slide Number Placeholder 4"/>
+          <p:cNvSpPr>
+            <a:spLocks noGrp="1"/>
+          </p:cNvSpPr>
+          <p:nvPr>
+            <p:ph type="sldNum" sz="quarter" idx="12"/>
+          </p:nvPr>
+        </p:nvSpPr>
+        <p:spPr/>
+        <p:txBody>
+          <a:bodyPr/>
+          <a:lstStyle/>
+          <a:p>
+            <a:fld id="{05869706-863E-4BD1-B682-3CD80F60367B}" type="slidenum">
+              <a:rPr lang="en-US" smtClean="0"/>
+              <a:t>24</a:t>
+            </a:fld>
+            <a:endParaRPr lang="en-US"/>
+          </a:p>
+        </p:txBody>
+      </p:sp>
+    </p:spTree>
+    <p:extLst>
+      <p:ext uri="{BB962C8B-B14F-4D97-AF65-F5344CB8AC3E}">
+        <p14:creationId xmlns:p14="http://schemas.microsoft.com/office/powerpoint/2010/main" val="269627525"/>
+      </p:ext>
+    </p:extLst>
+  </p:cSld>
+  <p:clrMapOvr>
+    <a:masterClrMapping/>
+  </p:clrMapOvr>
+  <p:timing>
+    <p:tnLst>
+      <p:par>
+        <p:cTn id="1" dur="indefinite" restart="never" nodeType="tmRoot"/>
+      </p:par>
+    </p:tnLst>
+  </p:timing>
+</p:sld>
+</file>
+
+<file path=ppt/slides/slide25.xml><?xml version="1.0" encoding="utf-8"?>
+<p:sld xmlns:a="http://schemas.openxmlformats.org/drawingml/2006/main" xmlns:r="http://schemas.openxmlformats.org/officeDocument/2006/relationships" xmlns:p="http://schemas.openxmlformats.org/presentationml/2006/main">
+  <p:cSld>
+    <p:spTree>
+      <p:nvGrpSpPr>
+        <p:cNvPr id="1" name=""/>
+        <p:cNvGrpSpPr/>
+        <p:nvPr/>
+      </p:nvGrpSpPr>
+      <p:grpSpPr>
+        <a:xfrm>
+          <a:off x="0" y="0"/>
+          <a:ext cx="0" cy="0"/>
+          <a:chOff x="0" y="0"/>
+          <a:chExt cx="0" cy="0"/>
+        </a:xfrm>
+      </p:grpSpPr>
+      <p:sp>
+        <p:nvSpPr>
+          <p:cNvPr id="2" name="Title 1"/>
+          <p:cNvSpPr>
+            <a:spLocks noGrp="1"/>
+          </p:cNvSpPr>
+          <p:nvPr>
+            <p:ph type="title"/>
+          </p:nvPr>
+        </p:nvSpPr>
+        <p:spPr/>
+        <p:txBody>
+          <a:bodyPr>
+            <a:normAutofit fontScale="90000"/>
+          </a:bodyPr>
+          <a:lstStyle/>
+          <a:p>
+            <a:r>
+              <a:rPr lang="en-US" dirty="0" smtClean="0"/>
+              <a:t>Your New Mission:</a:t>
+            </a:r>
+            <a:br>
+              <a:rPr lang="en-US" dirty="0" smtClean="0"/>
+            </a:br>
+            <a:r>
+              <a:rPr lang="en-US" dirty="0" smtClean="0"/>
+              <a:t>Automate Everything</a:t>
+            </a:r>
+            <a:endParaRPr lang="en-US" dirty="0"/>
+          </a:p>
+        </p:txBody>
+      </p:sp>
+      <p:sp>
+        <p:nvSpPr>
+          <p:cNvPr id="3" name="Content Placeholder 2"/>
+          <p:cNvSpPr>
+            <a:spLocks noGrp="1"/>
+          </p:cNvSpPr>
+          <p:nvPr>
+            <p:ph idx="1"/>
+          </p:nvPr>
+        </p:nvSpPr>
+        <p:spPr/>
+        <p:txBody>
+          <a:bodyPr>
+            <a:normAutofit lnSpcReduction="10000"/>
+          </a:bodyPr>
+          <a:lstStyle/>
           <a:p>
             <a:pPr marL="514350" indent="-514350">
               <a:buFont typeface="+mj-lt"/>
@@ -11290,7 +14380,7 @@
             </a:pPr>
             <a:r>
               <a:rPr lang="en-US" dirty="0" smtClean="0"/>
-              <a:t>Treat the whole data center as one database</a:t>
+              <a:t>Not just faster</a:t>
             </a:r>
           </a:p>
           <a:p>
@@ -11300,6 +14390,46 @@
             </a:pPr>
             <a:r>
               <a:rPr lang="en-US" dirty="0" smtClean="0"/>
+              <a:t>Find it, fix it, and prevent it everywhere</a:t>
+            </a:r>
+          </a:p>
+          <a:p>
+            <a:pPr marL="514350" indent="-514350">
+              <a:buFont typeface="+mj-lt"/>
+              <a:buAutoNum type="arabicPeriod"/>
+            </a:pPr>
+            <a:r>
+              <a:rPr lang="en-US" dirty="0" smtClean="0"/>
+              <a:t>Always check all databases</a:t>
+            </a:r>
+          </a:p>
+          <a:p>
+            <a:pPr marL="514350" indent="-514350">
+              <a:buFont typeface="+mj-lt"/>
+              <a:buAutoNum type="arabicPeriod"/>
+            </a:pPr>
+            <a:r>
+              <a:rPr lang="en-US" dirty="0" smtClean="0"/>
+              <a:t>Be proactive (preventive maintenance)</a:t>
+            </a:r>
+          </a:p>
+          <a:p>
+            <a:pPr marL="514350" indent="-514350">
+              <a:buFont typeface="+mj-lt"/>
+              <a:buAutoNum type="arabicPeriod"/>
+            </a:pPr>
+            <a:r>
+              <a:rPr lang="en-US" dirty="0" smtClean="0"/>
+              <a:t>Treat the whole data center as one database</a:t>
+            </a:r>
+          </a:p>
+          <a:p>
+            <a:pPr marL="514350" indent="-514350">
+              <a:buFont typeface="+mj-lt"/>
+              <a:buAutoNum type="arabicPeriod"/>
+            </a:pPr>
+            <a:r>
+              <a:rPr lang="en-US" dirty="0" smtClean="0"/>
               <a:t>Run a query today to save time tomorrow</a:t>
             </a:r>
           </a:p>
@@ -11320,10 +14450,10 @@
           <a:bodyPr/>
           <a:lstStyle/>
           <a:p>
-            <a:fld id="{4E667C21-B277-46CB-80E7-1C015420E7D1}" type="datetime1">
+            <a:r>
               <a:rPr lang="en-US" smtClean="0"/>
-              <a:t>10/29/2017</a:t>
-            </a:fld>
+              <a:t>2018-03-15</a:t>
+            </a:r>
             <a:endParaRPr lang="en-US" dirty="0"/>
           </a:p>
         </p:txBody>
@@ -11345,7 +14475,7 @@
           <a:p>
             <a:fld id="{05869706-863E-4BD1-B682-3CD80F60367B}" type="slidenum">
               <a:rPr lang="en-US" smtClean="0"/>
-              <a:t>21</a:t>
+              <a:t>25</a:t>
             </a:fld>
             <a:endParaRPr lang="en-US"/>
           </a:p>
@@ -11388,221 +14518,16 @@
           <a:chExt cx="0" cy="0"/>
         </a:xfrm>
       </p:grpSpPr>
-      <p:sp>
-        <p:nvSpPr>
-          <p:cNvPr id="2" name="Title 1"/>
-          <p:cNvSpPr>
-            <a:spLocks noGrp="1"/>
-          </p:cNvSpPr>
-          <p:nvPr>
-            <p:ph type="title"/>
-          </p:nvPr>
-        </p:nvSpPr>
-        <p:spPr/>
-        <p:txBody>
-          <a:bodyPr/>
-          <a:lstStyle/>
-          <a:p>
-            <a:r>
-              <a:rPr lang="en-US" dirty="0" smtClean="0"/>
-              <a:t>About Jon Heller</a:t>
-            </a:r>
-            <a:endParaRPr lang="en-US" dirty="0"/>
-          </a:p>
-        </p:txBody>
-      </p:sp>
-      <p:sp>
-        <p:nvSpPr>
-          <p:cNvPr id="3" name="Content Placeholder 2"/>
-          <p:cNvSpPr>
-            <a:spLocks noGrp="1"/>
-          </p:cNvSpPr>
-          <p:nvPr>
-            <p:ph idx="1"/>
-          </p:nvPr>
-        </p:nvSpPr>
-        <p:spPr>
-          <a:xfrm>
-            <a:off x="457200" y="1200151"/>
-            <a:ext cx="8229600" cy="2871981"/>
-          </a:xfrm>
-        </p:spPr>
-        <p:txBody>
-          <a:bodyPr>
-            <a:normAutofit fontScale="92500" lnSpcReduction="20000"/>
-          </a:bodyPr>
-          <a:lstStyle/>
-          <a:p>
-            <a:pPr marL="514350" indent="-514350">
-              <a:buFont typeface="+mj-lt"/>
-              <a:buAutoNum type="arabicPeriod"/>
-            </a:pPr>
-            <a:r>
-              <a:rPr lang="en-US" sz="2800" dirty="0" smtClean="0"/>
-              <a:t>Oracle developer or DBA for 15 years</a:t>
-            </a:r>
-          </a:p>
-          <a:p>
-            <a:pPr marL="514350" indent="-514350">
-              <a:buFont typeface="+mj-lt"/>
-              <a:buAutoNum type="arabicPeriod"/>
-            </a:pPr>
-            <a:r>
-              <a:rPr lang="en-US" sz="2800" dirty="0"/>
-              <a:t>DBA at Ventech Solutions in Urbandale, Iowa</a:t>
-            </a:r>
-            <a:endParaRPr lang="en-US" sz="2800" dirty="0" smtClean="0"/>
-          </a:p>
-          <a:p>
-            <a:pPr marL="514350" indent="-514350">
-              <a:buFont typeface="+mj-lt"/>
-              <a:buAutoNum type="arabicPeriod"/>
-            </a:pPr>
-            <a:r>
-              <a:rPr lang="en-US" sz="2800" dirty="0" smtClean="0"/>
-              <a:t>Stack Overflow top user in Oracle and PL/SQL</a:t>
-            </a:r>
-          </a:p>
-          <a:p>
-            <a:pPr marL="514350" indent="-514350">
-              <a:buFont typeface="+mj-lt"/>
-              <a:buAutoNum type="arabicPeriod"/>
-            </a:pPr>
-            <a:r>
-              <a:rPr lang="en-US" sz="2800" dirty="0" smtClean="0"/>
-              <a:t>github.com/jonheller1</a:t>
-            </a:r>
-          </a:p>
-          <a:p>
-            <a:pPr marL="514350" indent="-514350">
-              <a:buFont typeface="+mj-lt"/>
-              <a:buAutoNum type="arabicPeriod"/>
-            </a:pPr>
-            <a:r>
-              <a:rPr lang="en-US" sz="2800" dirty="0" smtClean="0"/>
-              <a:t>BS and MCS in Computer Science, NCSU</a:t>
-            </a:r>
-          </a:p>
-          <a:p>
-            <a:pPr marL="514350" indent="-514350">
-              <a:buFont typeface="+mj-lt"/>
-              <a:buAutoNum type="arabicPeriod"/>
-            </a:pPr>
-            <a:r>
-              <a:rPr lang="en-US" sz="2800" dirty="0" smtClean="0"/>
-              <a:t>Certifications: PL/SQL, DBA, SQL Expert, SQL Tuning</a:t>
-            </a:r>
-          </a:p>
-          <a:p>
-            <a:pPr marL="514350" indent="-514350">
-              <a:buFont typeface="+mj-lt"/>
-              <a:buAutoNum type="arabicPeriod"/>
-            </a:pPr>
-            <a:r>
-              <a:rPr lang="en-US" sz="2800" dirty="0" smtClean="0">
-                <a:hlinkClick r:id="rId3"/>
-              </a:rPr>
-              <a:t>hjon@ventechsolutions.com</a:t>
-            </a:r>
-            <a:endParaRPr lang="en-US" sz="2400" dirty="0" smtClean="0"/>
-          </a:p>
-        </p:txBody>
-      </p:sp>
-      <p:sp>
-        <p:nvSpPr>
-          <p:cNvPr id="4" name="Date Placeholder 3"/>
-          <p:cNvSpPr>
-            <a:spLocks noGrp="1"/>
-          </p:cNvSpPr>
-          <p:nvPr>
-            <p:ph type="dt" sz="half" idx="10"/>
-          </p:nvPr>
-        </p:nvSpPr>
-        <p:spPr/>
-        <p:txBody>
-          <a:bodyPr/>
-          <a:lstStyle/>
-          <a:p>
-            <a:fld id="{E0B1ECC0-3D31-49BF-9732-FEB21E3BFE0B}" type="datetime1">
-              <a:rPr lang="en-US" smtClean="0"/>
-              <a:t>10/29/2017</a:t>
-            </a:fld>
-            <a:endParaRPr lang="en-US"/>
-          </a:p>
-        </p:txBody>
-      </p:sp>
-      <p:sp>
-        <p:nvSpPr>
-          <p:cNvPr id="5" name="Slide Number Placeholder 4"/>
-          <p:cNvSpPr>
-            <a:spLocks noGrp="1"/>
-          </p:cNvSpPr>
-          <p:nvPr>
-            <p:ph type="sldNum" sz="quarter" idx="12"/>
-          </p:nvPr>
-        </p:nvSpPr>
-        <p:spPr/>
-        <p:txBody>
-          <a:bodyPr/>
-          <a:lstStyle/>
-          <a:p>
-            <a:fld id="{05869706-863E-4BD1-B682-3CD80F60367B}" type="slidenum">
-              <a:rPr lang="en-US" smtClean="0"/>
-              <a:t>3</a:t>
-            </a:fld>
-            <a:endParaRPr lang="en-US"/>
-          </a:p>
-        </p:txBody>
-      </p:sp>
       <p:pic>
         <p:nvPicPr>
-          <p:cNvPr id="6" name="Picture 2" descr="http://ventechsolutions.us/wp-content/uploads/2016/02/ventechsolutions-logo2016_USA.png"/>
-          <p:cNvPicPr>
-            <a:picLocks noChangeAspect="1" noChangeArrowheads="1"/>
-          </p:cNvPicPr>
-          <p:nvPr/>
-        </p:nvPicPr>
-        <p:blipFill rotWithShape="1">
-          <a:blip r:embed="rId4">
-            <a:extLst>
-              <a:ext uri="{28A0092B-C50C-407E-A947-70E740481C1C}">
-                <a14:useLocalDpi xmlns:a14="http://schemas.microsoft.com/office/drawing/2010/main" val="0"/>
-              </a:ext>
-            </a:extLst>
-          </a:blip>
-          <a:srcRect t="-1" b="50465"/>
-          <a:stretch/>
-        </p:blipFill>
-        <p:spPr bwMode="auto">
-          <a:xfrm>
-            <a:off x="533401" y="4117017"/>
-            <a:ext cx="1670857" cy="417046"/>
-          </a:xfrm>
-          <a:prstGeom prst="rect">
-            <a:avLst/>
-          </a:prstGeom>
-          <a:noFill/>
-          <a:extLst>
-            <a:ext uri="{909E8E84-426E-40DD-AFC4-6F175D3DCCD1}">
-              <a14:hiddenFill xmlns:a14="http://schemas.microsoft.com/office/drawing/2010/main">
-                <a:solidFill>
-                  <a:srgbClr val="FFFFFF"/>
-                </a:solidFill>
-              </a14:hiddenFill>
-            </a:ext>
-          </a:extLst>
-        </p:spPr>
-      </p:pic>
-      <p:pic>
-        <p:nvPicPr>
-          <p:cNvPr id="2050" name="Picture 2" descr="https://brand.ncsu.edu/img/logo/brick2x1.jpg"/>
+          <p:cNvPr id="2056" name="Picture 8" descr="file:///C:/Users/mf8943/AppData/Local/Temp/1/OCP_AdvPLSQLDev_clr.gif"/>
           <p:cNvPicPr>
             <a:picLocks noChangeAspect="1" noChangeArrowheads="1"/>
           </p:cNvPicPr>
           <p:nvPr/>
         </p:nvPicPr>
         <p:blipFill>
-          <a:blip r:embed="rId5" cstate="print">
+          <a:blip r:embed="rId3">
             <a:extLst>
               <a:ext uri="{28A0092B-C50C-407E-A947-70E740481C1C}">
                 <a14:useLocalDpi xmlns:a14="http://schemas.microsoft.com/office/drawing/2010/main" val="0"/>
@@ -11616,8 +14541,8 @@
         </p:blipFill>
         <p:spPr bwMode="auto">
           <a:xfrm>
-            <a:off x="5255515" y="4130581"/>
-            <a:ext cx="1594803" cy="389918"/>
+            <a:off x="6934199" y="3714750"/>
+            <a:ext cx="1825943" cy="1221581"/>
           </a:xfrm>
           <a:prstGeom prst="rect">
             <a:avLst/>
@@ -11634,9 +14559,214 @@
           </a:extLst>
         </p:spPr>
       </p:pic>
+      <p:sp>
+        <p:nvSpPr>
+          <p:cNvPr id="2" name="Title 1"/>
+          <p:cNvSpPr>
+            <a:spLocks noGrp="1"/>
+          </p:cNvSpPr>
+          <p:nvPr>
+            <p:ph type="title"/>
+          </p:nvPr>
+        </p:nvSpPr>
+        <p:spPr/>
+        <p:txBody>
+          <a:bodyPr/>
+          <a:lstStyle/>
+          <a:p>
+            <a:r>
+              <a:rPr lang="en-US" dirty="0" smtClean="0"/>
+              <a:t>About Jon Heller</a:t>
+            </a:r>
+            <a:endParaRPr lang="en-US" dirty="0"/>
+          </a:p>
+        </p:txBody>
+      </p:sp>
+      <p:sp>
+        <p:nvSpPr>
+          <p:cNvPr id="3" name="Content Placeholder 2"/>
+          <p:cNvSpPr>
+            <a:spLocks noGrp="1"/>
+          </p:cNvSpPr>
+          <p:nvPr>
+            <p:ph idx="1"/>
+          </p:nvPr>
+        </p:nvSpPr>
+        <p:spPr>
+          <a:xfrm>
+            <a:off x="457200" y="1200151"/>
+            <a:ext cx="8229600" cy="2871981"/>
+          </a:xfrm>
+        </p:spPr>
+        <p:txBody>
+          <a:bodyPr>
+            <a:normAutofit fontScale="92500" lnSpcReduction="20000"/>
+          </a:bodyPr>
+          <a:lstStyle/>
+          <a:p>
+            <a:pPr marL="514350" indent="-514350">
+              <a:buFont typeface="+mj-lt"/>
+              <a:buAutoNum type="arabicPeriod"/>
+            </a:pPr>
+            <a:r>
+              <a:rPr lang="en-US" sz="2800" dirty="0" smtClean="0"/>
+              <a:t>Oracle developer or DBA for 15 years</a:t>
+            </a:r>
+          </a:p>
+          <a:p>
+            <a:pPr marL="514350" indent="-514350">
+              <a:buFont typeface="+mj-lt"/>
+              <a:buAutoNum type="arabicPeriod"/>
+            </a:pPr>
+            <a:r>
+              <a:rPr lang="en-US" sz="2800" dirty="0"/>
+              <a:t>DBA at Ventech Solutions in Urbandale, Iowa</a:t>
+            </a:r>
+            <a:endParaRPr lang="en-US" sz="2800" dirty="0" smtClean="0"/>
+          </a:p>
+          <a:p>
+            <a:pPr marL="514350" indent="-514350">
+              <a:buFont typeface="+mj-lt"/>
+              <a:buAutoNum type="arabicPeriod"/>
+            </a:pPr>
+            <a:r>
+              <a:rPr lang="en-US" sz="2800" dirty="0" smtClean="0"/>
+              <a:t>Stack Overflow top user in Oracle and PL/SQL</a:t>
+            </a:r>
+          </a:p>
+          <a:p>
+            <a:pPr marL="514350" indent="-514350">
+              <a:buFont typeface="+mj-lt"/>
+              <a:buAutoNum type="arabicPeriod"/>
+            </a:pPr>
+            <a:r>
+              <a:rPr lang="en-US" sz="2800" dirty="0" smtClean="0"/>
+              <a:t>github.com/jonheller1</a:t>
+            </a:r>
+          </a:p>
+          <a:p>
+            <a:pPr marL="514350" indent="-514350">
+              <a:buFont typeface="+mj-lt"/>
+              <a:buAutoNum type="arabicPeriod"/>
+            </a:pPr>
+            <a:r>
+              <a:rPr lang="en-US" sz="2800" dirty="0" smtClean="0"/>
+              <a:t>BS and MCS in Computer Science, NCSU</a:t>
+            </a:r>
+          </a:p>
+          <a:p>
+            <a:pPr marL="514350" indent="-514350">
+              <a:buFont typeface="+mj-lt"/>
+              <a:buAutoNum type="arabicPeriod"/>
+            </a:pPr>
+            <a:r>
+              <a:rPr lang="en-US" sz="2800" dirty="0" smtClean="0"/>
+              <a:t>Certifications: PL/SQL, DBA, SQL Expert, SQL Tuning</a:t>
+            </a:r>
+          </a:p>
+          <a:p>
+            <a:pPr marL="514350" indent="-514350">
+              <a:buFont typeface="+mj-lt"/>
+              <a:buAutoNum type="arabicPeriod"/>
+            </a:pPr>
+            <a:r>
+              <a:rPr lang="en-US" sz="2800" dirty="0" smtClean="0">
+                <a:hlinkClick r:id="rId4"/>
+              </a:rPr>
+              <a:t>hjon@ventechsolutions.com</a:t>
+            </a:r>
+            <a:endParaRPr lang="en-US" sz="2400" dirty="0" smtClean="0"/>
+          </a:p>
+        </p:txBody>
+      </p:sp>
+      <p:sp>
+        <p:nvSpPr>
+          <p:cNvPr id="4" name="Date Placeholder 3"/>
+          <p:cNvSpPr>
+            <a:spLocks noGrp="1"/>
+          </p:cNvSpPr>
+          <p:nvPr>
+            <p:ph type="dt" sz="half" idx="10"/>
+          </p:nvPr>
+        </p:nvSpPr>
+        <p:spPr/>
+        <p:txBody>
+          <a:bodyPr/>
+          <a:lstStyle/>
+          <a:p>
+            <a:r>
+              <a:rPr lang="en-US" smtClean="0"/>
+              <a:t>2018-03-15</a:t>
+            </a:r>
+            <a:endParaRPr lang="en-US"/>
+          </a:p>
+        </p:txBody>
+      </p:sp>
+      <p:sp>
+        <p:nvSpPr>
+          <p:cNvPr id="5" name="Slide Number Placeholder 4"/>
+          <p:cNvSpPr>
+            <a:spLocks noGrp="1"/>
+          </p:cNvSpPr>
+          <p:nvPr>
+            <p:ph type="sldNum" sz="quarter" idx="12"/>
+          </p:nvPr>
+        </p:nvSpPr>
+        <p:spPr/>
+        <p:txBody>
+          <a:bodyPr/>
+          <a:lstStyle/>
+          <a:p>
+            <a:fld id="{05869706-863E-4BD1-B682-3CD80F60367B}" type="slidenum">
+              <a:rPr lang="en-US" smtClean="0"/>
+              <a:t>3</a:t>
+            </a:fld>
+            <a:endParaRPr lang="en-US"/>
+          </a:p>
+        </p:txBody>
+      </p:sp>
       <p:pic>
         <p:nvPicPr>
-          <p:cNvPr id="2052" name="Picture 4" descr="https://assets-cdn.github.com/images/modules/logos_page/GitHub-Mark.png"/>
+          <p:cNvPr id="6" name="Picture 2" descr="http://ventechsolutions.us/wp-content/uploads/2016/02/ventechsolutions-logo2016_USA.png"/>
+          <p:cNvPicPr>
+            <a:picLocks noChangeAspect="1" noChangeArrowheads="1"/>
+          </p:cNvPicPr>
+          <p:nvPr/>
+        </p:nvPicPr>
+        <p:blipFill rotWithShape="1">
+          <a:blip r:embed="rId5">
+            <a:extLst>
+              <a:ext uri="{28A0092B-C50C-407E-A947-70E740481C1C}">
+                <a14:useLocalDpi xmlns:a14="http://schemas.microsoft.com/office/drawing/2010/main" val="0"/>
+              </a:ext>
+            </a:extLst>
+          </a:blip>
+          <a:srcRect t="-1" b="50465"/>
+          <a:stretch/>
+        </p:blipFill>
+        <p:spPr bwMode="auto">
+          <a:xfrm>
+            <a:off x="533400" y="4117017"/>
+            <a:ext cx="1670857" cy="417046"/>
+          </a:xfrm>
+          <a:prstGeom prst="rect">
+            <a:avLst/>
+          </a:prstGeom>
+          <a:noFill/>
+          <a:extLst>
+            <a:ext uri="{909E8E84-426E-40DD-AFC4-6F175D3DCCD1}">
+              <a14:hiddenFill xmlns:a14="http://schemas.microsoft.com/office/drawing/2010/main">
+                <a:solidFill>
+                  <a:srgbClr val="FFFFFF"/>
+                </a:solidFill>
+              </a14:hiddenFill>
+            </a:ext>
+          </a:extLst>
+        </p:spPr>
+      </p:pic>
+      <p:pic>
+        <p:nvPicPr>
+          <p:cNvPr id="2050" name="Picture 2" descr="https://brand.ncsu.edu/img/logo/brick2x1.jpg"/>
           <p:cNvPicPr>
             <a:picLocks noChangeAspect="1" noChangeArrowheads="1"/>
           </p:cNvPicPr>
@@ -11657,7 +14787,48 @@
         </p:blipFill>
         <p:spPr bwMode="auto">
           <a:xfrm>
-            <a:off x="4432492" y="4032170"/>
+            <a:off x="5141213" y="4130581"/>
+            <a:ext cx="1594803" cy="389918"/>
+          </a:xfrm>
+          <a:prstGeom prst="rect">
+            <a:avLst/>
+          </a:prstGeom>
+          <a:noFill/>
+          <a:extLst>
+            <a:ext uri="{909E8E84-426E-40DD-AFC4-6F175D3DCCD1}">
+              <a14:hiddenFill xmlns:a14="http://schemas.microsoft.com/office/drawing/2010/main">
+                <a:solidFill>
+                  <a:srgbClr val="FFFFFF"/>
+                </a:solidFill>
+              </a14:hiddenFill>
+            </a:ext>
+          </a:extLst>
+        </p:spPr>
+      </p:pic>
+      <p:pic>
+        <p:nvPicPr>
+          <p:cNvPr id="2052" name="Picture 4" descr="https://assets-cdn.github.com/images/modules/logos_page/GitHub-Mark.png"/>
+          <p:cNvPicPr>
+            <a:picLocks noChangeAspect="1" noChangeArrowheads="1"/>
+          </p:cNvPicPr>
+          <p:nvPr/>
+        </p:nvPicPr>
+        <p:blipFill>
+          <a:blip r:embed="rId7" cstate="print">
+            <a:extLst>
+              <a:ext uri="{28A0092B-C50C-407E-A947-70E740481C1C}">
+                <a14:useLocalDpi xmlns:a14="http://schemas.microsoft.com/office/drawing/2010/main" val="0"/>
+              </a:ext>
+            </a:extLst>
+          </a:blip>
+          <a:srcRect/>
+          <a:stretch>
+            <a:fillRect/>
+          </a:stretch>
+        </p:blipFill>
+        <p:spPr bwMode="auto">
+          <a:xfrm>
+            <a:off x="4356291" y="4032170"/>
             <a:ext cx="586740" cy="586740"/>
           </a:xfrm>
           <a:prstGeom prst="rect">
@@ -11684,7 +14855,7 @@
           <p:nvPr/>
         </p:nvPicPr>
         <p:blipFill rotWithShape="1">
-          <a:blip r:embed="rId7">
+          <a:blip r:embed="rId8">
             <a:extLst>
               <a:ext uri="{28A0092B-C50C-407E-A947-70E740481C1C}">
                 <a14:useLocalDpi xmlns:a14="http://schemas.microsoft.com/office/drawing/2010/main" val="0"/>
@@ -11696,49 +14867,8 @@
         </p:blipFill>
         <p:spPr bwMode="auto">
           <a:xfrm>
-            <a:off x="2440540" y="4062193"/>
+            <a:off x="2402439" y="4062193"/>
             <a:ext cx="1755670" cy="526694"/>
-          </a:xfrm>
-          <a:prstGeom prst="rect">
-            <a:avLst/>
-          </a:prstGeom>
-          <a:noFill/>
-          <a:extLst>
-            <a:ext uri="{909E8E84-426E-40DD-AFC4-6F175D3DCCD1}">
-              <a14:hiddenFill xmlns:a14="http://schemas.microsoft.com/office/drawing/2010/main">
-                <a:solidFill>
-                  <a:srgbClr val="FFFFFF"/>
-                </a:solidFill>
-              </a14:hiddenFill>
-            </a:ext>
-          </a:extLst>
-        </p:spPr>
-      </p:pic>
-      <p:pic>
-        <p:nvPicPr>
-          <p:cNvPr id="2056" name="Picture 8" descr="file:///C:/Users/mf8943/AppData/Local/Temp/1/OCP_AdvPLSQLDev_clr.gif"/>
-          <p:cNvPicPr>
-            <a:picLocks noChangeAspect="1" noChangeArrowheads="1"/>
-          </p:cNvPicPr>
-          <p:nvPr/>
-        </p:nvPicPr>
-        <p:blipFill>
-          <a:blip r:embed="rId8">
-            <a:extLst>
-              <a:ext uri="{28A0092B-C50C-407E-A947-70E740481C1C}">
-                <a14:useLocalDpi xmlns:a14="http://schemas.microsoft.com/office/drawing/2010/main" val="0"/>
-              </a:ext>
-            </a:extLst>
-          </a:blip>
-          <a:srcRect/>
-          <a:stretch>
-            <a:fillRect/>
-          </a:stretch>
-        </p:blipFill>
-        <p:spPr bwMode="auto">
-          <a:xfrm>
-            <a:off x="7086601" y="3714750"/>
-            <a:ext cx="1825943" cy="1221581"/>
           </a:xfrm>
           <a:prstGeom prst="rect">
             <a:avLst/>
@@ -11900,10 +15030,10 @@
           <a:bodyPr/>
           <a:lstStyle/>
           <a:p>
-            <a:fld id="{59A89C50-A88C-43DA-A017-AA6F35F0B0C8}" type="datetime1">
+            <a:r>
               <a:rPr lang="en-US" smtClean="0"/>
-              <a:t>10/29/2017</a:t>
-            </a:fld>
+              <a:t>2018-03-15</a:t>
+            </a:r>
             <a:endParaRPr lang="en-US"/>
           </a:p>
         </p:txBody>
@@ -12037,10 +15167,10 @@
           <a:bodyPr/>
           <a:lstStyle/>
           <a:p>
-            <a:fld id="{AA1E44A8-32B0-4E5A-A6DF-07DB1E700CAE}" type="datetime1">
+            <a:r>
               <a:rPr lang="en-US" smtClean="0"/>
-              <a:t>10/29/2017</a:t>
-            </a:fld>
+              <a:t>2018-03-15</a:t>
+            </a:r>
             <a:endParaRPr lang="en-US"/>
           </a:p>
         </p:txBody>
@@ -12846,10 +15976,10 @@
           <a:bodyPr/>
           <a:lstStyle/>
           <a:p>
-            <a:fld id="{1AF7749E-7951-4D42-9C43-2FC8E80375B1}" type="datetime1">
+            <a:r>
               <a:rPr lang="en-US" smtClean="0"/>
-              <a:t>10/29/2017</a:t>
-            </a:fld>
+              <a:t>2018-03-15</a:t>
+            </a:r>
             <a:endParaRPr lang="en-US"/>
           </a:p>
         </p:txBody>
@@ -13046,10 +16176,10 @@
           <a:bodyPr/>
           <a:lstStyle/>
           <a:p>
-            <a:fld id="{60D7856B-577C-489D-A2A8-2F221F81FEFA}" type="datetime1">
+            <a:r>
               <a:rPr lang="en-US" smtClean="0"/>
-              <a:t>10/29/2017</a:t>
-            </a:fld>
+              <a:t>2018-03-15</a:t>
+            </a:r>
             <a:endParaRPr lang="en-US"/>
           </a:p>
         </p:txBody>
@@ -13990,10 +17120,10 @@
           <a:bodyPr/>
           <a:lstStyle/>
           <a:p>
-            <a:fld id="{12698F6C-3B60-45A8-AA68-1C639B61BEFF}" type="datetime1">
+            <a:r>
               <a:rPr lang="en-US" smtClean="0"/>
-              <a:t>10/29/2017</a:t>
-            </a:fld>
+              <a:t>2018-03-15</a:t>
+            </a:r>
             <a:endParaRPr lang="en-US" dirty="0"/>
           </a:p>
         </p:txBody>
@@ -14295,7 +17425,7 @@
           <a:p>
             <a:r>
               <a:rPr lang="en-US" dirty="0" smtClean="0"/>
-              <a:t>Basic Features</a:t>
+              <a:t>Advantages</a:t>
             </a:r>
             <a:endParaRPr lang="en-US" dirty="0"/>
           </a:p>
@@ -14334,25 +17464,8 @@
                   </a:schemeClr>
                 </a:solidFill>
               </a:rPr>
-              <a:t> - fast, </a:t>
-            </a:r>
-            <a:r>
-              <a:rPr lang="en-US" dirty="0" smtClean="0">
-                <a:solidFill>
-                  <a:schemeClr val="bg1">
-                    <a:lumMod val="50000"/>
-                  </a:schemeClr>
-                </a:solidFill>
-              </a:rPr>
-              <a:t>parallel, asynchronous</a:t>
-            </a:r>
-            <a:endParaRPr lang="en-US" dirty="0" smtClean="0">
-              <a:solidFill>
-                <a:schemeClr val="bg1">
-                  <a:lumMod val="50000"/>
-                </a:schemeClr>
-              </a:solidFill>
-            </a:endParaRPr>
+              <a:t> - fast, parallel, asynchronous</a:t>
+            </a:r>
           </a:p>
           <a:p>
             <a:pPr marL="514350" indent="-514350">
@@ -14451,17 +17564,7 @@
                   </a:schemeClr>
                 </a:solidFill>
               </a:rPr>
-              <a:t>- </a:t>
-            </a:r>
-            <a:r>
-              <a:rPr lang="en-US" dirty="0" smtClean="0">
-                <a:solidFill>
-                  <a:schemeClr val="bg1">
-                    <a:lumMod val="50000"/>
-                  </a:schemeClr>
-                </a:solidFill>
-              </a:rPr>
-              <a:t>handled</a:t>
+              <a:t>- handled</a:t>
             </a:r>
             <a:endParaRPr lang="en-US" dirty="0">
               <a:solidFill>
@@ -14488,10 +17591,10 @@
           <a:bodyPr/>
           <a:lstStyle/>
           <a:p>
-            <a:fld id="{D97E924C-66F2-4356-A8CE-66225EAB43F5}" type="datetime1">
+            <a:r>
               <a:rPr lang="en-US" smtClean="0"/>
-              <a:t>10/29/2017</a:t>
-            </a:fld>
+              <a:t>2018-03-15</a:t>
+            </a:r>
             <a:endParaRPr lang="en-US"/>
           </a:p>
         </p:txBody>

--- a/presentations/Method5.pptx
+++ b/presentations/Method5.pptx
@@ -219,7 +219,7 @@
           <a:p>
             <a:fld id="{E8184847-EC06-4734-8E30-343A2DA340C9}" type="datetimeFigureOut">
               <a:rPr lang="en-US" smtClean="0"/>
-              <a:t>2/13/2018</a:t>
+              <a:t>2/20/2018</a:t>
             </a:fld>
             <a:endParaRPr lang="en-US"/>
           </a:p>
@@ -384,7 +384,7 @@
           <a:p>
             <a:fld id="{DC284B00-8F05-4CB2-A4E6-4A642AFA915E}" type="datetimeFigureOut">
               <a:rPr lang="en-US" smtClean="0"/>
-              <a:t>2/13/2018</a:t>
+              <a:t>2/20/2018</a:t>
             </a:fld>
             <a:endParaRPr lang="en-US"/>
           </a:p>
@@ -2393,36 +2393,65 @@
           <a:lstStyle/>
           <a:p>
             <a:r>
-              <a:rPr lang="en-US" dirty="0" smtClean="0"/>
-              <a:t>1. Requirements - You must have a central</a:t>
+              <a:rPr lang="en-US" b="1" dirty="0" smtClean="0"/>
+              <a:t>1. </a:t>
+            </a:r>
+            <a:r>
+              <a:rPr lang="en-US" dirty="0" smtClean="0"/>
+              <a:t>You </a:t>
+            </a:r>
+            <a:r>
+              <a:rPr lang="en-US" dirty="0" smtClean="0"/>
+              <a:t>must have a central</a:t>
             </a:r>
             <a:r>
               <a:rPr lang="en-US" baseline="0" dirty="0" smtClean="0"/>
-              <a:t> management database that can communicate with all other database.  You must have SYSDBA to install, and DBA privileges to use.  Any currently-supported platform, version, or edition will work.  (And probably some unsupported ones also.)  For testing you only need a single database - the default installation will create some fake links that simulate a multi-database environment.</a:t>
-            </a:r>
-          </a:p>
-          <a:p>
-            <a:r>
-              <a:rPr lang="en-US" dirty="0" smtClean="0"/>
-              <a:t>2. Only one person needs to install and administer it.  The configuration is automatically applied to other users.</a:t>
-            </a:r>
-          </a:p>
-          <a:p>
-            <a:r>
-              <a:rPr lang="en-US" dirty="0" smtClean="0"/>
-              <a:t>3. Download the free, open source code from GitHub and follow the instructions.</a:t>
-            </a:r>
-          </a:p>
-          <a:p>
-            <a:r>
-              <a:rPr lang="en-US" dirty="0" smtClean="0"/>
-              <a:t>4. The code is 100% inside the database - there are no agents, plugins, websites, configuration files, etc.</a:t>
-            </a:r>
-          </a:p>
-          <a:p>
-            <a:r>
-              <a:rPr lang="en-US" dirty="0" smtClean="0"/>
-              <a:t>5. Getting started</a:t>
+              <a:t> management database that can communicate with all other database.  You must have SYSDBA to install, and DBA privileges to use.  Any currently-supported platform, version, or edition will work.  (And probably some unsupported ones also.)  For testing you only need a single database - the default installation will create some fake links that simulate a multi-database environment</a:t>
+            </a:r>
+            <a:r>
+              <a:rPr lang="en-US" baseline="0" dirty="0" smtClean="0"/>
+              <a:t>.</a:t>
+            </a:r>
+            <a:endParaRPr lang="en-US" baseline="0" dirty="0" smtClean="0"/>
+          </a:p>
+          <a:p>
+            <a:r>
+              <a:rPr lang="en-US" b="1" dirty="0" smtClean="0"/>
+              <a:t>2.</a:t>
+            </a:r>
+            <a:r>
+              <a:rPr lang="en-US" dirty="0" smtClean="0"/>
+              <a:t> Only one person needs to install and administer it.  The configuration is automatically applied to other users.</a:t>
+            </a:r>
+          </a:p>
+          <a:p>
+            <a:r>
+              <a:rPr lang="en-US" b="1" dirty="0" smtClean="0"/>
+              <a:t>3.</a:t>
+            </a:r>
+            <a:r>
+              <a:rPr lang="en-US" dirty="0" smtClean="0"/>
+              <a:t> Download the free, open source code from GitHub and follow the instructions.</a:t>
+            </a:r>
+          </a:p>
+          <a:p>
+            <a:r>
+              <a:rPr lang="en-US" b="1" dirty="0" smtClean="0"/>
+              <a:t>4.</a:t>
+            </a:r>
+            <a:r>
+              <a:rPr lang="en-US" dirty="0" smtClean="0"/>
+              <a:t> The code is 100% inside the database - there are no agents, plugins, websites, configuration files, etc.</a:t>
+            </a:r>
+          </a:p>
+          <a:p>
+            <a:r>
+              <a:rPr lang="en-US" b="1" dirty="0" smtClean="0"/>
+              <a:t>5.</a:t>
+            </a:r>
+            <a:r>
+              <a:rPr lang="en-US" dirty="0" smtClean="0"/>
+              <a:t> Getting started</a:t>
             </a:r>
             <a:r>
               <a:rPr lang="en-US" baseline="0" dirty="0" smtClean="0"/>
@@ -2431,8 +2460,12 @@
           </a:p>
           <a:p>
             <a:r>
+              <a:rPr lang="en-US" b="1" baseline="0" dirty="0" smtClean="0"/>
+              <a:t>6.</a:t>
+            </a:r>
+            <a:r>
               <a:rPr lang="en-US" baseline="0" dirty="0" smtClean="0"/>
-              <a:t>6. If you encounter any problems you can create a GitHub issue on the repository or you can email Jon Heller at either hjon@ventechsolutions.com or jon@jonheller.org.</a:t>
+              <a:t> If you encounter any problems you can create a GitHub issue on the repository or you can email Jon Heller at either hjon@ventechsolutions.com or jon@jonheller.org.</a:t>
             </a:r>
           </a:p>
           <a:p>
@@ -3237,28 +3270,11 @@
           <a:p>
             <a:r>
               <a:rPr lang="en-US" dirty="0" smtClean="0"/>
-              <a:t>**METHOD5.M5_USER_ROLE** grants a M5_ROLE to an M5_USER.</a:t>
-            </a:r>
-          </a:p>
-          <a:p>
-            <a:r>
-              <a:rPr lang="en-US" dirty="0" smtClean="0"/>
-              <a:t>  * ORACLE_USERNAME: Oracle username from METHOD5.M5_USER.ORACLE_USERNAME.</a:t>
-            </a:r>
-          </a:p>
-          <a:p>
-            <a:r>
-              <a:rPr lang="en-US" dirty="0" smtClean="0"/>
-              <a:t>  * ROLE_NAME: Role name from METHOD5.ROLE.ROLE_NAME.</a:t>
-            </a:r>
-          </a:p>
-          <a:p>
-            <a:endParaRPr lang="en-US" dirty="0" smtClean="0"/>
-          </a:p>
-          <a:p>
-            <a:r>
-              <a:rPr lang="en-US" dirty="0" smtClean="0"/>
-              <a:t>**METHOD5.M5_ROLE_PRIV** grants privileges to an M5_ROLE.</a:t>
+              <a:t>**</a:t>
+            </a:r>
+            <a:r>
+              <a:rPr lang="en-US" dirty="0" smtClean="0"/>
+              <a:t>METHOD5.M5_ROLE_PRIV** grants privileges to an M5_ROLE.</a:t>
             </a:r>
           </a:p>
           <a:p>
@@ -3282,7 +3298,25 @@
             </a:r>
           </a:p>
           <a:p>
-            <a:endParaRPr lang="en-US" dirty="0"/>
+            <a:endParaRPr lang="en-US" dirty="0" smtClean="0"/>
+          </a:p>
+          <a:p>
+            <a:r>
+              <a:rPr lang="en-US" dirty="0" smtClean="0"/>
+              <a:t>**METHOD5.M5_USER_ROLE** grants a M5_ROLE to an M5_USER.</a:t>
+            </a:r>
+          </a:p>
+          <a:p>
+            <a:r>
+              <a:rPr lang="en-US" dirty="0" smtClean="0"/>
+              <a:t>  * ORACLE_USERNAME: Oracle username from METHOD5.M5_USER.ORACLE_USERNAME.</a:t>
+            </a:r>
+          </a:p>
+          <a:p>
+            <a:r>
+              <a:rPr lang="en-US" dirty="0" smtClean="0"/>
+              <a:t>  * ROLE_NAME: Role name from METHOD5.ROLE.ROLE_NAME.</a:t>
+            </a:r>
           </a:p>
         </p:txBody>
       </p:sp>
@@ -4647,8 +4681,29 @@
             </a:r>
             <a:r>
               <a:rPr lang="en-US" dirty="0" smtClean="0"/>
-              <a:t> Method5 has been thoroughly hardened to avoid the typical security problems with multi-database tools. For example, there are no public database links or shared passwords. See the Security section in the user guide for details.</a:t>
-            </a:r>
+              <a:t> Method5 has been thoroughly hardened to avoid the typical security problems with multi-database tools. For example, there are no public database links or shared passwords. </a:t>
+            </a:r>
+            <a:r>
+              <a:rPr lang="en-US" dirty="0" smtClean="0"/>
+              <a:t>The</a:t>
+            </a:r>
+            <a:r>
+              <a:rPr lang="en-US" baseline="0" dirty="0" smtClean="0"/>
+              <a:t> program privileges are completely configurable.  </a:t>
+            </a:r>
+            <a:r>
+              <a:rPr lang="en-US" dirty="0" smtClean="0"/>
+              <a:t>See </a:t>
+            </a:r>
+            <a:r>
+              <a:rPr lang="en-US" dirty="0" smtClean="0"/>
+              <a:t>the </a:t>
+            </a:r>
+            <a:r>
+              <a:rPr lang="en-US" dirty="0" smtClean="0"/>
+              <a:t>file security.md for more details.</a:t>
+            </a:r>
+            <a:endParaRPr lang="en-US" dirty="0" smtClean="0"/>
           </a:p>
           <a:p>
             <a:r>
@@ -4879,7 +4934,7 @@
           <a:p>
             <a:r>
               <a:rPr lang="en-US" smtClean="0"/>
-              <a:t>2018-03-15</a:t>
+              <a:t>2018-03-21</a:t>
             </a:r>
             <a:endParaRPr lang="en-US"/>
           </a:p>
@@ -5056,7 +5111,7 @@
           <a:p>
             <a:r>
               <a:rPr lang="en-US" smtClean="0"/>
-              <a:t>2018-03-15</a:t>
+              <a:t>2018-03-21</a:t>
             </a:r>
             <a:endParaRPr lang="en-US"/>
           </a:p>
@@ -5236,7 +5291,7 @@
           <a:p>
             <a:r>
               <a:rPr lang="en-US" smtClean="0"/>
-              <a:t>2018-03-15</a:t>
+              <a:t>2018-03-21</a:t>
             </a:r>
             <a:endParaRPr lang="en-US"/>
           </a:p>
@@ -5406,7 +5461,7 @@
           <a:p>
             <a:r>
               <a:rPr lang="en-US" smtClean="0"/>
-              <a:t>2018-03-15</a:t>
+              <a:t>2018-03-21</a:t>
             </a:r>
             <a:endParaRPr lang="en-US" dirty="0"/>
           </a:p>
@@ -5689,7 +5744,7 @@
           <a:p>
             <a:r>
               <a:rPr lang="en-US" smtClean="0"/>
-              <a:t>2018-03-15</a:t>
+              <a:t>2018-03-21</a:t>
             </a:r>
             <a:endParaRPr lang="en-US"/>
           </a:p>
@@ -5984,7 +6039,7 @@
           <a:p>
             <a:r>
               <a:rPr lang="en-US" smtClean="0"/>
-              <a:t>2018-03-15</a:t>
+              <a:t>2018-03-21</a:t>
             </a:r>
             <a:endParaRPr lang="en-US"/>
           </a:p>
@@ -6413,7 +6468,7 @@
           <a:p>
             <a:r>
               <a:rPr lang="en-US" smtClean="0"/>
-              <a:t>2018-03-15</a:t>
+              <a:t>2018-03-21</a:t>
             </a:r>
             <a:endParaRPr lang="en-US"/>
           </a:p>
@@ -6538,7 +6593,7 @@
           <a:p>
             <a:r>
               <a:rPr lang="en-US" smtClean="0"/>
-              <a:t>2018-03-15</a:t>
+              <a:t>2018-03-21</a:t>
             </a:r>
             <a:endParaRPr lang="en-US"/>
           </a:p>
@@ -6640,7 +6695,7 @@
           <a:p>
             <a:r>
               <a:rPr lang="en-US" smtClean="0"/>
-              <a:t>2018-03-15</a:t>
+              <a:t>2018-03-21</a:t>
             </a:r>
             <a:endParaRPr lang="en-US"/>
           </a:p>
@@ -6917,7 +6972,7 @@
           <a:p>
             <a:r>
               <a:rPr lang="en-US" smtClean="0"/>
-              <a:t>2018-03-15</a:t>
+              <a:t>2018-03-21</a:t>
             </a:r>
             <a:endParaRPr lang="en-US"/>
           </a:p>
@@ -7170,7 +7225,7 @@
           <a:p>
             <a:r>
               <a:rPr lang="en-US" smtClean="0"/>
-              <a:t>2018-03-15</a:t>
+              <a:t>2018-03-21</a:t>
             </a:r>
             <a:endParaRPr lang="en-US"/>
           </a:p>
@@ -7383,7 +7438,7 @@
           <a:p>
             <a:r>
               <a:rPr lang="en-US" smtClean="0"/>
-              <a:t>2018-03-15</a:t>
+              <a:t>2018-03-21</a:t>
             </a:r>
             <a:endParaRPr lang="en-US" dirty="0"/>
           </a:p>
@@ -7825,7 +7880,7 @@
           <a:p>
             <a:r>
               <a:rPr lang="en-US" smtClean="0"/>
-              <a:t>2018-03-15</a:t>
+              <a:t>2018-03-21</a:t>
             </a:r>
             <a:endParaRPr lang="en-US" dirty="0"/>
           </a:p>
@@ -8111,7 +8166,7 @@
           <a:p>
             <a:r>
               <a:rPr lang="en-US" smtClean="0"/>
-              <a:t>2018-03-15</a:t>
+              <a:t>2018-03-21</a:t>
             </a:r>
             <a:endParaRPr lang="en-US"/>
           </a:p>
@@ -8382,7 +8437,7 @@
           <a:p>
             <a:r>
               <a:rPr lang="en-US" smtClean="0"/>
-              <a:t>2018-03-15</a:t>
+              <a:t>2018-03-21</a:t>
             </a:r>
             <a:endParaRPr lang="en-US"/>
           </a:p>
@@ -8488,7 +8543,7 @@
           <a:p>
             <a:r>
               <a:rPr lang="en-US" smtClean="0"/>
-              <a:t>2018-03-15</a:t>
+              <a:t>2018-03-21</a:t>
             </a:r>
             <a:endParaRPr lang="en-US" dirty="0"/>
           </a:p>
@@ -10141,7 +10196,7 @@
           <a:p>
             <a:r>
               <a:rPr lang="en-US" smtClean="0"/>
-              <a:t>2018-03-15</a:t>
+              <a:t>2018-03-21</a:t>
             </a:r>
             <a:endParaRPr lang="en-US" dirty="0"/>
           </a:p>
@@ -10253,7 +10308,7 @@
           <a:p>
             <a:r>
               <a:rPr lang="en-US" smtClean="0"/>
-              <a:t>2018-03-15</a:t>
+              <a:t>2018-03-21</a:t>
             </a:r>
             <a:endParaRPr lang="en-US" dirty="0"/>
           </a:p>
@@ -10402,7 +10457,7 @@
           <a:p>
             <a:r>
               <a:rPr lang="en-US" smtClean="0"/>
-              <a:t>2018-03-15</a:t>
+              <a:t>2018-03-21</a:t>
             </a:r>
             <a:endParaRPr lang="en-US" dirty="0"/>
           </a:p>
@@ -10553,7 +10608,7 @@
           <a:p>
             <a:r>
               <a:rPr lang="en-US" smtClean="0"/>
-              <a:t>2018-03-15</a:t>
+              <a:t>2018-03-21</a:t>
             </a:r>
             <a:endParaRPr lang="en-US" dirty="0"/>
           </a:p>
@@ -10706,7 +10761,7 @@
           <a:p>
             <a:r>
               <a:rPr lang="en-US" smtClean="0"/>
-              <a:t>2018-03-15</a:t>
+              <a:t>2018-03-21</a:t>
             </a:r>
             <a:endParaRPr lang="en-US" dirty="0"/>
           </a:p>
@@ -10956,7 +11011,7 @@
           <a:p>
             <a:r>
               <a:rPr lang="en-US" smtClean="0"/>
-              <a:t>2018-03-15</a:t>
+              <a:t>2018-03-21</a:t>
             </a:r>
             <a:endParaRPr lang="en-US"/>
           </a:p>
@@ -11291,7 +11346,7 @@
           <a:p>
             <a:r>
               <a:rPr lang="en-US" smtClean="0"/>
-              <a:t>2018-03-15</a:t>
+              <a:t>2018-03-21</a:t>
             </a:r>
             <a:endParaRPr lang="en-US"/>
           </a:p>
@@ -11554,7 +11609,15 @@
             </a:pPr>
             <a:r>
               <a:rPr lang="en-US" dirty="0" smtClean="0"/>
-              <a:t>Open-source, secure, robust implementation</a:t>
+              <a:t>Open-source, secure, </a:t>
+            </a:r>
+            <a:r>
+              <a:rPr lang="en-US" dirty="0" smtClean="0"/>
+              <a:t>agentless, robust </a:t>
+            </a:r>
+            <a:r>
+              <a:rPr lang="en-US" dirty="0" smtClean="0"/>
+              <a:t>implementation</a:t>
             </a:r>
           </a:p>
           <a:p>
@@ -11610,7 +11673,7 @@
           <a:p>
             <a:r>
               <a:rPr lang="en-US" smtClean="0"/>
-              <a:t>2018-03-15</a:t>
+              <a:t>2018-03-21</a:t>
             </a:r>
             <a:endParaRPr lang="en-US" dirty="0"/>
           </a:p>
@@ -11693,11 +11756,7 @@
           <a:p>
             <a:r>
               <a:rPr lang="en-US" dirty="0" smtClean="0"/>
-              <a:t>Why </a:t>
-            </a:r>
-            <a:r>
-              <a:rPr lang="en-US" dirty="0" smtClean="0"/>
-              <a:t>Method5 is Safe</a:t>
+              <a:t>Why Method5 is Safe</a:t>
             </a:r>
             <a:endParaRPr lang="en-US" dirty="0"/>
           </a:p>
@@ -11907,7 +11966,7 @@
           <a:p>
             <a:r>
               <a:rPr lang="en-US" smtClean="0"/>
-              <a:t>2018-03-15</a:t>
+              <a:t>2018-03-21</a:t>
             </a:r>
             <a:endParaRPr lang="en-US" dirty="0"/>
           </a:p>
@@ -12102,7 +12161,7 @@
           <a:p>
             <a:r>
               <a:rPr lang="en-US" smtClean="0"/>
-              <a:t>2018-03-15</a:t>
+              <a:t>2018-03-21</a:t>
             </a:r>
             <a:endParaRPr lang="en-US" dirty="0"/>
           </a:p>
@@ -12796,18 +12855,29 @@
             </a:pPr>
             <a:r>
               <a:rPr lang="en-US" dirty="0" smtClean="0"/>
-              <a:t>3. M5_USER_ROLE - </a:t>
-            </a:r>
-            <a:r>
-              <a:rPr lang="en-US" dirty="0" smtClean="0">
+              <a:t>3. </a:t>
+            </a:r>
+            <a:r>
+              <a:rPr lang="en-US" dirty="0"/>
+              <a:t>M5_USER_PRIV - </a:t>
+            </a:r>
+            <a:r>
+              <a:rPr lang="en-US" dirty="0">
                 <a:solidFill>
                   <a:schemeClr val="bg1">
                     <a:lumMod val="50000"/>
                   </a:schemeClr>
                 </a:solidFill>
               </a:rPr>
-              <a:t>username, role</a:t>
-            </a:r>
+              <a:t>role, privilege </a:t>
+            </a:r>
+            <a:endParaRPr lang="en-US" dirty="0" smtClean="0">
+              <a:solidFill>
+                <a:schemeClr val="bg1">
+                  <a:lumMod val="50000"/>
+                </a:schemeClr>
+              </a:solidFill>
+            </a:endParaRPr>
           </a:p>
           <a:p>
             <a:pPr marL="0" indent="0">
@@ -12815,7 +12885,11 @@
             </a:pPr>
             <a:r>
               <a:rPr lang="en-US" dirty="0" smtClean="0"/>
-              <a:t>4. M5_USER_PRIV - </a:t>
+              <a:t>4. </a:t>
+            </a:r>
+            <a:r>
+              <a:rPr lang="en-US" dirty="0" smtClean="0"/>
+              <a:t>M5_USER_ROLE - </a:t>
             </a:r>
             <a:r>
               <a:rPr lang="en-US" dirty="0" smtClean="0">
@@ -12825,8 +12899,13 @@
                   </a:schemeClr>
                 </a:solidFill>
               </a:rPr>
-              <a:t>role, privilege</a:t>
-            </a:r>
+              <a:t>username, role</a:t>
+            </a:r>
+          </a:p>
+          <a:p>
+            <a:pPr marL="0" indent="0">
+              <a:buNone/>
+            </a:pPr>
             <a:endParaRPr lang="en-US" dirty="0">
               <a:solidFill>
                 <a:schemeClr val="bg1">
@@ -12854,7 +12933,7 @@
           <a:p>
             <a:r>
               <a:rPr lang="en-US" smtClean="0"/>
-              <a:t>2018-03-15</a:t>
+              <a:t>2018-03-21</a:t>
             </a:r>
             <a:endParaRPr lang="en-US" dirty="0"/>
           </a:p>
@@ -14041,7 +14120,7 @@
           <a:p>
             <a:r>
               <a:rPr lang="en-US" smtClean="0"/>
-              <a:t>2018-03-15</a:t>
+              <a:t>2018-03-21</a:t>
             </a:r>
             <a:endParaRPr lang="en-US" dirty="0"/>
           </a:p>
@@ -14176,15 +14255,7 @@
             </a:pPr>
             <a:r>
               <a:rPr lang="en-US" dirty="0" smtClean="0"/>
-              <a:t>Email </a:t>
-            </a:r>
-            <a:r>
-              <a:rPr lang="en-US" dirty="0" smtClean="0"/>
-              <a:t>the creator:</a:t>
-            </a:r>
-            <a:r>
-              <a:rPr lang="en-US" dirty="0" smtClean="0"/>
-              <a:t/>
+              <a:t>Email the creator:</a:t>
             </a:r>
             <a:br>
               <a:rPr lang="en-US" dirty="0" smtClean="0"/>
@@ -14259,7 +14330,7 @@
           <a:p>
             <a:r>
               <a:rPr lang="en-US" smtClean="0"/>
-              <a:t>2018-03-15</a:t>
+              <a:t>2018-03-21</a:t>
             </a:r>
             <a:endParaRPr lang="en-US"/>
           </a:p>
@@ -14451,8 +14522,8 @@
           <a:lstStyle/>
           <a:p>
             <a:r>
-              <a:rPr lang="en-US" smtClean="0"/>
-              <a:t>2018-03-15</a:t>
+              <a:rPr lang="en-US" dirty="0" smtClean="0"/>
+              <a:t>2018-03-21</a:t>
             </a:r>
             <a:endParaRPr lang="en-US" dirty="0"/>
           </a:p>
@@ -14673,7 +14744,7 @@
               <a:rPr lang="en-US" sz="2800" dirty="0" smtClean="0">
                 <a:hlinkClick r:id="rId4"/>
               </a:rPr>
-              <a:t>hjon@ventechsolutions.com</a:t>
+              <a:t>jon@jonheller.org</a:t>
             </a:r>
             <a:endParaRPr lang="en-US" sz="2400" dirty="0" smtClean="0"/>
           </a:p>
@@ -14696,7 +14767,7 @@
           <a:p>
             <a:r>
               <a:rPr lang="en-US" smtClean="0"/>
-              <a:t>2018-03-15</a:t>
+              <a:t>2018-03-21</a:t>
             </a:r>
             <a:endParaRPr lang="en-US"/>
           </a:p>
@@ -15032,7 +15103,7 @@
           <a:p>
             <a:r>
               <a:rPr lang="en-US" smtClean="0"/>
-              <a:t>2018-03-15</a:t>
+              <a:t>2018-03-21</a:t>
             </a:r>
             <a:endParaRPr lang="en-US"/>
           </a:p>
@@ -15169,7 +15240,7 @@
           <a:p>
             <a:r>
               <a:rPr lang="en-US" smtClean="0"/>
-              <a:t>2018-03-15</a:t>
+              <a:t>2018-03-21</a:t>
             </a:r>
             <a:endParaRPr lang="en-US"/>
           </a:p>
@@ -15978,7 +16049,7 @@
           <a:p>
             <a:r>
               <a:rPr lang="en-US" smtClean="0"/>
-              <a:t>2018-03-15</a:t>
+              <a:t>2018-03-21</a:t>
             </a:r>
             <a:endParaRPr lang="en-US"/>
           </a:p>
@@ -16178,7 +16249,7 @@
           <a:p>
             <a:r>
               <a:rPr lang="en-US" smtClean="0"/>
-              <a:t>2018-03-15</a:t>
+              <a:t>2018-03-21</a:t>
             </a:r>
             <a:endParaRPr lang="en-US"/>
           </a:p>
@@ -17122,7 +17193,7 @@
           <a:p>
             <a:r>
               <a:rPr lang="en-US" smtClean="0"/>
-              <a:t>2018-03-15</a:t>
+              <a:t>2018-03-21</a:t>
             </a:r>
             <a:endParaRPr lang="en-US" dirty="0"/>
           </a:p>
@@ -17544,8 +17615,25 @@
                   </a:schemeClr>
                 </a:solidFill>
               </a:rPr>
-              <a:t>- nothing to worry about</a:t>
-            </a:r>
+              <a:t>- </a:t>
+            </a:r>
+            <a:r>
+              <a:rPr lang="en-US" dirty="0" smtClean="0">
+                <a:solidFill>
+                  <a:schemeClr val="bg1">
+                    <a:lumMod val="50000"/>
+                  </a:schemeClr>
+                </a:solidFill>
+              </a:rPr>
+              <a:t>hardened, configurable</a:t>
+            </a:r>
+            <a:endParaRPr lang="en-US" dirty="0" smtClean="0">
+              <a:solidFill>
+                <a:schemeClr val="bg1">
+                  <a:lumMod val="50000"/>
+                </a:schemeClr>
+              </a:solidFill>
+            </a:endParaRPr>
           </a:p>
           <a:p>
             <a:pPr marL="514350" indent="-514350">
@@ -17593,7 +17681,7 @@
           <a:p>
             <a:r>
               <a:rPr lang="en-US" smtClean="0"/>
-              <a:t>2018-03-15</a:t>
+              <a:t>2018-03-21</a:t>
             </a:r>
             <a:endParaRPr lang="en-US"/>
           </a:p>

--- a/presentations/Method5.pptx
+++ b/presentations/Method5.pptx
@@ -219,7 +219,7 @@
           <a:p>
             <a:fld id="{E8184847-EC06-4734-8E30-343A2DA340C9}" type="datetimeFigureOut">
               <a:rPr lang="en-US" smtClean="0"/>
-              <a:t>2/20/2018</a:t>
+              <a:t>4/8/2018</a:t>
             </a:fld>
             <a:endParaRPr lang="en-US"/>
           </a:p>
@@ -384,7 +384,7 @@
           <a:p>
             <a:fld id="{DC284B00-8F05-4CB2-A4E6-4A642AFA915E}" type="datetimeFigureOut">
               <a:rPr lang="en-US" smtClean="0"/>
-              <a:t>2/20/2018</a:t>
+              <a:t>4/8/2018</a:t>
             </a:fld>
             <a:endParaRPr lang="en-US"/>
           </a:p>
@@ -2398,21 +2398,12 @@
             </a:r>
             <a:r>
               <a:rPr lang="en-US" dirty="0" smtClean="0"/>
-              <a:t>You </a:t>
-            </a:r>
-            <a:r>
-              <a:rPr lang="en-US" dirty="0" smtClean="0"/>
-              <a:t>must have a central</a:t>
+              <a:t>You must have a central</a:t>
             </a:r>
             <a:r>
               <a:rPr lang="en-US" baseline="0" dirty="0" smtClean="0"/>
-              <a:t> management database that can communicate with all other database.  You must have SYSDBA to install, and DBA privileges to use.  Any currently-supported platform, version, or edition will work.  (And probably some unsupported ones also.)  For testing you only need a single database - the default installation will create some fake links that simulate a multi-database environment</a:t>
-            </a:r>
-            <a:r>
-              <a:rPr lang="en-US" baseline="0" dirty="0" smtClean="0"/>
-              <a:t>.</a:t>
-            </a:r>
-            <a:endParaRPr lang="en-US" baseline="0" dirty="0" smtClean="0"/>
+              <a:t> management database that can communicate with all other database.  You must have SYSDBA to install, and DBA privileges to use.  Any currently-supported platform, version, or edition will work.  (And probably some unsupported ones also.)  For testing you only need a single database - the default installation will create some fake links that simulate a multi-database environment.</a:t>
+            </a:r>
           </a:p>
           <a:p>
             <a:r>
@@ -2431,8 +2422,17 @@
             </a:r>
             <a:r>
               <a:rPr lang="en-US" dirty="0" smtClean="0"/>
-              <a:t> Download the free, open source code from GitHub and follow the instructions.</a:t>
-            </a:r>
+              <a:t> Download the free, open source code from GitHub and follow the instructions</a:t>
+            </a:r>
+            <a:r>
+              <a:rPr lang="en-US" dirty="0" smtClean="0"/>
+              <a:t>.  You don't need to purchase any additional</a:t>
+            </a:r>
+            <a:r>
+              <a:rPr lang="en-US" baseline="0" dirty="0" smtClean="0"/>
+              <a:t> hardware or software.</a:t>
+            </a:r>
+            <a:endParaRPr lang="en-US" dirty="0" smtClean="0"/>
           </a:p>
           <a:p>
             <a:r>
@@ -2455,7 +2455,15 @@
             </a:r>
             <a:r>
               <a:rPr lang="en-US" baseline="0" dirty="0" smtClean="0"/>
-              <a:t> will take less than an hour.  The time to setup all your connections will vary depending on how standardized your environment is.  1000 perfectly-standardized databases will be easier than 10 databases all with different platforms, versions, and configurations.  One of the nice side-effects of Method5 is that it really drives home how useful standardization can be.  You may want to work on one environment at a time; you don't need to get every database working in order to use this.</a:t>
+              <a:t> will </a:t>
+            </a:r>
+            <a:r>
+              <a:rPr lang="en-US" baseline="0" dirty="0" smtClean="0"/>
+              <a:t>only take a few hours. The </a:t>
+            </a:r>
+            <a:r>
+              <a:rPr lang="en-US" baseline="0" dirty="0" smtClean="0"/>
+              <a:t>time to setup all your connections will vary depending on how standardized your environment is.  1000 perfectly-standardized databases will be easier than 10 databases all with different platforms, versions, and configurations.  One of the nice side-effects of Method5 is that it really drives home how useful standardization can be.  You may want to work on one environment at a time; you don't need to get every database working in order to use this.</a:t>
             </a:r>
           </a:p>
           <a:p>
@@ -2465,7 +2473,15 @@
             </a:r>
             <a:r>
               <a:rPr lang="en-US" baseline="0" dirty="0" smtClean="0"/>
-              <a:t> If you encounter any problems you can create a GitHub issue on the repository or you can email Jon Heller at either hjon@ventechsolutions.com or jon@jonheller.org.</a:t>
+              <a:t> If you encounter any problems you can create a GitHub issue on the repository or you can email Jon Heller at either </a:t>
+            </a:r>
+            <a:r>
+              <a:rPr lang="en-US" baseline="0" dirty="0" smtClean="0"/>
+              <a:t>jon.heller@ventechsolutions.com </a:t>
+            </a:r>
+            <a:r>
+              <a:rPr lang="en-US" baseline="0" dirty="0" smtClean="0"/>
+              <a:t>or jon@jonheller.org.</a:t>
             </a:r>
           </a:p>
           <a:p>
@@ -2474,15 +2490,15 @@
           <a:p>
             <a:r>
               <a:rPr lang="en-US" dirty="0" smtClean="0"/>
-              <a:t>Most DBAs have everything they need to get started in about</a:t>
-            </a:r>
-            <a:r>
-              <a:rPr lang="en-US" baseline="0" dirty="0" smtClean="0"/>
-              <a:t> an hour.</a:t>
-            </a:r>
-            <a:r>
-              <a:rPr lang="en-US" dirty="0" smtClean="0"/>
-              <a:t>  You don't need to buy anything, sign up for anything, or install any operating system binaries.  The installation and</a:t>
+              <a:t>Most DBAs have everything they need to get started in </a:t>
+            </a:r>
+            <a:r>
+              <a:rPr lang="en-US" dirty="0" smtClean="0"/>
+              <a:t>a few hours.  You </a:t>
+            </a:r>
+            <a:r>
+              <a:rPr lang="en-US" dirty="0" smtClean="0"/>
+              <a:t>don't need to buy anything, sign up for anything, or install any operating system binaries.  The installation and</a:t>
             </a:r>
             <a:r>
               <a:rPr lang="en-US" baseline="0" dirty="0" smtClean="0"/>
@@ -2714,7 +2730,15 @@
             </a:r>
             <a:r>
               <a:rPr lang="en-US" baseline="0" dirty="0" smtClean="0"/>
-              <a:t>  By default users can only access Method5 from an expected operating system username.  This provides at least multi-step authentication, and it may provide multi-factor authentication if your operating system authentication requires a token.  (This feature can be disabled.)</a:t>
+              <a:t>  </a:t>
+            </a:r>
+            <a:r>
+              <a:rPr lang="en-US" baseline="0" dirty="0" smtClean="0"/>
+              <a:t>Users </a:t>
+            </a:r>
+            <a:r>
+              <a:rPr lang="en-US" baseline="0" dirty="0" smtClean="0"/>
+              <a:t>can only access Method5 from an expected operating system username.  This provides at least multi-step authentication, and it may provide multi-factor authentication if your operating system authentication requires a token.  (This feature can be disabled.)</a:t>
             </a:r>
           </a:p>
           <a:p>
@@ -3270,11 +3294,7 @@
           <a:p>
             <a:r>
               <a:rPr lang="en-US" dirty="0" smtClean="0"/>
-              <a:t>**</a:t>
-            </a:r>
-            <a:r>
-              <a:rPr lang="en-US" dirty="0" smtClean="0"/>
-              <a:t>METHOD5.M5_ROLE_PRIV** grants privileges to an M5_ROLE.</a:t>
+              <a:t>**METHOD5.M5_ROLE_PRIV** grants privileges to an M5_ROLE.</a:t>
             </a:r>
           </a:p>
           <a:p>
@@ -4681,11 +4701,7 @@
             </a:r>
             <a:r>
               <a:rPr lang="en-US" dirty="0" smtClean="0"/>
-              <a:t> Method5 has been thoroughly hardened to avoid the typical security problems with multi-database tools. For example, there are no public database links or shared passwords. </a:t>
-            </a:r>
-            <a:r>
-              <a:rPr lang="en-US" dirty="0" smtClean="0"/>
-              <a:t>The</a:t>
+              <a:t> Method5 has been thoroughly hardened to avoid the typical security problems with multi-database tools. For example, there are no public database links or shared passwords. The</a:t>
             </a:r>
             <a:r>
               <a:rPr lang="en-US" baseline="0" dirty="0" smtClean="0"/>
@@ -4693,17 +4709,8 @@
             </a:r>
             <a:r>
               <a:rPr lang="en-US" dirty="0" smtClean="0"/>
-              <a:t>See </a:t>
-            </a:r>
-            <a:r>
-              <a:rPr lang="en-US" dirty="0" smtClean="0"/>
-              <a:t>the </a:t>
-            </a:r>
-            <a:r>
-              <a:rPr lang="en-US" dirty="0" smtClean="0"/>
-              <a:t>file security.md for more details.</a:t>
-            </a:r>
-            <a:endParaRPr lang="en-US" dirty="0" smtClean="0"/>
+              <a:t>See the file security.md for more details.</a:t>
+            </a:r>
           </a:p>
           <a:p>
             <a:r>
@@ -11323,7 +11330,11 @@
             </a:br>
             <a:r>
               <a:rPr lang="en-US" dirty="0" smtClean="0"/>
-              <a:t>Any DBA can try it out in less than one hour</a:t>
+              <a:t>Any DBA can try it out in </a:t>
+            </a:r>
+            <a:r>
+              <a:rPr lang="en-US" dirty="0" smtClean="0"/>
+              <a:t>a few hours</a:t>
             </a:r>
             <a:endParaRPr lang="en-US" dirty="0"/>
           </a:p>
@@ -11609,15 +11620,7 @@
             </a:pPr>
             <a:r>
               <a:rPr lang="en-US" dirty="0" smtClean="0"/>
-              <a:t>Open-source, secure, </a:t>
-            </a:r>
-            <a:r>
-              <a:rPr lang="en-US" dirty="0" smtClean="0"/>
-              <a:t>agentless, robust </a:t>
-            </a:r>
-            <a:r>
-              <a:rPr lang="en-US" dirty="0" smtClean="0"/>
-              <a:t>implementation</a:t>
+              <a:t>Open-source, secure, agentless, robust implementation</a:t>
             </a:r>
           </a:p>
           <a:p>
@@ -12885,11 +12888,7 @@
             </a:pPr>
             <a:r>
               <a:rPr lang="en-US" dirty="0" smtClean="0"/>
-              <a:t>4. </a:t>
-            </a:r>
-            <a:r>
-              <a:rPr lang="en-US" dirty="0" smtClean="0"/>
-              <a:t>M5_USER_ROLE - </a:t>
+              <a:t>4. M5_USER_ROLE - </a:t>
             </a:r>
             <a:r>
               <a:rPr lang="en-US" dirty="0" smtClean="0">
@@ -17615,25 +17614,8 @@
                   </a:schemeClr>
                 </a:solidFill>
               </a:rPr>
-              <a:t>- </a:t>
-            </a:r>
-            <a:r>
-              <a:rPr lang="en-US" dirty="0" smtClean="0">
-                <a:solidFill>
-                  <a:schemeClr val="bg1">
-                    <a:lumMod val="50000"/>
-                  </a:schemeClr>
-                </a:solidFill>
-              </a:rPr>
-              <a:t>hardened, configurable</a:t>
-            </a:r>
-            <a:endParaRPr lang="en-US" dirty="0" smtClean="0">
-              <a:solidFill>
-                <a:schemeClr val="bg1">
-                  <a:lumMod val="50000"/>
-                </a:schemeClr>
-              </a:solidFill>
-            </a:endParaRPr>
+              <a:t>- hardened, configurable</a:t>
+            </a:r>
           </a:p>
           <a:p>
             <a:pPr marL="514350" indent="-514350">

--- a/presentations/Method5.pptx
+++ b/presentations/Method5.pptx
@@ -219,7 +219,7 @@
           <a:p>
             <a:fld id="{E8184847-EC06-4734-8E30-343A2DA340C9}" type="datetimeFigureOut">
               <a:rPr lang="en-US" smtClean="0"/>
-              <a:t>4/8/2018</a:t>
+              <a:t>5/7/2018</a:t>
             </a:fld>
             <a:endParaRPr lang="en-US"/>
           </a:p>
@@ -384,7 +384,7 @@
           <a:p>
             <a:fld id="{DC284B00-8F05-4CB2-A4E6-4A642AFA915E}" type="datetimeFigureOut">
               <a:rPr lang="en-US" smtClean="0"/>
-              <a:t>4/8/2018</a:t>
+              <a:t>5/7/2018</a:t>
             </a:fld>
             <a:endParaRPr lang="en-US"/>
           </a:p>
@@ -724,7 +724,7 @@
               <a:rPr lang="en-US" smtClean="0"/>
               <a:t>1</a:t>
             </a:fld>
-            <a:endParaRPr lang="en-US"/>
+            <a:endParaRPr lang="en-US" dirty="0"/>
           </a:p>
         </p:txBody>
       </p:sp>
@@ -2422,11 +2422,7 @@
             </a:r>
             <a:r>
               <a:rPr lang="en-US" dirty="0" smtClean="0"/>
-              <a:t> Download the free, open source code from GitHub and follow the instructions</a:t>
-            </a:r>
-            <a:r>
-              <a:rPr lang="en-US" dirty="0" smtClean="0"/>
-              <a:t>.  You don't need to purchase any additional</a:t>
+              <a:t> Download the free, open source code from GitHub and follow the instructions.  You don't need to purchase any additional</a:t>
             </a:r>
             <a:r>
               <a:rPr lang="en-US" baseline="0" dirty="0" smtClean="0"/>
@@ -2455,15 +2451,7 @@
             </a:r>
             <a:r>
               <a:rPr lang="en-US" baseline="0" dirty="0" smtClean="0"/>
-              <a:t> will </a:t>
-            </a:r>
-            <a:r>
-              <a:rPr lang="en-US" baseline="0" dirty="0" smtClean="0"/>
-              <a:t>only take a few hours. The </a:t>
-            </a:r>
-            <a:r>
-              <a:rPr lang="en-US" baseline="0" dirty="0" smtClean="0"/>
-              <a:t>time to setup all your connections will vary depending on how standardized your environment is.  1000 perfectly-standardized databases will be easier than 10 databases all with different platforms, versions, and configurations.  One of the nice side-effects of Method5 is that it really drives home how useful standardization can be.  You may want to work on one environment at a time; you don't need to get every database working in order to use this.</a:t>
+              <a:t> will only take a few hours. The time to setup all your connections will vary depending on how standardized your environment is.  1000 perfectly-standardized databases will be easier than 10 databases all with different platforms, versions, and configurations.  One of the nice side-effects of Method5 is that it really drives home how useful standardization can be.  You may want to work on one environment at a time; you don't need to get every database working in order to use this.</a:t>
             </a:r>
           </a:p>
           <a:p>
@@ -2473,15 +2461,7 @@
             </a:r>
             <a:r>
               <a:rPr lang="en-US" baseline="0" dirty="0" smtClean="0"/>
-              <a:t> If you encounter any problems you can create a GitHub issue on the repository or you can email Jon Heller at either </a:t>
-            </a:r>
-            <a:r>
-              <a:rPr lang="en-US" baseline="0" dirty="0" smtClean="0"/>
-              <a:t>jon.heller@ventechsolutions.com </a:t>
-            </a:r>
-            <a:r>
-              <a:rPr lang="en-US" baseline="0" dirty="0" smtClean="0"/>
-              <a:t>or jon@jonheller.org.</a:t>
+              <a:t> If you encounter any problems you can create a GitHub issue on the repository or you can email Jon Heller at either jon.heller@ventechsolutions.com or jon@jonheller.org.</a:t>
             </a:r>
           </a:p>
           <a:p>
@@ -2490,15 +2470,7 @@
           <a:p>
             <a:r>
               <a:rPr lang="en-US" dirty="0" smtClean="0"/>
-              <a:t>Most DBAs have everything they need to get started in </a:t>
-            </a:r>
-            <a:r>
-              <a:rPr lang="en-US" dirty="0" smtClean="0"/>
-              <a:t>a few hours.  You </a:t>
-            </a:r>
-            <a:r>
-              <a:rPr lang="en-US" dirty="0" smtClean="0"/>
-              <a:t>don't need to buy anything, sign up for anything, or install any operating system binaries.  The installation and</a:t>
+              <a:t>Most DBAs have everything they need to get started in a few hours.  You don't need to buy anything, sign up for anything, or install any operating system binaries.  The installation and</a:t>
             </a:r>
             <a:r>
               <a:rPr lang="en-US" baseline="0" dirty="0" smtClean="0"/>
@@ -2616,7 +2588,7 @@
               <a:rPr lang="en-US" smtClean="0"/>
               <a:t>2</a:t>
             </a:fld>
-            <a:endParaRPr lang="en-US"/>
+            <a:endParaRPr lang="en-US" dirty="0"/>
           </a:p>
         </p:txBody>
       </p:sp>
@@ -2730,15 +2702,7 @@
             </a:r>
             <a:r>
               <a:rPr lang="en-US" baseline="0" dirty="0" smtClean="0"/>
-              <a:t>  </a:t>
-            </a:r>
-            <a:r>
-              <a:rPr lang="en-US" baseline="0" dirty="0" smtClean="0"/>
-              <a:t>Users </a:t>
-            </a:r>
-            <a:r>
-              <a:rPr lang="en-US" baseline="0" dirty="0" smtClean="0"/>
-              <a:t>can only access Method5 from an expected operating system username.  This provides at least multi-step authentication, and it may provide multi-factor authentication if your operating system authentication requires a token.  (This feature can be disabled.)</a:t>
+              <a:t>  Users can only access Method5 from an expected operating system username.  This provides at least multi-step authentication, and it may provide multi-factor authentication if your operating system authentication requires a token.  (This feature can be disabled.)</a:t>
             </a:r>
           </a:p>
           <a:p>
@@ -3627,16 +3591,27 @@
           <a:p>
             <a:r>
               <a:rPr lang="en-US" dirty="0" smtClean="0"/>
-              <a:t>1. For every problem, spend a minute thinking if there's a way to find it, fix it, or prevent it on other databases.</a:t>
-            </a:r>
-          </a:p>
-          <a:p>
-            <a:r>
-              <a:rPr lang="en-US" dirty="0" smtClean="0"/>
-              <a:t>2. There's no more excuse to not check every database - it only takes one line of code.</a:t>
-            </a:r>
-          </a:p>
-          <a:p>
+              <a:t>2. For every problem, spend a minute thinking if there's a way to find it, fix it, and prevent it on other databases.  There's no more excuse to not check every database - it only takes one line of code.</a:t>
+            </a:r>
+          </a:p>
+          <a:p>
+            <a:pPr marL="0" marR="0" indent="0" algn="l" defTabSz="914400" rtl="0" eaLnBrk="1" fontAlgn="auto" latinLnBrk="0" hangingPunct="1">
+              <a:lnSpc>
+                <a:spcPct val="100000"/>
+              </a:lnSpc>
+              <a:spcBef>
+                <a:spcPts val="0"/>
+              </a:spcBef>
+              <a:spcAft>
+                <a:spcPts val="0"/>
+              </a:spcAft>
+              <a:buClrTx/>
+              <a:buSzTx/>
+              <a:buFontTx/>
+              <a:buNone/>
+              <a:tabLst/>
+              <a:defRPr/>
+            </a:pPr>
             <a:r>
               <a:rPr lang="en-US" dirty="0" smtClean="0"/>
               <a:t>3. Start being more proactive - no more Groundhog Day administration.</a:t>
@@ -3659,22 +3634,23 @@
             </a:r>
             <a:r>
               <a:rPr lang="en-US" baseline="0" dirty="0" smtClean="0"/>
-              <a:t> you find a problem and write a Method5 snippet for it, save that code.  After a while you can generate a preventive maintenance program that you can run periodically to fix things before they become a problem.</a:t>
+              <a:t> you find a problem and write a Method5 snippet for it, save that code.  After a while you can generate a preventive maintenance program that you can run periodically to fix things before they become a problem.  </a:t>
+            </a:r>
+            <a:r>
+              <a:rPr lang="en-US" dirty="0" smtClean="0"/>
+              <a:t>You'll be amazed how often a single query today can save your organization hours of work tomorrow.</a:t>
+            </a:r>
+          </a:p>
+          <a:p>
+            <a:r>
+              <a:rPr lang="en-US" dirty="0" smtClean="0"/>
+              <a:t>4. If we could wave a magic wand it would be great</a:t>
+            </a:r>
+            <a:r>
+              <a:rPr lang="en-US" baseline="0" dirty="0" smtClean="0"/>
+              <a:t> to put our entire data center into a single box, in a single database.  While that's not possible we can sometimes pretend that's the case.  With the right remote execution tools we only need to logon to one system, and we can treat all our databases as one logical database.</a:t>
             </a:r>
             <a:endParaRPr lang="en-US" dirty="0" smtClean="0"/>
-          </a:p>
-          <a:p>
-            <a:r>
-              <a:rPr lang="en-US" dirty="0" smtClean="0"/>
-              <a:t>4. Treat all your databases like one logical database.</a:t>
-            </a:r>
-          </a:p>
-          <a:p>
-            <a:r>
-              <a:rPr lang="en-US" dirty="0" smtClean="0"/>
-              <a:t>5. You'll be amazed how often a single query today can save your organization hours of work tomorrow.</a:t>
-            </a:r>
-            <a:endParaRPr lang="en-US" dirty="0"/>
           </a:p>
         </p:txBody>
       </p:sp>
@@ -3763,7 +3739,7 @@
           <a:bodyPr/>
           <a:lstStyle/>
           <a:p>
-            <a:endParaRPr lang="en-US"/>
+            <a:endParaRPr lang="en-US" dirty="0"/>
           </a:p>
         </p:txBody>
       </p:sp>
@@ -3786,7 +3762,7 @@
               <a:rPr lang="en-US" smtClean="0"/>
               <a:t>3</a:t>
             </a:fld>
-            <a:endParaRPr lang="en-US"/>
+            <a:endParaRPr lang="en-US" dirty="0"/>
           </a:p>
         </p:txBody>
       </p:sp>
@@ -3891,6 +3867,17 @@
               <a:t>5. SQL, PL/SQL, and the relational model help solve many of these problems, but they are stuck inside a single database.  Why can't you treat all of your databases as a single entity?</a:t>
             </a:r>
           </a:p>
+          <a:p>
+            <a:r>
+              <a:rPr lang="en-US" dirty="0" smtClean="0"/>
+              <a:t>6. Oracle developers know to avoid row-by-row processing; it's slower and more complicated than set-based processing.  Likewise</a:t>
+            </a:r>
+            <a:r>
+              <a:rPr lang="en-US" baseline="0" dirty="0" smtClean="0"/>
+              <a:t> we should avoid database-by-database administration.</a:t>
+            </a:r>
+            <a:endParaRPr lang="en-US" dirty="0" smtClean="0"/>
+          </a:p>
         </p:txBody>
       </p:sp>
       <p:sp>
@@ -3912,7 +3899,7 @@
               <a:rPr lang="en-US" smtClean="0"/>
               <a:t>4</a:t>
             </a:fld>
-            <a:endParaRPr lang="en-US"/>
+            <a:endParaRPr lang="en-US" dirty="0"/>
           </a:p>
         </p:txBody>
       </p:sp>
@@ -3994,15 +3981,7 @@
           <a:p>
             <a:r>
               <a:rPr lang="en-US" dirty="0" smtClean="0"/>
-              <a:t>1. Existing tools and processes are not nearly good enough to transform the way you work. If you don't use these automation tools multiple times a day then they have failed to significantly help your organization.  Programs like </a:t>
-            </a:r>
-            <a:r>
-              <a:rPr lang="en-US" dirty="0" err="1" smtClean="0"/>
-              <a:t>Ansible</a:t>
-            </a:r>
-            <a:r>
-              <a:rPr lang="en-US" dirty="0" smtClean="0"/>
-              <a:t>, Salt, and Fabric can</a:t>
+              <a:t>1. Existing tools and processes are not nearly good enough to transform the way you work. If you don't use these automation tools multiple times a day then they have failed to significantly help your organization.  Programs like Ansible, Salt, and Fabric can</a:t>
             </a:r>
             <a:r>
               <a:rPr lang="en-US" baseline="0" dirty="0" smtClean="0"/>
@@ -4091,7 +4070,7 @@
               <a:rPr lang="en-US" smtClean="0"/>
               <a:t>5</a:t>
             </a:fld>
-            <a:endParaRPr lang="en-US"/>
+            <a:endParaRPr lang="en-US" dirty="0"/>
           </a:p>
         </p:txBody>
       </p:sp>
@@ -4257,7 +4236,7 @@
               <a:rPr lang="en-US" smtClean="0"/>
               <a:t>6</a:t>
             </a:fld>
-            <a:endParaRPr lang="en-US"/>
+            <a:endParaRPr lang="en-US" dirty="0"/>
           </a:p>
         </p:txBody>
       </p:sp>
@@ -4323,68 +4302,66 @@
           <a:bodyPr/>
           <a:lstStyle/>
           <a:p>
-            <a:r>
-              <a:rPr lang="en-US" dirty="0" smtClean="0"/>
-              <a:t>1. You've probably seen this problem solved poorly many times before, you should be skeptical.  There are a lot of horrible ways to do this.</a:t>
-            </a:r>
-          </a:p>
-          <a:p>
-            <a:r>
-              <a:rPr lang="en-US" dirty="0" smtClean="0"/>
-              <a:t>2. Method5 has been used in production since</a:t>
+            <a:pPr marL="0" indent="0">
+              <a:buNone/>
+            </a:pPr>
+            <a:r>
+              <a:rPr lang="en-US" dirty="0" smtClean="0"/>
+              <a:t>1. You've probably seen this problem solved poorly many times before, you should be skeptical.  There are a lot of horrible ways to run</a:t>
             </a:r>
             <a:r>
               <a:rPr lang="en-US" baseline="0" dirty="0" smtClean="0"/>
-              <a:t> 2014 and helps manage one of </a:t>
-            </a:r>
-            <a:r>
-              <a:rPr lang="en-US" dirty="0" smtClean="0"/>
-              <a:t>the largest healthcare data centers in the world.</a:t>
-            </a:r>
-          </a:p>
-          <a:p>
-            <a:r>
-              <a:rPr lang="en-US" dirty="0" smtClean="0"/>
-              <a:t>3.</a:t>
+              <a:t> commands on multiple targets.</a:t>
+            </a:r>
+            <a:endParaRPr lang="en-US" dirty="0" smtClean="0"/>
+          </a:p>
+          <a:p>
+            <a:pPr marL="0" indent="0">
+              <a:buNone/>
+            </a:pPr>
+            <a:r>
+              <a:rPr lang="en-US" dirty="0" smtClean="0"/>
+              <a:t>2. Method5 was created at</a:t>
             </a:r>
             <a:r>
               <a:rPr lang="en-US" baseline="0" dirty="0" smtClean="0"/>
-              <a:t> </a:t>
-            </a:r>
-            <a:r>
-              <a:rPr lang="en-US" dirty="0" smtClean="0"/>
-              <a:t>We frequently run it against hundreds of databases with over a petabyte of SAN.</a:t>
-            </a:r>
-          </a:p>
-          <a:p>
-            <a:r>
-              <a:rPr lang="en-US" dirty="0" smtClean="0"/>
-              <a:t>4. It's ran over 10 million queries internally, contains over 1800 automated tests,</a:t>
+              <a:t> General Dynamics and </a:t>
+            </a:r>
+            <a:r>
+              <a:rPr lang="en-US" dirty="0" smtClean="0"/>
+              <a:t>Ventech Solutions to support the </a:t>
             </a:r>
             <a:r>
               <a:rPr lang="en-US" baseline="0" dirty="0" smtClean="0"/>
-              <a:t> and is open source.</a:t>
-            </a:r>
-            <a:endParaRPr lang="en-US" dirty="0" smtClean="0"/>
-          </a:p>
-          <a:p>
-            <a:r>
-              <a:rPr lang="en-US" dirty="0" smtClean="0"/>
-              <a:t>5. Security has always been a primary concern.  We've</a:t>
-            </a:r>
+              <a:t>Centers for Medicare &amp; Medicaid Services and many of their contractors.  It has been used in production since 2014 and was publically released in 2016.</a:t>
+            </a:r>
+          </a:p>
+          <a:p>
+            <a:pPr marL="0" indent="0">
+              <a:buNone/>
+            </a:pPr>
             <a:r>
               <a:rPr lang="en-US" baseline="0" dirty="0" smtClean="0"/>
-              <a:t> learned from the mistakes of other tools.  For example, there are no shared passwords or public database links.  </a:t>
-            </a:r>
-            <a:r>
-              <a:rPr lang="en-US" dirty="0" smtClean="0"/>
-              <a:t>All the code is online, you can look at it yourself.</a:t>
-            </a:r>
-          </a:p>
-          <a:p>
-            <a:endParaRPr lang="en-US" dirty="0" smtClean="0"/>
-          </a:p>
-          <a:p>
+              <a:t>3. At Ventech Solutions it's used to manage 400 databases with 1 petabyte of data.  It has run over 15 million commands.</a:t>
+            </a:r>
+          </a:p>
+          <a:p>
+            <a:r>
+              <a:rPr lang="en-US" dirty="0" smtClean="0"/>
+              <a:t>4.</a:t>
+            </a:r>
+            <a:r>
+              <a:rPr lang="en-US" baseline="0" dirty="0" smtClean="0"/>
+              <a:t> The program was built without taking any shortcuts.  1800 automated unit tests ensure the quality of each release.  The code is open source so anybody can easily use it, modify it, or review it.  </a:t>
+            </a:r>
+            <a:r>
+              <a:rPr lang="en-US" dirty="0" smtClean="0"/>
+              <a:t>Security has always been a primary concern and we've learned from the mistakes of other tools.  For example, </a:t>
+            </a:r>
+            <a:r>
+              <a:rPr lang="en-US" baseline="0" dirty="0" smtClean="0"/>
+              <a:t>there are no shared passwords or public database links.</a:t>
+            </a:r>
             <a:endParaRPr lang="en-US" dirty="0"/>
           </a:p>
         </p:txBody>
@@ -4408,7 +4385,7 @@
               <a:rPr lang="en-US" smtClean="0"/>
               <a:t>7</a:t>
             </a:fld>
-            <a:endParaRPr lang="en-US"/>
+            <a:endParaRPr lang="en-US" dirty="0"/>
           </a:p>
         </p:txBody>
       </p:sp>
@@ -4526,27 +4503,11 @@
           <a:p>
             <a:r>
               <a:rPr lang="en-US" dirty="0" smtClean="0"/>
-              <a:t>Running as a function </a:t>
-            </a:r>
-            <a:r>
-              <a:rPr lang="en-US" smtClean="0"/>
-              <a:t>is simple and neat,</a:t>
-            </a:r>
-            <a:r>
-              <a:rPr lang="en-US" baseline="0" smtClean="0"/>
-              <a:t> </a:t>
+              <a:t>Running as a function is simple and neat,</a:t>
             </a:r>
             <a:r>
               <a:rPr lang="en-US" baseline="0" dirty="0" smtClean="0"/>
-              <a:t>but in </a:t>
-            </a:r>
-            <a:r>
-              <a:rPr lang="en-US" baseline="0" smtClean="0"/>
-              <a:t>practice advanced users </a:t>
-            </a:r>
-            <a:r>
-              <a:rPr lang="en-US" baseline="0" dirty="0" smtClean="0"/>
-              <a:t>will normally want to run things as a procedure.  Running as a procedure makes it asynchronous, which is good for large jobs you don't want to wait for.  It also makes it possible to schedule and chain tasks.</a:t>
+              <a:t> but in practice advanced users will normally want to run things as a procedure.  Running as a procedure makes it asynchronous, which is good for large jobs you don't want to wait for.  It also makes it possible to schedule and chain tasks.</a:t>
             </a:r>
             <a:endParaRPr lang="en-US" dirty="0"/>
           </a:p>
@@ -4941,9 +4902,9 @@
           <a:p>
             <a:r>
               <a:rPr lang="en-US" smtClean="0"/>
-              <a:t>2018-03-21</a:t>
-            </a:r>
-            <a:endParaRPr lang="en-US"/>
+              <a:t>2018-05-07</a:t>
+            </a:r>
+            <a:endParaRPr lang="en-US" dirty="0"/>
           </a:p>
         </p:txBody>
       </p:sp>
@@ -5118,7 +5079,7 @@
           <a:p>
             <a:r>
               <a:rPr lang="en-US" smtClean="0"/>
-              <a:t>2018-03-21</a:t>
+              <a:t>2018-05-07</a:t>
             </a:r>
             <a:endParaRPr lang="en-US"/>
           </a:p>
@@ -5298,7 +5259,7 @@
           <a:p>
             <a:r>
               <a:rPr lang="en-US" smtClean="0"/>
-              <a:t>2018-03-21</a:t>
+              <a:t>2018-05-07</a:t>
             </a:r>
             <a:endParaRPr lang="en-US"/>
           </a:p>
@@ -5468,7 +5429,7 @@
           <a:p>
             <a:r>
               <a:rPr lang="en-US" smtClean="0"/>
-              <a:t>2018-03-21</a:t>
+              <a:t>2018-05-07</a:t>
             </a:r>
             <a:endParaRPr lang="en-US" dirty="0"/>
           </a:p>
@@ -5751,7 +5712,7 @@
           <a:p>
             <a:r>
               <a:rPr lang="en-US" smtClean="0"/>
-              <a:t>2018-03-21</a:t>
+              <a:t>2018-05-07</a:t>
             </a:r>
             <a:endParaRPr lang="en-US"/>
           </a:p>
@@ -6046,7 +6007,7 @@
           <a:p>
             <a:r>
               <a:rPr lang="en-US" smtClean="0"/>
-              <a:t>2018-03-21</a:t>
+              <a:t>2018-05-07</a:t>
             </a:r>
             <a:endParaRPr lang="en-US"/>
           </a:p>
@@ -6475,7 +6436,7 @@
           <a:p>
             <a:r>
               <a:rPr lang="en-US" smtClean="0"/>
-              <a:t>2018-03-21</a:t>
+              <a:t>2018-05-07</a:t>
             </a:r>
             <a:endParaRPr lang="en-US"/>
           </a:p>
@@ -6600,7 +6561,7 @@
           <a:p>
             <a:r>
               <a:rPr lang="en-US" smtClean="0"/>
-              <a:t>2018-03-21</a:t>
+              <a:t>2018-05-07</a:t>
             </a:r>
             <a:endParaRPr lang="en-US"/>
           </a:p>
@@ -6702,7 +6663,7 @@
           <a:p>
             <a:r>
               <a:rPr lang="en-US" smtClean="0"/>
-              <a:t>2018-03-21</a:t>
+              <a:t>2018-05-07</a:t>
             </a:r>
             <a:endParaRPr lang="en-US"/>
           </a:p>
@@ -6979,7 +6940,7 @@
           <a:p>
             <a:r>
               <a:rPr lang="en-US" smtClean="0"/>
-              <a:t>2018-03-21</a:t>
+              <a:t>2018-05-07</a:t>
             </a:r>
             <a:endParaRPr lang="en-US"/>
           </a:p>
@@ -7232,7 +7193,7 @@
           <a:p>
             <a:r>
               <a:rPr lang="en-US" smtClean="0"/>
-              <a:t>2018-03-21</a:t>
+              <a:t>2018-05-07</a:t>
             </a:r>
             <a:endParaRPr lang="en-US"/>
           </a:p>
@@ -7445,7 +7406,7 @@
           <a:p>
             <a:r>
               <a:rPr lang="en-US" smtClean="0"/>
-              <a:t>2018-03-21</a:t>
+              <a:t>2018-05-07</a:t>
             </a:r>
             <a:endParaRPr lang="en-US" dirty="0"/>
           </a:p>
@@ -7886,8 +7847,8 @@
           <a:lstStyle/>
           <a:p>
             <a:r>
-              <a:rPr lang="en-US" smtClean="0"/>
-              <a:t>2018-03-21</a:t>
+              <a:rPr lang="en-US" dirty="0" smtClean="0"/>
+              <a:t>2018-05-07</a:t>
             </a:r>
             <a:endParaRPr lang="en-US" dirty="0"/>
           </a:p>
@@ -7912,7 +7873,7 @@
               <a:rPr lang="en-US" smtClean="0"/>
               <a:t>1</a:t>
             </a:fld>
-            <a:endParaRPr lang="en-US"/>
+            <a:endParaRPr lang="en-US" dirty="0"/>
           </a:p>
         </p:txBody>
       </p:sp>
@@ -8173,7 +8134,7 @@
           <a:p>
             <a:r>
               <a:rPr lang="en-US" smtClean="0"/>
-              <a:t>2018-03-21</a:t>
+              <a:t>2018-05-07</a:t>
             </a:r>
             <a:endParaRPr lang="en-US"/>
           </a:p>
@@ -8444,7 +8405,7 @@
           <a:p>
             <a:r>
               <a:rPr lang="en-US" smtClean="0"/>
-              <a:t>2018-03-21</a:t>
+              <a:t>2018-05-07</a:t>
             </a:r>
             <a:endParaRPr lang="en-US"/>
           </a:p>
@@ -8550,7 +8511,7 @@
           <a:p>
             <a:r>
               <a:rPr lang="en-US" smtClean="0"/>
-              <a:t>2018-03-21</a:t>
+              <a:t>2018-05-07</a:t>
             </a:r>
             <a:endParaRPr lang="en-US" dirty="0"/>
           </a:p>
@@ -10203,7 +10164,7 @@
           <a:p>
             <a:r>
               <a:rPr lang="en-US" smtClean="0"/>
-              <a:t>2018-03-21</a:t>
+              <a:t>2018-05-07</a:t>
             </a:r>
             <a:endParaRPr lang="en-US" dirty="0"/>
           </a:p>
@@ -10315,7 +10276,7 @@
           <a:p>
             <a:r>
               <a:rPr lang="en-US" smtClean="0"/>
-              <a:t>2018-03-21</a:t>
+              <a:t>2018-05-07</a:t>
             </a:r>
             <a:endParaRPr lang="en-US" dirty="0"/>
           </a:p>
@@ -10464,7 +10425,7 @@
           <a:p>
             <a:r>
               <a:rPr lang="en-US" smtClean="0"/>
-              <a:t>2018-03-21</a:t>
+              <a:t>2018-05-07</a:t>
             </a:r>
             <a:endParaRPr lang="en-US" dirty="0"/>
           </a:p>
@@ -10615,7 +10576,7 @@
           <a:p>
             <a:r>
               <a:rPr lang="en-US" smtClean="0"/>
-              <a:t>2018-03-21</a:t>
+              <a:t>2018-05-07</a:t>
             </a:r>
             <a:endParaRPr lang="en-US" dirty="0"/>
           </a:p>
@@ -10768,7 +10729,7 @@
           <a:p>
             <a:r>
               <a:rPr lang="en-US" smtClean="0"/>
-              <a:t>2018-03-21</a:t>
+              <a:t>2018-05-07</a:t>
             </a:r>
             <a:endParaRPr lang="en-US" dirty="0"/>
           </a:p>
@@ -11018,7 +10979,7 @@
           <a:p>
             <a:r>
               <a:rPr lang="en-US" smtClean="0"/>
-              <a:t>2018-03-21</a:t>
+              <a:t>2018-05-07</a:t>
             </a:r>
             <a:endParaRPr lang="en-US"/>
           </a:p>
@@ -11330,11 +11291,7 @@
             </a:br>
             <a:r>
               <a:rPr lang="en-US" dirty="0" smtClean="0"/>
-              <a:t>Any DBA can try it out in </a:t>
-            </a:r>
-            <a:r>
-              <a:rPr lang="en-US" dirty="0" smtClean="0"/>
-              <a:t>a few hours</a:t>
+              <a:t>Any DBA can try it out in a few hours</a:t>
             </a:r>
             <a:endParaRPr lang="en-US" dirty="0"/>
           </a:p>
@@ -11357,7 +11314,7 @@
           <a:p>
             <a:r>
               <a:rPr lang="en-US" smtClean="0"/>
-              <a:t>2018-03-21</a:t>
+              <a:t>2018-05-07</a:t>
             </a:r>
             <a:endParaRPr lang="en-US"/>
           </a:p>
@@ -11675,8 +11632,8 @@
           <a:lstStyle/>
           <a:p>
             <a:r>
-              <a:rPr lang="en-US" smtClean="0"/>
-              <a:t>2018-03-21</a:t>
+              <a:rPr lang="en-US" dirty="0" smtClean="0"/>
+              <a:t>2018-05-07</a:t>
             </a:r>
             <a:endParaRPr lang="en-US" dirty="0"/>
           </a:p>
@@ -11701,7 +11658,7 @@
               <a:rPr lang="en-US" smtClean="0"/>
               <a:t>2</a:t>
             </a:fld>
-            <a:endParaRPr lang="en-US"/>
+            <a:endParaRPr lang="en-US" dirty="0"/>
           </a:p>
         </p:txBody>
       </p:sp>
@@ -11881,27 +11838,57 @@
                   </a:schemeClr>
                 </a:solidFill>
               </a:rPr>
-              <a:t>Invalid access or </a:t>
-            </a:r>
-            <a:r>
-              <a:rPr lang="en-US" dirty="0" err="1">
+              <a:t>Invalid access </a:t>
+            </a:r>
+            <a:r>
+              <a:rPr lang="en-US" dirty="0" smtClean="0">
                 <a:solidFill>
                   <a:schemeClr val="bg1">
                     <a:lumMod val="50000"/>
                   </a:schemeClr>
                 </a:solidFill>
               </a:rPr>
-              <a:t>config</a:t>
-            </a:r>
-            <a:r>
-              <a:rPr lang="en-US" dirty="0">
+              <a:t>or </a:t>
+            </a:r>
+            <a:r>
+              <a:rPr lang="en-US" dirty="0" err="1">
                 <a:solidFill>
                   <a:schemeClr val="bg1">
                     <a:lumMod val="50000"/>
                   </a:schemeClr>
                 </a:solidFill>
               </a:rPr>
-              <a:t> changes email admin</a:t>
+              <a:t>config</a:t>
+            </a:r>
+            <a:r>
+              <a:rPr lang="en-US" dirty="0">
+                <a:solidFill>
+                  <a:schemeClr val="bg1">
+                    <a:lumMod val="50000"/>
+                  </a:schemeClr>
+                </a:solidFill>
+              </a:rPr>
+              <a:t> changes </a:t>
+            </a:r>
+            <a:r>
+              <a:rPr lang="en-US" dirty="0" smtClean="0">
+                <a:solidFill>
+                  <a:schemeClr val="bg1">
+                    <a:lumMod val="50000"/>
+                  </a:schemeClr>
+                </a:solidFill>
+              </a:rPr>
+              <a:t>email </a:t>
+            </a:r>
+            <a:r>
+              <a:rPr lang="en-US" dirty="0">
+                <a:solidFill>
+                  <a:schemeClr val="bg1">
+                    <a:lumMod val="50000"/>
+                  </a:schemeClr>
+                </a:solidFill>
+              </a:rPr>
+              <a:t>admin</a:t>
             </a:r>
           </a:p>
           <a:p>
@@ -11969,7 +11956,7 @@
           <a:p>
             <a:r>
               <a:rPr lang="en-US" smtClean="0"/>
-              <a:t>2018-03-21</a:t>
+              <a:t>2018-05-07</a:t>
             </a:r>
             <a:endParaRPr lang="en-US" dirty="0"/>
           </a:p>
@@ -12098,53 +12085,6 @@
               <a:cs typeface="Courier New" panose="02070309020205020404" pitchFamily="49" charset="0"/>
             </a:endParaRPr>
           </a:p>
-          <a:p>
-            <a:pPr marL="0" indent="0">
-              <a:buNone/>
-            </a:pPr>
-            <a:r>
-              <a:rPr lang="en-US" sz="2700" dirty="0" smtClean="0">
-                <a:cs typeface="Courier New" panose="02070309020205020404" pitchFamily="49" charset="0"/>
-              </a:rPr>
-              <a:t>1 - Only slightly configurable (strongly not recommended)</a:t>
-            </a:r>
-            <a:br>
-              <a:rPr lang="en-US" sz="2700" dirty="0" smtClean="0">
-                <a:cs typeface="Courier New" panose="02070309020205020404" pitchFamily="49" charset="0"/>
-              </a:rPr>
-            </a:br>
-            <a:r>
-              <a:rPr lang="en-US" sz="2700" dirty="0" smtClean="0">
-                <a:cs typeface="Courier New" panose="02070309020205020404" pitchFamily="49" charset="0"/>
-              </a:rPr>
-              <a:t>2 - Only slightly configurable (not recommended)</a:t>
-            </a:r>
-            <a:br>
-              <a:rPr lang="en-US" sz="2700" dirty="0" smtClean="0">
-                <a:cs typeface="Courier New" panose="02070309020205020404" pitchFamily="49" charset="0"/>
-              </a:rPr>
-            </a:br>
-            <a:r>
-              <a:rPr lang="en-US" sz="2700" dirty="0" smtClean="0">
-                <a:cs typeface="Courier New" panose="02070309020205020404" pitchFamily="49" charset="0"/>
-              </a:rPr>
-              <a:t>3 - No need to worry about</a:t>
-            </a:r>
-            <a:br>
-              <a:rPr lang="en-US" sz="2700" dirty="0" smtClean="0">
-                <a:cs typeface="Courier New" panose="02070309020205020404" pitchFamily="49" charset="0"/>
-              </a:rPr>
-            </a:br>
-            <a:r>
-              <a:rPr lang="en-US" sz="2700" dirty="0" smtClean="0">
-                <a:cs typeface="Courier New" panose="02070309020205020404" pitchFamily="49" charset="0"/>
-              </a:rPr>
-              <a:t>4 - Highly configurable</a:t>
-            </a:r>
-            <a:endParaRPr lang="en-US" sz="2700" dirty="0">
-              <a:cs typeface="Courier New" panose="02070309020205020404" pitchFamily="49" charset="0"/>
-            </a:endParaRPr>
-          </a:p>
         </p:txBody>
       </p:sp>
       <p:sp>
@@ -12164,7 +12104,7 @@
           <a:p>
             <a:r>
               <a:rPr lang="en-US" smtClean="0"/>
-              <a:t>2018-03-21</a:t>
+              <a:t>2018-05-07</a:t>
             </a:r>
             <a:endParaRPr lang="en-US" dirty="0"/>
           </a:p>
@@ -12202,25 +12142,25 @@
           <p:nvPr>
             <p:extLst>
               <p:ext uri="{D42A27DB-BD31-4B8C-83A1-F6EECF244321}">
-                <p14:modId xmlns:p14="http://schemas.microsoft.com/office/powerpoint/2010/main" val="1505822581"/>
+                <p14:modId xmlns:p14="http://schemas.microsoft.com/office/powerpoint/2010/main" val="1726416965"/>
               </p:ext>
             </p:extLst>
           </p:nvPr>
         </p:nvGraphicFramePr>
         <p:xfrm>
-          <a:off x="304800" y="971550"/>
-          <a:ext cx="6934200" cy="1682496"/>
+          <a:off x="152400" y="1352550"/>
+          <a:ext cx="7543800" cy="2209800"/>
         </p:xfrm>
         <a:graphic>
           <a:graphicData uri="http://schemas.openxmlformats.org/drawingml/2006/table">
             <a:tbl>
               <a:tblPr firstRow="1" firstCol="1" bandRow="1"/>
               <a:tblGrid>
-                <a:gridCol w="1757082"/>
-                <a:gridCol w="3451412"/>
-                <a:gridCol w="1725706"/>
+                <a:gridCol w="1969477"/>
+                <a:gridCol w="3135923"/>
+                <a:gridCol w="2438400"/>
               </a:tblGrid>
-              <a:tr h="304800">
+              <a:tr h="736600">
                 <a:tc>
                   <a:txBody>
                     <a:bodyPr/>
@@ -12360,7 +12300,7 @@
                   </a:tcPr>
                 </a:tc>
               </a:tr>
-              <a:tr h="304800">
+              <a:tr h="736600">
                 <a:tc>
                   <a:txBody>
                     <a:bodyPr/>
@@ -12378,7 +12318,7 @@
                         </a:spcAft>
                       </a:pPr>
                       <a:r>
-                        <a:rPr lang="en-US" sz="3200" dirty="0">
+                        <a:rPr lang="en-US" sz="3600" dirty="0">
                           <a:effectLst/>
                           <a:latin typeface="+mj-lt"/>
                           <a:ea typeface="Calibri"/>
@@ -12414,7 +12354,7 @@
                     <a:bodyPr/>
                     <a:lstStyle/>
                     <a:p>
-                      <a:pPr marL="0" marR="0">
+                      <a:pPr marL="0" marR="0" algn="ctr">
                         <a:lnSpc>
                           <a:spcPct val="115000"/>
                         </a:lnSpc>
@@ -12426,13 +12366,22 @@
                         </a:spcAft>
                       </a:pPr>
                       <a:r>
-                        <a:rPr lang="en-US" sz="3200" dirty="0">
+                        <a:rPr lang="en-US" sz="3600" dirty="0" smtClean="0">
                           <a:effectLst/>
                           <a:latin typeface="+mj-lt"/>
                           <a:ea typeface="Calibri"/>
                           <a:cs typeface="Times New Roman"/>
                         </a:rPr>
-                        <a:t>1) High</a:t>
+                        <a:t> </a:t>
+                      </a:r>
+                      <a:r>
+                        <a:rPr lang="en-US" sz="3600" dirty="0">
+                          <a:effectLst/>
+                          <a:latin typeface="+mj-lt"/>
+                          <a:ea typeface="Calibri"/>
+                          <a:cs typeface="Times New Roman"/>
+                        </a:rPr>
+                        <a:t>High</a:t>
                       </a:r>
                     </a:p>
                   </a:txBody>
@@ -12483,7 +12432,7 @@
                     <a:bodyPr/>
                     <a:lstStyle/>
                     <a:p>
-                      <a:pPr marL="0" marR="0">
+                      <a:pPr marL="0" marR="0" algn="ctr">
                         <a:lnSpc>
                           <a:spcPct val="115000"/>
                         </a:lnSpc>
@@ -12495,13 +12444,22 @@
                         </a:spcAft>
                       </a:pPr>
                       <a:r>
-                        <a:rPr lang="en-US" sz="3200">
+                        <a:rPr lang="en-US" sz="3600" dirty="0" smtClean="0">
                           <a:effectLst/>
                           <a:latin typeface="+mj-lt"/>
                           <a:ea typeface="Calibri"/>
                           <a:cs typeface="Times New Roman"/>
                         </a:rPr>
-                        <a:t>3) Low</a:t>
+                        <a:t> </a:t>
+                      </a:r>
+                      <a:r>
+                        <a:rPr lang="en-US" sz="3600" dirty="0">
+                          <a:effectLst/>
+                          <a:latin typeface="+mj-lt"/>
+                          <a:ea typeface="Calibri"/>
+                          <a:cs typeface="Times New Roman"/>
+                        </a:rPr>
+                        <a:t>Low</a:t>
                       </a:r>
                     </a:p>
                   </a:txBody>
@@ -12548,7 +12506,7 @@
                   </a:tcPr>
                 </a:tc>
               </a:tr>
-              <a:tr h="304800">
+              <a:tr h="736600">
                 <a:tc>
                   <a:txBody>
                     <a:bodyPr/>
@@ -12566,7 +12524,7 @@
                         </a:spcAft>
                       </a:pPr>
                       <a:r>
-                        <a:rPr lang="en-US" sz="3200" dirty="0">
+                        <a:rPr lang="en-US" sz="3600" dirty="0">
                           <a:effectLst/>
                           <a:latin typeface="+mj-lt"/>
                           <a:ea typeface="Calibri"/>
@@ -12602,7 +12560,7 @@
                     <a:bodyPr/>
                     <a:lstStyle/>
                     <a:p>
-                      <a:pPr marL="0" marR="0">
+                      <a:pPr marL="0" marR="0" algn="ctr">
                         <a:lnSpc>
                           <a:spcPct val="115000"/>
                         </a:lnSpc>
@@ -12614,14 +12572,38 @@
                         </a:spcAft>
                       </a:pPr>
                       <a:r>
-                        <a:rPr lang="en-US" sz="3200" dirty="0">
+                        <a:rPr lang="en-US" sz="3600" dirty="0" smtClean="0">
                           <a:effectLst/>
                           <a:latin typeface="+mj-lt"/>
                           <a:ea typeface="Calibri"/>
                           <a:cs typeface="Times New Roman"/>
                         </a:rPr>
-                        <a:t>2) Medium to High</a:t>
+                        <a:t> </a:t>
                       </a:r>
+                      <a:r>
+                        <a:rPr lang="en-US" sz="3600" dirty="0">
+                          <a:effectLst/>
+                          <a:latin typeface="+mj-lt"/>
+                          <a:ea typeface="Calibri"/>
+                          <a:cs typeface="Times New Roman"/>
+                        </a:rPr>
+                        <a:t>Medium </a:t>
+                      </a:r>
+                      <a:r>
+                        <a:rPr lang="en-US" sz="3600" dirty="0" smtClean="0">
+                          <a:effectLst/>
+                          <a:latin typeface="+mj-lt"/>
+                          <a:ea typeface="Calibri"/>
+                          <a:cs typeface="Times New Roman"/>
+                        </a:rPr>
+                        <a:t>- High</a:t>
+                      </a:r>
+                      <a:endParaRPr lang="en-US" sz="3600" dirty="0">
+                        <a:effectLst/>
+                        <a:latin typeface="+mj-lt"/>
+                        <a:ea typeface="Calibri"/>
+                        <a:cs typeface="Times New Roman"/>
+                      </a:endParaRPr>
                     </a:p>
                   </a:txBody>
                   <a:tcPr marL="68580" marR="68580" marT="0" marB="0">
@@ -12671,7 +12653,7 @@
                     <a:bodyPr/>
                     <a:lstStyle/>
                     <a:p>
-                      <a:pPr marL="0" marR="0">
+                      <a:pPr marL="0" marR="0" algn="ctr">
                         <a:lnSpc>
                           <a:spcPct val="115000"/>
                         </a:lnSpc>
@@ -12683,13 +12665,22 @@
                         </a:spcAft>
                       </a:pPr>
                       <a:r>
-                        <a:rPr lang="en-US" sz="3200" dirty="0">
+                        <a:rPr lang="en-US" sz="3600" dirty="0" smtClean="0">
                           <a:effectLst/>
                           <a:latin typeface="+mj-lt"/>
                           <a:ea typeface="Calibri"/>
                           <a:cs typeface="Times New Roman"/>
                         </a:rPr>
-                        <a:t>4) None</a:t>
+                        <a:t> </a:t>
+                      </a:r>
+                      <a:r>
+                        <a:rPr lang="en-US" sz="3600" dirty="0">
+                          <a:effectLst/>
+                          <a:latin typeface="+mj-lt"/>
+                          <a:ea typeface="Calibri"/>
+                          <a:cs typeface="Times New Roman"/>
+                        </a:rPr>
+                        <a:t>None</a:t>
                       </a:r>
                     </a:p>
                   </a:txBody>
@@ -12932,7 +12923,7 @@
           <a:p>
             <a:r>
               <a:rPr lang="en-US" smtClean="0"/>
-              <a:t>2018-03-21</a:t>
+              <a:t>2018-05-07</a:t>
             </a:r>
             <a:endParaRPr lang="en-US" dirty="0"/>
           </a:p>
@@ -14119,7 +14110,7 @@
           <a:p>
             <a:r>
               <a:rPr lang="en-US" smtClean="0"/>
-              <a:t>2018-03-21</a:t>
+              <a:t>2018-05-07</a:t>
             </a:r>
             <a:endParaRPr lang="en-US" dirty="0"/>
           </a:p>
@@ -14287,26 +14278,16 @@
             </a:pPr>
             <a:r>
               <a:rPr lang="en-US" dirty="0" smtClean="0"/>
-              <a:t>Create an issue on the </a:t>
-            </a:r>
-            <a:r>
-              <a:rPr lang="en-US" dirty="0"/>
-              <a:t>GitHub repository:</a:t>
+              <a:t>Create an issue on the GitHub repository:</a:t>
             </a:r>
             <a:br>
-              <a:rPr lang="en-US" dirty="0"/>
+              <a:rPr lang="en-US" dirty="0" smtClean="0"/>
             </a:br>
-            <a:r>
-              <a:rPr lang="en-US" dirty="0">
-                <a:hlinkClick r:id="rId6"/>
-              </a:rPr>
-              <a:t>https://</a:t>
-            </a:r>
             <a:r>
               <a:rPr lang="en-US" dirty="0" smtClean="0">
                 <a:hlinkClick r:id="rId6"/>
               </a:rPr>
-              <a:t>github.com/method5/method5</a:t>
+              <a:t>https://github.com/method5/method5</a:t>
             </a:r>
             <a:endParaRPr lang="en-US" dirty="0" smtClean="0"/>
           </a:p>
@@ -14329,7 +14310,7 @@
           <a:p>
             <a:r>
               <a:rPr lang="en-US" smtClean="0"/>
-              <a:t>2018-03-21</a:t>
+              <a:t>2018-05-07</a:t>
             </a:r>
             <a:endParaRPr lang="en-US"/>
           </a:p>
@@ -14440,7 +14421,7 @@
         <p:spPr/>
         <p:txBody>
           <a:bodyPr>
-            <a:normAutofit lnSpcReduction="10000"/>
+            <a:normAutofit/>
           </a:bodyPr>
           <a:lstStyle/>
           <a:p>
@@ -14450,7 +14431,7 @@
             </a:pPr>
             <a:r>
               <a:rPr lang="en-US" dirty="0" smtClean="0"/>
-              <a:t>Not just faster</a:t>
+              <a:t>Remote execution is not just faster</a:t>
             </a:r>
           </a:p>
           <a:p>
@@ -14460,7 +14441,7 @@
             </a:pPr>
             <a:r>
               <a:rPr lang="en-US" dirty="0" smtClean="0"/>
-              <a:t>Find it, fix it, and prevent it everywhere</a:t>
+              <a:t>Find, fix, and prevent all problems on all databases</a:t>
             </a:r>
           </a:p>
           <a:p>
@@ -14470,7 +14451,7 @@
             </a:pPr>
             <a:r>
               <a:rPr lang="en-US" dirty="0" smtClean="0"/>
-              <a:t>Always check all databases</a:t>
+              <a:t>Be proactive (preventive maintenance)</a:t>
             </a:r>
           </a:p>
           <a:p>
@@ -14480,27 +14461,7 @@
             </a:pPr>
             <a:r>
               <a:rPr lang="en-US" dirty="0" smtClean="0"/>
-              <a:t>Be proactive (preventive maintenance)</a:t>
-            </a:r>
-          </a:p>
-          <a:p>
-            <a:pPr marL="514350" indent="-514350">
-              <a:buFont typeface="+mj-lt"/>
-              <a:buAutoNum type="arabicPeriod"/>
-            </a:pPr>
-            <a:r>
-              <a:rPr lang="en-US" dirty="0" smtClean="0"/>
-              <a:t>Treat the whole data center as one database</a:t>
-            </a:r>
-          </a:p>
-          <a:p>
-            <a:pPr marL="514350" indent="-514350">
-              <a:buFont typeface="+mj-lt"/>
-              <a:buAutoNum type="arabicPeriod"/>
-            </a:pPr>
-            <a:r>
-              <a:rPr lang="en-US" dirty="0" smtClean="0"/>
-              <a:t>Run a query today to save time tomorrow</a:t>
+              <a:t>Work on only ONE database</a:t>
             </a:r>
           </a:p>
         </p:txBody>
@@ -14521,8 +14482,8 @@
           <a:lstStyle/>
           <a:p>
             <a:r>
-              <a:rPr lang="en-US" dirty="0" smtClean="0"/>
-              <a:t>2018-03-21</a:t>
+              <a:rPr lang="en-US" smtClean="0"/>
+              <a:t>2018-05-07</a:t>
             </a:r>
             <a:endParaRPr lang="en-US" dirty="0"/>
           </a:p>
@@ -14680,7 +14641,7 @@
             </a:pPr>
             <a:r>
               <a:rPr lang="en-US" sz="2800" dirty="0" smtClean="0"/>
-              <a:t>Oracle developer or DBA for 15 years</a:t>
+              <a:t>Oracle developer or DBA for 17 years</a:t>
             </a:r>
           </a:p>
           <a:p>
@@ -14765,10 +14726,10 @@
           <a:lstStyle/>
           <a:p>
             <a:r>
-              <a:rPr lang="en-US" smtClean="0"/>
-              <a:t>2018-03-21</a:t>
-            </a:r>
-            <a:endParaRPr lang="en-US"/>
+              <a:rPr lang="en-US" dirty="0" smtClean="0"/>
+              <a:t>2018-05-07</a:t>
+            </a:r>
+            <a:endParaRPr lang="en-US" dirty="0"/>
           </a:p>
         </p:txBody>
       </p:sp>
@@ -14791,7 +14752,7 @@
               <a:rPr lang="en-US" smtClean="0"/>
               <a:t>3</a:t>
             </a:fld>
-            <a:endParaRPr lang="en-US"/>
+            <a:endParaRPr lang="en-US" dirty="0"/>
           </a:p>
         </p:txBody>
       </p:sp>
@@ -15030,7 +14991,7 @@
         <p:spPr/>
         <p:txBody>
           <a:bodyPr>
-            <a:normAutofit lnSpcReduction="10000"/>
+            <a:normAutofit fontScale="92500" lnSpcReduction="20000"/>
           </a:bodyPr>
           <a:lstStyle/>
           <a:p>
@@ -15083,6 +15044,16 @@
               <a:t>SQL and PL/SQL are great but per-database</a:t>
             </a:r>
           </a:p>
+          <a:p>
+            <a:pPr marL="514350" indent="-514350">
+              <a:buFont typeface="+mj-lt"/>
+              <a:buAutoNum type="arabicPeriod"/>
+            </a:pPr>
+            <a:r>
+              <a:rPr lang="en-US" dirty="0" smtClean="0"/>
+              <a:t>We avoid row-by-row processing, we should also avoid database-by-database administration</a:t>
+            </a:r>
+          </a:p>
         </p:txBody>
       </p:sp>
       <p:sp>
@@ -15101,10 +15072,10 @@
           <a:lstStyle/>
           <a:p>
             <a:r>
-              <a:rPr lang="en-US" smtClean="0"/>
-              <a:t>2018-03-21</a:t>
-            </a:r>
-            <a:endParaRPr lang="en-US"/>
+              <a:rPr lang="en-US" dirty="0" smtClean="0"/>
+              <a:t>2018-05-07</a:t>
+            </a:r>
+            <a:endParaRPr lang="en-US" dirty="0"/>
           </a:p>
         </p:txBody>
       </p:sp>
@@ -15127,7 +15098,7 @@
               <a:rPr lang="en-US" smtClean="0"/>
               <a:t>4</a:t>
             </a:fld>
-            <a:endParaRPr lang="en-US"/>
+            <a:endParaRPr lang="en-US" dirty="0"/>
           </a:p>
         </p:txBody>
       </p:sp>
@@ -15238,10 +15209,10 @@
           <a:lstStyle/>
           <a:p>
             <a:r>
-              <a:rPr lang="en-US" smtClean="0"/>
-              <a:t>2018-03-21</a:t>
-            </a:r>
-            <a:endParaRPr lang="en-US"/>
+              <a:rPr lang="en-US" dirty="0" smtClean="0"/>
+              <a:t>2018-05-07</a:t>
+            </a:r>
+            <a:endParaRPr lang="en-US" dirty="0"/>
           </a:p>
         </p:txBody>
       </p:sp>
@@ -15264,7 +15235,7 @@
               <a:rPr lang="en-US" smtClean="0"/>
               <a:t>5</a:t>
             </a:fld>
-            <a:endParaRPr lang="en-US"/>
+            <a:endParaRPr lang="en-US" dirty="0"/>
           </a:p>
         </p:txBody>
       </p:sp>
@@ -16047,10 +16018,10 @@
           <a:lstStyle/>
           <a:p>
             <a:r>
-              <a:rPr lang="en-US" smtClean="0"/>
-              <a:t>2018-03-21</a:t>
-            </a:r>
-            <a:endParaRPr lang="en-US"/>
+              <a:rPr lang="en-US" dirty="0" smtClean="0"/>
+              <a:t>2018-05-07</a:t>
+            </a:r>
+            <a:endParaRPr lang="en-US" dirty="0"/>
           </a:p>
         </p:txBody>
       </p:sp>
@@ -16073,7 +16044,7 @@
               <a:rPr lang="en-US" smtClean="0"/>
               <a:t>6</a:t>
             </a:fld>
-            <a:endParaRPr lang="en-US"/>
+            <a:endParaRPr lang="en-US" dirty="0"/>
           </a:p>
         </p:txBody>
       </p:sp>
@@ -16132,8 +16103,12 @@
           <a:lstStyle/>
           <a:p>
             <a:r>
-              <a:rPr lang="en-US" dirty="0" smtClean="0"/>
-              <a:t>A Robust Solution – Method5</a:t>
+              <a:rPr lang="en-US" dirty="0"/>
+              <a:t>A Robust </a:t>
+            </a:r>
+            <a:r>
+              <a:rPr lang="en-US" dirty="0" smtClean="0"/>
+              <a:t>Solution – Method5</a:t>
             </a:r>
             <a:endParaRPr lang="en-US" dirty="0"/>
           </a:p>
@@ -16152,7 +16127,7 @@
         <p:spPr/>
         <p:txBody>
           <a:bodyPr>
-            <a:normAutofit lnSpcReduction="10000"/>
+            <a:normAutofit/>
           </a:bodyPr>
           <a:lstStyle/>
           <a:p>
@@ -16161,7 +16136,7 @@
               <a:buAutoNum type="arabicPeriod"/>
             </a:pPr>
             <a:r>
-              <a:rPr lang="en-US" dirty="0" smtClean="0"/>
+              <a:rPr lang="en-US" dirty="0"/>
               <a:t>Not your typical home-made script</a:t>
             </a:r>
           </a:p>
@@ -16171,32 +16146,12 @@
               <a:buAutoNum type="arabicPeriod"/>
             </a:pPr>
             <a:r>
-              <a:rPr lang="en-US" dirty="0" smtClean="0"/>
+              <a:rPr lang="en-US" dirty="0"/>
               <a:t>In production since </a:t>
             </a:r>
             <a:r>
-              <a:rPr lang="en-US" dirty="0"/>
-              <a:t>2014 for </a:t>
-            </a:r>
-            <a:r>
-              <a:rPr lang="en-US" dirty="0" smtClean="0"/>
-              <a:t>one of the </a:t>
-            </a:r>
-            <a:r>
-              <a:rPr lang="en-US" dirty="0"/>
-              <a:t>largest healthcare data </a:t>
-            </a:r>
-            <a:r>
-              <a:rPr lang="en-US" dirty="0" smtClean="0"/>
-              <a:t>centers </a:t>
-            </a:r>
-            <a:r>
-              <a:rPr lang="en-US" dirty="0"/>
-              <a:t>in the </a:t>
-            </a:r>
-            <a:r>
-              <a:rPr lang="en-US" dirty="0" smtClean="0"/>
-              <a:t>world</a:t>
+              <a:rPr lang="en-US" dirty="0" smtClean="0"/>
+              <a:t>2014, public since 2016</a:t>
             </a:r>
           </a:p>
           <a:p>
@@ -16206,8 +16161,17 @@
             </a:pPr>
             <a:r>
               <a:rPr lang="en-US" dirty="0" smtClean="0"/>
-              <a:t>&gt;400 databases, &gt;1PB data</a:t>
-            </a:r>
+              <a:t>First user: 400 </a:t>
+            </a:r>
+            <a:r>
+              <a:rPr lang="en-US" dirty="0"/>
+              <a:t>databases, </a:t>
+            </a:r>
+            <a:r>
+              <a:rPr lang="en-US" dirty="0" smtClean="0"/>
+              <a:t>1 petabyte of data, 15 million runs</a:t>
+            </a:r>
+            <a:endParaRPr lang="en-US" dirty="0"/>
           </a:p>
           <a:p>
             <a:pPr marL="514350" indent="-514350">
@@ -16216,7 +16180,15 @@
             </a:pPr>
             <a:r>
               <a:rPr lang="en-US" dirty="0" smtClean="0"/>
-              <a:t>&gt;10 million runs, &gt;1800 tests, open source</a:t>
+              <a:t>1800 unit tests</a:t>
+            </a:r>
+            <a:r>
+              <a:rPr lang="en-US" dirty="0"/>
+              <a:t>, open </a:t>
+            </a:r>
+            <a:r>
+              <a:rPr lang="en-US" dirty="0" smtClean="0"/>
+              <a:t>source, focus on security</a:t>
             </a:r>
           </a:p>
           <a:p>
@@ -16224,10 +16196,7 @@
               <a:buFont typeface="+mj-lt"/>
               <a:buAutoNum type="arabicPeriod"/>
             </a:pPr>
-            <a:r>
-              <a:rPr lang="en-US" dirty="0" smtClean="0"/>
-              <a:t>Security has always been a priority</a:t>
-            </a:r>
+            <a:endParaRPr lang="en-US" dirty="0"/>
           </a:p>
         </p:txBody>
       </p:sp>
@@ -16247,10 +16216,10 @@
           <a:lstStyle/>
           <a:p>
             <a:r>
-              <a:rPr lang="en-US" smtClean="0"/>
-              <a:t>2018-03-21</a:t>
-            </a:r>
-            <a:endParaRPr lang="en-US"/>
+              <a:rPr lang="en-US" dirty="0" smtClean="0"/>
+              <a:t>2018-05-07</a:t>
+            </a:r>
+            <a:endParaRPr lang="en-US" dirty="0"/>
           </a:p>
         </p:txBody>
       </p:sp>
@@ -16273,7 +16242,7 @@
               <a:rPr lang="en-US" smtClean="0"/>
               <a:t>7</a:t>
             </a:fld>
-            <a:endParaRPr lang="en-US"/>
+            <a:endParaRPr lang="en-US" dirty="0"/>
           </a:p>
         </p:txBody>
       </p:sp>
@@ -16351,8 +16320,8 @@
         </p:nvSpPr>
         <p:spPr>
           <a:xfrm>
-            <a:off x="304800" y="1200150"/>
-            <a:ext cx="8458200" cy="3581400"/>
+            <a:off x="304800" y="1047750"/>
+            <a:ext cx="8458200" cy="3733800"/>
           </a:xfrm>
         </p:spPr>
         <p:txBody>
@@ -16553,6 +16522,20 @@
             <a:pPr marL="0" indent="0">
               <a:buNone/>
             </a:pPr>
+            <a:endParaRPr lang="en-US" sz="2000" b="1" dirty="0" smtClean="0">
+              <a:solidFill>
+                <a:srgbClr val="000080"/>
+              </a:solidFill>
+              <a:highlight>
+                <a:srgbClr val="FFFFFF"/>
+              </a:highlight>
+              <a:latin typeface="Courier New"/>
+            </a:endParaRPr>
+          </a:p>
+          <a:p>
+            <a:pPr marL="0" indent="0">
+              <a:buNone/>
+            </a:pPr>
             <a:r>
               <a:rPr lang="en-US" sz="2000" b="1" dirty="0" smtClean="0">
                 <a:solidFill>
@@ -17192,7 +17175,7 @@
           <a:p>
             <a:r>
               <a:rPr lang="en-US" smtClean="0"/>
-              <a:t>2018-03-21</a:t>
+              <a:t>2018-05-07</a:t>
             </a:r>
             <a:endParaRPr lang="en-US" dirty="0"/>
           </a:p>
@@ -17229,7 +17212,7 @@
         </p:nvSpPr>
         <p:spPr>
           <a:xfrm>
-            <a:off x="2590800" y="1809750"/>
+            <a:off x="2590800" y="1657350"/>
             <a:ext cx="2895600" cy="283388"/>
           </a:xfrm>
           <a:prstGeom prst="rect">
@@ -17273,7 +17256,7 @@
         </p:nvSpPr>
         <p:spPr>
           <a:xfrm>
-            <a:off x="5908966" y="1831162"/>
+            <a:off x="5908966" y="1657350"/>
             <a:ext cx="1177634" cy="283388"/>
           </a:xfrm>
           <a:prstGeom prst="rect">
@@ -17634,7 +17617,7 @@
                   </a:schemeClr>
                 </a:solidFill>
               </a:rPr>
-              <a:t>- handled</a:t>
+              <a:t>- handled, saved</a:t>
             </a:r>
             <a:endParaRPr lang="en-US" dirty="0">
               <a:solidFill>
@@ -17663,7 +17646,7 @@
           <a:p>
             <a:r>
               <a:rPr lang="en-US" smtClean="0"/>
-              <a:t>2018-03-21</a:t>
+              <a:t>2018-05-07</a:t>
             </a:r>
             <a:endParaRPr lang="en-US"/>
           </a:p>

--- a/presentations/Method5.pptx
+++ b/presentations/Method5.pptx
@@ -5,10 +5,10 @@
     <p:sldMasterId id="2147483648" r:id="rId1"/>
   </p:sldMasterIdLst>
   <p:notesMasterIdLst>
-    <p:notesMasterId r:id="rId27"/>
+    <p:notesMasterId r:id="rId28"/>
   </p:notesMasterIdLst>
   <p:handoutMasterIdLst>
-    <p:handoutMasterId r:id="rId28"/>
+    <p:handoutMasterId r:id="rId29"/>
   </p:handoutMasterIdLst>
   <p:sldIdLst>
     <p:sldId id="256" r:id="rId2"/>
@@ -27,15 +27,16 @@
     <p:sldId id="276" r:id="rId15"/>
     <p:sldId id="278" r:id="rId16"/>
     <p:sldId id="279" r:id="rId17"/>
-    <p:sldId id="262" r:id="rId18"/>
-    <p:sldId id="264" r:id="rId19"/>
-    <p:sldId id="265" r:id="rId20"/>
-    <p:sldId id="282" r:id="rId21"/>
-    <p:sldId id="284" r:id="rId22"/>
-    <p:sldId id="285" r:id="rId23"/>
-    <p:sldId id="286" r:id="rId24"/>
-    <p:sldId id="268" r:id="rId25"/>
-    <p:sldId id="267" r:id="rId26"/>
+    <p:sldId id="289" r:id="rId18"/>
+    <p:sldId id="262" r:id="rId19"/>
+    <p:sldId id="264" r:id="rId20"/>
+    <p:sldId id="265" r:id="rId21"/>
+    <p:sldId id="282" r:id="rId22"/>
+    <p:sldId id="284" r:id="rId23"/>
+    <p:sldId id="285" r:id="rId24"/>
+    <p:sldId id="286" r:id="rId25"/>
+    <p:sldId id="268" r:id="rId26"/>
+    <p:sldId id="267" r:id="rId27"/>
   </p:sldIdLst>
   <p:sldSz cx="9144000" cy="5143500" type="screen16x9"/>
   <p:notesSz cx="6858000" cy="9144000"/>
@@ -219,7 +220,7 @@
           <a:p>
             <a:fld id="{E8184847-EC06-4734-8E30-343A2DA340C9}" type="datetimeFigureOut">
               <a:rPr lang="en-US" smtClean="0"/>
-              <a:t>6/6/2018</a:t>
+              <a:t>6/8/2018</a:t>
             </a:fld>
             <a:endParaRPr lang="en-US"/>
           </a:p>
@@ -384,7 +385,7 @@
           <a:p>
             <a:fld id="{DC284B00-8F05-4CB2-A4E6-4A642AFA915E}" type="datetimeFigureOut">
               <a:rPr lang="en-US" smtClean="0"/>
-              <a:t>6/6/2018</a:t>
+              <a:t>6/8/2018</a:t>
             </a:fld>
             <a:endParaRPr lang="en-US"/>
           </a:p>
@@ -1796,12 +1797,7 @@
             <p:ph type="sldImg"/>
           </p:nvPr>
         </p:nvSpPr>
-        <p:spPr>
-          <a:xfrm>
-            <a:off x="381000" y="685800"/>
-            <a:ext cx="6096000" cy="3429000"/>
-          </a:xfrm>
-        </p:spPr>
+        <p:spPr/>
       </p:sp>
       <p:sp>
         <p:nvSpPr>
@@ -1818,67 +1814,23 @@
           <a:bodyPr/>
           <a:lstStyle/>
           <a:p>
-            <a:pPr marL="0" indent="0">
-              <a:buNone/>
-            </a:pPr>
-            <a:r>
-              <a:rPr lang="en-US" dirty="0" smtClean="0"/>
-              <a:t>1. You've probably seen this problem solved poorly many times before, you should be skeptical.  There are a lot of horrible ways to run</a:t>
+            <a:r>
+              <a:rPr lang="en-US" dirty="0" smtClean="0"/>
+              <a:t>This add-on</a:t>
             </a:r>
             <a:r>
               <a:rPr lang="en-US" baseline="0" dirty="0" smtClean="0"/>
-              <a:t> commands on multiple targets.</a:t>
-            </a:r>
-            <a:endParaRPr lang="en-US" dirty="0" smtClean="0"/>
-          </a:p>
-          <a:p>
-            <a:pPr marL="0" indent="0">
-              <a:buNone/>
-            </a:pPr>
-            <a:r>
-              <a:rPr lang="en-US" dirty="0" smtClean="0"/>
-              <a:t>2. Method5 was created at</a:t>
-            </a:r>
+              <a:t> doesn't look exciting, and it takes a while to understand how to use it, but it can be a real life-saver.  This procedure lets you create or synchronize accounts on a huger number of databases in one call.</a:t>
+            </a:r>
+          </a:p>
+          <a:p>
+            <a:endParaRPr lang="en-US" baseline="0" dirty="0" smtClean="0"/>
+          </a:p>
+          <a:p>
             <a:r>
               <a:rPr lang="en-US" baseline="0" dirty="0" smtClean="0"/>
-              <a:t> General Dynamics and </a:t>
-            </a:r>
-            <a:r>
-              <a:rPr lang="en-US" dirty="0" smtClean="0"/>
-              <a:t>Ventech Solutions to support the </a:t>
-            </a:r>
-            <a:r>
-              <a:rPr lang="en-US" baseline="0" dirty="0" smtClean="0"/>
-              <a:t>Centers for Medicare &amp; Medicaid Services and many of their contractors.  It has been used in production since 2014 and was publically released in 2016.</a:t>
-            </a:r>
-          </a:p>
-          <a:p>
-            <a:pPr marL="0" indent="0">
-              <a:buNone/>
-            </a:pPr>
-            <a:r>
-              <a:rPr lang="en-US" baseline="0" dirty="0" smtClean="0"/>
-              <a:t>3. At Ventech Solutions it's used to manage 400 databases with 1 petabyte of data.  It has run over 15 million commands.</a:t>
-            </a:r>
-          </a:p>
-          <a:p>
-            <a:r>
-              <a:rPr lang="en-US" dirty="0" smtClean="0"/>
-              <a:t>4.</a:t>
-            </a:r>
-            <a:r>
-              <a:rPr lang="en-US" baseline="0" dirty="0" smtClean="0"/>
-              <a:t> The program was built without taking any shortcuts.  1800 automated unit tests ensure the quality of each release.  The code is open source so anybody can easily use it, modify it, or review it.  </a:t>
-            </a:r>
-            <a:r>
-              <a:rPr lang="en-US" dirty="0" smtClean="0"/>
-              <a:t>Security has always been a primary concern and we've learned from the mistakes of other tools.  For example, </a:t>
-            </a:r>
-            <a:r>
-              <a:rPr lang="en-US" baseline="0" dirty="0" smtClean="0"/>
-              <a:t>there are no shared passwords or public database links.</a:t>
-            </a:r>
-            <a:endParaRPr lang="en-US" dirty="0"/>
+              <a:t>Note that you do NOT need an add-on for all user account maintenance.  Most account changes are done through simple SQL statements and you can still call them directly in M5 or M5_PROC.  This add-on has a lot of extra logic to do things like synchronize a password hash, check if the role exists before granting it, etc.</a:t>
+            </a:r>
           </a:p>
         </p:txBody>
       </p:sp>
@@ -1901,14 +1853,14 @@
               <a:rPr lang="en-US" smtClean="0"/>
               <a:t>17</a:t>
             </a:fld>
-            <a:endParaRPr lang="en-US" dirty="0"/>
+            <a:endParaRPr lang="en-US"/>
           </a:p>
         </p:txBody>
       </p:sp>
     </p:spTree>
     <p:extLst>
       <p:ext uri="{BB962C8B-B14F-4D97-AF65-F5344CB8AC3E}">
-        <p14:creationId xmlns:p14="http://schemas.microsoft.com/office/powerpoint/2010/main" val="3525267537"/>
+        <p14:creationId xmlns:p14="http://schemas.microsoft.com/office/powerpoint/2010/main" val="1451636173"/>
       </p:ext>
     </p:extLst>
   </p:cSld>
@@ -1972,21 +1924,26 @@
             </a:pPr>
             <a:r>
               <a:rPr lang="en-US" dirty="0" smtClean="0"/>
-              <a:t>1. Like</a:t>
+              <a:t>You've </a:t>
+            </a:r>
+            <a:r>
+              <a:rPr lang="en-US" dirty="0" smtClean="0"/>
+              <a:t>probably seen this problem solved poorly many times before, you should be skeptical.  There are a lot of horrible ways to run</a:t>
             </a:r>
             <a:r>
               <a:rPr lang="en-US" baseline="0" dirty="0" smtClean="0"/>
-              <a:t> any good database solution, the heavy-lifting is done with SQL statements glued together with PL/SQL.  The dynamic code is nested several levels deep.  To avoid the typical concatenation-hell, the alternative quoting mechanism and REPLACE are used.  This simple trick makes dynamic code drastically more readable.</a:t>
+              <a:t> commands on multiple targets</a:t>
+            </a:r>
+            <a:r>
+              <a:rPr lang="en-US" baseline="0" dirty="0" smtClean="0"/>
+              <a:t>.  Creating a good solution took a lot of time and a lot of missteps.</a:t>
             </a:r>
           </a:p>
           <a:p>
             <a:pPr marL="0" indent="0">
               <a:buNone/>
             </a:pPr>
-            <a:r>
-              <a:rPr lang="en-US" baseline="0" dirty="0" smtClean="0"/>
-              <a:t>2. Database links tie everything together.  Database links have gotten a bad reputation.  Yes, many people make horrible mistakes with them, but when used right it makes inter-database communication incredibly simple.</a:t>
-            </a:r>
+            <a:endParaRPr lang="en-US" baseline="0" dirty="0" smtClean="0"/>
           </a:p>
           <a:p>
             <a:pPr marL="0" indent="0">
@@ -1994,15 +1951,7 @@
             </a:pPr>
             <a:r>
               <a:rPr lang="en-US" baseline="0" dirty="0" smtClean="0"/>
-              <a:t>3. 99% of all Oracle SQL code parsing or code transformation  programs are fundamentally broken.  Things like statement classification and terminator removal are often handled with simple  regular expressions.  SQL and PL/SQL are insanely complicated languages, with over 2,000 keywords and 30 years of syntax history.  A proper </a:t>
-            </a:r>
-            <a:r>
-              <a:rPr lang="en-US" baseline="0" dirty="0" err="1" smtClean="0"/>
-              <a:t>lexer</a:t>
-            </a:r>
-            <a:r>
-              <a:rPr lang="en-US" baseline="0" dirty="0" smtClean="0"/>
-              <a:t> is a requirement to build a robust system that can handle any code you throw at it.</a:t>
+              <a:t>1.  Lots of DBAs and developers have thought about these problems.  For me it started around 2006, working with different Method4 implementation and never quite worked.</a:t>
             </a:r>
           </a:p>
           <a:p>
@@ -2011,13 +1960,8 @@
             </a:pPr>
             <a:r>
               <a:rPr lang="en-US" baseline="0" dirty="0" smtClean="0"/>
-              <a:t>4. Scheduler and pipes work together to enable parallelism and asynchronous processing.</a:t>
-            </a:r>
-            <a:r>
-              <a:rPr lang="en-US" dirty="0" smtClean="0"/>
-              <a:t>  DBMS_SCHEDULER also enable the execution of shell scripts.</a:t>
-            </a:r>
-            <a:endParaRPr lang="en-US" baseline="0" dirty="0" smtClean="0"/>
+              <a:t>2.  Development on a serious solution began in 2013 at General Dynamics.</a:t>
+            </a:r>
           </a:p>
           <a:p>
             <a:pPr marL="0" indent="0">
@@ -2025,7 +1969,7 @@
             </a:pPr>
             <a:r>
               <a:rPr lang="en-US" baseline="0" dirty="0" smtClean="0"/>
-              <a:t>5. Everything is configured in tables.  You don't have to worry about XML configuration files or agent parameter files.</a:t>
+              <a:t>3.  The program was used on production databases in 2014, at Ventech Solutions to support a contract with the Centers for Medicaid and Medicare Services.</a:t>
             </a:r>
           </a:p>
           <a:p>
@@ -2034,7 +1978,29 @@
             </a:pPr>
             <a:r>
               <a:rPr lang="en-US" baseline="0" dirty="0" smtClean="0"/>
-              <a:t>6. Oracle Data Cartridge is the magic (or at least cryptic) piece that allows Method5 to extend Oracle SQL.  It provides the ability to return "anything", dynamically, in a SQL context.  Running dynamic SQL in SQL is much harder than it sounds.</a:t>
+              <a:t>4.  After 2 years of begging I finally got permission to open source it in 2016.  (Hopefully, due to policies such as the Federal Source Code Policy, this process won't be quite as painful for others in the future.)</a:t>
+            </a:r>
+            <a:endParaRPr lang="en-US" dirty="0" smtClean="0"/>
+          </a:p>
+          <a:p>
+            <a:pPr marL="0" indent="0">
+              <a:buNone/>
+            </a:pPr>
+            <a:r>
+              <a:rPr lang="en-US" dirty="0" smtClean="0"/>
+              <a:t>5.  </a:t>
+            </a:r>
+            <a:r>
+              <a:rPr lang="en-US" baseline="0" dirty="0" smtClean="0"/>
+              <a:t>At </a:t>
+            </a:r>
+            <a:r>
+              <a:rPr lang="en-US" baseline="0" dirty="0" smtClean="0"/>
+              <a:t>Ventech Solutions it's </a:t>
+            </a:r>
+            <a:r>
+              <a:rPr lang="en-US" baseline="0" dirty="0" smtClean="0"/>
+              <a:t>been used to manage over 400 databases.  The program has run more than 15 million commands, and helps manage 1 petabyte of data.  Dozens of people, from several different teams, have used the program.</a:t>
             </a:r>
             <a:endParaRPr lang="en-US" dirty="0"/>
           </a:p>
@@ -2059,14 +2025,14 @@
               <a:rPr lang="en-US" smtClean="0"/>
               <a:t>18</a:t>
             </a:fld>
-            <a:endParaRPr lang="en-US"/>
+            <a:endParaRPr lang="en-US" dirty="0"/>
           </a:p>
         </p:txBody>
       </p:sp>
     </p:spTree>
     <p:extLst>
       <p:ext uri="{BB962C8B-B14F-4D97-AF65-F5344CB8AC3E}">
-        <p14:creationId xmlns:p14="http://schemas.microsoft.com/office/powerpoint/2010/main" val="1500454840"/>
+        <p14:creationId xmlns:p14="http://schemas.microsoft.com/office/powerpoint/2010/main" val="3525267537"/>
       </p:ext>
     </p:extLst>
   </p:cSld>
@@ -2125,89 +2091,87 @@
           <a:bodyPr/>
           <a:lstStyle/>
           <a:p>
-            <a:r>
-              <a:rPr lang="en-US" b="1" dirty="0" smtClean="0"/>
-              <a:t>1. </a:t>
-            </a:r>
-            <a:r>
-              <a:rPr lang="en-US" dirty="0" smtClean="0"/>
-              <a:t>You must have a central</a:t>
+            <a:pPr marL="0" indent="0">
+              <a:buNone/>
+            </a:pPr>
+            <a:r>
+              <a:rPr lang="en-US" dirty="0" smtClean="0"/>
+              <a:t>1. Like</a:t>
             </a:r>
             <a:r>
               <a:rPr lang="en-US" baseline="0" dirty="0" smtClean="0"/>
-              <a:t> management database that can communicate with all other database.  You must have SYSDBA to install, and DBA privileges to use.  Any currently-supported platform, version, or edition will work.  (And probably some unsupported ones also.)  For testing you only need a single database - the default installation will create some fake links that simulate a multi-database environment.</a:t>
-            </a:r>
-          </a:p>
-          <a:p>
-            <a:r>
-              <a:rPr lang="en-US" b="1" dirty="0" smtClean="0"/>
-              <a:t>2.</a:t>
-            </a:r>
-            <a:r>
-              <a:rPr lang="en-US" dirty="0" smtClean="0"/>
-              <a:t> Only one person needs to install and administer it.  The configuration is automatically applied to other users.</a:t>
-            </a:r>
-          </a:p>
-          <a:p>
-            <a:r>
-              <a:rPr lang="en-US" b="1" dirty="0" smtClean="0"/>
-              <a:t>3.</a:t>
-            </a:r>
-            <a:r>
-              <a:rPr lang="en-US" dirty="0" smtClean="0"/>
-              <a:t> Download the free, open source code from GitHub and follow the instructions.  You don't need to purchase any additional</a:t>
-            </a:r>
+              <a:t> any good database solution, the heavy-lifting is done with SQL statements glued together with PL/SQL.  The dynamic code is nested several levels deep.  To avoid the typical concatenation-hell, the alternative quoting mechanism and REPLACE are used.  This simple trick makes dynamic code drastically more readable.</a:t>
+            </a:r>
+          </a:p>
+          <a:p>
+            <a:pPr marL="0" indent="0">
+              <a:buNone/>
+            </a:pPr>
             <a:r>
               <a:rPr lang="en-US" baseline="0" dirty="0" smtClean="0"/>
-              <a:t> hardware or software.</a:t>
-            </a:r>
-            <a:endParaRPr lang="en-US" dirty="0" smtClean="0"/>
-          </a:p>
-          <a:p>
-            <a:r>
-              <a:rPr lang="en-US" b="1" dirty="0" smtClean="0"/>
-              <a:t>4.</a:t>
-            </a:r>
-            <a:r>
-              <a:rPr lang="en-US" dirty="0" smtClean="0"/>
-              <a:t> The code is 100% inside the database - there are no agents, plugins, websites, configuration files, etc.</a:t>
-            </a:r>
-          </a:p>
-          <a:p>
-            <a:r>
-              <a:rPr lang="en-US" b="1" dirty="0" smtClean="0"/>
-              <a:t>5.</a:t>
-            </a:r>
-            <a:r>
-              <a:rPr lang="en-US" dirty="0" smtClean="0"/>
-              <a:t> Getting started</a:t>
-            </a:r>
+              <a:t>2. Database links tie everything together.  Database links have gotten a bad reputation.  Yes, many people make horrible mistakes with them, but when used right it makes inter-database communication incredibly simple.</a:t>
+            </a:r>
+          </a:p>
+          <a:p>
+            <a:pPr marL="0" indent="0">
+              <a:buNone/>
+            </a:pPr>
             <a:r>
               <a:rPr lang="en-US" baseline="0" dirty="0" smtClean="0"/>
-              <a:t> will only take a few hours. The time to setup all your connections will vary depending on how standardized your environment is.  1000 perfectly-standardized databases will be easier than 10 databases all with different platforms, versions, and configurations.  One of the nice side-effects of Method5 is that it really drives home how useful standardization can be.  You may want to work on one environment at a time; you don't need to get every database working in order to use this.</a:t>
-            </a:r>
-          </a:p>
-          <a:p>
-            <a:r>
-              <a:rPr lang="en-US" b="1" baseline="0" dirty="0" smtClean="0"/>
-              <a:t>6.</a:t>
+              <a:t>3. 99% of all Oracle SQL code parsing or code transformation  programs are fundamentally broken.  Things like statement classification and terminator removal are often handled with simple  regular expressions.  SQL and PL/SQL are insanely complicated languages, with over 2,000 keywords and 30 years of syntax history.  A proper </a:t>
+            </a:r>
+            <a:r>
+              <a:rPr lang="en-US" baseline="0" dirty="0" err="1" smtClean="0"/>
+              <a:t>lexer</a:t>
             </a:r>
             <a:r>
               <a:rPr lang="en-US" baseline="0" dirty="0" smtClean="0"/>
-              <a:t> If you encounter any problems you can create a GitHub issue on the repository or you can email Jon Heller at either jon.heller@ventechsolutions.com or jon@jonheller.org.</a:t>
-            </a:r>
-          </a:p>
-          <a:p>
+              <a:t> is a requirement to build a robust system that can handle any code you throw at it.</a:t>
+            </a:r>
+          </a:p>
+          <a:p>
+            <a:pPr marL="0" indent="0">
+              <a:buNone/>
+            </a:pPr>
+            <a:r>
+              <a:rPr lang="en-US" baseline="0" dirty="0" smtClean="0"/>
+              <a:t>4. Scheduler and pipes work together to enable parallelism and asynchronous processing.</a:t>
+            </a:r>
+            <a:r>
+              <a:rPr lang="en-US" dirty="0" smtClean="0"/>
+              <a:t>  DBMS_SCHEDULER also enable the execution of shell scripts.</a:t>
+            </a:r>
             <a:endParaRPr lang="en-US" baseline="0" dirty="0" smtClean="0"/>
           </a:p>
           <a:p>
-            <a:r>
-              <a:rPr lang="en-US" dirty="0" smtClean="0"/>
-              <a:t>Most DBAs have everything they need to get started in a few hours.  You don't need to buy anything, sign up for anything, or install any operating system binaries.  The installation and</a:t>
-            </a:r>
+            <a:pPr marL="0" indent="0">
+              <a:buNone/>
+            </a:pPr>
             <a:r>
               <a:rPr lang="en-US" baseline="0" dirty="0" smtClean="0"/>
-              <a:t> administration tasks aren't that different from what you do on a day-to-day basis.</a:t>
+              <a:t>5. Everything is configured in tables.  You don't have to worry about XML configuration files or agent parameter files.</a:t>
+            </a:r>
+          </a:p>
+          <a:p>
+            <a:pPr marL="0" indent="0">
+              <a:buNone/>
+            </a:pPr>
+            <a:r>
+              <a:rPr lang="en-US" baseline="0" dirty="0" smtClean="0"/>
+              <a:t>6. Oracle Data Cartridge is the magic (or at least cryptic) piece that allows Method5 to extend Oracle SQL.  It provides the ability to return "anything", dynamically, in a SQL context.  Running dynamic SQL in SQL is much harder than it sounds</a:t>
+            </a:r>
+            <a:r>
+              <a:rPr lang="en-US" baseline="0" dirty="0" smtClean="0"/>
+              <a:t>.</a:t>
+            </a:r>
+          </a:p>
+          <a:p>
+            <a:pPr marL="0" indent="0">
+              <a:buNone/>
+            </a:pPr>
+            <a:r>
+              <a:rPr lang="en-US" baseline="0" dirty="0" smtClean="0"/>
+              <a:t>7. The 1800 automated unit tests ensure that each release maintains the same quality.  And it gives us the confidence to make changes just to make things look better, reducing our technical debt.</a:t>
             </a:r>
             <a:endParaRPr lang="en-US" dirty="0"/>
           </a:p>
@@ -2239,7 +2203,7 @@
     </p:spTree>
     <p:extLst>
       <p:ext uri="{BB962C8B-B14F-4D97-AF65-F5344CB8AC3E}">
-        <p14:creationId xmlns:p14="http://schemas.microsoft.com/office/powerpoint/2010/main" val="489585203"/>
+        <p14:creationId xmlns:p14="http://schemas.microsoft.com/office/powerpoint/2010/main" val="1500454840"/>
       </p:ext>
     </p:extLst>
   </p:cSld>
@@ -2365,124 +2329,119 @@
             <p:ph type="sldImg"/>
           </p:nvPr>
         </p:nvSpPr>
+        <p:spPr>
+          <a:xfrm>
+            <a:off x="381000" y="685800"/>
+            <a:ext cx="6096000" cy="3429000"/>
+          </a:xfrm>
+        </p:spPr>
+      </p:sp>
+      <p:sp>
+        <p:nvSpPr>
+          <p:cNvPr id="3" name="Notes Placeholder 2"/>
+          <p:cNvSpPr>
+            <a:spLocks noGrp="1"/>
+          </p:cNvSpPr>
+          <p:nvPr>
+            <p:ph type="body" idx="1"/>
+          </p:nvPr>
+        </p:nvSpPr>
         <p:spPr/>
-      </p:sp>
-      <p:sp>
-        <p:nvSpPr>
-          <p:cNvPr id="3" name="Notes Placeholder 2"/>
-          <p:cNvSpPr>
-            <a:spLocks noGrp="1"/>
-          </p:cNvSpPr>
-          <p:nvPr>
-            <p:ph type="body" idx="1"/>
-          </p:nvPr>
-        </p:nvSpPr>
-        <p:spPr/>
         <p:txBody>
           <a:bodyPr/>
           <a:lstStyle/>
           <a:p>
             <a:r>
-              <a:rPr lang="en-US" dirty="0" smtClean="0"/>
-              <a:t>Remote execution is a powerful tool that must be properly secured. </a:t>
+              <a:rPr lang="en-US" b="1" dirty="0" smtClean="0"/>
+              <a:t>1. </a:t>
+            </a:r>
+            <a:r>
+              <a:rPr lang="en-US" dirty="0" smtClean="0"/>
+              <a:t>You must have a central</a:t>
             </a:r>
             <a:r>
               <a:rPr lang="en-US" baseline="0" dirty="0" smtClean="0"/>
-              <a:t> Method5 has been carefully hardened to avoid security issues.</a:t>
-            </a:r>
-          </a:p>
-          <a:p>
-            <a:pPr marL="0" indent="0">
-              <a:buNone/>
-            </a:pPr>
+              <a:t> management database that can communicate with all other database.  </a:t>
+            </a:r>
+            <a:r>
+              <a:rPr lang="en-US" baseline="0" dirty="0" smtClean="0"/>
+              <a:t>(If you don't have that, take a look at Oracle Connection Manager.  It's a free program that you can use as a proxy for database connections.)  You </a:t>
+            </a:r>
+            <a:r>
+              <a:rPr lang="en-US" baseline="0" dirty="0" smtClean="0"/>
+              <a:t>must have SYSDBA to install, and DBA privileges to use.  Any currently-supported platform, version, or edition will work.  (And probably some unsupported ones also.)  For testing you only need a single database - the default installation will create some fake links that simulate a multi-database environment.</a:t>
+            </a:r>
+          </a:p>
+          <a:p>
+            <a:r>
+              <a:rPr lang="en-US" b="1" dirty="0" smtClean="0"/>
+              <a:t>2.</a:t>
+            </a:r>
+            <a:r>
+              <a:rPr lang="en-US" dirty="0" smtClean="0"/>
+              <a:t> Only one person needs to install and administer it.  The configuration is automatically applied to other users.</a:t>
+            </a:r>
+          </a:p>
+          <a:p>
+            <a:r>
+              <a:rPr lang="en-US" b="1" dirty="0" smtClean="0"/>
+              <a:t>3.</a:t>
+            </a:r>
+            <a:r>
+              <a:rPr lang="en-US" dirty="0" smtClean="0"/>
+              <a:t> Download the free, open source code from GitHub and follow the instructions.  You don't need to purchase any additional</a:t>
+            </a:r>
+            <a:r>
+              <a:rPr lang="en-US" baseline="0" dirty="0" smtClean="0"/>
+              <a:t> hardware or software.</a:t>
+            </a:r>
+            <a:endParaRPr lang="en-US" dirty="0" smtClean="0"/>
+          </a:p>
+          <a:p>
+            <a:r>
+              <a:rPr lang="en-US" b="1" dirty="0" smtClean="0"/>
+              <a:t>4.</a:t>
+            </a:r>
+            <a:r>
+              <a:rPr lang="en-US" dirty="0" smtClean="0"/>
+              <a:t> The code is 100% inside the database - there are no agents, plugins, websites, configuration files, etc.</a:t>
+            </a:r>
+          </a:p>
+          <a:p>
+            <a:r>
+              <a:rPr lang="en-US" b="1" dirty="0" smtClean="0"/>
+              <a:t>5.</a:t>
+            </a:r>
+            <a:r>
+              <a:rPr lang="en-US" dirty="0" smtClean="0"/>
+              <a:t> Getting started</a:t>
+            </a:r>
+            <a:r>
+              <a:rPr lang="en-US" baseline="0" dirty="0" smtClean="0"/>
+              <a:t> will only take a few hours. The time to setup all your connections will vary depending on how standardized your environment is.  1000 perfectly-standardized databases will be easier than 10 databases all with different platforms, versions, and configurations.  One of the nice side-effects of Method5 is that it really drives home how useful standardization can be.  You may want to work on one environment at a time; you don't need to get every database working in order to use this.</a:t>
+            </a:r>
+          </a:p>
+          <a:p>
             <a:r>
               <a:rPr lang="en-US" b="1" baseline="0" dirty="0" smtClean="0"/>
-              <a:t>1. No stupid mistakes.</a:t>
+              <a:t>6.</a:t>
             </a:r>
             <a:r>
               <a:rPr lang="en-US" baseline="0" dirty="0" smtClean="0"/>
-              <a:t>  There are no public database links.  That should go without saying but it's unfortunately all too common for homemade scripts to use that insecure feature.  </a:t>
+              <a:t> If you encounter any problems you can create a GitHub issue on the repository or you can email Jon Heller at either jon.heller@ventechsolutions.com or jon@jonheller.org.</a:t>
+            </a:r>
+          </a:p>
+          <a:p>
+            <a:endParaRPr lang="en-US" baseline="0" dirty="0" smtClean="0"/>
+          </a:p>
+          <a:p>
+            <a:r>
+              <a:rPr lang="en-US" dirty="0" smtClean="0"/>
+              <a:t>Most DBAs have everything they need to get started in a few hours.  You don't need to buy anything, sign up for anything, or install any operating system binaries.  The installation and</a:t>
             </a:r>
             <a:r>
               <a:rPr lang="en-US" baseline="0" dirty="0" smtClean="0"/>
-              <a:t>And the links are one-way, from master to remote; there's no link pointing from remote back to the master database.  Method5 </a:t>
-            </a:r>
-            <a:r>
-              <a:rPr lang="en-US" baseline="0" dirty="0" smtClean="0"/>
-              <a:t>only uses password hashes and never displays or stores any passwords.  Nobody will ever know the Method5 password.  Even if someone happens to break into a system, steal the password hash, and decrypt it on a supercomputer, it still won't work.  Method5 accounts are protected by a schema trigger that does not allow users to directly connect to it.</a:t>
-            </a:r>
-          </a:p>
-          <a:p>
-            <a:pPr marL="0" indent="0">
-              <a:buNone/>
-            </a:pPr>
-            <a:r>
-              <a:rPr lang="en-US" b="1" dirty="0" smtClean="0"/>
-              <a:t>2. Auditing.</a:t>
-            </a:r>
-            <a:r>
-              <a:rPr lang="en-US" baseline="0" dirty="0" smtClean="0"/>
-              <a:t>  </a:t>
-            </a:r>
-            <a:r>
-              <a:rPr lang="en-US" dirty="0" smtClean="0"/>
-              <a:t>All commands</a:t>
-            </a:r>
-            <a:r>
-              <a:rPr lang="en-US" baseline="0" dirty="0" smtClean="0"/>
-              <a:t> are audited, both in M5_AUDIT and in the database audit trail.  You can always tell who ran what, when.</a:t>
-            </a:r>
-          </a:p>
-          <a:p>
-            <a:pPr marL="0" indent="0">
-              <a:buNone/>
-            </a:pPr>
-            <a:r>
-              <a:rPr lang="en-US" b="1" baseline="0" dirty="0" smtClean="0"/>
-              <a:t>3. Multi-step authentication.</a:t>
-            </a:r>
-            <a:r>
-              <a:rPr lang="en-US" baseline="0" dirty="0" smtClean="0"/>
-              <a:t>  Users can only access Method5 from an expected operating system username.  This provides at least multi-step authentication, and it may provide multi-factor authentication if your operating system authentication requires a token.  (This feature can be disabled.)</a:t>
-            </a:r>
-          </a:p>
-          <a:p>
-            <a:pPr marL="0" indent="0">
-              <a:buNone/>
-            </a:pPr>
-            <a:r>
-              <a:rPr lang="en-US" b="1" baseline="0" dirty="0" smtClean="0"/>
-              <a:t>4. Intrusion detection.</a:t>
-            </a:r>
-            <a:r>
-              <a:rPr lang="en-US" baseline="0" dirty="0" smtClean="0"/>
-              <a:t>  An email is sent to the administrator whenever someone tries to access M5 or M5_PROC with the correct authorization, or whenever someone changes one of the critical configuration tables.  This will hopefully alert you if someone is trying to break into Method5.</a:t>
-            </a:r>
-          </a:p>
-          <a:p>
-            <a:pPr marL="0" indent="0">
-              <a:buNone/>
-            </a:pPr>
-            <a:r>
-              <a:rPr lang="en-US" b="1" baseline="0" dirty="0" smtClean="0"/>
-              <a:t>5. Shell script and SYS.</a:t>
-            </a:r>
-            <a:r>
-              <a:rPr lang="en-US" baseline="0" dirty="0" smtClean="0"/>
-              <a:t>  The shell script and SYS commands are extra powerful and have extra protection.  Even if somebody breaks into a DBA account on a remote database they will not be able to use those features.  The code for those features is stored in the SYS schema, and requires a properly encrypted command sent from the master database.</a:t>
-            </a:r>
-          </a:p>
-          <a:p>
-            <a:pPr marL="0" indent="0">
-              <a:buNone/>
-            </a:pPr>
-            <a:r>
-              <a:rPr lang="en-US" b="1" baseline="0" dirty="0" smtClean="0"/>
-              <a:t>6. Open source.</a:t>
-            </a:r>
-            <a:r>
-              <a:rPr lang="en-US" baseline="0" dirty="0" smtClean="0"/>
-              <a:t>  Most commercial programs rely on security through obscurity, as if hackers can't easily unwrap or decompile code and find obvious mistakes.  With open source code everyone can easily review code, find bugs, and report them.</a:t>
+              <a:t> administration tasks aren't that different from what you do on a day-to-day basis.</a:t>
             </a:r>
             <a:endParaRPr lang="en-US" dirty="0"/>
           </a:p>
@@ -2514,7 +2473,7 @@
     </p:spTree>
     <p:extLst>
       <p:ext uri="{BB962C8B-B14F-4D97-AF65-F5344CB8AC3E}">
-        <p14:creationId xmlns:p14="http://schemas.microsoft.com/office/powerpoint/2010/main" val="562226385"/>
+        <p14:creationId xmlns:p14="http://schemas.microsoft.com/office/powerpoint/2010/main" val="489585203"/>
       </p:ext>
     </p:extLst>
   </p:cSld>
@@ -2570,27 +2529,12 @@
           <a:p>
             <a:r>
               <a:rPr lang="en-US" dirty="0" smtClean="0"/>
-              <a:t>Remote execution adds some</a:t>
+              <a:t>Remote execution is a powerful tool that must be properly secured. </a:t>
             </a:r>
             <a:r>
               <a:rPr lang="en-US" baseline="0" dirty="0" smtClean="0"/>
-              <a:t> complexity to privileges.  But that doesn't mean they can't be controlled.  Below are some highlights but you may also want to see security.md for details.</a:t>
-            </a:r>
-          </a:p>
-          <a:p>
-            <a:endParaRPr lang="en-US" baseline="0" dirty="0" smtClean="0"/>
-          </a:p>
-          <a:p>
-            <a:r>
-              <a:rPr lang="en-US" baseline="0" dirty="0" smtClean="0"/>
-              <a:t>This table visualizes the 4 different types of privileges you need to consider.  You have to think about the METHOD5 schema as well as user schemas, on the master database as well as the remote databases.</a:t>
-            </a:r>
-          </a:p>
-          <a:p>
-            <a:endParaRPr lang="en-US" baseline="0" dirty="0" smtClean="0"/>
-          </a:p>
-          <a:p>
-            <a:endParaRPr lang="en-US" baseline="0" dirty="0" smtClean="0"/>
+              <a:t> Method5 has been carefully hardened to avoid security issues.</a:t>
+            </a:r>
           </a:p>
           <a:p>
             <a:pPr marL="0" indent="0">
@@ -2598,11 +2542,11 @@
             </a:pPr>
             <a:r>
               <a:rPr lang="en-US" b="1" baseline="0" dirty="0" smtClean="0"/>
-              <a:t>1.</a:t>
+              <a:t>1. No stupid mistakes.</a:t>
             </a:r>
             <a:r>
               <a:rPr lang="en-US" baseline="0" dirty="0" smtClean="0"/>
-              <a:t> METHOD5 schema on the master database, requires the highest privileges.  The program needs to run and schedule jobs for other users, which means it effectively needs DBA access.  There's a little room for configuration here but not much.</a:t>
+              <a:t>  There are no public database links.  That should go without saying but it's unfortunately all too common for homemade scripts to use that insecure feature.  And the links are one-way, from master to remote; there's no link pointing from remote back to the master database.  Method5 only uses password hashes and never displays or stores any passwords.  Nobody will ever know the Method5 password.  Even if someone happens to break into a system, steal the password hash, and decrypt it on a supercomputer, it still won't work.  Method5 accounts are protected by a schema trigger that does not allow users to directly connect to it.</a:t>
             </a:r>
           </a:p>
           <a:p>
@@ -2610,12 +2554,20 @@
               <a:buNone/>
             </a:pPr>
             <a:r>
-              <a:rPr lang="en-US" b="1" baseline="0" dirty="0" smtClean="0"/>
-              <a:t>2.</a:t>
+              <a:rPr lang="en-US" b="1" dirty="0" smtClean="0"/>
+              <a:t>2. Auditing.</a:t>
             </a:r>
             <a:r>
               <a:rPr lang="en-US" baseline="0" dirty="0" smtClean="0"/>
-              <a:t> METHOD5 schema on remote databases, also requires some potentially high privileges.  You can theoretically shrink those privileges, but that significantly decreases the usefulness of Method5 and disables the user sandbox feature.  This could be useful if, for example, you would only want to allow read-only access.</a:t>
+              <a:t>  </a:t>
+            </a:r>
+            <a:r>
+              <a:rPr lang="en-US" dirty="0" smtClean="0"/>
+              <a:t>All commands</a:t>
+            </a:r>
+            <a:r>
+              <a:rPr lang="en-US" baseline="0" dirty="0" smtClean="0"/>
+              <a:t> are audited, both in M5_AUDIT and in the database audit trail.  You can always tell who ran what, when.</a:t>
             </a:r>
           </a:p>
           <a:p>
@@ -2624,11 +2576,11 @@
             </a:pPr>
             <a:r>
               <a:rPr lang="en-US" b="1" baseline="0" dirty="0" smtClean="0"/>
-              <a:t>3.</a:t>
+              <a:t>3. Multi-step authentication.</a:t>
             </a:r>
             <a:r>
               <a:rPr lang="en-US" baseline="0" dirty="0" smtClean="0"/>
-              <a:t> User schema on master database, you don't have to worry about.  The privilege requirements are very small - basically just a user that can connect and create some objects on their own schema.</a:t>
+              <a:t>  Users can only access Method5 from an expected operating system username.  This provides at least multi-step authentication, and it may provide multi-factor authentication if your operating system authentication requires a token.  (This feature can be disabled.)</a:t>
             </a:r>
           </a:p>
           <a:p>
@@ -2637,13 +2589,39 @@
             </a:pPr>
             <a:r>
               <a:rPr lang="en-US" b="1" baseline="0" dirty="0" smtClean="0"/>
-              <a:t>4.</a:t>
+              <a:t>4. Intrusion detection.</a:t>
             </a:r>
             <a:r>
               <a:rPr lang="en-US" baseline="0" dirty="0" smtClean="0"/>
-              <a:t> User schema on remote database, is the most important privilege. It is completely configurable.  You can create a user with almost no privileges (that can only use public objects), up to allowing DBA.  For non-DBA users, a temporary sandbox schema is created for each execution.  That schema is only granted the exact privileges specified.  Since it's an isolated Oracle user there's no way for them to break out of their jail.  (Unless your databases already have security holes, like important tables granted to public.)</a:t>
-            </a:r>
-            <a:endParaRPr lang="en-US" dirty="0" smtClean="0"/>
+              <a:t>  An email is sent to the administrator whenever someone tries to access M5 or M5_PROC with the correct authorization, or whenever someone changes one of the critical configuration tables.  This will hopefully alert you if someone is trying to break into Method5.</a:t>
+            </a:r>
+          </a:p>
+          <a:p>
+            <a:pPr marL="0" indent="0">
+              <a:buNone/>
+            </a:pPr>
+            <a:r>
+              <a:rPr lang="en-US" b="1" baseline="0" dirty="0" smtClean="0"/>
+              <a:t>5. Shell script and SYS.</a:t>
+            </a:r>
+            <a:r>
+              <a:rPr lang="en-US" baseline="0" dirty="0" smtClean="0"/>
+              <a:t>  The shell script and SYS commands are extra powerful and have extra protection.  Even if somebody breaks into a DBA account on a remote database they will not be able to use those features.  The code for those features is stored in the SYS schema, and requires a properly encrypted command sent from the master database.</a:t>
+            </a:r>
+          </a:p>
+          <a:p>
+            <a:pPr marL="0" indent="0">
+              <a:buNone/>
+            </a:pPr>
+            <a:r>
+              <a:rPr lang="en-US" b="1" baseline="0" dirty="0" smtClean="0"/>
+              <a:t>6. Open source.</a:t>
+            </a:r>
+            <a:r>
+              <a:rPr lang="en-US" baseline="0" dirty="0" smtClean="0"/>
+              <a:t>  Most commercial programs rely on security through obscurity, as if hackers can't easily unwrap or decompile code and find obvious mistakes.  With open source code everyone can easily review code, find bugs, and report them.</a:t>
+            </a:r>
+            <a:endParaRPr lang="en-US" dirty="0"/>
           </a:p>
         </p:txBody>
       </p:sp>
@@ -2673,7 +2651,7 @@
     </p:spTree>
     <p:extLst>
       <p:ext uri="{BB962C8B-B14F-4D97-AF65-F5344CB8AC3E}">
-        <p14:creationId xmlns:p14="http://schemas.microsoft.com/office/powerpoint/2010/main" val="608725396"/>
+        <p14:creationId xmlns:p14="http://schemas.microsoft.com/office/powerpoint/2010/main" val="562226385"/>
       </p:ext>
     </p:extLst>
   </p:cSld>
@@ -2729,319 +2707,80 @@
           <a:p>
             <a:r>
               <a:rPr lang="en-US" dirty="0" smtClean="0"/>
-              <a:t>Below are the full comments</a:t>
+              <a:t>Remote execution adds some</a:t>
             </a:r>
             <a:r>
               <a:rPr lang="en-US" baseline="0" dirty="0" smtClean="0"/>
-              <a:t> for the tables and columns:</a:t>
+              <a:t> complexity to privileges.  But that doesn't mean they can't be controlled.  Below are some highlights but you may also want to see security.md for details.</a:t>
+            </a:r>
+          </a:p>
+          <a:p>
+            <a:endParaRPr lang="en-US" baseline="0" dirty="0" smtClean="0"/>
+          </a:p>
+          <a:p>
+            <a:r>
+              <a:rPr lang="en-US" baseline="0" dirty="0" smtClean="0"/>
+              <a:t>This table visualizes the 4 different types of privileges you need to consider.  You have to think about the METHOD5 schema as well as user schemas, on the master database as well as the remote databases.</a:t>
+            </a:r>
+          </a:p>
+          <a:p>
+            <a:endParaRPr lang="en-US" baseline="0" dirty="0" smtClean="0"/>
+          </a:p>
+          <a:p>
+            <a:endParaRPr lang="en-US" baseline="0" dirty="0" smtClean="0"/>
+          </a:p>
+          <a:p>
+            <a:pPr marL="0" indent="0">
+              <a:buNone/>
+            </a:pPr>
+            <a:r>
+              <a:rPr lang="en-US" b="1" baseline="0" dirty="0" smtClean="0"/>
+              <a:t>1.</a:t>
+            </a:r>
+            <a:r>
+              <a:rPr lang="en-US" baseline="0" dirty="0" smtClean="0"/>
+              <a:t> METHOD5 schema on the master database, requires the highest privileges.  The program needs to run and schedule jobs for other users, which means it effectively needs DBA access.  There's a little room for configuration here but not much.</a:t>
+            </a:r>
+          </a:p>
+          <a:p>
+            <a:pPr marL="0" indent="0">
+              <a:buNone/>
+            </a:pPr>
+            <a:r>
+              <a:rPr lang="en-US" b="1" baseline="0" dirty="0" smtClean="0"/>
+              <a:t>2.</a:t>
+            </a:r>
+            <a:r>
+              <a:rPr lang="en-US" baseline="0" dirty="0" smtClean="0"/>
+              <a:t> METHOD5 schema on remote databases, also requires some potentially high privileges.  You can theoretically shrink those privileges, but that significantly decreases the usefulness of Method5 and disables the user sandbox feature.  This could be useful if, for example, you would only want to allow read-only access.</a:t>
+            </a:r>
+          </a:p>
+          <a:p>
+            <a:pPr marL="0" indent="0">
+              <a:buNone/>
+            </a:pPr>
+            <a:r>
+              <a:rPr lang="en-US" b="1" baseline="0" dirty="0" smtClean="0"/>
+              <a:t>3.</a:t>
+            </a:r>
+            <a:r>
+              <a:rPr lang="en-US" baseline="0" dirty="0" smtClean="0"/>
+              <a:t> User schema on master database, you don't have to worry about.  The privilege requirements are very small - basically just a user that can connect and create some objects on their own schema.</a:t>
+            </a:r>
+          </a:p>
+          <a:p>
+            <a:pPr marL="0" indent="0">
+              <a:buNone/>
+            </a:pPr>
+            <a:r>
+              <a:rPr lang="en-US" b="1" baseline="0" dirty="0" smtClean="0"/>
+              <a:t>4.</a:t>
+            </a:r>
+            <a:r>
+              <a:rPr lang="en-US" baseline="0" dirty="0" smtClean="0"/>
+              <a:t> User schema on remote database, is the most important privilege. It is completely configurable.  You can create a user with almost no privileges (that can only use public objects), up to allowing DBA.  For non-DBA users, a temporary sandbox schema is created for each execution.  That schema is only granted the exact privileges specified.  Since it's an isolated Oracle user there's no way for them to break out of their jail.  (Unless your databases already have security holes, like important tables granted to public.)</a:t>
             </a:r>
             <a:endParaRPr lang="en-US" dirty="0" smtClean="0"/>
-          </a:p>
-          <a:p>
-            <a:endParaRPr lang="en-US" dirty="0" smtClean="0"/>
-          </a:p>
-          <a:p>
-            <a:r>
-              <a:rPr lang="en-US" sz="1200" kern="1200" dirty="0" smtClean="0">
-                <a:solidFill>
-                  <a:schemeClr val="tx1"/>
-                </a:solidFill>
-                <a:effectLst/>
-                <a:latin typeface="+mn-lt"/>
-                <a:ea typeface="+mn-ea"/>
-                <a:cs typeface="+mn-cs"/>
-              </a:rPr>
-              <a:t>**METHOD5.M5_USER** is mostly used for authentication and authorization.</a:t>
-            </a:r>
-            <a:br>
-              <a:rPr lang="en-US" sz="1200" kern="1200" dirty="0" smtClean="0">
-                <a:solidFill>
-                  <a:schemeClr val="tx1"/>
-                </a:solidFill>
-                <a:effectLst/>
-                <a:latin typeface="+mn-lt"/>
-                <a:ea typeface="+mn-ea"/>
-                <a:cs typeface="+mn-cs"/>
-              </a:rPr>
-            </a:br>
-            <a:r>
-              <a:rPr lang="en-US" sz="1200" kern="1200" dirty="0" smtClean="0">
-                <a:solidFill>
-                  <a:schemeClr val="tx1"/>
-                </a:solidFill>
-                <a:effectLst/>
-                <a:latin typeface="+mn-lt"/>
-                <a:ea typeface="+mn-ea"/>
-                <a:cs typeface="+mn-cs"/>
-              </a:rPr>
-              <a:t>  * ORACLE_USERNAME: Individual Oracle account used to access Method5.  Do not use a shared account.</a:t>
-            </a:r>
-            <a:br>
-              <a:rPr lang="en-US" sz="1200" kern="1200" dirty="0" smtClean="0">
-                <a:solidFill>
-                  <a:schemeClr val="tx1"/>
-                </a:solidFill>
-                <a:effectLst/>
-                <a:latin typeface="+mn-lt"/>
-                <a:ea typeface="+mn-ea"/>
-                <a:cs typeface="+mn-cs"/>
-              </a:rPr>
-            </a:br>
-            <a:r>
-              <a:rPr lang="en-US" sz="1200" kern="1200" dirty="0" smtClean="0">
-                <a:solidFill>
-                  <a:schemeClr val="tx1"/>
-                </a:solidFill>
-                <a:effectLst/>
-                <a:latin typeface="+mn-lt"/>
-                <a:ea typeface="+mn-ea"/>
-                <a:cs typeface="+mn-cs"/>
-              </a:rPr>
-              <a:t>  * OS_USERNAME: Individual operating system account used to access Method5.  Depending on your system and network configuration enforcing this username may also ensure two factor authentication.  Do not use a shared account.</a:t>
-            </a:r>
-            <a:br>
-              <a:rPr lang="en-US" sz="1200" kern="1200" dirty="0" smtClean="0">
-                <a:solidFill>
-                  <a:schemeClr val="tx1"/>
-                </a:solidFill>
-                <a:effectLst/>
-                <a:latin typeface="+mn-lt"/>
-                <a:ea typeface="+mn-ea"/>
-                <a:cs typeface="+mn-cs"/>
-              </a:rPr>
-            </a:br>
-            <a:r>
-              <a:rPr lang="en-US" sz="1200" kern="1200" dirty="0" smtClean="0">
-                <a:solidFill>
-                  <a:schemeClr val="tx1"/>
-                </a:solidFill>
-                <a:effectLst/>
-                <a:latin typeface="+mn-lt"/>
-                <a:ea typeface="+mn-ea"/>
-                <a:cs typeface="+mn-cs"/>
-              </a:rPr>
-              <a:t>  * EMAIL_ADDRESS: Only necessary for administrators so they can be notified when configuration tables are changed.</a:t>
-            </a:r>
-            <a:br>
-              <a:rPr lang="en-US" sz="1200" kern="1200" dirty="0" smtClean="0">
-                <a:solidFill>
-                  <a:schemeClr val="tx1"/>
-                </a:solidFill>
-                <a:effectLst/>
-                <a:latin typeface="+mn-lt"/>
-                <a:ea typeface="+mn-ea"/>
-                <a:cs typeface="+mn-cs"/>
-              </a:rPr>
-            </a:br>
-            <a:r>
-              <a:rPr lang="en-US" sz="1200" kern="1200" dirty="0" smtClean="0">
-                <a:solidFill>
-                  <a:schemeClr val="tx1"/>
-                </a:solidFill>
-                <a:effectLst/>
-                <a:latin typeface="+mn-lt"/>
-                <a:ea typeface="+mn-ea"/>
-                <a:cs typeface="+mn-cs"/>
-              </a:rPr>
-              <a:t>  * IS_M5_ADMIN: Can this user change Method5 configuration tables.  This user will also receive emails about configuration problems and changes.  Either Yes or No.</a:t>
-            </a:r>
-            <a:br>
-              <a:rPr lang="en-US" sz="1200" kern="1200" dirty="0" smtClean="0">
-                <a:solidFill>
-                  <a:schemeClr val="tx1"/>
-                </a:solidFill>
-                <a:effectLst/>
-                <a:latin typeface="+mn-lt"/>
-                <a:ea typeface="+mn-ea"/>
-                <a:cs typeface="+mn-cs"/>
-              </a:rPr>
-            </a:br>
-            <a:r>
-              <a:rPr lang="en-US" sz="1200" kern="1200" dirty="0" smtClean="0">
-                <a:solidFill>
-                  <a:schemeClr val="tx1"/>
-                </a:solidFill>
-                <a:effectLst/>
-                <a:latin typeface="+mn-lt"/>
-                <a:ea typeface="+mn-ea"/>
-                <a:cs typeface="+mn-cs"/>
-              </a:rPr>
-              <a:t>  * DEFAULT_TARGETS: Use this target list if none is specified.  Leave NULL to use the global default set in M5_CONFIG.</a:t>
-            </a:r>
-            <a:br>
-              <a:rPr lang="en-US" sz="1200" kern="1200" dirty="0" smtClean="0">
-                <a:solidFill>
-                  <a:schemeClr val="tx1"/>
-                </a:solidFill>
-                <a:effectLst/>
-                <a:latin typeface="+mn-lt"/>
-                <a:ea typeface="+mn-ea"/>
-                <a:cs typeface="+mn-cs"/>
-              </a:rPr>
-            </a:br>
-            <a:r>
-              <a:rPr lang="en-US" sz="1200" kern="1200" dirty="0" smtClean="0">
-                <a:solidFill>
-                  <a:schemeClr val="tx1"/>
-                </a:solidFill>
-                <a:effectLst/>
-                <a:latin typeface="+mn-lt"/>
-                <a:ea typeface="+mn-ea"/>
-                <a:cs typeface="+mn-cs"/>
-              </a:rPr>
-              <a:t>  * CAN_USE_SQL_FOR_TARGETS: Can use a SELECT SQL statement for choosing targets.  Target SELECT statements are run as Method5 so only grant this to trusted users.  Either Yes or No.</a:t>
-            </a:r>
-            <a:br>
-              <a:rPr lang="en-US" sz="1200" kern="1200" dirty="0" smtClean="0">
-                <a:solidFill>
-                  <a:schemeClr val="tx1"/>
-                </a:solidFill>
-                <a:effectLst/>
-                <a:latin typeface="+mn-lt"/>
-                <a:ea typeface="+mn-ea"/>
-                <a:cs typeface="+mn-cs"/>
-              </a:rPr>
-            </a:br>
-            <a:r>
-              <a:rPr lang="en-US" sz="1200" kern="1200" dirty="0" smtClean="0">
-                <a:solidFill>
-                  <a:schemeClr val="tx1"/>
-                </a:solidFill>
-                <a:effectLst/>
-                <a:latin typeface="+mn-lt"/>
-                <a:ea typeface="+mn-ea"/>
-                <a:cs typeface="+mn-cs"/>
-              </a:rPr>
-              <a:t>  * CAN_DROP_TAB_IN_OTHER_SCHEMA: Can set P_TABLE_NAME to be in a different schema.  That may sound innocent but it also implies the user can drop or delete data from other schemas on the management database.  Only give this to users you trust on the management database.  Either Yes or No.</a:t>
-            </a:r>
-            <a:endParaRPr lang="en-US" dirty="0" smtClean="0"/>
-          </a:p>
-          <a:p>
-            <a:endParaRPr lang="en-US" dirty="0" smtClean="0"/>
-          </a:p>
-          <a:p>
-            <a:r>
-              <a:rPr lang="en-US" dirty="0" smtClean="0"/>
-              <a:t>**METHOD5.M5_ROLE** allows complete control over the targets and features available to each user.  The column comments explain how to use each setting:</a:t>
-            </a:r>
-          </a:p>
-          <a:p>
-            <a:r>
-              <a:rPr lang="en-US" dirty="0" smtClean="0"/>
-              <a:t>  * ROLE_NAME: Name of the role.</a:t>
-            </a:r>
-          </a:p>
-          <a:p>
-            <a:r>
-              <a:rPr lang="en-US" dirty="0" smtClean="0"/>
-              <a:t>  * TARGET_STRING: String that describes available targets.  Works the same way as the parameter P_TARGETS.  Use % to mean everything.</a:t>
-            </a:r>
-          </a:p>
-          <a:p>
-            <a:r>
-              <a:rPr lang="en-US" dirty="0" smtClean="0"/>
-              <a:t>  * CAN_RUN_AS_SYS: Can run commands as SYS.  Either Yes or No.</a:t>
-            </a:r>
-          </a:p>
-          <a:p>
-            <a:r>
-              <a:rPr lang="en-US" dirty="0" smtClean="0"/>
-              <a:t>  * CAN_RUN_SHELL_SCRIPT: Can run shell scripts on the host.  Either Yes or No.</a:t>
-            </a:r>
-          </a:p>
-          <a:p>
-            <a:r>
-              <a:rPr lang="en-US" dirty="0" smtClean="0"/>
-              <a:t>  * INSTALL_LINKS_IN_SCHEMA: Are private links installed in the user schemas.  Either Yes or NO.</a:t>
-            </a:r>
-          </a:p>
-          <a:p>
-            <a:r>
-              <a:rPr lang="en-US" dirty="0" smtClean="0"/>
-              <a:t>  * RUN_AS_M5_OR_SANDBOX: Run as the user Method5 (with all privileges) or as a temporary sandbox users with precisely controlled privileges.  Either M5 or SANDBOX.</a:t>
-            </a:r>
-          </a:p>
-          <a:p>
-            <a:r>
-              <a:rPr lang="en-US" dirty="0" smtClean="0"/>
-              <a:t>  * SANDBOX_DEFAULT_TS: The permanent tablespace for the sandbox user.  Only used if RUN_AS_M5_OR_SANDBOX is set to SANDBOX.  If NULL or the tablespace is not found the default permanent tablespace is used.</a:t>
-            </a:r>
-          </a:p>
-          <a:p>
-            <a:r>
-              <a:rPr lang="en-US" dirty="0" smtClean="0"/>
-              <a:t>  * SANDBOX_TEMPORARY_TS: The temporary tablespace for the sandbox user.  Only used if RUN_AS_M5_OR_SANDBOX is set to SANDBOX.  If NULL or the tablespace is not found the default temporary tablespace is used.</a:t>
-            </a:r>
-          </a:p>
-          <a:p>
-            <a:r>
-              <a:rPr lang="en-US" dirty="0" smtClean="0"/>
-              <a:t>  * SANDBOX_QUOTA: The quota on the permanent tablespace for the </a:t>
-            </a:r>
-            <a:r>
-              <a:rPr lang="en-US" dirty="0" err="1" smtClean="0"/>
-              <a:t>sanbox</a:t>
-            </a:r>
-            <a:r>
-              <a:rPr lang="en-US" dirty="0" smtClean="0"/>
-              <a:t> user.  Only used if RUN_AS_M5_OR_SANDBOX is set to SANDBOX.  This string can be a SIZE_CLAUSE.  For example, the values can be 10G, 9999999, 5M, etc.  If NULL then UNLIMITED will be used.</a:t>
-            </a:r>
-          </a:p>
-          <a:p>
-            <a:r>
-              <a:rPr lang="en-US" dirty="0" smtClean="0"/>
-              <a:t>  * SANDBOX_PROFILE: The profile used for the sandbox user.  Only used if RUN_AS_M5_OR_SANDBOX is set to SANDBOX.  If NULL or the profile is not found the DEFAULT profile is used.</a:t>
-            </a:r>
-          </a:p>
-          <a:p>
-            <a:endParaRPr lang="en-US" dirty="0" smtClean="0"/>
-          </a:p>
-          <a:p>
-            <a:r>
-              <a:rPr lang="en-US" dirty="0" smtClean="0"/>
-              <a:t>**METHOD5.M5_ROLE_PRIV** grants privileges to an M5_ROLE.</a:t>
-            </a:r>
-          </a:p>
-          <a:p>
-            <a:r>
-              <a:rPr lang="en-US" dirty="0" smtClean="0"/>
-              <a:t>  * ROLE_NAME: Role name from METHOD5.ROLE.ROLE_NAME.</a:t>
-            </a:r>
-          </a:p>
-          <a:p>
-            <a:r>
-              <a:rPr lang="en-US" dirty="0" smtClean="0"/>
-              <a:t>  * PRIVILEGE: An Oracle system privilege, object privilege, or role.  This string will be placed in the middle of:  grant &lt;privilege&gt; to m5_temp_sandbox_XYZ;  For example: </a:t>
-            </a:r>
-            <a:r>
-              <a:rPr lang="en-US" dirty="0" err="1" smtClean="0"/>
-              <a:t>select_catalog_role</a:t>
-            </a:r>
-            <a:r>
-              <a:rPr lang="en-US" dirty="0" smtClean="0"/>
-              <a:t>, select any table, delete any table.</a:t>
-            </a:r>
-          </a:p>
-          <a:p>
-            <a:endParaRPr lang="en-US" dirty="0" smtClean="0"/>
-          </a:p>
-          <a:p>
-            <a:r>
-              <a:rPr lang="en-US" dirty="0" smtClean="0"/>
-              <a:t>**METHOD5.M5_USER_ROLE** grants a M5_ROLE to an M5_USER.</a:t>
-            </a:r>
-          </a:p>
-          <a:p>
-            <a:r>
-              <a:rPr lang="en-US" dirty="0" smtClean="0"/>
-              <a:t>  * ORACLE_USERNAME: Oracle username from METHOD5.M5_USER.ORACLE_USERNAME.</a:t>
-            </a:r>
-          </a:p>
-          <a:p>
-            <a:r>
-              <a:rPr lang="en-US" dirty="0" smtClean="0"/>
-              <a:t>  * ROLE_NAME: Role name from METHOD5.ROLE.ROLE_NAME.</a:t>
-            </a:r>
           </a:p>
         </p:txBody>
       </p:sp>
@@ -3071,7 +2810,7 @@
     </p:spTree>
     <p:extLst>
       <p:ext uri="{BB962C8B-B14F-4D97-AF65-F5344CB8AC3E}">
-        <p14:creationId xmlns:p14="http://schemas.microsoft.com/office/powerpoint/2010/main" val="1027261027"/>
+        <p14:creationId xmlns:p14="http://schemas.microsoft.com/office/powerpoint/2010/main" val="608725396"/>
       </p:ext>
     </p:extLst>
   </p:cSld>
@@ -3127,13 +2866,319 @@
           <a:p>
             <a:r>
               <a:rPr lang="en-US" dirty="0" smtClean="0"/>
-              <a:t>With Method5 it becomes almost trivial to harmonize</a:t>
+              <a:t>Below are the full comments</a:t>
             </a:r>
             <a:r>
               <a:rPr lang="en-US" baseline="0" dirty="0" smtClean="0"/>
-              <a:t> common security settings.  These simple snippets can save hours of data gathering, enabling you to compare settings that you would never otherwise bother to compare.</a:t>
-            </a:r>
-            <a:endParaRPr lang="en-US" dirty="0"/>
+              <a:t> for the tables and columns:</a:t>
+            </a:r>
+            <a:endParaRPr lang="en-US" dirty="0" smtClean="0"/>
+          </a:p>
+          <a:p>
+            <a:endParaRPr lang="en-US" dirty="0" smtClean="0"/>
+          </a:p>
+          <a:p>
+            <a:r>
+              <a:rPr lang="en-US" sz="1200" kern="1200" dirty="0" smtClean="0">
+                <a:solidFill>
+                  <a:schemeClr val="tx1"/>
+                </a:solidFill>
+                <a:effectLst/>
+                <a:latin typeface="+mn-lt"/>
+                <a:ea typeface="+mn-ea"/>
+                <a:cs typeface="+mn-cs"/>
+              </a:rPr>
+              <a:t>**METHOD5.M5_USER** is mostly used for authentication and authorization.</a:t>
+            </a:r>
+            <a:br>
+              <a:rPr lang="en-US" sz="1200" kern="1200" dirty="0" smtClean="0">
+                <a:solidFill>
+                  <a:schemeClr val="tx1"/>
+                </a:solidFill>
+                <a:effectLst/>
+                <a:latin typeface="+mn-lt"/>
+                <a:ea typeface="+mn-ea"/>
+                <a:cs typeface="+mn-cs"/>
+              </a:rPr>
+            </a:br>
+            <a:r>
+              <a:rPr lang="en-US" sz="1200" kern="1200" dirty="0" smtClean="0">
+                <a:solidFill>
+                  <a:schemeClr val="tx1"/>
+                </a:solidFill>
+                <a:effectLst/>
+                <a:latin typeface="+mn-lt"/>
+                <a:ea typeface="+mn-ea"/>
+                <a:cs typeface="+mn-cs"/>
+              </a:rPr>
+              <a:t>  * ORACLE_USERNAME: Individual Oracle account used to access Method5.  Do not use a shared account.</a:t>
+            </a:r>
+            <a:br>
+              <a:rPr lang="en-US" sz="1200" kern="1200" dirty="0" smtClean="0">
+                <a:solidFill>
+                  <a:schemeClr val="tx1"/>
+                </a:solidFill>
+                <a:effectLst/>
+                <a:latin typeface="+mn-lt"/>
+                <a:ea typeface="+mn-ea"/>
+                <a:cs typeface="+mn-cs"/>
+              </a:rPr>
+            </a:br>
+            <a:r>
+              <a:rPr lang="en-US" sz="1200" kern="1200" dirty="0" smtClean="0">
+                <a:solidFill>
+                  <a:schemeClr val="tx1"/>
+                </a:solidFill>
+                <a:effectLst/>
+                <a:latin typeface="+mn-lt"/>
+                <a:ea typeface="+mn-ea"/>
+                <a:cs typeface="+mn-cs"/>
+              </a:rPr>
+              <a:t>  * OS_USERNAME: Individual operating system account used to access Method5.  Depending on your system and network configuration enforcing this username may also ensure two factor authentication.  Do not use a shared account.</a:t>
+            </a:r>
+            <a:br>
+              <a:rPr lang="en-US" sz="1200" kern="1200" dirty="0" smtClean="0">
+                <a:solidFill>
+                  <a:schemeClr val="tx1"/>
+                </a:solidFill>
+                <a:effectLst/>
+                <a:latin typeface="+mn-lt"/>
+                <a:ea typeface="+mn-ea"/>
+                <a:cs typeface="+mn-cs"/>
+              </a:rPr>
+            </a:br>
+            <a:r>
+              <a:rPr lang="en-US" sz="1200" kern="1200" dirty="0" smtClean="0">
+                <a:solidFill>
+                  <a:schemeClr val="tx1"/>
+                </a:solidFill>
+                <a:effectLst/>
+                <a:latin typeface="+mn-lt"/>
+                <a:ea typeface="+mn-ea"/>
+                <a:cs typeface="+mn-cs"/>
+              </a:rPr>
+              <a:t>  * EMAIL_ADDRESS: Only necessary for administrators so they can be notified when configuration tables are changed.</a:t>
+            </a:r>
+            <a:br>
+              <a:rPr lang="en-US" sz="1200" kern="1200" dirty="0" smtClean="0">
+                <a:solidFill>
+                  <a:schemeClr val="tx1"/>
+                </a:solidFill>
+                <a:effectLst/>
+                <a:latin typeface="+mn-lt"/>
+                <a:ea typeface="+mn-ea"/>
+                <a:cs typeface="+mn-cs"/>
+              </a:rPr>
+            </a:br>
+            <a:r>
+              <a:rPr lang="en-US" sz="1200" kern="1200" dirty="0" smtClean="0">
+                <a:solidFill>
+                  <a:schemeClr val="tx1"/>
+                </a:solidFill>
+                <a:effectLst/>
+                <a:latin typeface="+mn-lt"/>
+                <a:ea typeface="+mn-ea"/>
+                <a:cs typeface="+mn-cs"/>
+              </a:rPr>
+              <a:t>  * IS_M5_ADMIN: Can this user change Method5 configuration tables.  This user will also receive emails about configuration problems and changes.  Either Yes or No.</a:t>
+            </a:r>
+            <a:br>
+              <a:rPr lang="en-US" sz="1200" kern="1200" dirty="0" smtClean="0">
+                <a:solidFill>
+                  <a:schemeClr val="tx1"/>
+                </a:solidFill>
+                <a:effectLst/>
+                <a:latin typeface="+mn-lt"/>
+                <a:ea typeface="+mn-ea"/>
+                <a:cs typeface="+mn-cs"/>
+              </a:rPr>
+            </a:br>
+            <a:r>
+              <a:rPr lang="en-US" sz="1200" kern="1200" dirty="0" smtClean="0">
+                <a:solidFill>
+                  <a:schemeClr val="tx1"/>
+                </a:solidFill>
+                <a:effectLst/>
+                <a:latin typeface="+mn-lt"/>
+                <a:ea typeface="+mn-ea"/>
+                <a:cs typeface="+mn-cs"/>
+              </a:rPr>
+              <a:t>  * DEFAULT_TARGETS: Use this target list if none is specified.  Leave NULL to use the global default set in M5_CONFIG.</a:t>
+            </a:r>
+            <a:br>
+              <a:rPr lang="en-US" sz="1200" kern="1200" dirty="0" smtClean="0">
+                <a:solidFill>
+                  <a:schemeClr val="tx1"/>
+                </a:solidFill>
+                <a:effectLst/>
+                <a:latin typeface="+mn-lt"/>
+                <a:ea typeface="+mn-ea"/>
+                <a:cs typeface="+mn-cs"/>
+              </a:rPr>
+            </a:br>
+            <a:r>
+              <a:rPr lang="en-US" sz="1200" kern="1200" dirty="0" smtClean="0">
+                <a:solidFill>
+                  <a:schemeClr val="tx1"/>
+                </a:solidFill>
+                <a:effectLst/>
+                <a:latin typeface="+mn-lt"/>
+                <a:ea typeface="+mn-ea"/>
+                <a:cs typeface="+mn-cs"/>
+              </a:rPr>
+              <a:t>  * CAN_USE_SQL_FOR_TARGETS: Can use a SELECT SQL statement for choosing targets.  Target SELECT statements are run as Method5 so only grant this to trusted users.  Either Yes or No.</a:t>
+            </a:r>
+            <a:br>
+              <a:rPr lang="en-US" sz="1200" kern="1200" dirty="0" smtClean="0">
+                <a:solidFill>
+                  <a:schemeClr val="tx1"/>
+                </a:solidFill>
+                <a:effectLst/>
+                <a:latin typeface="+mn-lt"/>
+                <a:ea typeface="+mn-ea"/>
+                <a:cs typeface="+mn-cs"/>
+              </a:rPr>
+            </a:br>
+            <a:r>
+              <a:rPr lang="en-US" sz="1200" kern="1200" dirty="0" smtClean="0">
+                <a:solidFill>
+                  <a:schemeClr val="tx1"/>
+                </a:solidFill>
+                <a:effectLst/>
+                <a:latin typeface="+mn-lt"/>
+                <a:ea typeface="+mn-ea"/>
+                <a:cs typeface="+mn-cs"/>
+              </a:rPr>
+              <a:t>  * CAN_DROP_TAB_IN_OTHER_SCHEMA: Can set P_TABLE_NAME to be in a different schema.  That may sound innocent but it also implies the user can drop or delete data from other schemas on the management database.  Only give this to users you trust on the management database.  Either Yes or No.</a:t>
+            </a:r>
+            <a:endParaRPr lang="en-US" dirty="0" smtClean="0"/>
+          </a:p>
+          <a:p>
+            <a:endParaRPr lang="en-US" dirty="0" smtClean="0"/>
+          </a:p>
+          <a:p>
+            <a:r>
+              <a:rPr lang="en-US" dirty="0" smtClean="0"/>
+              <a:t>**METHOD5.M5_ROLE** allows complete control over the targets and features available to each user.  The column comments explain how to use each setting:</a:t>
+            </a:r>
+          </a:p>
+          <a:p>
+            <a:r>
+              <a:rPr lang="en-US" dirty="0" smtClean="0"/>
+              <a:t>  * ROLE_NAME: Name of the role.</a:t>
+            </a:r>
+          </a:p>
+          <a:p>
+            <a:r>
+              <a:rPr lang="en-US" dirty="0" smtClean="0"/>
+              <a:t>  * TARGET_STRING: String that describes available targets.  Works the same way as the parameter P_TARGETS.  Use % to mean everything.</a:t>
+            </a:r>
+          </a:p>
+          <a:p>
+            <a:r>
+              <a:rPr lang="en-US" dirty="0" smtClean="0"/>
+              <a:t>  * CAN_RUN_AS_SYS: Can run commands as SYS.  Either Yes or No.</a:t>
+            </a:r>
+          </a:p>
+          <a:p>
+            <a:r>
+              <a:rPr lang="en-US" dirty="0" smtClean="0"/>
+              <a:t>  * CAN_RUN_SHELL_SCRIPT: Can run shell scripts on the host.  Either Yes or No.</a:t>
+            </a:r>
+          </a:p>
+          <a:p>
+            <a:r>
+              <a:rPr lang="en-US" dirty="0" smtClean="0"/>
+              <a:t>  * INSTALL_LINKS_IN_SCHEMA: Are private links installed in the user schemas.  Either Yes or NO.</a:t>
+            </a:r>
+          </a:p>
+          <a:p>
+            <a:r>
+              <a:rPr lang="en-US" dirty="0" smtClean="0"/>
+              <a:t>  * RUN_AS_M5_OR_SANDBOX: Run as the user Method5 (with all privileges) or as a temporary sandbox users with precisely controlled privileges.  Either M5 or SANDBOX.</a:t>
+            </a:r>
+          </a:p>
+          <a:p>
+            <a:r>
+              <a:rPr lang="en-US" dirty="0" smtClean="0"/>
+              <a:t>  * SANDBOX_DEFAULT_TS: The permanent tablespace for the sandbox user.  Only used if RUN_AS_M5_OR_SANDBOX is set to SANDBOX.  If NULL or the tablespace is not found the default permanent tablespace is used.</a:t>
+            </a:r>
+          </a:p>
+          <a:p>
+            <a:r>
+              <a:rPr lang="en-US" dirty="0" smtClean="0"/>
+              <a:t>  * SANDBOX_TEMPORARY_TS: The temporary tablespace for the sandbox user.  Only used if RUN_AS_M5_OR_SANDBOX is set to SANDBOX.  If NULL or the tablespace is not found the default temporary tablespace is used.</a:t>
+            </a:r>
+          </a:p>
+          <a:p>
+            <a:r>
+              <a:rPr lang="en-US" dirty="0" smtClean="0"/>
+              <a:t>  * SANDBOX_QUOTA: The quota on the permanent tablespace for the </a:t>
+            </a:r>
+            <a:r>
+              <a:rPr lang="en-US" dirty="0" err="1" smtClean="0"/>
+              <a:t>sanbox</a:t>
+            </a:r>
+            <a:r>
+              <a:rPr lang="en-US" dirty="0" smtClean="0"/>
+              <a:t> user.  Only used if RUN_AS_M5_OR_SANDBOX is set to SANDBOX.  This string can be a SIZE_CLAUSE.  For example, the values can be 10G, 9999999, 5M, etc.  If NULL then UNLIMITED will be used.</a:t>
+            </a:r>
+          </a:p>
+          <a:p>
+            <a:r>
+              <a:rPr lang="en-US" dirty="0" smtClean="0"/>
+              <a:t>  * SANDBOX_PROFILE: The profile used for the sandbox user.  Only used if RUN_AS_M5_OR_SANDBOX is set to SANDBOX.  If NULL or the profile is not found the DEFAULT profile is used.</a:t>
+            </a:r>
+          </a:p>
+          <a:p>
+            <a:endParaRPr lang="en-US" dirty="0" smtClean="0"/>
+          </a:p>
+          <a:p>
+            <a:r>
+              <a:rPr lang="en-US" dirty="0" smtClean="0"/>
+              <a:t>**METHOD5.M5_ROLE_PRIV** grants privileges to an M5_ROLE.</a:t>
+            </a:r>
+          </a:p>
+          <a:p>
+            <a:r>
+              <a:rPr lang="en-US" dirty="0" smtClean="0"/>
+              <a:t>  * ROLE_NAME: Role name from METHOD5.ROLE.ROLE_NAME.</a:t>
+            </a:r>
+          </a:p>
+          <a:p>
+            <a:r>
+              <a:rPr lang="en-US" dirty="0" smtClean="0"/>
+              <a:t>  * PRIVILEGE: An Oracle system privilege, object privilege, or role.  This string will be placed in the middle of:  grant &lt;privilege&gt; to m5_temp_sandbox_XYZ;  For example: </a:t>
+            </a:r>
+            <a:r>
+              <a:rPr lang="en-US" dirty="0" err="1" smtClean="0"/>
+              <a:t>select_catalog_role</a:t>
+            </a:r>
+            <a:r>
+              <a:rPr lang="en-US" dirty="0" smtClean="0"/>
+              <a:t>, select any table, delete any table.</a:t>
+            </a:r>
+          </a:p>
+          <a:p>
+            <a:endParaRPr lang="en-US" dirty="0" smtClean="0"/>
+          </a:p>
+          <a:p>
+            <a:r>
+              <a:rPr lang="en-US" dirty="0" smtClean="0"/>
+              <a:t>**METHOD5.M5_USER_ROLE** grants a M5_ROLE to an M5_USER.</a:t>
+            </a:r>
+          </a:p>
+          <a:p>
+            <a:r>
+              <a:rPr lang="en-US" dirty="0" smtClean="0"/>
+              <a:t>  * ORACLE_USERNAME: Oracle username from METHOD5.M5_USER.ORACLE_USERNAME.</a:t>
+            </a:r>
+          </a:p>
+          <a:p>
+            <a:r>
+              <a:rPr lang="en-US" dirty="0" smtClean="0"/>
+              <a:t>  * ROLE_NAME: Role name from METHOD5.ROLE.ROLE_NAME.</a:t>
+            </a:r>
           </a:p>
         </p:txBody>
       </p:sp>
@@ -3163,7 +3208,7 @@
     </p:spTree>
     <p:extLst>
       <p:ext uri="{BB962C8B-B14F-4D97-AF65-F5344CB8AC3E}">
-        <p14:creationId xmlns:p14="http://schemas.microsoft.com/office/powerpoint/2010/main" val="1090440651"/>
+        <p14:creationId xmlns:p14="http://schemas.microsoft.com/office/powerpoint/2010/main" val="1027261027"/>
       </p:ext>
     </p:extLst>
   </p:cSld>
@@ -3200,12 +3245,7 @@
             <p:ph type="sldImg"/>
           </p:nvPr>
         </p:nvSpPr>
-        <p:spPr>
-          <a:xfrm>
-            <a:off x="381000" y="685800"/>
-            <a:ext cx="6096000" cy="3429000"/>
-          </a:xfrm>
-        </p:spPr>
+        <p:spPr/>
       </p:sp>
       <p:sp>
         <p:nvSpPr>
@@ -3224,77 +3264,13 @@
           <a:p>
             <a:r>
               <a:rPr lang="en-US" dirty="0" smtClean="0"/>
-              <a:t>1. Method5 isn't simply faster than your existing processes.</a:t>
+              <a:t>With Method5 it becomes almost trivial to harmonize</a:t>
             </a:r>
             <a:r>
               <a:rPr lang="en-US" baseline="0" dirty="0" smtClean="0"/>
-              <a:t>  It's so much faster that it can change your attitude toward solving problems.</a:t>
-            </a:r>
-            <a:endParaRPr lang="en-US" dirty="0" smtClean="0"/>
-          </a:p>
-          <a:p>
-            <a:r>
-              <a:rPr lang="en-US" dirty="0" smtClean="0"/>
-              <a:t>2. For every problem, spend a minute thinking if there's a way to find it, fix it, and prevent it on other databases.  There's no more excuse to not check every database - it only takes one line of code.</a:t>
-            </a:r>
-          </a:p>
-          <a:p>
-            <a:pPr marL="0" marR="0" indent="0" algn="l" defTabSz="914400" rtl="0" eaLnBrk="1" fontAlgn="auto" latinLnBrk="0" hangingPunct="1">
-              <a:lnSpc>
-                <a:spcPct val="100000"/>
-              </a:lnSpc>
-              <a:spcBef>
-                <a:spcPts val="0"/>
-              </a:spcBef>
-              <a:spcAft>
-                <a:spcPts val="0"/>
-              </a:spcAft>
-              <a:buClrTx/>
-              <a:buSzTx/>
-              <a:buFontTx/>
-              <a:buNone/>
-              <a:tabLst/>
-              <a:defRPr/>
-            </a:pPr>
-            <a:r>
-              <a:rPr lang="en-US" dirty="0" smtClean="0"/>
-              <a:t>3. Start being more proactive - no more Groundhog Day administration.</a:t>
-            </a:r>
-            <a:r>
-              <a:rPr lang="en-US" baseline="0" dirty="0" smtClean="0"/>
-              <a:t>  </a:t>
-            </a:r>
-            <a:r>
-              <a:rPr lang="en-US" dirty="0" smtClean="0"/>
-              <a:t>Even if the problem only takes you 5 minutes to fix each time, consider how much time everyone else spends on it before it even</a:t>
-            </a:r>
-            <a:r>
-              <a:rPr lang="en-US" baseline="0" dirty="0" smtClean="0"/>
-              <a:t> gets reported to you</a:t>
-            </a:r>
-            <a:r>
-              <a:rPr lang="en-US" dirty="0" smtClean="0"/>
-              <a:t>.  When</a:t>
-            </a:r>
-            <a:r>
-              <a:rPr lang="en-US" baseline="0" dirty="0" smtClean="0"/>
-              <a:t> you find a problem and write a Method5 snippet for it, save that code.  After a while you can generate a preventive maintenance program that you can run periodically to fix things before they become a problem.  </a:t>
-            </a:r>
-            <a:r>
-              <a:rPr lang="en-US" dirty="0" smtClean="0"/>
-              <a:t>You'll be amazed how often a single query today can save your organization hours of work tomorrow.</a:t>
-            </a:r>
-          </a:p>
-          <a:p>
-            <a:r>
-              <a:rPr lang="en-US" dirty="0" smtClean="0"/>
-              <a:t>4. If we could wave a magic wand it would be great</a:t>
-            </a:r>
-            <a:r>
-              <a:rPr lang="en-US" baseline="0" dirty="0" smtClean="0"/>
-              <a:t> to put our entire data center into a single box, in a single database.  While that's not possible we can sometimes pretend that's the case.  With the right remote execution tools we only need to logon to one system, and we can treat all our databases as one logical database.</a:t>
-            </a:r>
-            <a:endParaRPr lang="en-US" dirty="0" smtClean="0"/>
+              <a:t> common security settings.  These simple snippets can save hours of data gathering, enabling you to compare settings that you would never otherwise bother to compare.</a:t>
+            </a:r>
+            <a:endParaRPr lang="en-US" dirty="0"/>
           </a:p>
         </p:txBody>
       </p:sp>
@@ -3324,7 +3300,7 @@
     </p:spTree>
     <p:extLst>
       <p:ext uri="{BB962C8B-B14F-4D97-AF65-F5344CB8AC3E}">
-        <p14:creationId xmlns:p14="http://schemas.microsoft.com/office/powerpoint/2010/main" val="1321457072"/>
+        <p14:creationId xmlns:p14="http://schemas.microsoft.com/office/powerpoint/2010/main" val="1090440651"/>
       </p:ext>
     </p:extLst>
   </p:cSld>
@@ -3385,34 +3361,77 @@
           <a:p>
             <a:r>
               <a:rPr lang="en-US" dirty="0" smtClean="0"/>
-              <a:t>This is one of the few things you'll hear about at this conference that you can do </a:t>
-            </a:r>
-            <a:r>
-              <a:rPr lang="en-US" i="0" dirty="0" smtClean="0"/>
-              <a:t>right</a:t>
-            </a:r>
-            <a:r>
-              <a:rPr lang="en-US" i="0" baseline="0" dirty="0" smtClean="0"/>
-              <a:t> now</a:t>
+              <a:t>1. Method5 isn't simply faster than your existing processes.</a:t>
             </a:r>
             <a:r>
               <a:rPr lang="en-US" baseline="0" dirty="0" smtClean="0"/>
-              <a:t>.  If you are an Oracle DBA you don’t need any additional hardware, privileges, agent binaries, or money.  The default installation only creates loop-back links that refer to the same database, so you can install it on a sandbox database first if you want.</a:t>
-            </a:r>
-          </a:p>
-          <a:p>
-            <a:endParaRPr lang="en-US" baseline="0" dirty="0" smtClean="0"/>
-          </a:p>
-          <a:p>
-            <a:r>
-              <a:rPr lang="en-US" dirty="0" smtClean="0"/>
-              <a:t>Please feel free to contact me with any questions</a:t>
+              <a:t>  It's so much faster that it can change your attitude toward solving problems.</a:t>
+            </a:r>
+            <a:endParaRPr lang="en-US" dirty="0" smtClean="0"/>
+          </a:p>
+          <a:p>
+            <a:r>
+              <a:rPr lang="en-US" dirty="0" smtClean="0"/>
+              <a:t>2. For every problem, spend a minute thinking if there's a way to find it, fix it, and prevent it on other databases.  There's no more excuse to not check every database - it only takes one line of code.</a:t>
+            </a:r>
+          </a:p>
+          <a:p>
+            <a:pPr marL="0" marR="0" indent="0" algn="l" defTabSz="914400" rtl="0" eaLnBrk="1" fontAlgn="auto" latinLnBrk="0" hangingPunct="1">
+              <a:lnSpc>
+                <a:spcPct val="100000"/>
+              </a:lnSpc>
+              <a:spcBef>
+                <a:spcPts val="0"/>
+              </a:spcBef>
+              <a:spcAft>
+                <a:spcPts val="0"/>
+              </a:spcAft>
+              <a:buClrTx/>
+              <a:buSzTx/>
+              <a:buFontTx/>
+              <a:buNone/>
+              <a:tabLst/>
+              <a:defRPr/>
+            </a:pPr>
+            <a:r>
+              <a:rPr lang="en-US" dirty="0" smtClean="0"/>
+              <a:t>3. Start being more proactive - no more Groundhog Day administration.</a:t>
             </a:r>
             <a:r>
               <a:rPr lang="en-US" baseline="0" dirty="0" smtClean="0"/>
-              <a:t> or comments. I'm happy to help walk you through the installation if you want help.  If something is broken or wrong, use shame-driven-development: create a GitHub issue and embarrass me until I fix it.</a:t>
-            </a:r>
-            <a:endParaRPr lang="en-US" dirty="0"/>
+              <a:t>  </a:t>
+            </a:r>
+            <a:r>
+              <a:rPr lang="en-US" dirty="0" smtClean="0"/>
+              <a:t>Even if the problem only takes you 5 minutes to fix each time, consider how much time everyone else spends on it before it even</a:t>
+            </a:r>
+            <a:r>
+              <a:rPr lang="en-US" baseline="0" dirty="0" smtClean="0"/>
+              <a:t> gets reported to you</a:t>
+            </a:r>
+            <a:r>
+              <a:rPr lang="en-US" dirty="0" smtClean="0"/>
+              <a:t>.  When</a:t>
+            </a:r>
+            <a:r>
+              <a:rPr lang="en-US" baseline="0" dirty="0" smtClean="0"/>
+              <a:t> you find a problem and write a Method5 snippet for it, save that code.  After a while you can generate a preventive maintenance program that you can run periodically to fix things before they become a problem.  </a:t>
+            </a:r>
+            <a:r>
+              <a:rPr lang="en-US" dirty="0" smtClean="0"/>
+              <a:t>You'll be amazed how often a single query today can save your organization hours of work tomorrow.</a:t>
+            </a:r>
+          </a:p>
+          <a:p>
+            <a:r>
+              <a:rPr lang="en-US" dirty="0" smtClean="0"/>
+              <a:t>4. If we could wave a magic wand it would be great</a:t>
+            </a:r>
+            <a:r>
+              <a:rPr lang="en-US" baseline="0" dirty="0" smtClean="0"/>
+              <a:t> to put our entire data center into a single box, in a single database.  While that's not possible we can sometimes pretend that's the case.  With the right remote execution tools we only need to logon to one system, and we can treat all our databases as one logical database.</a:t>
+            </a:r>
+            <a:endParaRPr lang="en-US" dirty="0" smtClean="0"/>
           </a:p>
         </p:txBody>
       </p:sp>
@@ -3434,6 +3453,124 @@
             <a:fld id="{72AE7ADF-BF07-437B-AD5B-68C1A8D7189D}" type="slidenum">
               <a:rPr lang="en-US" smtClean="0"/>
               <a:t>25</a:t>
+            </a:fld>
+            <a:endParaRPr lang="en-US"/>
+          </a:p>
+        </p:txBody>
+      </p:sp>
+    </p:spTree>
+    <p:extLst>
+      <p:ext uri="{BB962C8B-B14F-4D97-AF65-F5344CB8AC3E}">
+        <p14:creationId xmlns:p14="http://schemas.microsoft.com/office/powerpoint/2010/main" val="1321457072"/>
+      </p:ext>
+    </p:extLst>
+  </p:cSld>
+  <p:clrMapOvr>
+    <a:masterClrMapping/>
+  </p:clrMapOvr>
+</p:notes>
+</file>
+
+<file path=ppt/notesSlides/notesSlide26.xml><?xml version="1.0" encoding="utf-8"?>
+<p:notes xmlns:a="http://schemas.openxmlformats.org/drawingml/2006/main" xmlns:r="http://schemas.openxmlformats.org/officeDocument/2006/relationships" xmlns:p="http://schemas.openxmlformats.org/presentationml/2006/main">
+  <p:cSld>
+    <p:spTree>
+      <p:nvGrpSpPr>
+        <p:cNvPr id="1" name=""/>
+        <p:cNvGrpSpPr/>
+        <p:nvPr/>
+      </p:nvGrpSpPr>
+      <p:grpSpPr>
+        <a:xfrm>
+          <a:off x="0" y="0"/>
+          <a:ext cx="0" cy="0"/>
+          <a:chOff x="0" y="0"/>
+          <a:chExt cx="0" cy="0"/>
+        </a:xfrm>
+      </p:grpSpPr>
+      <p:sp>
+        <p:nvSpPr>
+          <p:cNvPr id="2" name="Slide Image Placeholder 1"/>
+          <p:cNvSpPr>
+            <a:spLocks noGrp="1" noRot="1" noChangeAspect="1"/>
+          </p:cNvSpPr>
+          <p:nvPr>
+            <p:ph type="sldImg"/>
+          </p:nvPr>
+        </p:nvSpPr>
+        <p:spPr>
+          <a:xfrm>
+            <a:off x="381000" y="685800"/>
+            <a:ext cx="6096000" cy="3429000"/>
+          </a:xfrm>
+        </p:spPr>
+      </p:sp>
+      <p:sp>
+        <p:nvSpPr>
+          <p:cNvPr id="3" name="Notes Placeholder 2"/>
+          <p:cNvSpPr>
+            <a:spLocks noGrp="1"/>
+          </p:cNvSpPr>
+          <p:nvPr>
+            <p:ph type="body" idx="1"/>
+          </p:nvPr>
+        </p:nvSpPr>
+        <p:spPr/>
+        <p:txBody>
+          <a:bodyPr/>
+          <a:lstStyle/>
+          <a:p>
+            <a:r>
+              <a:rPr lang="en-US" dirty="0" smtClean="0"/>
+              <a:t>This is one of the few things you'll hear about at this conference that you can do </a:t>
+            </a:r>
+            <a:r>
+              <a:rPr lang="en-US" i="0" dirty="0" smtClean="0"/>
+              <a:t>right</a:t>
+            </a:r>
+            <a:r>
+              <a:rPr lang="en-US" i="0" baseline="0" dirty="0" smtClean="0"/>
+              <a:t> now</a:t>
+            </a:r>
+            <a:r>
+              <a:rPr lang="en-US" baseline="0" dirty="0" smtClean="0"/>
+              <a:t>.  If you are an Oracle DBA you don’t need any additional hardware, privileges, agent binaries, or money.  The default installation only creates loop-back links that refer to the same database, so you can install it on a sandbox database first if you want.</a:t>
+            </a:r>
+          </a:p>
+          <a:p>
+            <a:endParaRPr lang="en-US" baseline="0" dirty="0" smtClean="0"/>
+          </a:p>
+          <a:p>
+            <a:r>
+              <a:rPr lang="en-US" dirty="0" smtClean="0"/>
+              <a:t>Please feel free to contact me with any questions</a:t>
+            </a:r>
+            <a:r>
+              <a:rPr lang="en-US" baseline="0" dirty="0" smtClean="0"/>
+              <a:t> or comments. I'm happy to help walk you through the installation if you want help.  If something is broken or wrong, use shame-driven-development: create a GitHub issue and embarrass me until I fix it.</a:t>
+            </a:r>
+            <a:endParaRPr lang="en-US" dirty="0"/>
+          </a:p>
+        </p:txBody>
+      </p:sp>
+      <p:sp>
+        <p:nvSpPr>
+          <p:cNvPr id="4" name="Slide Number Placeholder 3"/>
+          <p:cNvSpPr>
+            <a:spLocks noGrp="1"/>
+          </p:cNvSpPr>
+          <p:nvPr>
+            <p:ph type="sldNum" sz="quarter" idx="10"/>
+          </p:nvPr>
+        </p:nvSpPr>
+        <p:spPr/>
+        <p:txBody>
+          <a:bodyPr/>
+          <a:lstStyle/>
+          <a:p>
+            <a:fld id="{72AE7ADF-BF07-437B-AD5B-68C1A8D7189D}" type="slidenum">
+              <a:rPr lang="en-US" smtClean="0"/>
+              <a:t>26</a:t>
             </a:fld>
             <a:endParaRPr lang="en-US"/>
           </a:p>
@@ -3641,23 +3778,7 @@
           <a:p>
             <a:r>
               <a:rPr lang="en-US" dirty="0" smtClean="0"/>
-              <a:t>4. </a:t>
-            </a:r>
-            <a:r>
-              <a:rPr lang="en-US" dirty="0" smtClean="0"/>
-              <a:t>Existing tools and processes are not </a:t>
-            </a:r>
-            <a:r>
-              <a:rPr lang="en-US" dirty="0" smtClean="0"/>
-              <a:t>good </a:t>
-            </a:r>
-            <a:r>
-              <a:rPr lang="en-US" dirty="0" smtClean="0"/>
-              <a:t>enough to transform the way you work. </a:t>
-            </a:r>
-            <a:r>
-              <a:rPr lang="en-US" dirty="0" smtClean="0"/>
-              <a:t>They're often too </a:t>
+              <a:t>4. Existing tools and processes are not good enough to transform the way you work. They're often too </a:t>
             </a:r>
             <a:r>
               <a:rPr lang="en-US" b="1" dirty="0" smtClean="0"/>
@@ -3693,53 +3814,17 @@
             </a:r>
             <a:r>
               <a:rPr lang="en-US" dirty="0" smtClean="0"/>
-              <a:t>Programs </a:t>
-            </a:r>
-            <a:r>
-              <a:rPr lang="en-US" dirty="0" smtClean="0"/>
-              <a:t>like Ansible, Salt, and Fabric can</a:t>
+              <a:t>Programs like Ansible, Salt, and Fabric can</a:t>
             </a:r>
             <a:r>
               <a:rPr lang="en-US" baseline="0" dirty="0" smtClean="0"/>
-              <a:t> </a:t>
-            </a:r>
-            <a:r>
-              <a:rPr lang="en-US" baseline="0" dirty="0" smtClean="0"/>
-              <a:t>radically alter </a:t>
-            </a:r>
-            <a:r>
-              <a:rPr lang="en-US" baseline="0" dirty="0" smtClean="0"/>
-              <a:t>the way </a:t>
-            </a:r>
-            <a:r>
-              <a:rPr lang="en-US" baseline="0" dirty="0" smtClean="0"/>
-              <a:t>system </a:t>
-            </a:r>
-            <a:r>
-              <a:rPr lang="en-US" baseline="0" dirty="0" smtClean="0"/>
-              <a:t>administrators work.  But they </a:t>
-            </a:r>
-            <a:r>
-              <a:rPr lang="en-US" baseline="0" dirty="0" smtClean="0"/>
-              <a:t>probably won't do </a:t>
-            </a:r>
-            <a:r>
-              <a:rPr lang="en-US" baseline="0" dirty="0" smtClean="0"/>
-              <a:t>the same for Oracle databases</a:t>
-            </a:r>
-            <a:r>
-              <a:rPr lang="en-US" baseline="0" dirty="0" smtClean="0"/>
-              <a:t>.</a:t>
-            </a:r>
-          </a:p>
-          <a:p>
-            <a:r>
-              <a:rPr lang="en-US" dirty="0" smtClean="0"/>
-              <a:t>5. </a:t>
-            </a:r>
-            <a:r>
-              <a:rPr lang="en-US" dirty="0" smtClean="0"/>
-              <a:t>Most importantly, none of</a:t>
+              <a:t> radically alter the way system administrators work.  But they probably won't do the same for Oracle databases.</a:t>
+            </a:r>
+          </a:p>
+          <a:p>
+            <a:r>
+              <a:rPr lang="en-US" dirty="0" smtClean="0"/>
+              <a:t>5. Most importantly, none of</a:t>
             </a:r>
             <a:r>
               <a:rPr lang="en-US" baseline="0" dirty="0" smtClean="0"/>
@@ -3751,15 +3836,7 @@
             </a:r>
             <a:r>
               <a:rPr lang="en-US" baseline="0" dirty="0" smtClean="0"/>
-              <a:t>.  There's nothing wrong with Java, SSH, </a:t>
-            </a:r>
-            <a:r>
-              <a:rPr lang="en-US" baseline="0" dirty="0" smtClean="0"/>
-              <a:t>Python, shell </a:t>
-            </a:r>
-            <a:r>
-              <a:rPr lang="en-US" baseline="0" dirty="0" smtClean="0"/>
-              <a:t>scripts, text files, XML, JSON, etc.  But those are not the native language of databases.</a:t>
+              <a:t>.  There's nothing wrong with Java, SSH, Python, shell scripts, text files, XML, JSON, etc.  But those are not the native language of databases.</a:t>
             </a:r>
             <a:endParaRPr lang="en-US" dirty="0"/>
           </a:p>
@@ -4164,8 +4241,13 @@
             </a:r>
             <a:r>
               <a:rPr lang="en-US" baseline="0" dirty="0" smtClean="0"/>
-              <a:t> the function interface.</a:t>
-            </a:r>
+              <a:t> the function interface</a:t>
+            </a:r>
+            <a:r>
+              <a:rPr lang="en-US" baseline="0" dirty="0" smtClean="0"/>
+              <a:t>.  The function interface looks cooler, but in practice you'll most likely want to use the procedure interface.</a:t>
+            </a:r>
+            <a:endParaRPr lang="en-US" baseline="0" dirty="0" smtClean="0"/>
           </a:p>
           <a:p>
             <a:endParaRPr lang="en-US" baseline="0" dirty="0" smtClean="0"/>
@@ -4984,7 +5066,7 @@
           <a:p>
             <a:r>
               <a:rPr lang="en-US" smtClean="0"/>
-              <a:t>2018-06-06</a:t>
+              <a:t>2018-06-09</a:t>
             </a:r>
             <a:endParaRPr lang="en-US" dirty="0"/>
           </a:p>
@@ -5161,7 +5243,7 @@
           <a:p>
             <a:r>
               <a:rPr lang="en-US" smtClean="0"/>
-              <a:t>2018-06-06</a:t>
+              <a:t>2018-06-09</a:t>
             </a:r>
             <a:endParaRPr lang="en-US"/>
           </a:p>
@@ -5341,7 +5423,7 @@
           <a:p>
             <a:r>
               <a:rPr lang="en-US" smtClean="0"/>
-              <a:t>2018-06-06</a:t>
+              <a:t>2018-06-09</a:t>
             </a:r>
             <a:endParaRPr lang="en-US"/>
           </a:p>
@@ -5511,7 +5593,7 @@
           <a:p>
             <a:r>
               <a:rPr lang="en-US" smtClean="0"/>
-              <a:t>2018-06-06</a:t>
+              <a:t>2018-06-09</a:t>
             </a:r>
             <a:endParaRPr lang="en-US" dirty="0"/>
           </a:p>
@@ -5794,7 +5876,7 @@
           <a:p>
             <a:r>
               <a:rPr lang="en-US" smtClean="0"/>
-              <a:t>2018-06-06</a:t>
+              <a:t>2018-06-09</a:t>
             </a:r>
             <a:endParaRPr lang="en-US"/>
           </a:p>
@@ -6089,7 +6171,7 @@
           <a:p>
             <a:r>
               <a:rPr lang="en-US" smtClean="0"/>
-              <a:t>2018-06-06</a:t>
+              <a:t>2018-06-09</a:t>
             </a:r>
             <a:endParaRPr lang="en-US"/>
           </a:p>
@@ -6518,7 +6600,7 @@
           <a:p>
             <a:r>
               <a:rPr lang="en-US" smtClean="0"/>
-              <a:t>2018-06-06</a:t>
+              <a:t>2018-06-09</a:t>
             </a:r>
             <a:endParaRPr lang="en-US"/>
           </a:p>
@@ -6643,7 +6725,7 @@
           <a:p>
             <a:r>
               <a:rPr lang="en-US" smtClean="0"/>
-              <a:t>2018-06-06</a:t>
+              <a:t>2018-06-09</a:t>
             </a:r>
             <a:endParaRPr lang="en-US"/>
           </a:p>
@@ -6745,7 +6827,7 @@
           <a:p>
             <a:r>
               <a:rPr lang="en-US" smtClean="0"/>
-              <a:t>2018-06-06</a:t>
+              <a:t>2018-06-09</a:t>
             </a:r>
             <a:endParaRPr lang="en-US"/>
           </a:p>
@@ -7022,7 +7104,7 @@
           <a:p>
             <a:r>
               <a:rPr lang="en-US" smtClean="0"/>
-              <a:t>2018-06-06</a:t>
+              <a:t>2018-06-09</a:t>
             </a:r>
             <a:endParaRPr lang="en-US"/>
           </a:p>
@@ -7275,7 +7357,7 @@
           <a:p>
             <a:r>
               <a:rPr lang="en-US" smtClean="0"/>
-              <a:t>2018-06-06</a:t>
+              <a:t>2018-06-09</a:t>
             </a:r>
             <a:endParaRPr lang="en-US"/>
           </a:p>
@@ -7488,7 +7570,7 @@
           <a:p>
             <a:r>
               <a:rPr lang="en-US" smtClean="0"/>
-              <a:t>2018-06-06</a:t>
+              <a:t>2018-06-09</a:t>
             </a:r>
             <a:endParaRPr lang="en-US" dirty="0"/>
           </a:p>
@@ -7930,7 +8012,7 @@
           <a:p>
             <a:r>
               <a:rPr lang="en-US" smtClean="0"/>
-              <a:t>2018-06-06</a:t>
+              <a:t>2018-06-09</a:t>
             </a:r>
             <a:endParaRPr lang="en-US" dirty="0"/>
           </a:p>
@@ -8242,7 +8324,7 @@
           <a:p>
             <a:r>
               <a:rPr lang="en-US" smtClean="0"/>
-              <a:t>2018-06-06</a:t>
+              <a:t>2018-06-09</a:t>
             </a:r>
             <a:endParaRPr lang="en-US"/>
           </a:p>
@@ -9331,12 +9413,12 @@
                 <a:ea typeface="Calibri"/>
                 <a:cs typeface="Times New Roman"/>
               </a:rPr>
-              <a:t>=</a:t>
+              <a:t>=86400'</a:t>
             </a:r>
             <a:r>
               <a:rPr lang="en-US" sz="1700" b="1" dirty="0" smtClean="0">
                 <a:solidFill>
-                  <a:srgbClr val="0000FF"/>
+                  <a:srgbClr val="000080"/>
                 </a:solidFill>
                 <a:highlight>
                   <a:srgbClr val="FFFFFF"/>
@@ -9345,12 +9427,12 @@
                 <a:ea typeface="Calibri"/>
                 <a:cs typeface="Times New Roman"/>
               </a:rPr>
-              <a:t>86400'</a:t>
+              <a:t>, </a:t>
             </a:r>
             <a:r>
               <a:rPr lang="en-US" sz="1700" b="1" dirty="0" smtClean="0">
                 <a:solidFill>
-                  <a:srgbClr val="000080"/>
+                  <a:srgbClr val="0000FF"/>
                 </a:solidFill>
                 <a:highlight>
                   <a:srgbClr val="FFFFFF"/>
@@ -9359,35 +9441,7 @@
                 <a:ea typeface="Calibri"/>
                 <a:cs typeface="Times New Roman"/>
               </a:rPr>
-              <a:t>, </a:t>
-            </a:r>
-            <a:r>
-              <a:rPr lang="en-US" sz="1700" b="1" dirty="0" smtClean="0">
-                <a:solidFill>
-                  <a:srgbClr val="0000FF"/>
-                </a:solidFill>
-                <a:highlight>
-                  <a:srgbClr val="FFFFFF"/>
-                </a:highlight>
-                <a:latin typeface="Courier New"/>
-                <a:ea typeface="Calibri"/>
-                <a:cs typeface="Times New Roman"/>
-              </a:rPr>
-              <a:t>'dev</a:t>
-            </a:r>
-            <a:r>
-              <a:rPr lang="en-US" sz="1700" b="1" dirty="0" smtClean="0">
-                <a:solidFill>
-                  <a:srgbClr val="0000FF"/>
-                </a:solidFill>
-                <a:highlight>
-                  <a:srgbClr val="FFFFFF"/>
-                </a:highlight>
-                <a:latin typeface="Courier New"/>
-                <a:ea typeface="Calibri"/>
-                <a:cs typeface="Times New Roman"/>
-              </a:rPr>
-              <a:t>'</a:t>
+              <a:t>'dev'</a:t>
             </a:r>
             <a:r>
               <a:rPr lang="en-US" sz="1700" b="1" dirty="0" smtClean="0">
@@ -9783,7 +9837,7 @@
           <a:p>
             <a:r>
               <a:rPr lang="en-US" smtClean="0"/>
-              <a:t>2018-06-06</a:t>
+              <a:t>2018-06-09</a:t>
             </a:r>
             <a:endParaRPr lang="en-US" dirty="0"/>
           </a:p>
@@ -10034,7 +10088,7 @@
           <a:p>
             <a:r>
               <a:rPr lang="en-US" smtClean="0"/>
-              <a:t>2018-06-06</a:t>
+              <a:t>2018-06-09</a:t>
             </a:r>
             <a:endParaRPr lang="en-US"/>
           </a:p>
@@ -10146,7 +10200,7 @@
           <a:p>
             <a:r>
               <a:rPr lang="en-US" smtClean="0"/>
-              <a:t>2018-06-06</a:t>
+              <a:t>2018-06-09</a:t>
             </a:r>
             <a:endParaRPr lang="en-US" dirty="0"/>
           </a:p>
@@ -10272,11 +10326,7 @@
           <a:p>
             <a:r>
               <a:rPr lang="en-US" dirty="0" smtClean="0"/>
-              <a:t>Add-on: </a:t>
-            </a:r>
-            <a:r>
-              <a:rPr lang="en-US" dirty="0" smtClean="0"/>
-              <a:t>Global ASH </a:t>
+              <a:t>Add-on: Global ASH </a:t>
             </a:r>
             <a:endParaRPr lang="en-US" dirty="0"/>
           </a:p>
@@ -10299,7 +10349,7 @@
           <a:p>
             <a:r>
               <a:rPr lang="en-US" smtClean="0"/>
-              <a:t>2018-06-06</a:t>
+              <a:t>2018-06-09</a:t>
             </a:r>
             <a:endParaRPr lang="en-US" dirty="0"/>
           </a:p>
@@ -10427,11 +10477,7 @@
           <a:p>
             <a:r>
               <a:rPr lang="en-US" dirty="0" smtClean="0"/>
-              <a:t>Add-on: </a:t>
-            </a:r>
-            <a:r>
-              <a:rPr lang="en-US" dirty="0" smtClean="0"/>
-              <a:t>ASM Forecast</a:t>
+              <a:t>Add-on: ASM Forecast</a:t>
             </a:r>
             <a:endParaRPr lang="en-US" dirty="0"/>
           </a:p>
@@ -10454,7 +10500,7 @@
           <a:p>
             <a:r>
               <a:rPr lang="en-US" smtClean="0"/>
-              <a:t>2018-06-06</a:t>
+              <a:t>2018-06-09</a:t>
             </a:r>
             <a:endParaRPr lang="en-US" dirty="0"/>
           </a:p>
@@ -10580,11 +10626,7 @@
           <a:p>
             <a:r>
               <a:rPr lang="en-US" dirty="0" smtClean="0"/>
-              <a:t>Add-on: </a:t>
-            </a:r>
-            <a:r>
-              <a:rPr lang="en-US" dirty="0" smtClean="0"/>
-              <a:t>Space </a:t>
+              <a:t>Add-on: Space </a:t>
             </a:r>
             <a:r>
               <a:rPr lang="en-US" dirty="0" err="1" smtClean="0"/>
@@ -10611,7 +10653,7 @@
           <a:p>
             <a:r>
               <a:rPr lang="en-US" smtClean="0"/>
-              <a:t>2018-06-06</a:t>
+              <a:t>2018-06-09</a:t>
             </a:r>
             <a:endParaRPr lang="en-US" dirty="0"/>
           </a:p>
@@ -10732,123 +10774,827 @@
         </p:nvSpPr>
         <p:spPr/>
         <p:txBody>
+          <a:bodyPr/>
+          <a:lstStyle/>
+          <a:p>
+            <a:r>
+              <a:rPr lang="en-US" dirty="0" smtClean="0"/>
+              <a:t>Add-on: Account Management </a:t>
+            </a:r>
+            <a:endParaRPr lang="en-US" dirty="0"/>
+          </a:p>
+        </p:txBody>
+      </p:sp>
+      <p:sp>
+        <p:nvSpPr>
+          <p:cNvPr id="3" name="Content Placeholder 2"/>
+          <p:cNvSpPr>
+            <a:spLocks noGrp="1"/>
+          </p:cNvSpPr>
+          <p:nvPr>
+            <p:ph idx="1"/>
+          </p:nvPr>
+        </p:nvSpPr>
+        <p:spPr/>
+        <p:txBody>
           <a:bodyPr>
-            <a:normAutofit/>
+            <a:noAutofit/>
           </a:bodyPr>
           <a:lstStyle/>
           <a:p>
-            <a:r>
-              <a:rPr lang="en-US" dirty="0" smtClean="0"/>
-              <a:t>History</a:t>
-            </a:r>
-            <a:endParaRPr lang="en-US" dirty="0"/>
-          </a:p>
-        </p:txBody>
-      </p:sp>
-      <p:sp>
-        <p:nvSpPr>
-          <p:cNvPr id="3" name="Content Placeholder 2"/>
-          <p:cNvSpPr>
-            <a:spLocks noGrp="1"/>
-          </p:cNvSpPr>
-          <p:nvPr>
-            <p:ph idx="1"/>
+            <a:pPr marL="0" indent="0">
+              <a:buNone/>
+            </a:pPr>
+            <a:r>
+              <a:rPr lang="en-US" sz="1200" b="1" dirty="0" smtClean="0">
+                <a:solidFill>
+                  <a:srgbClr val="008080"/>
+                </a:solidFill>
+                <a:highlight>
+                  <a:srgbClr val="FFFFFF"/>
+                </a:highlight>
+                <a:latin typeface="Courier New"/>
+              </a:rPr>
+              <a:t>begin</a:t>
+            </a:r>
+            <a:endParaRPr lang="en-US" sz="1200" b="1" dirty="0">
+              <a:solidFill>
+                <a:srgbClr val="000080"/>
+              </a:solidFill>
+              <a:highlight>
+                <a:srgbClr val="FFFFFF"/>
+              </a:highlight>
+              <a:latin typeface="Courier New"/>
+            </a:endParaRPr>
+          </a:p>
+          <a:p>
+            <a:pPr marL="0" indent="0">
+              <a:buNone/>
+            </a:pPr>
+            <a:r>
+              <a:rPr lang="en-US" sz="1200" b="1" dirty="0">
+                <a:solidFill>
+                  <a:srgbClr val="000080"/>
+                </a:solidFill>
+                <a:highlight>
+                  <a:srgbClr val="FFFFFF"/>
+                </a:highlight>
+                <a:latin typeface="Courier New"/>
+              </a:rPr>
+              <a:t>  m5_synch_user(</a:t>
+            </a:r>
+          </a:p>
+          <a:p>
+            <a:pPr marL="0" indent="0">
+              <a:buNone/>
+            </a:pPr>
+            <a:r>
+              <a:rPr lang="en-US" sz="1200" b="1" dirty="0">
+                <a:solidFill>
+                  <a:srgbClr val="000080"/>
+                </a:solidFill>
+                <a:highlight>
+                  <a:srgbClr val="FFFFFF"/>
+                </a:highlight>
+                <a:latin typeface="Courier New"/>
+              </a:rPr>
+              <a:t>    </a:t>
+            </a:r>
+            <a:r>
+              <a:rPr lang="en-US" sz="1200" b="1" dirty="0" err="1">
+                <a:solidFill>
+                  <a:srgbClr val="000080"/>
+                </a:solidFill>
+                <a:highlight>
+                  <a:srgbClr val="FFFFFF"/>
+                </a:highlight>
+                <a:latin typeface="Courier New"/>
+              </a:rPr>
+              <a:t>p_username</a:t>
+            </a:r>
+            <a:r>
+              <a:rPr lang="en-US" sz="1200" b="1" dirty="0">
+                <a:solidFill>
+                  <a:srgbClr val="000080"/>
+                </a:solidFill>
+                <a:highlight>
+                  <a:srgbClr val="FFFFFF"/>
+                </a:highlight>
+                <a:latin typeface="Courier New"/>
+              </a:rPr>
+              <a:t>                    =&gt; </a:t>
+            </a:r>
+            <a:r>
+              <a:rPr lang="en-US" sz="1200" b="1" dirty="0">
+                <a:solidFill>
+                  <a:srgbClr val="0000FF"/>
+                </a:solidFill>
+                <a:highlight>
+                  <a:srgbClr val="FFFFFF"/>
+                </a:highlight>
+                <a:latin typeface="Courier New"/>
+              </a:rPr>
+              <a:t>'&amp;USERNAME'</a:t>
+            </a:r>
+            <a:r>
+              <a:rPr lang="en-US" sz="1200" b="1" dirty="0">
+                <a:solidFill>
+                  <a:srgbClr val="000080"/>
+                </a:solidFill>
+                <a:highlight>
+                  <a:srgbClr val="FFFFFF"/>
+                </a:highlight>
+                <a:latin typeface="Courier New"/>
+              </a:rPr>
+              <a:t>,</a:t>
+            </a:r>
+          </a:p>
+          <a:p>
+            <a:pPr marL="0" indent="0">
+              <a:buNone/>
+            </a:pPr>
+            <a:r>
+              <a:rPr lang="en-US" sz="1200" b="1" dirty="0">
+                <a:solidFill>
+                  <a:srgbClr val="000080"/>
+                </a:solidFill>
+                <a:highlight>
+                  <a:srgbClr val="FFFFFF"/>
+                </a:highlight>
+                <a:latin typeface="Courier New"/>
+              </a:rPr>
+              <a:t>    </a:t>
+            </a:r>
+            <a:r>
+              <a:rPr lang="en-US" sz="1200" b="1" dirty="0" err="1">
+                <a:solidFill>
+                  <a:srgbClr val="000080"/>
+                </a:solidFill>
+                <a:highlight>
+                  <a:srgbClr val="FFFFFF"/>
+                </a:highlight>
+                <a:latin typeface="Courier New"/>
+              </a:rPr>
+              <a:t>p_targets</a:t>
+            </a:r>
+            <a:r>
+              <a:rPr lang="en-US" sz="1200" b="1" dirty="0">
+                <a:solidFill>
+                  <a:srgbClr val="000080"/>
+                </a:solidFill>
+                <a:highlight>
+                  <a:srgbClr val="FFFFFF"/>
+                </a:highlight>
+                <a:latin typeface="Courier New"/>
+              </a:rPr>
+              <a:t>                     =&gt; </a:t>
+            </a:r>
+            <a:r>
+              <a:rPr lang="en-US" sz="1200" b="1" dirty="0">
+                <a:solidFill>
+                  <a:srgbClr val="0000FF"/>
+                </a:solidFill>
+                <a:highlight>
+                  <a:srgbClr val="FFFFFF"/>
+                </a:highlight>
+                <a:latin typeface="Courier New"/>
+              </a:rPr>
+              <a:t>'&amp;TARGETS'</a:t>
+            </a:r>
+            <a:r>
+              <a:rPr lang="en-US" sz="1200" b="1" dirty="0">
+                <a:solidFill>
+                  <a:srgbClr val="000080"/>
+                </a:solidFill>
+                <a:highlight>
+                  <a:srgbClr val="FFFFFF"/>
+                </a:highlight>
+                <a:latin typeface="Courier New"/>
+              </a:rPr>
+              <a:t>,</a:t>
+            </a:r>
+          </a:p>
+          <a:p>
+            <a:pPr marL="0" indent="0">
+              <a:buNone/>
+            </a:pPr>
+            <a:r>
+              <a:rPr lang="en-US" sz="1200" b="1" dirty="0">
+                <a:solidFill>
+                  <a:srgbClr val="000080"/>
+                </a:solidFill>
+                <a:highlight>
+                  <a:srgbClr val="FFFFFF"/>
+                </a:highlight>
+                <a:latin typeface="Courier New"/>
+              </a:rPr>
+              <a:t>    </a:t>
+            </a:r>
+            <a:r>
+              <a:rPr lang="en-US" sz="1200" b="1" dirty="0" err="1">
+                <a:solidFill>
+                  <a:srgbClr val="000080"/>
+                </a:solidFill>
+                <a:highlight>
+                  <a:srgbClr val="FFFFFF"/>
+                </a:highlight>
+                <a:latin typeface="Courier New"/>
+              </a:rPr>
+              <a:t>p_table_name</a:t>
+            </a:r>
+            <a:r>
+              <a:rPr lang="en-US" sz="1200" b="1" dirty="0">
+                <a:solidFill>
+                  <a:srgbClr val="000080"/>
+                </a:solidFill>
+                <a:highlight>
+                  <a:srgbClr val="FFFFFF"/>
+                </a:highlight>
+                <a:latin typeface="Courier New"/>
+              </a:rPr>
+              <a:t>                  =&gt; </a:t>
+            </a:r>
+            <a:r>
+              <a:rPr lang="en-US" sz="1200" b="1" dirty="0">
+                <a:solidFill>
+                  <a:srgbClr val="0000FF"/>
+                </a:solidFill>
+                <a:highlight>
+                  <a:srgbClr val="FFFFFF"/>
+                </a:highlight>
+                <a:latin typeface="Courier New"/>
+              </a:rPr>
+              <a:t>'SYNCH_USER'</a:t>
+            </a:r>
+            <a:r>
+              <a:rPr lang="en-US" sz="1200" b="1" dirty="0">
+                <a:solidFill>
+                  <a:srgbClr val="000080"/>
+                </a:solidFill>
+                <a:highlight>
+                  <a:srgbClr val="FFFFFF"/>
+                </a:highlight>
+                <a:latin typeface="Courier New"/>
+              </a:rPr>
+              <a:t>,</a:t>
+            </a:r>
+          </a:p>
+          <a:p>
+            <a:pPr marL="0" indent="0">
+              <a:buNone/>
+            </a:pPr>
+            <a:r>
+              <a:rPr lang="en-US" sz="1200" b="1" dirty="0">
+                <a:solidFill>
+                  <a:srgbClr val="000080"/>
+                </a:solidFill>
+                <a:highlight>
+                  <a:srgbClr val="FFFFFF"/>
+                </a:highlight>
+                <a:latin typeface="Courier New"/>
+              </a:rPr>
+              <a:t>    </a:t>
+            </a:r>
+            <a:r>
+              <a:rPr lang="en-US" sz="1200" b="1" dirty="0" err="1">
+                <a:solidFill>
+                  <a:srgbClr val="000080"/>
+                </a:solidFill>
+                <a:highlight>
+                  <a:srgbClr val="FFFFFF"/>
+                </a:highlight>
+                <a:latin typeface="Courier New"/>
+              </a:rPr>
+              <a:t>p_create_user_if_not_exists</a:t>
+            </a:r>
+            <a:r>
+              <a:rPr lang="en-US" sz="1200" b="1" dirty="0">
+                <a:solidFill>
+                  <a:srgbClr val="000080"/>
+                </a:solidFill>
+                <a:highlight>
+                  <a:srgbClr val="FFFFFF"/>
+                </a:highlight>
+                <a:latin typeface="Courier New"/>
+              </a:rPr>
+              <a:t>   =&gt; </a:t>
+            </a:r>
+            <a:r>
+              <a:rPr lang="en-US" sz="1200" b="1" dirty="0">
+                <a:solidFill>
+                  <a:srgbClr val="008080"/>
+                </a:solidFill>
+                <a:highlight>
+                  <a:srgbClr val="FFFFFF"/>
+                </a:highlight>
+                <a:latin typeface="Courier New"/>
+              </a:rPr>
+              <a:t>false</a:t>
+            </a:r>
+            <a:r>
+              <a:rPr lang="en-US" sz="1200" b="1" dirty="0">
+                <a:solidFill>
+                  <a:srgbClr val="000080"/>
+                </a:solidFill>
+                <a:highlight>
+                  <a:srgbClr val="FFFFFF"/>
+                </a:highlight>
+                <a:latin typeface="Courier New"/>
+              </a:rPr>
+              <a:t>,</a:t>
+            </a:r>
+          </a:p>
+          <a:p>
+            <a:pPr marL="0" indent="0">
+              <a:buNone/>
+            </a:pPr>
+            <a:r>
+              <a:rPr lang="en-US" sz="1200" b="1" dirty="0">
+                <a:solidFill>
+                  <a:srgbClr val="000080"/>
+                </a:solidFill>
+                <a:highlight>
+                  <a:srgbClr val="FFFFFF"/>
+                </a:highlight>
+                <a:latin typeface="Courier New"/>
+              </a:rPr>
+              <a:t>    </a:t>
+            </a:r>
+            <a:r>
+              <a:rPr lang="en-US" sz="1200" b="1" dirty="0" err="1">
+                <a:solidFill>
+                  <a:srgbClr val="000080"/>
+                </a:solidFill>
+                <a:highlight>
+                  <a:srgbClr val="FFFFFF"/>
+                </a:highlight>
+                <a:latin typeface="Courier New"/>
+              </a:rPr>
+              <a:t>p_create_user_clause</a:t>
+            </a:r>
+            <a:r>
+              <a:rPr lang="en-US" sz="1200" b="1" dirty="0">
+                <a:solidFill>
+                  <a:srgbClr val="000080"/>
+                </a:solidFill>
+                <a:highlight>
+                  <a:srgbClr val="FFFFFF"/>
+                </a:highlight>
+                <a:latin typeface="Courier New"/>
+              </a:rPr>
+              <a:t>          =&gt; </a:t>
+            </a:r>
+            <a:r>
+              <a:rPr lang="en-US" sz="1200" b="1" dirty="0">
+                <a:solidFill>
+                  <a:srgbClr val="0000FF"/>
+                </a:solidFill>
+                <a:highlight>
+                  <a:srgbClr val="FFFFFF"/>
+                </a:highlight>
+                <a:latin typeface="Courier New"/>
+              </a:rPr>
+              <a:t>''</a:t>
+            </a:r>
+            <a:r>
+              <a:rPr lang="en-US" sz="1200" b="1" dirty="0">
+                <a:solidFill>
+                  <a:srgbClr val="000080"/>
+                </a:solidFill>
+                <a:highlight>
+                  <a:srgbClr val="FFFFFF"/>
+                </a:highlight>
+                <a:latin typeface="Courier New"/>
+              </a:rPr>
+              <a:t>,</a:t>
+            </a:r>
+          </a:p>
+          <a:p>
+            <a:pPr marL="0" indent="0">
+              <a:buNone/>
+            </a:pPr>
+            <a:r>
+              <a:rPr lang="en-US" sz="1200" b="1" dirty="0">
+                <a:solidFill>
+                  <a:srgbClr val="000080"/>
+                </a:solidFill>
+                <a:highlight>
+                  <a:srgbClr val="FFFFFF"/>
+                </a:highlight>
+                <a:latin typeface="Courier New"/>
+              </a:rPr>
+              <a:t>    </a:t>
+            </a:r>
+            <a:r>
+              <a:rPr lang="en-US" sz="1200" b="1" dirty="0" err="1">
+                <a:solidFill>
+                  <a:srgbClr val="000080"/>
+                </a:solidFill>
+                <a:highlight>
+                  <a:srgbClr val="FFFFFF"/>
+                </a:highlight>
+                <a:latin typeface="Courier New"/>
+              </a:rPr>
+              <a:t>p_synch_password_from_this_db</a:t>
+            </a:r>
+            <a:r>
+              <a:rPr lang="en-US" sz="1200" b="1" dirty="0">
+                <a:solidFill>
+                  <a:srgbClr val="000080"/>
+                </a:solidFill>
+                <a:highlight>
+                  <a:srgbClr val="FFFFFF"/>
+                </a:highlight>
+                <a:latin typeface="Courier New"/>
+              </a:rPr>
+              <a:t> =&gt; </a:t>
+            </a:r>
+            <a:r>
+              <a:rPr lang="en-US" sz="1200" b="1" dirty="0">
+                <a:solidFill>
+                  <a:srgbClr val="0000FF"/>
+                </a:solidFill>
+                <a:highlight>
+                  <a:srgbClr val="FFFFFF"/>
+                </a:highlight>
+                <a:latin typeface="Courier New"/>
+              </a:rPr>
+              <a:t>'&amp;DB_NAME'</a:t>
+            </a:r>
+            <a:r>
+              <a:rPr lang="en-US" sz="1200" b="1" dirty="0">
+                <a:solidFill>
+                  <a:srgbClr val="000080"/>
+                </a:solidFill>
+                <a:highlight>
+                  <a:srgbClr val="FFFFFF"/>
+                </a:highlight>
+                <a:latin typeface="Courier New"/>
+              </a:rPr>
+              <a:t>,</a:t>
+            </a:r>
+          </a:p>
+          <a:p>
+            <a:pPr marL="0" indent="0">
+              <a:buNone/>
+            </a:pPr>
+            <a:r>
+              <a:rPr lang="en-US" sz="1200" b="1" dirty="0">
+                <a:solidFill>
+                  <a:srgbClr val="000080"/>
+                </a:solidFill>
+                <a:highlight>
+                  <a:srgbClr val="FFFFFF"/>
+                </a:highlight>
+                <a:latin typeface="Courier New"/>
+              </a:rPr>
+              <a:t>    </a:t>
+            </a:r>
+            <a:r>
+              <a:rPr lang="en-US" sz="1200" b="1" dirty="0" err="1">
+                <a:solidFill>
+                  <a:srgbClr val="000080"/>
+                </a:solidFill>
+                <a:highlight>
+                  <a:srgbClr val="FFFFFF"/>
+                </a:highlight>
+                <a:latin typeface="Courier New"/>
+              </a:rPr>
+              <a:t>p_unlock_if_locked</a:t>
+            </a:r>
+            <a:r>
+              <a:rPr lang="en-US" sz="1200" b="1" dirty="0">
+                <a:solidFill>
+                  <a:srgbClr val="000080"/>
+                </a:solidFill>
+                <a:highlight>
+                  <a:srgbClr val="FFFFFF"/>
+                </a:highlight>
+                <a:latin typeface="Courier New"/>
+              </a:rPr>
+              <a:t>            =&gt; </a:t>
+            </a:r>
+            <a:r>
+              <a:rPr lang="en-US" sz="1200" b="1" dirty="0">
+                <a:solidFill>
+                  <a:srgbClr val="008080"/>
+                </a:solidFill>
+                <a:highlight>
+                  <a:srgbClr val="FFFFFF"/>
+                </a:highlight>
+                <a:latin typeface="Courier New"/>
+              </a:rPr>
+              <a:t>false</a:t>
+            </a:r>
+            <a:r>
+              <a:rPr lang="en-US" sz="1200" b="1" dirty="0">
+                <a:solidFill>
+                  <a:srgbClr val="000080"/>
+                </a:solidFill>
+                <a:highlight>
+                  <a:srgbClr val="FFFFFF"/>
+                </a:highlight>
+                <a:latin typeface="Courier New"/>
+              </a:rPr>
+              <a:t>,</a:t>
+            </a:r>
+          </a:p>
+          <a:p>
+            <a:pPr marL="0" indent="0">
+              <a:buNone/>
+            </a:pPr>
+            <a:r>
+              <a:rPr lang="en-US" sz="1200" b="1" dirty="0">
+                <a:solidFill>
+                  <a:srgbClr val="000080"/>
+                </a:solidFill>
+                <a:highlight>
+                  <a:srgbClr val="FFFFFF"/>
+                </a:highlight>
+                <a:latin typeface="Courier New"/>
+              </a:rPr>
+              <a:t>    </a:t>
+            </a:r>
+            <a:r>
+              <a:rPr lang="en-US" sz="1200" b="1" dirty="0" err="1">
+                <a:solidFill>
+                  <a:srgbClr val="000080"/>
+                </a:solidFill>
+                <a:highlight>
+                  <a:srgbClr val="FFFFFF"/>
+                </a:highlight>
+                <a:latin typeface="Courier New"/>
+              </a:rPr>
+              <a:t>p_profile</a:t>
+            </a:r>
+            <a:r>
+              <a:rPr lang="en-US" sz="1200" b="1" dirty="0">
+                <a:solidFill>
+                  <a:srgbClr val="000080"/>
+                </a:solidFill>
+                <a:highlight>
+                  <a:srgbClr val="FFFFFF"/>
+                </a:highlight>
+                <a:latin typeface="Courier New"/>
+              </a:rPr>
+              <a:t>                     =&gt; </a:t>
+            </a:r>
+            <a:r>
+              <a:rPr lang="en-US" sz="1200" b="1" dirty="0">
+                <a:solidFill>
+                  <a:srgbClr val="0000FF"/>
+                </a:solidFill>
+                <a:highlight>
+                  <a:srgbClr val="FFFFFF"/>
+                </a:highlight>
+                <a:latin typeface="Courier New"/>
+              </a:rPr>
+              <a:t>'&amp;PROFILE'</a:t>
+            </a:r>
+            <a:r>
+              <a:rPr lang="en-US" sz="1200" b="1" dirty="0">
+                <a:solidFill>
+                  <a:srgbClr val="000080"/>
+                </a:solidFill>
+                <a:highlight>
+                  <a:srgbClr val="FFFFFF"/>
+                </a:highlight>
+                <a:latin typeface="Courier New"/>
+              </a:rPr>
+              <a:t>,</a:t>
+            </a:r>
+          </a:p>
+          <a:p>
+            <a:pPr marL="0" indent="0">
+              <a:buNone/>
+            </a:pPr>
+            <a:r>
+              <a:rPr lang="en-US" sz="1200" b="1" dirty="0">
+                <a:solidFill>
+                  <a:srgbClr val="000080"/>
+                </a:solidFill>
+                <a:highlight>
+                  <a:srgbClr val="FFFFFF"/>
+                </a:highlight>
+                <a:latin typeface="Courier New"/>
+              </a:rPr>
+              <a:t>    </a:t>
+            </a:r>
+            <a:r>
+              <a:rPr lang="en-US" sz="1200" b="1" dirty="0" err="1">
+                <a:solidFill>
+                  <a:srgbClr val="000080"/>
+                </a:solidFill>
+                <a:highlight>
+                  <a:srgbClr val="FFFFFF"/>
+                </a:highlight>
+                <a:latin typeface="Courier New"/>
+              </a:rPr>
+              <a:t>p_role_privs</a:t>
+            </a:r>
+            <a:r>
+              <a:rPr lang="en-US" sz="1200" b="1" dirty="0">
+                <a:solidFill>
+                  <a:srgbClr val="000080"/>
+                </a:solidFill>
+                <a:highlight>
+                  <a:srgbClr val="FFFFFF"/>
+                </a:highlight>
+                <a:latin typeface="Courier New"/>
+              </a:rPr>
+              <a:t>                  =&gt; </a:t>
+            </a:r>
+            <a:r>
+              <a:rPr lang="en-US" sz="1200" b="1" dirty="0">
+                <a:solidFill>
+                  <a:srgbClr val="0000FF"/>
+                </a:solidFill>
+                <a:highlight>
+                  <a:srgbClr val="FFFFFF"/>
+                </a:highlight>
+                <a:latin typeface="Courier New"/>
+              </a:rPr>
+              <a:t>''</a:t>
+            </a:r>
+            <a:r>
+              <a:rPr lang="en-US" sz="1200" b="1" dirty="0">
+                <a:solidFill>
+                  <a:srgbClr val="000080"/>
+                </a:solidFill>
+                <a:highlight>
+                  <a:srgbClr val="FFFFFF"/>
+                </a:highlight>
+                <a:latin typeface="Courier New"/>
+              </a:rPr>
+              <a:t>,</a:t>
+            </a:r>
+          </a:p>
+          <a:p>
+            <a:pPr marL="0" indent="0">
+              <a:buNone/>
+            </a:pPr>
+            <a:r>
+              <a:rPr lang="en-US" sz="1200" b="1" dirty="0">
+                <a:solidFill>
+                  <a:srgbClr val="000080"/>
+                </a:solidFill>
+                <a:highlight>
+                  <a:srgbClr val="FFFFFF"/>
+                </a:highlight>
+                <a:latin typeface="Courier New"/>
+              </a:rPr>
+              <a:t>    </a:t>
+            </a:r>
+            <a:r>
+              <a:rPr lang="en-US" sz="1200" b="1" dirty="0" err="1">
+                <a:solidFill>
+                  <a:srgbClr val="000080"/>
+                </a:solidFill>
+                <a:highlight>
+                  <a:srgbClr val="FFFFFF"/>
+                </a:highlight>
+                <a:latin typeface="Courier New"/>
+              </a:rPr>
+              <a:t>p_sys_privs</a:t>
+            </a:r>
+            <a:r>
+              <a:rPr lang="en-US" sz="1200" b="1" dirty="0">
+                <a:solidFill>
+                  <a:srgbClr val="000080"/>
+                </a:solidFill>
+                <a:highlight>
+                  <a:srgbClr val="FFFFFF"/>
+                </a:highlight>
+                <a:latin typeface="Courier New"/>
+              </a:rPr>
+              <a:t>                   =&gt; </a:t>
+            </a:r>
+            <a:r>
+              <a:rPr lang="en-US" sz="1200" b="1" dirty="0">
+                <a:solidFill>
+                  <a:srgbClr val="0000FF"/>
+                </a:solidFill>
+                <a:highlight>
+                  <a:srgbClr val="FFFFFF"/>
+                </a:highlight>
+                <a:latin typeface="Courier New"/>
+              </a:rPr>
+              <a:t>''</a:t>
+            </a:r>
+            <a:endParaRPr lang="en-US" sz="1200" b="1" dirty="0">
+              <a:solidFill>
+                <a:srgbClr val="000080"/>
+              </a:solidFill>
+              <a:highlight>
+                <a:srgbClr val="FFFFFF"/>
+              </a:highlight>
+              <a:latin typeface="Courier New"/>
+            </a:endParaRPr>
+          </a:p>
+          <a:p>
+            <a:pPr marL="0" indent="0">
+              <a:buNone/>
+            </a:pPr>
+            <a:r>
+              <a:rPr lang="en-US" sz="1200" b="1" dirty="0" smtClean="0">
+                <a:solidFill>
+                  <a:srgbClr val="000080"/>
+                </a:solidFill>
+                <a:highlight>
+                  <a:srgbClr val="FFFFFF"/>
+                </a:highlight>
+                <a:latin typeface="Courier New"/>
+              </a:rPr>
+              <a:t>  </a:t>
+            </a:r>
+            <a:r>
+              <a:rPr lang="en-US" sz="1200" b="1" dirty="0">
+                <a:solidFill>
+                  <a:srgbClr val="000080"/>
+                </a:solidFill>
+                <a:highlight>
+                  <a:srgbClr val="FFFFFF"/>
+                </a:highlight>
+                <a:latin typeface="Courier New"/>
+              </a:rPr>
+              <a:t>);</a:t>
+            </a:r>
+          </a:p>
+          <a:p>
+            <a:pPr marL="0" indent="0">
+              <a:buNone/>
+            </a:pPr>
+            <a:r>
+              <a:rPr lang="en-US" sz="1200" b="1" dirty="0" smtClean="0">
+                <a:solidFill>
+                  <a:srgbClr val="008080"/>
+                </a:solidFill>
+                <a:highlight>
+                  <a:srgbClr val="FFFFFF"/>
+                </a:highlight>
+                <a:latin typeface="Courier New"/>
+              </a:rPr>
+              <a:t>end</a:t>
+            </a:r>
+            <a:r>
+              <a:rPr lang="en-US" sz="1200" b="1" dirty="0">
+                <a:solidFill>
+                  <a:srgbClr val="000080"/>
+                </a:solidFill>
+                <a:highlight>
+                  <a:srgbClr val="FFFFFF"/>
+                </a:highlight>
+                <a:latin typeface="Courier New"/>
+              </a:rPr>
+              <a:t>;</a:t>
+            </a:r>
+          </a:p>
+          <a:p>
+            <a:pPr marL="0" indent="0">
+              <a:buNone/>
+            </a:pPr>
+            <a:r>
+              <a:rPr lang="en-US" sz="1200" b="1" dirty="0" smtClean="0">
+                <a:solidFill>
+                  <a:srgbClr val="000080"/>
+                </a:solidFill>
+                <a:highlight>
+                  <a:srgbClr val="FFFFFF"/>
+                </a:highlight>
+                <a:latin typeface="Courier New"/>
+              </a:rPr>
+              <a:t>/</a:t>
+            </a:r>
+            <a:endParaRPr lang="en-US" sz="1200" b="1" dirty="0">
+              <a:solidFill>
+                <a:srgbClr val="000080"/>
+              </a:solidFill>
+              <a:highlight>
+                <a:srgbClr val="FFFFFF"/>
+              </a:highlight>
+              <a:latin typeface="Courier New"/>
+            </a:endParaRPr>
+          </a:p>
+        </p:txBody>
+      </p:sp>
+      <p:sp>
+        <p:nvSpPr>
+          <p:cNvPr id="4" name="Date Placeholder 3"/>
+          <p:cNvSpPr>
+            <a:spLocks noGrp="1"/>
+          </p:cNvSpPr>
+          <p:nvPr>
+            <p:ph type="dt" sz="half" idx="10"/>
           </p:nvPr>
         </p:nvSpPr>
         <p:spPr/>
         <p:txBody>
-          <a:bodyPr>
-            <a:normAutofit/>
-          </a:bodyPr>
-          <a:lstStyle/>
-          <a:p>
-            <a:pPr marL="514350" indent="-514350">
-              <a:buFont typeface="+mj-lt"/>
-              <a:buAutoNum type="arabicPeriod"/>
-            </a:pPr>
-            <a:r>
-              <a:rPr lang="en-US" dirty="0"/>
-              <a:t>Not your typical home-made script</a:t>
-            </a:r>
-          </a:p>
-          <a:p>
-            <a:pPr marL="514350" indent="-514350">
-              <a:buFont typeface="+mj-lt"/>
-              <a:buAutoNum type="arabicPeriod"/>
-            </a:pPr>
-            <a:r>
-              <a:rPr lang="en-US" dirty="0"/>
-              <a:t>In production since </a:t>
-            </a:r>
-            <a:r>
-              <a:rPr lang="en-US" dirty="0" smtClean="0"/>
-              <a:t>2014, public since 2016</a:t>
-            </a:r>
-          </a:p>
-          <a:p>
-            <a:pPr marL="514350" indent="-514350">
-              <a:buFont typeface="+mj-lt"/>
-              <a:buAutoNum type="arabicPeriod"/>
-            </a:pPr>
-            <a:r>
-              <a:rPr lang="en-US" dirty="0" smtClean="0"/>
-              <a:t>First user: 400 </a:t>
-            </a:r>
-            <a:r>
-              <a:rPr lang="en-US" dirty="0"/>
-              <a:t>databases, </a:t>
-            </a:r>
-            <a:r>
-              <a:rPr lang="en-US" dirty="0" smtClean="0"/>
-              <a:t>1 petabyte of data, 15 million runs</a:t>
-            </a:r>
-            <a:endParaRPr lang="en-US" dirty="0"/>
-          </a:p>
-          <a:p>
-            <a:pPr marL="514350" indent="-514350">
-              <a:buFont typeface="+mj-lt"/>
-              <a:buAutoNum type="arabicPeriod"/>
-            </a:pPr>
-            <a:r>
-              <a:rPr lang="en-US" dirty="0" smtClean="0"/>
-              <a:t>1800 unit tests</a:t>
-            </a:r>
-            <a:r>
-              <a:rPr lang="en-US" dirty="0"/>
-              <a:t>, open </a:t>
-            </a:r>
-            <a:r>
-              <a:rPr lang="en-US" dirty="0" smtClean="0"/>
-              <a:t>source, focus on security</a:t>
-            </a:r>
-          </a:p>
-          <a:p>
-            <a:pPr marL="514350" indent="-514350">
-              <a:buFont typeface="+mj-lt"/>
-              <a:buAutoNum type="arabicPeriod"/>
-            </a:pPr>
-            <a:endParaRPr lang="en-US" dirty="0"/>
-          </a:p>
-        </p:txBody>
-      </p:sp>
-      <p:sp>
-        <p:nvSpPr>
-          <p:cNvPr id="4" name="Date Placeholder 3"/>
-          <p:cNvSpPr>
-            <a:spLocks noGrp="1"/>
-          </p:cNvSpPr>
-          <p:nvPr>
-            <p:ph type="dt" sz="half" idx="10"/>
-          </p:nvPr>
-        </p:nvSpPr>
-        <p:spPr/>
-        <p:txBody>
           <a:bodyPr/>
           <a:lstStyle/>
           <a:p>
             <a:r>
               <a:rPr lang="en-US" smtClean="0"/>
-              <a:t>2018-06-06</a:t>
+              <a:t>2018-06-09</a:t>
             </a:r>
             <a:endParaRPr lang="en-US" dirty="0"/>
           </a:p>
@@ -10873,14 +11619,14 @@
               <a:rPr lang="en-US" smtClean="0"/>
               <a:t>17</a:t>
             </a:fld>
-            <a:endParaRPr lang="en-US" dirty="0"/>
+            <a:endParaRPr lang="en-US"/>
           </a:p>
         </p:txBody>
       </p:sp>
     </p:spTree>
     <p:extLst>
       <p:ext uri="{BB962C8B-B14F-4D97-AF65-F5344CB8AC3E}">
-        <p14:creationId xmlns:p14="http://schemas.microsoft.com/office/powerpoint/2010/main" val="228573909"/>
+        <p14:creationId xmlns:p14="http://schemas.microsoft.com/office/powerpoint/2010/main" val="3744074095"/>
       </p:ext>
     </p:extLst>
   </p:cSld>
@@ -10926,12 +11672,14 @@
         </p:nvSpPr>
         <p:spPr/>
         <p:txBody>
-          <a:bodyPr/>
-          <a:lstStyle/>
-          <a:p>
-            <a:r>
-              <a:rPr lang="en-US" dirty="0" smtClean="0"/>
-              <a:t>Architecture</a:t>
+          <a:bodyPr>
+            <a:normAutofit/>
+          </a:bodyPr>
+          <a:lstStyle/>
+          <a:p>
+            <a:r>
+              <a:rPr lang="en-US" dirty="0" smtClean="0"/>
+              <a:t>History</a:t>
             </a:r>
             <a:endParaRPr lang="en-US" dirty="0"/>
           </a:p>
@@ -10950,7 +11698,7 @@
         <p:spPr/>
         <p:txBody>
           <a:bodyPr>
-            <a:normAutofit fontScale="92500" lnSpcReduction="20000"/>
+            <a:normAutofit fontScale="85000" lnSpcReduction="20000"/>
           </a:bodyPr>
           <a:lstStyle/>
           <a:p>
@@ -10960,20 +11708,8 @@
             </a:pPr>
             <a:r>
               <a:rPr lang="en-US" dirty="0" smtClean="0"/>
-              <a:t>Dynamic</a:t>
-            </a:r>
-            <a:r>
-              <a:rPr lang="en-US" dirty="0"/>
-              <a:t>, templated SQL and </a:t>
-            </a:r>
-            <a:r>
-              <a:rPr lang="en-US" dirty="0" smtClean="0"/>
-              <a:t>PL/SQL</a:t>
-            </a:r>
-            <a:br>
-              <a:rPr lang="en-US" dirty="0" smtClean="0"/>
-            </a:br>
-            <a:endParaRPr lang="en-US" dirty="0" smtClean="0"/>
+              <a:t>2006 - idea, early prototypes</a:t>
+            </a:r>
           </a:p>
           <a:p>
             <a:pPr marL="514350" indent="-514350">
@@ -10981,8 +11717,8 @@
               <a:buAutoNum type="arabicPeriod"/>
             </a:pPr>
             <a:r>
-              <a:rPr lang="en-US" dirty="0"/>
-              <a:t>Database Links</a:t>
+              <a:rPr lang="en-US" dirty="0" smtClean="0"/>
+              <a:t>2013 - started development</a:t>
             </a:r>
           </a:p>
           <a:p>
@@ -10991,14 +11727,9 @@
               <a:buAutoNum type="arabicPeriod"/>
             </a:pPr>
             <a:r>
-              <a:rPr lang="en-US" dirty="0"/>
-              <a:t>PL/SQL </a:t>
-            </a:r>
-            <a:r>
-              <a:rPr lang="en-US" dirty="0" err="1"/>
-              <a:t>Lexer</a:t>
-            </a:r>
-            <a:endParaRPr lang="en-US" dirty="0"/>
+              <a:rPr lang="en-US" dirty="0" smtClean="0"/>
+              <a:t>2014 - used in production databases</a:t>
+            </a:r>
           </a:p>
           <a:p>
             <a:pPr marL="514350" indent="-514350">
@@ -11007,9 +11738,8 @@
             </a:pPr>
             <a:r>
               <a:rPr lang="en-US" dirty="0" smtClean="0"/>
-              <a:t>DBMS_SCHEDULER, DBMS_PIPES </a:t>
-            </a:r>
-            <a:endParaRPr lang="en-US" dirty="0"/>
+              <a:t>2016 - released as open source</a:t>
+            </a:r>
           </a:p>
           <a:p>
             <a:pPr marL="514350" indent="-514350">
@@ -11018,11 +11748,35 @@
             </a:pPr>
             <a:r>
               <a:rPr lang="en-US" dirty="0" smtClean="0"/>
-              <a:t>Table-driven </a:t>
-            </a:r>
-            <a:r>
-              <a:rPr lang="en-US" dirty="0"/>
-              <a:t>configuration</a:t>
+              <a:t>First production installation at Ventech Solutions:</a:t>
+            </a:r>
+            <a:br>
+              <a:rPr lang="en-US" dirty="0" smtClean="0"/>
+            </a:br>
+            <a:r>
+              <a:rPr lang="en-US" dirty="0" smtClean="0"/>
+              <a:t>	400 databases</a:t>
+            </a:r>
+            <a:br>
+              <a:rPr lang="en-US" dirty="0" smtClean="0"/>
+            </a:br>
+            <a:r>
+              <a:rPr lang="en-US" dirty="0" smtClean="0"/>
+              <a:t>	15 million runs</a:t>
+            </a:r>
+            <a:br>
+              <a:rPr lang="en-US" dirty="0" smtClean="0"/>
+            </a:br>
+            <a:r>
+              <a:rPr lang="en-US" dirty="0" smtClean="0"/>
+              <a:t>	1 petabyte of data</a:t>
+            </a:r>
+            <a:br>
+              <a:rPr lang="en-US" dirty="0" smtClean="0"/>
+            </a:br>
+            <a:r>
+              <a:rPr lang="en-US" dirty="0" smtClean="0"/>
+              <a:t>	dozens of users</a:t>
             </a:r>
             <a:endParaRPr lang="en-US" dirty="0" smtClean="0"/>
           </a:p>
@@ -11031,10 +11785,7 @@
               <a:buFont typeface="+mj-lt"/>
               <a:buAutoNum type="arabicPeriod"/>
             </a:pPr>
-            <a:r>
-              <a:rPr lang="en-US" dirty="0" smtClean="0"/>
-              <a:t>Oracle Data Cartridge</a:t>
-            </a:r>
+            <a:endParaRPr lang="en-US" dirty="0"/>
           </a:p>
         </p:txBody>
       </p:sp>
@@ -11055,9 +11806,9 @@
           <a:p>
             <a:r>
               <a:rPr lang="en-US" smtClean="0"/>
-              <a:t>2018-06-06</a:t>
-            </a:r>
-            <a:endParaRPr lang="en-US"/>
+              <a:t>2018-06-09</a:t>
+            </a:r>
+            <a:endParaRPr lang="en-US" dirty="0"/>
           </a:p>
         </p:txBody>
       </p:sp>
@@ -11079,6 +11830,228 @@
             <a:fld id="{05869706-863E-4BD1-B682-3CD80F60367B}" type="slidenum">
               <a:rPr lang="en-US" smtClean="0"/>
               <a:t>18</a:t>
+            </a:fld>
+            <a:endParaRPr lang="en-US" dirty="0"/>
+          </a:p>
+        </p:txBody>
+      </p:sp>
+    </p:spTree>
+    <p:extLst>
+      <p:ext uri="{BB962C8B-B14F-4D97-AF65-F5344CB8AC3E}">
+        <p14:creationId xmlns:p14="http://schemas.microsoft.com/office/powerpoint/2010/main" val="228573909"/>
+      </p:ext>
+    </p:extLst>
+  </p:cSld>
+  <p:clrMapOvr>
+    <a:masterClrMapping/>
+  </p:clrMapOvr>
+  <p:timing>
+    <p:tnLst>
+      <p:par>
+        <p:cTn id="1" dur="indefinite" restart="never" nodeType="tmRoot"/>
+      </p:par>
+    </p:tnLst>
+  </p:timing>
+</p:sld>
+</file>
+
+<file path=ppt/slides/slide19.xml><?xml version="1.0" encoding="utf-8"?>
+<p:sld xmlns:a="http://schemas.openxmlformats.org/drawingml/2006/main" xmlns:r="http://schemas.openxmlformats.org/officeDocument/2006/relationships" xmlns:p="http://schemas.openxmlformats.org/presentationml/2006/main">
+  <p:cSld>
+    <p:spTree>
+      <p:nvGrpSpPr>
+        <p:cNvPr id="1" name=""/>
+        <p:cNvGrpSpPr/>
+        <p:nvPr/>
+      </p:nvGrpSpPr>
+      <p:grpSpPr>
+        <a:xfrm>
+          <a:off x="0" y="0"/>
+          <a:ext cx="0" cy="0"/>
+          <a:chOff x="0" y="0"/>
+          <a:chExt cx="0" cy="0"/>
+        </a:xfrm>
+      </p:grpSpPr>
+      <p:sp>
+        <p:nvSpPr>
+          <p:cNvPr id="2" name="Title 1"/>
+          <p:cNvSpPr>
+            <a:spLocks noGrp="1"/>
+          </p:cNvSpPr>
+          <p:nvPr>
+            <p:ph type="title"/>
+          </p:nvPr>
+        </p:nvSpPr>
+        <p:spPr/>
+        <p:txBody>
+          <a:bodyPr/>
+          <a:lstStyle/>
+          <a:p>
+            <a:r>
+              <a:rPr lang="en-US" dirty="0" smtClean="0"/>
+              <a:t>Architecture</a:t>
+            </a:r>
+            <a:endParaRPr lang="en-US" dirty="0"/>
+          </a:p>
+        </p:txBody>
+      </p:sp>
+      <p:sp>
+        <p:nvSpPr>
+          <p:cNvPr id="3" name="Content Placeholder 2"/>
+          <p:cNvSpPr>
+            <a:spLocks noGrp="1"/>
+          </p:cNvSpPr>
+          <p:nvPr>
+            <p:ph idx="1"/>
+          </p:nvPr>
+        </p:nvSpPr>
+        <p:spPr/>
+        <p:txBody>
+          <a:bodyPr>
+            <a:normAutofit fontScale="85000" lnSpcReduction="20000"/>
+          </a:bodyPr>
+          <a:lstStyle/>
+          <a:p>
+            <a:pPr marL="514350" indent="-514350">
+              <a:buFont typeface="+mj-lt"/>
+              <a:buAutoNum type="arabicPeriod"/>
+            </a:pPr>
+            <a:r>
+              <a:rPr lang="en-US" dirty="0" smtClean="0"/>
+              <a:t>Dynamic</a:t>
+            </a:r>
+            <a:r>
+              <a:rPr lang="en-US" dirty="0"/>
+              <a:t>, templated SQL and </a:t>
+            </a:r>
+            <a:r>
+              <a:rPr lang="en-US" dirty="0" smtClean="0"/>
+              <a:t>PL/SQL</a:t>
+            </a:r>
+            <a:br>
+              <a:rPr lang="en-US" dirty="0" smtClean="0"/>
+            </a:br>
+            <a:endParaRPr lang="en-US" dirty="0" smtClean="0"/>
+          </a:p>
+          <a:p>
+            <a:pPr marL="514350" indent="-514350">
+              <a:buFont typeface="+mj-lt"/>
+              <a:buAutoNum type="arabicPeriod"/>
+            </a:pPr>
+            <a:r>
+              <a:rPr lang="en-US" dirty="0"/>
+              <a:t>Database Links</a:t>
+            </a:r>
+          </a:p>
+          <a:p>
+            <a:pPr marL="514350" indent="-514350">
+              <a:buFont typeface="+mj-lt"/>
+              <a:buAutoNum type="arabicPeriod"/>
+            </a:pPr>
+            <a:r>
+              <a:rPr lang="en-US" dirty="0"/>
+              <a:t>PL/SQL </a:t>
+            </a:r>
+            <a:r>
+              <a:rPr lang="en-US" dirty="0" err="1"/>
+              <a:t>Lexer</a:t>
+            </a:r>
+            <a:endParaRPr lang="en-US" dirty="0"/>
+          </a:p>
+          <a:p>
+            <a:pPr marL="514350" indent="-514350">
+              <a:buFont typeface="+mj-lt"/>
+              <a:buAutoNum type="arabicPeriod"/>
+            </a:pPr>
+            <a:r>
+              <a:rPr lang="en-US" dirty="0" smtClean="0"/>
+              <a:t>DBMS_SCHEDULER, DBMS_PIPES </a:t>
+            </a:r>
+            <a:endParaRPr lang="en-US" dirty="0"/>
+          </a:p>
+          <a:p>
+            <a:pPr marL="514350" indent="-514350">
+              <a:buFont typeface="+mj-lt"/>
+              <a:buAutoNum type="arabicPeriod"/>
+            </a:pPr>
+            <a:r>
+              <a:rPr lang="en-US" dirty="0" smtClean="0"/>
+              <a:t>Table-driven </a:t>
+            </a:r>
+            <a:r>
+              <a:rPr lang="en-US" dirty="0"/>
+              <a:t>configuration</a:t>
+            </a:r>
+            <a:endParaRPr lang="en-US" dirty="0" smtClean="0"/>
+          </a:p>
+          <a:p>
+            <a:pPr marL="514350" indent="-514350">
+              <a:buFont typeface="+mj-lt"/>
+              <a:buAutoNum type="arabicPeriod"/>
+            </a:pPr>
+            <a:r>
+              <a:rPr lang="en-US" dirty="0" smtClean="0"/>
+              <a:t>Oracle Data </a:t>
+            </a:r>
+            <a:r>
+              <a:rPr lang="en-US" dirty="0" smtClean="0"/>
+              <a:t>Cartridge</a:t>
+            </a:r>
+          </a:p>
+          <a:p>
+            <a:pPr marL="514350" indent="-514350">
+              <a:buFont typeface="+mj-lt"/>
+              <a:buAutoNum type="arabicPeriod"/>
+            </a:pPr>
+            <a:r>
+              <a:rPr lang="en-US" dirty="0" smtClean="0"/>
+              <a:t>1800 automated tests</a:t>
+            </a:r>
+            <a:endParaRPr lang="en-US" dirty="0" smtClean="0"/>
+          </a:p>
+        </p:txBody>
+      </p:sp>
+      <p:sp>
+        <p:nvSpPr>
+          <p:cNvPr id="4" name="Date Placeholder 3"/>
+          <p:cNvSpPr>
+            <a:spLocks noGrp="1"/>
+          </p:cNvSpPr>
+          <p:nvPr>
+            <p:ph type="dt" sz="half" idx="10"/>
+          </p:nvPr>
+        </p:nvSpPr>
+        <p:spPr/>
+        <p:txBody>
+          <a:bodyPr/>
+          <a:lstStyle/>
+          <a:p>
+            <a:r>
+              <a:rPr lang="en-US" smtClean="0"/>
+              <a:t>2018-06-09</a:t>
+            </a:r>
+            <a:endParaRPr lang="en-US"/>
+          </a:p>
+        </p:txBody>
+      </p:sp>
+      <p:sp>
+        <p:nvSpPr>
+          <p:cNvPr id="5" name="Slide Number Placeholder 4"/>
+          <p:cNvSpPr>
+            <a:spLocks noGrp="1"/>
+          </p:cNvSpPr>
+          <p:nvPr>
+            <p:ph type="sldNum" sz="quarter" idx="12"/>
+          </p:nvPr>
+        </p:nvSpPr>
+        <p:spPr/>
+        <p:txBody>
+          <a:bodyPr/>
+          <a:lstStyle/>
+          <a:p>
+            <a:fld id="{05869706-863E-4BD1-B682-3CD80F60367B}" type="slidenum">
+              <a:rPr lang="en-US" smtClean="0"/>
+              <a:t>19</a:t>
             </a:fld>
             <a:endParaRPr lang="en-US"/>
           </a:p>
@@ -11161,7 +12134,7 @@
         </p:blipFill>
         <p:spPr bwMode="auto">
           <a:xfrm>
-            <a:off x="6025229" y="3105150"/>
+            <a:off x="5943600" y="3181350"/>
             <a:ext cx="2737771" cy="1513741"/>
           </a:xfrm>
           <a:prstGeom prst="rect">
@@ -11202,8 +12175,8 @@
         </p:blipFill>
         <p:spPr bwMode="auto">
           <a:xfrm>
-            <a:off x="3527886" y="1930882"/>
-            <a:ext cx="1806114" cy="1083668"/>
+            <a:off x="6247087" y="1930882"/>
+            <a:ext cx="1830113" cy="1098068"/>
           </a:xfrm>
           <a:prstGeom prst="rect">
             <a:avLst/>
@@ -11224,213 +12197,6 @@
     <p:extLst>
       <p:ext uri="{BB962C8B-B14F-4D97-AF65-F5344CB8AC3E}">
         <p14:creationId xmlns:p14="http://schemas.microsoft.com/office/powerpoint/2010/main" val="1182446749"/>
-      </p:ext>
-    </p:extLst>
-  </p:cSld>
-  <p:clrMapOvr>
-    <a:masterClrMapping/>
-  </p:clrMapOvr>
-  <p:timing>
-    <p:tnLst>
-      <p:par>
-        <p:cTn id="1" dur="indefinite" restart="never" nodeType="tmRoot"/>
-      </p:par>
-    </p:tnLst>
-  </p:timing>
-</p:sld>
-</file>
-
-<file path=ppt/slides/slide19.xml><?xml version="1.0" encoding="utf-8"?>
-<p:sld xmlns:a="http://schemas.openxmlformats.org/drawingml/2006/main" xmlns:r="http://schemas.openxmlformats.org/officeDocument/2006/relationships" xmlns:p="http://schemas.openxmlformats.org/presentationml/2006/main">
-  <p:cSld>
-    <p:spTree>
-      <p:nvGrpSpPr>
-        <p:cNvPr id="1" name=""/>
-        <p:cNvGrpSpPr/>
-        <p:nvPr/>
-      </p:nvGrpSpPr>
-      <p:grpSpPr>
-        <a:xfrm>
-          <a:off x="0" y="0"/>
-          <a:ext cx="0" cy="0"/>
-          <a:chOff x="0" y="0"/>
-          <a:chExt cx="0" cy="0"/>
-        </a:xfrm>
-      </p:grpSpPr>
-      <p:sp>
-        <p:nvSpPr>
-          <p:cNvPr id="2" name="Title 1"/>
-          <p:cNvSpPr>
-            <a:spLocks noGrp="1"/>
-          </p:cNvSpPr>
-          <p:nvPr>
-            <p:ph type="title"/>
-          </p:nvPr>
-        </p:nvSpPr>
-        <p:spPr/>
-        <p:txBody>
-          <a:bodyPr/>
-          <a:lstStyle/>
-          <a:p>
-            <a:r>
-              <a:rPr lang="en-US" dirty="0" smtClean="0"/>
-              <a:t>Install and Administer</a:t>
-            </a:r>
-            <a:endParaRPr lang="en-US" dirty="0"/>
-          </a:p>
-        </p:txBody>
-      </p:sp>
-      <p:sp>
-        <p:nvSpPr>
-          <p:cNvPr id="3" name="Content Placeholder 2"/>
-          <p:cNvSpPr>
-            <a:spLocks noGrp="1"/>
-          </p:cNvSpPr>
-          <p:nvPr>
-            <p:ph idx="1"/>
-          </p:nvPr>
-        </p:nvSpPr>
-        <p:spPr/>
-        <p:txBody>
-          <a:bodyPr>
-            <a:normAutofit fontScale="77500" lnSpcReduction="20000"/>
-          </a:bodyPr>
-          <a:lstStyle/>
-          <a:p>
-            <a:pPr marL="514350" indent="-514350">
-              <a:buFont typeface="+mj-lt"/>
-              <a:buAutoNum type="arabicPeriod"/>
-            </a:pPr>
-            <a:r>
-              <a:rPr lang="en-US" dirty="0" smtClean="0"/>
-              <a:t>Requirements</a:t>
-            </a:r>
-          </a:p>
-          <a:p>
-            <a:pPr marL="514350" indent="-514350">
-              <a:buFont typeface="+mj-lt"/>
-              <a:buAutoNum type="arabicPeriod"/>
-            </a:pPr>
-            <a:r>
-              <a:rPr lang="en-US" dirty="0" smtClean="0"/>
-              <a:t>One DBA needed for setup and administration</a:t>
-            </a:r>
-          </a:p>
-          <a:p>
-            <a:pPr marL="514350" indent="-514350">
-              <a:buFont typeface="+mj-lt"/>
-              <a:buAutoNum type="arabicPeriod"/>
-            </a:pPr>
-            <a:r>
-              <a:rPr lang="en-US" dirty="0" smtClean="0"/>
-              <a:t>Download open source code, follow install_method5.md and administer_method5.md</a:t>
-            </a:r>
-          </a:p>
-          <a:p>
-            <a:pPr marL="514350" indent="-514350">
-              <a:buFont typeface="+mj-lt"/>
-              <a:buAutoNum type="arabicPeriod"/>
-            </a:pPr>
-            <a:r>
-              <a:rPr lang="en-US" dirty="0" smtClean="0"/>
-              <a:t>Everything lives inside the database</a:t>
-            </a:r>
-          </a:p>
-          <a:p>
-            <a:pPr marL="514350" indent="-514350">
-              <a:buFont typeface="+mj-lt"/>
-              <a:buAutoNum type="arabicPeriod"/>
-            </a:pPr>
-            <a:r>
-              <a:rPr lang="en-US" dirty="0" smtClean="0"/>
-              <a:t>How much time will it take?</a:t>
-            </a:r>
-          </a:p>
-          <a:p>
-            <a:pPr marL="514350" indent="-514350">
-              <a:buFont typeface="+mj-lt"/>
-              <a:buAutoNum type="arabicPeriod"/>
-            </a:pPr>
-            <a:r>
-              <a:rPr lang="en-US" dirty="0" smtClean="0"/>
-              <a:t>Create GitHub issue or send email if </a:t>
-            </a:r>
-            <a:r>
-              <a:rPr lang="en-US" dirty="0" smtClean="0"/>
-              <a:t>you want help</a:t>
-            </a:r>
-            <a:r>
-              <a:rPr lang="en-US" dirty="0" smtClean="0"/>
-              <a:t/>
-            </a:r>
-            <a:br>
-              <a:rPr lang="en-US" dirty="0" smtClean="0"/>
-            </a:br>
-            <a:r>
-              <a:rPr lang="en-US" dirty="0" smtClean="0"/>
-              <a:t/>
-            </a:r>
-            <a:br>
-              <a:rPr lang="en-US" dirty="0" smtClean="0"/>
-            </a:br>
-            <a:r>
-              <a:rPr lang="en-US" dirty="0" smtClean="0"/>
-              <a:t>Any DBA can try it out in a few hours</a:t>
-            </a:r>
-            <a:endParaRPr lang="en-US" dirty="0"/>
-          </a:p>
-        </p:txBody>
-      </p:sp>
-      <p:sp>
-        <p:nvSpPr>
-          <p:cNvPr id="4" name="Date Placeholder 3"/>
-          <p:cNvSpPr>
-            <a:spLocks noGrp="1"/>
-          </p:cNvSpPr>
-          <p:nvPr>
-            <p:ph type="dt" sz="half" idx="10"/>
-          </p:nvPr>
-        </p:nvSpPr>
-        <p:spPr/>
-        <p:txBody>
-          <a:bodyPr/>
-          <a:lstStyle/>
-          <a:p>
-            <a:r>
-              <a:rPr lang="en-US" smtClean="0"/>
-              <a:t>2018-06-06</a:t>
-            </a:r>
-            <a:endParaRPr lang="en-US"/>
-          </a:p>
-        </p:txBody>
-      </p:sp>
-      <p:sp>
-        <p:nvSpPr>
-          <p:cNvPr id="5" name="Slide Number Placeholder 4"/>
-          <p:cNvSpPr>
-            <a:spLocks noGrp="1"/>
-          </p:cNvSpPr>
-          <p:nvPr>
-            <p:ph type="sldNum" sz="quarter" idx="12"/>
-          </p:nvPr>
-        </p:nvSpPr>
-        <p:spPr/>
-        <p:txBody>
-          <a:bodyPr/>
-          <a:lstStyle/>
-          <a:p>
-            <a:fld id="{05869706-863E-4BD1-B682-3CD80F60367B}" type="slidenum">
-              <a:rPr lang="en-US" smtClean="0"/>
-              <a:t>19</a:t>
-            </a:fld>
-            <a:endParaRPr lang="en-US"/>
-          </a:p>
-        </p:txBody>
-      </p:sp>
-    </p:spTree>
-    <p:extLst>
-      <p:ext uri="{BB962C8B-B14F-4D97-AF65-F5344CB8AC3E}">
-        <p14:creationId xmlns:p14="http://schemas.microsoft.com/office/powerpoint/2010/main" val="3621855080"/>
       </p:ext>
     </p:extLst>
   </p:cSld>
@@ -11510,11 +12276,7 @@
             </a:pPr>
             <a:r>
               <a:rPr lang="en-US" dirty="0" smtClean="0"/>
-              <a:t>Relational remote </a:t>
-            </a:r>
-            <a:r>
-              <a:rPr lang="en-US" dirty="0" smtClean="0"/>
-              <a:t>execution SQL extension</a:t>
+              <a:t>Relational remote execution SQL extension</a:t>
             </a:r>
           </a:p>
           <a:p>
@@ -11665,11 +12427,7 @@
             </a:pPr>
             <a:r>
               <a:rPr lang="en-US" dirty="0" smtClean="0"/>
-              <a:t>Open-source</a:t>
-            </a:r>
-            <a:r>
-              <a:rPr lang="en-US" dirty="0" smtClean="0"/>
-              <a:t>, secure, agentless, robust implementation</a:t>
+              <a:t>Open-source, secure, agentless, robust implementation</a:t>
             </a:r>
           </a:p>
           <a:p>
@@ -11729,7 +12487,7 @@
           <a:p>
             <a:r>
               <a:rPr lang="en-US" smtClean="0"/>
-              <a:t>2018-06-06</a:t>
+              <a:t>2018-06-09</a:t>
             </a:r>
             <a:endParaRPr lang="en-US" dirty="0"/>
           </a:p>
@@ -11812,11 +12570,7 @@
           <a:p>
             <a:r>
               <a:rPr lang="en-US" dirty="0" smtClean="0"/>
-              <a:t>Security: Why </a:t>
-            </a:r>
-            <a:r>
-              <a:rPr lang="en-US" dirty="0" smtClean="0"/>
-              <a:t>Method5 is Safe</a:t>
+              <a:t>Install and Administer</a:t>
             </a:r>
             <a:endParaRPr lang="en-US" dirty="0"/>
           </a:p>
@@ -11835,207 +12589,84 @@
         <p:spPr/>
         <p:txBody>
           <a:bodyPr>
-            <a:normAutofit fontScale="85000" lnSpcReduction="20000"/>
+            <a:normAutofit fontScale="77500" lnSpcReduction="20000"/>
           </a:bodyPr>
           <a:lstStyle/>
           <a:p>
-            <a:pPr marL="0" indent="0">
-              <a:buNone/>
+            <a:pPr marL="514350" indent="-514350">
+              <a:buFont typeface="+mj-lt"/>
+              <a:buAutoNum type="arabicPeriod"/>
             </a:pPr>
             <a:r>
-              <a:rPr lang="en-US" strike="sngStrike" dirty="0" smtClean="0"/>
-              <a:t>1. Public </a:t>
-            </a:r>
-            <a:r>
-              <a:rPr lang="en-US" strike="sngStrike" dirty="0"/>
-              <a:t>database links</a:t>
-            </a:r>
-            <a:r>
-              <a:rPr lang="en-US" dirty="0"/>
-              <a:t>, </a:t>
-            </a:r>
-            <a:r>
-              <a:rPr lang="en-US" strike="sngStrike" dirty="0"/>
-              <a:t>password sharing</a:t>
-            </a:r>
-            <a:r>
-              <a:rPr lang="en-US" dirty="0"/>
-              <a:t>, </a:t>
-            </a:r>
-            <a:r>
-              <a:rPr lang="en-US" strike="sngStrike" dirty="0"/>
-              <a:t>direct </a:t>
-            </a:r>
-            <a:r>
-              <a:rPr lang="en-US" strike="sngStrike" dirty="0" smtClean="0"/>
-              <a:t>logons</a:t>
-            </a:r>
-            <a:endParaRPr lang="en-US" strike="sngStrike" dirty="0"/>
-          </a:p>
-          <a:p>
-            <a:pPr marL="0" indent="0">
-              <a:buNone/>
+              <a:rPr lang="en-US" dirty="0" smtClean="0"/>
+              <a:t>Requirements</a:t>
+            </a:r>
+            <a:endParaRPr lang="en-US" dirty="0" smtClean="0"/>
+          </a:p>
+          <a:p>
+            <a:pPr marL="514350" indent="-514350">
+              <a:buFont typeface="+mj-lt"/>
+              <a:buAutoNum type="arabicPeriod"/>
             </a:pPr>
             <a:r>
               <a:rPr lang="en-US" dirty="0" smtClean="0"/>
-              <a:t>2. Auditing </a:t>
-            </a:r>
-            <a:r>
-              <a:rPr lang="en-US" dirty="0"/>
-              <a:t>- </a:t>
-            </a:r>
-            <a:r>
-              <a:rPr lang="en-US" dirty="0">
-                <a:solidFill>
-                  <a:schemeClr val="bg1">
-                    <a:lumMod val="50000"/>
-                  </a:schemeClr>
-                </a:solidFill>
-              </a:rPr>
-              <a:t>M5_AUDIT and database audit trail</a:t>
-            </a:r>
-          </a:p>
-          <a:p>
-            <a:pPr marL="0" indent="0">
-              <a:buNone/>
+              <a:t>One DBA needed for setup and administration</a:t>
+            </a:r>
+          </a:p>
+          <a:p>
+            <a:pPr marL="514350" indent="-514350">
+              <a:buFont typeface="+mj-lt"/>
+              <a:buAutoNum type="arabicPeriod"/>
             </a:pPr>
             <a:r>
               <a:rPr lang="en-US" dirty="0" smtClean="0"/>
-              <a:t>3. Multi-Step </a:t>
-            </a:r>
-            <a:r>
-              <a:rPr lang="en-US" dirty="0"/>
-              <a:t>Authentication - </a:t>
-            </a:r>
-            <a:r>
-              <a:rPr lang="en-US" dirty="0">
-                <a:solidFill>
-                  <a:schemeClr val="bg1">
-                    <a:lumMod val="50000"/>
-                  </a:schemeClr>
-                </a:solidFill>
-              </a:rPr>
-              <a:t>Oracle and OS username</a:t>
-            </a:r>
-          </a:p>
-          <a:p>
-            <a:pPr marL="0" indent="0">
-              <a:buNone/>
+              <a:t>Download open source code, follow install_method5.md and administer_method5.md</a:t>
+            </a:r>
+          </a:p>
+          <a:p>
+            <a:pPr marL="514350" indent="-514350">
+              <a:buFont typeface="+mj-lt"/>
+              <a:buAutoNum type="arabicPeriod"/>
             </a:pPr>
             <a:r>
               <a:rPr lang="en-US" dirty="0" smtClean="0"/>
-              <a:t>4. Intrusion </a:t>
-            </a:r>
-            <a:r>
-              <a:rPr lang="en-US" dirty="0"/>
-              <a:t>Detection - </a:t>
-            </a:r>
-            <a:r>
-              <a:rPr lang="en-US" dirty="0">
-                <a:solidFill>
-                  <a:schemeClr val="bg1">
-                    <a:lumMod val="50000"/>
-                  </a:schemeClr>
-                </a:solidFill>
-              </a:rPr>
-              <a:t>Invalid access </a:t>
-            </a:r>
-            <a:r>
-              <a:rPr lang="en-US" dirty="0" smtClean="0">
-                <a:solidFill>
-                  <a:schemeClr val="bg1">
-                    <a:lumMod val="50000"/>
-                  </a:schemeClr>
-                </a:solidFill>
-              </a:rPr>
-              <a:t>or </a:t>
-            </a:r>
-            <a:r>
-              <a:rPr lang="en-US" dirty="0" err="1">
-                <a:solidFill>
-                  <a:schemeClr val="bg1">
-                    <a:lumMod val="50000"/>
-                  </a:schemeClr>
-                </a:solidFill>
-              </a:rPr>
-              <a:t>config</a:t>
-            </a:r>
-            <a:r>
-              <a:rPr lang="en-US" dirty="0">
-                <a:solidFill>
-                  <a:schemeClr val="bg1">
-                    <a:lumMod val="50000"/>
-                  </a:schemeClr>
-                </a:solidFill>
-              </a:rPr>
-              <a:t> changes </a:t>
-            </a:r>
-            <a:r>
-              <a:rPr lang="en-US" dirty="0" smtClean="0">
-                <a:solidFill>
-                  <a:schemeClr val="bg1">
-                    <a:lumMod val="50000"/>
-                  </a:schemeClr>
-                </a:solidFill>
-              </a:rPr>
-              <a:t>email </a:t>
-            </a:r>
-            <a:r>
-              <a:rPr lang="en-US" dirty="0">
-                <a:solidFill>
-                  <a:schemeClr val="bg1">
-                    <a:lumMod val="50000"/>
-                  </a:schemeClr>
-                </a:solidFill>
-              </a:rPr>
-              <a:t>admin</a:t>
-            </a:r>
-          </a:p>
-          <a:p>
-            <a:pPr marL="0" indent="0">
-              <a:buNone/>
+              <a:t>Everything lives inside the database</a:t>
+            </a:r>
+          </a:p>
+          <a:p>
+            <a:pPr marL="514350" indent="-514350">
+              <a:buFont typeface="+mj-lt"/>
+              <a:buAutoNum type="arabicPeriod"/>
             </a:pPr>
             <a:r>
               <a:rPr lang="en-US" dirty="0" smtClean="0"/>
-              <a:t>5. Shell </a:t>
-            </a:r>
-            <a:r>
-              <a:rPr lang="en-US" dirty="0"/>
-              <a:t>Script and SYS - </a:t>
-            </a:r>
-            <a:r>
-              <a:rPr lang="en-US" dirty="0">
-                <a:solidFill>
-                  <a:schemeClr val="bg1">
-                    <a:lumMod val="50000"/>
-                  </a:schemeClr>
-                </a:solidFill>
-              </a:rPr>
-              <a:t>Commands from master are encrypted, remote DBA cannot break into it</a:t>
-            </a:r>
-          </a:p>
-          <a:p>
-            <a:pPr marL="0" indent="0">
-              <a:buNone/>
+              <a:t>How much time will it take?</a:t>
+            </a:r>
+          </a:p>
+          <a:p>
+            <a:pPr marL="514350" indent="-514350">
+              <a:buFont typeface="+mj-lt"/>
+              <a:buAutoNum type="arabicPeriod"/>
             </a:pPr>
             <a:r>
               <a:rPr lang="en-US" dirty="0" smtClean="0"/>
-              <a:t>6. Open </a:t>
-            </a:r>
-            <a:r>
-              <a:rPr lang="en-US" dirty="0"/>
-              <a:t>Source - </a:t>
-            </a:r>
-            <a:r>
-              <a:rPr lang="en-US" dirty="0">
-                <a:solidFill>
-                  <a:schemeClr val="bg1">
-                    <a:lumMod val="50000"/>
-                  </a:schemeClr>
-                </a:solidFill>
-              </a:rPr>
-              <a:t>Not just security through obscurity</a:t>
-            </a:r>
+              <a:t>Create GitHub issue or send email if you want help</a:t>
+            </a:r>
+            <a:br>
+              <a:rPr lang="en-US" dirty="0" smtClean="0"/>
+            </a:br>
+            <a:r>
+              <a:rPr lang="en-US" dirty="0" smtClean="0"/>
+              <a:t/>
+            </a:r>
+            <a:br>
+              <a:rPr lang="en-US" dirty="0" smtClean="0"/>
+            </a:br>
+            <a:r>
+              <a:rPr lang="en-US" dirty="0" smtClean="0"/>
+              <a:t>Any DBA can try it out in a few hours</a:t>
+            </a:r>
+            <a:endParaRPr lang="en-US" dirty="0"/>
           </a:p>
         </p:txBody>
       </p:sp>
@@ -12056,9 +12687,9 @@
           <a:p>
             <a:r>
               <a:rPr lang="en-US" smtClean="0"/>
-              <a:t>2018-06-06</a:t>
-            </a:r>
-            <a:endParaRPr lang="en-US" dirty="0"/>
+              <a:t>2018-06-09</a:t>
+            </a:r>
+            <a:endParaRPr lang="en-US"/>
           </a:p>
         </p:txBody>
       </p:sp>
@@ -12088,7 +12719,7 @@
     </p:spTree>
     <p:extLst>
       <p:ext uri="{BB962C8B-B14F-4D97-AF65-F5344CB8AC3E}">
-        <p14:creationId xmlns:p14="http://schemas.microsoft.com/office/powerpoint/2010/main" val="1210488992"/>
+        <p14:creationId xmlns:p14="http://schemas.microsoft.com/office/powerpoint/2010/main" val="3621855080"/>
       </p:ext>
     </p:extLst>
   </p:cSld>
@@ -12139,11 +12770,330 @@
           <a:p>
             <a:r>
               <a:rPr lang="en-US" dirty="0" smtClean="0"/>
-              <a:t>Security: Minimum </a:t>
-            </a:r>
-            <a:r>
-              <a:rPr lang="en-US" dirty="0" smtClean="0"/>
-              <a:t>Privileges</a:t>
+              <a:t>Security: Why Method5 is Safe</a:t>
+            </a:r>
+            <a:endParaRPr lang="en-US" dirty="0"/>
+          </a:p>
+        </p:txBody>
+      </p:sp>
+      <p:sp>
+        <p:nvSpPr>
+          <p:cNvPr id="3" name="Content Placeholder 2"/>
+          <p:cNvSpPr>
+            <a:spLocks noGrp="1"/>
+          </p:cNvSpPr>
+          <p:nvPr>
+            <p:ph idx="1"/>
+          </p:nvPr>
+        </p:nvSpPr>
+        <p:spPr/>
+        <p:txBody>
+          <a:bodyPr>
+            <a:normAutofit fontScale="85000" lnSpcReduction="20000"/>
+          </a:bodyPr>
+          <a:lstStyle/>
+          <a:p>
+            <a:pPr marL="0" indent="0">
+              <a:buNone/>
+            </a:pPr>
+            <a:r>
+              <a:rPr lang="en-US" strike="sngStrike" dirty="0" smtClean="0"/>
+              <a:t>1. Public </a:t>
+            </a:r>
+            <a:r>
+              <a:rPr lang="en-US" strike="sngStrike" dirty="0"/>
+              <a:t>database links</a:t>
+            </a:r>
+            <a:r>
+              <a:rPr lang="en-US" dirty="0"/>
+              <a:t>, </a:t>
+            </a:r>
+            <a:r>
+              <a:rPr lang="en-US" strike="sngStrike" dirty="0"/>
+              <a:t>password sharing</a:t>
+            </a:r>
+            <a:r>
+              <a:rPr lang="en-US" dirty="0"/>
+              <a:t>, </a:t>
+            </a:r>
+            <a:r>
+              <a:rPr lang="en-US" strike="sngStrike" dirty="0"/>
+              <a:t>direct </a:t>
+            </a:r>
+            <a:r>
+              <a:rPr lang="en-US" strike="sngStrike" dirty="0" smtClean="0"/>
+              <a:t>logons</a:t>
+            </a:r>
+            <a:endParaRPr lang="en-US" strike="sngStrike" dirty="0"/>
+          </a:p>
+          <a:p>
+            <a:pPr marL="0" indent="0">
+              <a:buNone/>
+            </a:pPr>
+            <a:r>
+              <a:rPr lang="en-US" dirty="0" smtClean="0"/>
+              <a:t>2. Auditing </a:t>
+            </a:r>
+            <a:r>
+              <a:rPr lang="en-US" dirty="0"/>
+              <a:t>- </a:t>
+            </a:r>
+            <a:r>
+              <a:rPr lang="en-US" dirty="0">
+                <a:solidFill>
+                  <a:schemeClr val="bg1">
+                    <a:lumMod val="50000"/>
+                  </a:schemeClr>
+                </a:solidFill>
+              </a:rPr>
+              <a:t>M5_AUDIT and database audit trail</a:t>
+            </a:r>
+          </a:p>
+          <a:p>
+            <a:pPr marL="0" indent="0">
+              <a:buNone/>
+            </a:pPr>
+            <a:r>
+              <a:rPr lang="en-US" dirty="0" smtClean="0"/>
+              <a:t>3. Multi-Step </a:t>
+            </a:r>
+            <a:r>
+              <a:rPr lang="en-US" dirty="0"/>
+              <a:t>Authentication - </a:t>
+            </a:r>
+            <a:r>
+              <a:rPr lang="en-US" dirty="0">
+                <a:solidFill>
+                  <a:schemeClr val="bg1">
+                    <a:lumMod val="50000"/>
+                  </a:schemeClr>
+                </a:solidFill>
+              </a:rPr>
+              <a:t>Oracle and OS username</a:t>
+            </a:r>
+          </a:p>
+          <a:p>
+            <a:pPr marL="0" indent="0">
+              <a:buNone/>
+            </a:pPr>
+            <a:r>
+              <a:rPr lang="en-US" dirty="0" smtClean="0"/>
+              <a:t>4. Intrusion </a:t>
+            </a:r>
+            <a:r>
+              <a:rPr lang="en-US" dirty="0"/>
+              <a:t>Detection - </a:t>
+            </a:r>
+            <a:r>
+              <a:rPr lang="en-US" dirty="0">
+                <a:solidFill>
+                  <a:schemeClr val="bg1">
+                    <a:lumMod val="50000"/>
+                  </a:schemeClr>
+                </a:solidFill>
+              </a:rPr>
+              <a:t>Invalid access </a:t>
+            </a:r>
+            <a:r>
+              <a:rPr lang="en-US" dirty="0" smtClean="0">
+                <a:solidFill>
+                  <a:schemeClr val="bg1">
+                    <a:lumMod val="50000"/>
+                  </a:schemeClr>
+                </a:solidFill>
+              </a:rPr>
+              <a:t>or </a:t>
+            </a:r>
+            <a:r>
+              <a:rPr lang="en-US" dirty="0" err="1">
+                <a:solidFill>
+                  <a:schemeClr val="bg1">
+                    <a:lumMod val="50000"/>
+                  </a:schemeClr>
+                </a:solidFill>
+              </a:rPr>
+              <a:t>config</a:t>
+            </a:r>
+            <a:r>
+              <a:rPr lang="en-US" dirty="0">
+                <a:solidFill>
+                  <a:schemeClr val="bg1">
+                    <a:lumMod val="50000"/>
+                  </a:schemeClr>
+                </a:solidFill>
+              </a:rPr>
+              <a:t> changes </a:t>
+            </a:r>
+            <a:r>
+              <a:rPr lang="en-US" dirty="0" smtClean="0">
+                <a:solidFill>
+                  <a:schemeClr val="bg1">
+                    <a:lumMod val="50000"/>
+                  </a:schemeClr>
+                </a:solidFill>
+              </a:rPr>
+              <a:t>email </a:t>
+            </a:r>
+            <a:r>
+              <a:rPr lang="en-US" dirty="0">
+                <a:solidFill>
+                  <a:schemeClr val="bg1">
+                    <a:lumMod val="50000"/>
+                  </a:schemeClr>
+                </a:solidFill>
+              </a:rPr>
+              <a:t>admin</a:t>
+            </a:r>
+          </a:p>
+          <a:p>
+            <a:pPr marL="0" indent="0">
+              <a:buNone/>
+            </a:pPr>
+            <a:r>
+              <a:rPr lang="en-US" dirty="0" smtClean="0"/>
+              <a:t>5. Shell </a:t>
+            </a:r>
+            <a:r>
+              <a:rPr lang="en-US" dirty="0"/>
+              <a:t>Script and SYS - </a:t>
+            </a:r>
+            <a:r>
+              <a:rPr lang="en-US" dirty="0">
+                <a:solidFill>
+                  <a:schemeClr val="bg1">
+                    <a:lumMod val="50000"/>
+                  </a:schemeClr>
+                </a:solidFill>
+              </a:rPr>
+              <a:t>Commands from master are encrypted, remote DBA cannot break into it</a:t>
+            </a:r>
+          </a:p>
+          <a:p>
+            <a:pPr marL="0" indent="0">
+              <a:buNone/>
+            </a:pPr>
+            <a:r>
+              <a:rPr lang="en-US" dirty="0" smtClean="0"/>
+              <a:t>6. Open </a:t>
+            </a:r>
+            <a:r>
+              <a:rPr lang="en-US" dirty="0"/>
+              <a:t>Source - </a:t>
+            </a:r>
+            <a:r>
+              <a:rPr lang="en-US" dirty="0">
+                <a:solidFill>
+                  <a:schemeClr val="bg1">
+                    <a:lumMod val="50000"/>
+                  </a:schemeClr>
+                </a:solidFill>
+              </a:rPr>
+              <a:t>Not just security through obscurity</a:t>
+            </a:r>
+          </a:p>
+        </p:txBody>
+      </p:sp>
+      <p:sp>
+        <p:nvSpPr>
+          <p:cNvPr id="4" name="Date Placeholder 3"/>
+          <p:cNvSpPr>
+            <a:spLocks noGrp="1"/>
+          </p:cNvSpPr>
+          <p:nvPr>
+            <p:ph type="dt" sz="half" idx="10"/>
+          </p:nvPr>
+        </p:nvSpPr>
+        <p:spPr/>
+        <p:txBody>
+          <a:bodyPr/>
+          <a:lstStyle/>
+          <a:p>
+            <a:r>
+              <a:rPr lang="en-US" smtClean="0"/>
+              <a:t>2018-06-09</a:t>
+            </a:r>
+            <a:endParaRPr lang="en-US" dirty="0"/>
+          </a:p>
+        </p:txBody>
+      </p:sp>
+      <p:sp>
+        <p:nvSpPr>
+          <p:cNvPr id="5" name="Slide Number Placeholder 4"/>
+          <p:cNvSpPr>
+            <a:spLocks noGrp="1"/>
+          </p:cNvSpPr>
+          <p:nvPr>
+            <p:ph type="sldNum" sz="quarter" idx="12"/>
+          </p:nvPr>
+        </p:nvSpPr>
+        <p:spPr/>
+        <p:txBody>
+          <a:bodyPr/>
+          <a:lstStyle/>
+          <a:p>
+            <a:fld id="{05869706-863E-4BD1-B682-3CD80F60367B}" type="slidenum">
+              <a:rPr lang="en-US" smtClean="0"/>
+              <a:t>21</a:t>
+            </a:fld>
+            <a:endParaRPr lang="en-US"/>
+          </a:p>
+        </p:txBody>
+      </p:sp>
+    </p:spTree>
+    <p:extLst>
+      <p:ext uri="{BB962C8B-B14F-4D97-AF65-F5344CB8AC3E}">
+        <p14:creationId xmlns:p14="http://schemas.microsoft.com/office/powerpoint/2010/main" val="1210488992"/>
+      </p:ext>
+    </p:extLst>
+  </p:cSld>
+  <p:clrMapOvr>
+    <a:masterClrMapping/>
+  </p:clrMapOvr>
+  <p:timing>
+    <p:tnLst>
+      <p:par>
+        <p:cTn id="1" dur="indefinite" restart="never" nodeType="tmRoot"/>
+      </p:par>
+    </p:tnLst>
+  </p:timing>
+</p:sld>
+</file>
+
+<file path=ppt/slides/slide22.xml><?xml version="1.0" encoding="utf-8"?>
+<p:sld xmlns:a="http://schemas.openxmlformats.org/drawingml/2006/main" xmlns:r="http://schemas.openxmlformats.org/officeDocument/2006/relationships" xmlns:p="http://schemas.openxmlformats.org/presentationml/2006/main">
+  <p:cSld>
+    <p:spTree>
+      <p:nvGrpSpPr>
+        <p:cNvPr id="1" name=""/>
+        <p:cNvGrpSpPr/>
+        <p:nvPr/>
+      </p:nvGrpSpPr>
+      <p:grpSpPr>
+        <a:xfrm>
+          <a:off x="0" y="0"/>
+          <a:ext cx="0" cy="0"/>
+          <a:chOff x="0" y="0"/>
+          <a:chExt cx="0" cy="0"/>
+        </a:xfrm>
+      </p:grpSpPr>
+      <p:sp>
+        <p:nvSpPr>
+          <p:cNvPr id="2" name="Title 1"/>
+          <p:cNvSpPr>
+            <a:spLocks noGrp="1"/>
+          </p:cNvSpPr>
+          <p:nvPr>
+            <p:ph type="title"/>
+          </p:nvPr>
+        </p:nvSpPr>
+        <p:spPr/>
+        <p:txBody>
+          <a:bodyPr/>
+          <a:lstStyle/>
+          <a:p>
+            <a:r>
+              <a:rPr lang="en-US" dirty="0" smtClean="0"/>
+              <a:t>Security: Minimum Privileges</a:t>
             </a:r>
             <a:endParaRPr lang="en-US" dirty="0"/>
           </a:p>
@@ -12208,7 +13158,7 @@
           <a:p>
             <a:r>
               <a:rPr lang="en-US" smtClean="0"/>
-              <a:t>2018-06-06</a:t>
+              <a:t>2018-06-09</a:t>
             </a:r>
             <a:endParaRPr lang="en-US" dirty="0"/>
           </a:p>
@@ -12231,7 +13181,7 @@
           <a:p>
             <a:fld id="{05869706-863E-4BD1-B682-3CD80F60367B}" type="slidenum">
               <a:rPr lang="en-US" smtClean="0"/>
-              <a:t>21</a:t>
+              <a:t>22</a:t>
             </a:fld>
             <a:endParaRPr lang="en-US"/>
           </a:p>
@@ -12855,231 +13805,6 @@
 </p:sld>
 </file>
 
-<file path=ppt/slides/slide22.xml><?xml version="1.0" encoding="utf-8"?>
-<p:sld xmlns:a="http://schemas.openxmlformats.org/drawingml/2006/main" xmlns:r="http://schemas.openxmlformats.org/officeDocument/2006/relationships" xmlns:p="http://schemas.openxmlformats.org/presentationml/2006/main">
-  <p:cSld>
-    <p:spTree>
-      <p:nvGrpSpPr>
-        <p:cNvPr id="1" name=""/>
-        <p:cNvGrpSpPr/>
-        <p:nvPr/>
-      </p:nvGrpSpPr>
-      <p:grpSpPr>
-        <a:xfrm>
-          <a:off x="0" y="0"/>
-          <a:ext cx="0" cy="0"/>
-          <a:chOff x="0" y="0"/>
-          <a:chExt cx="0" cy="0"/>
-        </a:xfrm>
-      </p:grpSpPr>
-      <p:sp>
-        <p:nvSpPr>
-          <p:cNvPr id="2" name="Title 1"/>
-          <p:cNvSpPr>
-            <a:spLocks noGrp="1"/>
-          </p:cNvSpPr>
-          <p:nvPr>
-            <p:ph type="title"/>
-          </p:nvPr>
-        </p:nvSpPr>
-        <p:spPr/>
-        <p:txBody>
-          <a:bodyPr/>
-          <a:lstStyle/>
-          <a:p>
-            <a:r>
-              <a:rPr lang="en-US" dirty="0" smtClean="0"/>
-              <a:t>Security: User </a:t>
-            </a:r>
-            <a:r>
-              <a:rPr lang="en-US" dirty="0" smtClean="0"/>
-              <a:t>Configuration</a:t>
-            </a:r>
-            <a:endParaRPr lang="en-US" dirty="0"/>
-          </a:p>
-        </p:txBody>
-      </p:sp>
-      <p:sp>
-        <p:nvSpPr>
-          <p:cNvPr id="3" name="Content Placeholder 2"/>
-          <p:cNvSpPr>
-            <a:spLocks noGrp="1"/>
-          </p:cNvSpPr>
-          <p:nvPr>
-            <p:ph idx="1"/>
-          </p:nvPr>
-        </p:nvSpPr>
-        <p:spPr/>
-        <p:txBody>
-          <a:bodyPr/>
-          <a:lstStyle/>
-          <a:p>
-            <a:pPr marL="0" indent="0">
-              <a:buNone/>
-            </a:pPr>
-            <a:r>
-              <a:rPr lang="en-US" dirty="0" smtClean="0"/>
-              <a:t>1. M5_USER - </a:t>
-            </a:r>
-            <a:r>
-              <a:rPr lang="en-US" dirty="0" smtClean="0">
-                <a:solidFill>
-                  <a:schemeClr val="bg1">
-                    <a:lumMod val="50000"/>
-                  </a:schemeClr>
-                </a:solidFill>
-              </a:rPr>
-              <a:t>username (oracle and OS), email, is admin, default targets</a:t>
-            </a:r>
-          </a:p>
-          <a:p>
-            <a:pPr marL="0" indent="0">
-              <a:buNone/>
-            </a:pPr>
-            <a:r>
-              <a:rPr lang="en-US" dirty="0" smtClean="0"/>
-              <a:t>2. M5_ROLE - </a:t>
-            </a:r>
-            <a:r>
-              <a:rPr lang="en-US" dirty="0" smtClean="0">
-                <a:solidFill>
-                  <a:schemeClr val="bg1">
-                    <a:lumMod val="50000"/>
-                  </a:schemeClr>
-                </a:solidFill>
-              </a:rPr>
-              <a:t>name, targets, sys, shell, links, sandbox</a:t>
-            </a:r>
-          </a:p>
-          <a:p>
-            <a:pPr marL="0" indent="0">
-              <a:buNone/>
-            </a:pPr>
-            <a:r>
-              <a:rPr lang="en-US" dirty="0" smtClean="0"/>
-              <a:t>3. </a:t>
-            </a:r>
-            <a:r>
-              <a:rPr lang="en-US" dirty="0"/>
-              <a:t>M5_USER_PRIV - </a:t>
-            </a:r>
-            <a:r>
-              <a:rPr lang="en-US" dirty="0">
-                <a:solidFill>
-                  <a:schemeClr val="bg1">
-                    <a:lumMod val="50000"/>
-                  </a:schemeClr>
-                </a:solidFill>
-              </a:rPr>
-              <a:t>role, privilege </a:t>
-            </a:r>
-            <a:endParaRPr lang="en-US" dirty="0" smtClean="0">
-              <a:solidFill>
-                <a:schemeClr val="bg1">
-                  <a:lumMod val="50000"/>
-                </a:schemeClr>
-              </a:solidFill>
-            </a:endParaRPr>
-          </a:p>
-          <a:p>
-            <a:pPr marL="0" indent="0">
-              <a:buNone/>
-            </a:pPr>
-            <a:r>
-              <a:rPr lang="en-US" dirty="0" smtClean="0"/>
-              <a:t>4. M5_USER_ROLE - </a:t>
-            </a:r>
-            <a:r>
-              <a:rPr lang="en-US" dirty="0" smtClean="0">
-                <a:solidFill>
-                  <a:schemeClr val="bg1">
-                    <a:lumMod val="50000"/>
-                  </a:schemeClr>
-                </a:solidFill>
-              </a:rPr>
-              <a:t>username, role</a:t>
-            </a:r>
-          </a:p>
-          <a:p>
-            <a:pPr marL="0" indent="0">
-              <a:buNone/>
-            </a:pPr>
-            <a:endParaRPr lang="en-US" dirty="0">
-              <a:solidFill>
-                <a:schemeClr val="bg1">
-                  <a:lumMod val="50000"/>
-                </a:schemeClr>
-              </a:solidFill>
-            </a:endParaRPr>
-          </a:p>
-        </p:txBody>
-      </p:sp>
-      <p:sp>
-        <p:nvSpPr>
-          <p:cNvPr id="4" name="Date Placeholder 3"/>
-          <p:cNvSpPr>
-            <a:spLocks noGrp="1"/>
-          </p:cNvSpPr>
-          <p:nvPr>
-            <p:ph type="dt" sz="half" idx="10"/>
-          </p:nvPr>
-        </p:nvSpPr>
-        <p:spPr/>
-        <p:txBody>
-          <a:bodyPr/>
-          <a:lstStyle/>
-          <a:p>
-            <a:r>
-              <a:rPr lang="en-US" smtClean="0"/>
-              <a:t>2018-06-06</a:t>
-            </a:r>
-            <a:endParaRPr lang="en-US" dirty="0"/>
-          </a:p>
-        </p:txBody>
-      </p:sp>
-      <p:sp>
-        <p:nvSpPr>
-          <p:cNvPr id="5" name="Slide Number Placeholder 4"/>
-          <p:cNvSpPr>
-            <a:spLocks noGrp="1"/>
-          </p:cNvSpPr>
-          <p:nvPr>
-            <p:ph type="sldNum" sz="quarter" idx="12"/>
-          </p:nvPr>
-        </p:nvSpPr>
-        <p:spPr/>
-        <p:txBody>
-          <a:bodyPr/>
-          <a:lstStyle/>
-          <a:p>
-            <a:fld id="{05869706-863E-4BD1-B682-3CD80F60367B}" type="slidenum">
-              <a:rPr lang="en-US" smtClean="0"/>
-              <a:t>22</a:t>
-            </a:fld>
-            <a:endParaRPr lang="en-US"/>
-          </a:p>
-        </p:txBody>
-      </p:sp>
-    </p:spTree>
-    <p:extLst>
-      <p:ext uri="{BB962C8B-B14F-4D97-AF65-F5344CB8AC3E}">
-        <p14:creationId xmlns:p14="http://schemas.microsoft.com/office/powerpoint/2010/main" val="2729368625"/>
-      </p:ext>
-    </p:extLst>
-  </p:cSld>
-  <p:clrMapOvr>
-    <a:masterClrMapping/>
-  </p:clrMapOvr>
-  <p:timing>
-    <p:tnLst>
-      <p:par>
-        <p:cTn id="1" dur="indefinite" restart="never" nodeType="tmRoot"/>
-      </p:par>
-    </p:tnLst>
-  </p:timing>
-</p:sld>
-</file>
-
 <file path=ppt/slides/slide23.xml><?xml version="1.0" encoding="utf-8"?>
 <p:sld xmlns:a="http://schemas.openxmlformats.org/drawingml/2006/main" xmlns:r="http://schemas.openxmlformats.org/officeDocument/2006/relationships" xmlns:p="http://schemas.openxmlformats.org/presentationml/2006/main">
   <p:cSld>
@@ -13114,11 +13839,7 @@
           <a:p>
             <a:r>
               <a:rPr lang="en-US" dirty="0" smtClean="0"/>
-              <a:t>Security: </a:t>
-            </a:r>
-            <a:r>
-              <a:rPr lang="en-US" dirty="0" smtClean="0"/>
-              <a:t>Query Examples</a:t>
+              <a:t>Security: User Configuration</a:t>
             </a:r>
             <a:endParaRPr lang="en-US" dirty="0"/>
           </a:p>
@@ -13136,451 +13857,44 @@
         </p:nvSpPr>
         <p:spPr/>
         <p:txBody>
-          <a:bodyPr>
-            <a:normAutofit fontScale="85000" lnSpcReduction="10000"/>
-          </a:bodyPr>
+          <a:bodyPr/>
           <a:lstStyle/>
           <a:p>
             <a:pPr marL="0" indent="0">
               <a:buNone/>
             </a:pPr>
             <a:r>
-              <a:rPr lang="en-US" sz="2600" dirty="0" smtClean="0">
-                <a:highlight>
-                  <a:srgbClr val="FFFFFF"/>
-                </a:highlight>
-              </a:rPr>
-              <a:t>1.</a:t>
-            </a:r>
-            <a:r>
-              <a:rPr lang="en-US" sz="2000" dirty="0" smtClean="0">
-                <a:highlight>
-                  <a:srgbClr val="FFFFFF"/>
-                </a:highlight>
-              </a:rPr>
-              <a:t> </a:t>
-            </a:r>
-            <a:r>
-              <a:rPr lang="en-US" sz="2000" b="1" dirty="0" smtClean="0">
-                <a:solidFill>
-                  <a:srgbClr val="000080"/>
-                </a:solidFill>
-                <a:highlight>
-                  <a:srgbClr val="FFFFFF"/>
-                </a:highlight>
-                <a:latin typeface="Lucida Console" panose="020B0609040504020204" pitchFamily="49" charset="0"/>
-              </a:rPr>
-              <a:t>m5_proc</a:t>
-            </a:r>
-            <a:r>
-              <a:rPr lang="en-US" sz="2000" b="1" dirty="0">
-                <a:solidFill>
-                  <a:srgbClr val="000080"/>
-                </a:solidFill>
-                <a:highlight>
-                  <a:srgbClr val="FFFFFF"/>
-                </a:highlight>
-                <a:latin typeface="Lucida Console" panose="020B0609040504020204" pitchFamily="49" charset="0"/>
-              </a:rPr>
-              <a:t>(</a:t>
-            </a:r>
-            <a:r>
-              <a:rPr lang="en-US" sz="2000" b="1" dirty="0">
-                <a:solidFill>
-                  <a:srgbClr val="0000FF"/>
-                </a:solidFill>
-                <a:highlight>
-                  <a:srgbClr val="FFFFFF"/>
-                </a:highlight>
-                <a:latin typeface="Lucida Console" panose="020B0609040504020204" pitchFamily="49" charset="0"/>
-              </a:rPr>
-              <a:t>'#!/bin/</a:t>
-            </a:r>
-            <a:r>
-              <a:rPr lang="en-US" sz="2000" b="1" dirty="0" err="1">
-                <a:solidFill>
-                  <a:srgbClr val="0000FF"/>
-                </a:solidFill>
-                <a:highlight>
-                  <a:srgbClr val="FFFFFF"/>
-                </a:highlight>
-                <a:latin typeface="Lucida Console" panose="020B0609040504020204" pitchFamily="49" charset="0"/>
-              </a:rPr>
-              <a:t>ksh</a:t>
-            </a:r>
-            <a:r>
-              <a:rPr lang="en-US" sz="2000" b="1" dirty="0">
-                <a:solidFill>
-                  <a:srgbClr val="0000FF"/>
-                </a:solidFill>
-                <a:highlight>
-                  <a:srgbClr val="FFFFFF"/>
-                </a:highlight>
-                <a:latin typeface="Lucida Console" panose="020B0609040504020204" pitchFamily="49" charset="0"/>
-              </a:rPr>
-              <a:t>'</a:t>
-            </a:r>
-            <a:r>
-              <a:rPr lang="en-US" sz="2000" b="1" dirty="0">
-                <a:solidFill>
-                  <a:srgbClr val="000080"/>
-                </a:solidFill>
-                <a:highlight>
-                  <a:srgbClr val="FFFFFF"/>
-                </a:highlight>
-                <a:latin typeface="Lucida Console" panose="020B0609040504020204" pitchFamily="49" charset="0"/>
-              </a:rPr>
-              <a:t>||</a:t>
-            </a:r>
-            <a:r>
-              <a:rPr lang="en-US" sz="2000" b="1" dirty="0" err="1">
-                <a:solidFill>
-                  <a:srgbClr val="008080"/>
-                </a:solidFill>
-                <a:highlight>
-                  <a:srgbClr val="FFFFFF"/>
-                </a:highlight>
-                <a:latin typeface="Lucida Console" panose="020B0609040504020204" pitchFamily="49" charset="0"/>
-              </a:rPr>
-              <a:t>chr</a:t>
-            </a:r>
-            <a:r>
-              <a:rPr lang="en-US" sz="2000" b="1" dirty="0">
-                <a:solidFill>
-                  <a:srgbClr val="000080"/>
-                </a:solidFill>
-                <a:highlight>
-                  <a:srgbClr val="FFFFFF"/>
-                </a:highlight>
-                <a:latin typeface="Lucida Console" panose="020B0609040504020204" pitchFamily="49" charset="0"/>
-              </a:rPr>
-              <a:t>(</a:t>
-            </a:r>
-            <a:r>
-              <a:rPr lang="en-US" sz="2000" b="1" dirty="0">
-                <a:solidFill>
-                  <a:srgbClr val="0000FF"/>
-                </a:solidFill>
-                <a:highlight>
-                  <a:srgbClr val="FFFFFF"/>
-                </a:highlight>
-                <a:latin typeface="Lucida Console" panose="020B0609040504020204" pitchFamily="49" charset="0"/>
-              </a:rPr>
-              <a:t>10</a:t>
-            </a:r>
-            <a:r>
-              <a:rPr lang="en-US" sz="2000" b="1" dirty="0">
-                <a:solidFill>
-                  <a:srgbClr val="000080"/>
-                </a:solidFill>
-                <a:highlight>
-                  <a:srgbClr val="FFFFFF"/>
-                </a:highlight>
-                <a:latin typeface="Lucida Console" panose="020B0609040504020204" pitchFamily="49" charset="0"/>
-              </a:rPr>
-              <a:t>)||</a:t>
-            </a:r>
-            <a:r>
-              <a:rPr lang="en-US" sz="2000" b="1" dirty="0">
-                <a:solidFill>
-                  <a:srgbClr val="0000FF"/>
-                </a:solidFill>
-                <a:highlight>
-                  <a:srgbClr val="FFFFFF"/>
-                </a:highlight>
-                <a:latin typeface="Lucida Console" panose="020B0609040504020204" pitchFamily="49" charset="0"/>
-              </a:rPr>
-              <a:t>'</a:t>
-            </a:r>
-            <a:r>
-              <a:rPr lang="en-US" sz="2000" b="1" dirty="0" err="1">
-                <a:solidFill>
-                  <a:srgbClr val="0000FF"/>
-                </a:solidFill>
-                <a:highlight>
-                  <a:srgbClr val="FFFFFF"/>
-                </a:highlight>
-                <a:latin typeface="Lucida Console" panose="020B0609040504020204" pitchFamily="49" charset="0"/>
-              </a:rPr>
-              <a:t>crontab</a:t>
-            </a:r>
-            <a:r>
-              <a:rPr lang="en-US" sz="2000" b="1" dirty="0">
-                <a:solidFill>
-                  <a:srgbClr val="0000FF"/>
-                </a:solidFill>
-                <a:highlight>
-                  <a:srgbClr val="FFFFFF"/>
-                </a:highlight>
-                <a:latin typeface="Lucida Console" panose="020B0609040504020204" pitchFamily="49" charset="0"/>
-              </a:rPr>
-              <a:t> -l'</a:t>
-            </a:r>
-            <a:r>
-              <a:rPr lang="en-US" sz="2000" b="1" dirty="0">
-                <a:solidFill>
-                  <a:srgbClr val="000080"/>
-                </a:solidFill>
-                <a:highlight>
-                  <a:srgbClr val="FFFFFF"/>
-                </a:highlight>
-                <a:latin typeface="Lucida Console" panose="020B0609040504020204" pitchFamily="49" charset="0"/>
-              </a:rPr>
-              <a:t>, </a:t>
-            </a:r>
-            <a:r>
-              <a:rPr lang="en-US" sz="2000" b="1" dirty="0">
-                <a:solidFill>
-                  <a:srgbClr val="0000FF"/>
-                </a:solidFill>
-                <a:highlight>
-                  <a:srgbClr val="FFFFFF"/>
-                </a:highlight>
-                <a:latin typeface="Lucida Console" panose="020B0609040504020204" pitchFamily="49" charset="0"/>
-              </a:rPr>
-              <a:t>'%'</a:t>
-            </a:r>
-            <a:r>
-              <a:rPr lang="en-US" sz="2000" b="1" dirty="0">
-                <a:solidFill>
-                  <a:srgbClr val="000080"/>
-                </a:solidFill>
-                <a:highlight>
-                  <a:srgbClr val="FFFFFF"/>
-                </a:highlight>
-                <a:latin typeface="Lucida Console" panose="020B0609040504020204" pitchFamily="49" charset="0"/>
-              </a:rPr>
-              <a:t>);</a:t>
-            </a:r>
-            <a:endParaRPr lang="en-US" sz="2000" b="1" dirty="0" smtClean="0">
-              <a:latin typeface="Lucida Console" panose="020B0609040504020204" pitchFamily="49" charset="0"/>
-            </a:endParaRPr>
+              <a:rPr lang="en-US" dirty="0" smtClean="0"/>
+              <a:t>1. M5_USER - </a:t>
+            </a:r>
+            <a:r>
+              <a:rPr lang="en-US" dirty="0" smtClean="0">
+                <a:solidFill>
+                  <a:schemeClr val="bg1">
+                    <a:lumMod val="50000"/>
+                  </a:schemeClr>
+                </a:solidFill>
+              </a:rPr>
+              <a:t>username (oracle and OS), email, is admin, default targets</a:t>
+            </a:r>
           </a:p>
           <a:p>
             <a:pPr marL="0" indent="0">
               <a:buNone/>
             </a:pPr>
             <a:r>
-              <a:rPr lang="en-US" sz="2600" dirty="0" smtClean="0"/>
-              <a:t>2.</a:t>
-            </a:r>
-            <a:r>
-              <a:rPr lang="en-US" sz="2000" dirty="0" smtClean="0"/>
-              <a:t> </a:t>
-            </a:r>
-            <a:r>
-              <a:rPr lang="en-US" sz="2000" b="1" dirty="0" smtClean="0">
-                <a:solidFill>
-                  <a:srgbClr val="000080"/>
-                </a:solidFill>
-                <a:highlight>
-                  <a:srgbClr val="FFFFFF"/>
-                </a:highlight>
-                <a:latin typeface="Lucida Console" panose="020B0609040504020204" pitchFamily="49" charset="0"/>
-              </a:rPr>
-              <a:t>m5_proc</a:t>
-            </a:r>
-            <a:r>
-              <a:rPr lang="en-US" sz="2000" b="1" dirty="0">
-                <a:solidFill>
-                  <a:srgbClr val="000080"/>
-                </a:solidFill>
-                <a:highlight>
-                  <a:srgbClr val="FFFFFF"/>
-                </a:highlight>
-                <a:latin typeface="Lucida Console" panose="020B0609040504020204" pitchFamily="49" charset="0"/>
-              </a:rPr>
-              <a:t>(</a:t>
-            </a:r>
-            <a:r>
-              <a:rPr lang="en-US" sz="2000" b="1" dirty="0">
-                <a:solidFill>
-                  <a:srgbClr val="0000FF"/>
-                </a:solidFill>
-                <a:highlight>
-                  <a:srgbClr val="FFFFFF"/>
-                </a:highlight>
-                <a:latin typeface="Lucida Console" panose="020B0609040504020204" pitchFamily="49" charset="0"/>
-              </a:rPr>
-              <a:t>'#!/</a:t>
-            </a:r>
-            <a:r>
-              <a:rPr lang="en-US" sz="2000" b="1" dirty="0" smtClean="0">
-                <a:solidFill>
-                  <a:srgbClr val="0000FF"/>
-                </a:solidFill>
-                <a:highlight>
-                  <a:srgbClr val="FFFFFF"/>
-                </a:highlight>
-                <a:latin typeface="Lucida Console" panose="020B0609040504020204" pitchFamily="49" charset="0"/>
-              </a:rPr>
-              <a:t>bin/</a:t>
-            </a:r>
-            <a:r>
-              <a:rPr lang="en-US" sz="2000" b="1" dirty="0" err="1" smtClean="0">
-                <a:solidFill>
-                  <a:srgbClr val="0000FF"/>
-                </a:solidFill>
-                <a:highlight>
-                  <a:srgbClr val="FFFFFF"/>
-                </a:highlight>
-                <a:latin typeface="Lucida Console" panose="020B0609040504020204" pitchFamily="49" charset="0"/>
-              </a:rPr>
-              <a:t>ksh</a:t>
-            </a:r>
-            <a:r>
-              <a:rPr lang="en-US" sz="2000" b="1" dirty="0" smtClean="0">
-                <a:solidFill>
-                  <a:srgbClr val="0000FF"/>
-                </a:solidFill>
-                <a:highlight>
-                  <a:srgbClr val="FFFFFF"/>
-                </a:highlight>
-                <a:latin typeface="Lucida Console" panose="020B0609040504020204" pitchFamily="49" charset="0"/>
-              </a:rPr>
-              <a:t/>
-            </a:r>
-            <a:br>
-              <a:rPr lang="en-US" sz="2000" b="1" dirty="0" smtClean="0">
-                <a:solidFill>
-                  <a:srgbClr val="0000FF"/>
-                </a:solidFill>
-                <a:highlight>
-                  <a:srgbClr val="FFFFFF"/>
-                </a:highlight>
-                <a:latin typeface="Lucida Console" panose="020B0609040504020204" pitchFamily="49" charset="0"/>
-              </a:rPr>
-            </a:br>
-            <a:r>
-              <a:rPr lang="en-US" sz="2000" b="1" dirty="0" smtClean="0">
-                <a:solidFill>
-                  <a:srgbClr val="0000FF"/>
-                </a:solidFill>
-                <a:highlight>
-                  <a:srgbClr val="FFFFFF"/>
-                </a:highlight>
-                <a:latin typeface="Lucida Console" panose="020B0609040504020204" pitchFamily="49" charset="0"/>
-              </a:rPr>
-              <a:t>. </a:t>
-            </a:r>
-            <a:r>
-              <a:rPr lang="en-US" sz="2000" b="1" dirty="0">
-                <a:solidFill>
-                  <a:srgbClr val="0000FF"/>
-                </a:solidFill>
-                <a:highlight>
-                  <a:srgbClr val="FFFFFF"/>
-                </a:highlight>
-                <a:latin typeface="Lucida Console" panose="020B0609040504020204" pitchFamily="49" charset="0"/>
-              </a:rPr>
-              <a:t>/</a:t>
-            </a:r>
-            <a:r>
-              <a:rPr lang="en-US" sz="2000" b="1" dirty="0" smtClean="0">
-                <a:solidFill>
-                  <a:srgbClr val="0000FF"/>
-                </a:solidFill>
-                <a:highlight>
-                  <a:srgbClr val="FFFFFF"/>
-                </a:highlight>
-                <a:latin typeface="Lucida Console" panose="020B0609040504020204" pitchFamily="49" charset="0"/>
-              </a:rPr>
-              <a:t>export/home/oracle/set_localASM.sh</a:t>
-            </a:r>
-            <a:br>
-              <a:rPr lang="en-US" sz="2000" b="1" dirty="0" smtClean="0">
-                <a:solidFill>
-                  <a:srgbClr val="0000FF"/>
-                </a:solidFill>
-                <a:highlight>
-                  <a:srgbClr val="FFFFFF"/>
-                </a:highlight>
-                <a:latin typeface="Lucida Console" panose="020B0609040504020204" pitchFamily="49" charset="0"/>
-              </a:rPr>
-            </a:br>
-            <a:r>
-              <a:rPr lang="en-US" sz="2000" b="1" dirty="0" smtClean="0">
-                <a:solidFill>
-                  <a:srgbClr val="0000FF"/>
-                </a:solidFill>
-                <a:highlight>
-                  <a:srgbClr val="FFFFFF"/>
-                </a:highlight>
-                <a:latin typeface="Lucida Console" panose="020B0609040504020204" pitchFamily="49" charset="0"/>
-              </a:rPr>
-              <a:t>cat </a:t>
-            </a:r>
-            <a:r>
-              <a:rPr lang="en-US" sz="2000" b="1" dirty="0">
-                <a:solidFill>
-                  <a:srgbClr val="0000FF"/>
-                </a:solidFill>
-                <a:highlight>
-                  <a:srgbClr val="FFFFFF"/>
-                </a:highlight>
-                <a:latin typeface="Lucida Console" panose="020B0609040504020204" pitchFamily="49" charset="0"/>
-              </a:rPr>
-              <a:t>$ORACLE_HOME/network/admin/</a:t>
-            </a:r>
-            <a:r>
-              <a:rPr lang="en-US" sz="2000" b="1" dirty="0" err="1">
-                <a:solidFill>
-                  <a:srgbClr val="0000FF"/>
-                </a:solidFill>
-                <a:highlight>
-                  <a:srgbClr val="FFFFFF"/>
-                </a:highlight>
-                <a:latin typeface="Lucida Console" panose="020B0609040504020204" pitchFamily="49" charset="0"/>
-              </a:rPr>
-              <a:t>sqlnet.ora</a:t>
-            </a:r>
-            <a:r>
-              <a:rPr lang="en-US" sz="2000" b="1" dirty="0">
-                <a:solidFill>
-                  <a:srgbClr val="0000FF"/>
-                </a:solidFill>
-                <a:highlight>
-                  <a:srgbClr val="FFFFFF"/>
-                </a:highlight>
-                <a:latin typeface="Lucida Console" panose="020B0609040504020204" pitchFamily="49" charset="0"/>
-              </a:rPr>
-              <a:t>'</a:t>
-            </a:r>
-            <a:r>
-              <a:rPr lang="en-US" sz="2000" b="1" dirty="0">
-                <a:solidFill>
-                  <a:srgbClr val="000080"/>
-                </a:solidFill>
-                <a:highlight>
-                  <a:srgbClr val="FFFFFF"/>
-                </a:highlight>
-                <a:latin typeface="Lucida Console" panose="020B0609040504020204" pitchFamily="49" charset="0"/>
-              </a:rPr>
-              <a:t>, </a:t>
-            </a:r>
-            <a:r>
-              <a:rPr lang="en-US" sz="2000" b="1" dirty="0" smtClean="0">
-                <a:solidFill>
-                  <a:srgbClr val="0000FF"/>
-                </a:solidFill>
-                <a:highlight>
-                  <a:srgbClr val="FFFFFF"/>
-                </a:highlight>
-                <a:latin typeface="Lucida Console" panose="020B0609040504020204" pitchFamily="49" charset="0"/>
-              </a:rPr>
-              <a:t>'%'</a:t>
-            </a:r>
-            <a:r>
-              <a:rPr lang="en-US" sz="2000" b="1" dirty="0" smtClean="0">
-                <a:solidFill>
-                  <a:srgbClr val="000080"/>
-                </a:solidFill>
-                <a:highlight>
-                  <a:srgbClr val="FFFFFF"/>
-                </a:highlight>
-                <a:latin typeface="Lucida Console" panose="020B0609040504020204" pitchFamily="49" charset="0"/>
-              </a:rPr>
-              <a:t>);</a:t>
+              <a:rPr lang="en-US" dirty="0" smtClean="0"/>
+              <a:t>2. M5_ROLE - </a:t>
+            </a:r>
+            <a:r>
+              <a:rPr lang="en-US" dirty="0" smtClean="0">
+                <a:solidFill>
+                  <a:schemeClr val="bg1">
+                    <a:lumMod val="50000"/>
+                  </a:schemeClr>
+                </a:solidFill>
+              </a:rPr>
+              <a:t>name, targets, sys, shell, links, sandbox</a:t>
             </a:r>
           </a:p>
           <a:p>
@@ -13588,111 +13902,33 @@
               <a:buNone/>
             </a:pPr>
             <a:r>
-              <a:rPr lang="en-US" sz="2600" dirty="0" smtClean="0"/>
-              <a:t>3.</a:t>
-            </a:r>
-            <a:r>
-              <a:rPr lang="en-US" dirty="0" smtClean="0"/>
-              <a:t> </a:t>
-            </a:r>
-            <a:r>
-              <a:rPr lang="en-US" sz="2000" b="1" dirty="0">
-                <a:solidFill>
-                  <a:srgbClr val="000080"/>
-                </a:solidFill>
-                <a:highlight>
-                  <a:srgbClr val="FFFFFF"/>
-                </a:highlight>
-                <a:latin typeface="Lucida Console" panose="020B0609040504020204" pitchFamily="49" charset="0"/>
-              </a:rPr>
-              <a:t>m5_proc(</a:t>
-            </a:r>
-            <a:r>
-              <a:rPr lang="en-US" sz="2000" b="1" dirty="0">
-                <a:solidFill>
-                  <a:srgbClr val="0000FF"/>
-                </a:solidFill>
-                <a:highlight>
-                  <a:srgbClr val="FFFFFF"/>
-                </a:highlight>
-                <a:latin typeface="Lucida Console" panose="020B0609040504020204" pitchFamily="49" charset="0"/>
-              </a:rPr>
-              <a:t>'select ** from </a:t>
-            </a:r>
-            <a:r>
-              <a:rPr lang="en-US" sz="2000" b="1" dirty="0" err="1">
-                <a:solidFill>
-                  <a:srgbClr val="0000FF"/>
-                </a:solidFill>
-                <a:highlight>
-                  <a:srgbClr val="FFFFFF"/>
-                </a:highlight>
-                <a:latin typeface="Lucida Console" panose="020B0609040504020204" pitchFamily="49" charset="0"/>
-              </a:rPr>
-              <a:t>dba_profiles</a:t>
-            </a:r>
-            <a:r>
-              <a:rPr lang="en-US" sz="2000" b="1" dirty="0">
-                <a:solidFill>
-                  <a:srgbClr val="0000FF"/>
-                </a:solidFill>
-                <a:highlight>
-                  <a:srgbClr val="FFFFFF"/>
-                </a:highlight>
-                <a:latin typeface="Lucida Console" panose="020B0609040504020204" pitchFamily="49" charset="0"/>
-              </a:rPr>
-              <a:t>'</a:t>
-            </a:r>
-            <a:r>
-              <a:rPr lang="en-US" sz="2000" b="1" dirty="0">
-                <a:solidFill>
-                  <a:srgbClr val="000080"/>
-                </a:solidFill>
-                <a:highlight>
-                  <a:srgbClr val="FFFFFF"/>
-                </a:highlight>
-                <a:latin typeface="Lucida Console" panose="020B0609040504020204" pitchFamily="49" charset="0"/>
-              </a:rPr>
-              <a:t>, </a:t>
-            </a:r>
-            <a:r>
-              <a:rPr lang="en-US" sz="2000" b="1" dirty="0" smtClean="0">
-                <a:solidFill>
-                  <a:srgbClr val="000080"/>
-                </a:solidFill>
-                <a:highlight>
-                  <a:srgbClr val="FFFFFF"/>
-                </a:highlight>
-                <a:latin typeface="Lucida Console" panose="020B0609040504020204" pitchFamily="49" charset="0"/>
-              </a:rPr>
-              <a:t>%</a:t>
-            </a:r>
-            <a:r>
-              <a:rPr lang="en-US" sz="2000" b="1" dirty="0" smtClean="0">
-                <a:solidFill>
-                  <a:srgbClr val="0000FF"/>
-                </a:solidFill>
-                <a:highlight>
-                  <a:srgbClr val="FFFFFF"/>
-                </a:highlight>
-                <a:latin typeface="Lucida Console" panose="020B0609040504020204" pitchFamily="49" charset="0"/>
-              </a:rPr>
-              <a:t>'</a:t>
-            </a:r>
-            <a:r>
-              <a:rPr lang="en-US" sz="2000" b="1" dirty="0" smtClean="0">
-                <a:solidFill>
-                  <a:srgbClr val="000080"/>
-                </a:solidFill>
-                <a:highlight>
-                  <a:srgbClr val="FFFFFF"/>
-                </a:highlight>
-                <a:latin typeface="Lucida Console" panose="020B0609040504020204" pitchFamily="49" charset="0"/>
-              </a:rPr>
-              <a:t>);</a:t>
-            </a:r>
-            <a:endParaRPr lang="en-US" sz="2000" b="1" dirty="0" smtClean="0">
-              <a:latin typeface="Lucida Console" panose="020B0609040504020204" pitchFamily="49" charset="0"/>
+              <a:rPr lang="en-US" dirty="0" smtClean="0"/>
+              <a:t>3. </a:t>
+            </a:r>
+            <a:r>
+              <a:rPr lang="en-US" dirty="0" smtClean="0"/>
+              <a:t>M5_ROLE_PRIV </a:t>
+            </a:r>
+            <a:r>
+              <a:rPr lang="en-US" dirty="0"/>
+              <a:t>- </a:t>
+            </a:r>
+            <a:r>
+              <a:rPr lang="en-US" dirty="0">
+                <a:solidFill>
+                  <a:schemeClr val="bg1">
+                    <a:lumMod val="50000"/>
+                  </a:schemeClr>
+                </a:solidFill>
+              </a:rPr>
+              <a:t>role, privilege </a:t>
+            </a:r>
+            <a:endParaRPr lang="en-US" dirty="0" smtClean="0">
+              <a:solidFill>
+                <a:schemeClr val="bg1">
+                  <a:lumMod val="50000"/>
+                </a:schemeClr>
+              </a:solidFill>
             </a:endParaRPr>
           </a:p>
           <a:p>
@@ -13700,509 +13936,32 @@
               <a:buNone/>
             </a:pPr>
             <a:r>
-              <a:rPr lang="en-US" sz="2600" dirty="0" smtClean="0"/>
-              <a:t>4. </a:t>
-            </a:r>
-            <a:r>
-              <a:rPr lang="en-US" sz="2000" b="1" dirty="0" smtClean="0">
-                <a:solidFill>
-                  <a:srgbClr val="000080"/>
-                </a:solidFill>
-                <a:highlight>
-                  <a:srgbClr val="FFFFFF"/>
-                </a:highlight>
-                <a:latin typeface="Lucida Console" panose="020B0609040504020204" pitchFamily="49" charset="0"/>
-              </a:rPr>
-              <a:t>m5_proc</a:t>
-            </a:r>
-            <a:r>
-              <a:rPr lang="en-US" sz="2000" b="1" dirty="0">
-                <a:solidFill>
-                  <a:srgbClr val="000080"/>
-                </a:solidFill>
-                <a:highlight>
-                  <a:srgbClr val="FFFFFF"/>
-                </a:highlight>
-                <a:latin typeface="Lucida Console" panose="020B0609040504020204" pitchFamily="49" charset="0"/>
-              </a:rPr>
-              <a:t>(</a:t>
-            </a:r>
-            <a:r>
-              <a:rPr lang="en-US" sz="2000" b="1" dirty="0">
-                <a:solidFill>
-                  <a:srgbClr val="0000FF"/>
-                </a:solidFill>
-                <a:highlight>
-                  <a:srgbClr val="FFFFFF"/>
-                </a:highlight>
-                <a:latin typeface="Lucida Console" panose="020B0609040504020204" pitchFamily="49" charset="0"/>
-              </a:rPr>
-              <a:t>'select ** from </a:t>
-            </a:r>
-            <a:r>
-              <a:rPr lang="en-US" sz="2000" b="1" dirty="0" err="1">
-                <a:solidFill>
-                  <a:srgbClr val="0000FF"/>
-                </a:solidFill>
-                <a:highlight>
-                  <a:srgbClr val="FFFFFF"/>
-                </a:highlight>
-                <a:latin typeface="Lucida Console" panose="020B0609040504020204" pitchFamily="49" charset="0"/>
-              </a:rPr>
-              <a:t>dba_audit_trail</a:t>
-            </a:r>
-            <a:r>
-              <a:rPr lang="en-US" sz="2000" b="1" dirty="0">
-                <a:solidFill>
-                  <a:srgbClr val="0000FF"/>
-                </a:solidFill>
-                <a:highlight>
-                  <a:srgbClr val="FFFFFF"/>
-                </a:highlight>
-                <a:latin typeface="Lucida Console" panose="020B0609040504020204" pitchFamily="49" charset="0"/>
-              </a:rPr>
-              <a:t> </a:t>
-            </a:r>
-            <a:r>
-              <a:rPr lang="en-US" sz="2000" b="1" dirty="0" smtClean="0">
-                <a:solidFill>
-                  <a:srgbClr val="0000FF"/>
-                </a:solidFill>
-                <a:highlight>
-                  <a:srgbClr val="FFFFFF"/>
-                </a:highlight>
-                <a:latin typeface="Lucida Console" panose="020B0609040504020204" pitchFamily="49" charset="0"/>
-              </a:rPr>
-              <a:t>where </a:t>
-            </a:r>
-            <a:r>
-              <a:rPr lang="en-US" sz="2000" b="1" dirty="0" err="1" smtClean="0">
-                <a:solidFill>
-                  <a:srgbClr val="0000FF"/>
-                </a:solidFill>
-                <a:highlight>
-                  <a:srgbClr val="FFFFFF"/>
-                </a:highlight>
-                <a:latin typeface="Lucida Console" panose="020B0609040504020204" pitchFamily="49" charset="0"/>
-              </a:rPr>
-              <a:t>returncode</a:t>
-            </a:r>
-            <a:r>
-              <a:rPr lang="en-US" sz="2000" b="1" dirty="0" smtClean="0">
-                <a:solidFill>
-                  <a:srgbClr val="0000FF"/>
-                </a:solidFill>
-                <a:highlight>
-                  <a:srgbClr val="FFFFFF"/>
-                </a:highlight>
-                <a:latin typeface="Lucida Console" panose="020B0609040504020204" pitchFamily="49" charset="0"/>
-              </a:rPr>
-              <a:t> </a:t>
-            </a:r>
-            <a:r>
-              <a:rPr lang="en-US" sz="2000" b="1" dirty="0">
-                <a:solidFill>
-                  <a:srgbClr val="0000FF"/>
-                </a:solidFill>
-                <a:highlight>
-                  <a:srgbClr val="FFFFFF"/>
-                </a:highlight>
-                <a:latin typeface="Lucida Console" panose="020B0609040504020204" pitchFamily="49" charset="0"/>
-              </a:rPr>
-              <a:t>in (1017,2800)'</a:t>
-            </a:r>
-            <a:r>
-              <a:rPr lang="en-US" sz="2000" b="1" dirty="0">
-                <a:solidFill>
-                  <a:srgbClr val="000080"/>
-                </a:solidFill>
-                <a:highlight>
-                  <a:srgbClr val="FFFFFF"/>
-                </a:highlight>
-                <a:latin typeface="Lucida Console" panose="020B0609040504020204" pitchFamily="49" charset="0"/>
-              </a:rPr>
-              <a:t>, </a:t>
-            </a:r>
-            <a:r>
-              <a:rPr lang="en-US" sz="2000" b="1" dirty="0" smtClean="0">
-                <a:solidFill>
-                  <a:srgbClr val="0000FF"/>
-                </a:solidFill>
-                <a:highlight>
-                  <a:srgbClr val="FFFFFF"/>
-                </a:highlight>
-                <a:latin typeface="Lucida Console" panose="020B0609040504020204" pitchFamily="49" charset="0"/>
-              </a:rPr>
-              <a:t>%'</a:t>
-            </a:r>
-            <a:r>
-              <a:rPr lang="en-US" sz="2000" b="1" dirty="0" smtClean="0">
-                <a:solidFill>
-                  <a:srgbClr val="000080"/>
-                </a:solidFill>
-                <a:highlight>
-                  <a:srgbClr val="FFFFFF"/>
-                </a:highlight>
-                <a:latin typeface="Lucida Console" panose="020B0609040504020204" pitchFamily="49" charset="0"/>
-              </a:rPr>
-              <a:t>);</a:t>
-            </a:r>
-            <a:endParaRPr lang="en-US" sz="2000" b="1" dirty="0" smtClean="0">
-              <a:latin typeface="Lucida Console" panose="020B0609040504020204" pitchFamily="49" charset="0"/>
-            </a:endParaRPr>
+              <a:rPr lang="en-US" dirty="0" smtClean="0"/>
+              <a:t>4. M5_USER_ROLE - </a:t>
+            </a:r>
+            <a:r>
+              <a:rPr lang="en-US" dirty="0" smtClean="0">
+                <a:solidFill>
+                  <a:schemeClr val="bg1">
+                    <a:lumMod val="50000"/>
+                  </a:schemeClr>
+                </a:solidFill>
+              </a:rPr>
+              <a:t>username, role</a:t>
+            </a:r>
           </a:p>
           <a:p>
             <a:pPr marL="0" indent="0">
               <a:buNone/>
             </a:pPr>
-            <a:r>
-              <a:rPr lang="en-US" sz="2600" dirty="0" smtClean="0"/>
-              <a:t>5.</a:t>
-            </a:r>
-            <a:r>
-              <a:rPr lang="en-US" sz="2800" dirty="0" smtClean="0"/>
-              <a:t> </a:t>
-            </a:r>
-            <a:r>
-              <a:rPr lang="en-US" sz="2000" b="1" dirty="0">
-                <a:solidFill>
-                  <a:srgbClr val="008080"/>
-                </a:solidFill>
-                <a:highlight>
-                  <a:srgbClr val="FFFFFF"/>
-                </a:highlight>
-                <a:latin typeface="Lucida Console" panose="020B0609040504020204" pitchFamily="49" charset="0"/>
-              </a:rPr>
-              <a:t>select</a:t>
-            </a:r>
-            <a:r>
-              <a:rPr lang="en-US" sz="2000" b="1" dirty="0">
-                <a:solidFill>
-                  <a:srgbClr val="000080"/>
-                </a:solidFill>
-                <a:highlight>
-                  <a:srgbClr val="FFFFFF"/>
-                </a:highlight>
-                <a:latin typeface="Lucida Console" panose="020B0609040504020204" pitchFamily="49" charset="0"/>
-              </a:rPr>
-              <a:t> </a:t>
-            </a:r>
-            <a:r>
-              <a:rPr lang="en-US" sz="2000" b="1" dirty="0" err="1">
-                <a:solidFill>
-                  <a:srgbClr val="000080"/>
-                </a:solidFill>
-                <a:highlight>
-                  <a:srgbClr val="FFFFFF"/>
-                </a:highlight>
-                <a:latin typeface="Lucida Console" panose="020B0609040504020204" pitchFamily="49" charset="0"/>
-              </a:rPr>
-              <a:t>database_name</a:t>
-            </a:r>
-            <a:r>
-              <a:rPr lang="en-US" sz="2000" b="1" dirty="0">
-                <a:solidFill>
-                  <a:srgbClr val="000080"/>
-                </a:solidFill>
-                <a:highlight>
-                  <a:srgbClr val="FFFFFF"/>
-                </a:highlight>
-                <a:latin typeface="Lucida Console" panose="020B0609040504020204" pitchFamily="49" charset="0"/>
-              </a:rPr>
-              <a:t>, </a:t>
-            </a:r>
-            <a:r>
-              <a:rPr lang="en-US" sz="2000" b="1" dirty="0">
-                <a:solidFill>
-                  <a:srgbClr val="008080"/>
-                </a:solidFill>
-                <a:highlight>
-                  <a:srgbClr val="FFFFFF"/>
-                </a:highlight>
-                <a:latin typeface="Lucida Console" panose="020B0609040504020204" pitchFamily="49" charset="0"/>
-              </a:rPr>
-              <a:t>value</a:t>
-            </a:r>
-            <a:r>
-              <a:rPr lang="en-US" sz="2000" b="1" dirty="0">
-                <a:solidFill>
-                  <a:srgbClr val="000080"/>
-                </a:solidFill>
-                <a:highlight>
-                  <a:srgbClr val="FFFFFF"/>
-                </a:highlight>
-                <a:latin typeface="Lucida Console" panose="020B0609040504020204" pitchFamily="49" charset="0"/>
-              </a:rPr>
-              <a:t> </a:t>
-            </a:r>
-            <a:r>
-              <a:rPr lang="en-US" sz="2000" b="1" dirty="0">
-                <a:solidFill>
-                  <a:srgbClr val="008080"/>
-                </a:solidFill>
-                <a:highlight>
-                  <a:srgbClr val="FFFFFF"/>
-                </a:highlight>
-                <a:latin typeface="Lucida Console" panose="020B0609040504020204" pitchFamily="49" charset="0"/>
-              </a:rPr>
-              <a:t>from</a:t>
-            </a:r>
-            <a:r>
-              <a:rPr lang="en-US" sz="2000" b="1" dirty="0">
-                <a:solidFill>
-                  <a:srgbClr val="000080"/>
-                </a:solidFill>
-                <a:highlight>
-                  <a:srgbClr val="FFFFFF"/>
-                </a:highlight>
-                <a:latin typeface="Lucida Console" panose="020B0609040504020204" pitchFamily="49" charset="0"/>
-              </a:rPr>
-              <a:t> m5_v$parameter </a:t>
-            </a:r>
-            <a:r>
-              <a:rPr lang="en-US" sz="2000" b="1" dirty="0">
-                <a:solidFill>
-                  <a:srgbClr val="008080"/>
-                </a:solidFill>
-                <a:highlight>
-                  <a:srgbClr val="FFFFFF"/>
-                </a:highlight>
-                <a:latin typeface="Lucida Console" panose="020B0609040504020204" pitchFamily="49" charset="0"/>
-              </a:rPr>
-              <a:t>where</a:t>
-            </a:r>
-            <a:r>
-              <a:rPr lang="en-US" sz="2000" b="1" dirty="0">
-                <a:solidFill>
-                  <a:srgbClr val="000080"/>
-                </a:solidFill>
-                <a:highlight>
-                  <a:srgbClr val="FFFFFF"/>
-                </a:highlight>
-                <a:latin typeface="Lucida Console" panose="020B0609040504020204" pitchFamily="49" charset="0"/>
-              </a:rPr>
-              <a:t> </a:t>
-            </a:r>
-            <a:r>
-              <a:rPr lang="en-US" sz="2000" b="1" dirty="0">
-                <a:solidFill>
-                  <a:srgbClr val="008080"/>
-                </a:solidFill>
-                <a:highlight>
-                  <a:srgbClr val="FFFFFF"/>
-                </a:highlight>
-                <a:latin typeface="Lucida Console" panose="020B0609040504020204" pitchFamily="49" charset="0"/>
-              </a:rPr>
-              <a:t>name</a:t>
-            </a:r>
-            <a:r>
-              <a:rPr lang="en-US" sz="2000" b="1" dirty="0">
-                <a:solidFill>
-                  <a:srgbClr val="000080"/>
-                </a:solidFill>
-                <a:highlight>
-                  <a:srgbClr val="FFFFFF"/>
-                </a:highlight>
-                <a:latin typeface="Lucida Console" panose="020B0609040504020204" pitchFamily="49" charset="0"/>
-              </a:rPr>
-              <a:t> = </a:t>
-            </a:r>
-            <a:r>
-              <a:rPr lang="en-US" sz="2000" b="1" dirty="0">
-                <a:solidFill>
-                  <a:srgbClr val="0000FF"/>
-                </a:solidFill>
-                <a:highlight>
-                  <a:srgbClr val="FFFFFF"/>
-                </a:highlight>
-                <a:latin typeface="Lucida Console" panose="020B0609040504020204" pitchFamily="49" charset="0"/>
-              </a:rPr>
-              <a:t>'</a:t>
-            </a:r>
-            <a:r>
-              <a:rPr lang="en-US" sz="2000" b="1" dirty="0" err="1">
-                <a:solidFill>
-                  <a:srgbClr val="0000FF"/>
-                </a:solidFill>
-                <a:highlight>
-                  <a:srgbClr val="FFFFFF"/>
-                </a:highlight>
-                <a:latin typeface="Lucida Console" panose="020B0609040504020204" pitchFamily="49" charset="0"/>
-              </a:rPr>
-              <a:t>sec_case_sensitive_logon</a:t>
-            </a:r>
-            <a:r>
-              <a:rPr lang="en-US" sz="2000" b="1" dirty="0">
-                <a:solidFill>
-                  <a:srgbClr val="0000FF"/>
-                </a:solidFill>
-                <a:highlight>
-                  <a:srgbClr val="FFFFFF"/>
-                </a:highlight>
-                <a:latin typeface="Lucida Console" panose="020B0609040504020204" pitchFamily="49" charset="0"/>
-              </a:rPr>
-              <a:t>'</a:t>
-            </a:r>
-            <a:r>
-              <a:rPr lang="en-US" sz="2000" b="1" dirty="0">
-                <a:solidFill>
-                  <a:srgbClr val="000080"/>
-                </a:solidFill>
-                <a:highlight>
-                  <a:srgbClr val="FFFFFF"/>
-                </a:highlight>
-                <a:latin typeface="Lucida Console" panose="020B0609040504020204" pitchFamily="49" charset="0"/>
-              </a:rPr>
-              <a:t>;</a:t>
-            </a:r>
-            <a:endParaRPr lang="en-US" sz="2000" b="1" dirty="0">
-              <a:latin typeface="Lucida Console" panose="020B0609040504020204" pitchFamily="49" charset="0"/>
+            <a:endParaRPr lang="en-US" dirty="0">
+              <a:solidFill>
+                <a:schemeClr val="bg1">
+                  <a:lumMod val="50000"/>
+                </a:schemeClr>
+              </a:solidFill>
             </a:endParaRPr>
           </a:p>
-          <a:p>
-            <a:pPr marL="0" indent="0">
-              <a:buNone/>
-            </a:pPr>
-            <a:r>
-              <a:rPr lang="en-US" sz="2600" dirty="0" smtClean="0"/>
-              <a:t>6. </a:t>
-            </a:r>
-            <a:r>
-              <a:rPr lang="en-US" sz="2000" b="1" dirty="0">
-                <a:solidFill>
-                  <a:srgbClr val="008080"/>
-                </a:solidFill>
-                <a:highlight>
-                  <a:srgbClr val="FFFFFF"/>
-                </a:highlight>
-                <a:latin typeface="Lucida Console" panose="020B0609040504020204" pitchFamily="49" charset="0"/>
-              </a:rPr>
-              <a:t>select</a:t>
-            </a:r>
-            <a:r>
-              <a:rPr lang="en-US" sz="2000" b="1" dirty="0">
-                <a:solidFill>
-                  <a:srgbClr val="000080"/>
-                </a:solidFill>
-                <a:highlight>
-                  <a:srgbClr val="FFFFFF"/>
-                </a:highlight>
-                <a:latin typeface="Lucida Console" panose="020B0609040504020204" pitchFamily="49" charset="0"/>
-              </a:rPr>
-              <a:t> * </a:t>
-            </a:r>
-            <a:r>
-              <a:rPr lang="en-US" sz="2000" b="1" dirty="0">
-                <a:solidFill>
-                  <a:srgbClr val="008080"/>
-                </a:solidFill>
-                <a:highlight>
-                  <a:srgbClr val="FFFFFF"/>
-                </a:highlight>
-                <a:latin typeface="Lucida Console" panose="020B0609040504020204" pitchFamily="49" charset="0"/>
-              </a:rPr>
-              <a:t>from</a:t>
-            </a:r>
-            <a:r>
-              <a:rPr lang="en-US" sz="2000" b="1" dirty="0">
-                <a:solidFill>
-                  <a:srgbClr val="000080"/>
-                </a:solidFill>
-                <a:highlight>
-                  <a:srgbClr val="FFFFFF"/>
-                </a:highlight>
-                <a:latin typeface="Lucida Console" panose="020B0609040504020204" pitchFamily="49" charset="0"/>
-              </a:rPr>
-              <a:t> m5_dba_role_privs </a:t>
-            </a:r>
-            <a:r>
-              <a:rPr lang="en-US" sz="2000" b="1" dirty="0">
-                <a:solidFill>
-                  <a:srgbClr val="008080"/>
-                </a:solidFill>
-                <a:highlight>
-                  <a:srgbClr val="FFFFFF"/>
-                </a:highlight>
-                <a:latin typeface="Lucida Console" panose="020B0609040504020204" pitchFamily="49" charset="0"/>
-              </a:rPr>
-              <a:t>where</a:t>
-            </a:r>
-            <a:r>
-              <a:rPr lang="en-US" sz="2000" b="1" dirty="0">
-                <a:solidFill>
-                  <a:srgbClr val="000080"/>
-                </a:solidFill>
-                <a:highlight>
-                  <a:srgbClr val="FFFFFF"/>
-                </a:highlight>
-                <a:latin typeface="Lucida Console" panose="020B0609040504020204" pitchFamily="49" charset="0"/>
-              </a:rPr>
-              <a:t> </a:t>
-            </a:r>
-            <a:r>
-              <a:rPr lang="en-US" sz="2000" b="1" dirty="0" err="1">
-                <a:solidFill>
-                  <a:srgbClr val="000080"/>
-                </a:solidFill>
-                <a:highlight>
-                  <a:srgbClr val="FFFFFF"/>
-                </a:highlight>
-                <a:latin typeface="Lucida Console" panose="020B0609040504020204" pitchFamily="49" charset="0"/>
-              </a:rPr>
-              <a:t>granted_role</a:t>
-            </a:r>
-            <a:r>
-              <a:rPr lang="en-US" sz="2000" b="1" dirty="0">
-                <a:solidFill>
-                  <a:srgbClr val="000080"/>
-                </a:solidFill>
-                <a:highlight>
-                  <a:srgbClr val="FFFFFF"/>
-                </a:highlight>
-                <a:latin typeface="Lucida Console" panose="020B0609040504020204" pitchFamily="49" charset="0"/>
-              </a:rPr>
-              <a:t> = </a:t>
-            </a:r>
-            <a:r>
-              <a:rPr lang="en-US" sz="2000" b="1" dirty="0">
-                <a:solidFill>
-                  <a:srgbClr val="0000FF"/>
-                </a:solidFill>
-                <a:highlight>
-                  <a:srgbClr val="FFFFFF"/>
-                </a:highlight>
-                <a:latin typeface="Lucida Console" panose="020B0609040504020204" pitchFamily="49" charset="0"/>
-              </a:rPr>
-              <a:t>'DBA</a:t>
-            </a:r>
-            <a:r>
-              <a:rPr lang="en-US" sz="2000" b="1" dirty="0" smtClean="0">
-                <a:solidFill>
-                  <a:srgbClr val="0000FF"/>
-                </a:solidFill>
-                <a:highlight>
-                  <a:srgbClr val="FFFFFF"/>
-                </a:highlight>
-                <a:latin typeface="Lucida Console" panose="020B0609040504020204" pitchFamily="49" charset="0"/>
-              </a:rPr>
-              <a:t>'</a:t>
-            </a:r>
-            <a:r>
-              <a:rPr lang="en-US" sz="2000" b="1" dirty="0" smtClean="0">
-                <a:solidFill>
-                  <a:srgbClr val="000080"/>
-                </a:solidFill>
-                <a:highlight>
-                  <a:srgbClr val="FFFFFF"/>
-                </a:highlight>
-                <a:latin typeface="Lucida Console" panose="020B0609040504020204" pitchFamily="49" charset="0"/>
-              </a:rPr>
-              <a:t>;</a:t>
-            </a:r>
-            <a:endParaRPr lang="en-US" sz="2000" b="1" dirty="0">
-              <a:latin typeface="Lucida Console" panose="020B0609040504020204" pitchFamily="49" charset="0"/>
-            </a:endParaRPr>
-          </a:p>
         </p:txBody>
       </p:sp>
       <p:sp>
@@ -14222,7 +13981,7 @@
           <a:p>
             <a:r>
               <a:rPr lang="en-US" smtClean="0"/>
-              <a:t>2018-06-06</a:t>
+              <a:t>2018-06-09</a:t>
             </a:r>
             <a:endParaRPr lang="en-US" dirty="0"/>
           </a:p>
@@ -14254,7 +14013,7 @@
     </p:spTree>
     <p:extLst>
       <p:ext uri="{BB962C8B-B14F-4D97-AF65-F5344CB8AC3E}">
-        <p14:creationId xmlns:p14="http://schemas.microsoft.com/office/powerpoint/2010/main" val="2022272858"/>
+        <p14:creationId xmlns:p14="http://schemas.microsoft.com/office/powerpoint/2010/main" val="2729368625"/>
       </p:ext>
     </p:extLst>
   </p:cSld>
@@ -14300,102 +14059,1116 @@
         </p:nvSpPr>
         <p:spPr/>
         <p:txBody>
+          <a:bodyPr/>
+          <a:lstStyle/>
+          <a:p>
+            <a:r>
+              <a:rPr lang="en-US" dirty="0" smtClean="0"/>
+              <a:t>Security: Query Examples</a:t>
+            </a:r>
+            <a:endParaRPr lang="en-US" dirty="0"/>
+          </a:p>
+        </p:txBody>
+      </p:sp>
+      <p:sp>
+        <p:nvSpPr>
+          <p:cNvPr id="3" name="Content Placeholder 2"/>
+          <p:cNvSpPr>
+            <a:spLocks noGrp="1"/>
+          </p:cNvSpPr>
+          <p:nvPr>
+            <p:ph idx="1"/>
+          </p:nvPr>
+        </p:nvSpPr>
+        <p:spPr/>
+        <p:txBody>
           <a:bodyPr>
-            <a:normAutofit fontScale="90000"/>
+            <a:normAutofit fontScale="85000" lnSpcReduction="10000"/>
           </a:bodyPr>
           <a:lstStyle/>
           <a:p>
-            <a:r>
-              <a:rPr lang="en-US" dirty="0" smtClean="0"/>
-              <a:t>Your New Mission:</a:t>
+            <a:pPr marL="0" indent="0">
+              <a:buNone/>
+            </a:pPr>
+            <a:r>
+              <a:rPr lang="en-US" sz="2600" dirty="0" smtClean="0">
+                <a:highlight>
+                  <a:srgbClr val="FFFFFF"/>
+                </a:highlight>
+              </a:rPr>
+              <a:t>1.</a:t>
+            </a:r>
+            <a:r>
+              <a:rPr lang="en-US" sz="2000" dirty="0" smtClean="0">
+                <a:highlight>
+                  <a:srgbClr val="FFFFFF"/>
+                </a:highlight>
+              </a:rPr>
+              <a:t> </a:t>
+            </a:r>
+            <a:r>
+              <a:rPr lang="en-US" sz="2000" b="1" dirty="0" smtClean="0">
+                <a:solidFill>
+                  <a:srgbClr val="000080"/>
+                </a:solidFill>
+                <a:highlight>
+                  <a:srgbClr val="FFFFFF"/>
+                </a:highlight>
+                <a:latin typeface="Lucida Console" panose="020B0609040504020204" pitchFamily="49" charset="0"/>
+              </a:rPr>
+              <a:t>m5_proc</a:t>
+            </a:r>
+            <a:r>
+              <a:rPr lang="en-US" sz="2000" b="1" dirty="0">
+                <a:solidFill>
+                  <a:srgbClr val="000080"/>
+                </a:solidFill>
+                <a:highlight>
+                  <a:srgbClr val="FFFFFF"/>
+                </a:highlight>
+                <a:latin typeface="Lucida Console" panose="020B0609040504020204" pitchFamily="49" charset="0"/>
+              </a:rPr>
+              <a:t>(</a:t>
+            </a:r>
+            <a:r>
+              <a:rPr lang="en-US" sz="2000" b="1" dirty="0">
+                <a:solidFill>
+                  <a:srgbClr val="0000FF"/>
+                </a:solidFill>
+                <a:highlight>
+                  <a:srgbClr val="FFFFFF"/>
+                </a:highlight>
+                <a:latin typeface="Lucida Console" panose="020B0609040504020204" pitchFamily="49" charset="0"/>
+              </a:rPr>
+              <a:t>'#!/bin/</a:t>
+            </a:r>
+            <a:r>
+              <a:rPr lang="en-US" sz="2000" b="1" dirty="0" err="1">
+                <a:solidFill>
+                  <a:srgbClr val="0000FF"/>
+                </a:solidFill>
+                <a:highlight>
+                  <a:srgbClr val="FFFFFF"/>
+                </a:highlight>
+                <a:latin typeface="Lucida Console" panose="020B0609040504020204" pitchFamily="49" charset="0"/>
+              </a:rPr>
+              <a:t>ksh</a:t>
+            </a:r>
+            <a:r>
+              <a:rPr lang="en-US" sz="2000" b="1" dirty="0">
+                <a:solidFill>
+                  <a:srgbClr val="0000FF"/>
+                </a:solidFill>
+                <a:highlight>
+                  <a:srgbClr val="FFFFFF"/>
+                </a:highlight>
+                <a:latin typeface="Lucida Console" panose="020B0609040504020204" pitchFamily="49" charset="0"/>
+              </a:rPr>
+              <a:t>'</a:t>
+            </a:r>
+            <a:r>
+              <a:rPr lang="en-US" sz="2000" b="1" dirty="0">
+                <a:solidFill>
+                  <a:srgbClr val="000080"/>
+                </a:solidFill>
+                <a:highlight>
+                  <a:srgbClr val="FFFFFF"/>
+                </a:highlight>
+                <a:latin typeface="Lucida Console" panose="020B0609040504020204" pitchFamily="49" charset="0"/>
+              </a:rPr>
+              <a:t>||</a:t>
+            </a:r>
+            <a:r>
+              <a:rPr lang="en-US" sz="2000" b="1" dirty="0" err="1">
+                <a:solidFill>
+                  <a:srgbClr val="008080"/>
+                </a:solidFill>
+                <a:highlight>
+                  <a:srgbClr val="FFFFFF"/>
+                </a:highlight>
+                <a:latin typeface="Lucida Console" panose="020B0609040504020204" pitchFamily="49" charset="0"/>
+              </a:rPr>
+              <a:t>chr</a:t>
+            </a:r>
+            <a:r>
+              <a:rPr lang="en-US" sz="2000" b="1" dirty="0">
+                <a:solidFill>
+                  <a:srgbClr val="000080"/>
+                </a:solidFill>
+                <a:highlight>
+                  <a:srgbClr val="FFFFFF"/>
+                </a:highlight>
+                <a:latin typeface="Lucida Console" panose="020B0609040504020204" pitchFamily="49" charset="0"/>
+              </a:rPr>
+              <a:t>(</a:t>
+            </a:r>
+            <a:r>
+              <a:rPr lang="en-US" sz="2000" b="1" dirty="0">
+                <a:solidFill>
+                  <a:srgbClr val="0000FF"/>
+                </a:solidFill>
+                <a:highlight>
+                  <a:srgbClr val="FFFFFF"/>
+                </a:highlight>
+                <a:latin typeface="Lucida Console" panose="020B0609040504020204" pitchFamily="49" charset="0"/>
+              </a:rPr>
+              <a:t>10</a:t>
+            </a:r>
+            <a:r>
+              <a:rPr lang="en-US" sz="2000" b="1" dirty="0">
+                <a:solidFill>
+                  <a:srgbClr val="000080"/>
+                </a:solidFill>
+                <a:highlight>
+                  <a:srgbClr val="FFFFFF"/>
+                </a:highlight>
+                <a:latin typeface="Lucida Console" panose="020B0609040504020204" pitchFamily="49" charset="0"/>
+              </a:rPr>
+              <a:t>)||</a:t>
+            </a:r>
+            <a:r>
+              <a:rPr lang="en-US" sz="2000" b="1" dirty="0">
+                <a:solidFill>
+                  <a:srgbClr val="0000FF"/>
+                </a:solidFill>
+                <a:highlight>
+                  <a:srgbClr val="FFFFFF"/>
+                </a:highlight>
+                <a:latin typeface="Lucida Console" panose="020B0609040504020204" pitchFamily="49" charset="0"/>
+              </a:rPr>
+              <a:t>'</a:t>
+            </a:r>
+            <a:r>
+              <a:rPr lang="en-US" sz="2000" b="1" dirty="0" err="1">
+                <a:solidFill>
+                  <a:srgbClr val="0000FF"/>
+                </a:solidFill>
+                <a:highlight>
+                  <a:srgbClr val="FFFFFF"/>
+                </a:highlight>
+                <a:latin typeface="Lucida Console" panose="020B0609040504020204" pitchFamily="49" charset="0"/>
+              </a:rPr>
+              <a:t>crontab</a:t>
+            </a:r>
+            <a:r>
+              <a:rPr lang="en-US" sz="2000" b="1" dirty="0">
+                <a:solidFill>
+                  <a:srgbClr val="0000FF"/>
+                </a:solidFill>
+                <a:highlight>
+                  <a:srgbClr val="FFFFFF"/>
+                </a:highlight>
+                <a:latin typeface="Lucida Console" panose="020B0609040504020204" pitchFamily="49" charset="0"/>
+              </a:rPr>
+              <a:t> -l'</a:t>
+            </a:r>
+            <a:r>
+              <a:rPr lang="en-US" sz="2000" b="1" dirty="0">
+                <a:solidFill>
+                  <a:srgbClr val="000080"/>
+                </a:solidFill>
+                <a:highlight>
+                  <a:srgbClr val="FFFFFF"/>
+                </a:highlight>
+                <a:latin typeface="Lucida Console" panose="020B0609040504020204" pitchFamily="49" charset="0"/>
+              </a:rPr>
+              <a:t>, </a:t>
+            </a:r>
+            <a:r>
+              <a:rPr lang="en-US" sz="2000" b="1" dirty="0">
+                <a:solidFill>
+                  <a:srgbClr val="0000FF"/>
+                </a:solidFill>
+                <a:highlight>
+                  <a:srgbClr val="FFFFFF"/>
+                </a:highlight>
+                <a:latin typeface="Lucida Console" panose="020B0609040504020204" pitchFamily="49" charset="0"/>
+              </a:rPr>
+              <a:t>'%'</a:t>
+            </a:r>
+            <a:r>
+              <a:rPr lang="en-US" sz="2000" b="1" dirty="0">
+                <a:solidFill>
+                  <a:srgbClr val="000080"/>
+                </a:solidFill>
+                <a:highlight>
+                  <a:srgbClr val="FFFFFF"/>
+                </a:highlight>
+                <a:latin typeface="Lucida Console" panose="020B0609040504020204" pitchFamily="49" charset="0"/>
+              </a:rPr>
+              <a:t>);</a:t>
+            </a:r>
+            <a:endParaRPr lang="en-US" sz="2000" b="1" dirty="0" smtClean="0">
+              <a:latin typeface="Lucida Console" panose="020B0609040504020204" pitchFamily="49" charset="0"/>
+            </a:endParaRPr>
+          </a:p>
+          <a:p>
+            <a:pPr marL="0" indent="0">
+              <a:buNone/>
+            </a:pPr>
+            <a:r>
+              <a:rPr lang="en-US" sz="2600" dirty="0" smtClean="0"/>
+              <a:t>2.</a:t>
+            </a:r>
+            <a:r>
+              <a:rPr lang="en-US" sz="2000" dirty="0" smtClean="0"/>
+              <a:t> </a:t>
+            </a:r>
+            <a:r>
+              <a:rPr lang="en-US" sz="2000" b="1" dirty="0" smtClean="0">
+                <a:solidFill>
+                  <a:srgbClr val="000080"/>
+                </a:solidFill>
+                <a:highlight>
+                  <a:srgbClr val="FFFFFF"/>
+                </a:highlight>
+                <a:latin typeface="Lucida Console" panose="020B0609040504020204" pitchFamily="49" charset="0"/>
+              </a:rPr>
+              <a:t>m5_proc</a:t>
+            </a:r>
+            <a:r>
+              <a:rPr lang="en-US" sz="2000" b="1" dirty="0">
+                <a:solidFill>
+                  <a:srgbClr val="000080"/>
+                </a:solidFill>
+                <a:highlight>
+                  <a:srgbClr val="FFFFFF"/>
+                </a:highlight>
+                <a:latin typeface="Lucida Console" panose="020B0609040504020204" pitchFamily="49" charset="0"/>
+              </a:rPr>
+              <a:t>(</a:t>
+            </a:r>
+            <a:r>
+              <a:rPr lang="en-US" sz="2000" b="1" dirty="0">
+                <a:solidFill>
+                  <a:srgbClr val="0000FF"/>
+                </a:solidFill>
+                <a:highlight>
+                  <a:srgbClr val="FFFFFF"/>
+                </a:highlight>
+                <a:latin typeface="Lucida Console" panose="020B0609040504020204" pitchFamily="49" charset="0"/>
+              </a:rPr>
+              <a:t>'#!/</a:t>
+            </a:r>
+            <a:r>
+              <a:rPr lang="en-US" sz="2000" b="1" dirty="0" smtClean="0">
+                <a:solidFill>
+                  <a:srgbClr val="0000FF"/>
+                </a:solidFill>
+                <a:highlight>
+                  <a:srgbClr val="FFFFFF"/>
+                </a:highlight>
+                <a:latin typeface="Lucida Console" panose="020B0609040504020204" pitchFamily="49" charset="0"/>
+              </a:rPr>
+              <a:t>bin/</a:t>
+            </a:r>
+            <a:r>
+              <a:rPr lang="en-US" sz="2000" b="1" dirty="0" err="1" smtClean="0">
+                <a:solidFill>
+                  <a:srgbClr val="0000FF"/>
+                </a:solidFill>
+                <a:highlight>
+                  <a:srgbClr val="FFFFFF"/>
+                </a:highlight>
+                <a:latin typeface="Lucida Console" panose="020B0609040504020204" pitchFamily="49" charset="0"/>
+              </a:rPr>
+              <a:t>ksh</a:t>
+            </a:r>
+            <a:r>
+              <a:rPr lang="en-US" sz="2000" b="1" dirty="0" smtClean="0">
+                <a:solidFill>
+                  <a:srgbClr val="0000FF"/>
+                </a:solidFill>
+                <a:highlight>
+                  <a:srgbClr val="FFFFFF"/>
+                </a:highlight>
+                <a:latin typeface="Lucida Console" panose="020B0609040504020204" pitchFamily="49" charset="0"/>
+              </a:rPr>
+              <a:t/>
             </a:r>
             <a:br>
-              <a:rPr lang="en-US" dirty="0" smtClean="0"/>
+              <a:rPr lang="en-US" sz="2000" b="1" dirty="0" smtClean="0">
+                <a:solidFill>
+                  <a:srgbClr val="0000FF"/>
+                </a:solidFill>
+                <a:highlight>
+                  <a:srgbClr val="FFFFFF"/>
+                </a:highlight>
+                <a:latin typeface="Lucida Console" panose="020B0609040504020204" pitchFamily="49" charset="0"/>
+              </a:rPr>
             </a:br>
             <a:r>
-              <a:rPr lang="en-US" dirty="0" smtClean="0"/>
-              <a:t>Automate Everything</a:t>
-            </a:r>
-            <a:endParaRPr lang="en-US" dirty="0"/>
-          </a:p>
-        </p:txBody>
-      </p:sp>
-      <p:sp>
-        <p:nvSpPr>
-          <p:cNvPr id="3" name="Content Placeholder 2"/>
-          <p:cNvSpPr>
-            <a:spLocks noGrp="1"/>
-          </p:cNvSpPr>
-          <p:nvPr>
-            <p:ph idx="1"/>
+              <a:rPr lang="en-US" sz="2000" b="1" dirty="0" smtClean="0">
+                <a:solidFill>
+                  <a:srgbClr val="0000FF"/>
+                </a:solidFill>
+                <a:highlight>
+                  <a:srgbClr val="FFFFFF"/>
+                </a:highlight>
+                <a:latin typeface="Lucida Console" panose="020B0609040504020204" pitchFamily="49" charset="0"/>
+              </a:rPr>
+              <a:t>. </a:t>
+            </a:r>
+            <a:r>
+              <a:rPr lang="en-US" sz="2000" b="1" dirty="0">
+                <a:solidFill>
+                  <a:srgbClr val="0000FF"/>
+                </a:solidFill>
+                <a:highlight>
+                  <a:srgbClr val="FFFFFF"/>
+                </a:highlight>
+                <a:latin typeface="Lucida Console" panose="020B0609040504020204" pitchFamily="49" charset="0"/>
+              </a:rPr>
+              <a:t>/</a:t>
+            </a:r>
+            <a:r>
+              <a:rPr lang="en-US" sz="2000" b="1" dirty="0" smtClean="0">
+                <a:solidFill>
+                  <a:srgbClr val="0000FF"/>
+                </a:solidFill>
+                <a:highlight>
+                  <a:srgbClr val="FFFFFF"/>
+                </a:highlight>
+                <a:latin typeface="Lucida Console" panose="020B0609040504020204" pitchFamily="49" charset="0"/>
+              </a:rPr>
+              <a:t>export/home/oracle/set_localASM.sh</a:t>
+            </a:r>
+            <a:br>
+              <a:rPr lang="en-US" sz="2000" b="1" dirty="0" smtClean="0">
+                <a:solidFill>
+                  <a:srgbClr val="0000FF"/>
+                </a:solidFill>
+                <a:highlight>
+                  <a:srgbClr val="FFFFFF"/>
+                </a:highlight>
+                <a:latin typeface="Lucida Console" panose="020B0609040504020204" pitchFamily="49" charset="0"/>
+              </a:rPr>
+            </a:br>
+            <a:r>
+              <a:rPr lang="en-US" sz="2000" b="1" dirty="0" smtClean="0">
+                <a:solidFill>
+                  <a:srgbClr val="0000FF"/>
+                </a:solidFill>
+                <a:highlight>
+                  <a:srgbClr val="FFFFFF"/>
+                </a:highlight>
+                <a:latin typeface="Lucida Console" panose="020B0609040504020204" pitchFamily="49" charset="0"/>
+              </a:rPr>
+              <a:t>cat </a:t>
+            </a:r>
+            <a:r>
+              <a:rPr lang="en-US" sz="2000" b="1" dirty="0">
+                <a:solidFill>
+                  <a:srgbClr val="0000FF"/>
+                </a:solidFill>
+                <a:highlight>
+                  <a:srgbClr val="FFFFFF"/>
+                </a:highlight>
+                <a:latin typeface="Lucida Console" panose="020B0609040504020204" pitchFamily="49" charset="0"/>
+              </a:rPr>
+              <a:t>$ORACLE_HOME/network/admin/</a:t>
+            </a:r>
+            <a:r>
+              <a:rPr lang="en-US" sz="2000" b="1" dirty="0" err="1">
+                <a:solidFill>
+                  <a:srgbClr val="0000FF"/>
+                </a:solidFill>
+                <a:highlight>
+                  <a:srgbClr val="FFFFFF"/>
+                </a:highlight>
+                <a:latin typeface="Lucida Console" panose="020B0609040504020204" pitchFamily="49" charset="0"/>
+              </a:rPr>
+              <a:t>sqlnet.ora</a:t>
+            </a:r>
+            <a:r>
+              <a:rPr lang="en-US" sz="2000" b="1" dirty="0">
+                <a:solidFill>
+                  <a:srgbClr val="0000FF"/>
+                </a:solidFill>
+                <a:highlight>
+                  <a:srgbClr val="FFFFFF"/>
+                </a:highlight>
+                <a:latin typeface="Lucida Console" panose="020B0609040504020204" pitchFamily="49" charset="0"/>
+              </a:rPr>
+              <a:t>'</a:t>
+            </a:r>
+            <a:r>
+              <a:rPr lang="en-US" sz="2000" b="1" dirty="0">
+                <a:solidFill>
+                  <a:srgbClr val="000080"/>
+                </a:solidFill>
+                <a:highlight>
+                  <a:srgbClr val="FFFFFF"/>
+                </a:highlight>
+                <a:latin typeface="Lucida Console" panose="020B0609040504020204" pitchFamily="49" charset="0"/>
+              </a:rPr>
+              <a:t>, </a:t>
+            </a:r>
+            <a:r>
+              <a:rPr lang="en-US" sz="2000" b="1" dirty="0" smtClean="0">
+                <a:solidFill>
+                  <a:srgbClr val="0000FF"/>
+                </a:solidFill>
+                <a:highlight>
+                  <a:srgbClr val="FFFFFF"/>
+                </a:highlight>
+                <a:latin typeface="Lucida Console" panose="020B0609040504020204" pitchFamily="49" charset="0"/>
+              </a:rPr>
+              <a:t>'%'</a:t>
+            </a:r>
+            <a:r>
+              <a:rPr lang="en-US" sz="2000" b="1" dirty="0" smtClean="0">
+                <a:solidFill>
+                  <a:srgbClr val="000080"/>
+                </a:solidFill>
+                <a:highlight>
+                  <a:srgbClr val="FFFFFF"/>
+                </a:highlight>
+                <a:latin typeface="Lucida Console" panose="020B0609040504020204" pitchFamily="49" charset="0"/>
+              </a:rPr>
+              <a:t>);</a:t>
+            </a:r>
+          </a:p>
+          <a:p>
+            <a:pPr marL="0" indent="0">
+              <a:buNone/>
+            </a:pPr>
+            <a:r>
+              <a:rPr lang="en-US" sz="2600" dirty="0" smtClean="0"/>
+              <a:t>3.</a:t>
+            </a:r>
+            <a:r>
+              <a:rPr lang="en-US" dirty="0" smtClean="0"/>
+              <a:t> </a:t>
+            </a:r>
+            <a:r>
+              <a:rPr lang="en-US" sz="2000" b="1" dirty="0">
+                <a:solidFill>
+                  <a:srgbClr val="000080"/>
+                </a:solidFill>
+                <a:highlight>
+                  <a:srgbClr val="FFFFFF"/>
+                </a:highlight>
+                <a:latin typeface="Lucida Console" panose="020B0609040504020204" pitchFamily="49" charset="0"/>
+              </a:rPr>
+              <a:t>m5_proc(</a:t>
+            </a:r>
+            <a:r>
+              <a:rPr lang="en-US" sz="2000" b="1" dirty="0">
+                <a:solidFill>
+                  <a:srgbClr val="0000FF"/>
+                </a:solidFill>
+                <a:highlight>
+                  <a:srgbClr val="FFFFFF"/>
+                </a:highlight>
+                <a:latin typeface="Lucida Console" panose="020B0609040504020204" pitchFamily="49" charset="0"/>
+              </a:rPr>
+              <a:t>'select ** from </a:t>
+            </a:r>
+            <a:r>
+              <a:rPr lang="en-US" sz="2000" b="1" dirty="0" err="1">
+                <a:solidFill>
+                  <a:srgbClr val="0000FF"/>
+                </a:solidFill>
+                <a:highlight>
+                  <a:srgbClr val="FFFFFF"/>
+                </a:highlight>
+                <a:latin typeface="Lucida Console" panose="020B0609040504020204" pitchFamily="49" charset="0"/>
+              </a:rPr>
+              <a:t>dba_profiles</a:t>
+            </a:r>
+            <a:r>
+              <a:rPr lang="en-US" sz="2000" b="1" dirty="0">
+                <a:solidFill>
+                  <a:srgbClr val="0000FF"/>
+                </a:solidFill>
+                <a:highlight>
+                  <a:srgbClr val="FFFFFF"/>
+                </a:highlight>
+                <a:latin typeface="Lucida Console" panose="020B0609040504020204" pitchFamily="49" charset="0"/>
+              </a:rPr>
+              <a:t>'</a:t>
+            </a:r>
+            <a:r>
+              <a:rPr lang="en-US" sz="2000" b="1" dirty="0">
+                <a:solidFill>
+                  <a:srgbClr val="000080"/>
+                </a:solidFill>
+                <a:highlight>
+                  <a:srgbClr val="FFFFFF"/>
+                </a:highlight>
+                <a:latin typeface="Lucida Console" panose="020B0609040504020204" pitchFamily="49" charset="0"/>
+              </a:rPr>
+              <a:t>, </a:t>
+            </a:r>
+            <a:r>
+              <a:rPr lang="en-US" sz="2000" b="1" dirty="0" smtClean="0">
+                <a:solidFill>
+                  <a:srgbClr val="000080"/>
+                </a:solidFill>
+                <a:highlight>
+                  <a:srgbClr val="FFFFFF"/>
+                </a:highlight>
+                <a:latin typeface="Lucida Console" panose="020B0609040504020204" pitchFamily="49" charset="0"/>
+              </a:rPr>
+              <a:t>%</a:t>
+            </a:r>
+            <a:r>
+              <a:rPr lang="en-US" sz="2000" b="1" dirty="0" smtClean="0">
+                <a:solidFill>
+                  <a:srgbClr val="0000FF"/>
+                </a:solidFill>
+                <a:highlight>
+                  <a:srgbClr val="FFFFFF"/>
+                </a:highlight>
+                <a:latin typeface="Lucida Console" panose="020B0609040504020204" pitchFamily="49" charset="0"/>
+              </a:rPr>
+              <a:t>'</a:t>
+            </a:r>
+            <a:r>
+              <a:rPr lang="en-US" sz="2000" b="1" dirty="0" smtClean="0">
+                <a:solidFill>
+                  <a:srgbClr val="000080"/>
+                </a:solidFill>
+                <a:highlight>
+                  <a:srgbClr val="FFFFFF"/>
+                </a:highlight>
+                <a:latin typeface="Lucida Console" panose="020B0609040504020204" pitchFamily="49" charset="0"/>
+              </a:rPr>
+              <a:t>);</a:t>
+            </a:r>
+            <a:endParaRPr lang="en-US" sz="2000" b="1" dirty="0" smtClean="0">
+              <a:latin typeface="Lucida Console" panose="020B0609040504020204" pitchFamily="49" charset="0"/>
+            </a:endParaRPr>
+          </a:p>
+          <a:p>
+            <a:pPr marL="0" indent="0">
+              <a:buNone/>
+            </a:pPr>
+            <a:r>
+              <a:rPr lang="en-US" sz="2600" dirty="0" smtClean="0"/>
+              <a:t>4. </a:t>
+            </a:r>
+            <a:r>
+              <a:rPr lang="en-US" sz="2000" b="1" dirty="0" smtClean="0">
+                <a:solidFill>
+                  <a:srgbClr val="000080"/>
+                </a:solidFill>
+                <a:highlight>
+                  <a:srgbClr val="FFFFFF"/>
+                </a:highlight>
+                <a:latin typeface="Lucida Console" panose="020B0609040504020204" pitchFamily="49" charset="0"/>
+              </a:rPr>
+              <a:t>m5_proc</a:t>
+            </a:r>
+            <a:r>
+              <a:rPr lang="en-US" sz="2000" b="1" dirty="0">
+                <a:solidFill>
+                  <a:srgbClr val="000080"/>
+                </a:solidFill>
+                <a:highlight>
+                  <a:srgbClr val="FFFFFF"/>
+                </a:highlight>
+                <a:latin typeface="Lucida Console" panose="020B0609040504020204" pitchFamily="49" charset="0"/>
+              </a:rPr>
+              <a:t>(</a:t>
+            </a:r>
+            <a:r>
+              <a:rPr lang="en-US" sz="2000" b="1" dirty="0">
+                <a:solidFill>
+                  <a:srgbClr val="0000FF"/>
+                </a:solidFill>
+                <a:highlight>
+                  <a:srgbClr val="FFFFFF"/>
+                </a:highlight>
+                <a:latin typeface="Lucida Console" panose="020B0609040504020204" pitchFamily="49" charset="0"/>
+              </a:rPr>
+              <a:t>'select ** from </a:t>
+            </a:r>
+            <a:r>
+              <a:rPr lang="en-US" sz="2000" b="1" dirty="0" err="1">
+                <a:solidFill>
+                  <a:srgbClr val="0000FF"/>
+                </a:solidFill>
+                <a:highlight>
+                  <a:srgbClr val="FFFFFF"/>
+                </a:highlight>
+                <a:latin typeface="Lucida Console" panose="020B0609040504020204" pitchFamily="49" charset="0"/>
+              </a:rPr>
+              <a:t>dba_audit_trail</a:t>
+            </a:r>
+            <a:r>
+              <a:rPr lang="en-US" sz="2000" b="1" dirty="0">
+                <a:solidFill>
+                  <a:srgbClr val="0000FF"/>
+                </a:solidFill>
+                <a:highlight>
+                  <a:srgbClr val="FFFFFF"/>
+                </a:highlight>
+                <a:latin typeface="Lucida Console" panose="020B0609040504020204" pitchFamily="49" charset="0"/>
+              </a:rPr>
+              <a:t> </a:t>
+            </a:r>
+            <a:r>
+              <a:rPr lang="en-US" sz="2000" b="1" dirty="0" smtClean="0">
+                <a:solidFill>
+                  <a:srgbClr val="0000FF"/>
+                </a:solidFill>
+                <a:highlight>
+                  <a:srgbClr val="FFFFFF"/>
+                </a:highlight>
+                <a:latin typeface="Lucida Console" panose="020B0609040504020204" pitchFamily="49" charset="0"/>
+              </a:rPr>
+              <a:t>where </a:t>
+            </a:r>
+            <a:r>
+              <a:rPr lang="en-US" sz="2000" b="1" dirty="0" err="1" smtClean="0">
+                <a:solidFill>
+                  <a:srgbClr val="0000FF"/>
+                </a:solidFill>
+                <a:highlight>
+                  <a:srgbClr val="FFFFFF"/>
+                </a:highlight>
+                <a:latin typeface="Lucida Console" panose="020B0609040504020204" pitchFamily="49" charset="0"/>
+              </a:rPr>
+              <a:t>returncode</a:t>
+            </a:r>
+            <a:r>
+              <a:rPr lang="en-US" sz="2000" b="1" dirty="0" smtClean="0">
+                <a:solidFill>
+                  <a:srgbClr val="0000FF"/>
+                </a:solidFill>
+                <a:highlight>
+                  <a:srgbClr val="FFFFFF"/>
+                </a:highlight>
+                <a:latin typeface="Lucida Console" panose="020B0609040504020204" pitchFamily="49" charset="0"/>
+              </a:rPr>
+              <a:t> </a:t>
+            </a:r>
+            <a:r>
+              <a:rPr lang="en-US" sz="2000" b="1" dirty="0">
+                <a:solidFill>
+                  <a:srgbClr val="0000FF"/>
+                </a:solidFill>
+                <a:highlight>
+                  <a:srgbClr val="FFFFFF"/>
+                </a:highlight>
+                <a:latin typeface="Lucida Console" panose="020B0609040504020204" pitchFamily="49" charset="0"/>
+              </a:rPr>
+              <a:t>in (1017,2800)'</a:t>
+            </a:r>
+            <a:r>
+              <a:rPr lang="en-US" sz="2000" b="1" dirty="0">
+                <a:solidFill>
+                  <a:srgbClr val="000080"/>
+                </a:solidFill>
+                <a:highlight>
+                  <a:srgbClr val="FFFFFF"/>
+                </a:highlight>
+                <a:latin typeface="Lucida Console" panose="020B0609040504020204" pitchFamily="49" charset="0"/>
+              </a:rPr>
+              <a:t>, </a:t>
+            </a:r>
+            <a:r>
+              <a:rPr lang="en-US" sz="2000" b="1" dirty="0" smtClean="0">
+                <a:solidFill>
+                  <a:srgbClr val="0000FF"/>
+                </a:solidFill>
+                <a:highlight>
+                  <a:srgbClr val="FFFFFF"/>
+                </a:highlight>
+                <a:latin typeface="Lucida Console" panose="020B0609040504020204" pitchFamily="49" charset="0"/>
+              </a:rPr>
+              <a:t>%'</a:t>
+            </a:r>
+            <a:r>
+              <a:rPr lang="en-US" sz="2000" b="1" dirty="0" smtClean="0">
+                <a:solidFill>
+                  <a:srgbClr val="000080"/>
+                </a:solidFill>
+                <a:highlight>
+                  <a:srgbClr val="FFFFFF"/>
+                </a:highlight>
+                <a:latin typeface="Lucida Console" panose="020B0609040504020204" pitchFamily="49" charset="0"/>
+              </a:rPr>
+              <a:t>);</a:t>
+            </a:r>
+            <a:endParaRPr lang="en-US" sz="2000" b="1" dirty="0" smtClean="0">
+              <a:latin typeface="Lucida Console" panose="020B0609040504020204" pitchFamily="49" charset="0"/>
+            </a:endParaRPr>
+          </a:p>
+          <a:p>
+            <a:pPr marL="0" indent="0">
+              <a:buNone/>
+            </a:pPr>
+            <a:r>
+              <a:rPr lang="en-US" sz="2600" dirty="0" smtClean="0"/>
+              <a:t>5.</a:t>
+            </a:r>
+            <a:r>
+              <a:rPr lang="en-US" sz="2800" dirty="0" smtClean="0"/>
+              <a:t> </a:t>
+            </a:r>
+            <a:r>
+              <a:rPr lang="en-US" sz="2000" b="1" dirty="0">
+                <a:solidFill>
+                  <a:srgbClr val="008080"/>
+                </a:solidFill>
+                <a:highlight>
+                  <a:srgbClr val="FFFFFF"/>
+                </a:highlight>
+                <a:latin typeface="Lucida Console" panose="020B0609040504020204" pitchFamily="49" charset="0"/>
+              </a:rPr>
+              <a:t>select</a:t>
+            </a:r>
+            <a:r>
+              <a:rPr lang="en-US" sz="2000" b="1" dirty="0">
+                <a:solidFill>
+                  <a:srgbClr val="000080"/>
+                </a:solidFill>
+                <a:highlight>
+                  <a:srgbClr val="FFFFFF"/>
+                </a:highlight>
+                <a:latin typeface="Lucida Console" panose="020B0609040504020204" pitchFamily="49" charset="0"/>
+              </a:rPr>
+              <a:t> </a:t>
+            </a:r>
+            <a:r>
+              <a:rPr lang="en-US" sz="2000" b="1" dirty="0" err="1">
+                <a:solidFill>
+                  <a:srgbClr val="000080"/>
+                </a:solidFill>
+                <a:highlight>
+                  <a:srgbClr val="FFFFFF"/>
+                </a:highlight>
+                <a:latin typeface="Lucida Console" panose="020B0609040504020204" pitchFamily="49" charset="0"/>
+              </a:rPr>
+              <a:t>database_name</a:t>
+            </a:r>
+            <a:r>
+              <a:rPr lang="en-US" sz="2000" b="1" dirty="0">
+                <a:solidFill>
+                  <a:srgbClr val="000080"/>
+                </a:solidFill>
+                <a:highlight>
+                  <a:srgbClr val="FFFFFF"/>
+                </a:highlight>
+                <a:latin typeface="Lucida Console" panose="020B0609040504020204" pitchFamily="49" charset="0"/>
+              </a:rPr>
+              <a:t>, </a:t>
+            </a:r>
+            <a:r>
+              <a:rPr lang="en-US" sz="2000" b="1" dirty="0">
+                <a:solidFill>
+                  <a:srgbClr val="008080"/>
+                </a:solidFill>
+                <a:highlight>
+                  <a:srgbClr val="FFFFFF"/>
+                </a:highlight>
+                <a:latin typeface="Lucida Console" panose="020B0609040504020204" pitchFamily="49" charset="0"/>
+              </a:rPr>
+              <a:t>value</a:t>
+            </a:r>
+            <a:r>
+              <a:rPr lang="en-US" sz="2000" b="1" dirty="0">
+                <a:solidFill>
+                  <a:srgbClr val="000080"/>
+                </a:solidFill>
+                <a:highlight>
+                  <a:srgbClr val="FFFFFF"/>
+                </a:highlight>
+                <a:latin typeface="Lucida Console" panose="020B0609040504020204" pitchFamily="49" charset="0"/>
+              </a:rPr>
+              <a:t> </a:t>
+            </a:r>
+            <a:r>
+              <a:rPr lang="en-US" sz="2000" b="1" dirty="0">
+                <a:solidFill>
+                  <a:srgbClr val="008080"/>
+                </a:solidFill>
+                <a:highlight>
+                  <a:srgbClr val="FFFFFF"/>
+                </a:highlight>
+                <a:latin typeface="Lucida Console" panose="020B0609040504020204" pitchFamily="49" charset="0"/>
+              </a:rPr>
+              <a:t>from</a:t>
+            </a:r>
+            <a:r>
+              <a:rPr lang="en-US" sz="2000" b="1" dirty="0">
+                <a:solidFill>
+                  <a:srgbClr val="000080"/>
+                </a:solidFill>
+                <a:highlight>
+                  <a:srgbClr val="FFFFFF"/>
+                </a:highlight>
+                <a:latin typeface="Lucida Console" panose="020B0609040504020204" pitchFamily="49" charset="0"/>
+              </a:rPr>
+              <a:t> m5_v$parameter </a:t>
+            </a:r>
+            <a:r>
+              <a:rPr lang="en-US" sz="2000" b="1" dirty="0">
+                <a:solidFill>
+                  <a:srgbClr val="008080"/>
+                </a:solidFill>
+                <a:highlight>
+                  <a:srgbClr val="FFFFFF"/>
+                </a:highlight>
+                <a:latin typeface="Lucida Console" panose="020B0609040504020204" pitchFamily="49" charset="0"/>
+              </a:rPr>
+              <a:t>where</a:t>
+            </a:r>
+            <a:r>
+              <a:rPr lang="en-US" sz="2000" b="1" dirty="0">
+                <a:solidFill>
+                  <a:srgbClr val="000080"/>
+                </a:solidFill>
+                <a:highlight>
+                  <a:srgbClr val="FFFFFF"/>
+                </a:highlight>
+                <a:latin typeface="Lucida Console" panose="020B0609040504020204" pitchFamily="49" charset="0"/>
+              </a:rPr>
+              <a:t> </a:t>
+            </a:r>
+            <a:r>
+              <a:rPr lang="en-US" sz="2000" b="1" dirty="0">
+                <a:solidFill>
+                  <a:srgbClr val="008080"/>
+                </a:solidFill>
+                <a:highlight>
+                  <a:srgbClr val="FFFFFF"/>
+                </a:highlight>
+                <a:latin typeface="Lucida Console" panose="020B0609040504020204" pitchFamily="49" charset="0"/>
+              </a:rPr>
+              <a:t>name</a:t>
+            </a:r>
+            <a:r>
+              <a:rPr lang="en-US" sz="2000" b="1" dirty="0">
+                <a:solidFill>
+                  <a:srgbClr val="000080"/>
+                </a:solidFill>
+                <a:highlight>
+                  <a:srgbClr val="FFFFFF"/>
+                </a:highlight>
+                <a:latin typeface="Lucida Console" panose="020B0609040504020204" pitchFamily="49" charset="0"/>
+              </a:rPr>
+              <a:t> = </a:t>
+            </a:r>
+            <a:r>
+              <a:rPr lang="en-US" sz="2000" b="1" dirty="0">
+                <a:solidFill>
+                  <a:srgbClr val="0000FF"/>
+                </a:solidFill>
+                <a:highlight>
+                  <a:srgbClr val="FFFFFF"/>
+                </a:highlight>
+                <a:latin typeface="Lucida Console" panose="020B0609040504020204" pitchFamily="49" charset="0"/>
+              </a:rPr>
+              <a:t>'</a:t>
+            </a:r>
+            <a:r>
+              <a:rPr lang="en-US" sz="2000" b="1" dirty="0" err="1">
+                <a:solidFill>
+                  <a:srgbClr val="0000FF"/>
+                </a:solidFill>
+                <a:highlight>
+                  <a:srgbClr val="FFFFFF"/>
+                </a:highlight>
+                <a:latin typeface="Lucida Console" panose="020B0609040504020204" pitchFamily="49" charset="0"/>
+              </a:rPr>
+              <a:t>sec_case_sensitive_logon</a:t>
+            </a:r>
+            <a:r>
+              <a:rPr lang="en-US" sz="2000" b="1" dirty="0">
+                <a:solidFill>
+                  <a:srgbClr val="0000FF"/>
+                </a:solidFill>
+                <a:highlight>
+                  <a:srgbClr val="FFFFFF"/>
+                </a:highlight>
+                <a:latin typeface="Lucida Console" panose="020B0609040504020204" pitchFamily="49" charset="0"/>
+              </a:rPr>
+              <a:t>'</a:t>
+            </a:r>
+            <a:r>
+              <a:rPr lang="en-US" sz="2000" b="1" dirty="0">
+                <a:solidFill>
+                  <a:srgbClr val="000080"/>
+                </a:solidFill>
+                <a:highlight>
+                  <a:srgbClr val="FFFFFF"/>
+                </a:highlight>
+                <a:latin typeface="Lucida Console" panose="020B0609040504020204" pitchFamily="49" charset="0"/>
+              </a:rPr>
+              <a:t>;</a:t>
+            </a:r>
+            <a:endParaRPr lang="en-US" sz="2000" b="1" dirty="0">
+              <a:latin typeface="Lucida Console" panose="020B0609040504020204" pitchFamily="49" charset="0"/>
+            </a:endParaRPr>
+          </a:p>
+          <a:p>
+            <a:pPr marL="0" indent="0">
+              <a:buNone/>
+            </a:pPr>
+            <a:r>
+              <a:rPr lang="en-US" sz="2600" dirty="0" smtClean="0"/>
+              <a:t>6. </a:t>
+            </a:r>
+            <a:r>
+              <a:rPr lang="en-US" sz="2000" b="1" dirty="0">
+                <a:solidFill>
+                  <a:srgbClr val="008080"/>
+                </a:solidFill>
+                <a:highlight>
+                  <a:srgbClr val="FFFFFF"/>
+                </a:highlight>
+                <a:latin typeface="Lucida Console" panose="020B0609040504020204" pitchFamily="49" charset="0"/>
+              </a:rPr>
+              <a:t>select</a:t>
+            </a:r>
+            <a:r>
+              <a:rPr lang="en-US" sz="2000" b="1" dirty="0">
+                <a:solidFill>
+                  <a:srgbClr val="000080"/>
+                </a:solidFill>
+                <a:highlight>
+                  <a:srgbClr val="FFFFFF"/>
+                </a:highlight>
+                <a:latin typeface="Lucida Console" panose="020B0609040504020204" pitchFamily="49" charset="0"/>
+              </a:rPr>
+              <a:t> * </a:t>
+            </a:r>
+            <a:r>
+              <a:rPr lang="en-US" sz="2000" b="1" dirty="0">
+                <a:solidFill>
+                  <a:srgbClr val="008080"/>
+                </a:solidFill>
+                <a:highlight>
+                  <a:srgbClr val="FFFFFF"/>
+                </a:highlight>
+                <a:latin typeface="Lucida Console" panose="020B0609040504020204" pitchFamily="49" charset="0"/>
+              </a:rPr>
+              <a:t>from</a:t>
+            </a:r>
+            <a:r>
+              <a:rPr lang="en-US" sz="2000" b="1" dirty="0">
+                <a:solidFill>
+                  <a:srgbClr val="000080"/>
+                </a:solidFill>
+                <a:highlight>
+                  <a:srgbClr val="FFFFFF"/>
+                </a:highlight>
+                <a:latin typeface="Lucida Console" panose="020B0609040504020204" pitchFamily="49" charset="0"/>
+              </a:rPr>
+              <a:t> m5_dba_role_privs </a:t>
+            </a:r>
+            <a:r>
+              <a:rPr lang="en-US" sz="2000" b="1" dirty="0">
+                <a:solidFill>
+                  <a:srgbClr val="008080"/>
+                </a:solidFill>
+                <a:highlight>
+                  <a:srgbClr val="FFFFFF"/>
+                </a:highlight>
+                <a:latin typeface="Lucida Console" panose="020B0609040504020204" pitchFamily="49" charset="0"/>
+              </a:rPr>
+              <a:t>where</a:t>
+            </a:r>
+            <a:r>
+              <a:rPr lang="en-US" sz="2000" b="1" dirty="0">
+                <a:solidFill>
+                  <a:srgbClr val="000080"/>
+                </a:solidFill>
+                <a:highlight>
+                  <a:srgbClr val="FFFFFF"/>
+                </a:highlight>
+                <a:latin typeface="Lucida Console" panose="020B0609040504020204" pitchFamily="49" charset="0"/>
+              </a:rPr>
+              <a:t> </a:t>
+            </a:r>
+            <a:r>
+              <a:rPr lang="en-US" sz="2000" b="1" dirty="0" err="1">
+                <a:solidFill>
+                  <a:srgbClr val="000080"/>
+                </a:solidFill>
+                <a:highlight>
+                  <a:srgbClr val="FFFFFF"/>
+                </a:highlight>
+                <a:latin typeface="Lucida Console" panose="020B0609040504020204" pitchFamily="49" charset="0"/>
+              </a:rPr>
+              <a:t>granted_role</a:t>
+            </a:r>
+            <a:r>
+              <a:rPr lang="en-US" sz="2000" b="1" dirty="0">
+                <a:solidFill>
+                  <a:srgbClr val="000080"/>
+                </a:solidFill>
+                <a:highlight>
+                  <a:srgbClr val="FFFFFF"/>
+                </a:highlight>
+                <a:latin typeface="Lucida Console" panose="020B0609040504020204" pitchFamily="49" charset="0"/>
+              </a:rPr>
+              <a:t> = </a:t>
+            </a:r>
+            <a:r>
+              <a:rPr lang="en-US" sz="2000" b="1" dirty="0">
+                <a:solidFill>
+                  <a:srgbClr val="0000FF"/>
+                </a:solidFill>
+                <a:highlight>
+                  <a:srgbClr val="FFFFFF"/>
+                </a:highlight>
+                <a:latin typeface="Lucida Console" panose="020B0609040504020204" pitchFamily="49" charset="0"/>
+              </a:rPr>
+              <a:t>'DBA</a:t>
+            </a:r>
+            <a:r>
+              <a:rPr lang="en-US" sz="2000" b="1" dirty="0" smtClean="0">
+                <a:solidFill>
+                  <a:srgbClr val="0000FF"/>
+                </a:solidFill>
+                <a:highlight>
+                  <a:srgbClr val="FFFFFF"/>
+                </a:highlight>
+                <a:latin typeface="Lucida Console" panose="020B0609040504020204" pitchFamily="49" charset="0"/>
+              </a:rPr>
+              <a:t>'</a:t>
+            </a:r>
+            <a:r>
+              <a:rPr lang="en-US" sz="2000" b="1" dirty="0" smtClean="0">
+                <a:solidFill>
+                  <a:srgbClr val="000080"/>
+                </a:solidFill>
+                <a:highlight>
+                  <a:srgbClr val="FFFFFF"/>
+                </a:highlight>
+                <a:latin typeface="Lucida Console" panose="020B0609040504020204" pitchFamily="49" charset="0"/>
+              </a:rPr>
+              <a:t>;</a:t>
+            </a:r>
+            <a:endParaRPr lang="en-US" sz="2000" b="1" dirty="0">
+              <a:latin typeface="Lucida Console" panose="020B0609040504020204" pitchFamily="49" charset="0"/>
+            </a:endParaRPr>
+          </a:p>
+        </p:txBody>
+      </p:sp>
+      <p:sp>
+        <p:nvSpPr>
+          <p:cNvPr id="4" name="Date Placeholder 3"/>
+          <p:cNvSpPr>
+            <a:spLocks noGrp="1"/>
+          </p:cNvSpPr>
+          <p:nvPr>
+            <p:ph type="dt" sz="half" idx="10"/>
           </p:nvPr>
         </p:nvSpPr>
         <p:spPr/>
         <p:txBody>
-          <a:bodyPr>
-            <a:normAutofit/>
-          </a:bodyPr>
-          <a:lstStyle/>
-          <a:p>
-            <a:pPr marL="514350" indent="-514350">
-              <a:buFont typeface="+mj-lt"/>
-              <a:buAutoNum type="arabicPeriod"/>
-            </a:pPr>
-            <a:r>
-              <a:rPr lang="en-US" dirty="0" smtClean="0"/>
-              <a:t>Remote execution is not just faster</a:t>
-            </a:r>
-          </a:p>
-          <a:p>
-            <a:pPr marL="514350" indent="-514350">
-              <a:buFont typeface="+mj-lt"/>
-              <a:buAutoNum type="arabicPeriod"/>
-            </a:pPr>
-            <a:r>
-              <a:rPr lang="en-US" dirty="0" smtClean="0"/>
-              <a:t>Find, fix, and prevent all problems on all databases</a:t>
-            </a:r>
-          </a:p>
-          <a:p>
-            <a:pPr marL="514350" indent="-514350">
-              <a:buFont typeface="+mj-lt"/>
-              <a:buAutoNum type="arabicPeriod"/>
-            </a:pPr>
-            <a:r>
-              <a:rPr lang="en-US" dirty="0" smtClean="0"/>
-              <a:t>Be proactive (preventive maintenance)</a:t>
-            </a:r>
-          </a:p>
-          <a:p>
-            <a:pPr marL="514350" indent="-514350">
-              <a:buFont typeface="+mj-lt"/>
-              <a:buAutoNum type="arabicPeriod"/>
-            </a:pPr>
-            <a:r>
-              <a:rPr lang="en-US" dirty="0" smtClean="0"/>
-              <a:t>Work on only ONE database</a:t>
-            </a:r>
-          </a:p>
-        </p:txBody>
-      </p:sp>
-      <p:sp>
-        <p:nvSpPr>
-          <p:cNvPr id="4" name="Date Placeholder 3"/>
-          <p:cNvSpPr>
-            <a:spLocks noGrp="1"/>
-          </p:cNvSpPr>
-          <p:nvPr>
-            <p:ph type="dt" sz="half" idx="10"/>
-          </p:nvPr>
-        </p:nvSpPr>
-        <p:spPr/>
-        <p:txBody>
           <a:bodyPr/>
           <a:lstStyle/>
           <a:p>
             <a:r>
               <a:rPr lang="en-US" smtClean="0"/>
-              <a:t>2018-06-06</a:t>
+              <a:t>2018-06-09</a:t>
             </a:r>
             <a:endParaRPr lang="en-US" dirty="0"/>
           </a:p>
@@ -14427,7 +15200,7 @@
     </p:spTree>
     <p:extLst>
       <p:ext uri="{BB962C8B-B14F-4D97-AF65-F5344CB8AC3E}">
-        <p14:creationId xmlns:p14="http://schemas.microsoft.com/office/powerpoint/2010/main" val="925545148"/>
+        <p14:creationId xmlns:p14="http://schemas.microsoft.com/office/powerpoint/2010/main" val="2022272858"/>
       </p:ext>
     </p:extLst>
   </p:cSld>
@@ -14480,11 +15253,180 @@
           <a:p>
             <a:r>
               <a:rPr lang="en-US" dirty="0" smtClean="0"/>
-              <a:t>Download It Now</a:t>
-            </a:r>
-            <a:r>
-              <a:rPr lang="en-US" dirty="0" smtClean="0"/>
-              <a:t>:</a:t>
+              <a:t>Your New Mission:</a:t>
+            </a:r>
+            <a:br>
+              <a:rPr lang="en-US" dirty="0" smtClean="0"/>
+            </a:br>
+            <a:r>
+              <a:rPr lang="en-US" dirty="0" smtClean="0"/>
+              <a:t>Automate Everything</a:t>
+            </a:r>
+            <a:endParaRPr lang="en-US" dirty="0"/>
+          </a:p>
+        </p:txBody>
+      </p:sp>
+      <p:sp>
+        <p:nvSpPr>
+          <p:cNvPr id="3" name="Content Placeholder 2"/>
+          <p:cNvSpPr>
+            <a:spLocks noGrp="1"/>
+          </p:cNvSpPr>
+          <p:nvPr>
+            <p:ph idx="1"/>
+          </p:nvPr>
+        </p:nvSpPr>
+        <p:spPr/>
+        <p:txBody>
+          <a:bodyPr>
+            <a:normAutofit/>
+          </a:bodyPr>
+          <a:lstStyle/>
+          <a:p>
+            <a:pPr marL="514350" indent="-514350">
+              <a:buFont typeface="+mj-lt"/>
+              <a:buAutoNum type="arabicPeriod"/>
+            </a:pPr>
+            <a:r>
+              <a:rPr lang="en-US" dirty="0" smtClean="0"/>
+              <a:t>Remote execution is not just faster</a:t>
+            </a:r>
+          </a:p>
+          <a:p>
+            <a:pPr marL="514350" indent="-514350">
+              <a:buFont typeface="+mj-lt"/>
+              <a:buAutoNum type="arabicPeriod"/>
+            </a:pPr>
+            <a:r>
+              <a:rPr lang="en-US" dirty="0" smtClean="0"/>
+              <a:t>Find, fix, and prevent all problems on all databases</a:t>
+            </a:r>
+          </a:p>
+          <a:p>
+            <a:pPr marL="514350" indent="-514350">
+              <a:buFont typeface="+mj-lt"/>
+              <a:buAutoNum type="arabicPeriod"/>
+            </a:pPr>
+            <a:r>
+              <a:rPr lang="en-US" dirty="0" smtClean="0"/>
+              <a:t>Be proactive (preventive maintenance)</a:t>
+            </a:r>
+          </a:p>
+          <a:p>
+            <a:pPr marL="514350" indent="-514350">
+              <a:buFont typeface="+mj-lt"/>
+              <a:buAutoNum type="arabicPeriod"/>
+            </a:pPr>
+            <a:r>
+              <a:rPr lang="en-US" dirty="0" smtClean="0"/>
+              <a:t>Work on only ONE database</a:t>
+            </a:r>
+          </a:p>
+        </p:txBody>
+      </p:sp>
+      <p:sp>
+        <p:nvSpPr>
+          <p:cNvPr id="4" name="Date Placeholder 3"/>
+          <p:cNvSpPr>
+            <a:spLocks noGrp="1"/>
+          </p:cNvSpPr>
+          <p:nvPr>
+            <p:ph type="dt" sz="half" idx="10"/>
+          </p:nvPr>
+        </p:nvSpPr>
+        <p:spPr/>
+        <p:txBody>
+          <a:bodyPr/>
+          <a:lstStyle/>
+          <a:p>
+            <a:r>
+              <a:rPr lang="en-US" smtClean="0"/>
+              <a:t>2018-06-09</a:t>
+            </a:r>
+            <a:endParaRPr lang="en-US" dirty="0"/>
+          </a:p>
+        </p:txBody>
+      </p:sp>
+      <p:sp>
+        <p:nvSpPr>
+          <p:cNvPr id="5" name="Slide Number Placeholder 4"/>
+          <p:cNvSpPr>
+            <a:spLocks noGrp="1"/>
+          </p:cNvSpPr>
+          <p:nvPr>
+            <p:ph type="sldNum" sz="quarter" idx="12"/>
+          </p:nvPr>
+        </p:nvSpPr>
+        <p:spPr/>
+        <p:txBody>
+          <a:bodyPr/>
+          <a:lstStyle/>
+          <a:p>
+            <a:fld id="{05869706-863E-4BD1-B682-3CD80F60367B}" type="slidenum">
+              <a:rPr lang="en-US" smtClean="0"/>
+              <a:t>25</a:t>
+            </a:fld>
+            <a:endParaRPr lang="en-US"/>
+          </a:p>
+        </p:txBody>
+      </p:sp>
+    </p:spTree>
+    <p:extLst>
+      <p:ext uri="{BB962C8B-B14F-4D97-AF65-F5344CB8AC3E}">
+        <p14:creationId xmlns:p14="http://schemas.microsoft.com/office/powerpoint/2010/main" val="925545148"/>
+      </p:ext>
+    </p:extLst>
+  </p:cSld>
+  <p:clrMapOvr>
+    <a:masterClrMapping/>
+  </p:clrMapOvr>
+  <p:timing>
+    <p:tnLst>
+      <p:par>
+        <p:cTn id="1" dur="indefinite" restart="never" nodeType="tmRoot"/>
+      </p:par>
+    </p:tnLst>
+  </p:timing>
+</p:sld>
+</file>
+
+<file path=ppt/slides/slide26.xml><?xml version="1.0" encoding="utf-8"?>
+<p:sld xmlns:a="http://schemas.openxmlformats.org/drawingml/2006/main" xmlns:r="http://schemas.openxmlformats.org/officeDocument/2006/relationships" xmlns:p="http://schemas.openxmlformats.org/presentationml/2006/main">
+  <p:cSld>
+    <p:spTree>
+      <p:nvGrpSpPr>
+        <p:cNvPr id="1" name=""/>
+        <p:cNvGrpSpPr/>
+        <p:nvPr/>
+      </p:nvGrpSpPr>
+      <p:grpSpPr>
+        <a:xfrm>
+          <a:off x="0" y="0"/>
+          <a:ext cx="0" cy="0"/>
+          <a:chOff x="0" y="0"/>
+          <a:chExt cx="0" cy="0"/>
+        </a:xfrm>
+      </p:grpSpPr>
+      <p:sp>
+        <p:nvSpPr>
+          <p:cNvPr id="2" name="Title 1"/>
+          <p:cNvSpPr>
+            <a:spLocks noGrp="1"/>
+          </p:cNvSpPr>
+          <p:nvPr>
+            <p:ph type="title"/>
+          </p:nvPr>
+        </p:nvSpPr>
+        <p:spPr/>
+        <p:txBody>
+          <a:bodyPr>
+            <a:normAutofit fontScale="90000"/>
+          </a:bodyPr>
+          <a:lstStyle/>
+          <a:p>
+            <a:r>
+              <a:rPr lang="en-US" dirty="0" smtClean="0"/>
+              <a:t>Download It Now:</a:t>
             </a:r>
             <a:br>
               <a:rPr lang="en-US" dirty="0" smtClean="0"/>
@@ -14533,13 +15475,8 @@
             </a:pPr>
             <a:r>
               <a:rPr lang="en-US" dirty="0" smtClean="0"/>
-              <a:t>Everything </a:t>
-            </a:r>
-            <a:r>
-              <a:rPr lang="en-US" dirty="0" smtClean="0"/>
-              <a:t>is open source and free</a:t>
-            </a:r>
-            <a:endParaRPr lang="en-US" dirty="0" smtClean="0"/>
+              <a:t>Everything is open source and free</a:t>
+            </a:r>
           </a:p>
           <a:p>
             <a:pPr marL="514350" indent="-514350">
@@ -14613,7 +15550,7 @@
           <a:p>
             <a:r>
               <a:rPr lang="en-US" smtClean="0"/>
-              <a:t>2018-06-06</a:t>
+              <a:t>2018-06-09</a:t>
             </a:r>
             <a:endParaRPr lang="en-US"/>
           </a:p>
@@ -14636,7 +15573,7 @@
           <a:p>
             <a:fld id="{05869706-863E-4BD1-B682-3CD80F60367B}" type="slidenum">
               <a:rPr lang="en-US" smtClean="0"/>
-              <a:t>25</a:t>
+              <a:t>26</a:t>
             </a:fld>
             <a:endParaRPr lang="en-US"/>
           </a:p>
@@ -14857,7 +15794,7 @@
           <a:p>
             <a:r>
               <a:rPr lang="en-US" smtClean="0"/>
-              <a:t>2018-06-06</a:t>
+              <a:t>2018-06-09</a:t>
             </a:r>
             <a:endParaRPr lang="en-US" dirty="0"/>
           </a:p>
@@ -15154,7 +16091,7 @@
           <a:p>
             <a:r>
               <a:rPr lang="en-US" smtClean="0"/>
-              <a:t>2018-06-06</a:t>
+              <a:t>2018-06-09</a:t>
             </a:r>
             <a:endParaRPr lang="en-US" dirty="0"/>
           </a:p>
@@ -15591,7 +16528,6 @@
               <a:rPr lang="en-US" dirty="0" smtClean="0"/>
               <a:t>are automated</a:t>
             </a:r>
-            <a:endParaRPr lang="en-US" dirty="0" smtClean="0"/>
           </a:p>
           <a:p>
             <a:pPr marL="514350" indent="-514350">
@@ -15600,7 +16536,15 @@
             </a:pPr>
             <a:r>
               <a:rPr lang="en-US" dirty="0"/>
-              <a:t>Tools are slow, </a:t>
+              <a:t>Tools are </a:t>
+            </a:r>
+            <a:r>
+              <a:rPr lang="en-US" dirty="0" smtClean="0"/>
+              <a:t>often slow</a:t>
+            </a:r>
+            <a:r>
+              <a:rPr lang="en-US" dirty="0"/>
+              <a:t>, </a:t>
             </a:r>
             <a:r>
               <a:rPr lang="en-US" dirty="0" smtClean="0"/>
@@ -15976,7 +16920,7 @@
           <a:p>
             <a:r>
               <a:rPr lang="en-US" smtClean="0"/>
-              <a:t>2018-06-06</a:t>
+              <a:t>2018-06-09</a:t>
             </a:r>
             <a:endParaRPr lang="en-US" dirty="0"/>
           </a:p>
@@ -16848,7 +17792,7 @@
                 </a:highlight>
                 <a:latin typeface="Courier New"/>
               </a:rPr>
-              <a:t>);</a:t>
+              <a:t>  );</a:t>
             </a:r>
             <a:endParaRPr lang="en-US" sz="4000" b="1" dirty="0">
               <a:solidFill>
@@ -16934,7 +17878,7 @@
           <a:p>
             <a:r>
               <a:rPr lang="en-US" smtClean="0"/>
-              <a:t>2018-06-06</a:t>
+              <a:t>2018-06-09</a:t>
             </a:r>
             <a:endParaRPr lang="en-US" dirty="0"/>
           </a:p>
@@ -17260,7 +18204,7 @@
           <a:p>
             <a:r>
               <a:rPr lang="en-US" smtClean="0"/>
-              <a:t>2018-06-06</a:t>
+              <a:t>2018-06-09</a:t>
             </a:r>
             <a:endParaRPr lang="en-US" dirty="0"/>
           </a:p>
@@ -17353,6 +18297,13 @@
   <p:clrMapOvr>
     <a:masterClrMapping/>
   </p:clrMapOvr>
+  <p:timing>
+    <p:tnLst>
+      <p:par>
+        <p:cTn id="1" dur="indefinite" restart="never" nodeType="tmRoot"/>
+      </p:par>
+    </p:tnLst>
+  </p:timing>
 </p:sld>
 </file>
 
@@ -17390,11 +18341,7 @@
           <a:p>
             <a:r>
               <a:rPr lang="en-US" dirty="0" smtClean="0"/>
-              <a:t>Simple </a:t>
-            </a:r>
-            <a:r>
-              <a:rPr lang="en-US" dirty="0" smtClean="0"/>
-              <a:t>Example - Procedure</a:t>
+              <a:t>Simple Example - Procedure</a:t>
             </a:r>
             <a:endParaRPr lang="en-US" dirty="0"/>
           </a:p>
@@ -17417,7 +18364,7 @@
           <a:p>
             <a:r>
               <a:rPr lang="en-US" smtClean="0"/>
-              <a:t>2018-06-06</a:t>
+              <a:t>2018-06-09</a:t>
             </a:r>
             <a:endParaRPr lang="en-US" dirty="0"/>
           </a:p>
@@ -17718,7 +18665,7 @@
           <a:p>
             <a:r>
               <a:rPr lang="en-US" smtClean="0"/>
-              <a:t>2018-06-06</a:t>
+              <a:t>2018-06-09</a:t>
             </a:r>
             <a:endParaRPr lang="en-US"/>
           </a:p>

--- a/presentations/Method5.pptx
+++ b/presentations/Method5.pptx
@@ -16,9 +16,9 @@
     <p:sldId id="269" r:id="rId4"/>
     <p:sldId id="288" r:id="rId5"/>
     <p:sldId id="259" r:id="rId6"/>
-    <p:sldId id="271" r:id="rId7"/>
-    <p:sldId id="287" r:id="rId8"/>
-    <p:sldId id="281" r:id="rId9"/>
+    <p:sldId id="287" r:id="rId7"/>
+    <p:sldId id="281" r:id="rId8"/>
+    <p:sldId id="271" r:id="rId9"/>
     <p:sldId id="261" r:id="rId10"/>
     <p:sldId id="270" r:id="rId11"/>
     <p:sldId id="280" r:id="rId12"/>
@@ -220,7 +220,7 @@
           <a:p>
             <a:fld id="{E8184847-EC06-4734-8E30-343A2DA340C9}" type="datetimeFigureOut">
               <a:rPr lang="en-US" smtClean="0"/>
-              <a:t>6/8/2018</a:t>
+              <a:t>2/20/2019</a:t>
             </a:fld>
             <a:endParaRPr lang="en-US"/>
           </a:p>
@@ -385,7 +385,7 @@
           <a:p>
             <a:fld id="{DC284B00-8F05-4CB2-A4E6-4A642AFA915E}" type="datetimeFigureOut">
               <a:rPr lang="en-US" smtClean="0"/>
-              <a:t>6/8/2018</a:t>
+              <a:t>2/20/2019</a:t>
             </a:fld>
             <a:endParaRPr lang="en-US"/>
           </a:p>
@@ -1924,19 +1924,11 @@
             </a:pPr>
             <a:r>
               <a:rPr lang="en-US" dirty="0" smtClean="0"/>
-              <a:t>You've </a:t>
-            </a:r>
-            <a:r>
-              <a:rPr lang="en-US" dirty="0" smtClean="0"/>
-              <a:t>probably seen this problem solved poorly many times before, you should be skeptical.  There are a lot of horrible ways to run</a:t>
+              <a:t>You've probably seen this problem solved poorly many times before, you should be skeptical.  There are a lot of horrible ways to run</a:t>
             </a:r>
             <a:r>
               <a:rPr lang="en-US" baseline="0" dirty="0" smtClean="0"/>
-              <a:t> commands on multiple targets</a:t>
-            </a:r>
-            <a:r>
-              <a:rPr lang="en-US" baseline="0" dirty="0" smtClean="0"/>
-              <a:t>.  Creating a good solution took a lot of time and a lot of missteps.</a:t>
+              <a:t> commands on multiple targets.  Creating a good solution took a lot of time and a lot of missteps.</a:t>
             </a:r>
           </a:p>
           <a:p>
@@ -1992,15 +1984,7 @@
             </a:r>
             <a:r>
               <a:rPr lang="en-US" baseline="0" dirty="0" smtClean="0"/>
-              <a:t>At </a:t>
-            </a:r>
-            <a:r>
-              <a:rPr lang="en-US" baseline="0" dirty="0" smtClean="0"/>
-              <a:t>Ventech Solutions it's </a:t>
-            </a:r>
-            <a:r>
-              <a:rPr lang="en-US" baseline="0" dirty="0" smtClean="0"/>
-              <a:t>been used to manage over 400 databases.  The program has run more than 15 million commands, and helps manage 1 petabyte of data.  Dozens of people, from several different teams, have used the program.</a:t>
+              <a:t>At Ventech Solutions it's been used to manage over 400 databases.  The program has run more than 15 million commands, and helps manage 1 petabyte of data.  Dozens of people, from several different teams, have used the program.</a:t>
             </a:r>
             <a:endParaRPr lang="en-US" dirty="0"/>
           </a:p>
@@ -2158,11 +2142,7 @@
             </a:pPr>
             <a:r>
               <a:rPr lang="en-US" baseline="0" dirty="0" smtClean="0"/>
-              <a:t>6. Oracle Data Cartridge is the magic (or at least cryptic) piece that allows Method5 to extend Oracle SQL.  It provides the ability to return "anything", dynamically, in a SQL context.  Running dynamic SQL in SQL is much harder than it sounds</a:t>
-            </a:r>
-            <a:r>
-              <a:rPr lang="en-US" baseline="0" dirty="0" smtClean="0"/>
-              <a:t>.</a:t>
+              <a:t>6. Oracle Data Cartridge is the magic (or at least cryptic) piece that allows Method5 to extend Oracle SQL.  It provides the ability to return "anything", dynamically, in a SQL context.  Running dynamic SQL in SQL is much harder than it sounds.</a:t>
             </a:r>
           </a:p>
           <a:p>
@@ -2361,15 +2341,7 @@
             </a:r>
             <a:r>
               <a:rPr lang="en-US" baseline="0" dirty="0" smtClean="0"/>
-              <a:t> management database that can communicate with all other database.  </a:t>
-            </a:r>
-            <a:r>
-              <a:rPr lang="en-US" baseline="0" dirty="0" smtClean="0"/>
-              <a:t>(If you don't have that, take a look at Oracle Connection Manager.  It's a free program that you can use as a proxy for database connections.)  You </a:t>
-            </a:r>
-            <a:r>
-              <a:rPr lang="en-US" baseline="0" dirty="0" smtClean="0"/>
-              <a:t>must have SYSDBA to install, and DBA privileges to use.  Any currently-supported platform, version, or edition will work.  (And probably some unsupported ones also.)  For testing you only need a single database - the default installation will create some fake links that simulate a multi-database environment.</a:t>
+              <a:t> management database that can communicate with all other database.  (If you don't have that, take a look at Oracle Connection Manager.  It's a free program that you can use as a proxy for database connections.)  You must have SYSDBA to install, and DBA privileges to use.  Any currently-supported platform, version, or edition will work.  (And probably some unsupported ones also.)  For testing you only need a single database - the default installation will create some fake links that simulate a multi-database environment.</a:t>
             </a:r>
           </a:p>
           <a:p>
@@ -4071,12 +4043,7 @@
             <p:ph type="sldImg"/>
           </p:nvPr>
         </p:nvSpPr>
-        <p:spPr>
-          <a:xfrm>
-            <a:off x="381000" y="685800"/>
-            <a:ext cx="6096000" cy="3429000"/>
-          </a:xfrm>
-        </p:spPr>
+        <p:spPr/>
       </p:sp>
       <p:sp>
         <p:nvSpPr>
@@ -4094,62 +4061,21 @@
           <a:lstStyle/>
           <a:p>
             <a:r>
-              <a:rPr lang="en-US" b="0" dirty="0" smtClean="0"/>
-              <a:t>Method5</a:t>
-            </a:r>
-            <a:r>
-              <a:rPr lang="en-US" b="0" baseline="0" dirty="0" smtClean="0"/>
-              <a:t> can be run as either a function or a procedure.  They let you specify </a:t>
-            </a:r>
-            <a:r>
-              <a:rPr lang="en-US" b="1" baseline="0" dirty="0" smtClean="0"/>
-              <a:t>what</a:t>
-            </a:r>
-            <a:r>
-              <a:rPr lang="en-US" b="0" baseline="0" dirty="0" smtClean="0"/>
-              <a:t> to run, </a:t>
-            </a:r>
-            <a:r>
-              <a:rPr lang="en-US" b="1" baseline="0" dirty="0" smtClean="0"/>
-              <a:t>where</a:t>
-            </a:r>
-            <a:r>
-              <a:rPr lang="en-US" b="0" baseline="0" dirty="0" smtClean="0"/>
-              <a:t> to run, and </a:t>
-            </a:r>
-            <a:r>
-              <a:rPr lang="en-US" b="1" baseline="0" dirty="0" smtClean="0"/>
-              <a:t>how</a:t>
-            </a:r>
-            <a:r>
-              <a:rPr lang="en-US" b="0" baseline="0" dirty="0" smtClean="0"/>
-              <a:t> to run</a:t>
-            </a:r>
-            <a:r>
-              <a:rPr lang="en-US" b="0" dirty="0" smtClean="0"/>
-              <a:t>.</a:t>
-            </a:r>
-            <a:r>
-              <a:rPr lang="en-US" b="0" baseline="0" dirty="0" smtClean="0"/>
-              <a:t>  The function returns results immediately.  The procedure </a:t>
-            </a:r>
-            <a:r>
-              <a:rPr lang="en-US" dirty="0" smtClean="0"/>
-              <a:t>saves the results in background tables, and it gives you more control over how the commands are run.</a:t>
-            </a:r>
-            <a:endParaRPr lang="en-US" b="0" dirty="0" smtClean="0"/>
-          </a:p>
-          <a:p>
-            <a:endParaRPr lang="en-US" b="1" dirty="0" smtClean="0"/>
-          </a:p>
-          <a:p>
-            <a:r>
-              <a:rPr lang="en-US" dirty="0" smtClean="0"/>
-              <a:t>Running as a function is simple and neat,</a:t>
+              <a:rPr lang="en-US" dirty="0" smtClean="0"/>
+              <a:t>This screenshot shows a full example of</a:t>
             </a:r>
             <a:r>
               <a:rPr lang="en-US" baseline="0" dirty="0" smtClean="0"/>
-              <a:t> but in practice advanced users will normally want to run things as a procedure.  Running as a procedure makes it asynchronous, which is good for large jobs you don't want to wait for.  It also makes it possible to schedule and chain tasks.</a:t>
+              <a:t> the function interface.  The function interface looks cooler, but in practice you'll most likely want to use the procedure interface.</a:t>
+            </a:r>
+          </a:p>
+          <a:p>
+            <a:endParaRPr lang="en-US" baseline="0" dirty="0" smtClean="0"/>
+          </a:p>
+          <a:p>
+            <a:r>
+              <a:rPr lang="en-US" baseline="0" dirty="0" smtClean="0"/>
+              <a:t>All the rows are returned to the SQL client, in this case SQL Developer.  The results look just like a normal table.</a:t>
             </a:r>
             <a:endParaRPr lang="en-US" dirty="0"/>
           </a:p>
@@ -4181,7 +4107,7 @@
     </p:spTree>
     <p:extLst>
       <p:ext uri="{BB962C8B-B14F-4D97-AF65-F5344CB8AC3E}">
-        <p14:creationId xmlns:p14="http://schemas.microsoft.com/office/powerpoint/2010/main" val="3520608180"/>
+        <p14:creationId xmlns:p14="http://schemas.microsoft.com/office/powerpoint/2010/main" val="3846567511"/>
       </p:ext>
     </p:extLst>
   </p:cSld>
@@ -4237,27 +4163,345 @@
           <a:p>
             <a:r>
               <a:rPr lang="en-US" dirty="0" smtClean="0"/>
-              <a:t>This screenshot shows a full example of</a:t>
+              <a:t>This screenshot is a complete example</a:t>
             </a:r>
             <a:r>
               <a:rPr lang="en-US" baseline="0" dirty="0" smtClean="0"/>
-              <a:t> the function interface</a:t>
-            </a:r>
+              <a:t> of a simple query that can be used to show what databases are responding.</a:t>
+            </a:r>
+          </a:p>
+          <a:p>
+            <a:endParaRPr lang="en-US" baseline="0" dirty="0" smtClean="0"/>
+          </a:p>
+          <a:p>
             <a:r>
               <a:rPr lang="en-US" baseline="0" dirty="0" smtClean="0"/>
-              <a:t>.  The function interface looks cooler, but in practice you'll most likely want to use the procedure interface.</a:t>
-            </a:r>
+              <a:t>1. First the simple SELECT statement is run through the asynchronous procedure M5_PROC.</a:t>
+            </a:r>
+          </a:p>
+          <a:p>
+            <a:r>
+              <a:rPr lang="en-US" baseline="0" dirty="0" smtClean="0"/>
+              <a:t>2. Next the M5_METADATA table is queried.  Since jobs are still running in the background, IS_COMPLETE is still set to No, and the TARGETS_COMPLETED does not equal the TARGETS_EXPECTED yet.  You'll probably want to query this view a few times to watch the progress of the background jobs.  (Not shown on the screenshot are some other columns like TARGETS_WITH_ERRORS, NUM_ROWS, CODE, and TARGETS.)</a:t>
+            </a:r>
+          </a:p>
+          <a:p>
+            <a:r>
+              <a:rPr lang="en-US" baseline="0" dirty="0" smtClean="0"/>
+              <a:t>3. The current results can be queried in M5_RESULTS.  It returns the same columns as the input query, as well as a column for the DATABASE_NAME.</a:t>
+            </a:r>
+          </a:p>
+          <a:p>
+            <a:r>
+              <a:rPr lang="en-US" baseline="0" dirty="0" smtClean="0"/>
+              <a:t>4. M5_ERRORS shows any errors generated while trying to run the query. With a large number of databases it's common for some of them to be unavailable due to maintenance or unexpected errors.  A few databases with errors don't stop the other databases from returning results.</a:t>
+            </a:r>
+          </a:p>
+          <a:p>
             <a:endParaRPr lang="en-US" baseline="0" dirty="0" smtClean="0"/>
           </a:p>
           <a:p>
+            <a:r>
+              <a:rPr lang="en-US" baseline="0" dirty="0" smtClean="0"/>
+              <a:t>(The screenshot does not show all the columns and values because it's hard to fit them on a screen.  The example uses SQL*Plus for its simple text formatting, but in practice you will probably want to use an IDE like PL/SQL Developer, Toad, Oracle SQL Developer, etc.  The exact same code will run on any IDE.)</a:t>
+            </a:r>
+          </a:p>
+          <a:p>
             <a:endParaRPr lang="en-US" baseline="0" dirty="0" smtClean="0"/>
           </a:p>
           <a:p>
             <a:r>
               <a:rPr lang="en-US" baseline="0" dirty="0" smtClean="0"/>
-              <a:t>All the rows are returned to the SQL client, in this case SQL Developer.  The results look just like a normal table.</a:t>
-            </a:r>
-            <a:endParaRPr lang="en-US" dirty="0"/>
+              <a:t>If you want to reproduce this example yourself, here's the full code and SQL*Plus commands to format results:</a:t>
+            </a:r>
+          </a:p>
+          <a:p>
+            <a:endParaRPr lang="en-US" baseline="0" dirty="0" smtClean="0"/>
+          </a:p>
+          <a:p>
+            <a:r>
+              <a:rPr lang="en-US" sz="1000" i="1" baseline="0" dirty="0" smtClean="0">
+                <a:latin typeface="Courier New" panose="02070309020205020404" pitchFamily="49" charset="0"/>
+                <a:cs typeface="Courier New" panose="02070309020205020404" pitchFamily="49" charset="0"/>
+              </a:rPr>
+              <a:t>set </a:t>
+            </a:r>
+            <a:r>
+              <a:rPr lang="en-US" sz="1000" i="1" baseline="0" dirty="0" err="1" smtClean="0">
+                <a:latin typeface="Courier New" panose="02070309020205020404" pitchFamily="49" charset="0"/>
+                <a:cs typeface="Courier New" panose="02070309020205020404" pitchFamily="49" charset="0"/>
+              </a:rPr>
+              <a:t>sqlprompt</a:t>
+            </a:r>
+            <a:r>
+              <a:rPr lang="en-US" sz="1000" i="1" baseline="0" dirty="0" smtClean="0">
+                <a:latin typeface="Courier New" panose="02070309020205020404" pitchFamily="49" charset="0"/>
+                <a:cs typeface="Courier New" panose="02070309020205020404" pitchFamily="49" charset="0"/>
+              </a:rPr>
+              <a:t> "&gt; "</a:t>
+            </a:r>
+          </a:p>
+          <a:p>
+            <a:r>
+              <a:rPr lang="en-US" sz="1000" i="1" baseline="0" dirty="0" smtClean="0">
+                <a:latin typeface="Courier New" panose="02070309020205020404" pitchFamily="49" charset="0"/>
+                <a:cs typeface="Courier New" panose="02070309020205020404" pitchFamily="49" charset="0"/>
+              </a:rPr>
+              <a:t>column </a:t>
+            </a:r>
+            <a:r>
+              <a:rPr lang="en-US" sz="1000" i="1" baseline="0" dirty="0" err="1" smtClean="0">
+                <a:latin typeface="Courier New" panose="02070309020205020404" pitchFamily="49" charset="0"/>
+                <a:cs typeface="Courier New" panose="02070309020205020404" pitchFamily="49" charset="0"/>
+              </a:rPr>
+              <a:t>db_link_name</a:t>
+            </a:r>
+            <a:r>
+              <a:rPr lang="en-US" sz="1000" i="1" baseline="0" dirty="0" smtClean="0">
+                <a:latin typeface="Courier New" panose="02070309020205020404" pitchFamily="49" charset="0"/>
+                <a:cs typeface="Courier New" panose="02070309020205020404" pitchFamily="49" charset="0"/>
+              </a:rPr>
+              <a:t> format a12</a:t>
+            </a:r>
+          </a:p>
+          <a:p>
+            <a:r>
+              <a:rPr lang="en-US" sz="1000" i="1" baseline="0" dirty="0" smtClean="0">
+                <a:latin typeface="Courier New" panose="02070309020205020404" pitchFamily="49" charset="0"/>
+                <a:cs typeface="Courier New" panose="02070309020205020404" pitchFamily="49" charset="0"/>
+              </a:rPr>
+              <a:t>column </a:t>
+            </a:r>
+            <a:r>
+              <a:rPr lang="en-US" sz="1000" i="1" baseline="0" dirty="0" err="1" smtClean="0">
+                <a:latin typeface="Courier New" panose="02070309020205020404" pitchFamily="49" charset="0"/>
+                <a:cs typeface="Courier New" panose="02070309020205020404" pitchFamily="49" charset="0"/>
+              </a:rPr>
+              <a:t>database_name</a:t>
+            </a:r>
+            <a:r>
+              <a:rPr lang="en-US" sz="1000" i="1" baseline="0" dirty="0" smtClean="0">
+                <a:latin typeface="Courier New" panose="02070309020205020404" pitchFamily="49" charset="0"/>
+                <a:cs typeface="Courier New" panose="02070309020205020404" pitchFamily="49" charset="0"/>
+              </a:rPr>
+              <a:t> format a13</a:t>
+            </a:r>
+          </a:p>
+          <a:p>
+            <a:r>
+              <a:rPr lang="en-US" sz="1000" i="1" baseline="0" dirty="0" smtClean="0">
+                <a:latin typeface="Courier New" panose="02070309020205020404" pitchFamily="49" charset="0"/>
+                <a:cs typeface="Courier New" panose="02070309020205020404" pitchFamily="49" charset="0"/>
+              </a:rPr>
+              <a:t>column </a:t>
+            </a:r>
+            <a:r>
+              <a:rPr lang="en-US" sz="1000" i="1" baseline="0" dirty="0" err="1" smtClean="0">
+                <a:latin typeface="Courier New" panose="02070309020205020404" pitchFamily="49" charset="0"/>
+                <a:cs typeface="Courier New" panose="02070309020205020404" pitchFamily="49" charset="0"/>
+              </a:rPr>
+              <a:t>error_stack_and_backtrace</a:t>
+            </a:r>
+            <a:r>
+              <a:rPr lang="en-US" sz="1000" i="1" baseline="0" dirty="0" smtClean="0">
+                <a:latin typeface="Courier New" panose="02070309020205020404" pitchFamily="49" charset="0"/>
+                <a:cs typeface="Courier New" panose="02070309020205020404" pitchFamily="49" charset="0"/>
+              </a:rPr>
+              <a:t> format a100</a:t>
+            </a:r>
+          </a:p>
+          <a:p>
+            <a:r>
+              <a:rPr lang="en-US" sz="1000" i="1" baseline="0" dirty="0" smtClean="0">
+                <a:latin typeface="Courier New" panose="02070309020205020404" pitchFamily="49" charset="0"/>
+                <a:cs typeface="Courier New" panose="02070309020205020404" pitchFamily="49" charset="0"/>
+              </a:rPr>
+              <a:t>column username format a11</a:t>
+            </a:r>
+          </a:p>
+          <a:p>
+            <a:r>
+              <a:rPr lang="en-US" sz="1000" i="1" baseline="0" dirty="0" smtClean="0">
+                <a:latin typeface="Courier New" panose="02070309020205020404" pitchFamily="49" charset="0"/>
+                <a:cs typeface="Courier New" panose="02070309020205020404" pitchFamily="49" charset="0"/>
+              </a:rPr>
+              <a:t>column </a:t>
+            </a:r>
+            <a:r>
+              <a:rPr lang="en-US" sz="1000" i="1" baseline="0" dirty="0" err="1" smtClean="0">
+                <a:latin typeface="Courier New" panose="02070309020205020404" pitchFamily="49" charset="0"/>
+                <a:cs typeface="Courier New" panose="02070309020205020404" pitchFamily="49" charset="0"/>
+              </a:rPr>
+              <a:t>date_started</a:t>
+            </a:r>
+            <a:r>
+              <a:rPr lang="en-US" sz="1000" i="1" baseline="0" dirty="0" smtClean="0">
+                <a:latin typeface="Courier New" panose="02070309020205020404" pitchFamily="49" charset="0"/>
+                <a:cs typeface="Courier New" panose="02070309020205020404" pitchFamily="49" charset="0"/>
+              </a:rPr>
+              <a:t> format a12</a:t>
+            </a:r>
+          </a:p>
+          <a:p>
+            <a:r>
+              <a:rPr lang="en-US" sz="1000" i="1" baseline="0" dirty="0" smtClean="0">
+                <a:latin typeface="Courier New" panose="02070309020205020404" pitchFamily="49" charset="0"/>
+                <a:cs typeface="Courier New" panose="02070309020205020404" pitchFamily="49" charset="0"/>
+              </a:rPr>
+              <a:t>column </a:t>
+            </a:r>
+            <a:r>
+              <a:rPr lang="en-US" sz="1000" i="1" baseline="0" dirty="0" err="1" smtClean="0">
+                <a:latin typeface="Courier New" panose="02070309020205020404" pitchFamily="49" charset="0"/>
+                <a:cs typeface="Courier New" panose="02070309020205020404" pitchFamily="49" charset="0"/>
+              </a:rPr>
+              <a:t>date_updated</a:t>
+            </a:r>
+            <a:r>
+              <a:rPr lang="en-US" sz="1000" i="1" baseline="0" dirty="0" smtClean="0">
+                <a:latin typeface="Courier New" panose="02070309020205020404" pitchFamily="49" charset="0"/>
+                <a:cs typeface="Courier New" panose="02070309020205020404" pitchFamily="49" charset="0"/>
+              </a:rPr>
+              <a:t> format a12</a:t>
+            </a:r>
+          </a:p>
+          <a:p>
+            <a:r>
+              <a:rPr lang="en-US" sz="1000" i="1" baseline="0" dirty="0" smtClean="0">
+                <a:latin typeface="Courier New" panose="02070309020205020404" pitchFamily="49" charset="0"/>
+                <a:cs typeface="Courier New" panose="02070309020205020404" pitchFamily="49" charset="0"/>
+              </a:rPr>
+              <a:t>column </a:t>
+            </a:r>
+            <a:r>
+              <a:rPr lang="en-US" sz="1000" i="1" baseline="0" dirty="0" err="1" smtClean="0">
+                <a:latin typeface="Courier New" panose="02070309020205020404" pitchFamily="49" charset="0"/>
+                <a:cs typeface="Courier New" panose="02070309020205020404" pitchFamily="49" charset="0"/>
+              </a:rPr>
+              <a:t>is_complete</a:t>
+            </a:r>
+            <a:r>
+              <a:rPr lang="en-US" sz="1000" i="1" baseline="0" dirty="0" smtClean="0">
+                <a:latin typeface="Courier New" panose="02070309020205020404" pitchFamily="49" charset="0"/>
+                <a:cs typeface="Courier New" panose="02070309020205020404" pitchFamily="49" charset="0"/>
+              </a:rPr>
+              <a:t> format a11</a:t>
+            </a:r>
+          </a:p>
+          <a:p>
+            <a:r>
+              <a:rPr lang="en-US" sz="1000" i="1" baseline="0" dirty="0" smtClean="0">
+                <a:latin typeface="Courier New" panose="02070309020205020404" pitchFamily="49" charset="0"/>
+                <a:cs typeface="Courier New" panose="02070309020205020404" pitchFamily="49" charset="0"/>
+              </a:rPr>
+              <a:t>column dummy format a5</a:t>
+            </a:r>
+          </a:p>
+          <a:p>
+            <a:r>
+              <a:rPr lang="en-US" sz="1000" i="1" baseline="0" dirty="0" smtClean="0">
+                <a:latin typeface="Courier New" panose="02070309020205020404" pitchFamily="49" charset="0"/>
+                <a:cs typeface="Courier New" panose="02070309020205020404" pitchFamily="49" charset="0"/>
+              </a:rPr>
+              <a:t>set </a:t>
+            </a:r>
+            <a:r>
+              <a:rPr lang="en-US" sz="1000" i="1" baseline="0" dirty="0" err="1" smtClean="0">
+                <a:latin typeface="Courier New" panose="02070309020205020404" pitchFamily="49" charset="0"/>
+                <a:cs typeface="Courier New" panose="02070309020205020404" pitchFamily="49" charset="0"/>
+              </a:rPr>
+              <a:t>serveroutput</a:t>
+            </a:r>
+            <a:r>
+              <a:rPr lang="en-US" sz="1000" i="1" baseline="0" dirty="0" smtClean="0">
+                <a:latin typeface="Courier New" panose="02070309020205020404" pitchFamily="49" charset="0"/>
+                <a:cs typeface="Courier New" panose="02070309020205020404" pitchFamily="49" charset="0"/>
+              </a:rPr>
+              <a:t> off</a:t>
+            </a:r>
+          </a:p>
+          <a:p>
+            <a:endParaRPr lang="en-US" sz="1000" i="1" baseline="0" dirty="0" smtClean="0">
+              <a:latin typeface="Courier New" panose="02070309020205020404" pitchFamily="49" charset="0"/>
+              <a:cs typeface="Courier New" panose="02070309020205020404" pitchFamily="49" charset="0"/>
+            </a:endParaRPr>
+          </a:p>
+          <a:p>
+            <a:r>
+              <a:rPr lang="en-US" sz="1000" i="1" baseline="0" dirty="0" smtClean="0">
+                <a:latin typeface="Courier New" panose="02070309020205020404" pitchFamily="49" charset="0"/>
+                <a:cs typeface="Courier New" panose="02070309020205020404" pitchFamily="49" charset="0"/>
+              </a:rPr>
+              <a:t>begin</a:t>
+            </a:r>
+          </a:p>
+          <a:p>
+            <a:r>
+              <a:rPr lang="en-US" sz="1000" i="1" baseline="0" dirty="0" smtClean="0">
+                <a:latin typeface="Courier New" panose="02070309020205020404" pitchFamily="49" charset="0"/>
+                <a:cs typeface="Courier New" panose="02070309020205020404" pitchFamily="49" charset="0"/>
+              </a:rPr>
+              <a:t>  m5_proc('select * from dual');</a:t>
+            </a:r>
+          </a:p>
+          <a:p>
+            <a:r>
+              <a:rPr lang="en-US" sz="1000" i="1" baseline="0" dirty="0" smtClean="0">
+                <a:latin typeface="Courier New" panose="02070309020205020404" pitchFamily="49" charset="0"/>
+                <a:cs typeface="Courier New" panose="02070309020205020404" pitchFamily="49" charset="0"/>
+              </a:rPr>
+              <a:t>end;</a:t>
+            </a:r>
+          </a:p>
+          <a:p>
+            <a:r>
+              <a:rPr lang="en-US" sz="1000" i="1" baseline="0" dirty="0" smtClean="0">
+                <a:latin typeface="Courier New" panose="02070309020205020404" pitchFamily="49" charset="0"/>
+                <a:cs typeface="Courier New" panose="02070309020205020404" pitchFamily="49" charset="0"/>
+              </a:rPr>
+              <a:t>/</a:t>
+            </a:r>
+          </a:p>
+          <a:p>
+            <a:r>
+              <a:rPr lang="en-US" sz="1000" i="1" baseline="0" dirty="0" smtClean="0">
+                <a:latin typeface="Courier New" panose="02070309020205020404" pitchFamily="49" charset="0"/>
+                <a:cs typeface="Courier New" panose="02070309020205020404" pitchFamily="49" charset="0"/>
+              </a:rPr>
+              <a:t>select * from m5_metadata;</a:t>
+            </a:r>
+          </a:p>
+          <a:p>
+            <a:r>
+              <a:rPr lang="en-US" sz="1000" i="1" baseline="0" dirty="0" smtClean="0">
+                <a:latin typeface="Courier New" panose="02070309020205020404" pitchFamily="49" charset="0"/>
+                <a:cs typeface="Courier New" panose="02070309020205020404" pitchFamily="49" charset="0"/>
+              </a:rPr>
+              <a:t>select * from m5_results where </a:t>
+            </a:r>
+            <a:r>
+              <a:rPr lang="en-US" sz="1000" i="1" baseline="0" dirty="0" err="1" smtClean="0">
+                <a:latin typeface="Courier New" panose="02070309020205020404" pitchFamily="49" charset="0"/>
+                <a:cs typeface="Courier New" panose="02070309020205020404" pitchFamily="49" charset="0"/>
+              </a:rPr>
+              <a:t>rownum</a:t>
+            </a:r>
+            <a:r>
+              <a:rPr lang="en-US" sz="1000" i="1" baseline="0" dirty="0" smtClean="0">
+                <a:latin typeface="Courier New" panose="02070309020205020404" pitchFamily="49" charset="0"/>
+                <a:cs typeface="Courier New" panose="02070309020205020404" pitchFamily="49" charset="0"/>
+              </a:rPr>
+              <a:t> &lt;= 3;</a:t>
+            </a:r>
+          </a:p>
+          <a:p>
+            <a:r>
+              <a:rPr lang="en-US" sz="1000" i="1" baseline="0" dirty="0" smtClean="0">
+                <a:latin typeface="Courier New" panose="02070309020205020404" pitchFamily="49" charset="0"/>
+                <a:cs typeface="Courier New" panose="02070309020205020404" pitchFamily="49" charset="0"/>
+              </a:rPr>
+              <a:t>select * from m5_errors;</a:t>
+            </a:r>
           </a:p>
         </p:txBody>
       </p:sp>
@@ -4287,7 +4531,7 @@
     </p:spTree>
     <p:extLst>
       <p:ext uri="{BB962C8B-B14F-4D97-AF65-F5344CB8AC3E}">
-        <p14:creationId xmlns:p14="http://schemas.microsoft.com/office/powerpoint/2010/main" val="3846567511"/>
+        <p14:creationId xmlns:p14="http://schemas.microsoft.com/office/powerpoint/2010/main" val="158452863"/>
       </p:ext>
     </p:extLst>
   </p:cSld>
@@ -4324,364 +4568,87 @@
             <p:ph type="sldImg"/>
           </p:nvPr>
         </p:nvSpPr>
+        <p:spPr>
+          <a:xfrm>
+            <a:off x="381000" y="685800"/>
+            <a:ext cx="6096000" cy="3429000"/>
+          </a:xfrm>
+        </p:spPr>
+      </p:sp>
+      <p:sp>
+        <p:nvSpPr>
+          <p:cNvPr id="3" name="Notes Placeholder 2"/>
+          <p:cNvSpPr>
+            <a:spLocks noGrp="1"/>
+          </p:cNvSpPr>
+          <p:nvPr>
+            <p:ph type="body" idx="1"/>
+          </p:nvPr>
+        </p:nvSpPr>
         <p:spPr/>
-      </p:sp>
-      <p:sp>
-        <p:nvSpPr>
-          <p:cNvPr id="3" name="Notes Placeholder 2"/>
-          <p:cNvSpPr>
-            <a:spLocks noGrp="1"/>
-          </p:cNvSpPr>
-          <p:nvPr>
-            <p:ph type="body" idx="1"/>
-          </p:nvPr>
-        </p:nvSpPr>
-        <p:spPr/>
         <p:txBody>
           <a:bodyPr/>
           <a:lstStyle/>
           <a:p>
             <a:r>
-              <a:rPr lang="en-US" dirty="0" smtClean="0"/>
-              <a:t>This screenshot is a complete example</a:t>
+              <a:rPr lang="en-US" b="0" dirty="0" smtClean="0"/>
+              <a:t>Method5</a:t>
+            </a:r>
+            <a:r>
+              <a:rPr lang="en-US" b="0" baseline="0" dirty="0" smtClean="0"/>
+              <a:t> can be run as either a function or a procedure.  They let you specify </a:t>
+            </a:r>
+            <a:r>
+              <a:rPr lang="en-US" b="1" baseline="0" dirty="0" smtClean="0"/>
+              <a:t>what</a:t>
+            </a:r>
+            <a:r>
+              <a:rPr lang="en-US" b="0" baseline="0" dirty="0" smtClean="0"/>
+              <a:t> to run, </a:t>
+            </a:r>
+            <a:r>
+              <a:rPr lang="en-US" b="1" baseline="0" dirty="0" smtClean="0"/>
+              <a:t>where</a:t>
+            </a:r>
+            <a:r>
+              <a:rPr lang="en-US" b="0" baseline="0" dirty="0" smtClean="0"/>
+              <a:t> to run, and </a:t>
+            </a:r>
+            <a:r>
+              <a:rPr lang="en-US" b="1" baseline="0" dirty="0" smtClean="0"/>
+              <a:t>how</a:t>
+            </a:r>
+            <a:r>
+              <a:rPr lang="en-US" b="0" baseline="0" dirty="0" smtClean="0"/>
+              <a:t> to run</a:t>
+            </a:r>
+            <a:r>
+              <a:rPr lang="en-US" b="0" dirty="0" smtClean="0"/>
+              <a:t>.</a:t>
+            </a:r>
+            <a:r>
+              <a:rPr lang="en-US" b="0" baseline="0" dirty="0" smtClean="0"/>
+              <a:t>  The function returns results immediately.  The procedure </a:t>
+            </a:r>
+            <a:r>
+              <a:rPr lang="en-US" dirty="0" smtClean="0"/>
+              <a:t>saves the results in background tables, and it gives you more control over how the commands are run.</a:t>
+            </a:r>
+            <a:endParaRPr lang="en-US" b="0" dirty="0" smtClean="0"/>
+          </a:p>
+          <a:p>
+            <a:endParaRPr lang="en-US" b="1" dirty="0" smtClean="0"/>
+          </a:p>
+          <a:p>
+            <a:r>
+              <a:rPr lang="en-US" dirty="0" smtClean="0"/>
+              <a:t>Running as a function is simple and neat,</a:t>
             </a:r>
             <a:r>
               <a:rPr lang="en-US" baseline="0" dirty="0" smtClean="0"/>
-              <a:t> of a simple query that can be used to show what databases are responding.</a:t>
-            </a:r>
-          </a:p>
-          <a:p>
-            <a:endParaRPr lang="en-US" baseline="0" dirty="0" smtClean="0"/>
-          </a:p>
-          <a:p>
-            <a:r>
-              <a:rPr lang="en-US" baseline="0" dirty="0" smtClean="0"/>
-              <a:t>1. First the simple SELECT statement is run through the asynchronous procedure M5_PROC.</a:t>
-            </a:r>
-          </a:p>
-          <a:p>
-            <a:r>
-              <a:rPr lang="en-US" baseline="0" dirty="0" smtClean="0"/>
-              <a:t>2. Next the M5_METADATA table is queried.  Since jobs are still running in the background, IS_COMPLETE is still set to No, and the TARGETS_COMPLETED does not equal the TARGETS_EXPECTED yet.  You'll probably want to query this view a few times to watch the progress of the background jobs.  (Not shown on the screenshot are some other columns like TARGETS_WITH_ERRORS, NUM_ROWS, CODE, and TARGETS.)</a:t>
-            </a:r>
-          </a:p>
-          <a:p>
-            <a:r>
-              <a:rPr lang="en-US" baseline="0" dirty="0" smtClean="0"/>
-              <a:t>3. The current results can be queried in M5_RESULTS.  It returns the same columns as the input query, as well as a column for the DATABASE_NAME.</a:t>
-            </a:r>
-          </a:p>
-          <a:p>
-            <a:r>
-              <a:rPr lang="en-US" baseline="0" dirty="0" smtClean="0"/>
-              <a:t>4. M5_ERRORS shows any errors generated while trying to run the query. With a large number of databases it's common for some of them to be unavailable due to maintenance or unexpected errors.  A few databases with errors don't stop the other databases from returning results.</a:t>
-            </a:r>
-          </a:p>
-          <a:p>
-            <a:endParaRPr lang="en-US" baseline="0" dirty="0" smtClean="0"/>
-          </a:p>
-          <a:p>
-            <a:r>
-              <a:rPr lang="en-US" baseline="0" dirty="0" smtClean="0"/>
-              <a:t>(The screenshot does not show all the columns and values because it's hard to fit them on a screen.  The example uses SQL*Plus for its simple text formatting, but in practice you will probably want to use an IDE like PL/SQL Developer, Toad, Oracle SQL Developer, etc.  The exact same code will run on any IDE.)</a:t>
-            </a:r>
-          </a:p>
-          <a:p>
-            <a:endParaRPr lang="en-US" baseline="0" dirty="0" smtClean="0"/>
-          </a:p>
-          <a:p>
-            <a:r>
-              <a:rPr lang="en-US" baseline="0" dirty="0" smtClean="0"/>
-              <a:t>If you want to reproduce this example yourself, here's the full code and SQL*Plus commands to format results:</a:t>
-            </a:r>
-          </a:p>
-          <a:p>
-            <a:endParaRPr lang="en-US" baseline="0" dirty="0" smtClean="0"/>
-          </a:p>
-          <a:p>
-            <a:r>
-              <a:rPr lang="en-US" sz="1000" i="1" baseline="0" dirty="0" smtClean="0">
-                <a:latin typeface="Courier New" panose="02070309020205020404" pitchFamily="49" charset="0"/>
-                <a:cs typeface="Courier New" panose="02070309020205020404" pitchFamily="49" charset="0"/>
-              </a:rPr>
-              <a:t>set </a:t>
-            </a:r>
-            <a:r>
-              <a:rPr lang="en-US" sz="1000" i="1" baseline="0" dirty="0" err="1" smtClean="0">
-                <a:latin typeface="Courier New" panose="02070309020205020404" pitchFamily="49" charset="0"/>
-                <a:cs typeface="Courier New" panose="02070309020205020404" pitchFamily="49" charset="0"/>
-              </a:rPr>
-              <a:t>sqlprompt</a:t>
-            </a:r>
-            <a:r>
-              <a:rPr lang="en-US" sz="1000" i="1" baseline="0" dirty="0" smtClean="0">
-                <a:latin typeface="Courier New" panose="02070309020205020404" pitchFamily="49" charset="0"/>
-                <a:cs typeface="Courier New" panose="02070309020205020404" pitchFamily="49" charset="0"/>
-              </a:rPr>
-              <a:t> "&gt; "</a:t>
-            </a:r>
-          </a:p>
-          <a:p>
-            <a:r>
-              <a:rPr lang="en-US" sz="1000" i="1" baseline="0" dirty="0" smtClean="0">
-                <a:latin typeface="Courier New" panose="02070309020205020404" pitchFamily="49" charset="0"/>
-                <a:cs typeface="Courier New" panose="02070309020205020404" pitchFamily="49" charset="0"/>
-              </a:rPr>
-              <a:t>column </a:t>
-            </a:r>
-            <a:r>
-              <a:rPr lang="en-US" sz="1000" i="1" baseline="0" dirty="0" err="1" smtClean="0">
-                <a:latin typeface="Courier New" panose="02070309020205020404" pitchFamily="49" charset="0"/>
-                <a:cs typeface="Courier New" panose="02070309020205020404" pitchFamily="49" charset="0"/>
-              </a:rPr>
-              <a:t>db_link_name</a:t>
-            </a:r>
-            <a:r>
-              <a:rPr lang="en-US" sz="1000" i="1" baseline="0" dirty="0" smtClean="0">
-                <a:latin typeface="Courier New" panose="02070309020205020404" pitchFamily="49" charset="0"/>
-                <a:cs typeface="Courier New" panose="02070309020205020404" pitchFamily="49" charset="0"/>
-              </a:rPr>
-              <a:t> format a12</a:t>
-            </a:r>
-          </a:p>
-          <a:p>
-            <a:r>
-              <a:rPr lang="en-US" sz="1000" i="1" baseline="0" dirty="0" smtClean="0">
-                <a:latin typeface="Courier New" panose="02070309020205020404" pitchFamily="49" charset="0"/>
-                <a:cs typeface="Courier New" panose="02070309020205020404" pitchFamily="49" charset="0"/>
-              </a:rPr>
-              <a:t>column </a:t>
-            </a:r>
-            <a:r>
-              <a:rPr lang="en-US" sz="1000" i="1" baseline="0" dirty="0" err="1" smtClean="0">
-                <a:latin typeface="Courier New" panose="02070309020205020404" pitchFamily="49" charset="0"/>
-                <a:cs typeface="Courier New" panose="02070309020205020404" pitchFamily="49" charset="0"/>
-              </a:rPr>
-              <a:t>database_name</a:t>
-            </a:r>
-            <a:r>
-              <a:rPr lang="en-US" sz="1000" i="1" baseline="0" dirty="0" smtClean="0">
-                <a:latin typeface="Courier New" panose="02070309020205020404" pitchFamily="49" charset="0"/>
-                <a:cs typeface="Courier New" panose="02070309020205020404" pitchFamily="49" charset="0"/>
-              </a:rPr>
-              <a:t> format a13</a:t>
-            </a:r>
-          </a:p>
-          <a:p>
-            <a:r>
-              <a:rPr lang="en-US" sz="1000" i="1" baseline="0" dirty="0" smtClean="0">
-                <a:latin typeface="Courier New" panose="02070309020205020404" pitchFamily="49" charset="0"/>
-                <a:cs typeface="Courier New" panose="02070309020205020404" pitchFamily="49" charset="0"/>
-              </a:rPr>
-              <a:t>column </a:t>
-            </a:r>
-            <a:r>
-              <a:rPr lang="en-US" sz="1000" i="1" baseline="0" dirty="0" err="1" smtClean="0">
-                <a:latin typeface="Courier New" panose="02070309020205020404" pitchFamily="49" charset="0"/>
-                <a:cs typeface="Courier New" panose="02070309020205020404" pitchFamily="49" charset="0"/>
-              </a:rPr>
-              <a:t>error_stack_and_backtrace</a:t>
-            </a:r>
-            <a:r>
-              <a:rPr lang="en-US" sz="1000" i="1" baseline="0" dirty="0" smtClean="0">
-                <a:latin typeface="Courier New" panose="02070309020205020404" pitchFamily="49" charset="0"/>
-                <a:cs typeface="Courier New" panose="02070309020205020404" pitchFamily="49" charset="0"/>
-              </a:rPr>
-              <a:t> format a100</a:t>
-            </a:r>
-          </a:p>
-          <a:p>
-            <a:r>
-              <a:rPr lang="en-US" sz="1000" i="1" baseline="0" dirty="0" smtClean="0">
-                <a:latin typeface="Courier New" panose="02070309020205020404" pitchFamily="49" charset="0"/>
-                <a:cs typeface="Courier New" panose="02070309020205020404" pitchFamily="49" charset="0"/>
-              </a:rPr>
-              <a:t>column username format a11</a:t>
-            </a:r>
-          </a:p>
-          <a:p>
-            <a:r>
-              <a:rPr lang="en-US" sz="1000" i="1" baseline="0" dirty="0" smtClean="0">
-                <a:latin typeface="Courier New" panose="02070309020205020404" pitchFamily="49" charset="0"/>
-                <a:cs typeface="Courier New" panose="02070309020205020404" pitchFamily="49" charset="0"/>
-              </a:rPr>
-              <a:t>column </a:t>
-            </a:r>
-            <a:r>
-              <a:rPr lang="en-US" sz="1000" i="1" baseline="0" dirty="0" err="1" smtClean="0">
-                <a:latin typeface="Courier New" panose="02070309020205020404" pitchFamily="49" charset="0"/>
-                <a:cs typeface="Courier New" panose="02070309020205020404" pitchFamily="49" charset="0"/>
-              </a:rPr>
-              <a:t>date_started</a:t>
-            </a:r>
-            <a:r>
-              <a:rPr lang="en-US" sz="1000" i="1" baseline="0" dirty="0" smtClean="0">
-                <a:latin typeface="Courier New" panose="02070309020205020404" pitchFamily="49" charset="0"/>
-                <a:cs typeface="Courier New" panose="02070309020205020404" pitchFamily="49" charset="0"/>
-              </a:rPr>
-              <a:t> format a12</a:t>
-            </a:r>
-          </a:p>
-          <a:p>
-            <a:r>
-              <a:rPr lang="en-US" sz="1000" i="1" baseline="0" dirty="0" smtClean="0">
-                <a:latin typeface="Courier New" panose="02070309020205020404" pitchFamily="49" charset="0"/>
-                <a:cs typeface="Courier New" panose="02070309020205020404" pitchFamily="49" charset="0"/>
-              </a:rPr>
-              <a:t>column </a:t>
-            </a:r>
-            <a:r>
-              <a:rPr lang="en-US" sz="1000" i="1" baseline="0" dirty="0" err="1" smtClean="0">
-                <a:latin typeface="Courier New" panose="02070309020205020404" pitchFamily="49" charset="0"/>
-                <a:cs typeface="Courier New" panose="02070309020205020404" pitchFamily="49" charset="0"/>
-              </a:rPr>
-              <a:t>date_updated</a:t>
-            </a:r>
-            <a:r>
-              <a:rPr lang="en-US" sz="1000" i="1" baseline="0" dirty="0" smtClean="0">
-                <a:latin typeface="Courier New" panose="02070309020205020404" pitchFamily="49" charset="0"/>
-                <a:cs typeface="Courier New" panose="02070309020205020404" pitchFamily="49" charset="0"/>
-              </a:rPr>
-              <a:t> format a12</a:t>
-            </a:r>
-          </a:p>
-          <a:p>
-            <a:r>
-              <a:rPr lang="en-US" sz="1000" i="1" baseline="0" dirty="0" smtClean="0">
-                <a:latin typeface="Courier New" panose="02070309020205020404" pitchFamily="49" charset="0"/>
-                <a:cs typeface="Courier New" panose="02070309020205020404" pitchFamily="49" charset="0"/>
-              </a:rPr>
-              <a:t>column </a:t>
-            </a:r>
-            <a:r>
-              <a:rPr lang="en-US" sz="1000" i="1" baseline="0" dirty="0" err="1" smtClean="0">
-                <a:latin typeface="Courier New" panose="02070309020205020404" pitchFamily="49" charset="0"/>
-                <a:cs typeface="Courier New" panose="02070309020205020404" pitchFamily="49" charset="0"/>
-              </a:rPr>
-              <a:t>is_complete</a:t>
-            </a:r>
-            <a:r>
-              <a:rPr lang="en-US" sz="1000" i="1" baseline="0" dirty="0" smtClean="0">
-                <a:latin typeface="Courier New" panose="02070309020205020404" pitchFamily="49" charset="0"/>
-                <a:cs typeface="Courier New" panose="02070309020205020404" pitchFamily="49" charset="0"/>
-              </a:rPr>
-              <a:t> format a11</a:t>
-            </a:r>
-          </a:p>
-          <a:p>
-            <a:r>
-              <a:rPr lang="en-US" sz="1000" i="1" baseline="0" dirty="0" smtClean="0">
-                <a:latin typeface="Courier New" panose="02070309020205020404" pitchFamily="49" charset="0"/>
-                <a:cs typeface="Courier New" panose="02070309020205020404" pitchFamily="49" charset="0"/>
-              </a:rPr>
-              <a:t>column dummy format a5</a:t>
-            </a:r>
-          </a:p>
-          <a:p>
-            <a:r>
-              <a:rPr lang="en-US" sz="1000" i="1" baseline="0" dirty="0" smtClean="0">
-                <a:latin typeface="Courier New" panose="02070309020205020404" pitchFamily="49" charset="0"/>
-                <a:cs typeface="Courier New" panose="02070309020205020404" pitchFamily="49" charset="0"/>
-              </a:rPr>
-              <a:t>set </a:t>
-            </a:r>
-            <a:r>
-              <a:rPr lang="en-US" sz="1000" i="1" baseline="0" dirty="0" err="1" smtClean="0">
-                <a:latin typeface="Courier New" panose="02070309020205020404" pitchFamily="49" charset="0"/>
-                <a:cs typeface="Courier New" panose="02070309020205020404" pitchFamily="49" charset="0"/>
-              </a:rPr>
-              <a:t>serveroutput</a:t>
-            </a:r>
-            <a:r>
-              <a:rPr lang="en-US" sz="1000" i="1" baseline="0" dirty="0" smtClean="0">
-                <a:latin typeface="Courier New" panose="02070309020205020404" pitchFamily="49" charset="0"/>
-                <a:cs typeface="Courier New" panose="02070309020205020404" pitchFamily="49" charset="0"/>
-              </a:rPr>
-              <a:t> off</a:t>
-            </a:r>
-          </a:p>
-          <a:p>
-            <a:endParaRPr lang="en-US" sz="1000" i="1" baseline="0" dirty="0" smtClean="0">
-              <a:latin typeface="Courier New" panose="02070309020205020404" pitchFamily="49" charset="0"/>
-              <a:cs typeface="Courier New" panose="02070309020205020404" pitchFamily="49" charset="0"/>
-            </a:endParaRPr>
-          </a:p>
-          <a:p>
-            <a:r>
-              <a:rPr lang="en-US" sz="1000" i="1" baseline="0" dirty="0" smtClean="0">
-                <a:latin typeface="Courier New" panose="02070309020205020404" pitchFamily="49" charset="0"/>
-                <a:cs typeface="Courier New" panose="02070309020205020404" pitchFamily="49" charset="0"/>
-              </a:rPr>
-              <a:t>begin</a:t>
-            </a:r>
-          </a:p>
-          <a:p>
-            <a:r>
-              <a:rPr lang="en-US" sz="1000" i="1" baseline="0" dirty="0" smtClean="0">
-                <a:latin typeface="Courier New" panose="02070309020205020404" pitchFamily="49" charset="0"/>
-                <a:cs typeface="Courier New" panose="02070309020205020404" pitchFamily="49" charset="0"/>
-              </a:rPr>
-              <a:t>  m5_proc('select * from dual');</a:t>
-            </a:r>
-          </a:p>
-          <a:p>
-            <a:r>
-              <a:rPr lang="en-US" sz="1000" i="1" baseline="0" dirty="0" smtClean="0">
-                <a:latin typeface="Courier New" panose="02070309020205020404" pitchFamily="49" charset="0"/>
-                <a:cs typeface="Courier New" panose="02070309020205020404" pitchFamily="49" charset="0"/>
-              </a:rPr>
-              <a:t>end;</a:t>
-            </a:r>
-          </a:p>
-          <a:p>
-            <a:r>
-              <a:rPr lang="en-US" sz="1000" i="1" baseline="0" dirty="0" smtClean="0">
-                <a:latin typeface="Courier New" panose="02070309020205020404" pitchFamily="49" charset="0"/>
-                <a:cs typeface="Courier New" panose="02070309020205020404" pitchFamily="49" charset="0"/>
-              </a:rPr>
-              <a:t>/</a:t>
-            </a:r>
-          </a:p>
-          <a:p>
-            <a:r>
-              <a:rPr lang="en-US" sz="1000" i="1" baseline="0" dirty="0" smtClean="0">
-                <a:latin typeface="Courier New" panose="02070309020205020404" pitchFamily="49" charset="0"/>
-                <a:cs typeface="Courier New" panose="02070309020205020404" pitchFamily="49" charset="0"/>
-              </a:rPr>
-              <a:t>select * from m5_metadata;</a:t>
-            </a:r>
-          </a:p>
-          <a:p>
-            <a:r>
-              <a:rPr lang="en-US" sz="1000" i="1" baseline="0" dirty="0" smtClean="0">
-                <a:latin typeface="Courier New" panose="02070309020205020404" pitchFamily="49" charset="0"/>
-                <a:cs typeface="Courier New" panose="02070309020205020404" pitchFamily="49" charset="0"/>
-              </a:rPr>
-              <a:t>select * from m5_results where </a:t>
-            </a:r>
-            <a:r>
-              <a:rPr lang="en-US" sz="1000" i="1" baseline="0" dirty="0" err="1" smtClean="0">
-                <a:latin typeface="Courier New" panose="02070309020205020404" pitchFamily="49" charset="0"/>
-                <a:cs typeface="Courier New" panose="02070309020205020404" pitchFamily="49" charset="0"/>
-              </a:rPr>
-              <a:t>rownum</a:t>
-            </a:r>
-            <a:r>
-              <a:rPr lang="en-US" sz="1000" i="1" baseline="0" dirty="0" smtClean="0">
-                <a:latin typeface="Courier New" panose="02070309020205020404" pitchFamily="49" charset="0"/>
-                <a:cs typeface="Courier New" panose="02070309020205020404" pitchFamily="49" charset="0"/>
-              </a:rPr>
-              <a:t> &lt;= 3;</a:t>
-            </a:r>
-          </a:p>
-          <a:p>
-            <a:r>
-              <a:rPr lang="en-US" sz="1000" i="1" baseline="0" dirty="0" smtClean="0">
-                <a:latin typeface="Courier New" panose="02070309020205020404" pitchFamily="49" charset="0"/>
-                <a:cs typeface="Courier New" panose="02070309020205020404" pitchFamily="49" charset="0"/>
-              </a:rPr>
-              <a:t>select * from m5_errors;</a:t>
-            </a:r>
+              <a:t> but in practice advanced users will normally want to run things as a procedure.  Running as a procedure makes it asynchronous, which is good for large jobs you don't want to wait for.  It also makes it possible to schedule and chain tasks.</a:t>
+            </a:r>
+            <a:endParaRPr lang="en-US" dirty="0"/>
           </a:p>
         </p:txBody>
       </p:sp>
@@ -4711,7 +4678,7 @@
     </p:spTree>
     <p:extLst>
       <p:ext uri="{BB962C8B-B14F-4D97-AF65-F5344CB8AC3E}">
-        <p14:creationId xmlns:p14="http://schemas.microsoft.com/office/powerpoint/2010/main" val="158452863"/>
+        <p14:creationId xmlns:p14="http://schemas.microsoft.com/office/powerpoint/2010/main" val="3520608180"/>
       </p:ext>
     </p:extLst>
   </p:cSld>
@@ -5066,7 +5033,7 @@
           <a:p>
             <a:r>
               <a:rPr lang="en-US" smtClean="0"/>
-              <a:t>2018-06-09</a:t>
+              <a:t>2019-02-19</a:t>
             </a:r>
             <a:endParaRPr lang="en-US" dirty="0"/>
           </a:p>
@@ -5243,7 +5210,7 @@
           <a:p>
             <a:r>
               <a:rPr lang="en-US" smtClean="0"/>
-              <a:t>2018-06-09</a:t>
+              <a:t>2019-02-19</a:t>
             </a:r>
             <a:endParaRPr lang="en-US"/>
           </a:p>
@@ -5423,7 +5390,7 @@
           <a:p>
             <a:r>
               <a:rPr lang="en-US" smtClean="0"/>
-              <a:t>2018-06-09</a:t>
+              <a:t>2019-02-19</a:t>
             </a:r>
             <a:endParaRPr lang="en-US"/>
           </a:p>
@@ -5593,7 +5560,7 @@
           <a:p>
             <a:r>
               <a:rPr lang="en-US" smtClean="0"/>
-              <a:t>2018-06-09</a:t>
+              <a:t>2019-02-19</a:t>
             </a:r>
             <a:endParaRPr lang="en-US" dirty="0"/>
           </a:p>
@@ -5876,7 +5843,7 @@
           <a:p>
             <a:r>
               <a:rPr lang="en-US" smtClean="0"/>
-              <a:t>2018-06-09</a:t>
+              <a:t>2019-02-19</a:t>
             </a:r>
             <a:endParaRPr lang="en-US"/>
           </a:p>
@@ -6171,7 +6138,7 @@
           <a:p>
             <a:r>
               <a:rPr lang="en-US" smtClean="0"/>
-              <a:t>2018-06-09</a:t>
+              <a:t>2019-02-19</a:t>
             </a:r>
             <a:endParaRPr lang="en-US"/>
           </a:p>
@@ -6600,7 +6567,7 @@
           <a:p>
             <a:r>
               <a:rPr lang="en-US" smtClean="0"/>
-              <a:t>2018-06-09</a:t>
+              <a:t>2019-02-19</a:t>
             </a:r>
             <a:endParaRPr lang="en-US"/>
           </a:p>
@@ -6725,7 +6692,7 @@
           <a:p>
             <a:r>
               <a:rPr lang="en-US" smtClean="0"/>
-              <a:t>2018-06-09</a:t>
+              <a:t>2019-02-19</a:t>
             </a:r>
             <a:endParaRPr lang="en-US"/>
           </a:p>
@@ -6827,7 +6794,7 @@
           <a:p>
             <a:r>
               <a:rPr lang="en-US" smtClean="0"/>
-              <a:t>2018-06-09</a:t>
+              <a:t>2019-02-19</a:t>
             </a:r>
             <a:endParaRPr lang="en-US"/>
           </a:p>
@@ -7104,7 +7071,7 @@
           <a:p>
             <a:r>
               <a:rPr lang="en-US" smtClean="0"/>
-              <a:t>2018-06-09</a:t>
+              <a:t>2019-02-19</a:t>
             </a:r>
             <a:endParaRPr lang="en-US"/>
           </a:p>
@@ -7357,7 +7324,7 @@
           <a:p>
             <a:r>
               <a:rPr lang="en-US" smtClean="0"/>
-              <a:t>2018-06-09</a:t>
+              <a:t>2019-02-19</a:t>
             </a:r>
             <a:endParaRPr lang="en-US"/>
           </a:p>
@@ -7570,7 +7537,7 @@
           <a:p>
             <a:r>
               <a:rPr lang="en-US" smtClean="0"/>
-              <a:t>2018-06-09</a:t>
+              <a:t>2019-02-19</a:t>
             </a:r>
             <a:endParaRPr lang="en-US" dirty="0"/>
           </a:p>
@@ -8012,7 +7979,7 @@
           <a:p>
             <a:r>
               <a:rPr lang="en-US" smtClean="0"/>
-              <a:t>2018-06-09</a:t>
+              <a:t>2019-02-19</a:t>
             </a:r>
             <a:endParaRPr lang="en-US" dirty="0"/>
           </a:p>
@@ -8324,7 +8291,7 @@
           <a:p>
             <a:r>
               <a:rPr lang="en-US" smtClean="0"/>
-              <a:t>2018-06-09</a:t>
+              <a:t>2019-02-19</a:t>
             </a:r>
             <a:endParaRPr lang="en-US"/>
           </a:p>
@@ -9837,7 +9804,7 @@
           <a:p>
             <a:r>
               <a:rPr lang="en-US" smtClean="0"/>
-              <a:t>2018-06-09</a:t>
+              <a:t>2019-02-19</a:t>
             </a:r>
             <a:endParaRPr lang="en-US" dirty="0"/>
           </a:p>
@@ -10088,9 +10055,9 @@
           <a:p>
             <a:r>
               <a:rPr lang="en-US" smtClean="0"/>
-              <a:t>2018-06-09</a:t>
-            </a:r>
-            <a:endParaRPr lang="en-US"/>
+              <a:t>2019-02-19</a:t>
+            </a:r>
+            <a:endParaRPr lang="en-US" dirty="0"/>
           </a:p>
         </p:txBody>
       </p:sp>
@@ -10200,7 +10167,7 @@
           <a:p>
             <a:r>
               <a:rPr lang="en-US" smtClean="0"/>
-              <a:t>2018-06-09</a:t>
+              <a:t>2019-02-19</a:t>
             </a:r>
             <a:endParaRPr lang="en-US" dirty="0"/>
           </a:p>
@@ -10349,7 +10316,7 @@
           <a:p>
             <a:r>
               <a:rPr lang="en-US" smtClean="0"/>
-              <a:t>2018-06-09</a:t>
+              <a:t>2019-02-19</a:t>
             </a:r>
             <a:endParaRPr lang="en-US" dirty="0"/>
           </a:p>
@@ -10500,7 +10467,7 @@
           <a:p>
             <a:r>
               <a:rPr lang="en-US" smtClean="0"/>
-              <a:t>2018-06-09</a:t>
+              <a:t>2019-02-19</a:t>
             </a:r>
             <a:endParaRPr lang="en-US" dirty="0"/>
           </a:p>
@@ -10653,7 +10620,7 @@
           <a:p>
             <a:r>
               <a:rPr lang="en-US" smtClean="0"/>
-              <a:t>2018-06-09</a:t>
+              <a:t>2019-02-19</a:t>
             </a:r>
             <a:endParaRPr lang="en-US" dirty="0"/>
           </a:p>
@@ -11594,7 +11561,7 @@
           <a:p>
             <a:r>
               <a:rPr lang="en-US" smtClean="0"/>
-              <a:t>2018-06-09</a:t>
+              <a:t>2019-02-19</a:t>
             </a:r>
             <a:endParaRPr lang="en-US" dirty="0"/>
           </a:p>
@@ -11778,7 +11745,6 @@
               <a:rPr lang="en-US" dirty="0" smtClean="0"/>
               <a:t>	dozens of users</a:t>
             </a:r>
-            <a:endParaRPr lang="en-US" dirty="0" smtClean="0"/>
           </a:p>
           <a:p>
             <a:pPr marL="514350" indent="-514350">
@@ -11806,7 +11772,7 @@
           <a:p>
             <a:r>
               <a:rPr lang="en-US" smtClean="0"/>
-              <a:t>2018-06-09</a:t>
+              <a:t>2019-02-19</a:t>
             </a:r>
             <a:endParaRPr lang="en-US" dirty="0"/>
           </a:p>
@@ -11991,11 +11957,7 @@
             </a:pPr>
             <a:r>
               <a:rPr lang="en-US" dirty="0" smtClean="0"/>
-              <a:t>Oracle Data </a:t>
-            </a:r>
-            <a:r>
-              <a:rPr lang="en-US" dirty="0" smtClean="0"/>
-              <a:t>Cartridge</a:t>
+              <a:t>Oracle Data Cartridge</a:t>
             </a:r>
           </a:p>
           <a:p>
@@ -12007,7 +11969,6 @@
               <a:rPr lang="en-US" dirty="0" smtClean="0"/>
               <a:t>1800 automated tests</a:t>
             </a:r>
-            <a:endParaRPr lang="en-US" dirty="0" smtClean="0"/>
           </a:p>
         </p:txBody>
       </p:sp>
@@ -12028,7 +11989,7 @@
           <a:p>
             <a:r>
               <a:rPr lang="en-US" smtClean="0"/>
-              <a:t>2018-06-09</a:t>
+              <a:t>2019-02-19</a:t>
             </a:r>
             <a:endParaRPr lang="en-US"/>
           </a:p>
@@ -12487,7 +12448,7 @@
           <a:p>
             <a:r>
               <a:rPr lang="en-US" smtClean="0"/>
-              <a:t>2018-06-09</a:t>
+              <a:t>2019-02-19</a:t>
             </a:r>
             <a:endParaRPr lang="en-US" dirty="0"/>
           </a:p>
@@ -12601,7 +12562,6 @@
               <a:rPr lang="en-US" dirty="0" smtClean="0"/>
               <a:t>Requirements</a:t>
             </a:r>
-            <a:endParaRPr lang="en-US" dirty="0" smtClean="0"/>
           </a:p>
           <a:p>
             <a:pPr marL="514350" indent="-514350">
@@ -12687,7 +12647,7 @@
           <a:p>
             <a:r>
               <a:rPr lang="en-US" smtClean="0"/>
-              <a:t>2018-06-09</a:t>
+              <a:t>2019-02-19</a:t>
             </a:r>
             <a:endParaRPr lang="en-US"/>
           </a:p>
@@ -13010,7 +12970,7 @@
           <a:p>
             <a:r>
               <a:rPr lang="en-US" smtClean="0"/>
-              <a:t>2018-06-09</a:t>
+              <a:t>2019-02-19</a:t>
             </a:r>
             <a:endParaRPr lang="en-US" dirty="0"/>
           </a:p>
@@ -13158,7 +13118,7 @@
           <a:p>
             <a:r>
               <a:rPr lang="en-US" smtClean="0"/>
-              <a:t>2018-06-09</a:t>
+              <a:t>2019-02-19</a:t>
             </a:r>
             <a:endParaRPr lang="en-US" dirty="0"/>
           </a:p>
@@ -13903,11 +13863,7 @@
             </a:pPr>
             <a:r>
               <a:rPr lang="en-US" dirty="0" smtClean="0"/>
-              <a:t>3. </a:t>
-            </a:r>
-            <a:r>
-              <a:rPr lang="en-US" dirty="0" smtClean="0"/>
-              <a:t>M5_ROLE_PRIV </a:t>
+              <a:t>3. M5_ROLE_PRIV </a:t>
             </a:r>
             <a:r>
               <a:rPr lang="en-US" dirty="0"/>
@@ -13981,7 +13937,7 @@
           <a:p>
             <a:r>
               <a:rPr lang="en-US" smtClean="0"/>
-              <a:t>2018-06-09</a:t>
+              <a:t>2019-02-19</a:t>
             </a:r>
             <a:endParaRPr lang="en-US" dirty="0"/>
           </a:p>
@@ -15168,7 +15124,7 @@
           <a:p>
             <a:r>
               <a:rPr lang="en-US" smtClean="0"/>
-              <a:t>2018-06-09</a:t>
+              <a:t>2019-02-19</a:t>
             </a:r>
             <a:endParaRPr lang="en-US" dirty="0"/>
           </a:p>
@@ -15341,7 +15297,7 @@
           <a:p>
             <a:r>
               <a:rPr lang="en-US" smtClean="0"/>
-              <a:t>2018-06-09</a:t>
+              <a:t>2019-02-19</a:t>
             </a:r>
             <a:endParaRPr lang="en-US" dirty="0"/>
           </a:p>
@@ -15550,7 +15506,7 @@
           <a:p>
             <a:r>
               <a:rPr lang="en-US" smtClean="0"/>
-              <a:t>2018-06-09</a:t>
+              <a:t>2019-02-19</a:t>
             </a:r>
             <a:endParaRPr lang="en-US"/>
           </a:p>
@@ -15639,7 +15595,7 @@
         </p:blipFill>
         <p:spPr bwMode="auto">
           <a:xfrm>
-            <a:off x="6934199" y="3714750"/>
+            <a:off x="7162800" y="2574828"/>
             <a:ext cx="1825943" cy="1221581"/>
           </a:xfrm>
           <a:prstGeom prst="rect">
@@ -15693,7 +15649,7 @@
         <p:spPr>
           <a:xfrm>
             <a:off x="457200" y="1200151"/>
-            <a:ext cx="8229600" cy="2871981"/>
+            <a:ext cx="8229600" cy="3352799"/>
           </a:xfrm>
         </p:spPr>
         <p:txBody>
@@ -15759,7 +15715,7 @@
             </a:pPr>
             <a:r>
               <a:rPr lang="en-US" sz="2800" dirty="0" smtClean="0"/>
-              <a:t>Certifications: PL/SQL, DBA, SQL Expert, SQL Tuning</a:t>
+              <a:t>Certs: PL/SQL, DBA, SQL Expert, SQL Tuning</a:t>
             </a:r>
           </a:p>
           <a:p>
@@ -15768,6 +15724,16 @@
               <a:buAutoNum type="arabicPeriod"/>
             </a:pPr>
             <a:r>
+              <a:rPr lang="en-US" sz="2800" dirty="0" smtClean="0"/>
+              <a:t>Author of Pro Oracle SQL Development</a:t>
+            </a:r>
+          </a:p>
+          <a:p>
+            <a:pPr marL="514350" indent="-514350">
+              <a:buFont typeface="+mj-lt"/>
+              <a:buAutoNum type="arabicPeriod"/>
+            </a:pPr>
+            <a:r>
               <a:rPr lang="en-US" sz="2800" dirty="0" smtClean="0">
                 <a:hlinkClick r:id="rId4"/>
               </a:rPr>
@@ -15794,7 +15760,7 @@
           <a:p>
             <a:r>
               <a:rPr lang="en-US" smtClean="0"/>
-              <a:t>2018-06-09</a:t>
+              <a:t>2019-02-19</a:t>
             </a:r>
             <a:endParaRPr lang="en-US" dirty="0"/>
           </a:p>
@@ -15844,7 +15810,7 @@
         </p:blipFill>
         <p:spPr bwMode="auto">
           <a:xfrm>
-            <a:off x="533400" y="4117017"/>
+            <a:off x="7240343" y="361950"/>
             <a:ext cx="1670857" cy="417046"/>
           </a:xfrm>
           <a:prstGeom prst="rect">
@@ -15885,7 +15851,7 @@
         </p:blipFill>
         <p:spPr bwMode="auto">
           <a:xfrm>
-            <a:off x="5141213" y="4130581"/>
+            <a:off x="7278370" y="2111790"/>
             <a:ext cx="1594803" cy="389918"/>
           </a:xfrm>
           <a:prstGeom prst="rect">
@@ -15926,7 +15892,7 @@
         </p:blipFill>
         <p:spPr bwMode="auto">
           <a:xfrm>
-            <a:off x="4356291" y="4032170"/>
+            <a:off x="7782401" y="1451930"/>
             <a:ext cx="586740" cy="586740"/>
           </a:xfrm>
           <a:prstGeom prst="rect">
@@ -15965,7 +15931,7 @@
         </p:blipFill>
         <p:spPr bwMode="auto">
           <a:xfrm>
-            <a:off x="2402439" y="4062193"/>
+            <a:off x="7197936" y="852116"/>
             <a:ext cx="1755670" cy="526694"/>
           </a:xfrm>
           <a:prstGeom prst="rect">
@@ -15979,6 +15945,60 @@
                   <a:srgbClr val="FFFFFF"/>
                 </a:solidFill>
               </a14:hiddenFill>
+            </a:ext>
+          </a:extLst>
+        </p:spPr>
+      </p:pic>
+      <p:pic>
+        <p:nvPicPr>
+          <p:cNvPr id="1027" name="Picture 3"/>
+          <p:cNvPicPr>
+            <a:picLocks noChangeAspect="1" noChangeArrowheads="1"/>
+          </p:cNvPicPr>
+          <p:nvPr/>
+        </p:nvPicPr>
+        <p:blipFill>
+          <a:blip r:embed="rId9" cstate="print">
+            <a:extLst>
+              <a:ext uri="{28A0092B-C50C-407E-A947-70E740481C1C}">
+                <a14:useLocalDpi xmlns:a14="http://schemas.microsoft.com/office/drawing/2010/main" val="0"/>
+              </a:ext>
+            </a:extLst>
+          </a:blip>
+          <a:srcRect/>
+          <a:stretch>
+            <a:fillRect/>
+          </a:stretch>
+        </p:blipFill>
+        <p:spPr bwMode="auto">
+          <a:xfrm>
+            <a:off x="7452836" y="3854528"/>
+            <a:ext cx="1245870" cy="865823"/>
+          </a:xfrm>
+          <a:prstGeom prst="rect">
+            <a:avLst/>
+          </a:prstGeom>
+          <a:noFill/>
+          <a:ln>
+            <a:noFill/>
+          </a:ln>
+          <a:extLst>
+            <a:ext uri="{909E8E84-426E-40DD-AFC4-6F175D3DCCD1}">
+              <a14:hiddenFill xmlns:a14="http://schemas.microsoft.com/office/drawing/2010/main">
+                <a:solidFill>
+                  <a:schemeClr val="accent1"/>
+                </a:solidFill>
+              </a14:hiddenFill>
+            </a:ext>
+            <a:ext uri="{91240B29-F687-4F45-9708-019B960494DF}">
+              <a14:hiddenLine xmlns:a14="http://schemas.microsoft.com/office/drawing/2010/main" w="9525">
+                <a:solidFill>
+                  <a:schemeClr val="tx1"/>
+                </a:solidFill>
+                <a:miter lim="800000"/>
+                <a:headEnd/>
+                <a:tailEnd/>
+              </a14:hiddenLine>
             </a:ext>
           </a:extLst>
         </p:spPr>
@@ -16091,7 +16111,7 @@
           <a:p>
             <a:r>
               <a:rPr lang="en-US" smtClean="0"/>
-              <a:t>2018-06-09</a:t>
+              <a:t>2019-02-19</a:t>
             </a:r>
             <a:endParaRPr lang="en-US" dirty="0"/>
           </a:p>
@@ -16920,7 +16940,7 @@
           <a:p>
             <a:r>
               <a:rPr lang="en-US" smtClean="0"/>
-              <a:t>2018-06-09</a:t>
+              <a:t>2019-02-19</a:t>
             </a:r>
             <a:endParaRPr lang="en-US" dirty="0"/>
           </a:p>
@@ -16998,14 +17018,12 @@
         </p:nvSpPr>
         <p:spPr/>
         <p:txBody>
-          <a:bodyPr>
-            <a:normAutofit/>
-          </a:bodyPr>
-          <a:lstStyle/>
-          <a:p>
-            <a:r>
-              <a:rPr lang="en-US" dirty="0" smtClean="0"/>
-              <a:t>Interface - Function or Procedure</a:t>
+          <a:bodyPr/>
+          <a:lstStyle/>
+          <a:p>
+            <a:r>
+              <a:rPr lang="en-US" dirty="0" smtClean="0"/>
+              <a:t>Simple Example - Function</a:t>
             </a:r>
             <a:endParaRPr lang="en-US" dirty="0"/>
           </a:p>
@@ -17013,856 +17031,6 @@
       </p:sp>
       <p:sp>
         <p:nvSpPr>
-          <p:cNvPr id="3" name="Content Placeholder 2"/>
-          <p:cNvSpPr>
-            <a:spLocks noGrp="1"/>
-          </p:cNvSpPr>
-          <p:nvPr>
-            <p:ph idx="1"/>
-          </p:nvPr>
-        </p:nvSpPr>
-        <p:spPr>
-          <a:xfrm>
-            <a:off x="304800" y="1047750"/>
-            <a:ext cx="8458200" cy="3733800"/>
-          </a:xfrm>
-        </p:spPr>
-        <p:txBody>
-          <a:bodyPr>
-            <a:normAutofit fontScale="40000" lnSpcReduction="20000"/>
-          </a:bodyPr>
-          <a:lstStyle/>
-          <a:p>
-            <a:pPr marL="0" indent="0">
-              <a:buNone/>
-            </a:pPr>
-            <a:r>
-              <a:rPr lang="en-US" sz="5000" b="1" dirty="0" smtClean="0">
-                <a:solidFill>
-                  <a:srgbClr val="008080"/>
-                </a:solidFill>
-                <a:highlight>
-                  <a:srgbClr val="FFFFFF"/>
-                </a:highlight>
-                <a:latin typeface="Courier New"/>
-              </a:rPr>
-              <a:t>select</a:t>
-            </a:r>
-            <a:r>
-              <a:rPr lang="en-US" sz="5000" b="1" dirty="0" smtClean="0">
-                <a:solidFill>
-                  <a:srgbClr val="000080"/>
-                </a:solidFill>
-                <a:highlight>
-                  <a:srgbClr val="FFFFFF"/>
-                </a:highlight>
-                <a:latin typeface="Courier New"/>
-              </a:rPr>
-              <a:t> *</a:t>
-            </a:r>
-          </a:p>
-          <a:p>
-            <a:pPr marL="0" indent="0">
-              <a:buNone/>
-            </a:pPr>
-            <a:r>
-              <a:rPr lang="en-US" sz="5000" b="1" dirty="0" smtClean="0">
-                <a:solidFill>
-                  <a:srgbClr val="008080"/>
-                </a:solidFill>
-                <a:highlight>
-                  <a:srgbClr val="FFFFFF"/>
-                </a:highlight>
-                <a:latin typeface="Courier New"/>
-              </a:rPr>
-              <a:t>from</a:t>
-            </a:r>
-            <a:r>
-              <a:rPr lang="en-US" sz="5000" b="1" dirty="0" smtClean="0">
-                <a:solidFill>
-                  <a:srgbClr val="000080"/>
-                </a:solidFill>
-                <a:highlight>
-                  <a:srgbClr val="FFFFFF"/>
-                </a:highlight>
-                <a:latin typeface="Courier New"/>
-              </a:rPr>
-              <a:t> </a:t>
-            </a:r>
-            <a:r>
-              <a:rPr lang="en-US" sz="5000" b="1" dirty="0" smtClean="0">
-                <a:solidFill>
-                  <a:srgbClr val="008080"/>
-                </a:solidFill>
-                <a:highlight>
-                  <a:srgbClr val="FFFFFF"/>
-                </a:highlight>
-                <a:latin typeface="Courier New"/>
-              </a:rPr>
-              <a:t>table</a:t>
-            </a:r>
-            <a:r>
-              <a:rPr lang="en-US" sz="5000" b="1" dirty="0" smtClean="0">
-                <a:solidFill>
-                  <a:srgbClr val="000080"/>
-                </a:solidFill>
-                <a:highlight>
-                  <a:srgbClr val="FFFFFF"/>
-                </a:highlight>
-                <a:latin typeface="Courier New"/>
-              </a:rPr>
-              <a:t>(m5(</a:t>
-            </a:r>
-            <a:r>
-              <a:rPr lang="en-US" sz="5000" b="1" dirty="0" smtClean="0">
-                <a:solidFill>
-                  <a:srgbClr val="0000FF"/>
-                </a:solidFill>
-                <a:highlight>
-                  <a:srgbClr val="FFFFFF"/>
-                </a:highlight>
-                <a:latin typeface="Courier New"/>
-              </a:rPr>
-              <a:t>'select </a:t>
-            </a:r>
-            <a:r>
-              <a:rPr lang="en-US" sz="5000" b="1" dirty="0">
-                <a:solidFill>
-                  <a:srgbClr val="0000FF"/>
-                </a:solidFill>
-                <a:highlight>
-                  <a:srgbClr val="FFFFFF"/>
-                </a:highlight>
-                <a:latin typeface="Courier New"/>
-              </a:rPr>
-              <a:t>* from dual'</a:t>
-            </a:r>
-            <a:r>
-              <a:rPr lang="en-US" sz="5000" b="1" dirty="0">
-                <a:solidFill>
-                  <a:srgbClr val="000080"/>
-                </a:solidFill>
-                <a:highlight>
-                  <a:srgbClr val="FFFFFF"/>
-                </a:highlight>
-                <a:latin typeface="Courier New"/>
-              </a:rPr>
-              <a:t>, </a:t>
-            </a:r>
-            <a:r>
-              <a:rPr lang="en-US" sz="5000" b="1" dirty="0">
-                <a:solidFill>
-                  <a:srgbClr val="0000FF"/>
-                </a:solidFill>
-                <a:highlight>
-                  <a:srgbClr val="FFFFFF"/>
-                </a:highlight>
-                <a:latin typeface="Courier New"/>
-              </a:rPr>
-              <a:t>'</a:t>
-            </a:r>
-            <a:r>
-              <a:rPr lang="en-US" sz="5000" b="1" dirty="0" err="1">
-                <a:solidFill>
-                  <a:srgbClr val="0000FF"/>
-                </a:solidFill>
-                <a:highlight>
-                  <a:srgbClr val="FFFFFF"/>
-                </a:highlight>
-                <a:latin typeface="Courier New"/>
-              </a:rPr>
-              <a:t>dev,qa</a:t>
-            </a:r>
-            <a:r>
-              <a:rPr lang="en-US" sz="5000" b="1" dirty="0" smtClean="0">
-                <a:solidFill>
-                  <a:srgbClr val="0000FF"/>
-                </a:solidFill>
-                <a:highlight>
-                  <a:srgbClr val="FFFFFF"/>
-                </a:highlight>
-                <a:latin typeface="Courier New"/>
-              </a:rPr>
-              <a:t>'</a:t>
-            </a:r>
-            <a:r>
-              <a:rPr lang="en-US" sz="5000" b="1" dirty="0" smtClean="0">
-                <a:solidFill>
-                  <a:srgbClr val="000080"/>
-                </a:solidFill>
-                <a:highlight>
-                  <a:srgbClr val="FFFFFF"/>
-                </a:highlight>
-                <a:latin typeface="Courier New"/>
-              </a:rPr>
-              <a:t>));</a:t>
-            </a:r>
-            <a:endParaRPr lang="en-US" sz="2600" b="1" dirty="0" smtClean="0">
-              <a:solidFill>
-                <a:srgbClr val="000080"/>
-              </a:solidFill>
-              <a:highlight>
-                <a:srgbClr val="FFFFFF"/>
-              </a:highlight>
-              <a:latin typeface="Courier New"/>
-            </a:endParaRPr>
-          </a:p>
-          <a:p>
-            <a:pPr marL="0" indent="0">
-              <a:buNone/>
-            </a:pPr>
-            <a:endParaRPr lang="en-US" sz="2000" b="1" dirty="0" smtClean="0">
-              <a:solidFill>
-                <a:srgbClr val="000080"/>
-              </a:solidFill>
-              <a:highlight>
-                <a:srgbClr val="FFFFFF"/>
-              </a:highlight>
-              <a:latin typeface="Courier New"/>
-            </a:endParaRPr>
-          </a:p>
-          <a:p>
-            <a:pPr marL="0" indent="0">
-              <a:buNone/>
-            </a:pPr>
-            <a:endParaRPr lang="en-US" sz="2000" b="1" dirty="0" smtClean="0">
-              <a:solidFill>
-                <a:srgbClr val="000080"/>
-              </a:solidFill>
-              <a:highlight>
-                <a:srgbClr val="FFFFFF"/>
-              </a:highlight>
-              <a:latin typeface="Courier New"/>
-            </a:endParaRPr>
-          </a:p>
-          <a:p>
-            <a:pPr marL="0" indent="0">
-              <a:buNone/>
-            </a:pPr>
-            <a:r>
-              <a:rPr lang="en-US" sz="2000" b="1" dirty="0" smtClean="0">
-                <a:solidFill>
-                  <a:srgbClr val="000080"/>
-                </a:solidFill>
-                <a:highlight>
-                  <a:srgbClr val="FFFFFF"/>
-                </a:highlight>
-                <a:latin typeface="Courier New"/>
-              </a:rPr>
-              <a:t/>
-            </a:r>
-            <a:br>
-              <a:rPr lang="en-US" sz="2000" b="1" dirty="0" smtClean="0">
-                <a:solidFill>
-                  <a:srgbClr val="000080"/>
-                </a:solidFill>
-                <a:highlight>
-                  <a:srgbClr val="FFFFFF"/>
-                </a:highlight>
-                <a:latin typeface="Courier New"/>
-              </a:rPr>
-            </a:br>
-            <a:r>
-              <a:rPr lang="en-US" sz="4000" b="1" dirty="0" smtClean="0">
-                <a:solidFill>
-                  <a:srgbClr val="008080"/>
-                </a:solidFill>
-                <a:highlight>
-                  <a:srgbClr val="FFFFFF"/>
-                </a:highlight>
-                <a:latin typeface="Courier New"/>
-              </a:rPr>
-              <a:t>begin</a:t>
-            </a:r>
-            <a:endParaRPr lang="en-US" sz="4000" b="1" dirty="0">
-              <a:solidFill>
-                <a:srgbClr val="000080"/>
-              </a:solidFill>
-              <a:highlight>
-                <a:srgbClr val="FFFFFF"/>
-              </a:highlight>
-              <a:latin typeface="Courier New"/>
-            </a:endParaRPr>
-          </a:p>
-          <a:p>
-            <a:pPr marL="0" indent="0">
-              <a:buNone/>
-            </a:pPr>
-            <a:r>
-              <a:rPr lang="en-US" sz="4000" b="1" dirty="0" smtClean="0">
-                <a:solidFill>
-                  <a:srgbClr val="000080"/>
-                </a:solidFill>
-                <a:highlight>
-                  <a:srgbClr val="FFFFFF"/>
-                </a:highlight>
-                <a:latin typeface="Courier New"/>
-              </a:rPr>
-              <a:t>  m5_proc</a:t>
-            </a:r>
-            <a:r>
-              <a:rPr lang="en-US" sz="4000" b="1" dirty="0">
-                <a:solidFill>
-                  <a:srgbClr val="000080"/>
-                </a:solidFill>
-                <a:highlight>
-                  <a:srgbClr val="FFFFFF"/>
-                </a:highlight>
-                <a:latin typeface="Courier New"/>
-              </a:rPr>
-              <a:t>(</a:t>
-            </a:r>
-          </a:p>
-          <a:p>
-            <a:pPr marL="0" indent="0">
-              <a:buNone/>
-            </a:pPr>
-            <a:r>
-              <a:rPr lang="en-US" sz="4000" b="1" dirty="0" smtClean="0">
-                <a:solidFill>
-                  <a:srgbClr val="000080"/>
-                </a:solidFill>
-                <a:highlight>
-                  <a:srgbClr val="FFFFFF"/>
-                </a:highlight>
-                <a:latin typeface="Courier New"/>
-              </a:rPr>
-              <a:t>    </a:t>
-            </a:r>
-            <a:r>
-              <a:rPr lang="en-US" sz="4000" b="1" dirty="0" err="1" smtClean="0">
-                <a:solidFill>
-                  <a:srgbClr val="000080"/>
-                </a:solidFill>
-                <a:highlight>
-                  <a:srgbClr val="FFFFFF"/>
-                </a:highlight>
-                <a:latin typeface="Courier New"/>
-              </a:rPr>
-              <a:t>p_code</a:t>
-            </a:r>
-            <a:r>
-              <a:rPr lang="en-US" sz="4000" b="1" dirty="0" smtClean="0">
-                <a:solidFill>
-                  <a:srgbClr val="000080"/>
-                </a:solidFill>
-                <a:highlight>
-                  <a:srgbClr val="FFFFFF"/>
-                </a:highlight>
-                <a:latin typeface="Courier New"/>
-              </a:rPr>
-              <a:t>                =&gt; </a:t>
-            </a:r>
-            <a:r>
-              <a:rPr lang="en-US" sz="4000" b="1" dirty="0" smtClean="0">
-                <a:solidFill>
-                  <a:srgbClr val="0000FF"/>
-                </a:solidFill>
-                <a:highlight>
-                  <a:srgbClr val="FFFFFF"/>
-                </a:highlight>
-                <a:latin typeface="Courier New"/>
-              </a:rPr>
-              <a:t>'begin null; end;'</a:t>
-            </a:r>
-            <a:r>
-              <a:rPr lang="en-US" sz="4000" b="1" dirty="0" smtClean="0">
-                <a:solidFill>
-                  <a:srgbClr val="000080"/>
-                </a:solidFill>
-                <a:highlight>
-                  <a:srgbClr val="FFFFFF"/>
-                </a:highlight>
-                <a:latin typeface="Courier New"/>
-              </a:rPr>
-              <a:t>,</a:t>
-            </a:r>
-            <a:endParaRPr lang="en-US" sz="4000" b="1" dirty="0">
-              <a:solidFill>
-                <a:srgbClr val="000080"/>
-              </a:solidFill>
-              <a:highlight>
-                <a:srgbClr val="FFFFFF"/>
-              </a:highlight>
-              <a:latin typeface="Courier New"/>
-            </a:endParaRPr>
-          </a:p>
-          <a:p>
-            <a:pPr marL="0" indent="0">
-              <a:buNone/>
-            </a:pPr>
-            <a:r>
-              <a:rPr lang="en-US" sz="4000" b="1" dirty="0" smtClean="0">
-                <a:solidFill>
-                  <a:srgbClr val="000080"/>
-                </a:solidFill>
-                <a:highlight>
-                  <a:srgbClr val="FFFFFF"/>
-                </a:highlight>
-                <a:latin typeface="Courier New"/>
-              </a:rPr>
-              <a:t>    </a:t>
-            </a:r>
-            <a:r>
-              <a:rPr lang="en-US" sz="4000" b="1" dirty="0" err="1" smtClean="0">
-                <a:solidFill>
-                  <a:srgbClr val="000080"/>
-                </a:solidFill>
-                <a:highlight>
-                  <a:srgbClr val="FFFFFF"/>
-                </a:highlight>
-                <a:latin typeface="Courier New"/>
-              </a:rPr>
-              <a:t>p_targets</a:t>
-            </a:r>
-            <a:r>
-              <a:rPr lang="en-US" sz="4000" b="1" dirty="0" smtClean="0">
-                <a:solidFill>
-                  <a:srgbClr val="000080"/>
-                </a:solidFill>
-                <a:highlight>
-                  <a:srgbClr val="FFFFFF"/>
-                </a:highlight>
-                <a:latin typeface="Courier New"/>
-              </a:rPr>
-              <a:t>             =&gt; </a:t>
-            </a:r>
-            <a:r>
-              <a:rPr lang="en-US" sz="4000" b="1" dirty="0" smtClean="0">
-                <a:solidFill>
-                  <a:srgbClr val="0000FF"/>
-                </a:solidFill>
-                <a:highlight>
-                  <a:srgbClr val="FFFFFF"/>
-                </a:highlight>
-                <a:latin typeface="Courier New"/>
-              </a:rPr>
-              <a:t>'</a:t>
-            </a:r>
-            <a:r>
-              <a:rPr lang="en-US" sz="4000" b="1" dirty="0" err="1" smtClean="0">
-                <a:solidFill>
-                  <a:srgbClr val="0000FF"/>
-                </a:solidFill>
-                <a:highlight>
-                  <a:srgbClr val="FFFFFF"/>
-                </a:highlight>
-                <a:latin typeface="Courier New"/>
-              </a:rPr>
-              <a:t>dev,qa</a:t>
-            </a:r>
-            <a:r>
-              <a:rPr lang="en-US" sz="4000" b="1" dirty="0">
-                <a:solidFill>
-                  <a:srgbClr val="0000FF"/>
-                </a:solidFill>
-                <a:highlight>
-                  <a:srgbClr val="FFFFFF"/>
-                </a:highlight>
-                <a:latin typeface="Courier New"/>
-              </a:rPr>
-              <a:t>'</a:t>
-            </a:r>
-            <a:r>
-              <a:rPr lang="en-US" sz="4000" b="1" dirty="0">
-                <a:solidFill>
-                  <a:srgbClr val="000080"/>
-                </a:solidFill>
-                <a:highlight>
-                  <a:srgbClr val="FFFFFF"/>
-                </a:highlight>
-                <a:latin typeface="Courier New"/>
-              </a:rPr>
-              <a:t>,</a:t>
-            </a:r>
-          </a:p>
-          <a:p>
-            <a:pPr marL="0" indent="0">
-              <a:buNone/>
-            </a:pPr>
-            <a:r>
-              <a:rPr lang="en-US" sz="4000" b="1" dirty="0" smtClean="0">
-                <a:solidFill>
-                  <a:srgbClr val="000080"/>
-                </a:solidFill>
-                <a:highlight>
-                  <a:srgbClr val="FFFFFF"/>
-                </a:highlight>
-                <a:latin typeface="Courier New"/>
-              </a:rPr>
-              <a:t>    </a:t>
-            </a:r>
-            <a:r>
-              <a:rPr lang="en-US" sz="4000" b="1" dirty="0" err="1" smtClean="0">
-                <a:solidFill>
-                  <a:srgbClr val="000080"/>
-                </a:solidFill>
-                <a:highlight>
-                  <a:srgbClr val="FFFFFF"/>
-                </a:highlight>
-                <a:latin typeface="Courier New"/>
-              </a:rPr>
-              <a:t>p_table_name</a:t>
-            </a:r>
-            <a:r>
-              <a:rPr lang="en-US" sz="4000" b="1" dirty="0" smtClean="0">
-                <a:solidFill>
-                  <a:srgbClr val="000080"/>
-                </a:solidFill>
-                <a:highlight>
-                  <a:srgbClr val="FFFFFF"/>
-                </a:highlight>
-                <a:latin typeface="Courier New"/>
-              </a:rPr>
-              <a:t>          =&gt; </a:t>
-            </a:r>
-            <a:r>
-              <a:rPr lang="en-US" sz="4000" b="1" dirty="0">
-                <a:solidFill>
-                  <a:srgbClr val="0000FF"/>
-                </a:solidFill>
-                <a:highlight>
-                  <a:srgbClr val="FFFFFF"/>
-                </a:highlight>
-                <a:latin typeface="Courier New"/>
-              </a:rPr>
-              <a:t>'</a:t>
-            </a:r>
-            <a:r>
-              <a:rPr lang="en-US" sz="4000" b="1" dirty="0" err="1">
-                <a:solidFill>
-                  <a:srgbClr val="0000FF"/>
-                </a:solidFill>
-                <a:highlight>
-                  <a:srgbClr val="FFFFFF"/>
-                </a:highlight>
-                <a:latin typeface="Courier New"/>
-              </a:rPr>
-              <a:t>test_data</a:t>
-            </a:r>
-            <a:r>
-              <a:rPr lang="en-US" sz="4000" b="1" dirty="0">
-                <a:solidFill>
-                  <a:srgbClr val="0000FF"/>
-                </a:solidFill>
-                <a:highlight>
-                  <a:srgbClr val="FFFFFF"/>
-                </a:highlight>
-                <a:latin typeface="Courier New"/>
-              </a:rPr>
-              <a:t>'</a:t>
-            </a:r>
-            <a:r>
-              <a:rPr lang="en-US" sz="4000" b="1" dirty="0">
-                <a:solidFill>
-                  <a:srgbClr val="000080"/>
-                </a:solidFill>
-                <a:highlight>
-                  <a:srgbClr val="FFFFFF"/>
-                </a:highlight>
-                <a:latin typeface="Courier New"/>
-              </a:rPr>
-              <a:t>,</a:t>
-            </a:r>
-          </a:p>
-          <a:p>
-            <a:pPr marL="0" indent="0">
-              <a:buNone/>
-            </a:pPr>
-            <a:r>
-              <a:rPr lang="en-US" sz="4000" b="1" dirty="0" smtClean="0">
-                <a:solidFill>
-                  <a:srgbClr val="000080"/>
-                </a:solidFill>
-                <a:highlight>
-                  <a:srgbClr val="FFFFFF"/>
-                </a:highlight>
-                <a:latin typeface="Courier New"/>
-              </a:rPr>
-              <a:t>    </a:t>
-            </a:r>
-            <a:r>
-              <a:rPr lang="en-US" sz="4000" b="1" dirty="0" err="1" smtClean="0">
-                <a:solidFill>
-                  <a:srgbClr val="000080"/>
-                </a:solidFill>
-                <a:highlight>
-                  <a:srgbClr val="FFFFFF"/>
-                </a:highlight>
-                <a:latin typeface="Courier New"/>
-              </a:rPr>
-              <a:t>p_table_exists_action</a:t>
-            </a:r>
-            <a:r>
-              <a:rPr lang="en-US" sz="4000" b="1" dirty="0" smtClean="0">
-                <a:solidFill>
-                  <a:srgbClr val="000080"/>
-                </a:solidFill>
-                <a:highlight>
-                  <a:srgbClr val="FFFFFF"/>
-                </a:highlight>
-                <a:latin typeface="Courier New"/>
-              </a:rPr>
-              <a:t> </a:t>
-            </a:r>
-            <a:r>
-              <a:rPr lang="en-US" sz="4000" b="1" dirty="0">
-                <a:solidFill>
-                  <a:srgbClr val="000080"/>
-                </a:solidFill>
-                <a:highlight>
-                  <a:srgbClr val="FFFFFF"/>
-                </a:highlight>
-                <a:latin typeface="Courier New"/>
-              </a:rPr>
-              <a:t>=&gt; </a:t>
-            </a:r>
-            <a:r>
-              <a:rPr lang="en-US" sz="4000" b="1" dirty="0">
-                <a:solidFill>
-                  <a:srgbClr val="0000FF"/>
-                </a:solidFill>
-                <a:highlight>
-                  <a:srgbClr val="FFFFFF"/>
-                </a:highlight>
-                <a:latin typeface="Courier New"/>
-              </a:rPr>
-              <a:t>'drop'</a:t>
-            </a:r>
-            <a:r>
-              <a:rPr lang="en-US" sz="4000" b="1" dirty="0">
-                <a:solidFill>
-                  <a:srgbClr val="000080"/>
-                </a:solidFill>
-                <a:highlight>
-                  <a:srgbClr val="FFFFFF"/>
-                </a:highlight>
-                <a:latin typeface="Courier New"/>
-              </a:rPr>
-              <a:t>,</a:t>
-            </a:r>
-          </a:p>
-          <a:p>
-            <a:pPr marL="0" indent="0">
-              <a:buNone/>
-            </a:pPr>
-            <a:r>
-              <a:rPr lang="en-US" sz="4000" b="1" dirty="0" smtClean="0">
-                <a:solidFill>
-                  <a:srgbClr val="000080"/>
-                </a:solidFill>
-                <a:highlight>
-                  <a:srgbClr val="FFFFFF"/>
-                </a:highlight>
-                <a:latin typeface="Courier New"/>
-              </a:rPr>
-              <a:t>    </a:t>
-            </a:r>
-            <a:r>
-              <a:rPr lang="en-US" sz="4000" b="1" dirty="0" err="1" smtClean="0">
-                <a:solidFill>
-                  <a:srgbClr val="000080"/>
-                </a:solidFill>
-                <a:highlight>
-                  <a:srgbClr val="FFFFFF"/>
-                </a:highlight>
-                <a:latin typeface="Courier New"/>
-              </a:rPr>
-              <a:t>p_asynchronous</a:t>
-            </a:r>
-            <a:r>
-              <a:rPr lang="en-US" sz="4000" b="1" dirty="0" smtClean="0">
-                <a:solidFill>
-                  <a:srgbClr val="000080"/>
-                </a:solidFill>
-                <a:highlight>
-                  <a:srgbClr val="FFFFFF"/>
-                </a:highlight>
-                <a:latin typeface="Courier New"/>
-              </a:rPr>
-              <a:t>        =&gt; </a:t>
-            </a:r>
-            <a:r>
-              <a:rPr lang="en-US" sz="4000" b="1" dirty="0" smtClean="0">
-                <a:solidFill>
-                  <a:srgbClr val="008080"/>
-                </a:solidFill>
-                <a:highlight>
-                  <a:srgbClr val="FFFFFF"/>
-                </a:highlight>
-                <a:latin typeface="Courier New"/>
-              </a:rPr>
-              <a:t>true</a:t>
-            </a:r>
-            <a:r>
-              <a:rPr lang="en-US" sz="4000" b="1" dirty="0">
-                <a:solidFill>
-                  <a:srgbClr val="000080"/>
-                </a:solidFill>
-                <a:highlight>
-                  <a:srgbClr val="FFFFFF"/>
-                </a:highlight>
-                <a:latin typeface="Courier New"/>
-              </a:rPr>
-              <a:t>,</a:t>
-            </a:r>
-            <a:endParaRPr lang="en-US" sz="4000" b="1" dirty="0" smtClean="0">
-              <a:solidFill>
-                <a:srgbClr val="000080"/>
-              </a:solidFill>
-              <a:highlight>
-                <a:srgbClr val="FFFFFF"/>
-              </a:highlight>
-              <a:latin typeface="Courier New"/>
-            </a:endParaRPr>
-          </a:p>
-          <a:p>
-            <a:pPr marL="0" indent="0">
-              <a:buNone/>
-            </a:pPr>
-            <a:r>
-              <a:rPr lang="en-US" sz="4000" b="1" dirty="0" smtClean="0">
-                <a:solidFill>
-                  <a:srgbClr val="000080"/>
-                </a:solidFill>
-                <a:highlight>
-                  <a:srgbClr val="FFFFFF"/>
-                </a:highlight>
-                <a:latin typeface="Courier New"/>
-              </a:rPr>
-              <a:t>    </a:t>
-            </a:r>
-            <a:r>
-              <a:rPr lang="en-US" sz="4000" b="1" dirty="0" err="1">
-                <a:solidFill>
-                  <a:srgbClr val="000080"/>
-                </a:solidFill>
-                <a:highlight>
-                  <a:srgbClr val="FFFFFF"/>
-                </a:highlight>
-                <a:latin typeface="Courier New"/>
-              </a:rPr>
-              <a:t>p_run_as_sys</a:t>
-            </a:r>
-            <a:r>
-              <a:rPr lang="en-US" sz="4000" b="1" dirty="0">
-                <a:solidFill>
-                  <a:srgbClr val="000080"/>
-                </a:solidFill>
-                <a:highlight>
-                  <a:srgbClr val="FFFFFF"/>
-                </a:highlight>
-                <a:latin typeface="Courier New"/>
-              </a:rPr>
-              <a:t>          =&gt; </a:t>
-            </a:r>
-            <a:r>
-              <a:rPr lang="en-US" sz="4000" b="1" dirty="0">
-                <a:solidFill>
-                  <a:srgbClr val="008080"/>
-                </a:solidFill>
-                <a:highlight>
-                  <a:srgbClr val="FFFFFF"/>
-                </a:highlight>
-                <a:latin typeface="Courier New"/>
-              </a:rPr>
-              <a:t>false</a:t>
-            </a:r>
-            <a:endParaRPr lang="en-US" sz="4000" b="1" dirty="0" smtClean="0">
-              <a:solidFill>
-                <a:srgbClr val="000080"/>
-              </a:solidFill>
-              <a:highlight>
-                <a:srgbClr val="FFFFFF"/>
-              </a:highlight>
-              <a:latin typeface="Courier New"/>
-            </a:endParaRPr>
-          </a:p>
-          <a:p>
-            <a:pPr marL="0" indent="0">
-              <a:buNone/>
-            </a:pPr>
-            <a:r>
-              <a:rPr lang="en-US" sz="4000" b="1" dirty="0" smtClean="0">
-                <a:solidFill>
-                  <a:srgbClr val="000080"/>
-                </a:solidFill>
-                <a:highlight>
-                  <a:srgbClr val="FFFFFF"/>
-                </a:highlight>
-                <a:latin typeface="Courier New"/>
-              </a:rPr>
-              <a:t>  );</a:t>
-            </a:r>
-            <a:endParaRPr lang="en-US" sz="4000" b="1" dirty="0">
-              <a:solidFill>
-                <a:srgbClr val="000080"/>
-              </a:solidFill>
-              <a:highlight>
-                <a:srgbClr val="FFFFFF"/>
-              </a:highlight>
-              <a:latin typeface="Courier New"/>
-            </a:endParaRPr>
-          </a:p>
-          <a:p>
-            <a:pPr marL="0" indent="0">
-              <a:buNone/>
-            </a:pPr>
-            <a:r>
-              <a:rPr lang="en-US" sz="4000" b="1" dirty="0" smtClean="0">
-                <a:solidFill>
-                  <a:srgbClr val="008080"/>
-                </a:solidFill>
-                <a:highlight>
-                  <a:srgbClr val="FFFFFF"/>
-                </a:highlight>
-                <a:latin typeface="Courier New"/>
-              </a:rPr>
-              <a:t>end</a:t>
-            </a:r>
-            <a:r>
-              <a:rPr lang="en-US" sz="4000" b="1" dirty="0">
-                <a:solidFill>
-                  <a:srgbClr val="000080"/>
-                </a:solidFill>
-                <a:highlight>
-                  <a:srgbClr val="FFFFFF"/>
-                </a:highlight>
-                <a:latin typeface="Courier New"/>
-              </a:rPr>
-              <a:t>;</a:t>
-            </a:r>
-          </a:p>
-          <a:p>
-            <a:pPr marL="0" indent="0">
-              <a:buNone/>
-            </a:pPr>
-            <a:r>
-              <a:rPr lang="en-US" sz="4000" b="1" dirty="0" smtClean="0">
-                <a:solidFill>
-                  <a:srgbClr val="000080"/>
-                </a:solidFill>
-                <a:highlight>
-                  <a:srgbClr val="FFFFFF"/>
-                </a:highlight>
-                <a:latin typeface="Courier New"/>
-              </a:rPr>
-              <a:t>/</a:t>
-            </a:r>
-            <a:endParaRPr lang="en-US" sz="2600" b="1" dirty="0" smtClean="0">
-              <a:solidFill>
-                <a:srgbClr val="000080"/>
-              </a:solidFill>
-              <a:highlight>
-                <a:srgbClr val="FFFFFF"/>
-              </a:highlight>
-              <a:latin typeface="Courier New"/>
-            </a:endParaRPr>
-          </a:p>
-        </p:txBody>
-      </p:sp>
-      <p:sp>
-        <p:nvSpPr>
           <p:cNvPr id="4" name="Date Placeholder 3"/>
           <p:cNvSpPr>
             <a:spLocks noGrp="1"/>
@@ -17878,7 +17046,7 @@
           <a:p>
             <a:r>
               <a:rPr lang="en-US" smtClean="0"/>
-              <a:t>2018-06-09</a:t>
+              <a:t>2019-02-19</a:t>
             </a:r>
             <a:endParaRPr lang="en-US" dirty="0"/>
           </a:p>
@@ -17902,332 +17070,6 @@
             <a:fld id="{05869706-863E-4BD1-B682-3CD80F60367B}" type="slidenum">
               <a:rPr lang="en-US" smtClean="0"/>
               <a:t>6</a:t>
-            </a:fld>
-            <a:endParaRPr lang="en-US"/>
-          </a:p>
-        </p:txBody>
-      </p:sp>
-      <p:sp>
-        <p:nvSpPr>
-          <p:cNvPr id="6" name="Rectangle 5"/>
-          <p:cNvSpPr/>
-          <p:nvPr/>
-        </p:nvSpPr>
-        <p:spPr>
-          <a:xfrm>
-            <a:off x="2590800" y="1657350"/>
-            <a:ext cx="2895600" cy="283388"/>
-          </a:xfrm>
-          <a:prstGeom prst="rect">
-            <a:avLst/>
-          </a:prstGeom>
-        </p:spPr>
-        <p:style>
-          <a:lnRef idx="2">
-            <a:schemeClr val="accent1">
-              <a:shade val="50000"/>
-            </a:schemeClr>
-          </a:lnRef>
-          <a:fillRef idx="1">
-            <a:schemeClr val="accent1"/>
-          </a:fillRef>
-          <a:effectRef idx="0">
-            <a:schemeClr val="accent1"/>
-          </a:effectRef>
-          <a:fontRef idx="minor">
-            <a:schemeClr val="lt1"/>
-          </a:fontRef>
-        </p:style>
-        <p:txBody>
-          <a:bodyPr rtlCol="0" anchor="ctr"/>
-          <a:lstStyle/>
-          <a:p>
-            <a:pPr algn="ctr"/>
-            <a:r>
-              <a:rPr lang="en-US" sz="2800" dirty="0" smtClean="0"/>
-              <a:t>WHAT</a:t>
-            </a:r>
-            <a:endParaRPr lang="en-US" sz="2800" dirty="0"/>
-          </a:p>
-        </p:txBody>
-      </p:sp>
-      <p:sp>
-        <p:nvSpPr>
-          <p:cNvPr id="7" name="Rectangle 6"/>
-          <p:cNvSpPr/>
-          <p:nvPr/>
-        </p:nvSpPr>
-        <p:spPr>
-          <a:xfrm>
-            <a:off x="5908966" y="1657350"/>
-            <a:ext cx="1177634" cy="283388"/>
-          </a:xfrm>
-          <a:prstGeom prst="rect">
-            <a:avLst/>
-          </a:prstGeom>
-        </p:spPr>
-        <p:style>
-          <a:lnRef idx="2">
-            <a:schemeClr val="accent1">
-              <a:shade val="50000"/>
-            </a:schemeClr>
-          </a:lnRef>
-          <a:fillRef idx="1">
-            <a:schemeClr val="accent1"/>
-          </a:fillRef>
-          <a:effectRef idx="0">
-            <a:schemeClr val="accent1"/>
-          </a:effectRef>
-          <a:fontRef idx="minor">
-            <a:schemeClr val="lt1"/>
-          </a:fontRef>
-        </p:style>
-        <p:txBody>
-          <a:bodyPr lIns="0" rIns="0" rtlCol="0" anchor="ctr"/>
-          <a:lstStyle/>
-          <a:p>
-            <a:pPr algn="ctr"/>
-            <a:r>
-              <a:rPr lang="en-US" sz="2800" dirty="0" smtClean="0"/>
-              <a:t>WHERE</a:t>
-            </a:r>
-            <a:endParaRPr lang="en-US" sz="2800" dirty="0"/>
-          </a:p>
-        </p:txBody>
-      </p:sp>
-      <p:sp>
-        <p:nvSpPr>
-          <p:cNvPr id="8" name="Rectangle 7"/>
-          <p:cNvSpPr/>
-          <p:nvPr/>
-        </p:nvSpPr>
-        <p:spPr>
-          <a:xfrm>
-            <a:off x="6553200" y="2495550"/>
-            <a:ext cx="1295400" cy="228600"/>
-          </a:xfrm>
-          <a:prstGeom prst="rect">
-            <a:avLst/>
-          </a:prstGeom>
-        </p:spPr>
-        <p:style>
-          <a:lnRef idx="2">
-            <a:schemeClr val="accent1">
-              <a:shade val="50000"/>
-            </a:schemeClr>
-          </a:lnRef>
-          <a:fillRef idx="1">
-            <a:schemeClr val="accent1"/>
-          </a:fillRef>
-          <a:effectRef idx="0">
-            <a:schemeClr val="accent1"/>
-          </a:effectRef>
-          <a:fontRef idx="minor">
-            <a:schemeClr val="lt1"/>
-          </a:fontRef>
-        </p:style>
-        <p:txBody>
-          <a:bodyPr rtlCol="0" anchor="ctr"/>
-          <a:lstStyle/>
-          <a:p>
-            <a:pPr algn="ctr"/>
-            <a:r>
-              <a:rPr lang="en-US" sz="2800" dirty="0" smtClean="0"/>
-              <a:t>WHAT</a:t>
-            </a:r>
-            <a:endParaRPr lang="en-US" sz="2400" dirty="0"/>
-          </a:p>
-        </p:txBody>
-      </p:sp>
-      <p:sp>
-        <p:nvSpPr>
-          <p:cNvPr id="9" name="Rectangle 8"/>
-          <p:cNvSpPr/>
-          <p:nvPr/>
-        </p:nvSpPr>
-        <p:spPr>
-          <a:xfrm>
-            <a:off x="6553200" y="2767350"/>
-            <a:ext cx="1295400" cy="251460"/>
-          </a:xfrm>
-          <a:prstGeom prst="rect">
-            <a:avLst/>
-          </a:prstGeom>
-        </p:spPr>
-        <p:style>
-          <a:lnRef idx="2">
-            <a:schemeClr val="accent1">
-              <a:shade val="50000"/>
-            </a:schemeClr>
-          </a:lnRef>
-          <a:fillRef idx="1">
-            <a:schemeClr val="accent1"/>
-          </a:fillRef>
-          <a:effectRef idx="0">
-            <a:schemeClr val="accent1"/>
-          </a:effectRef>
-          <a:fontRef idx="minor">
-            <a:schemeClr val="lt1"/>
-          </a:fontRef>
-        </p:style>
-        <p:txBody>
-          <a:bodyPr rtlCol="0" anchor="ctr"/>
-          <a:lstStyle/>
-          <a:p>
-            <a:pPr algn="ctr"/>
-            <a:r>
-              <a:rPr lang="en-US" sz="2800" dirty="0" smtClean="0"/>
-              <a:t>WHERE</a:t>
-            </a:r>
-            <a:endParaRPr lang="en-US" sz="2800" dirty="0"/>
-          </a:p>
-        </p:txBody>
-      </p:sp>
-      <p:sp>
-        <p:nvSpPr>
-          <p:cNvPr id="10" name="Rectangle 9"/>
-          <p:cNvSpPr/>
-          <p:nvPr/>
-        </p:nvSpPr>
-        <p:spPr>
-          <a:xfrm>
-            <a:off x="6553200" y="3065004"/>
-            <a:ext cx="1295400" cy="827946"/>
-          </a:xfrm>
-          <a:prstGeom prst="rect">
-            <a:avLst/>
-          </a:prstGeom>
-        </p:spPr>
-        <p:style>
-          <a:lnRef idx="2">
-            <a:schemeClr val="accent1">
-              <a:shade val="50000"/>
-            </a:schemeClr>
-          </a:lnRef>
-          <a:fillRef idx="1">
-            <a:schemeClr val="accent1"/>
-          </a:fillRef>
-          <a:effectRef idx="0">
-            <a:schemeClr val="accent1"/>
-          </a:effectRef>
-          <a:fontRef idx="minor">
-            <a:schemeClr val="lt1"/>
-          </a:fontRef>
-        </p:style>
-        <p:txBody>
-          <a:bodyPr rtlCol="0" anchor="ctr"/>
-          <a:lstStyle/>
-          <a:p>
-            <a:pPr algn="ctr"/>
-            <a:r>
-              <a:rPr lang="en-US" sz="2800" dirty="0" smtClean="0"/>
-              <a:t>HOW</a:t>
-            </a:r>
-            <a:endParaRPr lang="en-US" sz="2800" dirty="0"/>
-          </a:p>
-        </p:txBody>
-      </p:sp>
-    </p:spTree>
-    <p:extLst>
-      <p:ext uri="{BB962C8B-B14F-4D97-AF65-F5344CB8AC3E}">
-        <p14:creationId xmlns:p14="http://schemas.microsoft.com/office/powerpoint/2010/main" val="2705181770"/>
-      </p:ext>
-    </p:extLst>
-  </p:cSld>
-  <p:clrMapOvr>
-    <a:masterClrMapping/>
-  </p:clrMapOvr>
-  <p:timing>
-    <p:tnLst>
-      <p:par>
-        <p:cTn id="1" dur="indefinite" restart="never" nodeType="tmRoot"/>
-      </p:par>
-    </p:tnLst>
-  </p:timing>
-</p:sld>
-</file>
-
-<file path=ppt/slides/slide7.xml><?xml version="1.0" encoding="utf-8"?>
-<p:sld xmlns:a="http://schemas.openxmlformats.org/drawingml/2006/main" xmlns:r="http://schemas.openxmlformats.org/officeDocument/2006/relationships" xmlns:p="http://schemas.openxmlformats.org/presentationml/2006/main">
-  <p:cSld>
-    <p:spTree>
-      <p:nvGrpSpPr>
-        <p:cNvPr id="1" name=""/>
-        <p:cNvGrpSpPr/>
-        <p:nvPr/>
-      </p:nvGrpSpPr>
-      <p:grpSpPr>
-        <a:xfrm>
-          <a:off x="0" y="0"/>
-          <a:ext cx="0" cy="0"/>
-          <a:chOff x="0" y="0"/>
-          <a:chExt cx="0" cy="0"/>
-        </a:xfrm>
-      </p:grpSpPr>
-      <p:sp>
-        <p:nvSpPr>
-          <p:cNvPr id="2" name="Title 1"/>
-          <p:cNvSpPr>
-            <a:spLocks noGrp="1"/>
-          </p:cNvSpPr>
-          <p:nvPr>
-            <p:ph type="title"/>
-          </p:nvPr>
-        </p:nvSpPr>
-        <p:spPr/>
-        <p:txBody>
-          <a:bodyPr/>
-          <a:lstStyle/>
-          <a:p>
-            <a:r>
-              <a:rPr lang="en-US" dirty="0" smtClean="0"/>
-              <a:t>Simple Example - Function</a:t>
-            </a:r>
-            <a:endParaRPr lang="en-US" dirty="0"/>
-          </a:p>
-        </p:txBody>
-      </p:sp>
-      <p:sp>
-        <p:nvSpPr>
-          <p:cNvPr id="4" name="Date Placeholder 3"/>
-          <p:cNvSpPr>
-            <a:spLocks noGrp="1"/>
-          </p:cNvSpPr>
-          <p:nvPr>
-            <p:ph type="dt" sz="half" idx="10"/>
-          </p:nvPr>
-        </p:nvSpPr>
-        <p:spPr/>
-        <p:txBody>
-          <a:bodyPr/>
-          <a:lstStyle/>
-          <a:p>
-            <a:r>
-              <a:rPr lang="en-US" smtClean="0"/>
-              <a:t>2018-06-09</a:t>
-            </a:r>
-            <a:endParaRPr lang="en-US" dirty="0"/>
-          </a:p>
-        </p:txBody>
-      </p:sp>
-      <p:sp>
-        <p:nvSpPr>
-          <p:cNvPr id="5" name="Slide Number Placeholder 4"/>
-          <p:cNvSpPr>
-            <a:spLocks noGrp="1"/>
-          </p:cNvSpPr>
-          <p:nvPr>
-            <p:ph type="sldNum" sz="quarter" idx="12"/>
-          </p:nvPr>
-        </p:nvSpPr>
-        <p:spPr/>
-        <p:txBody>
-          <a:bodyPr/>
-          <a:lstStyle/>
-          <a:p>
-            <a:fld id="{05869706-863E-4BD1-B682-3CD80F60367B}" type="slidenum">
-              <a:rPr lang="en-US" smtClean="0"/>
-              <a:t>7</a:t>
             </a:fld>
             <a:endParaRPr lang="en-US"/>
           </a:p>
@@ -18307,7 +17149,7 @@
 </p:sld>
 </file>
 
-<file path=ppt/slides/slide8.xml><?xml version="1.0" encoding="utf-8"?>
+<file path=ppt/slides/slide7.xml><?xml version="1.0" encoding="utf-8"?>
 <p:sld xmlns:a="http://schemas.openxmlformats.org/drawingml/2006/main" xmlns:r="http://schemas.openxmlformats.org/officeDocument/2006/relationships" xmlns:p="http://schemas.openxmlformats.org/presentationml/2006/main">
   <p:cSld>
     <p:spTree>
@@ -18364,7 +17206,7 @@
           <a:p>
             <a:r>
               <a:rPr lang="en-US" smtClean="0"/>
-              <a:t>2018-06-09</a:t>
+              <a:t>2019-02-19</a:t>
             </a:r>
             <a:endParaRPr lang="en-US" dirty="0"/>
           </a:p>
@@ -18387,7 +17229,7 @@
           <a:p>
             <a:fld id="{05869706-863E-4BD1-B682-3CD80F60367B}" type="slidenum">
               <a:rPr lang="en-US" smtClean="0"/>
-              <a:t>8</a:t>
+              <a:t>7</a:t>
             </a:fld>
             <a:endParaRPr lang="en-US"/>
           </a:p>
@@ -18453,6 +17295,1184 @@
     <p:extLst>
       <p:ext uri="{BB962C8B-B14F-4D97-AF65-F5344CB8AC3E}">
         <p14:creationId xmlns:p14="http://schemas.microsoft.com/office/powerpoint/2010/main" val="1089531153"/>
+      </p:ext>
+    </p:extLst>
+  </p:cSld>
+  <p:clrMapOvr>
+    <a:masterClrMapping/>
+  </p:clrMapOvr>
+  <p:timing>
+    <p:tnLst>
+      <p:par>
+        <p:cTn id="1" dur="indefinite" restart="never" nodeType="tmRoot"/>
+      </p:par>
+    </p:tnLst>
+  </p:timing>
+</p:sld>
+</file>
+
+<file path=ppt/slides/slide8.xml><?xml version="1.0" encoding="utf-8"?>
+<p:sld xmlns:a="http://schemas.openxmlformats.org/drawingml/2006/main" xmlns:r="http://schemas.openxmlformats.org/officeDocument/2006/relationships" xmlns:p="http://schemas.openxmlformats.org/presentationml/2006/main">
+  <p:cSld>
+    <p:spTree>
+      <p:nvGrpSpPr>
+        <p:cNvPr id="1" name=""/>
+        <p:cNvGrpSpPr/>
+        <p:nvPr/>
+      </p:nvGrpSpPr>
+      <p:grpSpPr>
+        <a:xfrm>
+          <a:off x="0" y="0"/>
+          <a:ext cx="0" cy="0"/>
+          <a:chOff x="0" y="0"/>
+          <a:chExt cx="0" cy="0"/>
+        </a:xfrm>
+      </p:grpSpPr>
+      <p:sp>
+        <p:nvSpPr>
+          <p:cNvPr id="2" name="Title 1"/>
+          <p:cNvSpPr>
+            <a:spLocks noGrp="1"/>
+          </p:cNvSpPr>
+          <p:nvPr>
+            <p:ph type="title"/>
+          </p:nvPr>
+        </p:nvSpPr>
+        <p:spPr/>
+        <p:txBody>
+          <a:bodyPr>
+            <a:normAutofit/>
+          </a:bodyPr>
+          <a:lstStyle/>
+          <a:p>
+            <a:r>
+              <a:rPr lang="en-US" dirty="0" smtClean="0"/>
+              <a:t>Interface - Function or Procedure</a:t>
+            </a:r>
+            <a:endParaRPr lang="en-US" dirty="0"/>
+          </a:p>
+        </p:txBody>
+      </p:sp>
+      <p:sp>
+        <p:nvSpPr>
+          <p:cNvPr id="3" name="Content Placeholder 2"/>
+          <p:cNvSpPr>
+            <a:spLocks noGrp="1"/>
+          </p:cNvSpPr>
+          <p:nvPr>
+            <p:ph idx="1"/>
+          </p:nvPr>
+        </p:nvSpPr>
+        <p:spPr>
+          <a:xfrm>
+            <a:off x="304800" y="1047750"/>
+            <a:ext cx="8458200" cy="3733800"/>
+          </a:xfrm>
+        </p:spPr>
+        <p:txBody>
+          <a:bodyPr>
+            <a:normAutofit fontScale="40000" lnSpcReduction="20000"/>
+          </a:bodyPr>
+          <a:lstStyle/>
+          <a:p>
+            <a:pPr marL="0" indent="0">
+              <a:buNone/>
+            </a:pPr>
+            <a:r>
+              <a:rPr lang="en-US" sz="5000" b="1" dirty="0" smtClean="0">
+                <a:solidFill>
+                  <a:srgbClr val="008080"/>
+                </a:solidFill>
+                <a:highlight>
+                  <a:srgbClr val="FFFFFF"/>
+                </a:highlight>
+                <a:latin typeface="Courier New"/>
+              </a:rPr>
+              <a:t>select</a:t>
+            </a:r>
+            <a:r>
+              <a:rPr lang="en-US" sz="5000" b="1" dirty="0" smtClean="0">
+                <a:solidFill>
+                  <a:srgbClr val="000080"/>
+                </a:solidFill>
+                <a:highlight>
+                  <a:srgbClr val="FFFFFF"/>
+                </a:highlight>
+                <a:latin typeface="Courier New"/>
+              </a:rPr>
+              <a:t> *</a:t>
+            </a:r>
+          </a:p>
+          <a:p>
+            <a:pPr marL="0" indent="0">
+              <a:buNone/>
+            </a:pPr>
+            <a:r>
+              <a:rPr lang="en-US" sz="5000" b="1" dirty="0" smtClean="0">
+                <a:solidFill>
+                  <a:srgbClr val="008080"/>
+                </a:solidFill>
+                <a:highlight>
+                  <a:srgbClr val="FFFFFF"/>
+                </a:highlight>
+                <a:latin typeface="Courier New"/>
+              </a:rPr>
+              <a:t>from</a:t>
+            </a:r>
+            <a:r>
+              <a:rPr lang="en-US" sz="5000" b="1" dirty="0" smtClean="0">
+                <a:solidFill>
+                  <a:srgbClr val="000080"/>
+                </a:solidFill>
+                <a:highlight>
+                  <a:srgbClr val="FFFFFF"/>
+                </a:highlight>
+                <a:latin typeface="Courier New"/>
+              </a:rPr>
+              <a:t> </a:t>
+            </a:r>
+            <a:r>
+              <a:rPr lang="en-US" sz="5000" b="1" dirty="0" smtClean="0">
+                <a:solidFill>
+                  <a:srgbClr val="008080"/>
+                </a:solidFill>
+                <a:highlight>
+                  <a:srgbClr val="FFFFFF"/>
+                </a:highlight>
+                <a:latin typeface="Courier New"/>
+              </a:rPr>
+              <a:t>table</a:t>
+            </a:r>
+            <a:r>
+              <a:rPr lang="en-US" sz="5000" b="1" dirty="0" smtClean="0">
+                <a:solidFill>
+                  <a:srgbClr val="000080"/>
+                </a:solidFill>
+                <a:highlight>
+                  <a:srgbClr val="FFFFFF"/>
+                </a:highlight>
+                <a:latin typeface="Courier New"/>
+              </a:rPr>
+              <a:t>(m5(</a:t>
+            </a:r>
+            <a:r>
+              <a:rPr lang="en-US" sz="5000" b="1" dirty="0" smtClean="0">
+                <a:solidFill>
+                  <a:srgbClr val="0000FF"/>
+                </a:solidFill>
+                <a:highlight>
+                  <a:srgbClr val="FFFFFF"/>
+                </a:highlight>
+                <a:latin typeface="Courier New"/>
+              </a:rPr>
+              <a:t>'select </a:t>
+            </a:r>
+            <a:r>
+              <a:rPr lang="en-US" sz="5000" b="1" dirty="0">
+                <a:solidFill>
+                  <a:srgbClr val="0000FF"/>
+                </a:solidFill>
+                <a:highlight>
+                  <a:srgbClr val="FFFFFF"/>
+                </a:highlight>
+                <a:latin typeface="Courier New"/>
+              </a:rPr>
+              <a:t>* from dual'</a:t>
+            </a:r>
+            <a:r>
+              <a:rPr lang="en-US" sz="5000" b="1" dirty="0">
+                <a:solidFill>
+                  <a:srgbClr val="000080"/>
+                </a:solidFill>
+                <a:highlight>
+                  <a:srgbClr val="FFFFFF"/>
+                </a:highlight>
+                <a:latin typeface="Courier New"/>
+              </a:rPr>
+              <a:t>, </a:t>
+            </a:r>
+            <a:r>
+              <a:rPr lang="en-US" sz="5000" b="1" dirty="0">
+                <a:solidFill>
+                  <a:srgbClr val="0000FF"/>
+                </a:solidFill>
+                <a:highlight>
+                  <a:srgbClr val="FFFFFF"/>
+                </a:highlight>
+                <a:latin typeface="Courier New"/>
+              </a:rPr>
+              <a:t>'</a:t>
+            </a:r>
+            <a:r>
+              <a:rPr lang="en-US" sz="5000" b="1" dirty="0" err="1">
+                <a:solidFill>
+                  <a:srgbClr val="0000FF"/>
+                </a:solidFill>
+                <a:highlight>
+                  <a:srgbClr val="FFFFFF"/>
+                </a:highlight>
+                <a:latin typeface="Courier New"/>
+              </a:rPr>
+              <a:t>dev,qa</a:t>
+            </a:r>
+            <a:r>
+              <a:rPr lang="en-US" sz="5000" b="1" dirty="0" smtClean="0">
+                <a:solidFill>
+                  <a:srgbClr val="0000FF"/>
+                </a:solidFill>
+                <a:highlight>
+                  <a:srgbClr val="FFFFFF"/>
+                </a:highlight>
+                <a:latin typeface="Courier New"/>
+              </a:rPr>
+              <a:t>'</a:t>
+            </a:r>
+            <a:r>
+              <a:rPr lang="en-US" sz="5000" b="1" dirty="0" smtClean="0">
+                <a:solidFill>
+                  <a:srgbClr val="000080"/>
+                </a:solidFill>
+                <a:highlight>
+                  <a:srgbClr val="FFFFFF"/>
+                </a:highlight>
+                <a:latin typeface="Courier New"/>
+              </a:rPr>
+              <a:t>));</a:t>
+            </a:r>
+            <a:endParaRPr lang="en-US" sz="2600" b="1" dirty="0" smtClean="0">
+              <a:solidFill>
+                <a:srgbClr val="000080"/>
+              </a:solidFill>
+              <a:highlight>
+                <a:srgbClr val="FFFFFF"/>
+              </a:highlight>
+              <a:latin typeface="Courier New"/>
+            </a:endParaRPr>
+          </a:p>
+          <a:p>
+            <a:pPr marL="0" indent="0">
+              <a:buNone/>
+            </a:pPr>
+            <a:endParaRPr lang="en-US" sz="2000" b="1" dirty="0" smtClean="0">
+              <a:solidFill>
+                <a:srgbClr val="000080"/>
+              </a:solidFill>
+              <a:highlight>
+                <a:srgbClr val="FFFFFF"/>
+              </a:highlight>
+              <a:latin typeface="Courier New"/>
+            </a:endParaRPr>
+          </a:p>
+          <a:p>
+            <a:pPr marL="0" indent="0">
+              <a:buNone/>
+            </a:pPr>
+            <a:endParaRPr lang="en-US" sz="2000" b="1" dirty="0" smtClean="0">
+              <a:solidFill>
+                <a:srgbClr val="000080"/>
+              </a:solidFill>
+              <a:highlight>
+                <a:srgbClr val="FFFFFF"/>
+              </a:highlight>
+              <a:latin typeface="Courier New"/>
+            </a:endParaRPr>
+          </a:p>
+          <a:p>
+            <a:pPr marL="0" indent="0">
+              <a:buNone/>
+            </a:pPr>
+            <a:r>
+              <a:rPr lang="en-US" sz="2000" b="1" dirty="0" smtClean="0">
+                <a:solidFill>
+                  <a:srgbClr val="000080"/>
+                </a:solidFill>
+                <a:highlight>
+                  <a:srgbClr val="FFFFFF"/>
+                </a:highlight>
+                <a:latin typeface="Courier New"/>
+              </a:rPr>
+              <a:t/>
+            </a:r>
+            <a:br>
+              <a:rPr lang="en-US" sz="2000" b="1" dirty="0" smtClean="0">
+                <a:solidFill>
+                  <a:srgbClr val="000080"/>
+                </a:solidFill>
+                <a:highlight>
+                  <a:srgbClr val="FFFFFF"/>
+                </a:highlight>
+                <a:latin typeface="Courier New"/>
+              </a:rPr>
+            </a:br>
+            <a:r>
+              <a:rPr lang="en-US" sz="4000" b="1" dirty="0" smtClean="0">
+                <a:solidFill>
+                  <a:srgbClr val="008080"/>
+                </a:solidFill>
+                <a:highlight>
+                  <a:srgbClr val="FFFFFF"/>
+                </a:highlight>
+                <a:latin typeface="Courier New"/>
+              </a:rPr>
+              <a:t>begin</a:t>
+            </a:r>
+            <a:endParaRPr lang="en-US" sz="4000" b="1" dirty="0">
+              <a:solidFill>
+                <a:srgbClr val="000080"/>
+              </a:solidFill>
+              <a:highlight>
+                <a:srgbClr val="FFFFFF"/>
+              </a:highlight>
+              <a:latin typeface="Courier New"/>
+            </a:endParaRPr>
+          </a:p>
+          <a:p>
+            <a:pPr marL="0" indent="0">
+              <a:buNone/>
+            </a:pPr>
+            <a:r>
+              <a:rPr lang="en-US" sz="4000" b="1" dirty="0" smtClean="0">
+                <a:solidFill>
+                  <a:srgbClr val="000080"/>
+                </a:solidFill>
+                <a:highlight>
+                  <a:srgbClr val="FFFFFF"/>
+                </a:highlight>
+                <a:latin typeface="Courier New"/>
+              </a:rPr>
+              <a:t>  m5_proc</a:t>
+            </a:r>
+            <a:r>
+              <a:rPr lang="en-US" sz="4000" b="1" dirty="0">
+                <a:solidFill>
+                  <a:srgbClr val="000080"/>
+                </a:solidFill>
+                <a:highlight>
+                  <a:srgbClr val="FFFFFF"/>
+                </a:highlight>
+                <a:latin typeface="Courier New"/>
+              </a:rPr>
+              <a:t>(</a:t>
+            </a:r>
+          </a:p>
+          <a:p>
+            <a:pPr marL="0" indent="0">
+              <a:buNone/>
+            </a:pPr>
+            <a:r>
+              <a:rPr lang="en-US" sz="4000" b="1" dirty="0" smtClean="0">
+                <a:solidFill>
+                  <a:srgbClr val="000080"/>
+                </a:solidFill>
+                <a:highlight>
+                  <a:srgbClr val="FFFFFF"/>
+                </a:highlight>
+                <a:latin typeface="Courier New"/>
+              </a:rPr>
+              <a:t>    </a:t>
+            </a:r>
+            <a:r>
+              <a:rPr lang="en-US" sz="4000" b="1" dirty="0" err="1" smtClean="0">
+                <a:solidFill>
+                  <a:srgbClr val="000080"/>
+                </a:solidFill>
+                <a:highlight>
+                  <a:srgbClr val="FFFFFF"/>
+                </a:highlight>
+                <a:latin typeface="Courier New"/>
+              </a:rPr>
+              <a:t>p_code</a:t>
+            </a:r>
+            <a:r>
+              <a:rPr lang="en-US" sz="4000" b="1" dirty="0" smtClean="0">
+                <a:solidFill>
+                  <a:srgbClr val="000080"/>
+                </a:solidFill>
+                <a:highlight>
+                  <a:srgbClr val="FFFFFF"/>
+                </a:highlight>
+                <a:latin typeface="Courier New"/>
+              </a:rPr>
+              <a:t>                =&gt; </a:t>
+            </a:r>
+            <a:r>
+              <a:rPr lang="en-US" sz="4000" b="1" dirty="0" smtClean="0">
+                <a:solidFill>
+                  <a:srgbClr val="0000FF"/>
+                </a:solidFill>
+                <a:highlight>
+                  <a:srgbClr val="FFFFFF"/>
+                </a:highlight>
+                <a:latin typeface="Courier New"/>
+              </a:rPr>
+              <a:t>'begin null; end;'</a:t>
+            </a:r>
+            <a:r>
+              <a:rPr lang="en-US" sz="4000" b="1" dirty="0" smtClean="0">
+                <a:solidFill>
+                  <a:srgbClr val="000080"/>
+                </a:solidFill>
+                <a:highlight>
+                  <a:srgbClr val="FFFFFF"/>
+                </a:highlight>
+                <a:latin typeface="Courier New"/>
+              </a:rPr>
+              <a:t>,</a:t>
+            </a:r>
+            <a:endParaRPr lang="en-US" sz="4000" b="1" dirty="0">
+              <a:solidFill>
+                <a:srgbClr val="000080"/>
+              </a:solidFill>
+              <a:highlight>
+                <a:srgbClr val="FFFFFF"/>
+              </a:highlight>
+              <a:latin typeface="Courier New"/>
+            </a:endParaRPr>
+          </a:p>
+          <a:p>
+            <a:pPr marL="0" indent="0">
+              <a:buNone/>
+            </a:pPr>
+            <a:r>
+              <a:rPr lang="en-US" sz="4000" b="1" dirty="0" smtClean="0">
+                <a:solidFill>
+                  <a:srgbClr val="000080"/>
+                </a:solidFill>
+                <a:highlight>
+                  <a:srgbClr val="FFFFFF"/>
+                </a:highlight>
+                <a:latin typeface="Courier New"/>
+              </a:rPr>
+              <a:t>    </a:t>
+            </a:r>
+            <a:r>
+              <a:rPr lang="en-US" sz="4000" b="1" dirty="0" err="1" smtClean="0">
+                <a:solidFill>
+                  <a:srgbClr val="000080"/>
+                </a:solidFill>
+                <a:highlight>
+                  <a:srgbClr val="FFFFFF"/>
+                </a:highlight>
+                <a:latin typeface="Courier New"/>
+              </a:rPr>
+              <a:t>p_targets</a:t>
+            </a:r>
+            <a:r>
+              <a:rPr lang="en-US" sz="4000" b="1" dirty="0" smtClean="0">
+                <a:solidFill>
+                  <a:srgbClr val="000080"/>
+                </a:solidFill>
+                <a:highlight>
+                  <a:srgbClr val="FFFFFF"/>
+                </a:highlight>
+                <a:latin typeface="Courier New"/>
+              </a:rPr>
+              <a:t>             =&gt; </a:t>
+            </a:r>
+            <a:r>
+              <a:rPr lang="en-US" sz="4000" b="1" dirty="0" smtClean="0">
+                <a:solidFill>
+                  <a:srgbClr val="0000FF"/>
+                </a:solidFill>
+                <a:highlight>
+                  <a:srgbClr val="FFFFFF"/>
+                </a:highlight>
+                <a:latin typeface="Courier New"/>
+              </a:rPr>
+              <a:t>'</a:t>
+            </a:r>
+            <a:r>
+              <a:rPr lang="en-US" sz="4000" b="1" dirty="0" err="1" smtClean="0">
+                <a:solidFill>
+                  <a:srgbClr val="0000FF"/>
+                </a:solidFill>
+                <a:highlight>
+                  <a:srgbClr val="FFFFFF"/>
+                </a:highlight>
+                <a:latin typeface="Courier New"/>
+              </a:rPr>
+              <a:t>dev,qa</a:t>
+            </a:r>
+            <a:r>
+              <a:rPr lang="en-US" sz="4000" b="1" dirty="0">
+                <a:solidFill>
+                  <a:srgbClr val="0000FF"/>
+                </a:solidFill>
+                <a:highlight>
+                  <a:srgbClr val="FFFFFF"/>
+                </a:highlight>
+                <a:latin typeface="Courier New"/>
+              </a:rPr>
+              <a:t>'</a:t>
+            </a:r>
+            <a:r>
+              <a:rPr lang="en-US" sz="4000" b="1" dirty="0">
+                <a:solidFill>
+                  <a:srgbClr val="000080"/>
+                </a:solidFill>
+                <a:highlight>
+                  <a:srgbClr val="FFFFFF"/>
+                </a:highlight>
+                <a:latin typeface="Courier New"/>
+              </a:rPr>
+              <a:t>,</a:t>
+            </a:r>
+          </a:p>
+          <a:p>
+            <a:pPr marL="0" indent="0">
+              <a:buNone/>
+            </a:pPr>
+            <a:r>
+              <a:rPr lang="en-US" sz="4000" b="1" dirty="0" smtClean="0">
+                <a:solidFill>
+                  <a:srgbClr val="000080"/>
+                </a:solidFill>
+                <a:highlight>
+                  <a:srgbClr val="FFFFFF"/>
+                </a:highlight>
+                <a:latin typeface="Courier New"/>
+              </a:rPr>
+              <a:t>    </a:t>
+            </a:r>
+            <a:r>
+              <a:rPr lang="en-US" sz="4000" b="1" dirty="0" err="1" smtClean="0">
+                <a:solidFill>
+                  <a:srgbClr val="000080"/>
+                </a:solidFill>
+                <a:highlight>
+                  <a:srgbClr val="FFFFFF"/>
+                </a:highlight>
+                <a:latin typeface="Courier New"/>
+              </a:rPr>
+              <a:t>p_table_name</a:t>
+            </a:r>
+            <a:r>
+              <a:rPr lang="en-US" sz="4000" b="1" dirty="0" smtClean="0">
+                <a:solidFill>
+                  <a:srgbClr val="000080"/>
+                </a:solidFill>
+                <a:highlight>
+                  <a:srgbClr val="FFFFFF"/>
+                </a:highlight>
+                <a:latin typeface="Courier New"/>
+              </a:rPr>
+              <a:t>          =&gt; </a:t>
+            </a:r>
+            <a:r>
+              <a:rPr lang="en-US" sz="4000" b="1" dirty="0">
+                <a:solidFill>
+                  <a:srgbClr val="0000FF"/>
+                </a:solidFill>
+                <a:highlight>
+                  <a:srgbClr val="FFFFFF"/>
+                </a:highlight>
+                <a:latin typeface="Courier New"/>
+              </a:rPr>
+              <a:t>'</a:t>
+            </a:r>
+            <a:r>
+              <a:rPr lang="en-US" sz="4000" b="1" dirty="0" err="1">
+                <a:solidFill>
+                  <a:srgbClr val="0000FF"/>
+                </a:solidFill>
+                <a:highlight>
+                  <a:srgbClr val="FFFFFF"/>
+                </a:highlight>
+                <a:latin typeface="Courier New"/>
+              </a:rPr>
+              <a:t>test_data</a:t>
+            </a:r>
+            <a:r>
+              <a:rPr lang="en-US" sz="4000" b="1" dirty="0">
+                <a:solidFill>
+                  <a:srgbClr val="0000FF"/>
+                </a:solidFill>
+                <a:highlight>
+                  <a:srgbClr val="FFFFFF"/>
+                </a:highlight>
+                <a:latin typeface="Courier New"/>
+              </a:rPr>
+              <a:t>'</a:t>
+            </a:r>
+            <a:r>
+              <a:rPr lang="en-US" sz="4000" b="1" dirty="0">
+                <a:solidFill>
+                  <a:srgbClr val="000080"/>
+                </a:solidFill>
+                <a:highlight>
+                  <a:srgbClr val="FFFFFF"/>
+                </a:highlight>
+                <a:latin typeface="Courier New"/>
+              </a:rPr>
+              <a:t>,</a:t>
+            </a:r>
+          </a:p>
+          <a:p>
+            <a:pPr marL="0" indent="0">
+              <a:buNone/>
+            </a:pPr>
+            <a:r>
+              <a:rPr lang="en-US" sz="4000" b="1" dirty="0" smtClean="0">
+                <a:solidFill>
+                  <a:srgbClr val="000080"/>
+                </a:solidFill>
+                <a:highlight>
+                  <a:srgbClr val="FFFFFF"/>
+                </a:highlight>
+                <a:latin typeface="Courier New"/>
+              </a:rPr>
+              <a:t>    </a:t>
+            </a:r>
+            <a:r>
+              <a:rPr lang="en-US" sz="4000" b="1" dirty="0" err="1" smtClean="0">
+                <a:solidFill>
+                  <a:srgbClr val="000080"/>
+                </a:solidFill>
+                <a:highlight>
+                  <a:srgbClr val="FFFFFF"/>
+                </a:highlight>
+                <a:latin typeface="Courier New"/>
+              </a:rPr>
+              <a:t>p_table_exists_action</a:t>
+            </a:r>
+            <a:r>
+              <a:rPr lang="en-US" sz="4000" b="1" dirty="0" smtClean="0">
+                <a:solidFill>
+                  <a:srgbClr val="000080"/>
+                </a:solidFill>
+                <a:highlight>
+                  <a:srgbClr val="FFFFFF"/>
+                </a:highlight>
+                <a:latin typeface="Courier New"/>
+              </a:rPr>
+              <a:t> </a:t>
+            </a:r>
+            <a:r>
+              <a:rPr lang="en-US" sz="4000" b="1" dirty="0">
+                <a:solidFill>
+                  <a:srgbClr val="000080"/>
+                </a:solidFill>
+                <a:highlight>
+                  <a:srgbClr val="FFFFFF"/>
+                </a:highlight>
+                <a:latin typeface="Courier New"/>
+              </a:rPr>
+              <a:t>=&gt; </a:t>
+            </a:r>
+            <a:r>
+              <a:rPr lang="en-US" sz="4000" b="1" dirty="0">
+                <a:solidFill>
+                  <a:srgbClr val="0000FF"/>
+                </a:solidFill>
+                <a:highlight>
+                  <a:srgbClr val="FFFFFF"/>
+                </a:highlight>
+                <a:latin typeface="Courier New"/>
+              </a:rPr>
+              <a:t>'drop'</a:t>
+            </a:r>
+            <a:r>
+              <a:rPr lang="en-US" sz="4000" b="1" dirty="0">
+                <a:solidFill>
+                  <a:srgbClr val="000080"/>
+                </a:solidFill>
+                <a:highlight>
+                  <a:srgbClr val="FFFFFF"/>
+                </a:highlight>
+                <a:latin typeface="Courier New"/>
+              </a:rPr>
+              <a:t>,</a:t>
+            </a:r>
+          </a:p>
+          <a:p>
+            <a:pPr marL="0" indent="0">
+              <a:buNone/>
+            </a:pPr>
+            <a:r>
+              <a:rPr lang="en-US" sz="4000" b="1" dirty="0" smtClean="0">
+                <a:solidFill>
+                  <a:srgbClr val="000080"/>
+                </a:solidFill>
+                <a:highlight>
+                  <a:srgbClr val="FFFFFF"/>
+                </a:highlight>
+                <a:latin typeface="Courier New"/>
+              </a:rPr>
+              <a:t>    </a:t>
+            </a:r>
+            <a:r>
+              <a:rPr lang="en-US" sz="4000" b="1" dirty="0" err="1" smtClean="0">
+                <a:solidFill>
+                  <a:srgbClr val="000080"/>
+                </a:solidFill>
+                <a:highlight>
+                  <a:srgbClr val="FFFFFF"/>
+                </a:highlight>
+                <a:latin typeface="Courier New"/>
+              </a:rPr>
+              <a:t>p_asynchronous</a:t>
+            </a:r>
+            <a:r>
+              <a:rPr lang="en-US" sz="4000" b="1" dirty="0" smtClean="0">
+                <a:solidFill>
+                  <a:srgbClr val="000080"/>
+                </a:solidFill>
+                <a:highlight>
+                  <a:srgbClr val="FFFFFF"/>
+                </a:highlight>
+                <a:latin typeface="Courier New"/>
+              </a:rPr>
+              <a:t>        =&gt; </a:t>
+            </a:r>
+            <a:r>
+              <a:rPr lang="en-US" sz="4000" b="1" dirty="0" smtClean="0">
+                <a:solidFill>
+                  <a:srgbClr val="008080"/>
+                </a:solidFill>
+                <a:highlight>
+                  <a:srgbClr val="FFFFFF"/>
+                </a:highlight>
+                <a:latin typeface="Courier New"/>
+              </a:rPr>
+              <a:t>true</a:t>
+            </a:r>
+            <a:r>
+              <a:rPr lang="en-US" sz="4000" b="1" dirty="0">
+                <a:solidFill>
+                  <a:srgbClr val="000080"/>
+                </a:solidFill>
+                <a:highlight>
+                  <a:srgbClr val="FFFFFF"/>
+                </a:highlight>
+                <a:latin typeface="Courier New"/>
+              </a:rPr>
+              <a:t>,</a:t>
+            </a:r>
+            <a:endParaRPr lang="en-US" sz="4000" b="1" dirty="0" smtClean="0">
+              <a:solidFill>
+                <a:srgbClr val="000080"/>
+              </a:solidFill>
+              <a:highlight>
+                <a:srgbClr val="FFFFFF"/>
+              </a:highlight>
+              <a:latin typeface="Courier New"/>
+            </a:endParaRPr>
+          </a:p>
+          <a:p>
+            <a:pPr marL="0" indent="0">
+              <a:buNone/>
+            </a:pPr>
+            <a:r>
+              <a:rPr lang="en-US" sz="4000" b="1" dirty="0" smtClean="0">
+                <a:solidFill>
+                  <a:srgbClr val="000080"/>
+                </a:solidFill>
+                <a:highlight>
+                  <a:srgbClr val="FFFFFF"/>
+                </a:highlight>
+                <a:latin typeface="Courier New"/>
+              </a:rPr>
+              <a:t>    </a:t>
+            </a:r>
+            <a:r>
+              <a:rPr lang="en-US" sz="4000" b="1" dirty="0" err="1">
+                <a:solidFill>
+                  <a:srgbClr val="000080"/>
+                </a:solidFill>
+                <a:highlight>
+                  <a:srgbClr val="FFFFFF"/>
+                </a:highlight>
+                <a:latin typeface="Courier New"/>
+              </a:rPr>
+              <a:t>p_run_as_sys</a:t>
+            </a:r>
+            <a:r>
+              <a:rPr lang="en-US" sz="4000" b="1" dirty="0">
+                <a:solidFill>
+                  <a:srgbClr val="000080"/>
+                </a:solidFill>
+                <a:highlight>
+                  <a:srgbClr val="FFFFFF"/>
+                </a:highlight>
+                <a:latin typeface="Courier New"/>
+              </a:rPr>
+              <a:t>          =&gt; </a:t>
+            </a:r>
+            <a:r>
+              <a:rPr lang="en-US" sz="4000" b="1" dirty="0">
+                <a:solidFill>
+                  <a:srgbClr val="008080"/>
+                </a:solidFill>
+                <a:highlight>
+                  <a:srgbClr val="FFFFFF"/>
+                </a:highlight>
+                <a:latin typeface="Courier New"/>
+              </a:rPr>
+              <a:t>false</a:t>
+            </a:r>
+            <a:endParaRPr lang="en-US" sz="4000" b="1" dirty="0" smtClean="0">
+              <a:solidFill>
+                <a:srgbClr val="000080"/>
+              </a:solidFill>
+              <a:highlight>
+                <a:srgbClr val="FFFFFF"/>
+              </a:highlight>
+              <a:latin typeface="Courier New"/>
+            </a:endParaRPr>
+          </a:p>
+          <a:p>
+            <a:pPr marL="0" indent="0">
+              <a:buNone/>
+            </a:pPr>
+            <a:r>
+              <a:rPr lang="en-US" sz="4000" b="1" dirty="0" smtClean="0">
+                <a:solidFill>
+                  <a:srgbClr val="000080"/>
+                </a:solidFill>
+                <a:highlight>
+                  <a:srgbClr val="FFFFFF"/>
+                </a:highlight>
+                <a:latin typeface="Courier New"/>
+              </a:rPr>
+              <a:t>  );</a:t>
+            </a:r>
+            <a:endParaRPr lang="en-US" sz="4000" b="1" dirty="0">
+              <a:solidFill>
+                <a:srgbClr val="000080"/>
+              </a:solidFill>
+              <a:highlight>
+                <a:srgbClr val="FFFFFF"/>
+              </a:highlight>
+              <a:latin typeface="Courier New"/>
+            </a:endParaRPr>
+          </a:p>
+          <a:p>
+            <a:pPr marL="0" indent="0">
+              <a:buNone/>
+            </a:pPr>
+            <a:r>
+              <a:rPr lang="en-US" sz="4000" b="1" dirty="0" smtClean="0">
+                <a:solidFill>
+                  <a:srgbClr val="008080"/>
+                </a:solidFill>
+                <a:highlight>
+                  <a:srgbClr val="FFFFFF"/>
+                </a:highlight>
+                <a:latin typeface="Courier New"/>
+              </a:rPr>
+              <a:t>end</a:t>
+            </a:r>
+            <a:r>
+              <a:rPr lang="en-US" sz="4000" b="1" dirty="0">
+                <a:solidFill>
+                  <a:srgbClr val="000080"/>
+                </a:solidFill>
+                <a:highlight>
+                  <a:srgbClr val="FFFFFF"/>
+                </a:highlight>
+                <a:latin typeface="Courier New"/>
+              </a:rPr>
+              <a:t>;</a:t>
+            </a:r>
+          </a:p>
+          <a:p>
+            <a:pPr marL="0" indent="0">
+              <a:buNone/>
+            </a:pPr>
+            <a:r>
+              <a:rPr lang="en-US" sz="4000" b="1" dirty="0" smtClean="0">
+                <a:solidFill>
+                  <a:srgbClr val="000080"/>
+                </a:solidFill>
+                <a:highlight>
+                  <a:srgbClr val="FFFFFF"/>
+                </a:highlight>
+                <a:latin typeface="Courier New"/>
+              </a:rPr>
+              <a:t>/</a:t>
+            </a:r>
+            <a:endParaRPr lang="en-US" sz="2600" b="1" dirty="0" smtClean="0">
+              <a:solidFill>
+                <a:srgbClr val="000080"/>
+              </a:solidFill>
+              <a:highlight>
+                <a:srgbClr val="FFFFFF"/>
+              </a:highlight>
+              <a:latin typeface="Courier New"/>
+            </a:endParaRPr>
+          </a:p>
+        </p:txBody>
+      </p:sp>
+      <p:sp>
+        <p:nvSpPr>
+          <p:cNvPr id="4" name="Date Placeholder 3"/>
+          <p:cNvSpPr>
+            <a:spLocks noGrp="1"/>
+          </p:cNvSpPr>
+          <p:nvPr>
+            <p:ph type="dt" sz="half" idx="10"/>
+          </p:nvPr>
+        </p:nvSpPr>
+        <p:spPr/>
+        <p:txBody>
+          <a:bodyPr/>
+          <a:lstStyle/>
+          <a:p>
+            <a:r>
+              <a:rPr lang="en-US" smtClean="0"/>
+              <a:t>2019-02-19</a:t>
+            </a:r>
+            <a:endParaRPr lang="en-US" dirty="0"/>
+          </a:p>
+        </p:txBody>
+      </p:sp>
+      <p:sp>
+        <p:nvSpPr>
+          <p:cNvPr id="5" name="Slide Number Placeholder 4"/>
+          <p:cNvSpPr>
+            <a:spLocks noGrp="1"/>
+          </p:cNvSpPr>
+          <p:nvPr>
+            <p:ph type="sldNum" sz="quarter" idx="12"/>
+          </p:nvPr>
+        </p:nvSpPr>
+        <p:spPr/>
+        <p:txBody>
+          <a:bodyPr/>
+          <a:lstStyle/>
+          <a:p>
+            <a:fld id="{05869706-863E-4BD1-B682-3CD80F60367B}" type="slidenum">
+              <a:rPr lang="en-US" smtClean="0"/>
+              <a:t>8</a:t>
+            </a:fld>
+            <a:endParaRPr lang="en-US"/>
+          </a:p>
+        </p:txBody>
+      </p:sp>
+      <p:sp>
+        <p:nvSpPr>
+          <p:cNvPr id="6" name="Rectangle 5"/>
+          <p:cNvSpPr/>
+          <p:nvPr/>
+        </p:nvSpPr>
+        <p:spPr>
+          <a:xfrm>
+            <a:off x="2590800" y="1657350"/>
+            <a:ext cx="2895600" cy="283388"/>
+          </a:xfrm>
+          <a:prstGeom prst="rect">
+            <a:avLst/>
+          </a:prstGeom>
+        </p:spPr>
+        <p:style>
+          <a:lnRef idx="2">
+            <a:schemeClr val="accent1">
+              <a:shade val="50000"/>
+            </a:schemeClr>
+          </a:lnRef>
+          <a:fillRef idx="1">
+            <a:schemeClr val="accent1"/>
+          </a:fillRef>
+          <a:effectRef idx="0">
+            <a:schemeClr val="accent1"/>
+          </a:effectRef>
+          <a:fontRef idx="minor">
+            <a:schemeClr val="lt1"/>
+          </a:fontRef>
+        </p:style>
+        <p:txBody>
+          <a:bodyPr rtlCol="0" anchor="ctr"/>
+          <a:lstStyle/>
+          <a:p>
+            <a:pPr algn="ctr"/>
+            <a:r>
+              <a:rPr lang="en-US" sz="2800" dirty="0" smtClean="0"/>
+              <a:t>WHAT</a:t>
+            </a:r>
+            <a:endParaRPr lang="en-US" sz="2800" dirty="0"/>
+          </a:p>
+        </p:txBody>
+      </p:sp>
+      <p:sp>
+        <p:nvSpPr>
+          <p:cNvPr id="7" name="Rectangle 6"/>
+          <p:cNvSpPr/>
+          <p:nvPr/>
+        </p:nvSpPr>
+        <p:spPr>
+          <a:xfrm>
+            <a:off x="5908966" y="1657350"/>
+            <a:ext cx="1177634" cy="283388"/>
+          </a:xfrm>
+          <a:prstGeom prst="rect">
+            <a:avLst/>
+          </a:prstGeom>
+        </p:spPr>
+        <p:style>
+          <a:lnRef idx="2">
+            <a:schemeClr val="accent1">
+              <a:shade val="50000"/>
+            </a:schemeClr>
+          </a:lnRef>
+          <a:fillRef idx="1">
+            <a:schemeClr val="accent1"/>
+          </a:fillRef>
+          <a:effectRef idx="0">
+            <a:schemeClr val="accent1"/>
+          </a:effectRef>
+          <a:fontRef idx="minor">
+            <a:schemeClr val="lt1"/>
+          </a:fontRef>
+        </p:style>
+        <p:txBody>
+          <a:bodyPr lIns="0" rIns="0" rtlCol="0" anchor="ctr"/>
+          <a:lstStyle/>
+          <a:p>
+            <a:pPr algn="ctr"/>
+            <a:r>
+              <a:rPr lang="en-US" sz="2800" dirty="0" smtClean="0"/>
+              <a:t>WHERE</a:t>
+            </a:r>
+            <a:endParaRPr lang="en-US" sz="2800" dirty="0"/>
+          </a:p>
+        </p:txBody>
+      </p:sp>
+      <p:sp>
+        <p:nvSpPr>
+          <p:cNvPr id="8" name="Rectangle 7"/>
+          <p:cNvSpPr/>
+          <p:nvPr/>
+        </p:nvSpPr>
+        <p:spPr>
+          <a:xfrm>
+            <a:off x="6553200" y="2495550"/>
+            <a:ext cx="1295400" cy="228600"/>
+          </a:xfrm>
+          <a:prstGeom prst="rect">
+            <a:avLst/>
+          </a:prstGeom>
+        </p:spPr>
+        <p:style>
+          <a:lnRef idx="2">
+            <a:schemeClr val="accent1">
+              <a:shade val="50000"/>
+            </a:schemeClr>
+          </a:lnRef>
+          <a:fillRef idx="1">
+            <a:schemeClr val="accent1"/>
+          </a:fillRef>
+          <a:effectRef idx="0">
+            <a:schemeClr val="accent1"/>
+          </a:effectRef>
+          <a:fontRef idx="minor">
+            <a:schemeClr val="lt1"/>
+          </a:fontRef>
+        </p:style>
+        <p:txBody>
+          <a:bodyPr rtlCol="0" anchor="ctr"/>
+          <a:lstStyle/>
+          <a:p>
+            <a:pPr algn="ctr"/>
+            <a:r>
+              <a:rPr lang="en-US" sz="2800" dirty="0" smtClean="0"/>
+              <a:t>WHAT</a:t>
+            </a:r>
+            <a:endParaRPr lang="en-US" sz="2400" dirty="0"/>
+          </a:p>
+        </p:txBody>
+      </p:sp>
+      <p:sp>
+        <p:nvSpPr>
+          <p:cNvPr id="9" name="Rectangle 8"/>
+          <p:cNvSpPr/>
+          <p:nvPr/>
+        </p:nvSpPr>
+        <p:spPr>
+          <a:xfrm>
+            <a:off x="6553200" y="2767350"/>
+            <a:ext cx="1295400" cy="251460"/>
+          </a:xfrm>
+          <a:prstGeom prst="rect">
+            <a:avLst/>
+          </a:prstGeom>
+        </p:spPr>
+        <p:style>
+          <a:lnRef idx="2">
+            <a:schemeClr val="accent1">
+              <a:shade val="50000"/>
+            </a:schemeClr>
+          </a:lnRef>
+          <a:fillRef idx="1">
+            <a:schemeClr val="accent1"/>
+          </a:fillRef>
+          <a:effectRef idx="0">
+            <a:schemeClr val="accent1"/>
+          </a:effectRef>
+          <a:fontRef idx="minor">
+            <a:schemeClr val="lt1"/>
+          </a:fontRef>
+        </p:style>
+        <p:txBody>
+          <a:bodyPr rtlCol="0" anchor="ctr"/>
+          <a:lstStyle/>
+          <a:p>
+            <a:pPr algn="ctr"/>
+            <a:r>
+              <a:rPr lang="en-US" sz="2800" dirty="0" smtClean="0"/>
+              <a:t>WHERE</a:t>
+            </a:r>
+            <a:endParaRPr lang="en-US" sz="2800" dirty="0"/>
+          </a:p>
+        </p:txBody>
+      </p:sp>
+      <p:sp>
+        <p:nvSpPr>
+          <p:cNvPr id="10" name="Rectangle 9"/>
+          <p:cNvSpPr/>
+          <p:nvPr/>
+        </p:nvSpPr>
+        <p:spPr>
+          <a:xfrm>
+            <a:off x="6553200" y="3065004"/>
+            <a:ext cx="1295400" cy="827946"/>
+          </a:xfrm>
+          <a:prstGeom prst="rect">
+            <a:avLst/>
+          </a:prstGeom>
+        </p:spPr>
+        <p:style>
+          <a:lnRef idx="2">
+            <a:schemeClr val="accent1">
+              <a:shade val="50000"/>
+            </a:schemeClr>
+          </a:lnRef>
+          <a:fillRef idx="1">
+            <a:schemeClr val="accent1"/>
+          </a:fillRef>
+          <a:effectRef idx="0">
+            <a:schemeClr val="accent1"/>
+          </a:effectRef>
+          <a:fontRef idx="minor">
+            <a:schemeClr val="lt1"/>
+          </a:fontRef>
+        </p:style>
+        <p:txBody>
+          <a:bodyPr rtlCol="0" anchor="ctr"/>
+          <a:lstStyle/>
+          <a:p>
+            <a:pPr algn="ctr"/>
+            <a:r>
+              <a:rPr lang="en-US" sz="2800" dirty="0" smtClean="0"/>
+              <a:t>HOW</a:t>
+            </a:r>
+            <a:endParaRPr lang="en-US" sz="2800" dirty="0"/>
+          </a:p>
+        </p:txBody>
+      </p:sp>
+    </p:spTree>
+    <p:extLst>
+      <p:ext uri="{BB962C8B-B14F-4D97-AF65-F5344CB8AC3E}">
+        <p14:creationId xmlns:p14="http://schemas.microsoft.com/office/powerpoint/2010/main" val="2705181770"/>
       </p:ext>
     </p:extLst>
   </p:cSld>
@@ -18665,7 +18685,7 @@
           <a:p>
             <a:r>
               <a:rPr lang="en-US" smtClean="0"/>
-              <a:t>2018-06-09</a:t>
+              <a:t>2019-02-19</a:t>
             </a:r>
             <a:endParaRPr lang="en-US"/>
           </a:p>
